--- a/architecture/KabaneroEvent.pptx
+++ b/architecture/KabaneroEvent.pptx
@@ -262,7 +262,7 @@
           <a:p>
             <a:fld id="{13593C2D-3CA5-4D4F-90AB-38346B6393DE}" type="datetimeFigureOut">
               <a:rPr lang="en-US" smtClean="0"/>
-              <a:t>8/13/2019</a:t>
+              <a:t>8/19/2019</a:t>
             </a:fld>
             <a:endParaRPr lang="en-US"/>
           </a:p>
@@ -460,7 +460,7 @@
           <a:p>
             <a:fld id="{13593C2D-3CA5-4D4F-90AB-38346B6393DE}" type="datetimeFigureOut">
               <a:rPr lang="en-US" smtClean="0"/>
-              <a:t>8/13/2019</a:t>
+              <a:t>8/19/2019</a:t>
             </a:fld>
             <a:endParaRPr lang="en-US"/>
           </a:p>
@@ -668,7 +668,7 @@
           <a:p>
             <a:fld id="{13593C2D-3CA5-4D4F-90AB-38346B6393DE}" type="datetimeFigureOut">
               <a:rPr lang="en-US" smtClean="0"/>
-              <a:t>8/13/2019</a:t>
+              <a:t>8/19/2019</a:t>
             </a:fld>
             <a:endParaRPr lang="en-US"/>
           </a:p>
@@ -866,7 +866,7 @@
           <a:p>
             <a:fld id="{13593C2D-3CA5-4D4F-90AB-38346B6393DE}" type="datetimeFigureOut">
               <a:rPr lang="en-US" smtClean="0"/>
-              <a:t>8/13/2019</a:t>
+              <a:t>8/19/2019</a:t>
             </a:fld>
             <a:endParaRPr lang="en-US"/>
           </a:p>
@@ -1141,7 +1141,7 @@
           <a:p>
             <a:fld id="{13593C2D-3CA5-4D4F-90AB-38346B6393DE}" type="datetimeFigureOut">
               <a:rPr lang="en-US" smtClean="0"/>
-              <a:t>8/13/2019</a:t>
+              <a:t>8/19/2019</a:t>
             </a:fld>
             <a:endParaRPr lang="en-US"/>
           </a:p>
@@ -1406,7 +1406,7 @@
           <a:p>
             <a:fld id="{13593C2D-3CA5-4D4F-90AB-38346B6393DE}" type="datetimeFigureOut">
               <a:rPr lang="en-US" smtClean="0"/>
-              <a:t>8/13/2019</a:t>
+              <a:t>8/19/2019</a:t>
             </a:fld>
             <a:endParaRPr lang="en-US"/>
           </a:p>
@@ -1818,7 +1818,7 @@
           <a:p>
             <a:fld id="{13593C2D-3CA5-4D4F-90AB-38346B6393DE}" type="datetimeFigureOut">
               <a:rPr lang="en-US" smtClean="0"/>
-              <a:t>8/13/2019</a:t>
+              <a:t>8/19/2019</a:t>
             </a:fld>
             <a:endParaRPr lang="en-US"/>
           </a:p>
@@ -1959,7 +1959,7 @@
           <a:p>
             <a:fld id="{13593C2D-3CA5-4D4F-90AB-38346B6393DE}" type="datetimeFigureOut">
               <a:rPr lang="en-US" smtClean="0"/>
-              <a:t>8/13/2019</a:t>
+              <a:t>8/19/2019</a:t>
             </a:fld>
             <a:endParaRPr lang="en-US"/>
           </a:p>
@@ -2072,7 +2072,7 @@
           <a:p>
             <a:fld id="{13593C2D-3CA5-4D4F-90AB-38346B6393DE}" type="datetimeFigureOut">
               <a:rPr lang="en-US" smtClean="0"/>
-              <a:t>8/13/2019</a:t>
+              <a:t>8/19/2019</a:t>
             </a:fld>
             <a:endParaRPr lang="en-US"/>
           </a:p>
@@ -2383,7 +2383,7 @@
           <a:p>
             <a:fld id="{13593C2D-3CA5-4D4F-90AB-38346B6393DE}" type="datetimeFigureOut">
               <a:rPr lang="en-US" smtClean="0"/>
-              <a:t>8/13/2019</a:t>
+              <a:t>8/19/2019</a:t>
             </a:fld>
             <a:endParaRPr lang="en-US"/>
           </a:p>
@@ -2671,7 +2671,7 @@
           <a:p>
             <a:fld id="{13593C2D-3CA5-4D4F-90AB-38346B6393DE}" type="datetimeFigureOut">
               <a:rPr lang="en-US" smtClean="0"/>
-              <a:t>8/13/2019</a:t>
+              <a:t>8/19/2019</a:t>
             </a:fld>
             <a:endParaRPr lang="en-US"/>
           </a:p>
@@ -2912,7 +2912,7 @@
           <a:p>
             <a:fld id="{13593C2D-3CA5-4D4F-90AB-38346B6393DE}" type="datetimeFigureOut">
               <a:rPr lang="en-US" smtClean="0"/>
-              <a:t>8/13/2019</a:t>
+              <a:t>8/19/2019</a:t>
             </a:fld>
             <a:endParaRPr lang="en-US"/>
           </a:p>
@@ -5120,8 +5120,8 @@
         </p:nvSpPr>
         <p:spPr>
           <a:xfrm>
-            <a:off x="10193740" y="1618956"/>
-            <a:ext cx="1810986" cy="5057702"/>
+            <a:off x="10126728" y="183375"/>
+            <a:ext cx="1810986" cy="6636395"/>
           </a:xfrm>
           <a:prstGeom prst="rect">
             <a:avLst/>
@@ -5322,7 +5322,7 @@
         </p:nvSpPr>
         <p:spPr>
           <a:xfrm>
-            <a:off x="10312256" y="3365659"/>
+            <a:off x="10245244" y="1930080"/>
             <a:ext cx="1545514" cy="481871"/>
           </a:xfrm>
           <a:prstGeom prst="ellipse">
@@ -5423,8 +5423,8 @@
         </p:nvSpPr>
         <p:spPr>
           <a:xfrm>
-            <a:off x="5193289" y="4638361"/>
-            <a:ext cx="1020223" cy="875387"/>
+            <a:off x="5669624" y="4556822"/>
+            <a:ext cx="1453173" cy="614680"/>
           </a:xfrm>
           <a:prstGeom prst="ellipse">
             <a:avLst/>
@@ -5458,7 +5458,7 @@
                   <a:schemeClr val="tx1"/>
                 </a:solidFill>
               </a:rPr>
-              <a:t>ui-1</a:t>
+              <a:t>ui-test-1</a:t>
             </a:r>
           </a:p>
         </p:txBody>
@@ -5477,7 +5477,7 @@
         </p:nvSpPr>
         <p:spPr>
           <a:xfrm>
-            <a:off x="10117359" y="1228267"/>
+            <a:off x="8863742" y="6382537"/>
             <a:ext cx="1248932" cy="369332"/>
           </a:xfrm>
           <a:prstGeom prst="rect">
@@ -5548,7 +5548,7 @@
         <p:spPr>
           <a:xfrm>
             <a:off x="3604883" y="501947"/>
-            <a:ext cx="1271502" cy="369332"/>
+            <a:ext cx="1544012" cy="369332"/>
           </a:xfrm>
           <a:prstGeom prst="rect">
             <a:avLst/>
@@ -5571,6 +5571,14 @@
             </a:r>
             <a:r>
               <a:rPr lang="en-US" dirty="0"/>
+              <a:t>-</a:t>
+            </a:r>
+            <a:r>
+              <a:rPr lang="en-US" dirty="0" err="1"/>
+              <a:t>pr</a:t>
+            </a:r>
+            <a:r>
+              <a:rPr lang="en-US" dirty="0"/>
               <a:t>-build</a:t>
             </a:r>
           </a:p>
@@ -5591,7 +5599,7 @@
         <p:spPr>
           <a:xfrm>
             <a:off x="3651313" y="3948135"/>
-            <a:ext cx="1154227" cy="369332"/>
+            <a:ext cx="1994200" cy="369332"/>
           </a:xfrm>
           <a:prstGeom prst="rect">
             <a:avLst/>
@@ -5614,7 +5622,7 @@
             </a:r>
             <a:r>
               <a:rPr lang="en-US" dirty="0"/>
-              <a:t>-test</a:t>
+              <a:t>-master-build</a:t>
             </a:r>
           </a:p>
         </p:txBody>
@@ -5691,8 +5699,8 @@
         </p:nvCxnSpPr>
         <p:spPr>
           <a:xfrm flipV="1">
-            <a:off x="6213512" y="4394203"/>
-            <a:ext cx="449230" cy="681852"/>
+            <a:off x="7122797" y="4426416"/>
+            <a:ext cx="425117" cy="437746"/>
           </a:xfrm>
           <a:prstGeom prst="straightConnector1">
             <a:avLst/>
@@ -5998,7 +6006,7 @@
         </p:nvSpPr>
         <p:spPr>
           <a:xfrm>
-            <a:off x="6662742" y="4086862"/>
+            <a:off x="7547914" y="4119075"/>
             <a:ext cx="1545514" cy="614681"/>
           </a:xfrm>
           <a:prstGeom prst="ellipse">
@@ -6325,8 +6333,8 @@
         </p:nvSpPr>
         <p:spPr>
           <a:xfrm>
-            <a:off x="10405482" y="5539463"/>
-            <a:ext cx="1359063" cy="692625"/>
+            <a:off x="10280111" y="4061294"/>
+            <a:ext cx="1359063" cy="489197"/>
           </a:xfrm>
           <a:prstGeom prst="ellipse">
             <a:avLst/>
@@ -6362,11 +6370,14 @@
               </a:rPr>
               <a:t>ui</a:t>
             </a:r>
-            <a:endParaRPr lang="en-US" dirty="0">
-              <a:solidFill>
-                <a:schemeClr val="tx1"/>
-              </a:solidFill>
-            </a:endParaRPr>
+            <a:r>
+              <a:rPr lang="en-US" dirty="0">
+                <a:solidFill>
+                  <a:schemeClr val="tx1"/>
+                </a:solidFill>
+              </a:rPr>
+              <a:t>-build</a:t>
+            </a:r>
           </a:p>
         </p:txBody>
       </p:sp>
@@ -6384,8 +6395,8 @@
         </p:nvSpPr>
         <p:spPr>
           <a:xfrm>
-            <a:off x="10237352" y="1652167"/>
-            <a:ext cx="1271502" cy="369332"/>
+            <a:off x="10170340" y="216588"/>
+            <a:ext cx="1544012" cy="369332"/>
           </a:xfrm>
           <a:prstGeom prst="rect">
             <a:avLst/>
@@ -6408,6 +6419,14 @@
             </a:r>
             <a:r>
               <a:rPr lang="en-US" dirty="0"/>
+              <a:t>-</a:t>
+            </a:r>
+            <a:r>
+              <a:rPr lang="en-US" dirty="0" err="1"/>
+              <a:t>pr</a:t>
+            </a:r>
+            <a:r>
+              <a:rPr lang="en-US" dirty="0"/>
               <a:t>-build</a:t>
             </a:r>
           </a:p>
@@ -6427,7 +6446,7 @@
         </p:nvSpPr>
         <p:spPr>
           <a:xfrm>
-            <a:off x="10443206" y="2249590"/>
+            <a:off x="10376194" y="814011"/>
             <a:ext cx="1359063" cy="442516"/>
           </a:xfrm>
           <a:prstGeom prst="ellipse">
@@ -6489,7 +6508,7 @@
         </p:nvSpPr>
         <p:spPr>
           <a:xfrm>
-            <a:off x="10347123" y="4473933"/>
+            <a:off x="10280111" y="3038354"/>
             <a:ext cx="1545514" cy="481871"/>
           </a:xfrm>
           <a:prstGeom prst="ellipse">
@@ -6597,7 +6616,7 @@
         </p:nvSpPr>
         <p:spPr>
           <a:xfrm>
-            <a:off x="10289447" y="3890244"/>
+            <a:off x="10222435" y="2454665"/>
             <a:ext cx="1545514" cy="481871"/>
           </a:xfrm>
           <a:prstGeom prst="ellipse">
@@ -6705,7 +6724,7 @@
         </p:nvSpPr>
         <p:spPr>
           <a:xfrm>
-            <a:off x="6684838" y="4992140"/>
+            <a:off x="7570010" y="5024353"/>
             <a:ext cx="1609972" cy="614680"/>
           </a:xfrm>
           <a:prstGeom prst="ellipse">
@@ -6763,8 +6782,8 @@
         </p:nvCxnSpPr>
         <p:spPr>
           <a:xfrm>
-            <a:off x="6213512" y="5076055"/>
-            <a:ext cx="471326" cy="223425"/>
+            <a:off x="7122797" y="4864162"/>
+            <a:ext cx="447213" cy="467531"/>
           </a:xfrm>
           <a:prstGeom prst="straightConnector1">
             <a:avLst/>
@@ -6802,8 +6821,8 @@
         </p:nvSpPr>
         <p:spPr>
           <a:xfrm>
-            <a:off x="10270369" y="5159439"/>
-            <a:ext cx="1154227" cy="369332"/>
+            <a:off x="10055768" y="3723860"/>
+            <a:ext cx="1994200" cy="369332"/>
           </a:xfrm>
           <a:prstGeom prst="rect">
             <a:avLst/>
@@ -6826,7 +6845,7 @@
             </a:r>
             <a:r>
               <a:rPr lang="en-US" dirty="0"/>
-              <a:t>-test</a:t>
+              <a:t>-master-build</a:t>
             </a:r>
           </a:p>
         </p:txBody>
@@ -6845,7 +6864,7 @@
         </p:nvCxnSpPr>
         <p:spPr>
           <a:xfrm>
-            <a:off x="10191755" y="5159439"/>
+            <a:off x="10124743" y="3723860"/>
             <a:ext cx="1812971" cy="0"/>
           </a:xfrm>
           <a:prstGeom prst="line">
@@ -6881,7 +6900,7 @@
         </p:nvSpPr>
         <p:spPr>
           <a:xfrm>
-            <a:off x="10462986" y="2807308"/>
+            <a:off x="10395974" y="1371729"/>
             <a:ext cx="1286977" cy="442516"/>
           </a:xfrm>
           <a:prstGeom prst="ellipse">
@@ -7389,10 +7408,82 @@
       </p:cxnSp>
       <p:sp>
         <p:nvSpPr>
-          <p:cNvPr id="204" name="Oval 203">
-            <a:extLst>
-              <a:ext uri="{FF2B5EF4-FFF2-40B4-BE49-F238E27FC236}">
-                <a16:creationId xmlns:a16="http://schemas.microsoft.com/office/drawing/2014/main" id="{6A78BC56-F1ED-4AC3-AF76-5A8478AAB125}"/>
+          <p:cNvPr id="212" name="TextBox 211">
+            <a:extLst>
+              <a:ext uri="{FF2B5EF4-FFF2-40B4-BE49-F238E27FC236}">
+                <a16:creationId xmlns:a16="http://schemas.microsoft.com/office/drawing/2014/main" id="{63A41BF0-B14C-468F-B4AB-5F21557BDE56}"/>
+              </a:ext>
+            </a:extLst>
+          </p:cNvPr>
+          <p:cNvSpPr txBox="1"/>
+          <p:nvPr/>
+        </p:nvSpPr>
+        <p:spPr>
+          <a:xfrm>
+            <a:off x="373828" y="1632933"/>
+            <a:ext cx="975395" cy="369332"/>
+          </a:xfrm>
+          <a:prstGeom prst="rect">
+            <a:avLst/>
+          </a:prstGeom>
+          <a:noFill/>
+        </p:spPr>
+        <p:txBody>
+          <a:bodyPr wrap="none" rtlCol="0">
+            <a:spAutoFit/>
+          </a:bodyPr>
+          <a:lstStyle/>
+          <a:p>
+            <a:r>
+              <a:rPr lang="en-US" dirty="0" err="1"/>
+              <a:t>appsody</a:t>
+            </a:r>
+            <a:endParaRPr lang="en-US" dirty="0"/>
+          </a:p>
+        </p:txBody>
+      </p:sp>
+      <p:sp>
+        <p:nvSpPr>
+          <p:cNvPr id="213" name="TextBox 212">
+            <a:extLst>
+              <a:ext uri="{FF2B5EF4-FFF2-40B4-BE49-F238E27FC236}">
+                <a16:creationId xmlns:a16="http://schemas.microsoft.com/office/drawing/2014/main" id="{957737E7-86D1-4289-9682-F0BCA1E0BEBB}"/>
+              </a:ext>
+            </a:extLst>
+          </p:cNvPr>
+          <p:cNvSpPr txBox="1"/>
+          <p:nvPr/>
+        </p:nvSpPr>
+        <p:spPr>
+          <a:xfrm>
+            <a:off x="1355227" y="1636041"/>
+            <a:ext cx="975395" cy="369332"/>
+          </a:xfrm>
+          <a:prstGeom prst="rect">
+            <a:avLst/>
+          </a:prstGeom>
+          <a:noFill/>
+        </p:spPr>
+        <p:txBody>
+          <a:bodyPr wrap="none" rtlCol="0">
+            <a:spAutoFit/>
+          </a:bodyPr>
+          <a:lstStyle/>
+          <a:p>
+            <a:r>
+              <a:rPr lang="en-US" dirty="0" err="1"/>
+              <a:t>appsody</a:t>
+            </a:r>
+            <a:endParaRPr lang="en-US" dirty="0"/>
+          </a:p>
+        </p:txBody>
+      </p:sp>
+      <p:sp>
+        <p:nvSpPr>
+          <p:cNvPr id="62" name="Oval 61">
+            <a:extLst>
+              <a:ext uri="{FF2B5EF4-FFF2-40B4-BE49-F238E27FC236}">
+                <a16:creationId xmlns:a16="http://schemas.microsoft.com/office/drawing/2014/main" id="{B1596B75-E651-4238-9E6C-38AD17AD38AD}"/>
               </a:ext>
             </a:extLst>
           </p:cNvPr>
@@ -7401,8 +7492,8 @@
         </p:nvSpPr>
         <p:spPr>
           <a:xfrm>
-            <a:off x="3849296" y="4644994"/>
-            <a:ext cx="1020223" cy="875387"/>
+            <a:off x="3722851" y="4592799"/>
+            <a:ext cx="1574506" cy="464358"/>
           </a:xfrm>
           <a:prstGeom prst="ellipse">
             <a:avLst/>
@@ -7436,198 +7527,232 @@
                   <a:schemeClr val="tx1"/>
                 </a:solidFill>
               </a:rPr>
-              <a:t>route</a:t>
-            </a:r>
-          </a:p>
-        </p:txBody>
-      </p:sp>
-      <p:cxnSp>
-        <p:nvCxnSpPr>
-          <p:cNvPr id="206" name="Straight Arrow Connector 205">
-            <a:extLst>
-              <a:ext uri="{FF2B5EF4-FFF2-40B4-BE49-F238E27FC236}">
-                <a16:creationId xmlns:a16="http://schemas.microsoft.com/office/drawing/2014/main" id="{278D6C50-18D0-4924-9558-6D1BC6281ED2}"/>
-              </a:ext>
-            </a:extLst>
-          </p:cNvPr>
-          <p:cNvCxnSpPr>
-            <a:endCxn id="204" idx="2"/>
-          </p:cNvCxnSpPr>
-          <p:nvPr/>
-        </p:nvCxnSpPr>
-        <p:spPr>
-          <a:xfrm>
-            <a:off x="2903427" y="5082687"/>
-            <a:ext cx="945869" cy="1"/>
-          </a:xfrm>
-          <a:prstGeom prst="straightConnector1">
-            <a:avLst/>
-          </a:prstGeom>
-          <a:ln>
-            <a:tailEnd type="triangle"/>
-          </a:ln>
-        </p:spPr>
-        <p:style>
-          <a:lnRef idx="1">
-            <a:schemeClr val="accent1"/>
-          </a:lnRef>
-          <a:fillRef idx="0">
-            <a:schemeClr val="accent1"/>
-          </a:fillRef>
-          <a:effectRef idx="0">
-            <a:schemeClr val="accent1"/>
-          </a:effectRef>
-          <a:fontRef idx="minor">
-            <a:schemeClr val="tx1"/>
-          </a:fontRef>
-        </p:style>
-      </p:cxnSp>
-      <p:sp>
-        <p:nvSpPr>
-          <p:cNvPr id="207" name="TextBox 206">
-            <a:extLst>
-              <a:ext uri="{FF2B5EF4-FFF2-40B4-BE49-F238E27FC236}">
-                <a16:creationId xmlns:a16="http://schemas.microsoft.com/office/drawing/2014/main" id="{4E9CCB3C-6498-48D6-BE81-FEFC35B27E1F}"/>
-              </a:ext>
-            </a:extLst>
-          </p:cNvPr>
-          <p:cNvSpPr txBox="1"/>
-          <p:nvPr/>
-        </p:nvSpPr>
-        <p:spPr>
-          <a:xfrm>
-            <a:off x="2003119" y="4899534"/>
-            <a:ext cx="938014" cy="369332"/>
-          </a:xfrm>
-          <a:prstGeom prst="rect">
-            <a:avLst/>
-          </a:prstGeom>
-          <a:noFill/>
-        </p:spPr>
-        <p:txBody>
-          <a:bodyPr wrap="none" rtlCol="0">
-            <a:spAutoFit/>
-          </a:bodyPr>
-          <a:lstStyle/>
-          <a:p>
-            <a:r>
-              <a:rPr lang="en-US" dirty="0"/>
-              <a:t>Intranet</a:t>
-            </a:r>
-          </a:p>
-        </p:txBody>
-      </p:sp>
-      <p:cxnSp>
-        <p:nvCxnSpPr>
-          <p:cNvPr id="211" name="Straight Arrow Connector 210">
-            <a:extLst>
-              <a:ext uri="{FF2B5EF4-FFF2-40B4-BE49-F238E27FC236}">
-                <a16:creationId xmlns:a16="http://schemas.microsoft.com/office/drawing/2014/main" id="{69B555E2-B8DD-471E-8EBB-61DF3D33AA97}"/>
-              </a:ext>
-            </a:extLst>
-          </p:cNvPr>
-          <p:cNvCxnSpPr>
-            <a:stCxn id="204" idx="6"/>
-            <a:endCxn id="53" idx="2"/>
-          </p:cNvCxnSpPr>
-          <p:nvPr/>
-        </p:nvCxnSpPr>
-        <p:spPr>
-          <a:xfrm flipV="1">
-            <a:off x="4869519" y="5076055"/>
-            <a:ext cx="323770" cy="6633"/>
-          </a:xfrm>
-          <a:prstGeom prst="straightConnector1">
-            <a:avLst/>
-          </a:prstGeom>
-          <a:ln>
-            <a:tailEnd type="triangle"/>
-          </a:ln>
-        </p:spPr>
-        <p:style>
-          <a:lnRef idx="1">
-            <a:schemeClr val="accent1"/>
-          </a:lnRef>
-          <a:fillRef idx="0">
-            <a:schemeClr val="accent1"/>
-          </a:fillRef>
-          <a:effectRef idx="0">
-            <a:schemeClr val="accent1"/>
-          </a:effectRef>
-          <a:fontRef idx="minor">
-            <a:schemeClr val="tx1"/>
-          </a:fontRef>
-        </p:style>
-      </p:cxnSp>
-      <p:sp>
-        <p:nvSpPr>
-          <p:cNvPr id="212" name="TextBox 211">
-            <a:extLst>
-              <a:ext uri="{FF2B5EF4-FFF2-40B4-BE49-F238E27FC236}">
-                <a16:creationId xmlns:a16="http://schemas.microsoft.com/office/drawing/2014/main" id="{63A41BF0-B14C-468F-B4AB-5F21557BDE56}"/>
-              </a:ext>
-            </a:extLst>
-          </p:cNvPr>
-          <p:cNvSpPr txBox="1"/>
-          <p:nvPr/>
-        </p:nvSpPr>
-        <p:spPr>
-          <a:xfrm>
-            <a:off x="373828" y="1632933"/>
-            <a:ext cx="975395" cy="369332"/>
-          </a:xfrm>
-          <a:prstGeom prst="rect">
-            <a:avLst/>
-          </a:prstGeom>
-          <a:noFill/>
-        </p:spPr>
-        <p:txBody>
-          <a:bodyPr wrap="none" rtlCol="0">
-            <a:spAutoFit/>
-          </a:bodyPr>
-          <a:lstStyle/>
-          <a:p>
-            <a:r>
-              <a:rPr lang="en-US" dirty="0" err="1"/>
-              <a:t>appsody</a:t>
-            </a:r>
-            <a:endParaRPr lang="en-US" dirty="0"/>
-          </a:p>
-        </p:txBody>
-      </p:sp>
-      <p:sp>
-        <p:nvSpPr>
-          <p:cNvPr id="213" name="TextBox 212">
-            <a:extLst>
-              <a:ext uri="{FF2B5EF4-FFF2-40B4-BE49-F238E27FC236}">
-                <a16:creationId xmlns:a16="http://schemas.microsoft.com/office/drawing/2014/main" id="{957737E7-86D1-4289-9682-F0BCA1E0BEBB}"/>
-              </a:ext>
-            </a:extLst>
-          </p:cNvPr>
-          <p:cNvSpPr txBox="1"/>
-          <p:nvPr/>
-        </p:nvSpPr>
-        <p:spPr>
-          <a:xfrm>
-            <a:off x="1355227" y="1636041"/>
-            <a:ext cx="975395" cy="369332"/>
-          </a:xfrm>
-          <a:prstGeom prst="rect">
-            <a:avLst/>
-          </a:prstGeom>
-          <a:noFill/>
-        </p:spPr>
-        <p:txBody>
-          <a:bodyPr wrap="none" rtlCol="0">
-            <a:spAutoFit/>
-          </a:bodyPr>
-          <a:lstStyle/>
-          <a:p>
-            <a:r>
-              <a:rPr lang="en-US" dirty="0" err="1"/>
-              <a:t>appsody</a:t>
-            </a:r>
-            <a:endParaRPr lang="en-US" dirty="0"/>
+              <a:t>ui-build-1</a:t>
+            </a:r>
+          </a:p>
+        </p:txBody>
+      </p:sp>
+      <p:sp>
+        <p:nvSpPr>
+          <p:cNvPr id="75" name="Oval 74">
+            <a:extLst>
+              <a:ext uri="{FF2B5EF4-FFF2-40B4-BE49-F238E27FC236}">
+                <a16:creationId xmlns:a16="http://schemas.microsoft.com/office/drawing/2014/main" id="{B85299C0-8F5F-428D-B54F-3325CDEC1964}"/>
+              </a:ext>
+            </a:extLst>
+          </p:cNvPr>
+          <p:cNvSpPr/>
+          <p:nvPr/>
+        </p:nvSpPr>
+        <p:spPr>
+          <a:xfrm>
+            <a:off x="10323888" y="4592799"/>
+            <a:ext cx="1359063" cy="489197"/>
+          </a:xfrm>
+          <a:prstGeom prst="ellipse">
+            <a:avLst/>
+          </a:prstGeom>
+          <a:noFill/>
+        </p:spPr>
+        <p:style>
+          <a:lnRef idx="2">
+            <a:schemeClr val="accent1">
+              <a:shade val="50000"/>
+            </a:schemeClr>
+          </a:lnRef>
+          <a:fillRef idx="1">
+            <a:schemeClr val="accent1"/>
+          </a:fillRef>
+          <a:effectRef idx="0">
+            <a:schemeClr val="accent1"/>
+          </a:effectRef>
+          <a:fontRef idx="minor">
+            <a:schemeClr val="lt1"/>
+          </a:fontRef>
+        </p:style>
+        <p:txBody>
+          <a:bodyPr rtlCol="0" anchor="ctr"/>
+          <a:lstStyle/>
+          <a:p>
+            <a:pPr algn="ctr"/>
+            <a:r>
+              <a:rPr lang="en-US" dirty="0" err="1">
+                <a:solidFill>
+                  <a:schemeClr val="tx1"/>
+                </a:solidFill>
+              </a:rPr>
+              <a:t>ui</a:t>
+            </a:r>
+            <a:r>
+              <a:rPr lang="en-US" dirty="0">
+                <a:solidFill>
+                  <a:schemeClr val="tx1"/>
+                </a:solidFill>
+              </a:rPr>
+              <a:t>-test</a:t>
+            </a:r>
+          </a:p>
+        </p:txBody>
+      </p:sp>
+      <p:sp>
+        <p:nvSpPr>
+          <p:cNvPr id="79" name="Oval 78">
+            <a:extLst>
+              <a:ext uri="{FF2B5EF4-FFF2-40B4-BE49-F238E27FC236}">
+                <a16:creationId xmlns:a16="http://schemas.microsoft.com/office/drawing/2014/main" id="{BFA42FB3-8E49-4B54-886F-AC36AD07AF0F}"/>
+              </a:ext>
+            </a:extLst>
+          </p:cNvPr>
+          <p:cNvSpPr/>
+          <p:nvPr/>
+        </p:nvSpPr>
+        <p:spPr>
+          <a:xfrm>
+            <a:off x="10217570" y="5127810"/>
+            <a:ext cx="1545514" cy="481871"/>
+          </a:xfrm>
+          <a:prstGeom prst="ellipse">
+            <a:avLst/>
+          </a:prstGeom>
+          <a:noFill/>
+        </p:spPr>
+        <p:style>
+          <a:lnRef idx="2">
+            <a:schemeClr val="accent1">
+              <a:shade val="50000"/>
+            </a:schemeClr>
+          </a:lnRef>
+          <a:fillRef idx="1">
+            <a:schemeClr val="accent1"/>
+          </a:fillRef>
+          <a:effectRef idx="0">
+            <a:schemeClr val="accent1"/>
+          </a:effectRef>
+          <a:fontRef idx="minor">
+            <a:schemeClr val="lt1"/>
+          </a:fontRef>
+        </p:style>
+        <p:txBody>
+          <a:bodyPr rtlCol="0" anchor="ctr"/>
+          <a:lstStyle/>
+          <a:p>
+            <a:pPr algn="ctr"/>
+            <a:r>
+              <a:rPr lang="en-US" dirty="0">
+                <a:solidFill>
+                  <a:schemeClr val="tx1"/>
+                </a:solidFill>
+              </a:rPr>
+              <a:t>svc-a</a:t>
+            </a:r>
+          </a:p>
+        </p:txBody>
+      </p:sp>
+      <p:sp>
+        <p:nvSpPr>
+          <p:cNvPr id="80" name="Oval 79">
+            <a:extLst>
+              <a:ext uri="{FF2B5EF4-FFF2-40B4-BE49-F238E27FC236}">
+                <a16:creationId xmlns:a16="http://schemas.microsoft.com/office/drawing/2014/main" id="{881BC5C2-98B0-43E7-A275-68487C25A638}"/>
+              </a:ext>
+            </a:extLst>
+          </p:cNvPr>
+          <p:cNvSpPr/>
+          <p:nvPr/>
+        </p:nvSpPr>
+        <p:spPr>
+          <a:xfrm>
+            <a:off x="10252437" y="6236084"/>
+            <a:ext cx="1545514" cy="481871"/>
+          </a:xfrm>
+          <a:prstGeom prst="ellipse">
+            <a:avLst/>
+          </a:prstGeom>
+          <a:noFill/>
+        </p:spPr>
+        <p:style>
+          <a:lnRef idx="2">
+            <a:schemeClr val="accent1">
+              <a:shade val="50000"/>
+            </a:schemeClr>
+          </a:lnRef>
+          <a:fillRef idx="1">
+            <a:schemeClr val="accent1"/>
+          </a:fillRef>
+          <a:effectRef idx="0">
+            <a:schemeClr val="accent1"/>
+          </a:effectRef>
+          <a:fontRef idx="minor">
+            <a:schemeClr val="lt1"/>
+          </a:fontRef>
+        </p:style>
+        <p:txBody>
+          <a:bodyPr rtlCol="0" anchor="ctr"/>
+          <a:lstStyle/>
+          <a:p>
+            <a:pPr algn="ctr"/>
+            <a:r>
+              <a:rPr lang="en-US" dirty="0">
+                <a:solidFill>
+                  <a:schemeClr val="tx1"/>
+                </a:solidFill>
+              </a:rPr>
+              <a:t>helper-b</a:t>
+            </a:r>
+          </a:p>
+        </p:txBody>
+      </p:sp>
+      <p:sp>
+        <p:nvSpPr>
+          <p:cNvPr id="81" name="Oval 80">
+            <a:extLst>
+              <a:ext uri="{FF2B5EF4-FFF2-40B4-BE49-F238E27FC236}">
+                <a16:creationId xmlns:a16="http://schemas.microsoft.com/office/drawing/2014/main" id="{60E1EB38-440E-4462-B75A-D8833EEFBC1A}"/>
+              </a:ext>
+            </a:extLst>
+          </p:cNvPr>
+          <p:cNvSpPr/>
+          <p:nvPr/>
+        </p:nvSpPr>
+        <p:spPr>
+          <a:xfrm>
+            <a:off x="10194761" y="5652395"/>
+            <a:ext cx="1545514" cy="481871"/>
+          </a:xfrm>
+          <a:prstGeom prst="ellipse">
+            <a:avLst/>
+          </a:prstGeom>
+          <a:noFill/>
+        </p:spPr>
+        <p:style>
+          <a:lnRef idx="2">
+            <a:schemeClr val="accent1">
+              <a:shade val="50000"/>
+            </a:schemeClr>
+          </a:lnRef>
+          <a:fillRef idx="1">
+            <a:schemeClr val="accent1"/>
+          </a:fillRef>
+          <a:effectRef idx="0">
+            <a:schemeClr val="accent1"/>
+          </a:effectRef>
+          <a:fontRef idx="minor">
+            <a:schemeClr val="lt1"/>
+          </a:fontRef>
+        </p:style>
+        <p:txBody>
+          <a:bodyPr rtlCol="0" anchor="ctr"/>
+          <a:lstStyle/>
+          <a:p>
+            <a:pPr algn="ctr"/>
+            <a:r>
+              <a:rPr lang="en-US" dirty="0">
+                <a:solidFill>
+                  <a:schemeClr val="tx1"/>
+                </a:solidFill>
+              </a:rPr>
+              <a:t>svc-b</a:t>
+            </a:r>
           </a:p>
         </p:txBody>
       </p:sp>

--- a/architecture/KabaneroEvent.pptx
+++ b/architecture/KabaneroEvent.pptx
@@ -9,6 +9,8 @@
     <p:sldId id="258" r:id="rId3"/>
     <p:sldId id="260" r:id="rId4"/>
     <p:sldId id="259" r:id="rId5"/>
+    <p:sldId id="262" r:id="rId6"/>
+    <p:sldId id="263" r:id="rId7"/>
   </p:sldIdLst>
   <p:sldSz cx="12192000" cy="6858000"/>
   <p:notesSz cx="6858000" cy="9144000"/>
@@ -262,7 +264,7 @@
           <a:p>
             <a:fld id="{13593C2D-3CA5-4D4F-90AB-38346B6393DE}" type="datetimeFigureOut">
               <a:rPr lang="en-US" smtClean="0"/>
-              <a:t>8/19/2019</a:t>
+              <a:t>8/22/2019</a:t>
             </a:fld>
             <a:endParaRPr lang="en-US"/>
           </a:p>
@@ -460,7 +462,7 @@
           <a:p>
             <a:fld id="{13593C2D-3CA5-4D4F-90AB-38346B6393DE}" type="datetimeFigureOut">
               <a:rPr lang="en-US" smtClean="0"/>
-              <a:t>8/19/2019</a:t>
+              <a:t>8/22/2019</a:t>
             </a:fld>
             <a:endParaRPr lang="en-US"/>
           </a:p>
@@ -668,7 +670,7 @@
           <a:p>
             <a:fld id="{13593C2D-3CA5-4D4F-90AB-38346B6393DE}" type="datetimeFigureOut">
               <a:rPr lang="en-US" smtClean="0"/>
-              <a:t>8/19/2019</a:t>
+              <a:t>8/22/2019</a:t>
             </a:fld>
             <a:endParaRPr lang="en-US"/>
           </a:p>
@@ -866,7 +868,7 @@
           <a:p>
             <a:fld id="{13593C2D-3CA5-4D4F-90AB-38346B6393DE}" type="datetimeFigureOut">
               <a:rPr lang="en-US" smtClean="0"/>
-              <a:t>8/19/2019</a:t>
+              <a:t>8/22/2019</a:t>
             </a:fld>
             <a:endParaRPr lang="en-US"/>
           </a:p>
@@ -1141,7 +1143,7 @@
           <a:p>
             <a:fld id="{13593C2D-3CA5-4D4F-90AB-38346B6393DE}" type="datetimeFigureOut">
               <a:rPr lang="en-US" smtClean="0"/>
-              <a:t>8/19/2019</a:t>
+              <a:t>8/22/2019</a:t>
             </a:fld>
             <a:endParaRPr lang="en-US"/>
           </a:p>
@@ -1406,7 +1408,7 @@
           <a:p>
             <a:fld id="{13593C2D-3CA5-4D4F-90AB-38346B6393DE}" type="datetimeFigureOut">
               <a:rPr lang="en-US" smtClean="0"/>
-              <a:t>8/19/2019</a:t>
+              <a:t>8/22/2019</a:t>
             </a:fld>
             <a:endParaRPr lang="en-US"/>
           </a:p>
@@ -1818,7 +1820,7 @@
           <a:p>
             <a:fld id="{13593C2D-3CA5-4D4F-90AB-38346B6393DE}" type="datetimeFigureOut">
               <a:rPr lang="en-US" smtClean="0"/>
-              <a:t>8/19/2019</a:t>
+              <a:t>8/22/2019</a:t>
             </a:fld>
             <a:endParaRPr lang="en-US"/>
           </a:p>
@@ -1959,7 +1961,7 @@
           <a:p>
             <a:fld id="{13593C2D-3CA5-4D4F-90AB-38346B6393DE}" type="datetimeFigureOut">
               <a:rPr lang="en-US" smtClean="0"/>
-              <a:t>8/19/2019</a:t>
+              <a:t>8/22/2019</a:t>
             </a:fld>
             <a:endParaRPr lang="en-US"/>
           </a:p>
@@ -2072,7 +2074,7 @@
           <a:p>
             <a:fld id="{13593C2D-3CA5-4D4F-90AB-38346B6393DE}" type="datetimeFigureOut">
               <a:rPr lang="en-US" smtClean="0"/>
-              <a:t>8/19/2019</a:t>
+              <a:t>8/22/2019</a:t>
             </a:fld>
             <a:endParaRPr lang="en-US"/>
           </a:p>
@@ -2383,7 +2385,7 @@
           <a:p>
             <a:fld id="{13593C2D-3CA5-4D4F-90AB-38346B6393DE}" type="datetimeFigureOut">
               <a:rPr lang="en-US" smtClean="0"/>
-              <a:t>8/19/2019</a:t>
+              <a:t>8/22/2019</a:t>
             </a:fld>
             <a:endParaRPr lang="en-US"/>
           </a:p>
@@ -2671,7 +2673,7 @@
           <a:p>
             <a:fld id="{13593C2D-3CA5-4D4F-90AB-38346B6393DE}" type="datetimeFigureOut">
               <a:rPr lang="en-US" smtClean="0"/>
-              <a:t>8/19/2019</a:t>
+              <a:t>8/22/2019</a:t>
             </a:fld>
             <a:endParaRPr lang="en-US"/>
           </a:p>
@@ -2912,7 +2914,7 @@
           <a:p>
             <a:fld id="{13593C2D-3CA5-4D4F-90AB-38346B6393DE}" type="datetimeFigureOut">
               <a:rPr lang="en-US" smtClean="0"/>
-              <a:t>8/19/2019</a:t>
+              <a:t>8/22/2019</a:t>
             </a:fld>
             <a:endParaRPr lang="en-US"/>
           </a:p>
@@ -12752,6 +12754,1578 @@
 </p:sld>
 </file>
 
+<file path=ppt/slides/slide5.xml><?xml version="1.0" encoding="utf-8"?>
+<p:sld xmlns:a="http://schemas.openxmlformats.org/drawingml/2006/main" xmlns:r="http://schemas.openxmlformats.org/officeDocument/2006/relationships" xmlns:p="http://schemas.openxmlformats.org/presentationml/2006/main">
+  <p:cSld>
+    <p:spTree>
+      <p:nvGrpSpPr>
+        <p:cNvPr id="1" name=""/>
+        <p:cNvGrpSpPr/>
+        <p:nvPr/>
+      </p:nvGrpSpPr>
+      <p:grpSpPr>
+        <a:xfrm>
+          <a:off x="0" y="0"/>
+          <a:ext cx="0" cy="0"/>
+          <a:chOff x="0" y="0"/>
+          <a:chExt cx="0" cy="0"/>
+        </a:xfrm>
+      </p:grpSpPr>
+      <p:sp>
+        <p:nvSpPr>
+          <p:cNvPr id="3" name="Rectangle 2">
+            <a:extLst>
+              <a:ext uri="{FF2B5EF4-FFF2-40B4-BE49-F238E27FC236}">
+                <a16:creationId xmlns:a16="http://schemas.microsoft.com/office/drawing/2014/main" id="{FE1AFFE8-2450-4CE8-ACC9-845756C74C90}"/>
+              </a:ext>
+            </a:extLst>
+          </p:cNvPr>
+          <p:cNvSpPr/>
+          <p:nvPr/>
+        </p:nvSpPr>
+        <p:spPr>
+          <a:xfrm>
+            <a:off x="3553234" y="1108063"/>
+            <a:ext cx="4004263" cy="840192"/>
+          </a:xfrm>
+          <a:prstGeom prst="rect">
+            <a:avLst/>
+          </a:prstGeom>
+          <a:noFill/>
+        </p:spPr>
+        <p:style>
+          <a:lnRef idx="2">
+            <a:schemeClr val="accent1">
+              <a:shade val="50000"/>
+            </a:schemeClr>
+          </a:lnRef>
+          <a:fillRef idx="1">
+            <a:schemeClr val="accent1"/>
+          </a:fillRef>
+          <a:effectRef idx="0">
+            <a:schemeClr val="accent1"/>
+          </a:effectRef>
+          <a:fontRef idx="minor">
+            <a:schemeClr val="lt1"/>
+          </a:fontRef>
+        </p:style>
+        <p:txBody>
+          <a:bodyPr rtlCol="0" anchor="ctr"/>
+          <a:lstStyle/>
+          <a:p>
+            <a:pPr algn="ctr"/>
+            <a:r>
+              <a:rPr lang="en-US" dirty="0">
+                <a:solidFill>
+                  <a:schemeClr val="tx1"/>
+                </a:solidFill>
+              </a:rPr>
+              <a:t>build </a:t>
+            </a:r>
+          </a:p>
+        </p:txBody>
+      </p:sp>
+      <p:sp>
+        <p:nvSpPr>
+          <p:cNvPr id="4" name="Rectangle 3">
+            <a:extLst>
+              <a:ext uri="{FF2B5EF4-FFF2-40B4-BE49-F238E27FC236}">
+                <a16:creationId xmlns:a16="http://schemas.microsoft.com/office/drawing/2014/main" id="{7B4E7D85-B795-4F86-84A0-0EBA2EF4DFDB}"/>
+              </a:ext>
+            </a:extLst>
+          </p:cNvPr>
+          <p:cNvSpPr/>
+          <p:nvPr/>
+        </p:nvSpPr>
+        <p:spPr>
+          <a:xfrm>
+            <a:off x="1306679" y="3008904"/>
+            <a:ext cx="4004263" cy="840192"/>
+          </a:xfrm>
+          <a:prstGeom prst="rect">
+            <a:avLst/>
+          </a:prstGeom>
+          <a:noFill/>
+        </p:spPr>
+        <p:style>
+          <a:lnRef idx="2">
+            <a:schemeClr val="accent1">
+              <a:shade val="50000"/>
+            </a:schemeClr>
+          </a:lnRef>
+          <a:fillRef idx="1">
+            <a:schemeClr val="accent1"/>
+          </a:fillRef>
+          <a:effectRef idx="0">
+            <a:schemeClr val="accent1"/>
+          </a:effectRef>
+          <a:fontRef idx="minor">
+            <a:schemeClr val="lt1"/>
+          </a:fontRef>
+        </p:style>
+        <p:txBody>
+          <a:bodyPr rtlCol="0" anchor="ctr"/>
+          <a:lstStyle/>
+          <a:p>
+            <a:pPr algn="ctr"/>
+            <a:r>
+              <a:rPr lang="en-US" dirty="0" err="1">
+                <a:solidFill>
+                  <a:schemeClr val="tx1"/>
+                </a:solidFill>
+              </a:rPr>
+              <a:t>qa</a:t>
+            </a:r>
+            <a:r>
+              <a:rPr lang="en-US" dirty="0">
+                <a:solidFill>
+                  <a:schemeClr val="tx1"/>
+                </a:solidFill>
+              </a:rPr>
+              <a:t> </a:t>
+            </a:r>
+          </a:p>
+        </p:txBody>
+      </p:sp>
+      <p:sp>
+        <p:nvSpPr>
+          <p:cNvPr id="5" name="Rectangle 4">
+            <a:extLst>
+              <a:ext uri="{FF2B5EF4-FFF2-40B4-BE49-F238E27FC236}">
+                <a16:creationId xmlns:a16="http://schemas.microsoft.com/office/drawing/2014/main" id="{C7181E6A-61C0-41CA-B2AA-473D746A184C}"/>
+              </a:ext>
+            </a:extLst>
+          </p:cNvPr>
+          <p:cNvSpPr/>
+          <p:nvPr/>
+        </p:nvSpPr>
+        <p:spPr>
+          <a:xfrm>
+            <a:off x="6481107" y="3008904"/>
+            <a:ext cx="4004263" cy="840192"/>
+          </a:xfrm>
+          <a:prstGeom prst="rect">
+            <a:avLst/>
+          </a:prstGeom>
+          <a:noFill/>
+        </p:spPr>
+        <p:style>
+          <a:lnRef idx="2">
+            <a:schemeClr val="accent1">
+              <a:shade val="50000"/>
+            </a:schemeClr>
+          </a:lnRef>
+          <a:fillRef idx="1">
+            <a:schemeClr val="accent1"/>
+          </a:fillRef>
+          <a:effectRef idx="0">
+            <a:schemeClr val="accent1"/>
+          </a:effectRef>
+          <a:fontRef idx="minor">
+            <a:schemeClr val="lt1"/>
+          </a:fontRef>
+        </p:style>
+        <p:txBody>
+          <a:bodyPr rtlCol="0" anchor="ctr"/>
+          <a:lstStyle/>
+          <a:p>
+            <a:pPr algn="ctr"/>
+            <a:r>
+              <a:rPr lang="en-US" dirty="0">
+                <a:solidFill>
+                  <a:schemeClr val="tx1"/>
+                </a:solidFill>
+              </a:rPr>
+              <a:t>system </a:t>
+            </a:r>
+          </a:p>
+        </p:txBody>
+      </p:sp>
+      <p:sp>
+        <p:nvSpPr>
+          <p:cNvPr id="6" name="Rectangle 5">
+            <a:extLst>
+              <a:ext uri="{FF2B5EF4-FFF2-40B4-BE49-F238E27FC236}">
+                <a16:creationId xmlns:a16="http://schemas.microsoft.com/office/drawing/2014/main" id="{D3F653C0-153F-4421-A5BF-08AE71E959DC}"/>
+              </a:ext>
+            </a:extLst>
+          </p:cNvPr>
+          <p:cNvSpPr/>
+          <p:nvPr/>
+        </p:nvSpPr>
+        <p:spPr>
+          <a:xfrm>
+            <a:off x="3553234" y="4967791"/>
+            <a:ext cx="4004263" cy="840192"/>
+          </a:xfrm>
+          <a:prstGeom prst="rect">
+            <a:avLst/>
+          </a:prstGeom>
+          <a:noFill/>
+        </p:spPr>
+        <p:style>
+          <a:lnRef idx="2">
+            <a:schemeClr val="accent1">
+              <a:shade val="50000"/>
+            </a:schemeClr>
+          </a:lnRef>
+          <a:fillRef idx="1">
+            <a:schemeClr val="accent1"/>
+          </a:fillRef>
+          <a:effectRef idx="0">
+            <a:schemeClr val="accent1"/>
+          </a:effectRef>
+          <a:fontRef idx="minor">
+            <a:schemeClr val="lt1"/>
+          </a:fontRef>
+        </p:style>
+        <p:txBody>
+          <a:bodyPr rtlCol="0" anchor="ctr"/>
+          <a:lstStyle/>
+          <a:p>
+            <a:pPr algn="ctr"/>
+            <a:r>
+              <a:rPr lang="en-US" dirty="0">
+                <a:solidFill>
+                  <a:schemeClr val="tx1"/>
+                </a:solidFill>
+              </a:rPr>
+              <a:t>staging </a:t>
+            </a:r>
+          </a:p>
+        </p:txBody>
+      </p:sp>
+      <p:cxnSp>
+        <p:nvCxnSpPr>
+          <p:cNvPr id="8" name="Straight Arrow Connector 7">
+            <a:extLst>
+              <a:ext uri="{FF2B5EF4-FFF2-40B4-BE49-F238E27FC236}">
+                <a16:creationId xmlns:a16="http://schemas.microsoft.com/office/drawing/2014/main" id="{6E4DB604-BEB2-4A4F-91AC-754C69E25305}"/>
+              </a:ext>
+            </a:extLst>
+          </p:cNvPr>
+          <p:cNvCxnSpPr>
+            <a:stCxn id="3" idx="2"/>
+            <a:endCxn id="4" idx="0"/>
+          </p:cNvCxnSpPr>
+          <p:nvPr/>
+        </p:nvCxnSpPr>
+        <p:spPr>
+          <a:xfrm flipH="1">
+            <a:off x="3308811" y="1948255"/>
+            <a:ext cx="2246555" cy="1060649"/>
+          </a:xfrm>
+          <a:prstGeom prst="straightConnector1">
+            <a:avLst/>
+          </a:prstGeom>
+          <a:ln>
+            <a:tailEnd type="triangle"/>
+          </a:ln>
+        </p:spPr>
+        <p:style>
+          <a:lnRef idx="1">
+            <a:schemeClr val="accent1"/>
+          </a:lnRef>
+          <a:fillRef idx="0">
+            <a:schemeClr val="accent1"/>
+          </a:fillRef>
+          <a:effectRef idx="0">
+            <a:schemeClr val="accent1"/>
+          </a:effectRef>
+          <a:fontRef idx="minor">
+            <a:schemeClr val="tx1"/>
+          </a:fontRef>
+        </p:style>
+      </p:cxnSp>
+      <p:cxnSp>
+        <p:nvCxnSpPr>
+          <p:cNvPr id="10" name="Straight Arrow Connector 9">
+            <a:extLst>
+              <a:ext uri="{FF2B5EF4-FFF2-40B4-BE49-F238E27FC236}">
+                <a16:creationId xmlns:a16="http://schemas.microsoft.com/office/drawing/2014/main" id="{1C9E70B0-C00A-4EBE-ABD1-5F40716CA7D8}"/>
+              </a:ext>
+            </a:extLst>
+          </p:cNvPr>
+          <p:cNvCxnSpPr>
+            <a:stCxn id="4" idx="2"/>
+            <a:endCxn id="6" idx="0"/>
+          </p:cNvCxnSpPr>
+          <p:nvPr/>
+        </p:nvCxnSpPr>
+        <p:spPr>
+          <a:xfrm>
+            <a:off x="3308811" y="3849096"/>
+            <a:ext cx="2246555" cy="1118695"/>
+          </a:xfrm>
+          <a:prstGeom prst="straightConnector1">
+            <a:avLst/>
+          </a:prstGeom>
+          <a:ln>
+            <a:tailEnd type="triangle"/>
+          </a:ln>
+        </p:spPr>
+        <p:style>
+          <a:lnRef idx="1">
+            <a:schemeClr val="accent1"/>
+          </a:lnRef>
+          <a:fillRef idx="0">
+            <a:schemeClr val="accent1"/>
+          </a:fillRef>
+          <a:effectRef idx="0">
+            <a:schemeClr val="accent1"/>
+          </a:effectRef>
+          <a:fontRef idx="minor">
+            <a:schemeClr val="tx1"/>
+          </a:fontRef>
+        </p:style>
+      </p:cxnSp>
+      <p:cxnSp>
+        <p:nvCxnSpPr>
+          <p:cNvPr id="12" name="Straight Arrow Connector 11">
+            <a:extLst>
+              <a:ext uri="{FF2B5EF4-FFF2-40B4-BE49-F238E27FC236}">
+                <a16:creationId xmlns:a16="http://schemas.microsoft.com/office/drawing/2014/main" id="{C577D09A-FE5E-440A-A802-20929A743CCE}"/>
+              </a:ext>
+            </a:extLst>
+          </p:cNvPr>
+          <p:cNvCxnSpPr>
+            <a:stCxn id="5" idx="2"/>
+            <a:endCxn id="6" idx="0"/>
+          </p:cNvCxnSpPr>
+          <p:nvPr/>
+        </p:nvCxnSpPr>
+        <p:spPr>
+          <a:xfrm flipH="1">
+            <a:off x="5555366" y="3849096"/>
+            <a:ext cx="2927873" cy="1118695"/>
+          </a:xfrm>
+          <a:prstGeom prst="straightConnector1">
+            <a:avLst/>
+          </a:prstGeom>
+          <a:ln>
+            <a:tailEnd type="triangle"/>
+          </a:ln>
+        </p:spPr>
+        <p:style>
+          <a:lnRef idx="1">
+            <a:schemeClr val="accent1"/>
+          </a:lnRef>
+          <a:fillRef idx="0">
+            <a:schemeClr val="accent1"/>
+          </a:fillRef>
+          <a:effectRef idx="0">
+            <a:schemeClr val="accent1"/>
+          </a:effectRef>
+          <a:fontRef idx="minor">
+            <a:schemeClr val="tx1"/>
+          </a:fontRef>
+        </p:style>
+      </p:cxnSp>
+      <p:cxnSp>
+        <p:nvCxnSpPr>
+          <p:cNvPr id="14" name="Straight Arrow Connector 13">
+            <a:extLst>
+              <a:ext uri="{FF2B5EF4-FFF2-40B4-BE49-F238E27FC236}">
+                <a16:creationId xmlns:a16="http://schemas.microsoft.com/office/drawing/2014/main" id="{97AD8F81-CF0C-47EA-8DD4-EE16FF5F6D30}"/>
+              </a:ext>
+            </a:extLst>
+          </p:cNvPr>
+          <p:cNvCxnSpPr>
+            <a:stCxn id="3" idx="2"/>
+            <a:endCxn id="5" idx="0"/>
+          </p:cNvCxnSpPr>
+          <p:nvPr/>
+        </p:nvCxnSpPr>
+        <p:spPr>
+          <a:xfrm>
+            <a:off x="5555366" y="1948255"/>
+            <a:ext cx="2927873" cy="1060649"/>
+          </a:xfrm>
+          <a:prstGeom prst="straightConnector1">
+            <a:avLst/>
+          </a:prstGeom>
+          <a:ln>
+            <a:tailEnd type="triangle"/>
+          </a:ln>
+        </p:spPr>
+        <p:style>
+          <a:lnRef idx="1">
+            <a:schemeClr val="accent1"/>
+          </a:lnRef>
+          <a:fillRef idx="0">
+            <a:schemeClr val="accent1"/>
+          </a:fillRef>
+          <a:effectRef idx="0">
+            <a:schemeClr val="accent1"/>
+          </a:effectRef>
+          <a:fontRef idx="minor">
+            <a:schemeClr val="tx1"/>
+          </a:fontRef>
+        </p:style>
+      </p:cxnSp>
+      <p:sp>
+        <p:nvSpPr>
+          <p:cNvPr id="23" name="Lightning Bolt 22">
+            <a:extLst>
+              <a:ext uri="{FF2B5EF4-FFF2-40B4-BE49-F238E27FC236}">
+                <a16:creationId xmlns:a16="http://schemas.microsoft.com/office/drawing/2014/main" id="{0E8CEDFD-4C2A-4275-8CCF-1232B3583FDC}"/>
+              </a:ext>
+            </a:extLst>
+          </p:cNvPr>
+          <p:cNvSpPr/>
+          <p:nvPr/>
+        </p:nvSpPr>
+        <p:spPr>
+          <a:xfrm flipH="1">
+            <a:off x="4357786" y="2287632"/>
+            <a:ext cx="393029" cy="323849"/>
+          </a:xfrm>
+          <a:prstGeom prst="lightningBolt">
+            <a:avLst/>
+          </a:prstGeom>
+          <a:solidFill>
+            <a:schemeClr val="tx1"/>
+          </a:solidFill>
+        </p:spPr>
+        <p:style>
+          <a:lnRef idx="2">
+            <a:schemeClr val="accent1">
+              <a:shade val="50000"/>
+            </a:schemeClr>
+          </a:lnRef>
+          <a:fillRef idx="1">
+            <a:schemeClr val="accent1"/>
+          </a:fillRef>
+          <a:effectRef idx="0">
+            <a:schemeClr val="accent1"/>
+          </a:effectRef>
+          <a:fontRef idx="minor">
+            <a:schemeClr val="lt1"/>
+          </a:fontRef>
+        </p:style>
+        <p:txBody>
+          <a:bodyPr rtlCol="0" anchor="ctr"/>
+          <a:lstStyle/>
+          <a:p>
+            <a:pPr algn="ctr"/>
+            <a:endParaRPr lang="en-US" dirty="0"/>
+          </a:p>
+        </p:txBody>
+      </p:sp>
+      <p:sp>
+        <p:nvSpPr>
+          <p:cNvPr id="24" name="Lightning Bolt 23">
+            <a:extLst>
+              <a:ext uri="{FF2B5EF4-FFF2-40B4-BE49-F238E27FC236}">
+                <a16:creationId xmlns:a16="http://schemas.microsoft.com/office/drawing/2014/main" id="{974384B9-8DBB-46B5-8FF2-CA6E787D89AB}"/>
+              </a:ext>
+            </a:extLst>
+          </p:cNvPr>
+          <p:cNvSpPr/>
+          <p:nvPr/>
+        </p:nvSpPr>
+        <p:spPr>
+          <a:xfrm flipH="1">
+            <a:off x="4161271" y="4223846"/>
+            <a:ext cx="393029" cy="323849"/>
+          </a:xfrm>
+          <a:prstGeom prst="lightningBolt">
+            <a:avLst/>
+          </a:prstGeom>
+          <a:solidFill>
+            <a:schemeClr val="tx1"/>
+          </a:solidFill>
+        </p:spPr>
+        <p:style>
+          <a:lnRef idx="2">
+            <a:schemeClr val="accent1">
+              <a:shade val="50000"/>
+            </a:schemeClr>
+          </a:lnRef>
+          <a:fillRef idx="1">
+            <a:schemeClr val="accent1"/>
+          </a:fillRef>
+          <a:effectRef idx="0">
+            <a:schemeClr val="accent1"/>
+          </a:effectRef>
+          <a:fontRef idx="minor">
+            <a:schemeClr val="lt1"/>
+          </a:fontRef>
+        </p:style>
+        <p:txBody>
+          <a:bodyPr rtlCol="0" anchor="ctr"/>
+          <a:lstStyle/>
+          <a:p>
+            <a:pPr algn="ctr"/>
+            <a:endParaRPr lang="en-US" dirty="0"/>
+          </a:p>
+        </p:txBody>
+      </p:sp>
+      <p:sp>
+        <p:nvSpPr>
+          <p:cNvPr id="25" name="Lightning Bolt 24">
+            <a:extLst>
+              <a:ext uri="{FF2B5EF4-FFF2-40B4-BE49-F238E27FC236}">
+                <a16:creationId xmlns:a16="http://schemas.microsoft.com/office/drawing/2014/main" id="{EC76E00A-C3C8-49BF-B86B-94359D9E0C35}"/>
+              </a:ext>
+            </a:extLst>
+          </p:cNvPr>
+          <p:cNvSpPr/>
+          <p:nvPr/>
+        </p:nvSpPr>
+        <p:spPr>
+          <a:xfrm flipH="1">
+            <a:off x="6960072" y="4269192"/>
+            <a:ext cx="393029" cy="323849"/>
+          </a:xfrm>
+          <a:prstGeom prst="lightningBolt">
+            <a:avLst/>
+          </a:prstGeom>
+          <a:solidFill>
+            <a:schemeClr val="tx1"/>
+          </a:solidFill>
+        </p:spPr>
+        <p:style>
+          <a:lnRef idx="2">
+            <a:schemeClr val="accent1">
+              <a:shade val="50000"/>
+            </a:schemeClr>
+          </a:lnRef>
+          <a:fillRef idx="1">
+            <a:schemeClr val="accent1"/>
+          </a:fillRef>
+          <a:effectRef idx="0">
+            <a:schemeClr val="accent1"/>
+          </a:effectRef>
+          <a:fontRef idx="minor">
+            <a:schemeClr val="lt1"/>
+          </a:fontRef>
+        </p:style>
+        <p:txBody>
+          <a:bodyPr rtlCol="0" anchor="ctr"/>
+          <a:lstStyle/>
+          <a:p>
+            <a:pPr algn="ctr"/>
+            <a:endParaRPr lang="en-US" dirty="0"/>
+          </a:p>
+        </p:txBody>
+      </p:sp>
+      <p:sp>
+        <p:nvSpPr>
+          <p:cNvPr id="26" name="Lightning Bolt 25">
+            <a:extLst>
+              <a:ext uri="{FF2B5EF4-FFF2-40B4-BE49-F238E27FC236}">
+                <a16:creationId xmlns:a16="http://schemas.microsoft.com/office/drawing/2014/main" id="{953142DF-D967-4AEF-AD49-C2276A8468F7}"/>
+              </a:ext>
+            </a:extLst>
+          </p:cNvPr>
+          <p:cNvSpPr/>
+          <p:nvPr/>
+        </p:nvSpPr>
+        <p:spPr>
+          <a:xfrm flipH="1">
+            <a:off x="9022279" y="2291897"/>
+            <a:ext cx="393029" cy="323849"/>
+          </a:xfrm>
+          <a:prstGeom prst="lightningBolt">
+            <a:avLst/>
+          </a:prstGeom>
+          <a:solidFill>
+            <a:schemeClr val="tx1"/>
+          </a:solidFill>
+        </p:spPr>
+        <p:style>
+          <a:lnRef idx="2">
+            <a:schemeClr val="accent1">
+              <a:shade val="50000"/>
+            </a:schemeClr>
+          </a:lnRef>
+          <a:fillRef idx="1">
+            <a:schemeClr val="accent1"/>
+          </a:fillRef>
+          <a:effectRef idx="0">
+            <a:schemeClr val="accent1"/>
+          </a:effectRef>
+          <a:fontRef idx="minor">
+            <a:schemeClr val="lt1"/>
+          </a:fontRef>
+        </p:style>
+        <p:txBody>
+          <a:bodyPr rtlCol="0" anchor="ctr"/>
+          <a:lstStyle/>
+          <a:p>
+            <a:pPr algn="ctr"/>
+            <a:endParaRPr lang="en-US" dirty="0"/>
+          </a:p>
+        </p:txBody>
+      </p:sp>
+      <p:sp>
+        <p:nvSpPr>
+          <p:cNvPr id="27" name="Lightning Bolt 26">
+            <a:extLst>
+              <a:ext uri="{FF2B5EF4-FFF2-40B4-BE49-F238E27FC236}">
+                <a16:creationId xmlns:a16="http://schemas.microsoft.com/office/drawing/2014/main" id="{9C760C54-5BF5-4A7F-AA73-72DD1114A3EF}"/>
+              </a:ext>
+            </a:extLst>
+          </p:cNvPr>
+          <p:cNvSpPr/>
+          <p:nvPr/>
+        </p:nvSpPr>
+        <p:spPr>
+          <a:xfrm flipH="1">
+            <a:off x="5555365" y="412318"/>
+            <a:ext cx="393029" cy="323849"/>
+          </a:xfrm>
+          <a:prstGeom prst="lightningBolt">
+            <a:avLst/>
+          </a:prstGeom>
+          <a:solidFill>
+            <a:schemeClr val="tx1"/>
+          </a:solidFill>
+        </p:spPr>
+        <p:style>
+          <a:lnRef idx="2">
+            <a:schemeClr val="accent1">
+              <a:shade val="50000"/>
+            </a:schemeClr>
+          </a:lnRef>
+          <a:fillRef idx="1">
+            <a:schemeClr val="accent1"/>
+          </a:fillRef>
+          <a:effectRef idx="0">
+            <a:schemeClr val="accent1"/>
+          </a:effectRef>
+          <a:fontRef idx="minor">
+            <a:schemeClr val="lt1"/>
+          </a:fontRef>
+        </p:style>
+        <p:txBody>
+          <a:bodyPr rtlCol="0" anchor="ctr"/>
+          <a:lstStyle/>
+          <a:p>
+            <a:pPr algn="ctr"/>
+            <a:endParaRPr lang="en-US" dirty="0"/>
+          </a:p>
+        </p:txBody>
+      </p:sp>
+      <p:sp>
+        <p:nvSpPr>
+          <p:cNvPr id="29" name="Smiley Face 28">
+            <a:extLst>
+              <a:ext uri="{FF2B5EF4-FFF2-40B4-BE49-F238E27FC236}">
+                <a16:creationId xmlns:a16="http://schemas.microsoft.com/office/drawing/2014/main" id="{DA28CD56-B450-4C27-AFA0-571F6F907091}"/>
+              </a:ext>
+            </a:extLst>
+          </p:cNvPr>
+          <p:cNvSpPr/>
+          <p:nvPr/>
+        </p:nvSpPr>
+        <p:spPr>
+          <a:xfrm>
+            <a:off x="8982347" y="1559884"/>
+            <a:ext cx="577282" cy="552893"/>
+          </a:xfrm>
+          <a:prstGeom prst="smileyFace">
+            <a:avLst/>
+          </a:prstGeom>
+          <a:noFill/>
+        </p:spPr>
+        <p:style>
+          <a:lnRef idx="2">
+            <a:schemeClr val="accent1">
+              <a:shade val="50000"/>
+            </a:schemeClr>
+          </a:lnRef>
+          <a:fillRef idx="1">
+            <a:schemeClr val="accent1"/>
+          </a:fillRef>
+          <a:effectRef idx="0">
+            <a:schemeClr val="accent1"/>
+          </a:effectRef>
+          <a:fontRef idx="minor">
+            <a:schemeClr val="lt1"/>
+          </a:fontRef>
+        </p:style>
+        <p:txBody>
+          <a:bodyPr rtlCol="0" anchor="ctr"/>
+          <a:lstStyle/>
+          <a:p>
+            <a:pPr algn="ctr"/>
+            <a:endParaRPr lang="en-US"/>
+          </a:p>
+        </p:txBody>
+      </p:sp>
+      <p:cxnSp>
+        <p:nvCxnSpPr>
+          <p:cNvPr id="31" name="Straight Arrow Connector 30">
+            <a:extLst>
+              <a:ext uri="{FF2B5EF4-FFF2-40B4-BE49-F238E27FC236}">
+                <a16:creationId xmlns:a16="http://schemas.microsoft.com/office/drawing/2014/main" id="{87455B2D-A4E3-456B-843F-49ADE475E7A3}"/>
+              </a:ext>
+            </a:extLst>
+          </p:cNvPr>
+          <p:cNvCxnSpPr>
+            <a:cxnSpLocks/>
+          </p:cNvCxnSpPr>
+          <p:nvPr/>
+        </p:nvCxnSpPr>
+        <p:spPr>
+          <a:xfrm flipH="1">
+            <a:off x="8483238" y="2075170"/>
+            <a:ext cx="787749" cy="896127"/>
+          </a:xfrm>
+          <a:prstGeom prst="straightConnector1">
+            <a:avLst/>
+          </a:prstGeom>
+          <a:ln>
+            <a:tailEnd type="triangle"/>
+          </a:ln>
+        </p:spPr>
+        <p:style>
+          <a:lnRef idx="1">
+            <a:schemeClr val="accent1"/>
+          </a:lnRef>
+          <a:fillRef idx="0">
+            <a:schemeClr val="accent1"/>
+          </a:fillRef>
+          <a:effectRef idx="0">
+            <a:schemeClr val="accent1"/>
+          </a:effectRef>
+          <a:fontRef idx="minor">
+            <a:schemeClr val="tx1"/>
+          </a:fontRef>
+        </p:style>
+      </p:cxnSp>
+      <p:cxnSp>
+        <p:nvCxnSpPr>
+          <p:cNvPr id="33" name="Straight Arrow Connector 32">
+            <a:extLst>
+              <a:ext uri="{FF2B5EF4-FFF2-40B4-BE49-F238E27FC236}">
+                <a16:creationId xmlns:a16="http://schemas.microsoft.com/office/drawing/2014/main" id="{48213C56-CF04-4471-BB8D-2FE5F902692F}"/>
+              </a:ext>
+            </a:extLst>
+          </p:cNvPr>
+          <p:cNvCxnSpPr/>
+          <p:nvPr/>
+        </p:nvCxnSpPr>
+        <p:spPr>
+          <a:xfrm>
+            <a:off x="5555365" y="422190"/>
+            <a:ext cx="0" cy="673148"/>
+          </a:xfrm>
+          <a:prstGeom prst="straightConnector1">
+            <a:avLst/>
+          </a:prstGeom>
+          <a:ln>
+            <a:tailEnd type="triangle"/>
+          </a:ln>
+        </p:spPr>
+        <p:style>
+          <a:lnRef idx="1">
+            <a:schemeClr val="accent1"/>
+          </a:lnRef>
+          <a:fillRef idx="0">
+            <a:schemeClr val="accent1"/>
+          </a:fillRef>
+          <a:effectRef idx="0">
+            <a:schemeClr val="accent1"/>
+          </a:effectRef>
+          <a:fontRef idx="minor">
+            <a:schemeClr val="tx1"/>
+          </a:fontRef>
+        </p:style>
+      </p:cxnSp>
+    </p:spTree>
+    <p:extLst>
+      <p:ext uri="{BB962C8B-B14F-4D97-AF65-F5344CB8AC3E}">
+        <p14:creationId xmlns:p14="http://schemas.microsoft.com/office/powerpoint/2010/main" val="3558262096"/>
+      </p:ext>
+    </p:extLst>
+  </p:cSld>
+  <p:clrMapOvr>
+    <a:masterClrMapping/>
+  </p:clrMapOvr>
+</p:sld>
+</file>
+
+<file path=ppt/slides/slide6.xml><?xml version="1.0" encoding="utf-8"?>
+<p:sld xmlns:a="http://schemas.openxmlformats.org/drawingml/2006/main" xmlns:r="http://schemas.openxmlformats.org/officeDocument/2006/relationships" xmlns:p="http://schemas.openxmlformats.org/presentationml/2006/main">
+  <p:cSld>
+    <p:spTree>
+      <p:nvGrpSpPr>
+        <p:cNvPr id="1" name=""/>
+        <p:cNvGrpSpPr/>
+        <p:nvPr/>
+      </p:nvGrpSpPr>
+      <p:grpSpPr>
+        <a:xfrm>
+          <a:off x="0" y="0"/>
+          <a:ext cx="0" cy="0"/>
+          <a:chOff x="0" y="0"/>
+          <a:chExt cx="0" cy="0"/>
+        </a:xfrm>
+      </p:grpSpPr>
+      <p:sp>
+        <p:nvSpPr>
+          <p:cNvPr id="3" name="Rectangle 2">
+            <a:extLst>
+              <a:ext uri="{FF2B5EF4-FFF2-40B4-BE49-F238E27FC236}">
+                <a16:creationId xmlns:a16="http://schemas.microsoft.com/office/drawing/2014/main" id="{FE1AFFE8-2450-4CE8-ACC9-845756C74C90}"/>
+              </a:ext>
+            </a:extLst>
+          </p:cNvPr>
+          <p:cNvSpPr/>
+          <p:nvPr/>
+        </p:nvSpPr>
+        <p:spPr>
+          <a:xfrm>
+            <a:off x="3553234" y="1108063"/>
+            <a:ext cx="4004263" cy="840192"/>
+          </a:xfrm>
+          <a:prstGeom prst="rect">
+            <a:avLst/>
+          </a:prstGeom>
+          <a:noFill/>
+        </p:spPr>
+        <p:style>
+          <a:lnRef idx="2">
+            <a:schemeClr val="accent1">
+              <a:shade val="50000"/>
+            </a:schemeClr>
+          </a:lnRef>
+          <a:fillRef idx="1">
+            <a:schemeClr val="accent1"/>
+          </a:fillRef>
+          <a:effectRef idx="0">
+            <a:schemeClr val="accent1"/>
+          </a:effectRef>
+          <a:fontRef idx="minor">
+            <a:schemeClr val="lt1"/>
+          </a:fontRef>
+        </p:style>
+        <p:txBody>
+          <a:bodyPr rtlCol="0" anchor="ctr"/>
+          <a:lstStyle/>
+          <a:p>
+            <a:pPr algn="ctr"/>
+            <a:r>
+              <a:rPr lang="en-US" dirty="0">
+                <a:solidFill>
+                  <a:schemeClr val="tx1"/>
+                </a:solidFill>
+              </a:rPr>
+              <a:t>build </a:t>
+            </a:r>
+          </a:p>
+        </p:txBody>
+      </p:sp>
+      <p:sp>
+        <p:nvSpPr>
+          <p:cNvPr id="4" name="Rectangle 3">
+            <a:extLst>
+              <a:ext uri="{FF2B5EF4-FFF2-40B4-BE49-F238E27FC236}">
+                <a16:creationId xmlns:a16="http://schemas.microsoft.com/office/drawing/2014/main" id="{7B4E7D85-B795-4F86-84A0-0EBA2EF4DFDB}"/>
+              </a:ext>
+            </a:extLst>
+          </p:cNvPr>
+          <p:cNvSpPr/>
+          <p:nvPr/>
+        </p:nvSpPr>
+        <p:spPr>
+          <a:xfrm>
+            <a:off x="1306679" y="3008904"/>
+            <a:ext cx="4004263" cy="840192"/>
+          </a:xfrm>
+          <a:prstGeom prst="rect">
+            <a:avLst/>
+          </a:prstGeom>
+          <a:noFill/>
+        </p:spPr>
+        <p:style>
+          <a:lnRef idx="2">
+            <a:schemeClr val="accent1">
+              <a:shade val="50000"/>
+            </a:schemeClr>
+          </a:lnRef>
+          <a:fillRef idx="1">
+            <a:schemeClr val="accent1"/>
+          </a:fillRef>
+          <a:effectRef idx="0">
+            <a:schemeClr val="accent1"/>
+          </a:effectRef>
+          <a:fontRef idx="minor">
+            <a:schemeClr val="lt1"/>
+          </a:fontRef>
+        </p:style>
+        <p:txBody>
+          <a:bodyPr rtlCol="0" anchor="ctr"/>
+          <a:lstStyle/>
+          <a:p>
+            <a:pPr algn="ctr"/>
+            <a:r>
+              <a:rPr lang="en-US" dirty="0" err="1">
+                <a:solidFill>
+                  <a:schemeClr val="tx1"/>
+                </a:solidFill>
+              </a:rPr>
+              <a:t>qa</a:t>
+            </a:r>
+            <a:r>
+              <a:rPr lang="en-US" dirty="0">
+                <a:solidFill>
+                  <a:schemeClr val="tx1"/>
+                </a:solidFill>
+              </a:rPr>
+              <a:t> </a:t>
+            </a:r>
+          </a:p>
+        </p:txBody>
+      </p:sp>
+      <p:sp>
+        <p:nvSpPr>
+          <p:cNvPr id="5" name="Rectangle 4">
+            <a:extLst>
+              <a:ext uri="{FF2B5EF4-FFF2-40B4-BE49-F238E27FC236}">
+                <a16:creationId xmlns:a16="http://schemas.microsoft.com/office/drawing/2014/main" id="{C7181E6A-61C0-41CA-B2AA-473D746A184C}"/>
+              </a:ext>
+            </a:extLst>
+          </p:cNvPr>
+          <p:cNvSpPr/>
+          <p:nvPr/>
+        </p:nvSpPr>
+        <p:spPr>
+          <a:xfrm>
+            <a:off x="7106848" y="2983298"/>
+            <a:ext cx="4004263" cy="840192"/>
+          </a:xfrm>
+          <a:prstGeom prst="rect">
+            <a:avLst/>
+          </a:prstGeom>
+          <a:noFill/>
+        </p:spPr>
+        <p:style>
+          <a:lnRef idx="2">
+            <a:schemeClr val="accent1">
+              <a:shade val="50000"/>
+            </a:schemeClr>
+          </a:lnRef>
+          <a:fillRef idx="1">
+            <a:schemeClr val="accent1"/>
+          </a:fillRef>
+          <a:effectRef idx="0">
+            <a:schemeClr val="accent1"/>
+          </a:effectRef>
+          <a:fontRef idx="minor">
+            <a:schemeClr val="lt1"/>
+          </a:fontRef>
+        </p:style>
+        <p:txBody>
+          <a:bodyPr rtlCol="0" anchor="ctr"/>
+          <a:lstStyle/>
+          <a:p>
+            <a:pPr algn="ctr"/>
+            <a:r>
+              <a:rPr lang="en-US" dirty="0">
+                <a:solidFill>
+                  <a:schemeClr val="tx1"/>
+                </a:solidFill>
+              </a:rPr>
+              <a:t>system </a:t>
+            </a:r>
+          </a:p>
+        </p:txBody>
+      </p:sp>
+      <p:sp>
+        <p:nvSpPr>
+          <p:cNvPr id="6" name="Rectangle 5">
+            <a:extLst>
+              <a:ext uri="{FF2B5EF4-FFF2-40B4-BE49-F238E27FC236}">
+                <a16:creationId xmlns:a16="http://schemas.microsoft.com/office/drawing/2014/main" id="{D3F653C0-153F-4421-A5BF-08AE71E959DC}"/>
+              </a:ext>
+            </a:extLst>
+          </p:cNvPr>
+          <p:cNvSpPr/>
+          <p:nvPr/>
+        </p:nvSpPr>
+        <p:spPr>
+          <a:xfrm>
+            <a:off x="3553234" y="4967791"/>
+            <a:ext cx="4004263" cy="840192"/>
+          </a:xfrm>
+          <a:prstGeom prst="rect">
+            <a:avLst/>
+          </a:prstGeom>
+          <a:noFill/>
+        </p:spPr>
+        <p:style>
+          <a:lnRef idx="2">
+            <a:schemeClr val="accent1">
+              <a:shade val="50000"/>
+            </a:schemeClr>
+          </a:lnRef>
+          <a:fillRef idx="1">
+            <a:schemeClr val="accent1"/>
+          </a:fillRef>
+          <a:effectRef idx="0">
+            <a:schemeClr val="accent1"/>
+          </a:effectRef>
+          <a:fontRef idx="minor">
+            <a:schemeClr val="lt1"/>
+          </a:fontRef>
+        </p:style>
+        <p:txBody>
+          <a:bodyPr rtlCol="0" anchor="ctr"/>
+          <a:lstStyle/>
+          <a:p>
+            <a:pPr algn="ctr"/>
+            <a:r>
+              <a:rPr lang="en-US" dirty="0">
+                <a:solidFill>
+                  <a:schemeClr val="tx1"/>
+                </a:solidFill>
+              </a:rPr>
+              <a:t>staging </a:t>
+            </a:r>
+          </a:p>
+        </p:txBody>
+      </p:sp>
+      <p:sp>
+        <p:nvSpPr>
+          <p:cNvPr id="18" name="Oval 17">
+            <a:extLst>
+              <a:ext uri="{FF2B5EF4-FFF2-40B4-BE49-F238E27FC236}">
+                <a16:creationId xmlns:a16="http://schemas.microsoft.com/office/drawing/2014/main" id="{63DBA845-14AA-4DD9-89E7-6C449513CE61}"/>
+              </a:ext>
+            </a:extLst>
+          </p:cNvPr>
+          <p:cNvSpPr/>
+          <p:nvPr/>
+        </p:nvSpPr>
+        <p:spPr>
+          <a:xfrm>
+            <a:off x="8327716" y="1108063"/>
+            <a:ext cx="1041684" cy="749020"/>
+          </a:xfrm>
+          <a:prstGeom prst="ellipse">
+            <a:avLst/>
+          </a:prstGeom>
+          <a:noFill/>
+        </p:spPr>
+        <p:style>
+          <a:lnRef idx="2">
+            <a:schemeClr val="accent1">
+              <a:shade val="50000"/>
+            </a:schemeClr>
+          </a:lnRef>
+          <a:fillRef idx="1">
+            <a:schemeClr val="accent1"/>
+          </a:fillRef>
+          <a:effectRef idx="0">
+            <a:schemeClr val="accent1"/>
+          </a:effectRef>
+          <a:fontRef idx="minor">
+            <a:schemeClr val="lt1"/>
+          </a:fontRef>
+        </p:style>
+        <p:txBody>
+          <a:bodyPr rtlCol="0" anchor="ctr"/>
+          <a:lstStyle/>
+          <a:p>
+            <a:pPr algn="ctr"/>
+            <a:r>
+              <a:rPr lang="en-US" dirty="0">
+                <a:solidFill>
+                  <a:schemeClr val="tx1"/>
+                </a:solidFill>
+              </a:rPr>
+              <a:t>svc-a</a:t>
+            </a:r>
+          </a:p>
+        </p:txBody>
+      </p:sp>
+      <p:cxnSp>
+        <p:nvCxnSpPr>
+          <p:cNvPr id="9" name="Straight Arrow Connector 8">
+            <a:extLst>
+              <a:ext uri="{FF2B5EF4-FFF2-40B4-BE49-F238E27FC236}">
+                <a16:creationId xmlns:a16="http://schemas.microsoft.com/office/drawing/2014/main" id="{7BCE54CA-87A6-4A13-A838-661E4F2CD6B6}"/>
+              </a:ext>
+            </a:extLst>
+          </p:cNvPr>
+          <p:cNvCxnSpPr>
+            <a:stCxn id="3" idx="3"/>
+            <a:endCxn id="18" idx="2"/>
+          </p:cNvCxnSpPr>
+          <p:nvPr/>
+        </p:nvCxnSpPr>
+        <p:spPr>
+          <a:xfrm flipV="1">
+            <a:off x="7557497" y="1482573"/>
+            <a:ext cx="770219" cy="45586"/>
+          </a:xfrm>
+          <a:prstGeom prst="straightConnector1">
+            <a:avLst/>
+          </a:prstGeom>
+          <a:ln>
+            <a:tailEnd type="triangle"/>
+          </a:ln>
+        </p:spPr>
+        <p:style>
+          <a:lnRef idx="1">
+            <a:schemeClr val="accent1"/>
+          </a:lnRef>
+          <a:fillRef idx="0">
+            <a:schemeClr val="accent1"/>
+          </a:fillRef>
+          <a:effectRef idx="0">
+            <a:schemeClr val="accent1"/>
+          </a:effectRef>
+          <a:fontRef idx="minor">
+            <a:schemeClr val="tx1"/>
+          </a:fontRef>
+        </p:style>
+      </p:cxnSp>
+      <p:cxnSp>
+        <p:nvCxnSpPr>
+          <p:cNvPr id="13" name="Straight Arrow Connector 12">
+            <a:extLst>
+              <a:ext uri="{FF2B5EF4-FFF2-40B4-BE49-F238E27FC236}">
+                <a16:creationId xmlns:a16="http://schemas.microsoft.com/office/drawing/2014/main" id="{18E9D775-6FFD-4A1D-9847-4BD0471FBB42}"/>
+              </a:ext>
+            </a:extLst>
+          </p:cNvPr>
+          <p:cNvCxnSpPr>
+            <a:cxnSpLocks/>
+          </p:cNvCxnSpPr>
+          <p:nvPr/>
+        </p:nvCxnSpPr>
+        <p:spPr>
+          <a:xfrm flipH="1">
+            <a:off x="5338040" y="1857083"/>
+            <a:ext cx="3537616" cy="1571917"/>
+          </a:xfrm>
+          <a:prstGeom prst="straightConnector1">
+            <a:avLst/>
+          </a:prstGeom>
+          <a:ln>
+            <a:tailEnd type="triangle"/>
+          </a:ln>
+        </p:spPr>
+        <p:style>
+          <a:lnRef idx="1">
+            <a:schemeClr val="accent1"/>
+          </a:lnRef>
+          <a:fillRef idx="0">
+            <a:schemeClr val="accent1"/>
+          </a:fillRef>
+          <a:effectRef idx="0">
+            <a:schemeClr val="accent1"/>
+          </a:effectRef>
+          <a:fontRef idx="minor">
+            <a:schemeClr val="tx1"/>
+          </a:fontRef>
+        </p:style>
+      </p:cxnSp>
+      <p:cxnSp>
+        <p:nvCxnSpPr>
+          <p:cNvPr id="16" name="Straight Arrow Connector 15">
+            <a:extLst>
+              <a:ext uri="{FF2B5EF4-FFF2-40B4-BE49-F238E27FC236}">
+                <a16:creationId xmlns:a16="http://schemas.microsoft.com/office/drawing/2014/main" id="{0FAEA07D-7C7A-40C5-9B30-40C21EFCEF34}"/>
+              </a:ext>
+            </a:extLst>
+          </p:cNvPr>
+          <p:cNvCxnSpPr>
+            <a:stCxn id="18" idx="4"/>
+            <a:endCxn id="5" idx="0"/>
+          </p:cNvCxnSpPr>
+          <p:nvPr/>
+        </p:nvCxnSpPr>
+        <p:spPr>
+          <a:xfrm>
+            <a:off x="8848558" y="1857083"/>
+            <a:ext cx="260422" cy="1126215"/>
+          </a:xfrm>
+          <a:prstGeom prst="straightConnector1">
+            <a:avLst/>
+          </a:prstGeom>
+          <a:ln>
+            <a:tailEnd type="triangle"/>
+          </a:ln>
+        </p:spPr>
+        <p:style>
+          <a:lnRef idx="1">
+            <a:schemeClr val="accent1"/>
+          </a:lnRef>
+          <a:fillRef idx="0">
+            <a:schemeClr val="accent1"/>
+          </a:fillRef>
+          <a:effectRef idx="0">
+            <a:schemeClr val="accent1"/>
+          </a:effectRef>
+          <a:fontRef idx="minor">
+            <a:schemeClr val="tx1"/>
+          </a:fontRef>
+        </p:style>
+      </p:cxnSp>
+      <p:cxnSp>
+        <p:nvCxnSpPr>
+          <p:cNvPr id="19" name="Straight Arrow Connector 18">
+            <a:extLst>
+              <a:ext uri="{FF2B5EF4-FFF2-40B4-BE49-F238E27FC236}">
+                <a16:creationId xmlns:a16="http://schemas.microsoft.com/office/drawing/2014/main" id="{01F9BC8B-8B24-4D3A-8B9D-5F87CAB33416}"/>
+              </a:ext>
+            </a:extLst>
+          </p:cNvPr>
+          <p:cNvCxnSpPr>
+            <a:stCxn id="18" idx="4"/>
+            <a:endCxn id="6" idx="0"/>
+          </p:cNvCxnSpPr>
+          <p:nvPr/>
+        </p:nvCxnSpPr>
+        <p:spPr>
+          <a:xfrm flipH="1">
+            <a:off x="5555366" y="1857083"/>
+            <a:ext cx="3293192" cy="3110708"/>
+          </a:xfrm>
+          <a:prstGeom prst="straightConnector1">
+            <a:avLst/>
+          </a:prstGeom>
+          <a:ln>
+            <a:tailEnd type="triangle"/>
+          </a:ln>
+        </p:spPr>
+        <p:style>
+          <a:lnRef idx="1">
+            <a:schemeClr val="accent1"/>
+          </a:lnRef>
+          <a:fillRef idx="0">
+            <a:schemeClr val="accent1"/>
+          </a:fillRef>
+          <a:effectRef idx="0">
+            <a:schemeClr val="accent1"/>
+          </a:effectRef>
+          <a:fontRef idx="minor">
+            <a:schemeClr val="tx1"/>
+          </a:fontRef>
+        </p:style>
+      </p:cxnSp>
+      <p:cxnSp>
+        <p:nvCxnSpPr>
+          <p:cNvPr id="21" name="Straight Arrow Connector 20">
+            <a:extLst>
+              <a:ext uri="{FF2B5EF4-FFF2-40B4-BE49-F238E27FC236}">
+                <a16:creationId xmlns:a16="http://schemas.microsoft.com/office/drawing/2014/main" id="{15E2D442-2ACE-453C-BD5C-BA9BCA5FBA18}"/>
+              </a:ext>
+            </a:extLst>
+          </p:cNvPr>
+          <p:cNvCxnSpPr>
+            <a:cxnSpLocks/>
+            <a:stCxn id="34" idx="3"/>
+            <a:endCxn id="3" idx="1"/>
+          </p:cNvCxnSpPr>
+          <p:nvPr/>
+        </p:nvCxnSpPr>
+        <p:spPr>
+          <a:xfrm flipV="1">
+            <a:off x="1944361" y="1528159"/>
+            <a:ext cx="1608873" cy="40463"/>
+          </a:xfrm>
+          <a:prstGeom prst="straightConnector1">
+            <a:avLst/>
+          </a:prstGeom>
+          <a:ln>
+            <a:tailEnd type="triangle"/>
+          </a:ln>
+        </p:spPr>
+        <p:style>
+          <a:lnRef idx="1">
+            <a:schemeClr val="accent1"/>
+          </a:lnRef>
+          <a:fillRef idx="0">
+            <a:schemeClr val="accent1"/>
+          </a:fillRef>
+          <a:effectRef idx="0">
+            <a:schemeClr val="accent1"/>
+          </a:effectRef>
+          <a:fontRef idx="minor">
+            <a:schemeClr val="tx1"/>
+          </a:fontRef>
+        </p:style>
+      </p:cxnSp>
+      <p:sp>
+        <p:nvSpPr>
+          <p:cNvPr id="34" name="Rectangle 33">
+            <a:extLst>
+              <a:ext uri="{FF2B5EF4-FFF2-40B4-BE49-F238E27FC236}">
+                <a16:creationId xmlns:a16="http://schemas.microsoft.com/office/drawing/2014/main" id="{5E12CF9D-C24C-489F-833F-500CC33DC25B}"/>
+              </a:ext>
+            </a:extLst>
+          </p:cNvPr>
+          <p:cNvSpPr/>
+          <p:nvPr/>
+        </p:nvSpPr>
+        <p:spPr>
+          <a:xfrm>
+            <a:off x="685716" y="1280160"/>
+            <a:ext cx="1258645" cy="576923"/>
+          </a:xfrm>
+          <a:prstGeom prst="rect">
+            <a:avLst/>
+          </a:prstGeom>
+          <a:noFill/>
+          <a:ln w="25400"/>
+        </p:spPr>
+        <p:style>
+          <a:lnRef idx="2">
+            <a:schemeClr val="accent1">
+              <a:shade val="50000"/>
+            </a:schemeClr>
+          </a:lnRef>
+          <a:fillRef idx="1">
+            <a:schemeClr val="accent1"/>
+          </a:fillRef>
+          <a:effectRef idx="0">
+            <a:schemeClr val="accent1"/>
+          </a:effectRef>
+          <a:fontRef idx="minor">
+            <a:schemeClr val="lt1"/>
+          </a:fontRef>
+        </p:style>
+        <p:txBody>
+          <a:bodyPr rtlCol="0" anchor="ctr"/>
+          <a:lstStyle/>
+          <a:p>
+            <a:pPr algn="ctr"/>
+            <a:r>
+              <a:rPr lang="en-US" dirty="0">
+                <a:solidFill>
+                  <a:schemeClr val="tx1"/>
+                </a:solidFill>
+              </a:rPr>
+              <a:t>repo-a</a:t>
+            </a:r>
+          </a:p>
+        </p:txBody>
+      </p:sp>
+      <p:sp>
+        <p:nvSpPr>
+          <p:cNvPr id="35" name="Rectangle 34">
+            <a:extLst>
+              <a:ext uri="{FF2B5EF4-FFF2-40B4-BE49-F238E27FC236}">
+                <a16:creationId xmlns:a16="http://schemas.microsoft.com/office/drawing/2014/main" id="{94FDA02F-D0B5-4AAA-A409-E75C171C91AD}"/>
+              </a:ext>
+            </a:extLst>
+          </p:cNvPr>
+          <p:cNvSpPr/>
+          <p:nvPr/>
+        </p:nvSpPr>
+        <p:spPr>
+          <a:xfrm>
+            <a:off x="10660461" y="1653316"/>
+            <a:ext cx="1258645" cy="589878"/>
+          </a:xfrm>
+          <a:prstGeom prst="rect">
+            <a:avLst/>
+          </a:prstGeom>
+          <a:noFill/>
+          <a:ln w="25400"/>
+        </p:spPr>
+        <p:style>
+          <a:lnRef idx="2">
+            <a:schemeClr val="accent1">
+              <a:shade val="50000"/>
+            </a:schemeClr>
+          </a:lnRef>
+          <a:fillRef idx="1">
+            <a:schemeClr val="accent1"/>
+          </a:fillRef>
+          <a:effectRef idx="0">
+            <a:schemeClr val="accent1"/>
+          </a:effectRef>
+          <a:fontRef idx="minor">
+            <a:schemeClr val="lt1"/>
+          </a:fontRef>
+        </p:style>
+        <p:txBody>
+          <a:bodyPr rtlCol="0" anchor="ctr"/>
+          <a:lstStyle/>
+          <a:p>
+            <a:pPr algn="ctr"/>
+            <a:r>
+              <a:rPr lang="en-US" dirty="0">
+                <a:solidFill>
+                  <a:schemeClr val="tx1"/>
+                </a:solidFill>
+              </a:rPr>
+              <a:t>repo-</a:t>
+            </a:r>
+            <a:r>
+              <a:rPr lang="en-US" dirty="0" err="1">
+                <a:solidFill>
+                  <a:schemeClr val="tx1"/>
+                </a:solidFill>
+              </a:rPr>
+              <a:t>svt</a:t>
+            </a:r>
+            <a:endParaRPr lang="en-US" dirty="0">
+              <a:solidFill>
+                <a:schemeClr val="tx1"/>
+              </a:solidFill>
+            </a:endParaRPr>
+          </a:p>
+        </p:txBody>
+      </p:sp>
+      <p:cxnSp>
+        <p:nvCxnSpPr>
+          <p:cNvPr id="37" name="Straight Arrow Connector 36">
+            <a:extLst>
+              <a:ext uri="{FF2B5EF4-FFF2-40B4-BE49-F238E27FC236}">
+                <a16:creationId xmlns:a16="http://schemas.microsoft.com/office/drawing/2014/main" id="{955E040F-A88A-42FF-A19C-A1090733C272}"/>
+              </a:ext>
+            </a:extLst>
+          </p:cNvPr>
+          <p:cNvCxnSpPr>
+            <a:stCxn id="35" idx="2"/>
+          </p:cNvCxnSpPr>
+          <p:nvPr/>
+        </p:nvCxnSpPr>
+        <p:spPr>
+          <a:xfrm flipH="1">
+            <a:off x="9197788" y="2243194"/>
+            <a:ext cx="2091996" cy="650613"/>
+          </a:xfrm>
+          <a:prstGeom prst="straightConnector1">
+            <a:avLst/>
+          </a:prstGeom>
+          <a:ln>
+            <a:tailEnd type="triangle"/>
+          </a:ln>
+        </p:spPr>
+        <p:style>
+          <a:lnRef idx="1">
+            <a:schemeClr val="accent1"/>
+          </a:lnRef>
+          <a:fillRef idx="0">
+            <a:schemeClr val="accent1"/>
+          </a:fillRef>
+          <a:effectRef idx="0">
+            <a:schemeClr val="accent1"/>
+          </a:effectRef>
+          <a:fontRef idx="minor">
+            <a:schemeClr val="tx1"/>
+          </a:fontRef>
+        </p:style>
+      </p:cxnSp>
+      <p:sp>
+        <p:nvSpPr>
+          <p:cNvPr id="39" name="Oval 38">
+            <a:extLst>
+              <a:ext uri="{FF2B5EF4-FFF2-40B4-BE49-F238E27FC236}">
+                <a16:creationId xmlns:a16="http://schemas.microsoft.com/office/drawing/2014/main" id="{13758295-9D3C-4988-9379-684F611A27D8}"/>
+              </a:ext>
+            </a:extLst>
+          </p:cNvPr>
+          <p:cNvSpPr/>
+          <p:nvPr/>
+        </p:nvSpPr>
+        <p:spPr>
+          <a:xfrm>
+            <a:off x="9197788" y="4967791"/>
+            <a:ext cx="1041684" cy="749020"/>
+          </a:xfrm>
+          <a:prstGeom prst="ellipse">
+            <a:avLst/>
+          </a:prstGeom>
+          <a:noFill/>
+        </p:spPr>
+        <p:style>
+          <a:lnRef idx="2">
+            <a:schemeClr val="accent1">
+              <a:shade val="50000"/>
+            </a:schemeClr>
+          </a:lnRef>
+          <a:fillRef idx="1">
+            <a:schemeClr val="accent1"/>
+          </a:fillRef>
+          <a:effectRef idx="0">
+            <a:schemeClr val="accent1"/>
+          </a:effectRef>
+          <a:fontRef idx="minor">
+            <a:schemeClr val="lt1"/>
+          </a:fontRef>
+        </p:style>
+        <p:txBody>
+          <a:bodyPr rtlCol="0" anchor="ctr"/>
+          <a:lstStyle/>
+          <a:p>
+            <a:pPr algn="ctr"/>
+            <a:r>
+              <a:rPr lang="en-US" dirty="0">
+                <a:solidFill>
+                  <a:schemeClr val="tx1"/>
+                </a:solidFill>
+              </a:rPr>
+              <a:t>svc-b</a:t>
+            </a:r>
+          </a:p>
+        </p:txBody>
+      </p:sp>
+      <p:cxnSp>
+        <p:nvCxnSpPr>
+          <p:cNvPr id="41" name="Straight Arrow Connector 40">
+            <a:extLst>
+              <a:ext uri="{FF2B5EF4-FFF2-40B4-BE49-F238E27FC236}">
+                <a16:creationId xmlns:a16="http://schemas.microsoft.com/office/drawing/2014/main" id="{61806675-2968-4382-805B-DB6B1C48A717}"/>
+              </a:ext>
+            </a:extLst>
+          </p:cNvPr>
+          <p:cNvCxnSpPr>
+            <a:stCxn id="39" idx="2"/>
+            <a:endCxn id="6" idx="3"/>
+          </p:cNvCxnSpPr>
+          <p:nvPr/>
+        </p:nvCxnSpPr>
+        <p:spPr>
+          <a:xfrm flipH="1">
+            <a:off x="7557497" y="5342301"/>
+            <a:ext cx="1640291" cy="45586"/>
+          </a:xfrm>
+          <a:prstGeom prst="straightConnector1">
+            <a:avLst/>
+          </a:prstGeom>
+          <a:ln>
+            <a:tailEnd type="triangle"/>
+          </a:ln>
+        </p:spPr>
+        <p:style>
+          <a:lnRef idx="1">
+            <a:schemeClr val="accent1"/>
+          </a:lnRef>
+          <a:fillRef idx="0">
+            <a:schemeClr val="accent1"/>
+          </a:fillRef>
+          <a:effectRef idx="0">
+            <a:schemeClr val="accent1"/>
+          </a:effectRef>
+          <a:fontRef idx="minor">
+            <a:schemeClr val="tx1"/>
+          </a:fontRef>
+        </p:style>
+      </p:cxnSp>
+    </p:spTree>
+    <p:extLst>
+      <p:ext uri="{BB962C8B-B14F-4D97-AF65-F5344CB8AC3E}">
+        <p14:creationId xmlns:p14="http://schemas.microsoft.com/office/powerpoint/2010/main" val="2112300362"/>
+      </p:ext>
+    </p:extLst>
+  </p:cSld>
+  <p:clrMapOvr>
+    <a:masterClrMapping/>
+  </p:clrMapOvr>
+</p:sld>
+</file>
+
 <file path=ppt/theme/theme1.xml><?xml version="1.0" encoding="utf-8"?>
 <a:theme xmlns:a="http://schemas.openxmlformats.org/drawingml/2006/main" name="Office Theme">
   <a:themeElements>

--- a/architecture/KabaneroEvent.pptx
+++ b/architecture/KabaneroEvent.pptx
@@ -13633,7 +13633,7 @@
         </p:nvSpPr>
         <p:spPr>
           <a:xfrm>
-            <a:off x="1306679" y="3008904"/>
+            <a:off x="1693954" y="3037927"/>
             <a:ext cx="4004263" cy="840192"/>
           </a:xfrm>
           <a:prstGeom prst="rect">
@@ -13896,13 +13896,14 @@
           </p:cNvPr>
           <p:cNvCxnSpPr>
             <a:cxnSpLocks/>
+            <a:endCxn id="4" idx="3"/>
           </p:cNvCxnSpPr>
           <p:nvPr/>
         </p:nvCxnSpPr>
         <p:spPr>
           <a:xfrm flipH="1">
-            <a:off x="5338040" y="1857083"/>
-            <a:ext cx="3537616" cy="1571917"/>
+            <a:off x="5698217" y="1857083"/>
+            <a:ext cx="3177440" cy="1600940"/>
           </a:xfrm>
           <a:prstGeom prst="straightConnector1">
             <a:avLst/>
@@ -14290,6 +14291,102 @@
           <a:xfrm flipH="1">
             <a:off x="7557497" y="5342301"/>
             <a:ext cx="1640291" cy="45586"/>
+          </a:xfrm>
+          <a:prstGeom prst="straightConnector1">
+            <a:avLst/>
+          </a:prstGeom>
+          <a:ln>
+            <a:tailEnd type="triangle"/>
+          </a:ln>
+        </p:spPr>
+        <p:style>
+          <a:lnRef idx="1">
+            <a:schemeClr val="accent1"/>
+          </a:lnRef>
+          <a:fillRef idx="0">
+            <a:schemeClr val="accent1"/>
+          </a:fillRef>
+          <a:effectRef idx="0">
+            <a:schemeClr val="accent1"/>
+          </a:effectRef>
+          <a:fontRef idx="minor">
+            <a:schemeClr val="tx1"/>
+          </a:fontRef>
+        </p:style>
+      </p:cxnSp>
+      <p:sp>
+        <p:nvSpPr>
+          <p:cNvPr id="43" name="Oval 42">
+            <a:extLst>
+              <a:ext uri="{FF2B5EF4-FFF2-40B4-BE49-F238E27FC236}">
+                <a16:creationId xmlns:a16="http://schemas.microsoft.com/office/drawing/2014/main" id="{1CBB397E-CD6E-42F3-8FC8-370B31A9FDF1}"/>
+              </a:ext>
+            </a:extLst>
+          </p:cNvPr>
+          <p:cNvSpPr/>
+          <p:nvPr/>
+        </p:nvSpPr>
+        <p:spPr>
+          <a:xfrm>
+            <a:off x="115904" y="2950576"/>
+            <a:ext cx="1041684" cy="749020"/>
+          </a:xfrm>
+          <a:prstGeom prst="ellipse">
+            <a:avLst/>
+          </a:prstGeom>
+          <a:noFill/>
+        </p:spPr>
+        <p:style>
+          <a:lnRef idx="2">
+            <a:schemeClr val="accent1">
+              <a:shade val="50000"/>
+            </a:schemeClr>
+          </a:lnRef>
+          <a:fillRef idx="1">
+            <a:schemeClr val="accent1"/>
+          </a:fillRef>
+          <a:effectRef idx="0">
+            <a:schemeClr val="accent1"/>
+          </a:effectRef>
+          <a:fontRef idx="minor">
+            <a:schemeClr val="lt1"/>
+          </a:fontRef>
+        </p:style>
+        <p:txBody>
+          <a:bodyPr rtlCol="0" anchor="ctr"/>
+          <a:lstStyle/>
+          <a:p>
+            <a:pPr algn="ctr"/>
+            <a:r>
+              <a:rPr lang="en-US" dirty="0">
+                <a:solidFill>
+                  <a:schemeClr val="tx1"/>
+                </a:solidFill>
+              </a:rPr>
+              <a:t>test-a</a:t>
+            </a:r>
+          </a:p>
+        </p:txBody>
+      </p:sp>
+      <p:cxnSp>
+        <p:nvCxnSpPr>
+          <p:cNvPr id="46" name="Straight Arrow Connector 45">
+            <a:extLst>
+              <a:ext uri="{FF2B5EF4-FFF2-40B4-BE49-F238E27FC236}">
+                <a16:creationId xmlns:a16="http://schemas.microsoft.com/office/drawing/2014/main" id="{B399150D-F727-4E4A-BD7B-FDD2B8E59DB0}"/>
+              </a:ext>
+            </a:extLst>
+          </p:cNvPr>
+          <p:cNvCxnSpPr>
+            <a:stCxn id="43" idx="6"/>
+            <a:endCxn id="4" idx="1"/>
+          </p:cNvCxnSpPr>
+          <p:nvPr/>
+        </p:nvCxnSpPr>
+        <p:spPr>
+          <a:xfrm>
+            <a:off x="1157588" y="3325086"/>
+            <a:ext cx="536366" cy="132937"/>
           </a:xfrm>
           <a:prstGeom prst="straightConnector1">
             <a:avLst/>

--- a/architecture/KabaneroEvent.pptx
+++ b/architecture/KabaneroEvent.pptx
@@ -264,7 +264,7 @@
           <a:p>
             <a:fld id="{13593C2D-3CA5-4D4F-90AB-38346B6393DE}" type="datetimeFigureOut">
               <a:rPr lang="en-US" smtClean="0"/>
-              <a:t>8/22/2019</a:t>
+              <a:t>8/23/2019</a:t>
             </a:fld>
             <a:endParaRPr lang="en-US"/>
           </a:p>
@@ -462,7 +462,7 @@
           <a:p>
             <a:fld id="{13593C2D-3CA5-4D4F-90AB-38346B6393DE}" type="datetimeFigureOut">
               <a:rPr lang="en-US" smtClean="0"/>
-              <a:t>8/22/2019</a:t>
+              <a:t>8/23/2019</a:t>
             </a:fld>
             <a:endParaRPr lang="en-US"/>
           </a:p>
@@ -670,7 +670,7 @@
           <a:p>
             <a:fld id="{13593C2D-3CA5-4D4F-90AB-38346B6393DE}" type="datetimeFigureOut">
               <a:rPr lang="en-US" smtClean="0"/>
-              <a:t>8/22/2019</a:t>
+              <a:t>8/23/2019</a:t>
             </a:fld>
             <a:endParaRPr lang="en-US"/>
           </a:p>
@@ -868,7 +868,7 @@
           <a:p>
             <a:fld id="{13593C2D-3CA5-4D4F-90AB-38346B6393DE}" type="datetimeFigureOut">
               <a:rPr lang="en-US" smtClean="0"/>
-              <a:t>8/22/2019</a:t>
+              <a:t>8/23/2019</a:t>
             </a:fld>
             <a:endParaRPr lang="en-US"/>
           </a:p>
@@ -1143,7 +1143,7 @@
           <a:p>
             <a:fld id="{13593C2D-3CA5-4D4F-90AB-38346B6393DE}" type="datetimeFigureOut">
               <a:rPr lang="en-US" smtClean="0"/>
-              <a:t>8/22/2019</a:t>
+              <a:t>8/23/2019</a:t>
             </a:fld>
             <a:endParaRPr lang="en-US"/>
           </a:p>
@@ -1408,7 +1408,7 @@
           <a:p>
             <a:fld id="{13593C2D-3CA5-4D4F-90AB-38346B6393DE}" type="datetimeFigureOut">
               <a:rPr lang="en-US" smtClean="0"/>
-              <a:t>8/22/2019</a:t>
+              <a:t>8/23/2019</a:t>
             </a:fld>
             <a:endParaRPr lang="en-US"/>
           </a:p>
@@ -1820,7 +1820,7 @@
           <a:p>
             <a:fld id="{13593C2D-3CA5-4D4F-90AB-38346B6393DE}" type="datetimeFigureOut">
               <a:rPr lang="en-US" smtClean="0"/>
-              <a:t>8/22/2019</a:t>
+              <a:t>8/23/2019</a:t>
             </a:fld>
             <a:endParaRPr lang="en-US"/>
           </a:p>
@@ -1961,7 +1961,7 @@
           <a:p>
             <a:fld id="{13593C2D-3CA5-4D4F-90AB-38346B6393DE}" type="datetimeFigureOut">
               <a:rPr lang="en-US" smtClean="0"/>
-              <a:t>8/22/2019</a:t>
+              <a:t>8/23/2019</a:t>
             </a:fld>
             <a:endParaRPr lang="en-US"/>
           </a:p>
@@ -2074,7 +2074,7 @@
           <a:p>
             <a:fld id="{13593C2D-3CA5-4D4F-90AB-38346B6393DE}" type="datetimeFigureOut">
               <a:rPr lang="en-US" smtClean="0"/>
-              <a:t>8/22/2019</a:t>
+              <a:t>8/23/2019</a:t>
             </a:fld>
             <a:endParaRPr lang="en-US"/>
           </a:p>
@@ -2385,7 +2385,7 @@
           <a:p>
             <a:fld id="{13593C2D-3CA5-4D4F-90AB-38346B6393DE}" type="datetimeFigureOut">
               <a:rPr lang="en-US" smtClean="0"/>
-              <a:t>8/22/2019</a:t>
+              <a:t>8/23/2019</a:t>
             </a:fld>
             <a:endParaRPr lang="en-US"/>
           </a:p>
@@ -2673,7 +2673,7 @@
           <a:p>
             <a:fld id="{13593C2D-3CA5-4D4F-90AB-38346B6393DE}" type="datetimeFigureOut">
               <a:rPr lang="en-US" smtClean="0"/>
-              <a:t>8/22/2019</a:t>
+              <a:t>8/23/2019</a:t>
             </a:fld>
             <a:endParaRPr lang="en-US"/>
           </a:p>
@@ -2914,7 +2914,7 @@
           <a:p>
             <a:fld id="{13593C2D-3CA5-4D4F-90AB-38346B6393DE}" type="datetimeFigureOut">
               <a:rPr lang="en-US" smtClean="0"/>
-              <a:t>8/22/2019</a:t>
+              <a:t>8/23/2019</a:t>
             </a:fld>
             <a:endParaRPr lang="en-US"/>
           </a:p>
@@ -13833,13 +13833,18 @@
           <a:p>
             <a:pPr algn="ctr"/>
             <a:r>
-              <a:rPr lang="en-US" dirty="0">
+              <a:rPr lang="en-US" dirty="0" err="1">
                 <a:solidFill>
                   <a:schemeClr val="tx1"/>
                 </a:solidFill>
               </a:rPr>
-              <a:t>svc-a</a:t>
-            </a:r>
+              <a:t>ui</a:t>
+            </a:r>
+            <a:endParaRPr lang="en-US" dirty="0">
+              <a:solidFill>
+                <a:schemeClr val="tx1"/>
+              </a:solidFill>
+            </a:endParaRPr>
           </a:p>
         </p:txBody>
       </p:sp>
@@ -14070,61 +14075,6 @@
           <a:xfrm>
             <a:off x="685716" y="1280160"/>
             <a:ext cx="1258645" cy="576923"/>
-          </a:xfrm>
-          <a:prstGeom prst="rect">
-            <a:avLst/>
-          </a:prstGeom>
-          <a:noFill/>
-          <a:ln w="25400"/>
-        </p:spPr>
-        <p:style>
-          <a:lnRef idx="2">
-            <a:schemeClr val="accent1">
-              <a:shade val="50000"/>
-            </a:schemeClr>
-          </a:lnRef>
-          <a:fillRef idx="1">
-            <a:schemeClr val="accent1"/>
-          </a:fillRef>
-          <a:effectRef idx="0">
-            <a:schemeClr val="accent1"/>
-          </a:effectRef>
-          <a:fontRef idx="minor">
-            <a:schemeClr val="lt1"/>
-          </a:fontRef>
-        </p:style>
-        <p:txBody>
-          <a:bodyPr rtlCol="0" anchor="ctr"/>
-          <a:lstStyle/>
-          <a:p>
-            <a:pPr algn="ctr"/>
-            <a:r>
-              <a:rPr lang="en-US" dirty="0">
-                <a:solidFill>
-                  <a:schemeClr val="tx1"/>
-                </a:solidFill>
-              </a:rPr>
-              <a:t>repo-a</a:t>
-            </a:r>
-          </a:p>
-        </p:txBody>
-      </p:sp>
-      <p:sp>
-        <p:nvSpPr>
-          <p:cNvPr id="35" name="Rectangle 34">
-            <a:extLst>
-              <a:ext uri="{FF2B5EF4-FFF2-40B4-BE49-F238E27FC236}">
-                <a16:creationId xmlns:a16="http://schemas.microsoft.com/office/drawing/2014/main" id="{94FDA02F-D0B5-4AAA-A409-E75C171C91AD}"/>
-              </a:ext>
-            </a:extLst>
-          </p:cNvPr>
-          <p:cNvSpPr/>
-          <p:nvPr/>
-        </p:nvSpPr>
-        <p:spPr>
-          <a:xfrm>
-            <a:off x="10660461" y="1653316"/>
-            <a:ext cx="1258645" cy="589878"/>
           </a:xfrm>
           <a:prstGeom prst="rect">
             <a:avLst/>
@@ -14167,6 +14117,90 @@
                   <a:schemeClr val="tx1"/>
                 </a:solidFill>
               </a:rPr>
+              <a:t>ui</a:t>
+            </a:r>
+            <a:endParaRPr lang="en-US" dirty="0">
+              <a:solidFill>
+                <a:schemeClr val="tx1"/>
+              </a:solidFill>
+            </a:endParaRPr>
+          </a:p>
+        </p:txBody>
+      </p:sp>
+      <p:sp>
+        <p:nvSpPr>
+          <p:cNvPr id="35" name="Rectangle 34">
+            <a:extLst>
+              <a:ext uri="{FF2B5EF4-FFF2-40B4-BE49-F238E27FC236}">
+                <a16:creationId xmlns:a16="http://schemas.microsoft.com/office/drawing/2014/main" id="{94FDA02F-D0B5-4AAA-A409-E75C171C91AD}"/>
+              </a:ext>
+            </a:extLst>
+          </p:cNvPr>
+          <p:cNvSpPr/>
+          <p:nvPr/>
+        </p:nvSpPr>
+        <p:spPr>
+          <a:xfrm>
+            <a:off x="10660461" y="1653316"/>
+            <a:ext cx="1258645" cy="589878"/>
+          </a:xfrm>
+          <a:prstGeom prst="rect">
+            <a:avLst/>
+          </a:prstGeom>
+          <a:noFill/>
+          <a:ln w="25400"/>
+        </p:spPr>
+        <p:style>
+          <a:lnRef idx="2">
+            <a:schemeClr val="accent1">
+              <a:shade val="50000"/>
+            </a:schemeClr>
+          </a:lnRef>
+          <a:fillRef idx="1">
+            <a:schemeClr val="accent1"/>
+          </a:fillRef>
+          <a:effectRef idx="0">
+            <a:schemeClr val="accent1"/>
+          </a:effectRef>
+          <a:fontRef idx="minor">
+            <a:schemeClr val="lt1"/>
+          </a:fontRef>
+        </p:style>
+        <p:txBody>
+          <a:bodyPr rtlCol="0" anchor="ctr"/>
+          <a:lstStyle/>
+          <a:p>
+            <a:pPr algn="ctr"/>
+            <a:r>
+              <a:rPr lang="en-US" dirty="0">
+                <a:solidFill>
+                  <a:schemeClr val="tx1"/>
+                </a:solidFill>
+              </a:rPr>
+              <a:t>repo-</a:t>
+            </a:r>
+            <a:r>
+              <a:rPr lang="en-US" dirty="0" err="1">
+                <a:solidFill>
+                  <a:schemeClr val="tx1"/>
+                </a:solidFill>
+              </a:rPr>
+              <a:t>ui</a:t>
+            </a:r>
+            <a:r>
+              <a:rPr lang="en-US" dirty="0">
+                <a:solidFill>
+                  <a:schemeClr val="tx1"/>
+                </a:solidFill>
+              </a:rPr>
+              <a:t>-</a:t>
+            </a:r>
+            <a:r>
+              <a:rPr lang="en-US" dirty="0" err="1">
+                <a:solidFill>
+                  <a:schemeClr val="tx1"/>
+                </a:solidFill>
+              </a:rPr>
               <a:t>svt</a:t>
             </a:r>
             <a:endParaRPr lang="en-US" dirty="0">
@@ -14329,7 +14363,7 @@
         <p:spPr>
           <a:xfrm>
             <a:off x="115904" y="2950576"/>
-            <a:ext cx="1041684" cy="749020"/>
+            <a:ext cx="1228820" cy="749020"/>
           </a:xfrm>
           <a:prstGeom prst="ellipse">
             <a:avLst/>
@@ -14363,8 +14397,21 @@
                   <a:schemeClr val="tx1"/>
                 </a:solidFill>
               </a:rPr>
-              <a:t>test-a</a:t>
-            </a:r>
+              <a:t>test-</a:t>
+            </a:r>
+            <a:r>
+              <a:rPr lang="en-US" dirty="0" err="1">
+                <a:solidFill>
+                  <a:schemeClr val="tx1"/>
+                </a:solidFill>
+              </a:rPr>
+              <a:t>ui</a:t>
+            </a:r>
+            <a:endParaRPr lang="en-US" dirty="0">
+              <a:solidFill>
+                <a:schemeClr val="tx1"/>
+              </a:solidFill>
+            </a:endParaRPr>
           </a:p>
         </p:txBody>
       </p:sp>
@@ -14378,6 +14425,7 @@
             </a:extLst>
           </p:cNvPr>
           <p:cNvCxnSpPr>
+            <a:cxnSpLocks/>
             <a:stCxn id="43" idx="6"/>
             <a:endCxn id="4" idx="1"/>
           </p:cNvCxnSpPr>
@@ -14385,8 +14433,8 @@
         </p:nvCxnSpPr>
         <p:spPr>
           <a:xfrm>
-            <a:off x="1157588" y="3325086"/>
-            <a:ext cx="536366" cy="132937"/>
+            <a:off x="1344724" y="3325086"/>
+            <a:ext cx="349230" cy="132937"/>
           </a:xfrm>
           <a:prstGeom prst="straightConnector1">
             <a:avLst/>

--- a/architecture/KabaneroEvent.pptx
+++ b/architecture/KabaneroEvent.pptx
@@ -13177,7 +13177,7 @@
         </p:nvSpPr>
         <p:spPr>
           <a:xfrm flipH="1">
-            <a:off x="4357786" y="2287632"/>
+            <a:off x="2921013" y="2809372"/>
             <a:ext cx="393029" cy="323849"/>
           </a:xfrm>
           <a:prstGeom prst="lightningBolt">
@@ -13214,10 +13214,10 @@
       </p:sp>
       <p:sp>
         <p:nvSpPr>
-          <p:cNvPr id="24" name="Lightning Bolt 23">
-            <a:extLst>
-              <a:ext uri="{FF2B5EF4-FFF2-40B4-BE49-F238E27FC236}">
-                <a16:creationId xmlns:a16="http://schemas.microsoft.com/office/drawing/2014/main" id="{974384B9-8DBB-46B5-8FF2-CA6E787D89AB}"/>
+          <p:cNvPr id="25" name="Lightning Bolt 24">
+            <a:extLst>
+              <a:ext uri="{FF2B5EF4-FFF2-40B4-BE49-F238E27FC236}">
+                <a16:creationId xmlns:a16="http://schemas.microsoft.com/office/drawing/2014/main" id="{EC76E00A-C3C8-49BF-B86B-94359D9E0C35}"/>
               </a:ext>
             </a:extLst>
           </p:cNvPr>
@@ -13226,7 +13226,7 @@
         </p:nvSpPr>
         <p:spPr>
           <a:xfrm flipH="1">
-            <a:off x="4161271" y="4223846"/>
+            <a:off x="5428693" y="4570195"/>
             <a:ext cx="393029" cy="323849"/>
           </a:xfrm>
           <a:prstGeom prst="lightningBolt">
@@ -13263,10 +13263,10 @@
       </p:sp>
       <p:sp>
         <p:nvSpPr>
-          <p:cNvPr id="25" name="Lightning Bolt 24">
-            <a:extLst>
-              <a:ext uri="{FF2B5EF4-FFF2-40B4-BE49-F238E27FC236}">
-                <a16:creationId xmlns:a16="http://schemas.microsoft.com/office/drawing/2014/main" id="{EC76E00A-C3C8-49BF-B86B-94359D9E0C35}"/>
+          <p:cNvPr id="26" name="Lightning Bolt 25">
+            <a:extLst>
+              <a:ext uri="{FF2B5EF4-FFF2-40B4-BE49-F238E27FC236}">
+                <a16:creationId xmlns:a16="http://schemas.microsoft.com/office/drawing/2014/main" id="{953142DF-D967-4AEF-AD49-C2276A8468F7}"/>
               </a:ext>
             </a:extLst>
           </p:cNvPr>
@@ -13275,7 +13275,7 @@
         </p:nvSpPr>
         <p:spPr>
           <a:xfrm flipH="1">
-            <a:off x="6960072" y="4269192"/>
+            <a:off x="9022279" y="2291897"/>
             <a:ext cx="393029" cy="323849"/>
           </a:xfrm>
           <a:prstGeom prst="lightningBolt">
@@ -13312,10 +13312,10 @@
       </p:sp>
       <p:sp>
         <p:nvSpPr>
-          <p:cNvPr id="26" name="Lightning Bolt 25">
-            <a:extLst>
-              <a:ext uri="{FF2B5EF4-FFF2-40B4-BE49-F238E27FC236}">
-                <a16:creationId xmlns:a16="http://schemas.microsoft.com/office/drawing/2014/main" id="{953142DF-D967-4AEF-AD49-C2276A8468F7}"/>
+          <p:cNvPr id="27" name="Lightning Bolt 26">
+            <a:extLst>
+              <a:ext uri="{FF2B5EF4-FFF2-40B4-BE49-F238E27FC236}">
+                <a16:creationId xmlns:a16="http://schemas.microsoft.com/office/drawing/2014/main" id="{9C760C54-5BF5-4A7F-AA73-72DD1114A3EF}"/>
               </a:ext>
             </a:extLst>
           </p:cNvPr>
@@ -13324,56 +13324,7 @@
         </p:nvSpPr>
         <p:spPr>
           <a:xfrm flipH="1">
-            <a:off x="9022279" y="2291897"/>
-            <a:ext cx="393029" cy="323849"/>
-          </a:xfrm>
-          <a:prstGeom prst="lightningBolt">
-            <a:avLst/>
-          </a:prstGeom>
-          <a:solidFill>
-            <a:schemeClr val="tx1"/>
-          </a:solidFill>
-        </p:spPr>
-        <p:style>
-          <a:lnRef idx="2">
-            <a:schemeClr val="accent1">
-              <a:shade val="50000"/>
-            </a:schemeClr>
-          </a:lnRef>
-          <a:fillRef idx="1">
-            <a:schemeClr val="accent1"/>
-          </a:fillRef>
-          <a:effectRef idx="0">
-            <a:schemeClr val="accent1"/>
-          </a:effectRef>
-          <a:fontRef idx="minor">
-            <a:schemeClr val="lt1"/>
-          </a:fontRef>
-        </p:style>
-        <p:txBody>
-          <a:bodyPr rtlCol="0" anchor="ctr"/>
-          <a:lstStyle/>
-          <a:p>
-            <a:pPr algn="ctr"/>
-            <a:endParaRPr lang="en-US" dirty="0"/>
-          </a:p>
-        </p:txBody>
-      </p:sp>
-      <p:sp>
-        <p:nvSpPr>
-          <p:cNvPr id="27" name="Lightning Bolt 26">
-            <a:extLst>
-              <a:ext uri="{FF2B5EF4-FFF2-40B4-BE49-F238E27FC236}">
-                <a16:creationId xmlns:a16="http://schemas.microsoft.com/office/drawing/2014/main" id="{9C760C54-5BF5-4A7F-AA73-72DD1114A3EF}"/>
-              </a:ext>
-            </a:extLst>
-          </p:cNvPr>
-          <p:cNvSpPr/>
-          <p:nvPr/>
-        </p:nvSpPr>
-        <p:spPr>
-          <a:xfrm flipH="1">
-            <a:off x="5555365" y="412318"/>
+            <a:off x="5358850" y="684448"/>
             <a:ext cx="393029" cy="323849"/>
           </a:xfrm>
           <a:prstGeom prst="lightningBolt">

--- a/architecture/KabaneroEvent.pptx
+++ b/architecture/KabaneroEvent.pptx
@@ -11,6 +11,9 @@
     <p:sldId id="259" r:id="rId5"/>
     <p:sldId id="262" r:id="rId6"/>
     <p:sldId id="263" r:id="rId7"/>
+    <p:sldId id="264" r:id="rId8"/>
+    <p:sldId id="265" r:id="rId9"/>
+    <p:sldId id="266" r:id="rId10"/>
   </p:sldIdLst>
   <p:sldSz cx="12192000" cy="6858000"/>
   <p:notesSz cx="6858000" cy="9144000"/>
@@ -264,7 +267,7 @@
           <a:p>
             <a:fld id="{13593C2D-3CA5-4D4F-90AB-38346B6393DE}" type="datetimeFigureOut">
               <a:rPr lang="en-US" smtClean="0"/>
-              <a:t>8/23/2019</a:t>
+              <a:t>9/4/2019</a:t>
             </a:fld>
             <a:endParaRPr lang="en-US"/>
           </a:p>
@@ -462,7 +465,7 @@
           <a:p>
             <a:fld id="{13593C2D-3CA5-4D4F-90AB-38346B6393DE}" type="datetimeFigureOut">
               <a:rPr lang="en-US" smtClean="0"/>
-              <a:t>8/23/2019</a:t>
+              <a:t>9/4/2019</a:t>
             </a:fld>
             <a:endParaRPr lang="en-US"/>
           </a:p>
@@ -670,7 +673,7 @@
           <a:p>
             <a:fld id="{13593C2D-3CA5-4D4F-90AB-38346B6393DE}" type="datetimeFigureOut">
               <a:rPr lang="en-US" smtClean="0"/>
-              <a:t>8/23/2019</a:t>
+              <a:t>9/4/2019</a:t>
             </a:fld>
             <a:endParaRPr lang="en-US"/>
           </a:p>
@@ -868,7 +871,7 @@
           <a:p>
             <a:fld id="{13593C2D-3CA5-4D4F-90AB-38346B6393DE}" type="datetimeFigureOut">
               <a:rPr lang="en-US" smtClean="0"/>
-              <a:t>8/23/2019</a:t>
+              <a:t>9/4/2019</a:t>
             </a:fld>
             <a:endParaRPr lang="en-US"/>
           </a:p>
@@ -1143,7 +1146,7 @@
           <a:p>
             <a:fld id="{13593C2D-3CA5-4D4F-90AB-38346B6393DE}" type="datetimeFigureOut">
               <a:rPr lang="en-US" smtClean="0"/>
-              <a:t>8/23/2019</a:t>
+              <a:t>9/4/2019</a:t>
             </a:fld>
             <a:endParaRPr lang="en-US"/>
           </a:p>
@@ -1408,7 +1411,7 @@
           <a:p>
             <a:fld id="{13593C2D-3CA5-4D4F-90AB-38346B6393DE}" type="datetimeFigureOut">
               <a:rPr lang="en-US" smtClean="0"/>
-              <a:t>8/23/2019</a:t>
+              <a:t>9/4/2019</a:t>
             </a:fld>
             <a:endParaRPr lang="en-US"/>
           </a:p>
@@ -1820,7 +1823,7 @@
           <a:p>
             <a:fld id="{13593C2D-3CA5-4D4F-90AB-38346B6393DE}" type="datetimeFigureOut">
               <a:rPr lang="en-US" smtClean="0"/>
-              <a:t>8/23/2019</a:t>
+              <a:t>9/4/2019</a:t>
             </a:fld>
             <a:endParaRPr lang="en-US"/>
           </a:p>
@@ -1961,7 +1964,7 @@
           <a:p>
             <a:fld id="{13593C2D-3CA5-4D4F-90AB-38346B6393DE}" type="datetimeFigureOut">
               <a:rPr lang="en-US" smtClean="0"/>
-              <a:t>8/23/2019</a:t>
+              <a:t>9/4/2019</a:t>
             </a:fld>
             <a:endParaRPr lang="en-US"/>
           </a:p>
@@ -2074,7 +2077,7 @@
           <a:p>
             <a:fld id="{13593C2D-3CA5-4D4F-90AB-38346B6393DE}" type="datetimeFigureOut">
               <a:rPr lang="en-US" smtClean="0"/>
-              <a:t>8/23/2019</a:t>
+              <a:t>9/4/2019</a:t>
             </a:fld>
             <a:endParaRPr lang="en-US"/>
           </a:p>
@@ -2385,7 +2388,7 @@
           <a:p>
             <a:fld id="{13593C2D-3CA5-4D4F-90AB-38346B6393DE}" type="datetimeFigureOut">
               <a:rPr lang="en-US" smtClean="0"/>
-              <a:t>8/23/2019</a:t>
+              <a:t>9/4/2019</a:t>
             </a:fld>
             <a:endParaRPr lang="en-US"/>
           </a:p>
@@ -2673,7 +2676,7 @@
           <a:p>
             <a:fld id="{13593C2D-3CA5-4D4F-90AB-38346B6393DE}" type="datetimeFigureOut">
               <a:rPr lang="en-US" smtClean="0"/>
-              <a:t>8/23/2019</a:t>
+              <a:t>9/4/2019</a:t>
             </a:fld>
             <a:endParaRPr lang="en-US"/>
           </a:p>
@@ -2914,7 +2917,7 @@
           <a:p>
             <a:fld id="{13593C2D-3CA5-4D4F-90AB-38346B6393DE}" type="datetimeFigureOut">
               <a:rPr lang="en-US" smtClean="0"/>
-              <a:t>8/23/2019</a:t>
+              <a:t>9/4/2019</a:t>
             </a:fld>
             <a:endParaRPr lang="en-US"/>
           </a:p>
@@ -14422,6 +14425,3730 @@
 </p:sld>
 </file>
 
+<file path=ppt/slides/slide7.xml><?xml version="1.0" encoding="utf-8"?>
+<p:sld xmlns:a="http://schemas.openxmlformats.org/drawingml/2006/main" xmlns:r="http://schemas.openxmlformats.org/officeDocument/2006/relationships" xmlns:p="http://schemas.openxmlformats.org/presentationml/2006/main">
+  <p:cSld>
+    <p:spTree>
+      <p:nvGrpSpPr>
+        <p:cNvPr id="1" name=""/>
+        <p:cNvGrpSpPr/>
+        <p:nvPr/>
+      </p:nvGrpSpPr>
+      <p:grpSpPr>
+        <a:xfrm>
+          <a:off x="0" y="0"/>
+          <a:ext cx="0" cy="0"/>
+          <a:chOff x="0" y="0"/>
+          <a:chExt cx="0" cy="0"/>
+        </a:xfrm>
+      </p:grpSpPr>
+      <p:graphicFrame>
+        <p:nvGraphicFramePr>
+          <p:cNvPr id="4" name="Table 3">
+            <a:extLst>
+              <a:ext uri="{FF2B5EF4-FFF2-40B4-BE49-F238E27FC236}">
+                <a16:creationId xmlns:a16="http://schemas.microsoft.com/office/drawing/2014/main" id="{C5DC404D-5175-4022-A619-C446F896862A}"/>
+              </a:ext>
+            </a:extLst>
+          </p:cNvPr>
+          <p:cNvGraphicFramePr>
+            <a:graphicFrameLocks noGrp="1"/>
+          </p:cNvGraphicFramePr>
+          <p:nvPr>
+            <p:extLst>
+              <p:ext uri="{D42A27DB-BD31-4B8C-83A1-F6EECF244321}">
+                <p14:modId xmlns:p14="http://schemas.microsoft.com/office/powerpoint/2010/main" val="2195771578"/>
+              </p:ext>
+            </p:extLst>
+          </p:nvPr>
+        </p:nvGraphicFramePr>
+        <p:xfrm>
+          <a:off x="122548" y="414781"/>
+          <a:ext cx="11368724" cy="3749231"/>
+        </p:xfrm>
+        <a:graphic>
+          <a:graphicData uri="http://schemas.openxmlformats.org/drawingml/2006/table">
+            <a:tbl>
+              <a:tblPr firstRow="1" bandRow="1">
+                <a:tableStyleId>{5C22544A-7EE6-4342-B048-85BDC9FD1C3A}</a:tableStyleId>
+              </a:tblPr>
+              <a:tblGrid>
+                <a:gridCol w="2842181">
+                  <a:extLst>
+                    <a:ext uri="{9D8B030D-6E8A-4147-A177-3AD203B41FA5}">
+                      <a16:colId xmlns:a16="http://schemas.microsoft.com/office/drawing/2014/main" val="3979173383"/>
+                    </a:ext>
+                  </a:extLst>
+                </a:gridCol>
+                <a:gridCol w="2842181">
+                  <a:extLst>
+                    <a:ext uri="{9D8B030D-6E8A-4147-A177-3AD203B41FA5}">
+                      <a16:colId xmlns:a16="http://schemas.microsoft.com/office/drawing/2014/main" val="599548454"/>
+                    </a:ext>
+                  </a:extLst>
+                </a:gridCol>
+                <a:gridCol w="2842181">
+                  <a:extLst>
+                    <a:ext uri="{9D8B030D-6E8A-4147-A177-3AD203B41FA5}">
+                      <a16:colId xmlns:a16="http://schemas.microsoft.com/office/drawing/2014/main" val="3118324463"/>
+                    </a:ext>
+                  </a:extLst>
+                </a:gridCol>
+                <a:gridCol w="2842181">
+                  <a:extLst>
+                    <a:ext uri="{9D8B030D-6E8A-4147-A177-3AD203B41FA5}">
+                      <a16:colId xmlns:a16="http://schemas.microsoft.com/office/drawing/2014/main" val="3723228381"/>
+                    </a:ext>
+                  </a:extLst>
+                </a:gridCol>
+              </a:tblGrid>
+              <a:tr h="543751">
+                <a:tc>
+                  <a:txBody>
+                    <a:bodyPr/>
+                    <a:lstStyle/>
+                    <a:p>
+                      <a:r>
+                        <a:rPr lang="en-US" dirty="0"/>
+                        <a:t>Received Event</a:t>
+                      </a:r>
+                    </a:p>
+                  </a:txBody>
+                  <a:tcPr/>
+                </a:tc>
+                <a:tc>
+                  <a:txBody>
+                    <a:bodyPr/>
+                    <a:lstStyle/>
+                    <a:p>
+                      <a:r>
+                        <a:rPr lang="en-US" dirty="0"/>
+                        <a:t>Stages</a:t>
+                      </a:r>
+                    </a:p>
+                  </a:txBody>
+                  <a:tcPr/>
+                </a:tc>
+                <a:tc>
+                  <a:txBody>
+                    <a:bodyPr/>
+                    <a:lstStyle/>
+                    <a:p>
+                      <a:r>
+                        <a:rPr lang="en-US" dirty="0"/>
+                        <a:t>Emit Event</a:t>
+                      </a:r>
+                    </a:p>
+                  </a:txBody>
+                  <a:tcPr/>
+                </a:tc>
+                <a:tc>
+                  <a:txBody>
+                    <a:bodyPr/>
+                    <a:lstStyle/>
+                    <a:p>
+                      <a:r>
+                        <a:rPr lang="en-US" dirty="0"/>
+                        <a:t>comments</a:t>
+                      </a:r>
+                    </a:p>
+                  </a:txBody>
+                  <a:tcPr/>
+                </a:tc>
+                <a:extLst>
+                  <a:ext uri="{0D108BD9-81ED-4DB2-BD59-A6C34878D82A}">
+                    <a16:rowId xmlns:a16="http://schemas.microsoft.com/office/drawing/2014/main" val="1794964289"/>
+                  </a:ext>
+                </a:extLst>
+              </a:tr>
+              <a:tr h="370840">
+                <a:tc>
+                  <a:txBody>
+                    <a:bodyPr/>
+                    <a:lstStyle/>
+                    <a:p>
+                      <a:r>
+                        <a:rPr lang="en-US" dirty="0" err="1"/>
+                        <a:t>Start_Build</a:t>
+                      </a:r>
+                      <a:endParaRPr lang="en-US" dirty="0"/>
+                    </a:p>
+                  </a:txBody>
+                  <a:tcPr/>
+                </a:tc>
+                <a:tc>
+                  <a:txBody>
+                    <a:bodyPr/>
+                    <a:lstStyle/>
+                    <a:p>
+                      <a:r>
+                        <a:rPr lang="en-US" dirty="0"/>
+                        <a:t>Build</a:t>
+                      </a:r>
+                    </a:p>
+                  </a:txBody>
+                  <a:tcPr/>
+                </a:tc>
+                <a:tc>
+                  <a:txBody>
+                    <a:bodyPr/>
+                    <a:lstStyle/>
+                    <a:p>
+                      <a:r>
+                        <a:rPr lang="en-US" dirty="0"/>
+                        <a:t>Build(status= $</a:t>
+                      </a:r>
+                      <a:r>
+                        <a:rPr lang="en-US" dirty="0" err="1"/>
+                        <a:t>stage_status</a:t>
+                      </a:r>
+                      <a:r>
+                        <a:rPr lang="en-US" dirty="0"/>
+                        <a:t>)</a:t>
+                      </a:r>
+                    </a:p>
+                  </a:txBody>
+                  <a:tcPr/>
+                </a:tc>
+                <a:tc>
+                  <a:txBody>
+                    <a:bodyPr/>
+                    <a:lstStyle/>
+                    <a:p>
+                      <a:r>
+                        <a:rPr lang="en-US" dirty="0"/>
+                        <a:t>Initial trigger</a:t>
+                      </a:r>
+                    </a:p>
+                  </a:txBody>
+                  <a:tcPr/>
+                </a:tc>
+                <a:extLst>
+                  <a:ext uri="{0D108BD9-81ED-4DB2-BD59-A6C34878D82A}">
+                    <a16:rowId xmlns:a16="http://schemas.microsoft.com/office/drawing/2014/main" val="2701361829"/>
+                  </a:ext>
+                </a:extLst>
+              </a:tr>
+              <a:tr h="370840">
+                <a:tc rowSpan="2">
+                  <a:txBody>
+                    <a:bodyPr/>
+                    <a:lstStyle/>
+                    <a:p>
+                      <a:r>
+                        <a:rPr lang="en-US" dirty="0"/>
+                        <a:t>Build(status=success)</a:t>
+                      </a:r>
+                    </a:p>
+                  </a:txBody>
+                  <a:tcPr/>
+                </a:tc>
+                <a:tc>
+                  <a:txBody>
+                    <a:bodyPr/>
+                    <a:lstStyle/>
+                    <a:p>
+                      <a:r>
+                        <a:rPr lang="en-US" dirty="0"/>
+                        <a:t>FVT</a:t>
+                      </a:r>
+                    </a:p>
+                  </a:txBody>
+                  <a:tcPr/>
+                </a:tc>
+                <a:tc>
+                  <a:txBody>
+                    <a:bodyPr/>
+                    <a:lstStyle/>
+                    <a:p>
+                      <a:r>
+                        <a:rPr lang="en-US" dirty="0"/>
+                        <a:t>FVT(status=$</a:t>
+                      </a:r>
+                      <a:r>
+                        <a:rPr lang="en-US" dirty="0" err="1"/>
+                        <a:t>stage_status</a:t>
+                      </a:r>
+                      <a:r>
+                        <a:rPr lang="en-US" dirty="0"/>
+                        <a:t>)</a:t>
+                      </a:r>
+                    </a:p>
+                    <a:p>
+                      <a:endParaRPr lang="en-US" dirty="0"/>
+                    </a:p>
+                    <a:p>
+                      <a:endParaRPr lang="en-US" dirty="0"/>
+                    </a:p>
+                  </a:txBody>
+                  <a:tcPr/>
+                </a:tc>
+                <a:tc>
+                  <a:txBody>
+                    <a:bodyPr/>
+                    <a:lstStyle/>
+                    <a:p>
+                      <a:endParaRPr lang="en-US" dirty="0"/>
+                    </a:p>
+                  </a:txBody>
+                  <a:tcPr/>
+                </a:tc>
+                <a:extLst>
+                  <a:ext uri="{0D108BD9-81ED-4DB2-BD59-A6C34878D82A}">
+                    <a16:rowId xmlns:a16="http://schemas.microsoft.com/office/drawing/2014/main" val="180626255"/>
+                  </a:ext>
+                </a:extLst>
+              </a:tr>
+              <a:tr h="370840">
+                <a:tc vMerge="1">
+                  <a:txBody>
+                    <a:bodyPr/>
+                    <a:lstStyle/>
+                    <a:p>
+                      <a:endParaRPr lang="en-US" dirty="0"/>
+                    </a:p>
+                  </a:txBody>
+                  <a:tcPr/>
+                </a:tc>
+                <a:tc>
+                  <a:txBody>
+                    <a:bodyPr/>
+                    <a:lstStyle/>
+                    <a:p>
+                      <a:pPr marL="0" marR="0" lvl="0" indent="0" algn="l" defTabSz="914400" rtl="0" eaLnBrk="1" fontAlgn="auto" latinLnBrk="0" hangingPunct="1">
+                        <a:lnSpc>
+                          <a:spcPct val="100000"/>
+                        </a:lnSpc>
+                        <a:spcBef>
+                          <a:spcPts val="0"/>
+                        </a:spcBef>
+                        <a:spcAft>
+                          <a:spcPts val="0"/>
+                        </a:spcAft>
+                        <a:buClrTx/>
+                        <a:buSzTx/>
+                        <a:buFontTx/>
+                        <a:buNone/>
+                        <a:tabLst/>
+                        <a:defRPr/>
+                      </a:pPr>
+                      <a:r>
+                        <a:rPr lang="en-US" dirty="0"/>
+                        <a:t>SVT</a:t>
+                      </a:r>
+                    </a:p>
+                    <a:p>
+                      <a:endParaRPr lang="en-US" dirty="0"/>
+                    </a:p>
+                  </a:txBody>
+                  <a:tcPr/>
+                </a:tc>
+                <a:tc>
+                  <a:txBody>
+                    <a:bodyPr/>
+                    <a:lstStyle/>
+                    <a:p>
+                      <a:r>
+                        <a:rPr lang="en-US" dirty="0"/>
+                        <a:t>SVT(status=$</a:t>
+                      </a:r>
+                      <a:r>
+                        <a:rPr lang="en-US" dirty="0" err="1"/>
+                        <a:t>stage_status</a:t>
+                      </a:r>
+                      <a:r>
+                        <a:rPr lang="en-US" dirty="0"/>
+                        <a:t>)</a:t>
+                      </a:r>
+                    </a:p>
+                    <a:p>
+                      <a:endParaRPr lang="en-US" dirty="0"/>
+                    </a:p>
+                  </a:txBody>
+                  <a:tcPr/>
+                </a:tc>
+                <a:tc>
+                  <a:txBody>
+                    <a:bodyPr/>
+                    <a:lstStyle/>
+                    <a:p>
+                      <a:endParaRPr lang="en-US" dirty="0"/>
+                    </a:p>
+                  </a:txBody>
+                  <a:tcPr/>
+                </a:tc>
+                <a:extLst>
+                  <a:ext uri="{0D108BD9-81ED-4DB2-BD59-A6C34878D82A}">
+                    <a16:rowId xmlns:a16="http://schemas.microsoft.com/office/drawing/2014/main" val="1813172203"/>
+                  </a:ext>
+                </a:extLst>
+              </a:tr>
+              <a:tr h="320686">
+                <a:tc>
+                  <a:txBody>
+                    <a:bodyPr/>
+                    <a:lstStyle/>
+                    <a:p>
+                      <a:r>
+                        <a:rPr lang="en-US" dirty="0"/>
+                        <a:t>FVT(status=success)</a:t>
+                      </a:r>
+                    </a:p>
+                    <a:p>
+                      <a:r>
+                        <a:rPr lang="en-US" dirty="0"/>
+                        <a:t>SVT(status=success)</a:t>
+                      </a:r>
+                    </a:p>
+                  </a:txBody>
+                  <a:tcPr/>
+                </a:tc>
+                <a:tc>
+                  <a:txBody>
+                    <a:bodyPr/>
+                    <a:lstStyle/>
+                    <a:p>
+                      <a:r>
+                        <a:rPr lang="en-US" dirty="0" err="1"/>
+                        <a:t>Deploy_Approval</a:t>
+                      </a:r>
+                      <a:endParaRPr lang="en-US" dirty="0"/>
+                    </a:p>
+                  </a:txBody>
+                  <a:tcPr/>
+                </a:tc>
+                <a:tc>
+                  <a:txBody>
+                    <a:bodyPr/>
+                    <a:lstStyle/>
+                    <a:p>
+                      <a:r>
+                        <a:rPr lang="en-US" dirty="0"/>
+                        <a:t>Approval(status=$</a:t>
+                      </a:r>
+                      <a:r>
+                        <a:rPr lang="en-US" dirty="0" err="1"/>
+                        <a:t>stage_status</a:t>
+                      </a:r>
+                      <a:r>
+                        <a:rPr lang="en-US" dirty="0"/>
+                        <a:t>)</a:t>
+                      </a:r>
+                    </a:p>
+                  </a:txBody>
+                  <a:tcPr/>
+                </a:tc>
+                <a:tc>
+                  <a:txBody>
+                    <a:bodyPr/>
+                    <a:lstStyle/>
+                    <a:p>
+                      <a:endParaRPr lang="en-US" dirty="0"/>
+                    </a:p>
+                  </a:txBody>
+                  <a:tcPr/>
+                </a:tc>
+                <a:extLst>
+                  <a:ext uri="{0D108BD9-81ED-4DB2-BD59-A6C34878D82A}">
+                    <a16:rowId xmlns:a16="http://schemas.microsoft.com/office/drawing/2014/main" val="2763655196"/>
+                  </a:ext>
+                </a:extLst>
+              </a:tr>
+              <a:tr h="320686">
+                <a:tc>
+                  <a:txBody>
+                    <a:bodyPr/>
+                    <a:lstStyle/>
+                    <a:p>
+                      <a:r>
+                        <a:rPr lang="en-US" dirty="0"/>
+                        <a:t>Approval(status=success)</a:t>
+                      </a:r>
+                    </a:p>
+                  </a:txBody>
+                  <a:tcPr/>
+                </a:tc>
+                <a:tc>
+                  <a:txBody>
+                    <a:bodyPr/>
+                    <a:lstStyle/>
+                    <a:p>
+                      <a:r>
+                        <a:rPr lang="en-US" dirty="0"/>
+                        <a:t>Deploy</a:t>
+                      </a:r>
+                    </a:p>
+                  </a:txBody>
+                  <a:tcPr/>
+                </a:tc>
+                <a:tc>
+                  <a:txBody>
+                    <a:bodyPr/>
+                    <a:lstStyle/>
+                    <a:p>
+                      <a:r>
+                        <a:rPr lang="en-US" dirty="0"/>
+                        <a:t>Deploy(status=$</a:t>
+                      </a:r>
+                      <a:r>
+                        <a:rPr lang="en-US" dirty="0" err="1"/>
+                        <a:t>stage_status</a:t>
+                      </a:r>
+                      <a:r>
+                        <a:rPr lang="en-US" dirty="0"/>
+                        <a:t>)</a:t>
+                      </a:r>
+                    </a:p>
+                  </a:txBody>
+                  <a:tcPr/>
+                </a:tc>
+                <a:tc>
+                  <a:txBody>
+                    <a:bodyPr/>
+                    <a:lstStyle/>
+                    <a:p>
+                      <a:endParaRPr lang="en-US" dirty="0"/>
+                    </a:p>
+                  </a:txBody>
+                  <a:tcPr/>
+                </a:tc>
+                <a:extLst>
+                  <a:ext uri="{0D108BD9-81ED-4DB2-BD59-A6C34878D82A}">
+                    <a16:rowId xmlns:a16="http://schemas.microsoft.com/office/drawing/2014/main" val="4085042361"/>
+                  </a:ext>
+                </a:extLst>
+              </a:tr>
+            </a:tbl>
+          </a:graphicData>
+        </a:graphic>
+      </p:graphicFrame>
+      <p:sp>
+        <p:nvSpPr>
+          <p:cNvPr id="5" name="TextBox 4">
+            <a:extLst>
+              <a:ext uri="{FF2B5EF4-FFF2-40B4-BE49-F238E27FC236}">
+                <a16:creationId xmlns:a16="http://schemas.microsoft.com/office/drawing/2014/main" id="{E0D342BC-8BA1-48C9-9622-4765E29E879F}"/>
+              </a:ext>
+            </a:extLst>
+          </p:cNvPr>
+          <p:cNvSpPr txBox="1"/>
+          <p:nvPr/>
+        </p:nvSpPr>
+        <p:spPr>
+          <a:xfrm>
+            <a:off x="490195" y="45449"/>
+            <a:ext cx="1539460" cy="369332"/>
+          </a:xfrm>
+          <a:prstGeom prst="rect">
+            <a:avLst/>
+          </a:prstGeom>
+          <a:noFill/>
+        </p:spPr>
+        <p:txBody>
+          <a:bodyPr wrap="none" rtlCol="0">
+            <a:spAutoFit/>
+          </a:bodyPr>
+          <a:lstStyle/>
+          <a:p>
+            <a:r>
+              <a:rPr lang="en-US" dirty="0"/>
+              <a:t>Strategy: main</a:t>
+            </a:r>
+          </a:p>
+        </p:txBody>
+      </p:sp>
+      <p:sp>
+        <p:nvSpPr>
+          <p:cNvPr id="6" name="TextBox 5">
+            <a:extLst>
+              <a:ext uri="{FF2B5EF4-FFF2-40B4-BE49-F238E27FC236}">
+                <a16:creationId xmlns:a16="http://schemas.microsoft.com/office/drawing/2014/main" id="{1233A876-5598-411F-911F-FA5CDADFEE88}"/>
+              </a:ext>
+            </a:extLst>
+          </p:cNvPr>
+          <p:cNvSpPr txBox="1"/>
+          <p:nvPr/>
+        </p:nvSpPr>
+        <p:spPr>
+          <a:xfrm>
+            <a:off x="122548" y="5864562"/>
+            <a:ext cx="4190378" cy="646331"/>
+          </a:xfrm>
+          <a:prstGeom prst="rect">
+            <a:avLst/>
+          </a:prstGeom>
+          <a:noFill/>
+        </p:spPr>
+        <p:txBody>
+          <a:bodyPr wrap="none" rtlCol="0">
+            <a:spAutoFit/>
+          </a:bodyPr>
+          <a:lstStyle/>
+          <a:p>
+            <a:r>
+              <a:rPr lang="en-US" dirty="0"/>
+              <a:t>Strategy main:   branch: “master*”</a:t>
+            </a:r>
+          </a:p>
+          <a:p>
+            <a:r>
+              <a:rPr lang="en-US" dirty="0"/>
+              <a:t>Strategy integration:  branch: “integration”</a:t>
+            </a:r>
+          </a:p>
+        </p:txBody>
+      </p:sp>
+    </p:spTree>
+    <p:extLst>
+      <p:ext uri="{BB962C8B-B14F-4D97-AF65-F5344CB8AC3E}">
+        <p14:creationId xmlns:p14="http://schemas.microsoft.com/office/powerpoint/2010/main" val="1857867068"/>
+      </p:ext>
+    </p:extLst>
+  </p:cSld>
+  <p:clrMapOvr>
+    <a:masterClrMapping/>
+  </p:clrMapOvr>
+</p:sld>
+</file>
+
+<file path=ppt/slides/slide8.xml><?xml version="1.0" encoding="utf-8"?>
+<p:sld xmlns:a="http://schemas.openxmlformats.org/drawingml/2006/main" xmlns:r="http://schemas.openxmlformats.org/officeDocument/2006/relationships" xmlns:p="http://schemas.openxmlformats.org/presentationml/2006/main">
+  <p:cSld>
+    <p:spTree>
+      <p:nvGrpSpPr>
+        <p:cNvPr id="1" name=""/>
+        <p:cNvGrpSpPr/>
+        <p:nvPr/>
+      </p:nvGrpSpPr>
+      <p:grpSpPr>
+        <a:xfrm>
+          <a:off x="0" y="0"/>
+          <a:ext cx="0" cy="0"/>
+          <a:chOff x="0" y="0"/>
+          <a:chExt cx="0" cy="0"/>
+        </a:xfrm>
+      </p:grpSpPr>
+      <p:sp>
+        <p:nvSpPr>
+          <p:cNvPr id="3" name="Rectangle: Rounded Corners 2">
+            <a:extLst>
+              <a:ext uri="{FF2B5EF4-FFF2-40B4-BE49-F238E27FC236}">
+                <a16:creationId xmlns:a16="http://schemas.microsoft.com/office/drawing/2014/main" id="{C0D5A236-A065-4709-893C-F90C190C5A91}"/>
+              </a:ext>
+            </a:extLst>
+          </p:cNvPr>
+          <p:cNvSpPr/>
+          <p:nvPr/>
+        </p:nvSpPr>
+        <p:spPr>
+          <a:xfrm>
+            <a:off x="7019043" y="381010"/>
+            <a:ext cx="2413262" cy="725863"/>
+          </a:xfrm>
+          <a:prstGeom prst="roundRect">
+            <a:avLst/>
+          </a:prstGeom>
+          <a:noFill/>
+        </p:spPr>
+        <p:style>
+          <a:lnRef idx="2">
+            <a:schemeClr val="accent1">
+              <a:shade val="50000"/>
+            </a:schemeClr>
+          </a:lnRef>
+          <a:fillRef idx="1">
+            <a:schemeClr val="accent1"/>
+          </a:fillRef>
+          <a:effectRef idx="0">
+            <a:schemeClr val="accent1"/>
+          </a:effectRef>
+          <a:fontRef idx="minor">
+            <a:schemeClr val="lt1"/>
+          </a:fontRef>
+        </p:style>
+        <p:txBody>
+          <a:bodyPr rtlCol="0" anchor="ctr"/>
+          <a:lstStyle/>
+          <a:p>
+            <a:pPr algn="ctr"/>
+            <a:r>
+              <a:rPr lang="en-US" dirty="0">
+                <a:solidFill>
+                  <a:schemeClr val="tx1"/>
+                </a:solidFill>
+              </a:rPr>
+              <a:t>Build</a:t>
+            </a:r>
+          </a:p>
+        </p:txBody>
+      </p:sp>
+      <p:sp>
+        <p:nvSpPr>
+          <p:cNvPr id="9" name="Rectangle: Rounded Corners 8">
+            <a:extLst>
+              <a:ext uri="{FF2B5EF4-FFF2-40B4-BE49-F238E27FC236}">
+                <a16:creationId xmlns:a16="http://schemas.microsoft.com/office/drawing/2014/main" id="{A6EC9DD2-4E81-47D3-9A6A-97F5ECD4DF1C}"/>
+              </a:ext>
+            </a:extLst>
+          </p:cNvPr>
+          <p:cNvSpPr/>
+          <p:nvPr/>
+        </p:nvSpPr>
+        <p:spPr>
+          <a:xfrm>
+            <a:off x="5158034" y="2156781"/>
+            <a:ext cx="2413262" cy="725863"/>
+          </a:xfrm>
+          <a:prstGeom prst="roundRect">
+            <a:avLst/>
+          </a:prstGeom>
+          <a:noFill/>
+        </p:spPr>
+        <p:style>
+          <a:lnRef idx="2">
+            <a:schemeClr val="accent1">
+              <a:shade val="50000"/>
+            </a:schemeClr>
+          </a:lnRef>
+          <a:fillRef idx="1">
+            <a:schemeClr val="accent1"/>
+          </a:fillRef>
+          <a:effectRef idx="0">
+            <a:schemeClr val="accent1"/>
+          </a:effectRef>
+          <a:fontRef idx="minor">
+            <a:schemeClr val="lt1"/>
+          </a:fontRef>
+        </p:style>
+        <p:txBody>
+          <a:bodyPr rtlCol="0" anchor="ctr"/>
+          <a:lstStyle/>
+          <a:p>
+            <a:pPr algn="ctr"/>
+            <a:r>
+              <a:rPr lang="en-US" dirty="0">
+                <a:solidFill>
+                  <a:schemeClr val="tx1"/>
+                </a:solidFill>
+              </a:rPr>
+              <a:t>FVT</a:t>
+            </a:r>
+          </a:p>
+        </p:txBody>
+      </p:sp>
+      <p:sp>
+        <p:nvSpPr>
+          <p:cNvPr id="10" name="Rectangle: Rounded Corners 9">
+            <a:extLst>
+              <a:ext uri="{FF2B5EF4-FFF2-40B4-BE49-F238E27FC236}">
+                <a16:creationId xmlns:a16="http://schemas.microsoft.com/office/drawing/2014/main" id="{698D90C3-2A86-429F-A03D-D5649AFA3EB2}"/>
+              </a:ext>
+            </a:extLst>
+          </p:cNvPr>
+          <p:cNvSpPr/>
+          <p:nvPr/>
+        </p:nvSpPr>
+        <p:spPr>
+          <a:xfrm>
+            <a:off x="7019043" y="3956513"/>
+            <a:ext cx="2413262" cy="725863"/>
+          </a:xfrm>
+          <a:prstGeom prst="roundRect">
+            <a:avLst/>
+          </a:prstGeom>
+          <a:noFill/>
+        </p:spPr>
+        <p:style>
+          <a:lnRef idx="2">
+            <a:schemeClr val="accent1">
+              <a:shade val="50000"/>
+            </a:schemeClr>
+          </a:lnRef>
+          <a:fillRef idx="1">
+            <a:schemeClr val="accent1"/>
+          </a:fillRef>
+          <a:effectRef idx="0">
+            <a:schemeClr val="accent1"/>
+          </a:effectRef>
+          <a:fontRef idx="minor">
+            <a:schemeClr val="lt1"/>
+          </a:fontRef>
+        </p:style>
+        <p:txBody>
+          <a:bodyPr rtlCol="0" anchor="ctr"/>
+          <a:lstStyle/>
+          <a:p>
+            <a:pPr algn="ctr"/>
+            <a:r>
+              <a:rPr lang="en-US" dirty="0" err="1">
+                <a:solidFill>
+                  <a:schemeClr val="tx1"/>
+                </a:solidFill>
+              </a:rPr>
+              <a:t>Deploy_Approval</a:t>
+            </a:r>
+            <a:endParaRPr lang="en-US" dirty="0">
+              <a:solidFill>
+                <a:schemeClr val="tx1"/>
+              </a:solidFill>
+            </a:endParaRPr>
+          </a:p>
+        </p:txBody>
+      </p:sp>
+      <p:sp>
+        <p:nvSpPr>
+          <p:cNvPr id="11" name="Rectangle: Rounded Corners 10">
+            <a:extLst>
+              <a:ext uri="{FF2B5EF4-FFF2-40B4-BE49-F238E27FC236}">
+                <a16:creationId xmlns:a16="http://schemas.microsoft.com/office/drawing/2014/main" id="{010E861B-B299-44EE-A146-3D45FBE76EEE}"/>
+              </a:ext>
+            </a:extLst>
+          </p:cNvPr>
+          <p:cNvSpPr/>
+          <p:nvPr/>
+        </p:nvSpPr>
+        <p:spPr>
+          <a:xfrm>
+            <a:off x="7070104" y="5541785"/>
+            <a:ext cx="2413262" cy="725863"/>
+          </a:xfrm>
+          <a:prstGeom prst="roundRect">
+            <a:avLst/>
+          </a:prstGeom>
+          <a:noFill/>
+        </p:spPr>
+        <p:style>
+          <a:lnRef idx="2">
+            <a:schemeClr val="accent1">
+              <a:shade val="50000"/>
+            </a:schemeClr>
+          </a:lnRef>
+          <a:fillRef idx="1">
+            <a:schemeClr val="accent1"/>
+          </a:fillRef>
+          <a:effectRef idx="0">
+            <a:schemeClr val="accent1"/>
+          </a:effectRef>
+          <a:fontRef idx="minor">
+            <a:schemeClr val="lt1"/>
+          </a:fontRef>
+        </p:style>
+        <p:txBody>
+          <a:bodyPr rtlCol="0" anchor="ctr"/>
+          <a:lstStyle/>
+          <a:p>
+            <a:pPr algn="ctr"/>
+            <a:r>
+              <a:rPr lang="en-US" dirty="0">
+                <a:solidFill>
+                  <a:schemeClr val="tx1"/>
+                </a:solidFill>
+              </a:rPr>
+              <a:t>Deploy</a:t>
+            </a:r>
+          </a:p>
+        </p:txBody>
+      </p:sp>
+      <p:sp>
+        <p:nvSpPr>
+          <p:cNvPr id="12" name="Rectangle: Rounded Corners 11">
+            <a:extLst>
+              <a:ext uri="{FF2B5EF4-FFF2-40B4-BE49-F238E27FC236}">
+                <a16:creationId xmlns:a16="http://schemas.microsoft.com/office/drawing/2014/main" id="{720B8792-2C30-4331-923F-3775FE100878}"/>
+              </a:ext>
+            </a:extLst>
+          </p:cNvPr>
+          <p:cNvSpPr/>
+          <p:nvPr/>
+        </p:nvSpPr>
+        <p:spPr>
+          <a:xfrm>
+            <a:off x="9534428" y="2156780"/>
+            <a:ext cx="2413262" cy="725863"/>
+          </a:xfrm>
+          <a:prstGeom prst="roundRect">
+            <a:avLst/>
+          </a:prstGeom>
+          <a:noFill/>
+        </p:spPr>
+        <p:style>
+          <a:lnRef idx="2">
+            <a:schemeClr val="accent1">
+              <a:shade val="50000"/>
+            </a:schemeClr>
+          </a:lnRef>
+          <a:fillRef idx="1">
+            <a:schemeClr val="accent1"/>
+          </a:fillRef>
+          <a:effectRef idx="0">
+            <a:schemeClr val="accent1"/>
+          </a:effectRef>
+          <a:fontRef idx="minor">
+            <a:schemeClr val="lt1"/>
+          </a:fontRef>
+        </p:style>
+        <p:txBody>
+          <a:bodyPr rtlCol="0" anchor="ctr"/>
+          <a:lstStyle/>
+          <a:p>
+            <a:pPr algn="ctr"/>
+            <a:r>
+              <a:rPr lang="en-US" dirty="0">
+                <a:solidFill>
+                  <a:schemeClr val="tx1"/>
+                </a:solidFill>
+              </a:rPr>
+              <a:t>SVT</a:t>
+            </a:r>
+          </a:p>
+        </p:txBody>
+      </p:sp>
+      <p:sp>
+        <p:nvSpPr>
+          <p:cNvPr id="14" name="Wave 13">
+            <a:extLst>
+              <a:ext uri="{FF2B5EF4-FFF2-40B4-BE49-F238E27FC236}">
+                <a16:creationId xmlns:a16="http://schemas.microsoft.com/office/drawing/2014/main" id="{5000586C-2E71-4659-B5A0-C884E4C9A10C}"/>
+              </a:ext>
+            </a:extLst>
+          </p:cNvPr>
+          <p:cNvSpPr/>
+          <p:nvPr/>
+        </p:nvSpPr>
+        <p:spPr>
+          <a:xfrm>
+            <a:off x="7390616" y="1106873"/>
+            <a:ext cx="1670115" cy="568752"/>
+          </a:xfrm>
+          <a:prstGeom prst="wave">
+            <a:avLst>
+              <a:gd name="adj1" fmla="val 12500"/>
+              <a:gd name="adj2" fmla="val 0"/>
+            </a:avLst>
+          </a:prstGeom>
+          <a:noFill/>
+        </p:spPr>
+        <p:style>
+          <a:lnRef idx="2">
+            <a:schemeClr val="accent1">
+              <a:shade val="50000"/>
+            </a:schemeClr>
+          </a:lnRef>
+          <a:fillRef idx="1">
+            <a:schemeClr val="accent1"/>
+          </a:fillRef>
+          <a:effectRef idx="0">
+            <a:schemeClr val="accent1"/>
+          </a:effectRef>
+          <a:fontRef idx="minor">
+            <a:schemeClr val="lt1"/>
+          </a:fontRef>
+        </p:style>
+        <p:txBody>
+          <a:bodyPr rtlCol="0" anchor="ctr"/>
+          <a:lstStyle/>
+          <a:p>
+            <a:pPr algn="ctr"/>
+            <a:r>
+              <a:rPr lang="en-US" dirty="0">
+                <a:solidFill>
+                  <a:schemeClr val="tx1"/>
+                </a:solidFill>
+              </a:rPr>
+              <a:t>Build(success)</a:t>
+            </a:r>
+            <a:endParaRPr lang="en-US" dirty="0"/>
+          </a:p>
+        </p:txBody>
+      </p:sp>
+      <p:cxnSp>
+        <p:nvCxnSpPr>
+          <p:cNvPr id="16" name="Straight Arrow Connector 15">
+            <a:extLst>
+              <a:ext uri="{FF2B5EF4-FFF2-40B4-BE49-F238E27FC236}">
+                <a16:creationId xmlns:a16="http://schemas.microsoft.com/office/drawing/2014/main" id="{9C03CB8D-1140-4492-8E53-F989456A08E5}"/>
+              </a:ext>
+            </a:extLst>
+          </p:cNvPr>
+          <p:cNvCxnSpPr>
+            <a:stCxn id="14" idx="2"/>
+            <a:endCxn id="9" idx="0"/>
+          </p:cNvCxnSpPr>
+          <p:nvPr/>
+        </p:nvCxnSpPr>
+        <p:spPr>
+          <a:xfrm flipH="1">
+            <a:off x="6364665" y="1604531"/>
+            <a:ext cx="1861009" cy="552250"/>
+          </a:xfrm>
+          <a:prstGeom prst="straightConnector1">
+            <a:avLst/>
+          </a:prstGeom>
+          <a:ln>
+            <a:tailEnd type="triangle"/>
+          </a:ln>
+        </p:spPr>
+        <p:style>
+          <a:lnRef idx="1">
+            <a:schemeClr val="accent1"/>
+          </a:lnRef>
+          <a:fillRef idx="0">
+            <a:schemeClr val="accent1"/>
+          </a:fillRef>
+          <a:effectRef idx="0">
+            <a:schemeClr val="accent1"/>
+          </a:effectRef>
+          <a:fontRef idx="minor">
+            <a:schemeClr val="tx1"/>
+          </a:fontRef>
+        </p:style>
+      </p:cxnSp>
+      <p:cxnSp>
+        <p:nvCxnSpPr>
+          <p:cNvPr id="18" name="Straight Arrow Connector 17">
+            <a:extLst>
+              <a:ext uri="{FF2B5EF4-FFF2-40B4-BE49-F238E27FC236}">
+                <a16:creationId xmlns:a16="http://schemas.microsoft.com/office/drawing/2014/main" id="{A336E62F-63DF-4686-9841-0DFD55700616}"/>
+              </a:ext>
+            </a:extLst>
+          </p:cNvPr>
+          <p:cNvCxnSpPr>
+            <a:stCxn id="14" idx="2"/>
+            <a:endCxn id="12" idx="0"/>
+          </p:cNvCxnSpPr>
+          <p:nvPr/>
+        </p:nvCxnSpPr>
+        <p:spPr>
+          <a:xfrm>
+            <a:off x="8225674" y="1604531"/>
+            <a:ext cx="2515385" cy="552249"/>
+          </a:xfrm>
+          <a:prstGeom prst="straightConnector1">
+            <a:avLst/>
+          </a:prstGeom>
+          <a:ln>
+            <a:tailEnd type="triangle"/>
+          </a:ln>
+        </p:spPr>
+        <p:style>
+          <a:lnRef idx="1">
+            <a:schemeClr val="accent1"/>
+          </a:lnRef>
+          <a:fillRef idx="0">
+            <a:schemeClr val="accent1"/>
+          </a:fillRef>
+          <a:effectRef idx="0">
+            <a:schemeClr val="accent1"/>
+          </a:effectRef>
+          <a:fontRef idx="minor">
+            <a:schemeClr val="tx1"/>
+          </a:fontRef>
+        </p:style>
+      </p:cxnSp>
+      <p:sp>
+        <p:nvSpPr>
+          <p:cNvPr id="19" name="Wave 18">
+            <a:extLst>
+              <a:ext uri="{FF2B5EF4-FFF2-40B4-BE49-F238E27FC236}">
+                <a16:creationId xmlns:a16="http://schemas.microsoft.com/office/drawing/2014/main" id="{C2634815-9778-4351-8900-CE7C94A98D17}"/>
+              </a:ext>
+            </a:extLst>
+          </p:cNvPr>
+          <p:cNvSpPr/>
+          <p:nvPr/>
+        </p:nvSpPr>
+        <p:spPr>
+          <a:xfrm>
+            <a:off x="5529607" y="2882643"/>
+            <a:ext cx="1670115" cy="568752"/>
+          </a:xfrm>
+          <a:prstGeom prst="wave">
+            <a:avLst>
+              <a:gd name="adj1" fmla="val 12500"/>
+              <a:gd name="adj2" fmla="val 0"/>
+            </a:avLst>
+          </a:prstGeom>
+          <a:noFill/>
+        </p:spPr>
+        <p:style>
+          <a:lnRef idx="2">
+            <a:schemeClr val="accent1">
+              <a:shade val="50000"/>
+            </a:schemeClr>
+          </a:lnRef>
+          <a:fillRef idx="1">
+            <a:schemeClr val="accent1"/>
+          </a:fillRef>
+          <a:effectRef idx="0">
+            <a:schemeClr val="accent1"/>
+          </a:effectRef>
+          <a:fontRef idx="minor">
+            <a:schemeClr val="lt1"/>
+          </a:fontRef>
+        </p:style>
+        <p:txBody>
+          <a:bodyPr rtlCol="0" anchor="ctr"/>
+          <a:lstStyle/>
+          <a:p>
+            <a:pPr algn="ctr"/>
+            <a:r>
+              <a:rPr lang="en-US" dirty="0">
+                <a:solidFill>
+                  <a:schemeClr val="tx1"/>
+                </a:solidFill>
+              </a:rPr>
+              <a:t>FVT(success)</a:t>
+            </a:r>
+            <a:endParaRPr lang="en-US" dirty="0"/>
+          </a:p>
+        </p:txBody>
+      </p:sp>
+      <p:sp>
+        <p:nvSpPr>
+          <p:cNvPr id="22" name="Wave 21">
+            <a:extLst>
+              <a:ext uri="{FF2B5EF4-FFF2-40B4-BE49-F238E27FC236}">
+                <a16:creationId xmlns:a16="http://schemas.microsoft.com/office/drawing/2014/main" id="{B71F32D8-388C-4712-B1A5-7558F50D6134}"/>
+              </a:ext>
+            </a:extLst>
+          </p:cNvPr>
+          <p:cNvSpPr/>
+          <p:nvPr/>
+        </p:nvSpPr>
+        <p:spPr>
+          <a:xfrm>
+            <a:off x="10027764" y="2882643"/>
+            <a:ext cx="1670115" cy="568752"/>
+          </a:xfrm>
+          <a:prstGeom prst="wave">
+            <a:avLst>
+              <a:gd name="adj1" fmla="val 12500"/>
+              <a:gd name="adj2" fmla="val 0"/>
+            </a:avLst>
+          </a:prstGeom>
+          <a:noFill/>
+        </p:spPr>
+        <p:style>
+          <a:lnRef idx="2">
+            <a:schemeClr val="accent1">
+              <a:shade val="50000"/>
+            </a:schemeClr>
+          </a:lnRef>
+          <a:fillRef idx="1">
+            <a:schemeClr val="accent1"/>
+          </a:fillRef>
+          <a:effectRef idx="0">
+            <a:schemeClr val="accent1"/>
+          </a:effectRef>
+          <a:fontRef idx="minor">
+            <a:schemeClr val="lt1"/>
+          </a:fontRef>
+        </p:style>
+        <p:txBody>
+          <a:bodyPr rtlCol="0" anchor="ctr"/>
+          <a:lstStyle/>
+          <a:p>
+            <a:pPr algn="ctr"/>
+            <a:r>
+              <a:rPr lang="en-US" dirty="0">
+                <a:solidFill>
+                  <a:schemeClr val="tx1"/>
+                </a:solidFill>
+              </a:rPr>
+              <a:t>SVT(success)</a:t>
+            </a:r>
+            <a:endParaRPr lang="en-US" dirty="0"/>
+          </a:p>
+        </p:txBody>
+      </p:sp>
+      <p:cxnSp>
+        <p:nvCxnSpPr>
+          <p:cNvPr id="24" name="Straight Arrow Connector 23">
+            <a:extLst>
+              <a:ext uri="{FF2B5EF4-FFF2-40B4-BE49-F238E27FC236}">
+                <a16:creationId xmlns:a16="http://schemas.microsoft.com/office/drawing/2014/main" id="{A37EB465-D4C2-45FB-B8C5-EE05094004AA}"/>
+              </a:ext>
+            </a:extLst>
+          </p:cNvPr>
+          <p:cNvCxnSpPr>
+            <a:stCxn id="19" idx="2"/>
+            <a:endCxn id="10" idx="0"/>
+          </p:cNvCxnSpPr>
+          <p:nvPr/>
+        </p:nvCxnSpPr>
+        <p:spPr>
+          <a:xfrm>
+            <a:off x="6364665" y="3380301"/>
+            <a:ext cx="1861009" cy="576212"/>
+          </a:xfrm>
+          <a:prstGeom prst="straightConnector1">
+            <a:avLst/>
+          </a:prstGeom>
+          <a:ln>
+            <a:tailEnd type="triangle"/>
+          </a:ln>
+        </p:spPr>
+        <p:style>
+          <a:lnRef idx="1">
+            <a:schemeClr val="accent1"/>
+          </a:lnRef>
+          <a:fillRef idx="0">
+            <a:schemeClr val="accent1"/>
+          </a:fillRef>
+          <a:effectRef idx="0">
+            <a:schemeClr val="accent1"/>
+          </a:effectRef>
+          <a:fontRef idx="minor">
+            <a:schemeClr val="tx1"/>
+          </a:fontRef>
+        </p:style>
+      </p:cxnSp>
+      <p:cxnSp>
+        <p:nvCxnSpPr>
+          <p:cNvPr id="26" name="Straight Arrow Connector 25">
+            <a:extLst>
+              <a:ext uri="{FF2B5EF4-FFF2-40B4-BE49-F238E27FC236}">
+                <a16:creationId xmlns:a16="http://schemas.microsoft.com/office/drawing/2014/main" id="{6010AA09-E176-4682-9B2A-1C028CE119ED}"/>
+              </a:ext>
+            </a:extLst>
+          </p:cNvPr>
+          <p:cNvCxnSpPr>
+            <a:stCxn id="22" idx="2"/>
+            <a:endCxn id="10" idx="0"/>
+          </p:cNvCxnSpPr>
+          <p:nvPr/>
+        </p:nvCxnSpPr>
+        <p:spPr>
+          <a:xfrm flipH="1">
+            <a:off x="8225674" y="3380301"/>
+            <a:ext cx="2637148" cy="576212"/>
+          </a:xfrm>
+          <a:prstGeom prst="straightConnector1">
+            <a:avLst/>
+          </a:prstGeom>
+          <a:ln>
+            <a:tailEnd type="triangle"/>
+          </a:ln>
+        </p:spPr>
+        <p:style>
+          <a:lnRef idx="1">
+            <a:schemeClr val="accent1"/>
+          </a:lnRef>
+          <a:fillRef idx="0">
+            <a:schemeClr val="accent1"/>
+          </a:fillRef>
+          <a:effectRef idx="0">
+            <a:schemeClr val="accent1"/>
+          </a:effectRef>
+          <a:fontRef idx="minor">
+            <a:schemeClr val="tx1"/>
+          </a:fontRef>
+        </p:style>
+      </p:cxnSp>
+      <p:sp>
+        <p:nvSpPr>
+          <p:cNvPr id="27" name="Wave 26">
+            <a:extLst>
+              <a:ext uri="{FF2B5EF4-FFF2-40B4-BE49-F238E27FC236}">
+                <a16:creationId xmlns:a16="http://schemas.microsoft.com/office/drawing/2014/main" id="{1B93481D-236B-4349-B917-B011033923BD}"/>
+              </a:ext>
+            </a:extLst>
+          </p:cNvPr>
+          <p:cNvSpPr/>
+          <p:nvPr/>
+        </p:nvSpPr>
+        <p:spPr>
+          <a:xfrm>
+            <a:off x="7441677" y="4682376"/>
+            <a:ext cx="1670115" cy="568752"/>
+          </a:xfrm>
+          <a:prstGeom prst="wave">
+            <a:avLst>
+              <a:gd name="adj1" fmla="val 12500"/>
+              <a:gd name="adj2" fmla="val 0"/>
+            </a:avLst>
+          </a:prstGeom>
+          <a:noFill/>
+        </p:spPr>
+        <p:style>
+          <a:lnRef idx="2">
+            <a:schemeClr val="accent1">
+              <a:shade val="50000"/>
+            </a:schemeClr>
+          </a:lnRef>
+          <a:fillRef idx="1">
+            <a:schemeClr val="accent1"/>
+          </a:fillRef>
+          <a:effectRef idx="0">
+            <a:schemeClr val="accent1"/>
+          </a:effectRef>
+          <a:fontRef idx="minor">
+            <a:schemeClr val="lt1"/>
+          </a:fontRef>
+        </p:style>
+        <p:txBody>
+          <a:bodyPr rtlCol="0" anchor="ctr"/>
+          <a:lstStyle/>
+          <a:p>
+            <a:pPr algn="ctr"/>
+            <a:r>
+              <a:rPr lang="en-US" dirty="0">
+                <a:solidFill>
+                  <a:schemeClr val="tx1"/>
+                </a:solidFill>
+              </a:rPr>
+              <a:t>Approved</a:t>
+            </a:r>
+            <a:endParaRPr lang="en-US" dirty="0"/>
+          </a:p>
+        </p:txBody>
+      </p:sp>
+      <p:cxnSp>
+        <p:nvCxnSpPr>
+          <p:cNvPr id="29" name="Straight Arrow Connector 28">
+            <a:extLst>
+              <a:ext uri="{FF2B5EF4-FFF2-40B4-BE49-F238E27FC236}">
+                <a16:creationId xmlns:a16="http://schemas.microsoft.com/office/drawing/2014/main" id="{B4FCDC06-77D7-4876-BD36-65F93B4614C0}"/>
+              </a:ext>
+            </a:extLst>
+          </p:cNvPr>
+          <p:cNvCxnSpPr>
+            <a:stCxn id="27" idx="2"/>
+            <a:endCxn id="11" idx="0"/>
+          </p:cNvCxnSpPr>
+          <p:nvPr/>
+        </p:nvCxnSpPr>
+        <p:spPr>
+          <a:xfrm>
+            <a:off x="8276735" y="5180034"/>
+            <a:ext cx="0" cy="361751"/>
+          </a:xfrm>
+          <a:prstGeom prst="straightConnector1">
+            <a:avLst/>
+          </a:prstGeom>
+          <a:ln>
+            <a:tailEnd type="triangle"/>
+          </a:ln>
+        </p:spPr>
+        <p:style>
+          <a:lnRef idx="1">
+            <a:schemeClr val="accent1"/>
+          </a:lnRef>
+          <a:fillRef idx="0">
+            <a:schemeClr val="accent1"/>
+          </a:fillRef>
+          <a:effectRef idx="0">
+            <a:schemeClr val="accent1"/>
+          </a:effectRef>
+          <a:fontRef idx="minor">
+            <a:schemeClr val="tx1"/>
+          </a:fontRef>
+        </p:style>
+      </p:cxnSp>
+      <p:sp>
+        <p:nvSpPr>
+          <p:cNvPr id="35" name="Wave 34">
+            <a:extLst>
+              <a:ext uri="{FF2B5EF4-FFF2-40B4-BE49-F238E27FC236}">
+                <a16:creationId xmlns:a16="http://schemas.microsoft.com/office/drawing/2014/main" id="{B05BD276-8C8E-4488-AF8C-D004CC7D7F40}"/>
+              </a:ext>
+            </a:extLst>
+          </p:cNvPr>
+          <p:cNvSpPr/>
+          <p:nvPr/>
+        </p:nvSpPr>
+        <p:spPr>
+          <a:xfrm>
+            <a:off x="4223210" y="481768"/>
+            <a:ext cx="1670115" cy="568752"/>
+          </a:xfrm>
+          <a:prstGeom prst="wave">
+            <a:avLst>
+              <a:gd name="adj1" fmla="val 12500"/>
+              <a:gd name="adj2" fmla="val 0"/>
+            </a:avLst>
+          </a:prstGeom>
+          <a:noFill/>
+        </p:spPr>
+        <p:style>
+          <a:lnRef idx="2">
+            <a:schemeClr val="accent1">
+              <a:shade val="50000"/>
+            </a:schemeClr>
+          </a:lnRef>
+          <a:fillRef idx="1">
+            <a:schemeClr val="accent1"/>
+          </a:fillRef>
+          <a:effectRef idx="0">
+            <a:schemeClr val="accent1"/>
+          </a:effectRef>
+          <a:fontRef idx="minor">
+            <a:schemeClr val="lt1"/>
+          </a:fontRef>
+        </p:style>
+        <p:txBody>
+          <a:bodyPr rtlCol="0" anchor="ctr"/>
+          <a:lstStyle/>
+          <a:p>
+            <a:pPr algn="ctr"/>
+            <a:r>
+              <a:rPr lang="en-US" dirty="0" err="1">
+                <a:solidFill>
+                  <a:schemeClr val="tx1"/>
+                </a:solidFill>
+              </a:rPr>
+              <a:t>Start_build</a:t>
+            </a:r>
+            <a:endParaRPr lang="en-US" dirty="0"/>
+          </a:p>
+        </p:txBody>
+      </p:sp>
+      <p:sp>
+        <p:nvSpPr>
+          <p:cNvPr id="36" name="Rectangle: Rounded Corners 35">
+            <a:extLst>
+              <a:ext uri="{FF2B5EF4-FFF2-40B4-BE49-F238E27FC236}">
+                <a16:creationId xmlns:a16="http://schemas.microsoft.com/office/drawing/2014/main" id="{3CB1F720-D3C0-4185-ACA9-3494B1EE7627}"/>
+              </a:ext>
+            </a:extLst>
+          </p:cNvPr>
+          <p:cNvSpPr/>
+          <p:nvPr/>
+        </p:nvSpPr>
+        <p:spPr>
+          <a:xfrm>
+            <a:off x="1809948" y="403212"/>
+            <a:ext cx="2413262" cy="725863"/>
+          </a:xfrm>
+          <a:prstGeom prst="roundRect">
+            <a:avLst/>
+          </a:prstGeom>
+          <a:noFill/>
+        </p:spPr>
+        <p:style>
+          <a:lnRef idx="2">
+            <a:schemeClr val="accent1">
+              <a:shade val="50000"/>
+            </a:schemeClr>
+          </a:lnRef>
+          <a:fillRef idx="1">
+            <a:schemeClr val="accent1"/>
+          </a:fillRef>
+          <a:effectRef idx="0">
+            <a:schemeClr val="accent1"/>
+          </a:effectRef>
+          <a:fontRef idx="minor">
+            <a:schemeClr val="lt1"/>
+          </a:fontRef>
+        </p:style>
+        <p:txBody>
+          <a:bodyPr rtlCol="0" anchor="ctr"/>
+          <a:lstStyle/>
+          <a:p>
+            <a:pPr algn="ctr"/>
+            <a:r>
+              <a:rPr lang="en-US" dirty="0" err="1">
+                <a:solidFill>
+                  <a:schemeClr val="tx1"/>
+                </a:solidFill>
+              </a:rPr>
+              <a:t>Event_Trigger</a:t>
+            </a:r>
+            <a:endParaRPr lang="en-US" dirty="0">
+              <a:solidFill>
+                <a:schemeClr val="tx1"/>
+              </a:solidFill>
+            </a:endParaRPr>
+          </a:p>
+        </p:txBody>
+      </p:sp>
+      <p:cxnSp>
+        <p:nvCxnSpPr>
+          <p:cNvPr id="38" name="Straight Arrow Connector 37">
+            <a:extLst>
+              <a:ext uri="{FF2B5EF4-FFF2-40B4-BE49-F238E27FC236}">
+                <a16:creationId xmlns:a16="http://schemas.microsoft.com/office/drawing/2014/main" id="{4AFAD829-5F59-48BF-B7F2-8D306B8C3FE5}"/>
+              </a:ext>
+            </a:extLst>
+          </p:cNvPr>
+          <p:cNvCxnSpPr>
+            <a:cxnSpLocks/>
+            <a:endCxn id="3" idx="1"/>
+          </p:cNvCxnSpPr>
+          <p:nvPr/>
+        </p:nvCxnSpPr>
+        <p:spPr>
+          <a:xfrm>
+            <a:off x="5893325" y="743942"/>
+            <a:ext cx="1125718" cy="0"/>
+          </a:xfrm>
+          <a:prstGeom prst="straightConnector1">
+            <a:avLst/>
+          </a:prstGeom>
+          <a:ln>
+            <a:tailEnd type="triangle"/>
+          </a:ln>
+        </p:spPr>
+        <p:style>
+          <a:lnRef idx="1">
+            <a:schemeClr val="accent1"/>
+          </a:lnRef>
+          <a:fillRef idx="0">
+            <a:schemeClr val="accent1"/>
+          </a:fillRef>
+          <a:effectRef idx="0">
+            <a:schemeClr val="accent1"/>
+          </a:effectRef>
+          <a:fontRef idx="minor">
+            <a:schemeClr val="tx1"/>
+          </a:fontRef>
+        </p:style>
+      </p:cxnSp>
+      <p:sp>
+        <p:nvSpPr>
+          <p:cNvPr id="41" name="Rectangle 40">
+            <a:extLst>
+              <a:ext uri="{FF2B5EF4-FFF2-40B4-BE49-F238E27FC236}">
+                <a16:creationId xmlns:a16="http://schemas.microsoft.com/office/drawing/2014/main" id="{0A6EAB04-2C2D-479A-97ED-B4A9AFE22937}"/>
+              </a:ext>
+            </a:extLst>
+          </p:cNvPr>
+          <p:cNvSpPr/>
+          <p:nvPr/>
+        </p:nvSpPr>
+        <p:spPr>
+          <a:xfrm>
+            <a:off x="1734533" y="214460"/>
+            <a:ext cx="10232734" cy="6429080"/>
+          </a:xfrm>
+          <a:prstGeom prst="rect">
+            <a:avLst/>
+          </a:prstGeom>
+          <a:noFill/>
+        </p:spPr>
+        <p:style>
+          <a:lnRef idx="2">
+            <a:schemeClr val="accent1">
+              <a:shade val="50000"/>
+            </a:schemeClr>
+          </a:lnRef>
+          <a:fillRef idx="1">
+            <a:schemeClr val="accent1"/>
+          </a:fillRef>
+          <a:effectRef idx="0">
+            <a:schemeClr val="accent1"/>
+          </a:effectRef>
+          <a:fontRef idx="minor">
+            <a:schemeClr val="lt1"/>
+          </a:fontRef>
+        </p:style>
+        <p:txBody>
+          <a:bodyPr rtlCol="0" anchor="ctr"/>
+          <a:lstStyle/>
+          <a:p>
+            <a:pPr algn="ctr"/>
+            <a:endParaRPr lang="en-US"/>
+          </a:p>
+        </p:txBody>
+      </p:sp>
+      <p:sp>
+        <p:nvSpPr>
+          <p:cNvPr id="42" name="TextBox 41">
+            <a:extLst>
+              <a:ext uri="{FF2B5EF4-FFF2-40B4-BE49-F238E27FC236}">
+                <a16:creationId xmlns:a16="http://schemas.microsoft.com/office/drawing/2014/main" id="{6D62EA51-842B-4013-AC5B-E9E91BE2EC7A}"/>
+              </a:ext>
+            </a:extLst>
+          </p:cNvPr>
+          <p:cNvSpPr txBox="1"/>
+          <p:nvPr/>
+        </p:nvSpPr>
+        <p:spPr>
+          <a:xfrm>
+            <a:off x="2083023" y="6082982"/>
+            <a:ext cx="1489767" cy="369332"/>
+          </a:xfrm>
+          <a:prstGeom prst="rect">
+            <a:avLst/>
+          </a:prstGeom>
+          <a:noFill/>
+        </p:spPr>
+        <p:txBody>
+          <a:bodyPr wrap="none" rtlCol="0">
+            <a:spAutoFit/>
+          </a:bodyPr>
+          <a:lstStyle/>
+          <a:p>
+            <a:r>
+              <a:rPr lang="en-US" dirty="0"/>
+              <a:t>Strategy Main</a:t>
+            </a:r>
+          </a:p>
+        </p:txBody>
+      </p:sp>
+      <p:sp>
+        <p:nvSpPr>
+          <p:cNvPr id="43" name="Wave 42">
+            <a:extLst>
+              <a:ext uri="{FF2B5EF4-FFF2-40B4-BE49-F238E27FC236}">
+                <a16:creationId xmlns:a16="http://schemas.microsoft.com/office/drawing/2014/main" id="{A92B2207-2F33-4DEB-91A3-676D07B36312}"/>
+              </a:ext>
+            </a:extLst>
+          </p:cNvPr>
+          <p:cNvSpPr/>
+          <p:nvPr/>
+        </p:nvSpPr>
+        <p:spPr>
+          <a:xfrm>
+            <a:off x="191286" y="538121"/>
+            <a:ext cx="1247088" cy="568752"/>
+          </a:xfrm>
+          <a:prstGeom prst="wave">
+            <a:avLst>
+              <a:gd name="adj1" fmla="val 12500"/>
+              <a:gd name="adj2" fmla="val 0"/>
+            </a:avLst>
+          </a:prstGeom>
+          <a:noFill/>
+        </p:spPr>
+        <p:style>
+          <a:lnRef idx="2">
+            <a:schemeClr val="accent1">
+              <a:shade val="50000"/>
+            </a:schemeClr>
+          </a:lnRef>
+          <a:fillRef idx="1">
+            <a:schemeClr val="accent1"/>
+          </a:fillRef>
+          <a:effectRef idx="0">
+            <a:schemeClr val="accent1"/>
+          </a:effectRef>
+          <a:fontRef idx="minor">
+            <a:schemeClr val="lt1"/>
+          </a:fontRef>
+        </p:style>
+        <p:txBody>
+          <a:bodyPr rtlCol="0" anchor="ctr"/>
+          <a:lstStyle/>
+          <a:p>
+            <a:pPr algn="ctr"/>
+            <a:r>
+              <a:rPr lang="en-US" dirty="0">
+                <a:solidFill>
+                  <a:schemeClr val="tx1"/>
+                </a:solidFill>
+              </a:rPr>
+              <a:t>Push(1234)</a:t>
+            </a:r>
+            <a:endParaRPr lang="en-US" dirty="0"/>
+          </a:p>
+        </p:txBody>
+      </p:sp>
+      <p:sp>
+        <p:nvSpPr>
+          <p:cNvPr id="44" name="Wave 43">
+            <a:extLst>
+              <a:ext uri="{FF2B5EF4-FFF2-40B4-BE49-F238E27FC236}">
+                <a16:creationId xmlns:a16="http://schemas.microsoft.com/office/drawing/2014/main" id="{AA3D3385-B6E8-4BB6-BCB8-648AC4CB3536}"/>
+              </a:ext>
+            </a:extLst>
+          </p:cNvPr>
+          <p:cNvSpPr/>
+          <p:nvPr/>
+        </p:nvSpPr>
+        <p:spPr>
+          <a:xfrm>
+            <a:off x="203853" y="1311903"/>
+            <a:ext cx="1247088" cy="568752"/>
+          </a:xfrm>
+          <a:prstGeom prst="wave">
+            <a:avLst>
+              <a:gd name="adj1" fmla="val 12500"/>
+              <a:gd name="adj2" fmla="val 0"/>
+            </a:avLst>
+          </a:prstGeom>
+          <a:noFill/>
+        </p:spPr>
+        <p:style>
+          <a:lnRef idx="2">
+            <a:schemeClr val="accent1">
+              <a:shade val="50000"/>
+            </a:schemeClr>
+          </a:lnRef>
+          <a:fillRef idx="1">
+            <a:schemeClr val="accent1"/>
+          </a:fillRef>
+          <a:effectRef idx="0">
+            <a:schemeClr val="accent1"/>
+          </a:effectRef>
+          <a:fontRef idx="minor">
+            <a:schemeClr val="lt1"/>
+          </a:fontRef>
+        </p:style>
+        <p:txBody>
+          <a:bodyPr rtlCol="0" anchor="ctr"/>
+          <a:lstStyle/>
+          <a:p>
+            <a:pPr algn="ctr"/>
+            <a:r>
+              <a:rPr lang="en-US" dirty="0">
+                <a:solidFill>
+                  <a:schemeClr val="tx1"/>
+                </a:solidFill>
+              </a:rPr>
+              <a:t>Push(5678)</a:t>
+            </a:r>
+            <a:endParaRPr lang="en-US" dirty="0"/>
+          </a:p>
+        </p:txBody>
+      </p:sp>
+      <p:sp>
+        <p:nvSpPr>
+          <p:cNvPr id="45" name="TextBox 44">
+            <a:extLst>
+              <a:ext uri="{FF2B5EF4-FFF2-40B4-BE49-F238E27FC236}">
+                <a16:creationId xmlns:a16="http://schemas.microsoft.com/office/drawing/2014/main" id="{D8BEC251-8797-4838-A63D-5D84F87785B8}"/>
+              </a:ext>
+            </a:extLst>
+          </p:cNvPr>
+          <p:cNvSpPr txBox="1"/>
+          <p:nvPr/>
+        </p:nvSpPr>
+        <p:spPr>
+          <a:xfrm>
+            <a:off x="616172" y="2085685"/>
+            <a:ext cx="343364" cy="369332"/>
+          </a:xfrm>
+          <a:prstGeom prst="rect">
+            <a:avLst/>
+          </a:prstGeom>
+          <a:noFill/>
+        </p:spPr>
+        <p:txBody>
+          <a:bodyPr wrap="none" rtlCol="0">
+            <a:spAutoFit/>
+          </a:bodyPr>
+          <a:lstStyle/>
+          <a:p>
+            <a:r>
+              <a:rPr lang="en-US" dirty="0"/>
+              <a:t>…</a:t>
+            </a:r>
+          </a:p>
+        </p:txBody>
+      </p:sp>
+      <p:cxnSp>
+        <p:nvCxnSpPr>
+          <p:cNvPr id="47" name="Straight Arrow Connector 46">
+            <a:extLst>
+              <a:ext uri="{FF2B5EF4-FFF2-40B4-BE49-F238E27FC236}">
+                <a16:creationId xmlns:a16="http://schemas.microsoft.com/office/drawing/2014/main" id="{CF53277F-C50F-4A71-96E2-FDBBEF33E409}"/>
+              </a:ext>
+            </a:extLst>
+          </p:cNvPr>
+          <p:cNvCxnSpPr>
+            <a:stCxn id="43" idx="3"/>
+            <a:endCxn id="36" idx="1"/>
+          </p:cNvCxnSpPr>
+          <p:nvPr/>
+        </p:nvCxnSpPr>
+        <p:spPr>
+          <a:xfrm flipV="1">
+            <a:off x="1438374" y="766144"/>
+            <a:ext cx="371574" cy="56353"/>
+          </a:xfrm>
+          <a:prstGeom prst="straightConnector1">
+            <a:avLst/>
+          </a:prstGeom>
+          <a:ln>
+            <a:tailEnd type="triangle"/>
+          </a:ln>
+        </p:spPr>
+        <p:style>
+          <a:lnRef idx="1">
+            <a:schemeClr val="accent1"/>
+          </a:lnRef>
+          <a:fillRef idx="0">
+            <a:schemeClr val="accent1"/>
+          </a:fillRef>
+          <a:effectRef idx="0">
+            <a:schemeClr val="accent1"/>
+          </a:effectRef>
+          <a:fontRef idx="minor">
+            <a:schemeClr val="tx1"/>
+          </a:fontRef>
+        </p:style>
+      </p:cxnSp>
+      <p:cxnSp>
+        <p:nvCxnSpPr>
+          <p:cNvPr id="49" name="Straight Arrow Connector 48">
+            <a:extLst>
+              <a:ext uri="{FF2B5EF4-FFF2-40B4-BE49-F238E27FC236}">
+                <a16:creationId xmlns:a16="http://schemas.microsoft.com/office/drawing/2014/main" id="{AFDF949F-8ED0-4858-858D-B0EDB9A0F777}"/>
+              </a:ext>
+            </a:extLst>
+          </p:cNvPr>
+          <p:cNvCxnSpPr>
+            <a:stCxn id="44" idx="3"/>
+            <a:endCxn id="36" idx="1"/>
+          </p:cNvCxnSpPr>
+          <p:nvPr/>
+        </p:nvCxnSpPr>
+        <p:spPr>
+          <a:xfrm flipV="1">
+            <a:off x="1450941" y="766144"/>
+            <a:ext cx="359007" cy="830135"/>
+          </a:xfrm>
+          <a:prstGeom prst="straightConnector1">
+            <a:avLst/>
+          </a:prstGeom>
+          <a:ln>
+            <a:tailEnd type="triangle"/>
+          </a:ln>
+        </p:spPr>
+        <p:style>
+          <a:lnRef idx="1">
+            <a:schemeClr val="accent1"/>
+          </a:lnRef>
+          <a:fillRef idx="0">
+            <a:schemeClr val="accent1"/>
+          </a:fillRef>
+          <a:effectRef idx="0">
+            <a:schemeClr val="accent1"/>
+          </a:effectRef>
+          <a:fontRef idx="minor">
+            <a:schemeClr val="tx1"/>
+          </a:fontRef>
+        </p:style>
+      </p:cxnSp>
+    </p:spTree>
+    <p:extLst>
+      <p:ext uri="{BB962C8B-B14F-4D97-AF65-F5344CB8AC3E}">
+        <p14:creationId xmlns:p14="http://schemas.microsoft.com/office/powerpoint/2010/main" val="1127206319"/>
+      </p:ext>
+    </p:extLst>
+  </p:cSld>
+  <p:clrMapOvr>
+    <a:masterClrMapping/>
+  </p:clrMapOvr>
+</p:sld>
+</file>
+
+<file path=ppt/slides/slide9.xml><?xml version="1.0" encoding="utf-8"?>
+<p:sld xmlns:a="http://schemas.openxmlformats.org/drawingml/2006/main" xmlns:r="http://schemas.openxmlformats.org/officeDocument/2006/relationships" xmlns:p="http://schemas.openxmlformats.org/presentationml/2006/main">
+  <p:cSld>
+    <p:spTree>
+      <p:nvGrpSpPr>
+        <p:cNvPr id="1" name=""/>
+        <p:cNvGrpSpPr/>
+        <p:nvPr/>
+      </p:nvGrpSpPr>
+      <p:grpSpPr>
+        <a:xfrm>
+          <a:off x="0" y="0"/>
+          <a:ext cx="0" cy="0"/>
+          <a:chOff x="0" y="0"/>
+          <a:chExt cx="0" cy="0"/>
+        </a:xfrm>
+      </p:grpSpPr>
+      <p:sp>
+        <p:nvSpPr>
+          <p:cNvPr id="3" name="Rectangle: Rounded Corners 2">
+            <a:extLst>
+              <a:ext uri="{FF2B5EF4-FFF2-40B4-BE49-F238E27FC236}">
+                <a16:creationId xmlns:a16="http://schemas.microsoft.com/office/drawing/2014/main" id="{C0D5A236-A065-4709-893C-F90C190C5A91}"/>
+              </a:ext>
+            </a:extLst>
+          </p:cNvPr>
+          <p:cNvSpPr/>
+          <p:nvPr/>
+        </p:nvSpPr>
+        <p:spPr>
+          <a:xfrm>
+            <a:off x="7019043" y="381010"/>
+            <a:ext cx="2413262" cy="725863"/>
+          </a:xfrm>
+          <a:prstGeom prst="roundRect">
+            <a:avLst/>
+          </a:prstGeom>
+          <a:noFill/>
+        </p:spPr>
+        <p:style>
+          <a:lnRef idx="2">
+            <a:schemeClr val="accent1">
+              <a:shade val="50000"/>
+            </a:schemeClr>
+          </a:lnRef>
+          <a:fillRef idx="1">
+            <a:schemeClr val="accent1"/>
+          </a:fillRef>
+          <a:effectRef idx="0">
+            <a:schemeClr val="accent1"/>
+          </a:effectRef>
+          <a:fontRef idx="minor">
+            <a:schemeClr val="lt1"/>
+          </a:fontRef>
+        </p:style>
+        <p:txBody>
+          <a:bodyPr rtlCol="0" anchor="ctr"/>
+          <a:lstStyle/>
+          <a:p>
+            <a:pPr algn="ctr"/>
+            <a:r>
+              <a:rPr lang="en-US" dirty="0">
+                <a:solidFill>
+                  <a:schemeClr val="tx1"/>
+                </a:solidFill>
+              </a:rPr>
+              <a:t>Build</a:t>
+            </a:r>
+          </a:p>
+        </p:txBody>
+      </p:sp>
+      <p:sp>
+        <p:nvSpPr>
+          <p:cNvPr id="9" name="Rectangle: Rounded Corners 8">
+            <a:extLst>
+              <a:ext uri="{FF2B5EF4-FFF2-40B4-BE49-F238E27FC236}">
+                <a16:creationId xmlns:a16="http://schemas.microsoft.com/office/drawing/2014/main" id="{A6EC9DD2-4E81-47D3-9A6A-97F5ECD4DF1C}"/>
+              </a:ext>
+            </a:extLst>
+          </p:cNvPr>
+          <p:cNvSpPr/>
+          <p:nvPr/>
+        </p:nvSpPr>
+        <p:spPr>
+          <a:xfrm>
+            <a:off x="6016721" y="2220412"/>
+            <a:ext cx="2413262" cy="725863"/>
+          </a:xfrm>
+          <a:prstGeom prst="roundRect">
+            <a:avLst/>
+          </a:prstGeom>
+          <a:noFill/>
+        </p:spPr>
+        <p:style>
+          <a:lnRef idx="2">
+            <a:schemeClr val="accent1">
+              <a:shade val="50000"/>
+            </a:schemeClr>
+          </a:lnRef>
+          <a:fillRef idx="1">
+            <a:schemeClr val="accent1"/>
+          </a:fillRef>
+          <a:effectRef idx="0">
+            <a:schemeClr val="accent1"/>
+          </a:effectRef>
+          <a:fontRef idx="minor">
+            <a:schemeClr val="lt1"/>
+          </a:fontRef>
+        </p:style>
+        <p:txBody>
+          <a:bodyPr rtlCol="0" anchor="ctr"/>
+          <a:lstStyle/>
+          <a:p>
+            <a:pPr algn="ctr"/>
+            <a:r>
+              <a:rPr lang="en-US" dirty="0">
+                <a:solidFill>
+                  <a:schemeClr val="tx1"/>
+                </a:solidFill>
+              </a:rPr>
+              <a:t>FVT</a:t>
+            </a:r>
+          </a:p>
+        </p:txBody>
+      </p:sp>
+      <p:sp>
+        <p:nvSpPr>
+          <p:cNvPr id="10" name="Rectangle: Rounded Corners 9">
+            <a:extLst>
+              <a:ext uri="{FF2B5EF4-FFF2-40B4-BE49-F238E27FC236}">
+                <a16:creationId xmlns:a16="http://schemas.microsoft.com/office/drawing/2014/main" id="{698D90C3-2A86-429F-A03D-D5649AFA3EB2}"/>
+              </a:ext>
+            </a:extLst>
+          </p:cNvPr>
+          <p:cNvSpPr/>
+          <p:nvPr/>
+        </p:nvSpPr>
+        <p:spPr>
+          <a:xfrm>
+            <a:off x="7019043" y="3956513"/>
+            <a:ext cx="2413262" cy="725863"/>
+          </a:xfrm>
+          <a:prstGeom prst="roundRect">
+            <a:avLst/>
+          </a:prstGeom>
+          <a:noFill/>
+        </p:spPr>
+        <p:style>
+          <a:lnRef idx="2">
+            <a:schemeClr val="accent1">
+              <a:shade val="50000"/>
+            </a:schemeClr>
+          </a:lnRef>
+          <a:fillRef idx="1">
+            <a:schemeClr val="accent1"/>
+          </a:fillRef>
+          <a:effectRef idx="0">
+            <a:schemeClr val="accent1"/>
+          </a:effectRef>
+          <a:fontRef idx="minor">
+            <a:schemeClr val="lt1"/>
+          </a:fontRef>
+        </p:style>
+        <p:txBody>
+          <a:bodyPr rtlCol="0" anchor="ctr"/>
+          <a:lstStyle/>
+          <a:p>
+            <a:pPr algn="ctr"/>
+            <a:r>
+              <a:rPr lang="en-US" dirty="0" err="1">
+                <a:solidFill>
+                  <a:schemeClr val="tx1"/>
+                </a:solidFill>
+              </a:rPr>
+              <a:t>Deploy_Approval</a:t>
+            </a:r>
+            <a:endParaRPr lang="en-US" dirty="0">
+              <a:solidFill>
+                <a:schemeClr val="tx1"/>
+              </a:solidFill>
+            </a:endParaRPr>
+          </a:p>
+        </p:txBody>
+      </p:sp>
+      <p:sp>
+        <p:nvSpPr>
+          <p:cNvPr id="11" name="Rectangle: Rounded Corners 10">
+            <a:extLst>
+              <a:ext uri="{FF2B5EF4-FFF2-40B4-BE49-F238E27FC236}">
+                <a16:creationId xmlns:a16="http://schemas.microsoft.com/office/drawing/2014/main" id="{010E861B-B299-44EE-A146-3D45FBE76EEE}"/>
+              </a:ext>
+            </a:extLst>
+          </p:cNvPr>
+          <p:cNvSpPr/>
+          <p:nvPr/>
+        </p:nvSpPr>
+        <p:spPr>
+          <a:xfrm>
+            <a:off x="7070104" y="5541785"/>
+            <a:ext cx="2413262" cy="725863"/>
+          </a:xfrm>
+          <a:prstGeom prst="roundRect">
+            <a:avLst/>
+          </a:prstGeom>
+          <a:noFill/>
+        </p:spPr>
+        <p:style>
+          <a:lnRef idx="2">
+            <a:schemeClr val="accent1">
+              <a:shade val="50000"/>
+            </a:schemeClr>
+          </a:lnRef>
+          <a:fillRef idx="1">
+            <a:schemeClr val="accent1"/>
+          </a:fillRef>
+          <a:effectRef idx="0">
+            <a:schemeClr val="accent1"/>
+          </a:effectRef>
+          <a:fontRef idx="minor">
+            <a:schemeClr val="lt1"/>
+          </a:fontRef>
+        </p:style>
+        <p:txBody>
+          <a:bodyPr rtlCol="0" anchor="ctr"/>
+          <a:lstStyle/>
+          <a:p>
+            <a:pPr algn="ctr"/>
+            <a:r>
+              <a:rPr lang="en-US" dirty="0">
+                <a:solidFill>
+                  <a:schemeClr val="tx1"/>
+                </a:solidFill>
+              </a:rPr>
+              <a:t>Deploy</a:t>
+            </a:r>
+          </a:p>
+        </p:txBody>
+      </p:sp>
+      <p:sp>
+        <p:nvSpPr>
+          <p:cNvPr id="12" name="Rectangle: Rounded Corners 11">
+            <a:extLst>
+              <a:ext uri="{FF2B5EF4-FFF2-40B4-BE49-F238E27FC236}">
+                <a16:creationId xmlns:a16="http://schemas.microsoft.com/office/drawing/2014/main" id="{720B8792-2C30-4331-923F-3775FE100878}"/>
+              </a:ext>
+            </a:extLst>
+          </p:cNvPr>
+          <p:cNvSpPr/>
+          <p:nvPr/>
+        </p:nvSpPr>
+        <p:spPr>
+          <a:xfrm>
+            <a:off x="9000671" y="2156780"/>
+            <a:ext cx="2413262" cy="725863"/>
+          </a:xfrm>
+          <a:prstGeom prst="roundRect">
+            <a:avLst/>
+          </a:prstGeom>
+          <a:noFill/>
+        </p:spPr>
+        <p:style>
+          <a:lnRef idx="2">
+            <a:schemeClr val="accent1">
+              <a:shade val="50000"/>
+            </a:schemeClr>
+          </a:lnRef>
+          <a:fillRef idx="1">
+            <a:schemeClr val="accent1"/>
+          </a:fillRef>
+          <a:effectRef idx="0">
+            <a:schemeClr val="accent1"/>
+          </a:effectRef>
+          <a:fontRef idx="minor">
+            <a:schemeClr val="lt1"/>
+          </a:fontRef>
+        </p:style>
+        <p:txBody>
+          <a:bodyPr rtlCol="0" anchor="ctr"/>
+          <a:lstStyle/>
+          <a:p>
+            <a:pPr algn="ctr"/>
+            <a:r>
+              <a:rPr lang="en-US" dirty="0">
+                <a:solidFill>
+                  <a:schemeClr val="tx1"/>
+                </a:solidFill>
+              </a:rPr>
+              <a:t>SVT</a:t>
+            </a:r>
+          </a:p>
+        </p:txBody>
+      </p:sp>
+      <p:sp>
+        <p:nvSpPr>
+          <p:cNvPr id="14" name="Wave 13">
+            <a:extLst>
+              <a:ext uri="{FF2B5EF4-FFF2-40B4-BE49-F238E27FC236}">
+                <a16:creationId xmlns:a16="http://schemas.microsoft.com/office/drawing/2014/main" id="{5000586C-2E71-4659-B5A0-C884E4C9A10C}"/>
+              </a:ext>
+            </a:extLst>
+          </p:cNvPr>
+          <p:cNvSpPr/>
+          <p:nvPr/>
+        </p:nvSpPr>
+        <p:spPr>
+          <a:xfrm>
+            <a:off x="7390616" y="1106873"/>
+            <a:ext cx="1670115" cy="568752"/>
+          </a:xfrm>
+          <a:prstGeom prst="wave">
+            <a:avLst>
+              <a:gd name="adj1" fmla="val 12500"/>
+              <a:gd name="adj2" fmla="val 0"/>
+            </a:avLst>
+          </a:prstGeom>
+          <a:noFill/>
+        </p:spPr>
+        <p:style>
+          <a:lnRef idx="2">
+            <a:schemeClr val="accent1">
+              <a:shade val="50000"/>
+            </a:schemeClr>
+          </a:lnRef>
+          <a:fillRef idx="1">
+            <a:schemeClr val="accent1"/>
+          </a:fillRef>
+          <a:effectRef idx="0">
+            <a:schemeClr val="accent1"/>
+          </a:effectRef>
+          <a:fontRef idx="minor">
+            <a:schemeClr val="lt1"/>
+          </a:fontRef>
+        </p:style>
+        <p:txBody>
+          <a:bodyPr rtlCol="0" anchor="ctr"/>
+          <a:lstStyle/>
+          <a:p>
+            <a:pPr algn="ctr"/>
+            <a:r>
+              <a:rPr lang="en-US" dirty="0">
+                <a:solidFill>
+                  <a:schemeClr val="tx1"/>
+                </a:solidFill>
+              </a:rPr>
+              <a:t>Build(success)</a:t>
+            </a:r>
+            <a:endParaRPr lang="en-US" dirty="0"/>
+          </a:p>
+        </p:txBody>
+      </p:sp>
+      <p:cxnSp>
+        <p:nvCxnSpPr>
+          <p:cNvPr id="16" name="Straight Arrow Connector 15">
+            <a:extLst>
+              <a:ext uri="{FF2B5EF4-FFF2-40B4-BE49-F238E27FC236}">
+                <a16:creationId xmlns:a16="http://schemas.microsoft.com/office/drawing/2014/main" id="{9C03CB8D-1140-4492-8E53-F989456A08E5}"/>
+              </a:ext>
+            </a:extLst>
+          </p:cNvPr>
+          <p:cNvCxnSpPr>
+            <a:stCxn id="14" idx="2"/>
+            <a:endCxn id="9" idx="0"/>
+          </p:cNvCxnSpPr>
+          <p:nvPr/>
+        </p:nvCxnSpPr>
+        <p:spPr>
+          <a:xfrm flipH="1">
+            <a:off x="7223352" y="1604531"/>
+            <a:ext cx="1002322" cy="615881"/>
+          </a:xfrm>
+          <a:prstGeom prst="straightConnector1">
+            <a:avLst/>
+          </a:prstGeom>
+          <a:ln>
+            <a:tailEnd type="triangle"/>
+          </a:ln>
+        </p:spPr>
+        <p:style>
+          <a:lnRef idx="1">
+            <a:schemeClr val="accent1"/>
+          </a:lnRef>
+          <a:fillRef idx="0">
+            <a:schemeClr val="accent1"/>
+          </a:fillRef>
+          <a:effectRef idx="0">
+            <a:schemeClr val="accent1"/>
+          </a:effectRef>
+          <a:fontRef idx="minor">
+            <a:schemeClr val="tx1"/>
+          </a:fontRef>
+        </p:style>
+      </p:cxnSp>
+      <p:cxnSp>
+        <p:nvCxnSpPr>
+          <p:cNvPr id="18" name="Straight Arrow Connector 17">
+            <a:extLst>
+              <a:ext uri="{FF2B5EF4-FFF2-40B4-BE49-F238E27FC236}">
+                <a16:creationId xmlns:a16="http://schemas.microsoft.com/office/drawing/2014/main" id="{A336E62F-63DF-4686-9841-0DFD55700616}"/>
+              </a:ext>
+            </a:extLst>
+          </p:cNvPr>
+          <p:cNvCxnSpPr>
+            <a:stCxn id="14" idx="2"/>
+            <a:endCxn id="12" idx="0"/>
+          </p:cNvCxnSpPr>
+          <p:nvPr/>
+        </p:nvCxnSpPr>
+        <p:spPr>
+          <a:xfrm>
+            <a:off x="8225674" y="1604531"/>
+            <a:ext cx="1981628" cy="552249"/>
+          </a:xfrm>
+          <a:prstGeom prst="straightConnector1">
+            <a:avLst/>
+          </a:prstGeom>
+          <a:ln>
+            <a:tailEnd type="triangle"/>
+          </a:ln>
+        </p:spPr>
+        <p:style>
+          <a:lnRef idx="1">
+            <a:schemeClr val="accent1"/>
+          </a:lnRef>
+          <a:fillRef idx="0">
+            <a:schemeClr val="accent1"/>
+          </a:fillRef>
+          <a:effectRef idx="0">
+            <a:schemeClr val="accent1"/>
+          </a:effectRef>
+          <a:fontRef idx="minor">
+            <a:schemeClr val="tx1"/>
+          </a:fontRef>
+        </p:style>
+      </p:cxnSp>
+      <p:sp>
+        <p:nvSpPr>
+          <p:cNvPr id="19" name="Wave 18">
+            <a:extLst>
+              <a:ext uri="{FF2B5EF4-FFF2-40B4-BE49-F238E27FC236}">
+                <a16:creationId xmlns:a16="http://schemas.microsoft.com/office/drawing/2014/main" id="{C2634815-9778-4351-8900-CE7C94A98D17}"/>
+              </a:ext>
+            </a:extLst>
+          </p:cNvPr>
+          <p:cNvSpPr/>
+          <p:nvPr/>
+        </p:nvSpPr>
+        <p:spPr>
+          <a:xfrm>
+            <a:off x="6388294" y="2946274"/>
+            <a:ext cx="1670115" cy="568752"/>
+          </a:xfrm>
+          <a:prstGeom prst="wave">
+            <a:avLst>
+              <a:gd name="adj1" fmla="val 12500"/>
+              <a:gd name="adj2" fmla="val 0"/>
+            </a:avLst>
+          </a:prstGeom>
+          <a:noFill/>
+        </p:spPr>
+        <p:style>
+          <a:lnRef idx="2">
+            <a:schemeClr val="accent1">
+              <a:shade val="50000"/>
+            </a:schemeClr>
+          </a:lnRef>
+          <a:fillRef idx="1">
+            <a:schemeClr val="accent1"/>
+          </a:fillRef>
+          <a:effectRef idx="0">
+            <a:schemeClr val="accent1"/>
+          </a:effectRef>
+          <a:fontRef idx="minor">
+            <a:schemeClr val="lt1"/>
+          </a:fontRef>
+        </p:style>
+        <p:txBody>
+          <a:bodyPr rtlCol="0" anchor="ctr"/>
+          <a:lstStyle/>
+          <a:p>
+            <a:pPr algn="ctr"/>
+            <a:r>
+              <a:rPr lang="en-US" dirty="0">
+                <a:solidFill>
+                  <a:schemeClr val="tx1"/>
+                </a:solidFill>
+              </a:rPr>
+              <a:t>FVT(success)</a:t>
+            </a:r>
+            <a:endParaRPr lang="en-US" dirty="0"/>
+          </a:p>
+        </p:txBody>
+      </p:sp>
+      <p:sp>
+        <p:nvSpPr>
+          <p:cNvPr id="22" name="Wave 21">
+            <a:extLst>
+              <a:ext uri="{FF2B5EF4-FFF2-40B4-BE49-F238E27FC236}">
+                <a16:creationId xmlns:a16="http://schemas.microsoft.com/office/drawing/2014/main" id="{B71F32D8-388C-4712-B1A5-7558F50D6134}"/>
+              </a:ext>
+            </a:extLst>
+          </p:cNvPr>
+          <p:cNvSpPr/>
+          <p:nvPr/>
+        </p:nvSpPr>
+        <p:spPr>
+          <a:xfrm>
+            <a:off x="9494007" y="2882643"/>
+            <a:ext cx="1670115" cy="568752"/>
+          </a:xfrm>
+          <a:prstGeom prst="wave">
+            <a:avLst>
+              <a:gd name="adj1" fmla="val 12500"/>
+              <a:gd name="adj2" fmla="val 0"/>
+            </a:avLst>
+          </a:prstGeom>
+          <a:noFill/>
+        </p:spPr>
+        <p:style>
+          <a:lnRef idx="2">
+            <a:schemeClr val="accent1">
+              <a:shade val="50000"/>
+            </a:schemeClr>
+          </a:lnRef>
+          <a:fillRef idx="1">
+            <a:schemeClr val="accent1"/>
+          </a:fillRef>
+          <a:effectRef idx="0">
+            <a:schemeClr val="accent1"/>
+          </a:effectRef>
+          <a:fontRef idx="minor">
+            <a:schemeClr val="lt1"/>
+          </a:fontRef>
+        </p:style>
+        <p:txBody>
+          <a:bodyPr rtlCol="0" anchor="ctr"/>
+          <a:lstStyle/>
+          <a:p>
+            <a:pPr algn="ctr"/>
+            <a:r>
+              <a:rPr lang="en-US" dirty="0">
+                <a:solidFill>
+                  <a:schemeClr val="tx1"/>
+                </a:solidFill>
+              </a:rPr>
+              <a:t>SVT(success)</a:t>
+            </a:r>
+            <a:endParaRPr lang="en-US" dirty="0"/>
+          </a:p>
+        </p:txBody>
+      </p:sp>
+      <p:cxnSp>
+        <p:nvCxnSpPr>
+          <p:cNvPr id="24" name="Straight Arrow Connector 23">
+            <a:extLst>
+              <a:ext uri="{FF2B5EF4-FFF2-40B4-BE49-F238E27FC236}">
+                <a16:creationId xmlns:a16="http://schemas.microsoft.com/office/drawing/2014/main" id="{A37EB465-D4C2-45FB-B8C5-EE05094004AA}"/>
+              </a:ext>
+            </a:extLst>
+          </p:cNvPr>
+          <p:cNvCxnSpPr>
+            <a:stCxn id="19" idx="2"/>
+            <a:endCxn id="10" idx="0"/>
+          </p:cNvCxnSpPr>
+          <p:nvPr/>
+        </p:nvCxnSpPr>
+        <p:spPr>
+          <a:xfrm>
+            <a:off x="7223352" y="3443932"/>
+            <a:ext cx="1002322" cy="512581"/>
+          </a:xfrm>
+          <a:prstGeom prst="straightConnector1">
+            <a:avLst/>
+          </a:prstGeom>
+          <a:ln>
+            <a:tailEnd type="triangle"/>
+          </a:ln>
+        </p:spPr>
+        <p:style>
+          <a:lnRef idx="1">
+            <a:schemeClr val="accent1"/>
+          </a:lnRef>
+          <a:fillRef idx="0">
+            <a:schemeClr val="accent1"/>
+          </a:fillRef>
+          <a:effectRef idx="0">
+            <a:schemeClr val="accent1"/>
+          </a:effectRef>
+          <a:fontRef idx="minor">
+            <a:schemeClr val="tx1"/>
+          </a:fontRef>
+        </p:style>
+      </p:cxnSp>
+      <p:cxnSp>
+        <p:nvCxnSpPr>
+          <p:cNvPr id="26" name="Straight Arrow Connector 25">
+            <a:extLst>
+              <a:ext uri="{FF2B5EF4-FFF2-40B4-BE49-F238E27FC236}">
+                <a16:creationId xmlns:a16="http://schemas.microsoft.com/office/drawing/2014/main" id="{6010AA09-E176-4682-9B2A-1C028CE119ED}"/>
+              </a:ext>
+            </a:extLst>
+          </p:cNvPr>
+          <p:cNvCxnSpPr>
+            <a:stCxn id="22" idx="2"/>
+            <a:endCxn id="10" idx="0"/>
+          </p:cNvCxnSpPr>
+          <p:nvPr/>
+        </p:nvCxnSpPr>
+        <p:spPr>
+          <a:xfrm flipH="1">
+            <a:off x="8225674" y="3380301"/>
+            <a:ext cx="2103391" cy="576212"/>
+          </a:xfrm>
+          <a:prstGeom prst="straightConnector1">
+            <a:avLst/>
+          </a:prstGeom>
+          <a:ln>
+            <a:tailEnd type="triangle"/>
+          </a:ln>
+        </p:spPr>
+        <p:style>
+          <a:lnRef idx="1">
+            <a:schemeClr val="accent1"/>
+          </a:lnRef>
+          <a:fillRef idx="0">
+            <a:schemeClr val="accent1"/>
+          </a:fillRef>
+          <a:effectRef idx="0">
+            <a:schemeClr val="accent1"/>
+          </a:effectRef>
+          <a:fontRef idx="minor">
+            <a:schemeClr val="tx1"/>
+          </a:fontRef>
+        </p:style>
+      </p:cxnSp>
+      <p:sp>
+        <p:nvSpPr>
+          <p:cNvPr id="27" name="Wave 26">
+            <a:extLst>
+              <a:ext uri="{FF2B5EF4-FFF2-40B4-BE49-F238E27FC236}">
+                <a16:creationId xmlns:a16="http://schemas.microsoft.com/office/drawing/2014/main" id="{1B93481D-236B-4349-B917-B011033923BD}"/>
+              </a:ext>
+            </a:extLst>
+          </p:cNvPr>
+          <p:cNvSpPr/>
+          <p:nvPr/>
+        </p:nvSpPr>
+        <p:spPr>
+          <a:xfrm>
+            <a:off x="7441677" y="4682376"/>
+            <a:ext cx="1862579" cy="568752"/>
+          </a:xfrm>
+          <a:prstGeom prst="wave">
+            <a:avLst>
+              <a:gd name="adj1" fmla="val 12500"/>
+              <a:gd name="adj2" fmla="val 0"/>
+            </a:avLst>
+          </a:prstGeom>
+          <a:noFill/>
+        </p:spPr>
+        <p:style>
+          <a:lnRef idx="2">
+            <a:schemeClr val="accent1">
+              <a:shade val="50000"/>
+            </a:schemeClr>
+          </a:lnRef>
+          <a:fillRef idx="1">
+            <a:schemeClr val="accent1"/>
+          </a:fillRef>
+          <a:effectRef idx="0">
+            <a:schemeClr val="accent1"/>
+          </a:effectRef>
+          <a:fontRef idx="minor">
+            <a:schemeClr val="lt1"/>
+          </a:fontRef>
+        </p:style>
+        <p:txBody>
+          <a:bodyPr rtlCol="0" anchor="ctr"/>
+          <a:lstStyle/>
+          <a:p>
+            <a:pPr algn="ctr"/>
+            <a:r>
+              <a:rPr lang="en-US" dirty="0">
+                <a:solidFill>
+                  <a:schemeClr val="tx1"/>
+                </a:solidFill>
+              </a:rPr>
+              <a:t>Approval(</a:t>
+            </a:r>
+            <a:r>
+              <a:rPr lang="en-US" dirty="0" err="1">
+                <a:solidFill>
+                  <a:schemeClr val="tx1"/>
+                </a:solidFill>
+              </a:rPr>
+              <a:t>syccess</a:t>
+            </a:r>
+            <a:r>
+              <a:rPr lang="en-US" dirty="0">
+                <a:solidFill>
+                  <a:schemeClr val="tx1"/>
+                </a:solidFill>
+              </a:rPr>
+              <a:t>)</a:t>
+            </a:r>
+            <a:endParaRPr lang="en-US" dirty="0"/>
+          </a:p>
+        </p:txBody>
+      </p:sp>
+      <p:cxnSp>
+        <p:nvCxnSpPr>
+          <p:cNvPr id="29" name="Straight Arrow Connector 28">
+            <a:extLst>
+              <a:ext uri="{FF2B5EF4-FFF2-40B4-BE49-F238E27FC236}">
+                <a16:creationId xmlns:a16="http://schemas.microsoft.com/office/drawing/2014/main" id="{B4FCDC06-77D7-4876-BD36-65F93B4614C0}"/>
+              </a:ext>
+            </a:extLst>
+          </p:cNvPr>
+          <p:cNvCxnSpPr>
+            <a:cxnSpLocks/>
+            <a:stCxn id="27" idx="2"/>
+            <a:endCxn id="11" idx="0"/>
+          </p:cNvCxnSpPr>
+          <p:nvPr/>
+        </p:nvCxnSpPr>
+        <p:spPr>
+          <a:xfrm flipH="1">
+            <a:off x="8276735" y="5180034"/>
+            <a:ext cx="96232" cy="361751"/>
+          </a:xfrm>
+          <a:prstGeom prst="straightConnector1">
+            <a:avLst/>
+          </a:prstGeom>
+          <a:ln>
+            <a:tailEnd type="triangle"/>
+          </a:ln>
+        </p:spPr>
+        <p:style>
+          <a:lnRef idx="1">
+            <a:schemeClr val="accent1"/>
+          </a:lnRef>
+          <a:fillRef idx="0">
+            <a:schemeClr val="accent1"/>
+          </a:fillRef>
+          <a:effectRef idx="0">
+            <a:schemeClr val="accent1"/>
+          </a:effectRef>
+          <a:fontRef idx="minor">
+            <a:schemeClr val="tx1"/>
+          </a:fontRef>
+        </p:style>
+      </p:cxnSp>
+      <p:sp>
+        <p:nvSpPr>
+          <p:cNvPr id="35" name="Wave 34">
+            <a:extLst>
+              <a:ext uri="{FF2B5EF4-FFF2-40B4-BE49-F238E27FC236}">
+                <a16:creationId xmlns:a16="http://schemas.microsoft.com/office/drawing/2014/main" id="{B05BD276-8C8E-4488-AF8C-D004CC7D7F40}"/>
+              </a:ext>
+            </a:extLst>
+          </p:cNvPr>
+          <p:cNvSpPr/>
+          <p:nvPr/>
+        </p:nvSpPr>
+        <p:spPr>
+          <a:xfrm>
+            <a:off x="4223210" y="481768"/>
+            <a:ext cx="1670115" cy="568752"/>
+          </a:xfrm>
+          <a:prstGeom prst="wave">
+            <a:avLst>
+              <a:gd name="adj1" fmla="val 12500"/>
+              <a:gd name="adj2" fmla="val 0"/>
+            </a:avLst>
+          </a:prstGeom>
+          <a:noFill/>
+        </p:spPr>
+        <p:style>
+          <a:lnRef idx="2">
+            <a:schemeClr val="accent1">
+              <a:shade val="50000"/>
+            </a:schemeClr>
+          </a:lnRef>
+          <a:fillRef idx="1">
+            <a:schemeClr val="accent1"/>
+          </a:fillRef>
+          <a:effectRef idx="0">
+            <a:schemeClr val="accent1"/>
+          </a:effectRef>
+          <a:fontRef idx="minor">
+            <a:schemeClr val="lt1"/>
+          </a:fontRef>
+        </p:style>
+        <p:txBody>
+          <a:bodyPr rtlCol="0" anchor="ctr"/>
+          <a:lstStyle/>
+          <a:p>
+            <a:pPr algn="ctr"/>
+            <a:r>
+              <a:rPr lang="en-US" dirty="0" err="1">
+                <a:solidFill>
+                  <a:schemeClr val="tx1"/>
+                </a:solidFill>
+              </a:rPr>
+              <a:t>Start_build</a:t>
+            </a:r>
+            <a:endParaRPr lang="en-US" dirty="0"/>
+          </a:p>
+        </p:txBody>
+      </p:sp>
+      <p:sp>
+        <p:nvSpPr>
+          <p:cNvPr id="36" name="Rectangle: Rounded Corners 35">
+            <a:extLst>
+              <a:ext uri="{FF2B5EF4-FFF2-40B4-BE49-F238E27FC236}">
+                <a16:creationId xmlns:a16="http://schemas.microsoft.com/office/drawing/2014/main" id="{3CB1F720-D3C0-4185-ACA9-3494B1EE7627}"/>
+              </a:ext>
+            </a:extLst>
+          </p:cNvPr>
+          <p:cNvSpPr/>
+          <p:nvPr/>
+        </p:nvSpPr>
+        <p:spPr>
+          <a:xfrm>
+            <a:off x="1809948" y="403212"/>
+            <a:ext cx="2413262" cy="725863"/>
+          </a:xfrm>
+          <a:prstGeom prst="roundRect">
+            <a:avLst/>
+          </a:prstGeom>
+          <a:noFill/>
+        </p:spPr>
+        <p:style>
+          <a:lnRef idx="2">
+            <a:schemeClr val="accent1">
+              <a:shade val="50000"/>
+            </a:schemeClr>
+          </a:lnRef>
+          <a:fillRef idx="1">
+            <a:schemeClr val="accent1"/>
+          </a:fillRef>
+          <a:effectRef idx="0">
+            <a:schemeClr val="accent1"/>
+          </a:effectRef>
+          <a:fontRef idx="minor">
+            <a:schemeClr val="lt1"/>
+          </a:fontRef>
+        </p:style>
+        <p:txBody>
+          <a:bodyPr rtlCol="0" anchor="ctr"/>
+          <a:lstStyle/>
+          <a:p>
+            <a:pPr algn="ctr"/>
+            <a:r>
+              <a:rPr lang="en-US" dirty="0" err="1">
+                <a:solidFill>
+                  <a:schemeClr val="tx1"/>
+                </a:solidFill>
+              </a:rPr>
+              <a:t>Event_Trigger</a:t>
+            </a:r>
+            <a:endParaRPr lang="en-US" dirty="0">
+              <a:solidFill>
+                <a:schemeClr val="tx1"/>
+              </a:solidFill>
+            </a:endParaRPr>
+          </a:p>
+        </p:txBody>
+      </p:sp>
+      <p:cxnSp>
+        <p:nvCxnSpPr>
+          <p:cNvPr id="38" name="Straight Arrow Connector 37">
+            <a:extLst>
+              <a:ext uri="{FF2B5EF4-FFF2-40B4-BE49-F238E27FC236}">
+                <a16:creationId xmlns:a16="http://schemas.microsoft.com/office/drawing/2014/main" id="{4AFAD829-5F59-48BF-B7F2-8D306B8C3FE5}"/>
+              </a:ext>
+            </a:extLst>
+          </p:cNvPr>
+          <p:cNvCxnSpPr>
+            <a:cxnSpLocks/>
+            <a:endCxn id="3" idx="1"/>
+          </p:cNvCxnSpPr>
+          <p:nvPr/>
+        </p:nvCxnSpPr>
+        <p:spPr>
+          <a:xfrm>
+            <a:off x="5893325" y="743942"/>
+            <a:ext cx="1125718" cy="0"/>
+          </a:xfrm>
+          <a:prstGeom prst="straightConnector1">
+            <a:avLst/>
+          </a:prstGeom>
+          <a:ln>
+            <a:tailEnd type="triangle"/>
+          </a:ln>
+        </p:spPr>
+        <p:style>
+          <a:lnRef idx="1">
+            <a:schemeClr val="accent1"/>
+          </a:lnRef>
+          <a:fillRef idx="0">
+            <a:schemeClr val="accent1"/>
+          </a:fillRef>
+          <a:effectRef idx="0">
+            <a:schemeClr val="accent1"/>
+          </a:effectRef>
+          <a:fontRef idx="minor">
+            <a:schemeClr val="tx1"/>
+          </a:fontRef>
+        </p:style>
+      </p:cxnSp>
+      <p:sp>
+        <p:nvSpPr>
+          <p:cNvPr id="41" name="Rectangle 40">
+            <a:extLst>
+              <a:ext uri="{FF2B5EF4-FFF2-40B4-BE49-F238E27FC236}">
+                <a16:creationId xmlns:a16="http://schemas.microsoft.com/office/drawing/2014/main" id="{0A6EAB04-2C2D-479A-97ED-B4A9AFE22937}"/>
+              </a:ext>
+            </a:extLst>
+          </p:cNvPr>
+          <p:cNvSpPr/>
+          <p:nvPr/>
+        </p:nvSpPr>
+        <p:spPr>
+          <a:xfrm>
+            <a:off x="1734533" y="214460"/>
+            <a:ext cx="10232734" cy="6161772"/>
+          </a:xfrm>
+          <a:prstGeom prst="rect">
+            <a:avLst/>
+          </a:prstGeom>
+          <a:noFill/>
+        </p:spPr>
+        <p:style>
+          <a:lnRef idx="2">
+            <a:schemeClr val="accent1">
+              <a:shade val="50000"/>
+            </a:schemeClr>
+          </a:lnRef>
+          <a:fillRef idx="1">
+            <a:schemeClr val="accent1"/>
+          </a:fillRef>
+          <a:effectRef idx="0">
+            <a:schemeClr val="accent1"/>
+          </a:effectRef>
+          <a:fontRef idx="minor">
+            <a:schemeClr val="lt1"/>
+          </a:fontRef>
+        </p:style>
+        <p:txBody>
+          <a:bodyPr rtlCol="0" anchor="ctr"/>
+          <a:lstStyle/>
+          <a:p>
+            <a:pPr algn="ctr"/>
+            <a:endParaRPr lang="en-US"/>
+          </a:p>
+        </p:txBody>
+      </p:sp>
+      <p:sp>
+        <p:nvSpPr>
+          <p:cNvPr id="42" name="TextBox 41">
+            <a:extLst>
+              <a:ext uri="{FF2B5EF4-FFF2-40B4-BE49-F238E27FC236}">
+                <a16:creationId xmlns:a16="http://schemas.microsoft.com/office/drawing/2014/main" id="{6D62EA51-842B-4013-AC5B-E9E91BE2EC7A}"/>
+              </a:ext>
+            </a:extLst>
+          </p:cNvPr>
+          <p:cNvSpPr txBox="1"/>
+          <p:nvPr/>
+        </p:nvSpPr>
+        <p:spPr>
+          <a:xfrm>
+            <a:off x="1734533" y="6443126"/>
+            <a:ext cx="1489767" cy="369332"/>
+          </a:xfrm>
+          <a:prstGeom prst="rect">
+            <a:avLst/>
+          </a:prstGeom>
+          <a:noFill/>
+        </p:spPr>
+        <p:txBody>
+          <a:bodyPr wrap="none" rtlCol="0">
+            <a:spAutoFit/>
+          </a:bodyPr>
+          <a:lstStyle/>
+          <a:p>
+            <a:r>
+              <a:rPr lang="en-US" dirty="0"/>
+              <a:t>Strategy Main</a:t>
+            </a:r>
+          </a:p>
+        </p:txBody>
+      </p:sp>
+      <p:sp>
+        <p:nvSpPr>
+          <p:cNvPr id="43" name="Wave 42">
+            <a:extLst>
+              <a:ext uri="{FF2B5EF4-FFF2-40B4-BE49-F238E27FC236}">
+                <a16:creationId xmlns:a16="http://schemas.microsoft.com/office/drawing/2014/main" id="{A92B2207-2F33-4DEB-91A3-676D07B36312}"/>
+              </a:ext>
+            </a:extLst>
+          </p:cNvPr>
+          <p:cNvSpPr/>
+          <p:nvPr/>
+        </p:nvSpPr>
+        <p:spPr>
+          <a:xfrm>
+            <a:off x="191286" y="538121"/>
+            <a:ext cx="1247088" cy="568752"/>
+          </a:xfrm>
+          <a:prstGeom prst="wave">
+            <a:avLst>
+              <a:gd name="adj1" fmla="val 12500"/>
+              <a:gd name="adj2" fmla="val 0"/>
+            </a:avLst>
+          </a:prstGeom>
+          <a:noFill/>
+        </p:spPr>
+        <p:style>
+          <a:lnRef idx="2">
+            <a:schemeClr val="accent1">
+              <a:shade val="50000"/>
+            </a:schemeClr>
+          </a:lnRef>
+          <a:fillRef idx="1">
+            <a:schemeClr val="accent1"/>
+          </a:fillRef>
+          <a:effectRef idx="0">
+            <a:schemeClr val="accent1"/>
+          </a:effectRef>
+          <a:fontRef idx="minor">
+            <a:schemeClr val="lt1"/>
+          </a:fontRef>
+        </p:style>
+        <p:txBody>
+          <a:bodyPr rtlCol="0" anchor="ctr"/>
+          <a:lstStyle/>
+          <a:p>
+            <a:pPr algn="ctr"/>
+            <a:r>
+              <a:rPr lang="en-US" dirty="0">
+                <a:solidFill>
+                  <a:schemeClr val="tx1"/>
+                </a:solidFill>
+              </a:rPr>
+              <a:t>Push(1234)</a:t>
+            </a:r>
+            <a:endParaRPr lang="en-US" dirty="0"/>
+          </a:p>
+        </p:txBody>
+      </p:sp>
+      <p:sp>
+        <p:nvSpPr>
+          <p:cNvPr id="44" name="Wave 43">
+            <a:extLst>
+              <a:ext uri="{FF2B5EF4-FFF2-40B4-BE49-F238E27FC236}">
+                <a16:creationId xmlns:a16="http://schemas.microsoft.com/office/drawing/2014/main" id="{AA3D3385-B6E8-4BB6-BCB8-648AC4CB3536}"/>
+              </a:ext>
+            </a:extLst>
+          </p:cNvPr>
+          <p:cNvSpPr/>
+          <p:nvPr/>
+        </p:nvSpPr>
+        <p:spPr>
+          <a:xfrm>
+            <a:off x="203853" y="1311903"/>
+            <a:ext cx="1247088" cy="568752"/>
+          </a:xfrm>
+          <a:prstGeom prst="wave">
+            <a:avLst>
+              <a:gd name="adj1" fmla="val 12500"/>
+              <a:gd name="adj2" fmla="val 0"/>
+            </a:avLst>
+          </a:prstGeom>
+          <a:noFill/>
+        </p:spPr>
+        <p:style>
+          <a:lnRef idx="2">
+            <a:schemeClr val="accent1">
+              <a:shade val="50000"/>
+            </a:schemeClr>
+          </a:lnRef>
+          <a:fillRef idx="1">
+            <a:schemeClr val="accent1"/>
+          </a:fillRef>
+          <a:effectRef idx="0">
+            <a:schemeClr val="accent1"/>
+          </a:effectRef>
+          <a:fontRef idx="minor">
+            <a:schemeClr val="lt1"/>
+          </a:fontRef>
+        </p:style>
+        <p:txBody>
+          <a:bodyPr rtlCol="0" anchor="ctr"/>
+          <a:lstStyle/>
+          <a:p>
+            <a:pPr algn="ctr"/>
+            <a:r>
+              <a:rPr lang="en-US" dirty="0">
+                <a:solidFill>
+                  <a:schemeClr val="tx1"/>
+                </a:solidFill>
+              </a:rPr>
+              <a:t>Push(5678)</a:t>
+            </a:r>
+            <a:endParaRPr lang="en-US" dirty="0"/>
+          </a:p>
+        </p:txBody>
+      </p:sp>
+      <p:sp>
+        <p:nvSpPr>
+          <p:cNvPr id="45" name="TextBox 44">
+            <a:extLst>
+              <a:ext uri="{FF2B5EF4-FFF2-40B4-BE49-F238E27FC236}">
+                <a16:creationId xmlns:a16="http://schemas.microsoft.com/office/drawing/2014/main" id="{D8BEC251-8797-4838-A63D-5D84F87785B8}"/>
+              </a:ext>
+            </a:extLst>
+          </p:cNvPr>
+          <p:cNvSpPr txBox="1"/>
+          <p:nvPr/>
+        </p:nvSpPr>
+        <p:spPr>
+          <a:xfrm>
+            <a:off x="616172" y="2085685"/>
+            <a:ext cx="343364" cy="369332"/>
+          </a:xfrm>
+          <a:prstGeom prst="rect">
+            <a:avLst/>
+          </a:prstGeom>
+          <a:noFill/>
+        </p:spPr>
+        <p:txBody>
+          <a:bodyPr wrap="none" rtlCol="0">
+            <a:spAutoFit/>
+          </a:bodyPr>
+          <a:lstStyle/>
+          <a:p>
+            <a:r>
+              <a:rPr lang="en-US" dirty="0"/>
+              <a:t>…</a:t>
+            </a:r>
+          </a:p>
+        </p:txBody>
+      </p:sp>
+      <p:cxnSp>
+        <p:nvCxnSpPr>
+          <p:cNvPr id="47" name="Straight Arrow Connector 46">
+            <a:extLst>
+              <a:ext uri="{FF2B5EF4-FFF2-40B4-BE49-F238E27FC236}">
+                <a16:creationId xmlns:a16="http://schemas.microsoft.com/office/drawing/2014/main" id="{CF53277F-C50F-4A71-96E2-FDBBEF33E409}"/>
+              </a:ext>
+            </a:extLst>
+          </p:cNvPr>
+          <p:cNvCxnSpPr>
+            <a:stCxn id="43" idx="3"/>
+            <a:endCxn id="36" idx="1"/>
+          </p:cNvCxnSpPr>
+          <p:nvPr/>
+        </p:nvCxnSpPr>
+        <p:spPr>
+          <a:xfrm flipV="1">
+            <a:off x="1438374" y="766144"/>
+            <a:ext cx="371574" cy="56353"/>
+          </a:xfrm>
+          <a:prstGeom prst="straightConnector1">
+            <a:avLst/>
+          </a:prstGeom>
+          <a:ln>
+            <a:tailEnd type="triangle"/>
+          </a:ln>
+        </p:spPr>
+        <p:style>
+          <a:lnRef idx="1">
+            <a:schemeClr val="accent1"/>
+          </a:lnRef>
+          <a:fillRef idx="0">
+            <a:schemeClr val="accent1"/>
+          </a:fillRef>
+          <a:effectRef idx="0">
+            <a:schemeClr val="accent1"/>
+          </a:effectRef>
+          <a:fontRef idx="minor">
+            <a:schemeClr val="tx1"/>
+          </a:fontRef>
+        </p:style>
+      </p:cxnSp>
+      <p:cxnSp>
+        <p:nvCxnSpPr>
+          <p:cNvPr id="49" name="Straight Arrow Connector 48">
+            <a:extLst>
+              <a:ext uri="{FF2B5EF4-FFF2-40B4-BE49-F238E27FC236}">
+                <a16:creationId xmlns:a16="http://schemas.microsoft.com/office/drawing/2014/main" id="{AFDF949F-8ED0-4858-858D-B0EDB9A0F777}"/>
+              </a:ext>
+            </a:extLst>
+          </p:cNvPr>
+          <p:cNvCxnSpPr>
+            <a:stCxn id="44" idx="3"/>
+            <a:endCxn id="36" idx="1"/>
+          </p:cNvCxnSpPr>
+          <p:nvPr/>
+        </p:nvCxnSpPr>
+        <p:spPr>
+          <a:xfrm flipV="1">
+            <a:off x="1450941" y="766144"/>
+            <a:ext cx="359007" cy="830135"/>
+          </a:xfrm>
+          <a:prstGeom prst="straightConnector1">
+            <a:avLst/>
+          </a:prstGeom>
+          <a:ln>
+            <a:tailEnd type="triangle"/>
+          </a:ln>
+        </p:spPr>
+        <p:style>
+          <a:lnRef idx="1">
+            <a:schemeClr val="accent1"/>
+          </a:lnRef>
+          <a:fillRef idx="0">
+            <a:schemeClr val="accent1"/>
+          </a:fillRef>
+          <a:effectRef idx="0">
+            <a:schemeClr val="accent1"/>
+          </a:effectRef>
+          <a:fontRef idx="minor">
+            <a:schemeClr val="tx1"/>
+          </a:fontRef>
+        </p:style>
+      </p:cxnSp>
+      <p:sp>
+        <p:nvSpPr>
+          <p:cNvPr id="30" name="Flowchart: Magnetic Disk 29">
+            <a:extLst>
+              <a:ext uri="{FF2B5EF4-FFF2-40B4-BE49-F238E27FC236}">
+                <a16:creationId xmlns:a16="http://schemas.microsoft.com/office/drawing/2014/main" id="{575DF9D9-A7A9-48C4-9279-0217C6712E37}"/>
+              </a:ext>
+            </a:extLst>
+          </p:cNvPr>
+          <p:cNvSpPr/>
+          <p:nvPr/>
+        </p:nvSpPr>
+        <p:spPr>
+          <a:xfrm>
+            <a:off x="2783239" y="5131833"/>
+            <a:ext cx="1509947" cy="725863"/>
+          </a:xfrm>
+          <a:prstGeom prst="flowChartMagneticDisk">
+            <a:avLst/>
+          </a:prstGeom>
+          <a:noFill/>
+        </p:spPr>
+        <p:style>
+          <a:lnRef idx="2">
+            <a:schemeClr val="accent1">
+              <a:shade val="50000"/>
+            </a:schemeClr>
+          </a:lnRef>
+          <a:fillRef idx="1">
+            <a:schemeClr val="accent1"/>
+          </a:fillRef>
+          <a:effectRef idx="0">
+            <a:schemeClr val="accent1"/>
+          </a:effectRef>
+          <a:fontRef idx="minor">
+            <a:schemeClr val="lt1"/>
+          </a:fontRef>
+        </p:style>
+        <p:txBody>
+          <a:bodyPr rtlCol="0" anchor="ctr"/>
+          <a:lstStyle/>
+          <a:p>
+            <a:pPr algn="ctr"/>
+            <a:r>
+              <a:rPr lang="en-US" sz="1400" dirty="0" err="1">
+                <a:solidFill>
+                  <a:schemeClr val="tx1"/>
+                </a:solidFill>
+              </a:rPr>
+              <a:t>name:app_tagged</a:t>
+            </a:r>
+            <a:endParaRPr lang="en-US" sz="1400" dirty="0">
+              <a:solidFill>
+                <a:schemeClr val="tx1"/>
+              </a:solidFill>
+            </a:endParaRPr>
+          </a:p>
+          <a:p>
+            <a:pPr algn="ctr"/>
+            <a:r>
+              <a:rPr lang="en-US" sz="1400" dirty="0">
+                <a:solidFill>
+                  <a:schemeClr val="tx1"/>
+                </a:solidFill>
+              </a:rPr>
+              <a:t>type: docker</a:t>
+            </a:r>
+          </a:p>
+        </p:txBody>
+      </p:sp>
+      <p:sp>
+        <p:nvSpPr>
+          <p:cNvPr id="39" name="Flowchart: Magnetic Disk 38">
+            <a:extLst>
+              <a:ext uri="{FF2B5EF4-FFF2-40B4-BE49-F238E27FC236}">
+                <a16:creationId xmlns:a16="http://schemas.microsoft.com/office/drawing/2014/main" id="{7674CECD-D9DE-4493-B58C-24FC835CEC08}"/>
+              </a:ext>
+            </a:extLst>
+          </p:cNvPr>
+          <p:cNvSpPr/>
+          <p:nvPr/>
+        </p:nvSpPr>
+        <p:spPr>
+          <a:xfrm>
+            <a:off x="2968995" y="1354361"/>
+            <a:ext cx="1509947" cy="725863"/>
+          </a:xfrm>
+          <a:prstGeom prst="flowChartMagneticDisk">
+            <a:avLst/>
+          </a:prstGeom>
+          <a:noFill/>
+        </p:spPr>
+        <p:style>
+          <a:lnRef idx="2">
+            <a:schemeClr val="accent1">
+              <a:shade val="50000"/>
+            </a:schemeClr>
+          </a:lnRef>
+          <a:fillRef idx="1">
+            <a:schemeClr val="accent1"/>
+          </a:fillRef>
+          <a:effectRef idx="0">
+            <a:schemeClr val="accent1"/>
+          </a:effectRef>
+          <a:fontRef idx="minor">
+            <a:schemeClr val="lt1"/>
+          </a:fontRef>
+        </p:style>
+        <p:txBody>
+          <a:bodyPr rtlCol="0" anchor="ctr"/>
+          <a:lstStyle/>
+          <a:p>
+            <a:pPr algn="ctr"/>
+            <a:r>
+              <a:rPr lang="en-US" sz="1400" dirty="0">
+                <a:solidFill>
+                  <a:schemeClr val="tx1"/>
+                </a:solidFill>
+              </a:rPr>
+              <a:t>name: source</a:t>
+            </a:r>
+          </a:p>
+          <a:p>
+            <a:pPr algn="ctr"/>
+            <a:r>
+              <a:rPr lang="en-US" sz="1400" dirty="0">
+                <a:solidFill>
+                  <a:schemeClr val="tx1"/>
+                </a:solidFill>
+              </a:rPr>
+              <a:t> type: </a:t>
+            </a:r>
+            <a:r>
+              <a:rPr lang="en-US" sz="1400" dirty="0" err="1">
+                <a:solidFill>
+                  <a:schemeClr val="tx1"/>
+                </a:solidFill>
+              </a:rPr>
+              <a:t>github</a:t>
+            </a:r>
+            <a:endParaRPr lang="en-US" sz="1400" dirty="0">
+              <a:solidFill>
+                <a:schemeClr val="tx1"/>
+              </a:solidFill>
+            </a:endParaRPr>
+          </a:p>
+        </p:txBody>
+      </p:sp>
+      <p:sp>
+        <p:nvSpPr>
+          <p:cNvPr id="40" name="Flowchart: Magnetic Disk 39">
+            <a:extLst>
+              <a:ext uri="{FF2B5EF4-FFF2-40B4-BE49-F238E27FC236}">
+                <a16:creationId xmlns:a16="http://schemas.microsoft.com/office/drawing/2014/main" id="{660478DB-7A2E-4911-935F-9AC23C34DA43}"/>
+              </a:ext>
+            </a:extLst>
+          </p:cNvPr>
+          <p:cNvSpPr/>
+          <p:nvPr/>
+        </p:nvSpPr>
+        <p:spPr>
+          <a:xfrm>
+            <a:off x="2969026" y="2773393"/>
+            <a:ext cx="1509947" cy="725863"/>
+          </a:xfrm>
+          <a:prstGeom prst="flowChartMagneticDisk">
+            <a:avLst/>
+          </a:prstGeom>
+          <a:noFill/>
+        </p:spPr>
+        <p:style>
+          <a:lnRef idx="2">
+            <a:schemeClr val="accent1">
+              <a:shade val="50000"/>
+            </a:schemeClr>
+          </a:lnRef>
+          <a:fillRef idx="1">
+            <a:schemeClr val="accent1"/>
+          </a:fillRef>
+          <a:effectRef idx="0">
+            <a:schemeClr val="accent1"/>
+          </a:effectRef>
+          <a:fontRef idx="minor">
+            <a:schemeClr val="lt1"/>
+          </a:fontRef>
+        </p:style>
+        <p:txBody>
+          <a:bodyPr rtlCol="0" anchor="ctr"/>
+          <a:lstStyle/>
+          <a:p>
+            <a:pPr algn="ctr"/>
+            <a:r>
+              <a:rPr lang="en-US" sz="1400" dirty="0">
+                <a:solidFill>
+                  <a:schemeClr val="tx1"/>
+                </a:solidFill>
+              </a:rPr>
+              <a:t>name: app</a:t>
+            </a:r>
+          </a:p>
+          <a:p>
+            <a:pPr algn="ctr"/>
+            <a:r>
+              <a:rPr lang="en-US" sz="1400" dirty="0">
+                <a:solidFill>
+                  <a:schemeClr val="tx1"/>
+                </a:solidFill>
+              </a:rPr>
+              <a:t>type: docker</a:t>
+            </a:r>
+          </a:p>
+        </p:txBody>
+      </p:sp>
+      <p:cxnSp>
+        <p:nvCxnSpPr>
+          <p:cNvPr id="15" name="Straight Arrow Connector 14">
+            <a:extLst>
+              <a:ext uri="{FF2B5EF4-FFF2-40B4-BE49-F238E27FC236}">
+                <a16:creationId xmlns:a16="http://schemas.microsoft.com/office/drawing/2014/main" id="{F8DAF612-9DDC-409A-AF16-7485A76160C5}"/>
+              </a:ext>
+            </a:extLst>
+          </p:cNvPr>
+          <p:cNvCxnSpPr>
+            <a:stCxn id="39" idx="4"/>
+          </p:cNvCxnSpPr>
+          <p:nvPr/>
+        </p:nvCxnSpPr>
+        <p:spPr>
+          <a:xfrm flipV="1">
+            <a:off x="4478942" y="1050520"/>
+            <a:ext cx="2540101" cy="666773"/>
+          </a:xfrm>
+          <a:prstGeom prst="straightConnector1">
+            <a:avLst/>
+          </a:prstGeom>
+          <a:ln>
+            <a:prstDash val="dashDot"/>
+            <a:tailEnd type="triangle"/>
+          </a:ln>
+        </p:spPr>
+        <p:style>
+          <a:lnRef idx="1">
+            <a:schemeClr val="accent1"/>
+          </a:lnRef>
+          <a:fillRef idx="0">
+            <a:schemeClr val="accent1"/>
+          </a:fillRef>
+          <a:effectRef idx="0">
+            <a:schemeClr val="accent1"/>
+          </a:effectRef>
+          <a:fontRef idx="minor">
+            <a:schemeClr val="tx1"/>
+          </a:fontRef>
+        </p:style>
+      </p:cxnSp>
+      <p:cxnSp>
+        <p:nvCxnSpPr>
+          <p:cNvPr id="46" name="Straight Arrow Connector 45">
+            <a:extLst>
+              <a:ext uri="{FF2B5EF4-FFF2-40B4-BE49-F238E27FC236}">
+                <a16:creationId xmlns:a16="http://schemas.microsoft.com/office/drawing/2014/main" id="{A892660F-0F19-41D7-BEC0-33C9B0FD5A28}"/>
+              </a:ext>
+            </a:extLst>
+          </p:cNvPr>
+          <p:cNvCxnSpPr>
+            <a:cxnSpLocks/>
+            <a:endCxn id="40" idx="1"/>
+          </p:cNvCxnSpPr>
+          <p:nvPr/>
+        </p:nvCxnSpPr>
+        <p:spPr>
+          <a:xfrm flipH="1">
+            <a:off x="3724000" y="1146838"/>
+            <a:ext cx="3417412" cy="1626555"/>
+          </a:xfrm>
+          <a:prstGeom prst="straightConnector1">
+            <a:avLst/>
+          </a:prstGeom>
+          <a:ln>
+            <a:prstDash val="dashDot"/>
+            <a:tailEnd type="triangle"/>
+          </a:ln>
+        </p:spPr>
+        <p:style>
+          <a:lnRef idx="1">
+            <a:schemeClr val="accent1"/>
+          </a:lnRef>
+          <a:fillRef idx="0">
+            <a:schemeClr val="accent1"/>
+          </a:fillRef>
+          <a:effectRef idx="0">
+            <a:schemeClr val="accent1"/>
+          </a:effectRef>
+          <a:fontRef idx="minor">
+            <a:schemeClr val="tx1"/>
+          </a:fontRef>
+        </p:style>
+      </p:cxnSp>
+      <p:cxnSp>
+        <p:nvCxnSpPr>
+          <p:cNvPr id="48" name="Straight Arrow Connector 47">
+            <a:extLst>
+              <a:ext uri="{FF2B5EF4-FFF2-40B4-BE49-F238E27FC236}">
+                <a16:creationId xmlns:a16="http://schemas.microsoft.com/office/drawing/2014/main" id="{BF790109-CBC1-4457-9078-82475DE08468}"/>
+              </a:ext>
+            </a:extLst>
+          </p:cNvPr>
+          <p:cNvCxnSpPr>
+            <a:cxnSpLocks/>
+            <a:stCxn id="40" idx="4"/>
+            <a:endCxn id="9" idx="1"/>
+          </p:cNvCxnSpPr>
+          <p:nvPr/>
+        </p:nvCxnSpPr>
+        <p:spPr>
+          <a:xfrm flipV="1">
+            <a:off x="4478973" y="2583344"/>
+            <a:ext cx="1537748" cy="552981"/>
+          </a:xfrm>
+          <a:prstGeom prst="straightConnector1">
+            <a:avLst/>
+          </a:prstGeom>
+          <a:ln>
+            <a:prstDash val="dashDot"/>
+            <a:tailEnd type="triangle"/>
+          </a:ln>
+        </p:spPr>
+        <p:style>
+          <a:lnRef idx="1">
+            <a:schemeClr val="accent1"/>
+          </a:lnRef>
+          <a:fillRef idx="0">
+            <a:schemeClr val="accent1"/>
+          </a:fillRef>
+          <a:effectRef idx="0">
+            <a:schemeClr val="accent1"/>
+          </a:effectRef>
+          <a:fontRef idx="minor">
+            <a:schemeClr val="tx1"/>
+          </a:fontRef>
+        </p:style>
+      </p:cxnSp>
+      <p:cxnSp>
+        <p:nvCxnSpPr>
+          <p:cNvPr id="50" name="Straight Arrow Connector 49">
+            <a:extLst>
+              <a:ext uri="{FF2B5EF4-FFF2-40B4-BE49-F238E27FC236}">
+                <a16:creationId xmlns:a16="http://schemas.microsoft.com/office/drawing/2014/main" id="{14A9DA84-CCE9-40F8-82B8-32625F27CA8A}"/>
+              </a:ext>
+            </a:extLst>
+          </p:cNvPr>
+          <p:cNvCxnSpPr>
+            <a:cxnSpLocks/>
+            <a:stCxn id="40" idx="4"/>
+            <a:endCxn id="12" idx="1"/>
+          </p:cNvCxnSpPr>
+          <p:nvPr/>
+        </p:nvCxnSpPr>
+        <p:spPr>
+          <a:xfrm flipV="1">
+            <a:off x="4478973" y="2519712"/>
+            <a:ext cx="4521698" cy="616613"/>
+          </a:xfrm>
+          <a:prstGeom prst="straightConnector1">
+            <a:avLst/>
+          </a:prstGeom>
+          <a:ln>
+            <a:prstDash val="dashDot"/>
+            <a:tailEnd type="triangle"/>
+          </a:ln>
+        </p:spPr>
+        <p:style>
+          <a:lnRef idx="1">
+            <a:schemeClr val="accent1"/>
+          </a:lnRef>
+          <a:fillRef idx="0">
+            <a:schemeClr val="accent1"/>
+          </a:fillRef>
+          <a:effectRef idx="0">
+            <a:schemeClr val="accent1"/>
+          </a:effectRef>
+          <a:fontRef idx="minor">
+            <a:schemeClr val="tx1"/>
+          </a:fontRef>
+        </p:style>
+      </p:cxnSp>
+      <p:cxnSp>
+        <p:nvCxnSpPr>
+          <p:cNvPr id="51" name="Straight Arrow Connector 50">
+            <a:extLst>
+              <a:ext uri="{FF2B5EF4-FFF2-40B4-BE49-F238E27FC236}">
+                <a16:creationId xmlns:a16="http://schemas.microsoft.com/office/drawing/2014/main" id="{DF75116E-A4F1-449D-8451-FBC61355A4D9}"/>
+              </a:ext>
+            </a:extLst>
+          </p:cNvPr>
+          <p:cNvCxnSpPr>
+            <a:cxnSpLocks/>
+            <a:stCxn id="40" idx="4"/>
+            <a:endCxn id="11" idx="1"/>
+          </p:cNvCxnSpPr>
+          <p:nvPr/>
+        </p:nvCxnSpPr>
+        <p:spPr>
+          <a:xfrm>
+            <a:off x="4478973" y="3136325"/>
+            <a:ext cx="2591131" cy="2768392"/>
+          </a:xfrm>
+          <a:prstGeom prst="straightConnector1">
+            <a:avLst/>
+          </a:prstGeom>
+          <a:ln>
+            <a:prstDash val="dashDot"/>
+            <a:tailEnd type="triangle"/>
+          </a:ln>
+        </p:spPr>
+        <p:style>
+          <a:lnRef idx="1">
+            <a:schemeClr val="accent1"/>
+          </a:lnRef>
+          <a:fillRef idx="0">
+            <a:schemeClr val="accent1"/>
+          </a:fillRef>
+          <a:effectRef idx="0">
+            <a:schemeClr val="accent1"/>
+          </a:effectRef>
+          <a:fontRef idx="minor">
+            <a:schemeClr val="tx1"/>
+          </a:fontRef>
+        </p:style>
+      </p:cxnSp>
+      <p:cxnSp>
+        <p:nvCxnSpPr>
+          <p:cNvPr id="53" name="Straight Arrow Connector 52">
+            <a:extLst>
+              <a:ext uri="{FF2B5EF4-FFF2-40B4-BE49-F238E27FC236}">
+                <a16:creationId xmlns:a16="http://schemas.microsoft.com/office/drawing/2014/main" id="{CB25AD36-10EE-4FDC-BF4D-DCA2DC0FD54E}"/>
+              </a:ext>
+            </a:extLst>
+          </p:cNvPr>
+          <p:cNvCxnSpPr>
+            <a:cxnSpLocks/>
+            <a:stCxn id="11" idx="1"/>
+            <a:endCxn id="30" idx="4"/>
+          </p:cNvCxnSpPr>
+          <p:nvPr/>
+        </p:nvCxnSpPr>
+        <p:spPr>
+          <a:xfrm flipH="1" flipV="1">
+            <a:off x="4293186" y="5494765"/>
+            <a:ext cx="2776918" cy="409952"/>
+          </a:xfrm>
+          <a:prstGeom prst="straightConnector1">
+            <a:avLst/>
+          </a:prstGeom>
+          <a:ln>
+            <a:prstDash val="dashDot"/>
+            <a:tailEnd type="triangle"/>
+          </a:ln>
+        </p:spPr>
+        <p:style>
+          <a:lnRef idx="1">
+            <a:schemeClr val="accent1"/>
+          </a:lnRef>
+          <a:fillRef idx="0">
+            <a:schemeClr val="accent1"/>
+          </a:fillRef>
+          <a:effectRef idx="0">
+            <a:schemeClr val="accent1"/>
+          </a:effectRef>
+          <a:fontRef idx="minor">
+            <a:schemeClr val="tx1"/>
+          </a:fontRef>
+        </p:style>
+      </p:cxnSp>
+      <p:sp>
+        <p:nvSpPr>
+          <p:cNvPr id="4" name="TextBox 3">
+            <a:extLst>
+              <a:ext uri="{FF2B5EF4-FFF2-40B4-BE49-F238E27FC236}">
+                <a16:creationId xmlns:a16="http://schemas.microsoft.com/office/drawing/2014/main" id="{099CC948-45D9-42ED-BCE9-3D6DB6F638E6}"/>
+              </a:ext>
+            </a:extLst>
+          </p:cNvPr>
+          <p:cNvSpPr txBox="1"/>
+          <p:nvPr/>
+        </p:nvSpPr>
+        <p:spPr>
+          <a:xfrm>
+            <a:off x="2944740" y="4022823"/>
+            <a:ext cx="1534202" cy="646331"/>
+          </a:xfrm>
+          <a:prstGeom prst="rect">
+            <a:avLst/>
+          </a:prstGeom>
+          <a:noFill/>
+        </p:spPr>
+        <p:txBody>
+          <a:bodyPr wrap="square" rtlCol="0">
+            <a:spAutoFit/>
+          </a:bodyPr>
+          <a:lstStyle/>
+          <a:p>
+            <a:r>
+              <a:rPr lang="en-US" dirty="0"/>
+              <a:t>name: email</a:t>
+            </a:r>
+          </a:p>
+          <a:p>
+            <a:r>
+              <a:rPr lang="en-US" dirty="0"/>
+              <a:t>type: string</a:t>
+            </a:r>
+          </a:p>
+        </p:txBody>
+      </p:sp>
+      <p:cxnSp>
+        <p:nvCxnSpPr>
+          <p:cNvPr id="37" name="Straight Arrow Connector 36">
+            <a:extLst>
+              <a:ext uri="{FF2B5EF4-FFF2-40B4-BE49-F238E27FC236}">
+                <a16:creationId xmlns:a16="http://schemas.microsoft.com/office/drawing/2014/main" id="{2FF7A2AB-EAEC-479D-9AF7-3B9BD4D9EF1D}"/>
+              </a:ext>
+            </a:extLst>
+          </p:cNvPr>
+          <p:cNvCxnSpPr>
+            <a:cxnSpLocks/>
+            <a:endCxn id="10" idx="1"/>
+          </p:cNvCxnSpPr>
+          <p:nvPr/>
+        </p:nvCxnSpPr>
+        <p:spPr>
+          <a:xfrm flipV="1">
+            <a:off x="4293186" y="4319445"/>
+            <a:ext cx="2725857" cy="73565"/>
+          </a:xfrm>
+          <a:prstGeom prst="straightConnector1">
+            <a:avLst/>
+          </a:prstGeom>
+          <a:ln>
+            <a:prstDash val="dashDot"/>
+            <a:tailEnd type="triangle"/>
+          </a:ln>
+        </p:spPr>
+        <p:style>
+          <a:lnRef idx="1">
+            <a:schemeClr val="accent1"/>
+          </a:lnRef>
+          <a:fillRef idx="0">
+            <a:schemeClr val="accent1"/>
+          </a:fillRef>
+          <a:effectRef idx="0">
+            <a:schemeClr val="accent1"/>
+          </a:effectRef>
+          <a:fontRef idx="minor">
+            <a:schemeClr val="tx1"/>
+          </a:fontRef>
+        </p:style>
+      </p:cxnSp>
+      <p:sp>
+        <p:nvSpPr>
+          <p:cNvPr id="13" name="Rectangle: Rounded Corners 12">
+            <a:extLst>
+              <a:ext uri="{FF2B5EF4-FFF2-40B4-BE49-F238E27FC236}">
+                <a16:creationId xmlns:a16="http://schemas.microsoft.com/office/drawing/2014/main" id="{6997539C-8027-4893-95F5-9DF7B09E4BFC}"/>
+              </a:ext>
+            </a:extLst>
+          </p:cNvPr>
+          <p:cNvSpPr/>
+          <p:nvPr/>
+        </p:nvSpPr>
+        <p:spPr>
+          <a:xfrm>
+            <a:off x="2432115" y="1311903"/>
+            <a:ext cx="2413262" cy="4592814"/>
+          </a:xfrm>
+          <a:prstGeom prst="roundRect">
+            <a:avLst/>
+          </a:prstGeom>
+          <a:noFill/>
+        </p:spPr>
+        <p:style>
+          <a:lnRef idx="2">
+            <a:schemeClr val="accent1">
+              <a:shade val="50000"/>
+            </a:schemeClr>
+          </a:lnRef>
+          <a:fillRef idx="1">
+            <a:schemeClr val="accent1"/>
+          </a:fillRef>
+          <a:effectRef idx="0">
+            <a:schemeClr val="accent1"/>
+          </a:effectRef>
+          <a:fontRef idx="minor">
+            <a:schemeClr val="lt1"/>
+          </a:fontRef>
+        </p:style>
+        <p:txBody>
+          <a:bodyPr rtlCol="0" anchor="ctr"/>
+          <a:lstStyle/>
+          <a:p>
+            <a:pPr algn="ctr"/>
+            <a:endParaRPr lang="en-US"/>
+          </a:p>
+        </p:txBody>
+      </p:sp>
+      <p:sp>
+        <p:nvSpPr>
+          <p:cNvPr id="52" name="TextBox 51">
+            <a:extLst>
+              <a:ext uri="{FF2B5EF4-FFF2-40B4-BE49-F238E27FC236}">
+                <a16:creationId xmlns:a16="http://schemas.microsoft.com/office/drawing/2014/main" id="{03FB6E96-C66B-46C6-8510-DC176F4FF55F}"/>
+              </a:ext>
+            </a:extLst>
+          </p:cNvPr>
+          <p:cNvSpPr txBox="1"/>
+          <p:nvPr/>
+        </p:nvSpPr>
+        <p:spPr>
+          <a:xfrm>
+            <a:off x="2432115" y="5955808"/>
+            <a:ext cx="1860061" cy="369332"/>
+          </a:xfrm>
+          <a:prstGeom prst="rect">
+            <a:avLst/>
+          </a:prstGeom>
+          <a:noFill/>
+        </p:spPr>
+        <p:txBody>
+          <a:bodyPr wrap="none" rtlCol="0">
+            <a:spAutoFit/>
+          </a:bodyPr>
+          <a:lstStyle/>
+          <a:p>
+            <a:r>
+              <a:rPr lang="en-US" dirty="0"/>
+              <a:t>Strategy Variables</a:t>
+            </a:r>
+          </a:p>
+        </p:txBody>
+      </p:sp>
+      <p:sp>
+        <p:nvSpPr>
+          <p:cNvPr id="17" name="TextBox 16">
+            <a:extLst>
+              <a:ext uri="{FF2B5EF4-FFF2-40B4-BE49-F238E27FC236}">
+                <a16:creationId xmlns:a16="http://schemas.microsoft.com/office/drawing/2014/main" id="{1AA94AFE-D52F-4D25-8E11-BD8230126D13}"/>
+              </a:ext>
+            </a:extLst>
+          </p:cNvPr>
+          <p:cNvSpPr txBox="1"/>
+          <p:nvPr/>
+        </p:nvSpPr>
+        <p:spPr>
+          <a:xfrm>
+            <a:off x="12462" y="2576942"/>
+            <a:ext cx="1604735" cy="369332"/>
+          </a:xfrm>
+          <a:prstGeom prst="rect">
+            <a:avLst/>
+          </a:prstGeom>
+          <a:noFill/>
+        </p:spPr>
+        <p:txBody>
+          <a:bodyPr wrap="none" rtlCol="0">
+            <a:spAutoFit/>
+          </a:bodyPr>
+          <a:lstStyle/>
+          <a:p>
+            <a:r>
+              <a:rPr lang="en-US" dirty="0"/>
+              <a:t>Branch: master</a:t>
+            </a:r>
+          </a:p>
+        </p:txBody>
+      </p:sp>
+    </p:spTree>
+    <p:extLst>
+      <p:ext uri="{BB962C8B-B14F-4D97-AF65-F5344CB8AC3E}">
+        <p14:creationId xmlns:p14="http://schemas.microsoft.com/office/powerpoint/2010/main" val="3454981071"/>
+      </p:ext>
+    </p:extLst>
+  </p:cSld>
+  <p:clrMapOvr>
+    <a:masterClrMapping/>
+  </p:clrMapOvr>
+</p:sld>
+</file>
+
 <file path=ppt/theme/theme1.xml><?xml version="1.0" encoding="utf-8"?>
 <a:theme xmlns:a="http://schemas.openxmlformats.org/drawingml/2006/main" name="Office Theme">
   <a:themeElements>

--- a/architecture/KabaneroEvent.pptx
+++ b/architecture/KabaneroEvent.pptx
@@ -14,6 +14,7 @@
     <p:sldId id="264" r:id="rId8"/>
     <p:sldId id="265" r:id="rId9"/>
     <p:sldId id="266" r:id="rId10"/>
+    <p:sldId id="267" r:id="rId11"/>
   </p:sldIdLst>
   <p:sldSz cx="12192000" cy="6858000"/>
   <p:notesSz cx="6858000" cy="9144000"/>
@@ -4800,6 +4801,974 @@
     <p:extLst>
       <p:ext uri="{BB962C8B-B14F-4D97-AF65-F5344CB8AC3E}">
         <p14:creationId xmlns:p14="http://schemas.microsoft.com/office/powerpoint/2010/main" val="1485065643"/>
+      </p:ext>
+    </p:extLst>
+  </p:cSld>
+  <p:clrMapOvr>
+    <a:masterClrMapping/>
+  </p:clrMapOvr>
+</p:sld>
+</file>
+
+<file path=ppt/slides/slide10.xml><?xml version="1.0" encoding="utf-8"?>
+<p:sld xmlns:a="http://schemas.openxmlformats.org/drawingml/2006/main" xmlns:r="http://schemas.openxmlformats.org/officeDocument/2006/relationships" xmlns:p="http://schemas.openxmlformats.org/presentationml/2006/main">
+  <p:cSld>
+    <p:spTree>
+      <p:nvGrpSpPr>
+        <p:cNvPr id="1" name=""/>
+        <p:cNvGrpSpPr/>
+        <p:nvPr/>
+      </p:nvGrpSpPr>
+      <p:grpSpPr>
+        <a:xfrm>
+          <a:off x="0" y="0"/>
+          <a:ext cx="0" cy="0"/>
+          <a:chOff x="0" y="0"/>
+          <a:chExt cx="0" cy="0"/>
+        </a:xfrm>
+      </p:grpSpPr>
+      <p:sp>
+        <p:nvSpPr>
+          <p:cNvPr id="3" name="Rectangle: Rounded Corners 2">
+            <a:extLst>
+              <a:ext uri="{FF2B5EF4-FFF2-40B4-BE49-F238E27FC236}">
+                <a16:creationId xmlns:a16="http://schemas.microsoft.com/office/drawing/2014/main" id="{C0D5A236-A065-4709-893C-F90C190C5A91}"/>
+              </a:ext>
+            </a:extLst>
+          </p:cNvPr>
+          <p:cNvSpPr/>
+          <p:nvPr/>
+        </p:nvSpPr>
+        <p:spPr>
+          <a:xfrm>
+            <a:off x="7019043" y="381010"/>
+            <a:ext cx="2413262" cy="725863"/>
+          </a:xfrm>
+          <a:prstGeom prst="roundRect">
+            <a:avLst/>
+          </a:prstGeom>
+          <a:noFill/>
+        </p:spPr>
+        <p:style>
+          <a:lnRef idx="2">
+            <a:schemeClr val="accent1">
+              <a:shade val="50000"/>
+            </a:schemeClr>
+          </a:lnRef>
+          <a:fillRef idx="1">
+            <a:schemeClr val="accent1"/>
+          </a:fillRef>
+          <a:effectRef idx="0">
+            <a:schemeClr val="accent1"/>
+          </a:effectRef>
+          <a:fontRef idx="minor">
+            <a:schemeClr val="lt1"/>
+          </a:fontRef>
+        </p:style>
+        <p:txBody>
+          <a:bodyPr rtlCol="0" anchor="ctr"/>
+          <a:lstStyle/>
+          <a:p>
+            <a:pPr algn="ctr"/>
+            <a:r>
+              <a:rPr lang="en-US" dirty="0">
+                <a:solidFill>
+                  <a:schemeClr val="tx1"/>
+                </a:solidFill>
+              </a:rPr>
+              <a:t>Build</a:t>
+            </a:r>
+          </a:p>
+        </p:txBody>
+      </p:sp>
+      <p:sp>
+        <p:nvSpPr>
+          <p:cNvPr id="35" name="Wave 34">
+            <a:extLst>
+              <a:ext uri="{FF2B5EF4-FFF2-40B4-BE49-F238E27FC236}">
+                <a16:creationId xmlns:a16="http://schemas.microsoft.com/office/drawing/2014/main" id="{B05BD276-8C8E-4488-AF8C-D004CC7D7F40}"/>
+              </a:ext>
+            </a:extLst>
+          </p:cNvPr>
+          <p:cNvSpPr/>
+          <p:nvPr/>
+        </p:nvSpPr>
+        <p:spPr>
+          <a:xfrm>
+            <a:off x="4223210" y="481768"/>
+            <a:ext cx="1670115" cy="568752"/>
+          </a:xfrm>
+          <a:prstGeom prst="wave">
+            <a:avLst>
+              <a:gd name="adj1" fmla="val 12500"/>
+              <a:gd name="adj2" fmla="val 0"/>
+            </a:avLst>
+          </a:prstGeom>
+          <a:noFill/>
+        </p:spPr>
+        <p:style>
+          <a:lnRef idx="2">
+            <a:schemeClr val="accent1">
+              <a:shade val="50000"/>
+            </a:schemeClr>
+          </a:lnRef>
+          <a:fillRef idx="1">
+            <a:schemeClr val="accent1"/>
+          </a:fillRef>
+          <a:effectRef idx="0">
+            <a:schemeClr val="accent1"/>
+          </a:effectRef>
+          <a:fontRef idx="minor">
+            <a:schemeClr val="lt1"/>
+          </a:fontRef>
+        </p:style>
+        <p:txBody>
+          <a:bodyPr rtlCol="0" anchor="ctr"/>
+          <a:lstStyle/>
+          <a:p>
+            <a:pPr algn="ctr"/>
+            <a:r>
+              <a:rPr lang="en-US" dirty="0" err="1">
+                <a:solidFill>
+                  <a:schemeClr val="tx1"/>
+                </a:solidFill>
+              </a:rPr>
+              <a:t>Start_build</a:t>
+            </a:r>
+            <a:endParaRPr lang="en-US" dirty="0"/>
+          </a:p>
+        </p:txBody>
+      </p:sp>
+      <p:sp>
+        <p:nvSpPr>
+          <p:cNvPr id="36" name="Rectangle: Rounded Corners 35">
+            <a:extLst>
+              <a:ext uri="{FF2B5EF4-FFF2-40B4-BE49-F238E27FC236}">
+                <a16:creationId xmlns:a16="http://schemas.microsoft.com/office/drawing/2014/main" id="{3CB1F720-D3C0-4185-ACA9-3494B1EE7627}"/>
+              </a:ext>
+            </a:extLst>
+          </p:cNvPr>
+          <p:cNvSpPr/>
+          <p:nvPr/>
+        </p:nvSpPr>
+        <p:spPr>
+          <a:xfrm>
+            <a:off x="1809948" y="403212"/>
+            <a:ext cx="2413262" cy="725863"/>
+          </a:xfrm>
+          <a:prstGeom prst="roundRect">
+            <a:avLst/>
+          </a:prstGeom>
+          <a:noFill/>
+        </p:spPr>
+        <p:style>
+          <a:lnRef idx="2">
+            <a:schemeClr val="accent1">
+              <a:shade val="50000"/>
+            </a:schemeClr>
+          </a:lnRef>
+          <a:fillRef idx="1">
+            <a:schemeClr val="accent1"/>
+          </a:fillRef>
+          <a:effectRef idx="0">
+            <a:schemeClr val="accent1"/>
+          </a:effectRef>
+          <a:fontRef idx="minor">
+            <a:schemeClr val="lt1"/>
+          </a:fontRef>
+        </p:style>
+        <p:txBody>
+          <a:bodyPr rtlCol="0" anchor="ctr"/>
+          <a:lstStyle/>
+          <a:p>
+            <a:pPr algn="ctr"/>
+            <a:r>
+              <a:rPr lang="en-US" dirty="0" err="1">
+                <a:solidFill>
+                  <a:schemeClr val="tx1"/>
+                </a:solidFill>
+              </a:rPr>
+              <a:t>Event_Trigger</a:t>
+            </a:r>
+            <a:endParaRPr lang="en-US" dirty="0">
+              <a:solidFill>
+                <a:schemeClr val="tx1"/>
+              </a:solidFill>
+            </a:endParaRPr>
+          </a:p>
+        </p:txBody>
+      </p:sp>
+      <p:cxnSp>
+        <p:nvCxnSpPr>
+          <p:cNvPr id="38" name="Straight Arrow Connector 37">
+            <a:extLst>
+              <a:ext uri="{FF2B5EF4-FFF2-40B4-BE49-F238E27FC236}">
+                <a16:creationId xmlns:a16="http://schemas.microsoft.com/office/drawing/2014/main" id="{4AFAD829-5F59-48BF-B7F2-8D306B8C3FE5}"/>
+              </a:ext>
+            </a:extLst>
+          </p:cNvPr>
+          <p:cNvCxnSpPr>
+            <a:cxnSpLocks/>
+            <a:endCxn id="3" idx="1"/>
+          </p:cNvCxnSpPr>
+          <p:nvPr/>
+        </p:nvCxnSpPr>
+        <p:spPr>
+          <a:xfrm>
+            <a:off x="5893325" y="743942"/>
+            <a:ext cx="1125718" cy="0"/>
+          </a:xfrm>
+          <a:prstGeom prst="straightConnector1">
+            <a:avLst/>
+          </a:prstGeom>
+          <a:ln>
+            <a:tailEnd type="triangle"/>
+          </a:ln>
+        </p:spPr>
+        <p:style>
+          <a:lnRef idx="1">
+            <a:schemeClr val="accent1"/>
+          </a:lnRef>
+          <a:fillRef idx="0">
+            <a:schemeClr val="accent1"/>
+          </a:fillRef>
+          <a:effectRef idx="0">
+            <a:schemeClr val="accent1"/>
+          </a:effectRef>
+          <a:fontRef idx="minor">
+            <a:schemeClr val="tx1"/>
+          </a:fontRef>
+        </p:style>
+      </p:cxnSp>
+      <p:sp>
+        <p:nvSpPr>
+          <p:cNvPr id="41" name="Rectangle 40">
+            <a:extLst>
+              <a:ext uri="{FF2B5EF4-FFF2-40B4-BE49-F238E27FC236}">
+                <a16:creationId xmlns:a16="http://schemas.microsoft.com/office/drawing/2014/main" id="{0A6EAB04-2C2D-479A-97ED-B4A9AFE22937}"/>
+              </a:ext>
+            </a:extLst>
+          </p:cNvPr>
+          <p:cNvSpPr/>
+          <p:nvPr/>
+        </p:nvSpPr>
+        <p:spPr>
+          <a:xfrm>
+            <a:off x="1734533" y="214460"/>
+            <a:ext cx="10232734" cy="6161772"/>
+          </a:xfrm>
+          <a:prstGeom prst="rect">
+            <a:avLst/>
+          </a:prstGeom>
+          <a:noFill/>
+        </p:spPr>
+        <p:style>
+          <a:lnRef idx="2">
+            <a:schemeClr val="accent1">
+              <a:shade val="50000"/>
+            </a:schemeClr>
+          </a:lnRef>
+          <a:fillRef idx="1">
+            <a:schemeClr val="accent1"/>
+          </a:fillRef>
+          <a:effectRef idx="0">
+            <a:schemeClr val="accent1"/>
+          </a:effectRef>
+          <a:fontRef idx="minor">
+            <a:schemeClr val="lt1"/>
+          </a:fontRef>
+        </p:style>
+        <p:txBody>
+          <a:bodyPr rtlCol="0" anchor="ctr"/>
+          <a:lstStyle/>
+          <a:p>
+            <a:pPr algn="ctr"/>
+            <a:endParaRPr lang="en-US"/>
+          </a:p>
+        </p:txBody>
+      </p:sp>
+      <p:sp>
+        <p:nvSpPr>
+          <p:cNvPr id="42" name="TextBox 41">
+            <a:extLst>
+              <a:ext uri="{FF2B5EF4-FFF2-40B4-BE49-F238E27FC236}">
+                <a16:creationId xmlns:a16="http://schemas.microsoft.com/office/drawing/2014/main" id="{6D62EA51-842B-4013-AC5B-E9E91BE2EC7A}"/>
+              </a:ext>
+            </a:extLst>
+          </p:cNvPr>
+          <p:cNvSpPr txBox="1"/>
+          <p:nvPr/>
+        </p:nvSpPr>
+        <p:spPr>
+          <a:xfrm>
+            <a:off x="1743960" y="6443126"/>
+            <a:ext cx="2091598" cy="369332"/>
+          </a:xfrm>
+          <a:prstGeom prst="rect">
+            <a:avLst/>
+          </a:prstGeom>
+          <a:noFill/>
+        </p:spPr>
+        <p:txBody>
+          <a:bodyPr wrap="none" rtlCol="0">
+            <a:spAutoFit/>
+          </a:bodyPr>
+          <a:lstStyle/>
+          <a:p>
+            <a:r>
+              <a:rPr lang="en-US" dirty="0"/>
+              <a:t>Strategy: </a:t>
+            </a:r>
+            <a:r>
+              <a:rPr lang="en-US" dirty="0" err="1"/>
+              <a:t>one_stage</a:t>
+            </a:r>
+            <a:endParaRPr lang="en-US" dirty="0"/>
+          </a:p>
+        </p:txBody>
+      </p:sp>
+      <p:sp>
+        <p:nvSpPr>
+          <p:cNvPr id="43" name="Wave 42">
+            <a:extLst>
+              <a:ext uri="{FF2B5EF4-FFF2-40B4-BE49-F238E27FC236}">
+                <a16:creationId xmlns:a16="http://schemas.microsoft.com/office/drawing/2014/main" id="{A92B2207-2F33-4DEB-91A3-676D07B36312}"/>
+              </a:ext>
+            </a:extLst>
+          </p:cNvPr>
+          <p:cNvSpPr/>
+          <p:nvPr/>
+        </p:nvSpPr>
+        <p:spPr>
+          <a:xfrm>
+            <a:off x="191286" y="538121"/>
+            <a:ext cx="1247088" cy="568752"/>
+          </a:xfrm>
+          <a:prstGeom prst="wave">
+            <a:avLst>
+              <a:gd name="adj1" fmla="val 12500"/>
+              <a:gd name="adj2" fmla="val 0"/>
+            </a:avLst>
+          </a:prstGeom>
+          <a:noFill/>
+        </p:spPr>
+        <p:style>
+          <a:lnRef idx="2">
+            <a:schemeClr val="accent1">
+              <a:shade val="50000"/>
+            </a:schemeClr>
+          </a:lnRef>
+          <a:fillRef idx="1">
+            <a:schemeClr val="accent1"/>
+          </a:fillRef>
+          <a:effectRef idx="0">
+            <a:schemeClr val="accent1"/>
+          </a:effectRef>
+          <a:fontRef idx="minor">
+            <a:schemeClr val="lt1"/>
+          </a:fontRef>
+        </p:style>
+        <p:txBody>
+          <a:bodyPr rtlCol="0" anchor="ctr"/>
+          <a:lstStyle/>
+          <a:p>
+            <a:pPr algn="ctr"/>
+            <a:r>
+              <a:rPr lang="en-US" dirty="0">
+                <a:solidFill>
+                  <a:schemeClr val="tx1"/>
+                </a:solidFill>
+              </a:rPr>
+              <a:t>Push(1234)</a:t>
+            </a:r>
+            <a:endParaRPr lang="en-US" dirty="0"/>
+          </a:p>
+        </p:txBody>
+      </p:sp>
+      <p:sp>
+        <p:nvSpPr>
+          <p:cNvPr id="44" name="Wave 43">
+            <a:extLst>
+              <a:ext uri="{FF2B5EF4-FFF2-40B4-BE49-F238E27FC236}">
+                <a16:creationId xmlns:a16="http://schemas.microsoft.com/office/drawing/2014/main" id="{AA3D3385-B6E8-4BB6-BCB8-648AC4CB3536}"/>
+              </a:ext>
+            </a:extLst>
+          </p:cNvPr>
+          <p:cNvSpPr/>
+          <p:nvPr/>
+        </p:nvSpPr>
+        <p:spPr>
+          <a:xfrm>
+            <a:off x="203853" y="1311903"/>
+            <a:ext cx="1247088" cy="568752"/>
+          </a:xfrm>
+          <a:prstGeom prst="wave">
+            <a:avLst>
+              <a:gd name="adj1" fmla="val 12500"/>
+              <a:gd name="adj2" fmla="val 0"/>
+            </a:avLst>
+          </a:prstGeom>
+          <a:noFill/>
+        </p:spPr>
+        <p:style>
+          <a:lnRef idx="2">
+            <a:schemeClr val="accent1">
+              <a:shade val="50000"/>
+            </a:schemeClr>
+          </a:lnRef>
+          <a:fillRef idx="1">
+            <a:schemeClr val="accent1"/>
+          </a:fillRef>
+          <a:effectRef idx="0">
+            <a:schemeClr val="accent1"/>
+          </a:effectRef>
+          <a:fontRef idx="minor">
+            <a:schemeClr val="lt1"/>
+          </a:fontRef>
+        </p:style>
+        <p:txBody>
+          <a:bodyPr rtlCol="0" anchor="ctr"/>
+          <a:lstStyle/>
+          <a:p>
+            <a:pPr algn="ctr"/>
+            <a:r>
+              <a:rPr lang="en-US" dirty="0">
+                <a:solidFill>
+                  <a:schemeClr val="tx1"/>
+                </a:solidFill>
+              </a:rPr>
+              <a:t>Push(5678)</a:t>
+            </a:r>
+            <a:endParaRPr lang="en-US" dirty="0"/>
+          </a:p>
+        </p:txBody>
+      </p:sp>
+      <p:sp>
+        <p:nvSpPr>
+          <p:cNvPr id="45" name="TextBox 44">
+            <a:extLst>
+              <a:ext uri="{FF2B5EF4-FFF2-40B4-BE49-F238E27FC236}">
+                <a16:creationId xmlns:a16="http://schemas.microsoft.com/office/drawing/2014/main" id="{D8BEC251-8797-4838-A63D-5D84F87785B8}"/>
+              </a:ext>
+            </a:extLst>
+          </p:cNvPr>
+          <p:cNvSpPr txBox="1"/>
+          <p:nvPr/>
+        </p:nvSpPr>
+        <p:spPr>
+          <a:xfrm>
+            <a:off x="616172" y="2085685"/>
+            <a:ext cx="343364" cy="369332"/>
+          </a:xfrm>
+          <a:prstGeom prst="rect">
+            <a:avLst/>
+          </a:prstGeom>
+          <a:noFill/>
+        </p:spPr>
+        <p:txBody>
+          <a:bodyPr wrap="none" rtlCol="0">
+            <a:spAutoFit/>
+          </a:bodyPr>
+          <a:lstStyle/>
+          <a:p>
+            <a:r>
+              <a:rPr lang="en-US" dirty="0"/>
+              <a:t>…</a:t>
+            </a:r>
+          </a:p>
+        </p:txBody>
+      </p:sp>
+      <p:cxnSp>
+        <p:nvCxnSpPr>
+          <p:cNvPr id="47" name="Straight Arrow Connector 46">
+            <a:extLst>
+              <a:ext uri="{FF2B5EF4-FFF2-40B4-BE49-F238E27FC236}">
+                <a16:creationId xmlns:a16="http://schemas.microsoft.com/office/drawing/2014/main" id="{CF53277F-C50F-4A71-96E2-FDBBEF33E409}"/>
+              </a:ext>
+            </a:extLst>
+          </p:cNvPr>
+          <p:cNvCxnSpPr>
+            <a:stCxn id="43" idx="3"/>
+            <a:endCxn id="36" idx="1"/>
+          </p:cNvCxnSpPr>
+          <p:nvPr/>
+        </p:nvCxnSpPr>
+        <p:spPr>
+          <a:xfrm flipV="1">
+            <a:off x="1438374" y="766144"/>
+            <a:ext cx="371574" cy="56353"/>
+          </a:xfrm>
+          <a:prstGeom prst="straightConnector1">
+            <a:avLst/>
+          </a:prstGeom>
+          <a:ln>
+            <a:tailEnd type="triangle"/>
+          </a:ln>
+        </p:spPr>
+        <p:style>
+          <a:lnRef idx="1">
+            <a:schemeClr val="accent1"/>
+          </a:lnRef>
+          <a:fillRef idx="0">
+            <a:schemeClr val="accent1"/>
+          </a:fillRef>
+          <a:effectRef idx="0">
+            <a:schemeClr val="accent1"/>
+          </a:effectRef>
+          <a:fontRef idx="minor">
+            <a:schemeClr val="tx1"/>
+          </a:fontRef>
+        </p:style>
+      </p:cxnSp>
+      <p:cxnSp>
+        <p:nvCxnSpPr>
+          <p:cNvPr id="49" name="Straight Arrow Connector 48">
+            <a:extLst>
+              <a:ext uri="{FF2B5EF4-FFF2-40B4-BE49-F238E27FC236}">
+                <a16:creationId xmlns:a16="http://schemas.microsoft.com/office/drawing/2014/main" id="{AFDF949F-8ED0-4858-858D-B0EDB9A0F777}"/>
+              </a:ext>
+            </a:extLst>
+          </p:cNvPr>
+          <p:cNvCxnSpPr>
+            <a:stCxn id="44" idx="3"/>
+            <a:endCxn id="36" idx="1"/>
+          </p:cNvCxnSpPr>
+          <p:nvPr/>
+        </p:nvCxnSpPr>
+        <p:spPr>
+          <a:xfrm flipV="1">
+            <a:off x="1450941" y="766144"/>
+            <a:ext cx="359007" cy="830135"/>
+          </a:xfrm>
+          <a:prstGeom prst="straightConnector1">
+            <a:avLst/>
+          </a:prstGeom>
+          <a:ln>
+            <a:tailEnd type="triangle"/>
+          </a:ln>
+        </p:spPr>
+        <p:style>
+          <a:lnRef idx="1">
+            <a:schemeClr val="accent1"/>
+          </a:lnRef>
+          <a:fillRef idx="0">
+            <a:schemeClr val="accent1"/>
+          </a:fillRef>
+          <a:effectRef idx="0">
+            <a:schemeClr val="accent1"/>
+          </a:effectRef>
+          <a:fontRef idx="minor">
+            <a:schemeClr val="tx1"/>
+          </a:fontRef>
+        </p:style>
+      </p:cxnSp>
+      <p:sp>
+        <p:nvSpPr>
+          <p:cNvPr id="39" name="Flowchart: Magnetic Disk 38">
+            <a:extLst>
+              <a:ext uri="{FF2B5EF4-FFF2-40B4-BE49-F238E27FC236}">
+                <a16:creationId xmlns:a16="http://schemas.microsoft.com/office/drawing/2014/main" id="{7674CECD-D9DE-4493-B58C-24FC835CEC08}"/>
+              </a:ext>
+            </a:extLst>
+          </p:cNvPr>
+          <p:cNvSpPr/>
+          <p:nvPr/>
+        </p:nvSpPr>
+        <p:spPr>
+          <a:xfrm>
+            <a:off x="2968995" y="1354361"/>
+            <a:ext cx="1509947" cy="725863"/>
+          </a:xfrm>
+          <a:prstGeom prst="flowChartMagneticDisk">
+            <a:avLst/>
+          </a:prstGeom>
+          <a:noFill/>
+        </p:spPr>
+        <p:style>
+          <a:lnRef idx="2">
+            <a:schemeClr val="accent1">
+              <a:shade val="50000"/>
+            </a:schemeClr>
+          </a:lnRef>
+          <a:fillRef idx="1">
+            <a:schemeClr val="accent1"/>
+          </a:fillRef>
+          <a:effectRef idx="0">
+            <a:schemeClr val="accent1"/>
+          </a:effectRef>
+          <a:fontRef idx="minor">
+            <a:schemeClr val="lt1"/>
+          </a:fontRef>
+        </p:style>
+        <p:txBody>
+          <a:bodyPr rtlCol="0" anchor="ctr"/>
+          <a:lstStyle/>
+          <a:p>
+            <a:pPr algn="ctr"/>
+            <a:r>
+              <a:rPr lang="en-US" sz="1400" dirty="0">
+                <a:solidFill>
+                  <a:schemeClr val="tx1"/>
+                </a:solidFill>
+              </a:rPr>
+              <a:t>name: source</a:t>
+            </a:r>
+          </a:p>
+          <a:p>
+            <a:pPr algn="ctr"/>
+            <a:r>
+              <a:rPr lang="en-US" sz="1400" dirty="0">
+                <a:solidFill>
+                  <a:schemeClr val="tx1"/>
+                </a:solidFill>
+              </a:rPr>
+              <a:t> type: </a:t>
+            </a:r>
+            <a:r>
+              <a:rPr lang="en-US" sz="1400" dirty="0" err="1">
+                <a:solidFill>
+                  <a:schemeClr val="tx1"/>
+                </a:solidFill>
+              </a:rPr>
+              <a:t>github</a:t>
+            </a:r>
+            <a:endParaRPr lang="en-US" sz="1400" dirty="0">
+              <a:solidFill>
+                <a:schemeClr val="tx1"/>
+              </a:solidFill>
+            </a:endParaRPr>
+          </a:p>
+        </p:txBody>
+      </p:sp>
+      <p:sp>
+        <p:nvSpPr>
+          <p:cNvPr id="40" name="Flowchart: Magnetic Disk 39">
+            <a:extLst>
+              <a:ext uri="{FF2B5EF4-FFF2-40B4-BE49-F238E27FC236}">
+                <a16:creationId xmlns:a16="http://schemas.microsoft.com/office/drawing/2014/main" id="{660478DB-7A2E-4911-935F-9AC23C34DA43}"/>
+              </a:ext>
+            </a:extLst>
+          </p:cNvPr>
+          <p:cNvSpPr/>
+          <p:nvPr/>
+        </p:nvSpPr>
+        <p:spPr>
+          <a:xfrm>
+            <a:off x="2969026" y="2773393"/>
+            <a:ext cx="1509947" cy="725863"/>
+          </a:xfrm>
+          <a:prstGeom prst="flowChartMagneticDisk">
+            <a:avLst/>
+          </a:prstGeom>
+          <a:noFill/>
+        </p:spPr>
+        <p:style>
+          <a:lnRef idx="2">
+            <a:schemeClr val="accent1">
+              <a:shade val="50000"/>
+            </a:schemeClr>
+          </a:lnRef>
+          <a:fillRef idx="1">
+            <a:schemeClr val="accent1"/>
+          </a:fillRef>
+          <a:effectRef idx="0">
+            <a:schemeClr val="accent1"/>
+          </a:effectRef>
+          <a:fontRef idx="minor">
+            <a:schemeClr val="lt1"/>
+          </a:fontRef>
+        </p:style>
+        <p:txBody>
+          <a:bodyPr rtlCol="0" anchor="ctr"/>
+          <a:lstStyle/>
+          <a:p>
+            <a:pPr algn="ctr"/>
+            <a:r>
+              <a:rPr lang="en-US" sz="1400" dirty="0">
+                <a:solidFill>
+                  <a:schemeClr val="tx1"/>
+                </a:solidFill>
+              </a:rPr>
+              <a:t>name: app</a:t>
+            </a:r>
+          </a:p>
+          <a:p>
+            <a:pPr algn="ctr"/>
+            <a:r>
+              <a:rPr lang="en-US" sz="1400" dirty="0">
+                <a:solidFill>
+                  <a:schemeClr val="tx1"/>
+                </a:solidFill>
+              </a:rPr>
+              <a:t>type: docker</a:t>
+            </a:r>
+          </a:p>
+        </p:txBody>
+      </p:sp>
+      <p:cxnSp>
+        <p:nvCxnSpPr>
+          <p:cNvPr id="15" name="Straight Arrow Connector 14">
+            <a:extLst>
+              <a:ext uri="{FF2B5EF4-FFF2-40B4-BE49-F238E27FC236}">
+                <a16:creationId xmlns:a16="http://schemas.microsoft.com/office/drawing/2014/main" id="{F8DAF612-9DDC-409A-AF16-7485A76160C5}"/>
+              </a:ext>
+            </a:extLst>
+          </p:cNvPr>
+          <p:cNvCxnSpPr>
+            <a:stCxn id="39" idx="4"/>
+          </p:cNvCxnSpPr>
+          <p:nvPr/>
+        </p:nvCxnSpPr>
+        <p:spPr>
+          <a:xfrm flipV="1">
+            <a:off x="4478942" y="1050520"/>
+            <a:ext cx="2540101" cy="666773"/>
+          </a:xfrm>
+          <a:prstGeom prst="straightConnector1">
+            <a:avLst/>
+          </a:prstGeom>
+          <a:ln>
+            <a:prstDash val="dashDot"/>
+            <a:tailEnd type="triangle"/>
+          </a:ln>
+        </p:spPr>
+        <p:style>
+          <a:lnRef idx="1">
+            <a:schemeClr val="accent1"/>
+          </a:lnRef>
+          <a:fillRef idx="0">
+            <a:schemeClr val="accent1"/>
+          </a:fillRef>
+          <a:effectRef idx="0">
+            <a:schemeClr val="accent1"/>
+          </a:effectRef>
+          <a:fontRef idx="minor">
+            <a:schemeClr val="tx1"/>
+          </a:fontRef>
+        </p:style>
+      </p:cxnSp>
+      <p:cxnSp>
+        <p:nvCxnSpPr>
+          <p:cNvPr id="46" name="Straight Arrow Connector 45">
+            <a:extLst>
+              <a:ext uri="{FF2B5EF4-FFF2-40B4-BE49-F238E27FC236}">
+                <a16:creationId xmlns:a16="http://schemas.microsoft.com/office/drawing/2014/main" id="{A892660F-0F19-41D7-BEC0-33C9B0FD5A28}"/>
+              </a:ext>
+            </a:extLst>
+          </p:cNvPr>
+          <p:cNvCxnSpPr>
+            <a:cxnSpLocks/>
+            <a:endCxn id="40" idx="1"/>
+          </p:cNvCxnSpPr>
+          <p:nvPr/>
+        </p:nvCxnSpPr>
+        <p:spPr>
+          <a:xfrm flipH="1">
+            <a:off x="3724000" y="1146838"/>
+            <a:ext cx="3417412" cy="1626555"/>
+          </a:xfrm>
+          <a:prstGeom prst="straightConnector1">
+            <a:avLst/>
+          </a:prstGeom>
+          <a:ln>
+            <a:prstDash val="dashDot"/>
+            <a:tailEnd type="triangle"/>
+          </a:ln>
+        </p:spPr>
+        <p:style>
+          <a:lnRef idx="1">
+            <a:schemeClr val="accent1"/>
+          </a:lnRef>
+          <a:fillRef idx="0">
+            <a:schemeClr val="accent1"/>
+          </a:fillRef>
+          <a:effectRef idx="0">
+            <a:schemeClr val="accent1"/>
+          </a:effectRef>
+          <a:fontRef idx="minor">
+            <a:schemeClr val="tx1"/>
+          </a:fontRef>
+        </p:style>
+      </p:cxnSp>
+      <p:sp>
+        <p:nvSpPr>
+          <p:cNvPr id="13" name="Rectangle: Rounded Corners 12">
+            <a:extLst>
+              <a:ext uri="{FF2B5EF4-FFF2-40B4-BE49-F238E27FC236}">
+                <a16:creationId xmlns:a16="http://schemas.microsoft.com/office/drawing/2014/main" id="{6997539C-8027-4893-95F5-9DF7B09E4BFC}"/>
+              </a:ext>
+            </a:extLst>
+          </p:cNvPr>
+          <p:cNvSpPr/>
+          <p:nvPr/>
+        </p:nvSpPr>
+        <p:spPr>
+          <a:xfrm>
+            <a:off x="2458701" y="1254509"/>
+            <a:ext cx="2413262" cy="2450225"/>
+          </a:xfrm>
+          <a:prstGeom prst="roundRect">
+            <a:avLst/>
+          </a:prstGeom>
+          <a:noFill/>
+        </p:spPr>
+        <p:style>
+          <a:lnRef idx="2">
+            <a:schemeClr val="accent1">
+              <a:shade val="50000"/>
+            </a:schemeClr>
+          </a:lnRef>
+          <a:fillRef idx="1">
+            <a:schemeClr val="accent1"/>
+          </a:fillRef>
+          <a:effectRef idx="0">
+            <a:schemeClr val="accent1"/>
+          </a:effectRef>
+          <a:fontRef idx="minor">
+            <a:schemeClr val="lt1"/>
+          </a:fontRef>
+        </p:style>
+        <p:txBody>
+          <a:bodyPr rtlCol="0" anchor="ctr"/>
+          <a:lstStyle/>
+          <a:p>
+            <a:pPr algn="ctr"/>
+            <a:endParaRPr lang="en-US"/>
+          </a:p>
+        </p:txBody>
+      </p:sp>
+      <p:sp>
+        <p:nvSpPr>
+          <p:cNvPr id="52" name="TextBox 51">
+            <a:extLst>
+              <a:ext uri="{FF2B5EF4-FFF2-40B4-BE49-F238E27FC236}">
+                <a16:creationId xmlns:a16="http://schemas.microsoft.com/office/drawing/2014/main" id="{03FB6E96-C66B-46C6-8510-DC176F4FF55F}"/>
+              </a:ext>
+            </a:extLst>
+          </p:cNvPr>
+          <p:cNvSpPr txBox="1"/>
+          <p:nvPr/>
+        </p:nvSpPr>
+        <p:spPr>
+          <a:xfrm>
+            <a:off x="2735301" y="3866652"/>
+            <a:ext cx="1860061" cy="369332"/>
+          </a:xfrm>
+          <a:prstGeom prst="rect">
+            <a:avLst/>
+          </a:prstGeom>
+          <a:noFill/>
+        </p:spPr>
+        <p:txBody>
+          <a:bodyPr wrap="none" rtlCol="0">
+            <a:spAutoFit/>
+          </a:bodyPr>
+          <a:lstStyle/>
+          <a:p>
+            <a:r>
+              <a:rPr lang="en-US" dirty="0"/>
+              <a:t>Strategy Variables</a:t>
+            </a:r>
+          </a:p>
+        </p:txBody>
+      </p:sp>
+      <p:sp>
+        <p:nvSpPr>
+          <p:cNvPr id="17" name="TextBox 16">
+            <a:extLst>
+              <a:ext uri="{FF2B5EF4-FFF2-40B4-BE49-F238E27FC236}">
+                <a16:creationId xmlns:a16="http://schemas.microsoft.com/office/drawing/2014/main" id="{1AA94AFE-D52F-4D25-8E11-BD8230126D13}"/>
+              </a:ext>
+            </a:extLst>
+          </p:cNvPr>
+          <p:cNvSpPr txBox="1"/>
+          <p:nvPr/>
+        </p:nvSpPr>
+        <p:spPr>
+          <a:xfrm>
+            <a:off x="12462" y="2576942"/>
+            <a:ext cx="1604735" cy="369332"/>
+          </a:xfrm>
+          <a:prstGeom prst="rect">
+            <a:avLst/>
+          </a:prstGeom>
+          <a:noFill/>
+        </p:spPr>
+        <p:txBody>
+          <a:bodyPr wrap="none" rtlCol="0">
+            <a:spAutoFit/>
+          </a:bodyPr>
+          <a:lstStyle/>
+          <a:p>
+            <a:r>
+              <a:rPr lang="en-US" dirty="0"/>
+              <a:t>Branch: master</a:t>
+            </a:r>
+          </a:p>
+        </p:txBody>
+      </p:sp>
+      <p:sp>
+        <p:nvSpPr>
+          <p:cNvPr id="54" name="Wave 53">
+            <a:extLst>
+              <a:ext uri="{FF2B5EF4-FFF2-40B4-BE49-F238E27FC236}">
+                <a16:creationId xmlns:a16="http://schemas.microsoft.com/office/drawing/2014/main" id="{CC9E656A-4E5E-434B-B7A2-5F039EFCE63B}"/>
+              </a:ext>
+            </a:extLst>
+          </p:cNvPr>
+          <p:cNvSpPr/>
+          <p:nvPr/>
+        </p:nvSpPr>
+        <p:spPr>
+          <a:xfrm>
+            <a:off x="7390616" y="1106873"/>
+            <a:ext cx="1670115" cy="568752"/>
+          </a:xfrm>
+          <a:prstGeom prst="wave">
+            <a:avLst>
+              <a:gd name="adj1" fmla="val 12500"/>
+              <a:gd name="adj2" fmla="val 0"/>
+            </a:avLst>
+          </a:prstGeom>
+          <a:noFill/>
+        </p:spPr>
+        <p:style>
+          <a:lnRef idx="2">
+            <a:schemeClr val="accent1">
+              <a:shade val="50000"/>
+            </a:schemeClr>
+          </a:lnRef>
+          <a:fillRef idx="1">
+            <a:schemeClr val="accent1"/>
+          </a:fillRef>
+          <a:effectRef idx="0">
+            <a:schemeClr val="accent1"/>
+          </a:effectRef>
+          <a:fontRef idx="minor">
+            <a:schemeClr val="lt1"/>
+          </a:fontRef>
+        </p:style>
+        <p:txBody>
+          <a:bodyPr rtlCol="0" anchor="ctr"/>
+          <a:lstStyle/>
+          <a:p>
+            <a:pPr algn="ctr"/>
+            <a:r>
+              <a:rPr lang="en-US" dirty="0">
+                <a:solidFill>
+                  <a:schemeClr val="tx1"/>
+                </a:solidFill>
+              </a:rPr>
+              <a:t>Build(success)</a:t>
+            </a:r>
+            <a:endParaRPr lang="en-US" dirty="0"/>
+          </a:p>
+        </p:txBody>
+      </p:sp>
+    </p:spTree>
+    <p:extLst>
+      <p:ext uri="{BB962C8B-B14F-4D97-AF65-F5344CB8AC3E}">
+        <p14:creationId xmlns:p14="http://schemas.microsoft.com/office/powerpoint/2010/main" val="2451980588"/>
       </p:ext>
     </p:extLst>
   </p:cSld>

--- a/architecture/KabaneroEvent.pptx
+++ b/architecture/KabaneroEvent.pptx
@@ -15,6 +15,9 @@
     <p:sldId id="265" r:id="rId9"/>
     <p:sldId id="266" r:id="rId10"/>
     <p:sldId id="267" r:id="rId11"/>
+    <p:sldId id="268" r:id="rId12"/>
+    <p:sldId id="269" r:id="rId13"/>
+    <p:sldId id="270" r:id="rId14"/>
   </p:sldIdLst>
   <p:sldSz cx="12192000" cy="6858000"/>
   <p:notesSz cx="6858000" cy="9144000"/>
@@ -268,7 +271,7 @@
           <a:p>
             <a:fld id="{13593C2D-3CA5-4D4F-90AB-38346B6393DE}" type="datetimeFigureOut">
               <a:rPr lang="en-US" smtClean="0"/>
-              <a:t>9/4/2019</a:t>
+              <a:t>9/6/2019</a:t>
             </a:fld>
             <a:endParaRPr lang="en-US"/>
           </a:p>
@@ -466,7 +469,7 @@
           <a:p>
             <a:fld id="{13593C2D-3CA5-4D4F-90AB-38346B6393DE}" type="datetimeFigureOut">
               <a:rPr lang="en-US" smtClean="0"/>
-              <a:t>9/4/2019</a:t>
+              <a:t>9/6/2019</a:t>
             </a:fld>
             <a:endParaRPr lang="en-US"/>
           </a:p>
@@ -674,7 +677,7 @@
           <a:p>
             <a:fld id="{13593C2D-3CA5-4D4F-90AB-38346B6393DE}" type="datetimeFigureOut">
               <a:rPr lang="en-US" smtClean="0"/>
-              <a:t>9/4/2019</a:t>
+              <a:t>9/6/2019</a:t>
             </a:fld>
             <a:endParaRPr lang="en-US"/>
           </a:p>
@@ -872,7 +875,7 @@
           <a:p>
             <a:fld id="{13593C2D-3CA5-4D4F-90AB-38346B6393DE}" type="datetimeFigureOut">
               <a:rPr lang="en-US" smtClean="0"/>
-              <a:t>9/4/2019</a:t>
+              <a:t>9/6/2019</a:t>
             </a:fld>
             <a:endParaRPr lang="en-US"/>
           </a:p>
@@ -1147,7 +1150,7 @@
           <a:p>
             <a:fld id="{13593C2D-3CA5-4D4F-90AB-38346B6393DE}" type="datetimeFigureOut">
               <a:rPr lang="en-US" smtClean="0"/>
-              <a:t>9/4/2019</a:t>
+              <a:t>9/6/2019</a:t>
             </a:fld>
             <a:endParaRPr lang="en-US"/>
           </a:p>
@@ -1412,7 +1415,7 @@
           <a:p>
             <a:fld id="{13593C2D-3CA5-4D4F-90AB-38346B6393DE}" type="datetimeFigureOut">
               <a:rPr lang="en-US" smtClean="0"/>
-              <a:t>9/4/2019</a:t>
+              <a:t>9/6/2019</a:t>
             </a:fld>
             <a:endParaRPr lang="en-US"/>
           </a:p>
@@ -1824,7 +1827,7 @@
           <a:p>
             <a:fld id="{13593C2D-3CA5-4D4F-90AB-38346B6393DE}" type="datetimeFigureOut">
               <a:rPr lang="en-US" smtClean="0"/>
-              <a:t>9/4/2019</a:t>
+              <a:t>9/6/2019</a:t>
             </a:fld>
             <a:endParaRPr lang="en-US"/>
           </a:p>
@@ -1965,7 +1968,7 @@
           <a:p>
             <a:fld id="{13593C2D-3CA5-4D4F-90AB-38346B6393DE}" type="datetimeFigureOut">
               <a:rPr lang="en-US" smtClean="0"/>
-              <a:t>9/4/2019</a:t>
+              <a:t>9/6/2019</a:t>
             </a:fld>
             <a:endParaRPr lang="en-US"/>
           </a:p>
@@ -2078,7 +2081,7 @@
           <a:p>
             <a:fld id="{13593C2D-3CA5-4D4F-90AB-38346B6393DE}" type="datetimeFigureOut">
               <a:rPr lang="en-US" smtClean="0"/>
-              <a:t>9/4/2019</a:t>
+              <a:t>9/6/2019</a:t>
             </a:fld>
             <a:endParaRPr lang="en-US"/>
           </a:p>
@@ -2389,7 +2392,7 @@
           <a:p>
             <a:fld id="{13593C2D-3CA5-4D4F-90AB-38346B6393DE}" type="datetimeFigureOut">
               <a:rPr lang="en-US" smtClean="0"/>
-              <a:t>9/4/2019</a:t>
+              <a:t>9/6/2019</a:t>
             </a:fld>
             <a:endParaRPr lang="en-US"/>
           </a:p>
@@ -2677,7 +2680,7 @@
           <a:p>
             <a:fld id="{13593C2D-3CA5-4D4F-90AB-38346B6393DE}" type="datetimeFigureOut">
               <a:rPr lang="en-US" smtClean="0"/>
-              <a:t>9/4/2019</a:t>
+              <a:t>9/6/2019</a:t>
             </a:fld>
             <a:endParaRPr lang="en-US"/>
           </a:p>
@@ -2918,7 +2921,7 @@
           <a:p>
             <a:fld id="{13593C2D-3CA5-4D4F-90AB-38346B6393DE}" type="datetimeFigureOut">
               <a:rPr lang="en-US" smtClean="0"/>
-              <a:t>9/4/2019</a:t>
+              <a:t>9/6/2019</a:t>
             </a:fld>
             <a:endParaRPr lang="en-US"/>
           </a:p>
@@ -5769,6 +5772,5417 @@
     <p:extLst>
       <p:ext uri="{BB962C8B-B14F-4D97-AF65-F5344CB8AC3E}">
         <p14:creationId xmlns:p14="http://schemas.microsoft.com/office/powerpoint/2010/main" val="2451980588"/>
+      </p:ext>
+    </p:extLst>
+  </p:cSld>
+  <p:clrMapOvr>
+    <a:masterClrMapping/>
+  </p:clrMapOvr>
+</p:sld>
+</file>
+
+<file path=ppt/slides/slide11.xml><?xml version="1.0" encoding="utf-8"?>
+<p:sld xmlns:a="http://schemas.openxmlformats.org/drawingml/2006/main" xmlns:r="http://schemas.openxmlformats.org/officeDocument/2006/relationships" xmlns:p="http://schemas.openxmlformats.org/presentationml/2006/main">
+  <p:cSld>
+    <p:spTree>
+      <p:nvGrpSpPr>
+        <p:cNvPr id="1" name=""/>
+        <p:cNvGrpSpPr/>
+        <p:nvPr/>
+      </p:nvGrpSpPr>
+      <p:grpSpPr>
+        <a:xfrm>
+          <a:off x="0" y="0"/>
+          <a:ext cx="0" cy="0"/>
+          <a:chOff x="0" y="0"/>
+          <a:chExt cx="0" cy="0"/>
+        </a:xfrm>
+      </p:grpSpPr>
+      <p:sp>
+        <p:nvSpPr>
+          <p:cNvPr id="3" name="Rectangle: Rounded Corners 2">
+            <a:extLst>
+              <a:ext uri="{FF2B5EF4-FFF2-40B4-BE49-F238E27FC236}">
+                <a16:creationId xmlns:a16="http://schemas.microsoft.com/office/drawing/2014/main" id="{C0D5A236-A065-4709-893C-F90C190C5A91}"/>
+              </a:ext>
+            </a:extLst>
+          </p:cNvPr>
+          <p:cNvSpPr/>
+          <p:nvPr/>
+        </p:nvSpPr>
+        <p:spPr>
+          <a:xfrm>
+            <a:off x="7000190" y="1606495"/>
+            <a:ext cx="2413262" cy="725863"/>
+          </a:xfrm>
+          <a:prstGeom prst="roundRect">
+            <a:avLst/>
+          </a:prstGeom>
+          <a:noFill/>
+        </p:spPr>
+        <p:style>
+          <a:lnRef idx="2">
+            <a:schemeClr val="accent1">
+              <a:shade val="50000"/>
+            </a:schemeClr>
+          </a:lnRef>
+          <a:fillRef idx="1">
+            <a:schemeClr val="accent1"/>
+          </a:fillRef>
+          <a:effectRef idx="0">
+            <a:schemeClr val="accent1"/>
+          </a:effectRef>
+          <a:fontRef idx="minor">
+            <a:schemeClr val="lt1"/>
+          </a:fontRef>
+        </p:style>
+        <p:txBody>
+          <a:bodyPr rtlCol="0" anchor="ctr"/>
+          <a:lstStyle/>
+          <a:p>
+            <a:pPr algn="ctr"/>
+            <a:r>
+              <a:rPr lang="en-US" dirty="0">
+                <a:solidFill>
+                  <a:schemeClr val="tx1"/>
+                </a:solidFill>
+              </a:rPr>
+              <a:t>Build</a:t>
+            </a:r>
+          </a:p>
+        </p:txBody>
+      </p:sp>
+      <p:sp>
+        <p:nvSpPr>
+          <p:cNvPr id="35" name="Wave 34">
+            <a:extLst>
+              <a:ext uri="{FF2B5EF4-FFF2-40B4-BE49-F238E27FC236}">
+                <a16:creationId xmlns:a16="http://schemas.microsoft.com/office/drawing/2014/main" id="{B05BD276-8C8E-4488-AF8C-D004CC7D7F40}"/>
+              </a:ext>
+            </a:extLst>
+          </p:cNvPr>
+          <p:cNvSpPr/>
+          <p:nvPr/>
+        </p:nvSpPr>
+        <p:spPr>
+          <a:xfrm>
+            <a:off x="4204357" y="1707253"/>
+            <a:ext cx="1670115" cy="568752"/>
+          </a:xfrm>
+          <a:prstGeom prst="wave">
+            <a:avLst>
+              <a:gd name="adj1" fmla="val 12500"/>
+              <a:gd name="adj2" fmla="val 0"/>
+            </a:avLst>
+          </a:prstGeom>
+          <a:noFill/>
+        </p:spPr>
+        <p:style>
+          <a:lnRef idx="2">
+            <a:schemeClr val="accent1">
+              <a:shade val="50000"/>
+            </a:schemeClr>
+          </a:lnRef>
+          <a:fillRef idx="1">
+            <a:schemeClr val="accent1"/>
+          </a:fillRef>
+          <a:effectRef idx="0">
+            <a:schemeClr val="accent1"/>
+          </a:effectRef>
+          <a:fontRef idx="minor">
+            <a:schemeClr val="lt1"/>
+          </a:fontRef>
+        </p:style>
+        <p:txBody>
+          <a:bodyPr rtlCol="0" anchor="ctr"/>
+          <a:lstStyle/>
+          <a:p>
+            <a:pPr algn="ctr"/>
+            <a:r>
+              <a:rPr lang="en-US" dirty="0" err="1">
+                <a:solidFill>
+                  <a:schemeClr val="tx1"/>
+                </a:solidFill>
+              </a:rPr>
+              <a:t>Start_build</a:t>
+            </a:r>
+            <a:endParaRPr lang="en-US" dirty="0"/>
+          </a:p>
+        </p:txBody>
+      </p:sp>
+      <p:sp>
+        <p:nvSpPr>
+          <p:cNvPr id="36" name="Rectangle: Rounded Corners 35">
+            <a:extLst>
+              <a:ext uri="{FF2B5EF4-FFF2-40B4-BE49-F238E27FC236}">
+                <a16:creationId xmlns:a16="http://schemas.microsoft.com/office/drawing/2014/main" id="{3CB1F720-D3C0-4185-ACA9-3494B1EE7627}"/>
+              </a:ext>
+            </a:extLst>
+          </p:cNvPr>
+          <p:cNvSpPr/>
+          <p:nvPr/>
+        </p:nvSpPr>
+        <p:spPr>
+          <a:xfrm>
+            <a:off x="1791095" y="1628697"/>
+            <a:ext cx="2413262" cy="725863"/>
+          </a:xfrm>
+          <a:prstGeom prst="roundRect">
+            <a:avLst/>
+          </a:prstGeom>
+          <a:noFill/>
+        </p:spPr>
+        <p:style>
+          <a:lnRef idx="2">
+            <a:schemeClr val="accent1">
+              <a:shade val="50000"/>
+            </a:schemeClr>
+          </a:lnRef>
+          <a:fillRef idx="1">
+            <a:schemeClr val="accent1"/>
+          </a:fillRef>
+          <a:effectRef idx="0">
+            <a:schemeClr val="accent1"/>
+          </a:effectRef>
+          <a:fontRef idx="minor">
+            <a:schemeClr val="lt1"/>
+          </a:fontRef>
+        </p:style>
+        <p:txBody>
+          <a:bodyPr rtlCol="0" anchor="ctr"/>
+          <a:lstStyle/>
+          <a:p>
+            <a:pPr algn="ctr"/>
+            <a:r>
+              <a:rPr lang="en-US" dirty="0" err="1">
+                <a:solidFill>
+                  <a:schemeClr val="tx1"/>
+                </a:solidFill>
+              </a:rPr>
+              <a:t>Event_Trigger</a:t>
+            </a:r>
+            <a:endParaRPr lang="en-US" dirty="0">
+              <a:solidFill>
+                <a:schemeClr val="tx1"/>
+              </a:solidFill>
+            </a:endParaRPr>
+          </a:p>
+        </p:txBody>
+      </p:sp>
+      <p:cxnSp>
+        <p:nvCxnSpPr>
+          <p:cNvPr id="38" name="Straight Arrow Connector 37">
+            <a:extLst>
+              <a:ext uri="{FF2B5EF4-FFF2-40B4-BE49-F238E27FC236}">
+                <a16:creationId xmlns:a16="http://schemas.microsoft.com/office/drawing/2014/main" id="{4AFAD829-5F59-48BF-B7F2-8D306B8C3FE5}"/>
+              </a:ext>
+            </a:extLst>
+          </p:cNvPr>
+          <p:cNvCxnSpPr>
+            <a:cxnSpLocks/>
+            <a:endCxn id="3" idx="1"/>
+          </p:cNvCxnSpPr>
+          <p:nvPr/>
+        </p:nvCxnSpPr>
+        <p:spPr>
+          <a:xfrm>
+            <a:off x="5874472" y="1969427"/>
+            <a:ext cx="1125718" cy="0"/>
+          </a:xfrm>
+          <a:prstGeom prst="straightConnector1">
+            <a:avLst/>
+          </a:prstGeom>
+          <a:ln>
+            <a:tailEnd type="triangle"/>
+          </a:ln>
+        </p:spPr>
+        <p:style>
+          <a:lnRef idx="1">
+            <a:schemeClr val="accent1"/>
+          </a:lnRef>
+          <a:fillRef idx="0">
+            <a:schemeClr val="accent1"/>
+          </a:fillRef>
+          <a:effectRef idx="0">
+            <a:schemeClr val="accent1"/>
+          </a:effectRef>
+          <a:fontRef idx="minor">
+            <a:schemeClr val="tx1"/>
+          </a:fontRef>
+        </p:style>
+      </p:cxnSp>
+      <p:sp>
+        <p:nvSpPr>
+          <p:cNvPr id="41" name="Rectangle 40">
+            <a:extLst>
+              <a:ext uri="{FF2B5EF4-FFF2-40B4-BE49-F238E27FC236}">
+                <a16:creationId xmlns:a16="http://schemas.microsoft.com/office/drawing/2014/main" id="{0A6EAB04-2C2D-479A-97ED-B4A9AFE22937}"/>
+              </a:ext>
+            </a:extLst>
+          </p:cNvPr>
+          <p:cNvSpPr/>
+          <p:nvPr/>
+        </p:nvSpPr>
+        <p:spPr>
+          <a:xfrm>
+            <a:off x="1605308" y="1330758"/>
+            <a:ext cx="8000606" cy="1716789"/>
+          </a:xfrm>
+          <a:prstGeom prst="rect">
+            <a:avLst/>
+          </a:prstGeom>
+          <a:noFill/>
+        </p:spPr>
+        <p:style>
+          <a:lnRef idx="2">
+            <a:schemeClr val="accent1">
+              <a:shade val="50000"/>
+            </a:schemeClr>
+          </a:lnRef>
+          <a:fillRef idx="1">
+            <a:schemeClr val="accent1"/>
+          </a:fillRef>
+          <a:effectRef idx="0">
+            <a:schemeClr val="accent1"/>
+          </a:effectRef>
+          <a:fontRef idx="minor">
+            <a:schemeClr val="lt1"/>
+          </a:fontRef>
+        </p:style>
+        <p:txBody>
+          <a:bodyPr rtlCol="0" anchor="ctr"/>
+          <a:lstStyle/>
+          <a:p>
+            <a:pPr algn="ctr"/>
+            <a:endParaRPr lang="en-US"/>
+          </a:p>
+        </p:txBody>
+      </p:sp>
+      <p:sp>
+        <p:nvSpPr>
+          <p:cNvPr id="42" name="TextBox 41">
+            <a:extLst>
+              <a:ext uri="{FF2B5EF4-FFF2-40B4-BE49-F238E27FC236}">
+                <a16:creationId xmlns:a16="http://schemas.microsoft.com/office/drawing/2014/main" id="{6D62EA51-842B-4013-AC5B-E9E91BE2EC7A}"/>
+              </a:ext>
+            </a:extLst>
+          </p:cNvPr>
+          <p:cNvSpPr txBox="1"/>
+          <p:nvPr/>
+        </p:nvSpPr>
+        <p:spPr>
+          <a:xfrm>
+            <a:off x="1791095" y="2652499"/>
+            <a:ext cx="1541063" cy="369332"/>
+          </a:xfrm>
+          <a:prstGeom prst="rect">
+            <a:avLst/>
+          </a:prstGeom>
+          <a:noFill/>
+        </p:spPr>
+        <p:txBody>
+          <a:bodyPr wrap="none" rtlCol="0">
+            <a:spAutoFit/>
+          </a:bodyPr>
+          <a:lstStyle/>
+          <a:p>
+            <a:r>
+              <a:rPr lang="en-US" dirty="0"/>
+              <a:t>Strategy: build</a:t>
+            </a:r>
+          </a:p>
+        </p:txBody>
+      </p:sp>
+      <p:sp>
+        <p:nvSpPr>
+          <p:cNvPr id="43" name="Wave 42">
+            <a:extLst>
+              <a:ext uri="{FF2B5EF4-FFF2-40B4-BE49-F238E27FC236}">
+                <a16:creationId xmlns:a16="http://schemas.microsoft.com/office/drawing/2014/main" id="{A92B2207-2F33-4DEB-91A3-676D07B36312}"/>
+              </a:ext>
+            </a:extLst>
+          </p:cNvPr>
+          <p:cNvSpPr/>
+          <p:nvPr/>
+        </p:nvSpPr>
+        <p:spPr>
+          <a:xfrm>
+            <a:off x="172433" y="1763606"/>
+            <a:ext cx="1247088" cy="568752"/>
+          </a:xfrm>
+          <a:prstGeom prst="wave">
+            <a:avLst>
+              <a:gd name="adj1" fmla="val 12500"/>
+              <a:gd name="adj2" fmla="val 0"/>
+            </a:avLst>
+          </a:prstGeom>
+          <a:noFill/>
+        </p:spPr>
+        <p:style>
+          <a:lnRef idx="2">
+            <a:schemeClr val="accent1">
+              <a:shade val="50000"/>
+            </a:schemeClr>
+          </a:lnRef>
+          <a:fillRef idx="1">
+            <a:schemeClr val="accent1"/>
+          </a:fillRef>
+          <a:effectRef idx="0">
+            <a:schemeClr val="accent1"/>
+          </a:effectRef>
+          <a:fontRef idx="minor">
+            <a:schemeClr val="lt1"/>
+          </a:fontRef>
+        </p:style>
+        <p:txBody>
+          <a:bodyPr rtlCol="0" anchor="ctr"/>
+          <a:lstStyle/>
+          <a:p>
+            <a:pPr algn="ctr"/>
+            <a:r>
+              <a:rPr lang="en-US" dirty="0">
+                <a:solidFill>
+                  <a:schemeClr val="tx1"/>
+                </a:solidFill>
+              </a:rPr>
+              <a:t>Push(1234)</a:t>
+            </a:r>
+            <a:endParaRPr lang="en-US" dirty="0"/>
+          </a:p>
+        </p:txBody>
+      </p:sp>
+      <p:cxnSp>
+        <p:nvCxnSpPr>
+          <p:cNvPr id="47" name="Straight Arrow Connector 46">
+            <a:extLst>
+              <a:ext uri="{FF2B5EF4-FFF2-40B4-BE49-F238E27FC236}">
+                <a16:creationId xmlns:a16="http://schemas.microsoft.com/office/drawing/2014/main" id="{CF53277F-C50F-4A71-96E2-FDBBEF33E409}"/>
+              </a:ext>
+            </a:extLst>
+          </p:cNvPr>
+          <p:cNvCxnSpPr>
+            <a:cxnSpLocks/>
+            <a:stCxn id="43" idx="3"/>
+            <a:endCxn id="36" idx="1"/>
+          </p:cNvCxnSpPr>
+          <p:nvPr/>
+        </p:nvCxnSpPr>
+        <p:spPr>
+          <a:xfrm flipV="1">
+            <a:off x="1419521" y="1991629"/>
+            <a:ext cx="371574" cy="56353"/>
+          </a:xfrm>
+          <a:prstGeom prst="straightConnector1">
+            <a:avLst/>
+          </a:prstGeom>
+          <a:ln>
+            <a:tailEnd type="triangle"/>
+          </a:ln>
+        </p:spPr>
+        <p:style>
+          <a:lnRef idx="1">
+            <a:schemeClr val="accent1"/>
+          </a:lnRef>
+          <a:fillRef idx="0">
+            <a:schemeClr val="accent1"/>
+          </a:fillRef>
+          <a:effectRef idx="0">
+            <a:schemeClr val="accent1"/>
+          </a:effectRef>
+          <a:fontRef idx="minor">
+            <a:schemeClr val="tx1"/>
+          </a:fontRef>
+        </p:style>
+      </p:cxnSp>
+      <p:sp>
+        <p:nvSpPr>
+          <p:cNvPr id="39" name="Flowchart: Magnetic Disk 38">
+            <a:extLst>
+              <a:ext uri="{FF2B5EF4-FFF2-40B4-BE49-F238E27FC236}">
+                <a16:creationId xmlns:a16="http://schemas.microsoft.com/office/drawing/2014/main" id="{7674CECD-D9DE-4493-B58C-24FC835CEC08}"/>
+              </a:ext>
+            </a:extLst>
+          </p:cNvPr>
+          <p:cNvSpPr/>
+          <p:nvPr/>
+        </p:nvSpPr>
+        <p:spPr>
+          <a:xfrm>
+            <a:off x="10248857" y="1492343"/>
+            <a:ext cx="1509947" cy="725863"/>
+          </a:xfrm>
+          <a:prstGeom prst="flowChartMagneticDisk">
+            <a:avLst/>
+          </a:prstGeom>
+          <a:noFill/>
+        </p:spPr>
+        <p:style>
+          <a:lnRef idx="2">
+            <a:schemeClr val="accent1">
+              <a:shade val="50000"/>
+            </a:schemeClr>
+          </a:lnRef>
+          <a:fillRef idx="1">
+            <a:schemeClr val="accent1"/>
+          </a:fillRef>
+          <a:effectRef idx="0">
+            <a:schemeClr val="accent1"/>
+          </a:effectRef>
+          <a:fontRef idx="minor">
+            <a:schemeClr val="lt1"/>
+          </a:fontRef>
+        </p:style>
+        <p:txBody>
+          <a:bodyPr rtlCol="0" anchor="ctr"/>
+          <a:lstStyle/>
+          <a:p>
+            <a:pPr algn="ctr"/>
+            <a:r>
+              <a:rPr lang="en-US" sz="1400" dirty="0">
+                <a:solidFill>
+                  <a:schemeClr val="tx1"/>
+                </a:solidFill>
+              </a:rPr>
+              <a:t>name: source</a:t>
+            </a:r>
+          </a:p>
+          <a:p>
+            <a:pPr algn="ctr"/>
+            <a:r>
+              <a:rPr lang="en-US" sz="1400" dirty="0">
+                <a:solidFill>
+                  <a:schemeClr val="tx1"/>
+                </a:solidFill>
+              </a:rPr>
+              <a:t> type: </a:t>
+            </a:r>
+            <a:r>
+              <a:rPr lang="en-US" sz="1400" dirty="0" err="1">
+                <a:solidFill>
+                  <a:schemeClr val="tx1"/>
+                </a:solidFill>
+              </a:rPr>
+              <a:t>github</a:t>
+            </a:r>
+            <a:endParaRPr lang="en-US" sz="1400" dirty="0">
+              <a:solidFill>
+                <a:schemeClr val="tx1"/>
+              </a:solidFill>
+            </a:endParaRPr>
+          </a:p>
+        </p:txBody>
+      </p:sp>
+      <p:sp>
+        <p:nvSpPr>
+          <p:cNvPr id="40" name="Flowchart: Magnetic Disk 39">
+            <a:extLst>
+              <a:ext uri="{FF2B5EF4-FFF2-40B4-BE49-F238E27FC236}">
+                <a16:creationId xmlns:a16="http://schemas.microsoft.com/office/drawing/2014/main" id="{660478DB-7A2E-4911-935F-9AC23C34DA43}"/>
+              </a:ext>
+            </a:extLst>
+          </p:cNvPr>
+          <p:cNvSpPr/>
+          <p:nvPr/>
+        </p:nvSpPr>
+        <p:spPr>
+          <a:xfrm>
+            <a:off x="10248857" y="2354560"/>
+            <a:ext cx="1509947" cy="725863"/>
+          </a:xfrm>
+          <a:prstGeom prst="flowChartMagneticDisk">
+            <a:avLst/>
+          </a:prstGeom>
+          <a:noFill/>
+        </p:spPr>
+        <p:style>
+          <a:lnRef idx="2">
+            <a:schemeClr val="accent1">
+              <a:shade val="50000"/>
+            </a:schemeClr>
+          </a:lnRef>
+          <a:fillRef idx="1">
+            <a:schemeClr val="accent1"/>
+          </a:fillRef>
+          <a:effectRef idx="0">
+            <a:schemeClr val="accent1"/>
+          </a:effectRef>
+          <a:fontRef idx="minor">
+            <a:schemeClr val="lt1"/>
+          </a:fontRef>
+        </p:style>
+        <p:txBody>
+          <a:bodyPr rtlCol="0" anchor="ctr"/>
+          <a:lstStyle/>
+          <a:p>
+            <a:pPr algn="ctr"/>
+            <a:r>
+              <a:rPr lang="en-US" sz="1400" dirty="0">
+                <a:solidFill>
+                  <a:schemeClr val="tx1"/>
+                </a:solidFill>
+              </a:rPr>
+              <a:t>name: app</a:t>
+            </a:r>
+          </a:p>
+          <a:p>
+            <a:pPr algn="ctr"/>
+            <a:r>
+              <a:rPr lang="en-US" sz="1400" dirty="0">
+                <a:solidFill>
+                  <a:schemeClr val="tx1"/>
+                </a:solidFill>
+              </a:rPr>
+              <a:t>type: docker</a:t>
+            </a:r>
+          </a:p>
+        </p:txBody>
+      </p:sp>
+      <p:cxnSp>
+        <p:nvCxnSpPr>
+          <p:cNvPr id="15" name="Straight Arrow Connector 14">
+            <a:extLst>
+              <a:ext uri="{FF2B5EF4-FFF2-40B4-BE49-F238E27FC236}">
+                <a16:creationId xmlns:a16="http://schemas.microsoft.com/office/drawing/2014/main" id="{F8DAF612-9DDC-409A-AF16-7485A76160C5}"/>
+              </a:ext>
+            </a:extLst>
+          </p:cNvPr>
+          <p:cNvCxnSpPr>
+            <a:cxnSpLocks/>
+            <a:stCxn id="39" idx="2"/>
+          </p:cNvCxnSpPr>
+          <p:nvPr/>
+        </p:nvCxnSpPr>
+        <p:spPr>
+          <a:xfrm flipH="1">
+            <a:off x="9392061" y="1855275"/>
+            <a:ext cx="856796" cy="109871"/>
+          </a:xfrm>
+          <a:prstGeom prst="straightConnector1">
+            <a:avLst/>
+          </a:prstGeom>
+          <a:ln>
+            <a:prstDash val="dashDot"/>
+            <a:tailEnd type="triangle"/>
+          </a:ln>
+        </p:spPr>
+        <p:style>
+          <a:lnRef idx="1">
+            <a:schemeClr val="accent1"/>
+          </a:lnRef>
+          <a:fillRef idx="0">
+            <a:schemeClr val="accent1"/>
+          </a:fillRef>
+          <a:effectRef idx="0">
+            <a:schemeClr val="accent1"/>
+          </a:effectRef>
+          <a:fontRef idx="minor">
+            <a:schemeClr val="tx1"/>
+          </a:fontRef>
+        </p:style>
+      </p:cxnSp>
+      <p:cxnSp>
+        <p:nvCxnSpPr>
+          <p:cNvPr id="46" name="Straight Arrow Connector 45">
+            <a:extLst>
+              <a:ext uri="{FF2B5EF4-FFF2-40B4-BE49-F238E27FC236}">
+                <a16:creationId xmlns:a16="http://schemas.microsoft.com/office/drawing/2014/main" id="{A892660F-0F19-41D7-BEC0-33C9B0FD5A28}"/>
+              </a:ext>
+            </a:extLst>
+          </p:cNvPr>
+          <p:cNvCxnSpPr>
+            <a:cxnSpLocks/>
+            <a:stCxn id="3" idx="3"/>
+            <a:endCxn id="40" idx="2"/>
+          </p:cNvCxnSpPr>
+          <p:nvPr/>
+        </p:nvCxnSpPr>
+        <p:spPr>
+          <a:xfrm>
+            <a:off x="9413452" y="1969427"/>
+            <a:ext cx="835405" cy="748065"/>
+          </a:xfrm>
+          <a:prstGeom prst="straightConnector1">
+            <a:avLst/>
+          </a:prstGeom>
+          <a:ln>
+            <a:prstDash val="dashDot"/>
+            <a:tailEnd type="triangle"/>
+          </a:ln>
+        </p:spPr>
+        <p:style>
+          <a:lnRef idx="1">
+            <a:schemeClr val="accent1"/>
+          </a:lnRef>
+          <a:fillRef idx="0">
+            <a:schemeClr val="accent1"/>
+          </a:fillRef>
+          <a:effectRef idx="0">
+            <a:schemeClr val="accent1"/>
+          </a:effectRef>
+          <a:fontRef idx="minor">
+            <a:schemeClr val="tx1"/>
+          </a:fontRef>
+        </p:style>
+      </p:cxnSp>
+      <p:sp>
+        <p:nvSpPr>
+          <p:cNvPr id="54" name="Wave 53">
+            <a:extLst>
+              <a:ext uri="{FF2B5EF4-FFF2-40B4-BE49-F238E27FC236}">
+                <a16:creationId xmlns:a16="http://schemas.microsoft.com/office/drawing/2014/main" id="{CC9E656A-4E5E-434B-B7A2-5F039EFCE63B}"/>
+              </a:ext>
+            </a:extLst>
+          </p:cNvPr>
+          <p:cNvSpPr/>
+          <p:nvPr/>
+        </p:nvSpPr>
+        <p:spPr>
+          <a:xfrm>
+            <a:off x="7371763" y="2332358"/>
+            <a:ext cx="1670115" cy="568752"/>
+          </a:xfrm>
+          <a:prstGeom prst="wave">
+            <a:avLst>
+              <a:gd name="adj1" fmla="val 12500"/>
+              <a:gd name="adj2" fmla="val 0"/>
+            </a:avLst>
+          </a:prstGeom>
+          <a:noFill/>
+        </p:spPr>
+        <p:style>
+          <a:lnRef idx="2">
+            <a:schemeClr val="accent1">
+              <a:shade val="50000"/>
+            </a:schemeClr>
+          </a:lnRef>
+          <a:fillRef idx="1">
+            <a:schemeClr val="accent1"/>
+          </a:fillRef>
+          <a:effectRef idx="0">
+            <a:schemeClr val="accent1"/>
+          </a:effectRef>
+          <a:fontRef idx="minor">
+            <a:schemeClr val="lt1"/>
+          </a:fontRef>
+        </p:style>
+        <p:txBody>
+          <a:bodyPr rtlCol="0" anchor="ctr"/>
+          <a:lstStyle/>
+          <a:p>
+            <a:pPr algn="ctr"/>
+            <a:r>
+              <a:rPr lang="en-US" dirty="0">
+                <a:solidFill>
+                  <a:schemeClr val="tx1"/>
+                </a:solidFill>
+              </a:rPr>
+              <a:t>Build(success)</a:t>
+            </a:r>
+            <a:endParaRPr lang="en-US" dirty="0"/>
+          </a:p>
+        </p:txBody>
+      </p:sp>
+      <p:sp>
+        <p:nvSpPr>
+          <p:cNvPr id="63" name="Rectangle: Rounded Corners 62">
+            <a:extLst>
+              <a:ext uri="{FF2B5EF4-FFF2-40B4-BE49-F238E27FC236}">
+                <a16:creationId xmlns:a16="http://schemas.microsoft.com/office/drawing/2014/main" id="{59C492D2-0F80-46C2-B49B-7F22B422AAFE}"/>
+              </a:ext>
+            </a:extLst>
+          </p:cNvPr>
+          <p:cNvSpPr/>
+          <p:nvPr/>
+        </p:nvSpPr>
+        <p:spPr>
+          <a:xfrm>
+            <a:off x="6997652" y="3470754"/>
+            <a:ext cx="2413262" cy="725863"/>
+          </a:xfrm>
+          <a:prstGeom prst="roundRect">
+            <a:avLst/>
+          </a:prstGeom>
+          <a:noFill/>
+        </p:spPr>
+        <p:style>
+          <a:lnRef idx="2">
+            <a:schemeClr val="accent1">
+              <a:shade val="50000"/>
+            </a:schemeClr>
+          </a:lnRef>
+          <a:fillRef idx="1">
+            <a:schemeClr val="accent1"/>
+          </a:fillRef>
+          <a:effectRef idx="0">
+            <a:schemeClr val="accent1"/>
+          </a:effectRef>
+          <a:fontRef idx="minor">
+            <a:schemeClr val="lt1"/>
+          </a:fontRef>
+        </p:style>
+        <p:txBody>
+          <a:bodyPr rtlCol="0" anchor="ctr"/>
+          <a:lstStyle/>
+          <a:p>
+            <a:pPr algn="ctr"/>
+            <a:r>
+              <a:rPr lang="en-US" dirty="0">
+                <a:solidFill>
+                  <a:schemeClr val="tx1"/>
+                </a:solidFill>
+              </a:rPr>
+              <a:t>Jenkins</a:t>
+            </a:r>
+          </a:p>
+        </p:txBody>
+      </p:sp>
+      <p:sp>
+        <p:nvSpPr>
+          <p:cNvPr id="64" name="Wave 63">
+            <a:extLst>
+              <a:ext uri="{FF2B5EF4-FFF2-40B4-BE49-F238E27FC236}">
+                <a16:creationId xmlns:a16="http://schemas.microsoft.com/office/drawing/2014/main" id="{CB126E51-6C49-4DB9-A907-DCCCB68B2FDA}"/>
+              </a:ext>
+            </a:extLst>
+          </p:cNvPr>
+          <p:cNvSpPr/>
+          <p:nvPr/>
+        </p:nvSpPr>
+        <p:spPr>
+          <a:xfrm>
+            <a:off x="4201819" y="3571512"/>
+            <a:ext cx="1670115" cy="568752"/>
+          </a:xfrm>
+          <a:prstGeom prst="wave">
+            <a:avLst>
+              <a:gd name="adj1" fmla="val 12500"/>
+              <a:gd name="adj2" fmla="val 0"/>
+            </a:avLst>
+          </a:prstGeom>
+          <a:noFill/>
+        </p:spPr>
+        <p:style>
+          <a:lnRef idx="2">
+            <a:schemeClr val="accent1">
+              <a:shade val="50000"/>
+            </a:schemeClr>
+          </a:lnRef>
+          <a:fillRef idx="1">
+            <a:schemeClr val="accent1"/>
+          </a:fillRef>
+          <a:effectRef idx="0">
+            <a:schemeClr val="accent1"/>
+          </a:effectRef>
+          <a:fontRef idx="minor">
+            <a:schemeClr val="lt1"/>
+          </a:fontRef>
+        </p:style>
+        <p:txBody>
+          <a:bodyPr rtlCol="0" anchor="ctr"/>
+          <a:lstStyle/>
+          <a:p>
+            <a:pPr algn="ctr"/>
+            <a:r>
+              <a:rPr lang="en-US" dirty="0" err="1">
+                <a:solidFill>
+                  <a:schemeClr val="tx1"/>
+                </a:solidFill>
+              </a:rPr>
+              <a:t>Start_Jenkins</a:t>
+            </a:r>
+            <a:endParaRPr lang="en-US" dirty="0"/>
+          </a:p>
+        </p:txBody>
+      </p:sp>
+      <p:sp>
+        <p:nvSpPr>
+          <p:cNvPr id="65" name="Rectangle: Rounded Corners 64">
+            <a:extLst>
+              <a:ext uri="{FF2B5EF4-FFF2-40B4-BE49-F238E27FC236}">
+                <a16:creationId xmlns:a16="http://schemas.microsoft.com/office/drawing/2014/main" id="{3B30886C-5BA4-4BBB-8C08-7FE3B942ADDD}"/>
+              </a:ext>
+            </a:extLst>
+          </p:cNvPr>
+          <p:cNvSpPr/>
+          <p:nvPr/>
+        </p:nvSpPr>
+        <p:spPr>
+          <a:xfrm>
+            <a:off x="1788557" y="3492956"/>
+            <a:ext cx="2413262" cy="725863"/>
+          </a:xfrm>
+          <a:prstGeom prst="roundRect">
+            <a:avLst/>
+          </a:prstGeom>
+          <a:noFill/>
+        </p:spPr>
+        <p:style>
+          <a:lnRef idx="2">
+            <a:schemeClr val="accent1">
+              <a:shade val="50000"/>
+            </a:schemeClr>
+          </a:lnRef>
+          <a:fillRef idx="1">
+            <a:schemeClr val="accent1"/>
+          </a:fillRef>
+          <a:effectRef idx="0">
+            <a:schemeClr val="accent1"/>
+          </a:effectRef>
+          <a:fontRef idx="minor">
+            <a:schemeClr val="lt1"/>
+          </a:fontRef>
+        </p:style>
+        <p:txBody>
+          <a:bodyPr rtlCol="0" anchor="ctr"/>
+          <a:lstStyle/>
+          <a:p>
+            <a:pPr algn="ctr"/>
+            <a:r>
+              <a:rPr lang="en-US" dirty="0" err="1">
+                <a:solidFill>
+                  <a:schemeClr val="tx1"/>
+                </a:solidFill>
+              </a:rPr>
+              <a:t>Event_Trigger</a:t>
+            </a:r>
+            <a:endParaRPr lang="en-US" dirty="0">
+              <a:solidFill>
+                <a:schemeClr val="tx1"/>
+              </a:solidFill>
+            </a:endParaRPr>
+          </a:p>
+        </p:txBody>
+      </p:sp>
+      <p:cxnSp>
+        <p:nvCxnSpPr>
+          <p:cNvPr id="66" name="Straight Arrow Connector 65">
+            <a:extLst>
+              <a:ext uri="{FF2B5EF4-FFF2-40B4-BE49-F238E27FC236}">
+                <a16:creationId xmlns:a16="http://schemas.microsoft.com/office/drawing/2014/main" id="{30D529D1-9CAB-4CE5-812E-A861351C13B7}"/>
+              </a:ext>
+            </a:extLst>
+          </p:cNvPr>
+          <p:cNvCxnSpPr>
+            <a:cxnSpLocks/>
+            <a:endCxn id="63" idx="1"/>
+          </p:cNvCxnSpPr>
+          <p:nvPr/>
+        </p:nvCxnSpPr>
+        <p:spPr>
+          <a:xfrm>
+            <a:off x="5871934" y="3833686"/>
+            <a:ext cx="1125718" cy="0"/>
+          </a:xfrm>
+          <a:prstGeom prst="straightConnector1">
+            <a:avLst/>
+          </a:prstGeom>
+          <a:ln>
+            <a:tailEnd type="triangle"/>
+          </a:ln>
+        </p:spPr>
+        <p:style>
+          <a:lnRef idx="1">
+            <a:schemeClr val="accent1"/>
+          </a:lnRef>
+          <a:fillRef idx="0">
+            <a:schemeClr val="accent1"/>
+          </a:fillRef>
+          <a:effectRef idx="0">
+            <a:schemeClr val="accent1"/>
+          </a:effectRef>
+          <a:fontRef idx="minor">
+            <a:schemeClr val="tx1"/>
+          </a:fontRef>
+        </p:style>
+      </p:cxnSp>
+      <p:sp>
+        <p:nvSpPr>
+          <p:cNvPr id="67" name="Rectangle 66">
+            <a:extLst>
+              <a:ext uri="{FF2B5EF4-FFF2-40B4-BE49-F238E27FC236}">
+                <a16:creationId xmlns:a16="http://schemas.microsoft.com/office/drawing/2014/main" id="{9F180F92-D1E4-4A3D-AA67-A066FFE2BD87}"/>
+              </a:ext>
+            </a:extLst>
+          </p:cNvPr>
+          <p:cNvSpPr/>
+          <p:nvPr/>
+        </p:nvSpPr>
+        <p:spPr>
+          <a:xfrm>
+            <a:off x="1602770" y="3195017"/>
+            <a:ext cx="8000606" cy="1716789"/>
+          </a:xfrm>
+          <a:prstGeom prst="rect">
+            <a:avLst/>
+          </a:prstGeom>
+          <a:noFill/>
+        </p:spPr>
+        <p:style>
+          <a:lnRef idx="2">
+            <a:schemeClr val="accent1">
+              <a:shade val="50000"/>
+            </a:schemeClr>
+          </a:lnRef>
+          <a:fillRef idx="1">
+            <a:schemeClr val="accent1"/>
+          </a:fillRef>
+          <a:effectRef idx="0">
+            <a:schemeClr val="accent1"/>
+          </a:effectRef>
+          <a:fontRef idx="minor">
+            <a:schemeClr val="lt1"/>
+          </a:fontRef>
+        </p:style>
+        <p:txBody>
+          <a:bodyPr rtlCol="0" anchor="ctr"/>
+          <a:lstStyle/>
+          <a:p>
+            <a:pPr algn="ctr"/>
+            <a:endParaRPr lang="en-US"/>
+          </a:p>
+        </p:txBody>
+      </p:sp>
+      <p:sp>
+        <p:nvSpPr>
+          <p:cNvPr id="68" name="TextBox 67">
+            <a:extLst>
+              <a:ext uri="{FF2B5EF4-FFF2-40B4-BE49-F238E27FC236}">
+                <a16:creationId xmlns:a16="http://schemas.microsoft.com/office/drawing/2014/main" id="{2D88EC1A-317B-4BD2-A595-A19F6953B479}"/>
+              </a:ext>
+            </a:extLst>
+          </p:cNvPr>
+          <p:cNvSpPr txBox="1"/>
+          <p:nvPr/>
+        </p:nvSpPr>
+        <p:spPr>
+          <a:xfrm>
+            <a:off x="1788557" y="4516758"/>
+            <a:ext cx="1749453" cy="369332"/>
+          </a:xfrm>
+          <a:prstGeom prst="rect">
+            <a:avLst/>
+          </a:prstGeom>
+          <a:noFill/>
+        </p:spPr>
+        <p:txBody>
+          <a:bodyPr wrap="none" rtlCol="0">
+            <a:spAutoFit/>
+          </a:bodyPr>
+          <a:lstStyle/>
+          <a:p>
+            <a:r>
+              <a:rPr lang="en-US" dirty="0"/>
+              <a:t>Strategy: Jenkins</a:t>
+            </a:r>
+          </a:p>
+        </p:txBody>
+      </p:sp>
+      <p:sp>
+        <p:nvSpPr>
+          <p:cNvPr id="69" name="Wave 68">
+            <a:extLst>
+              <a:ext uri="{FF2B5EF4-FFF2-40B4-BE49-F238E27FC236}">
+                <a16:creationId xmlns:a16="http://schemas.microsoft.com/office/drawing/2014/main" id="{D6821F8A-20D8-450E-8A2D-2FBDA36B5E1F}"/>
+              </a:ext>
+            </a:extLst>
+          </p:cNvPr>
+          <p:cNvSpPr/>
+          <p:nvPr/>
+        </p:nvSpPr>
+        <p:spPr>
+          <a:xfrm>
+            <a:off x="169895" y="3627865"/>
+            <a:ext cx="1247088" cy="568752"/>
+          </a:xfrm>
+          <a:prstGeom prst="wave">
+            <a:avLst>
+              <a:gd name="adj1" fmla="val 12500"/>
+              <a:gd name="adj2" fmla="val 0"/>
+            </a:avLst>
+          </a:prstGeom>
+          <a:noFill/>
+        </p:spPr>
+        <p:style>
+          <a:lnRef idx="2">
+            <a:schemeClr val="accent1">
+              <a:shade val="50000"/>
+            </a:schemeClr>
+          </a:lnRef>
+          <a:fillRef idx="1">
+            <a:schemeClr val="accent1"/>
+          </a:fillRef>
+          <a:effectRef idx="0">
+            <a:schemeClr val="accent1"/>
+          </a:effectRef>
+          <a:fontRef idx="minor">
+            <a:schemeClr val="lt1"/>
+          </a:fontRef>
+        </p:style>
+        <p:txBody>
+          <a:bodyPr rtlCol="0" anchor="ctr"/>
+          <a:lstStyle/>
+          <a:p>
+            <a:pPr algn="ctr"/>
+            <a:r>
+              <a:rPr lang="en-US" dirty="0">
+                <a:solidFill>
+                  <a:schemeClr val="tx1"/>
+                </a:solidFill>
+              </a:rPr>
+              <a:t>Push(1234)</a:t>
+            </a:r>
+            <a:endParaRPr lang="en-US" dirty="0"/>
+          </a:p>
+        </p:txBody>
+      </p:sp>
+      <p:cxnSp>
+        <p:nvCxnSpPr>
+          <p:cNvPr id="70" name="Straight Arrow Connector 69">
+            <a:extLst>
+              <a:ext uri="{FF2B5EF4-FFF2-40B4-BE49-F238E27FC236}">
+                <a16:creationId xmlns:a16="http://schemas.microsoft.com/office/drawing/2014/main" id="{3238CF97-7D80-4F22-85F2-3D417F79766D}"/>
+              </a:ext>
+            </a:extLst>
+          </p:cNvPr>
+          <p:cNvCxnSpPr>
+            <a:cxnSpLocks/>
+            <a:stCxn id="69" idx="3"/>
+            <a:endCxn id="65" idx="1"/>
+          </p:cNvCxnSpPr>
+          <p:nvPr/>
+        </p:nvCxnSpPr>
+        <p:spPr>
+          <a:xfrm flipV="1">
+            <a:off x="1416983" y="3855888"/>
+            <a:ext cx="371574" cy="56353"/>
+          </a:xfrm>
+          <a:prstGeom prst="straightConnector1">
+            <a:avLst/>
+          </a:prstGeom>
+          <a:ln>
+            <a:tailEnd type="triangle"/>
+          </a:ln>
+        </p:spPr>
+        <p:style>
+          <a:lnRef idx="1">
+            <a:schemeClr val="accent1"/>
+          </a:lnRef>
+          <a:fillRef idx="0">
+            <a:schemeClr val="accent1"/>
+          </a:fillRef>
+          <a:effectRef idx="0">
+            <a:schemeClr val="accent1"/>
+          </a:effectRef>
+          <a:fontRef idx="minor">
+            <a:schemeClr val="tx1"/>
+          </a:fontRef>
+        </p:style>
+      </p:cxnSp>
+      <p:sp>
+        <p:nvSpPr>
+          <p:cNvPr id="75" name="Wave 74">
+            <a:extLst>
+              <a:ext uri="{FF2B5EF4-FFF2-40B4-BE49-F238E27FC236}">
+                <a16:creationId xmlns:a16="http://schemas.microsoft.com/office/drawing/2014/main" id="{8A48FF2C-FAE8-4FEC-BD7B-092A32A7832E}"/>
+              </a:ext>
+            </a:extLst>
+          </p:cNvPr>
+          <p:cNvSpPr/>
+          <p:nvPr/>
+        </p:nvSpPr>
+        <p:spPr>
+          <a:xfrm>
+            <a:off x="7369225" y="4196617"/>
+            <a:ext cx="1749453" cy="568752"/>
+          </a:xfrm>
+          <a:prstGeom prst="wave">
+            <a:avLst>
+              <a:gd name="adj1" fmla="val 12500"/>
+              <a:gd name="adj2" fmla="val 0"/>
+            </a:avLst>
+          </a:prstGeom>
+          <a:noFill/>
+        </p:spPr>
+        <p:style>
+          <a:lnRef idx="2">
+            <a:schemeClr val="accent1">
+              <a:shade val="50000"/>
+            </a:schemeClr>
+          </a:lnRef>
+          <a:fillRef idx="1">
+            <a:schemeClr val="accent1"/>
+          </a:fillRef>
+          <a:effectRef idx="0">
+            <a:schemeClr val="accent1"/>
+          </a:effectRef>
+          <a:fontRef idx="minor">
+            <a:schemeClr val="lt1"/>
+          </a:fontRef>
+        </p:style>
+        <p:txBody>
+          <a:bodyPr rtlCol="0" anchor="ctr"/>
+          <a:lstStyle/>
+          <a:p>
+            <a:pPr algn="ctr"/>
+            <a:r>
+              <a:rPr lang="en-US" dirty="0">
+                <a:solidFill>
+                  <a:schemeClr val="tx1"/>
+                </a:solidFill>
+              </a:rPr>
+              <a:t>Jenkins(success)</a:t>
+            </a:r>
+            <a:endParaRPr lang="en-US" dirty="0"/>
+          </a:p>
+        </p:txBody>
+      </p:sp>
+      <p:sp>
+        <p:nvSpPr>
+          <p:cNvPr id="76" name="Flowchart: Magnetic Disk 75">
+            <a:extLst>
+              <a:ext uri="{FF2B5EF4-FFF2-40B4-BE49-F238E27FC236}">
+                <a16:creationId xmlns:a16="http://schemas.microsoft.com/office/drawing/2014/main" id="{3CDFE909-05D8-44FD-9370-67A29A4D18B1}"/>
+              </a:ext>
+            </a:extLst>
+          </p:cNvPr>
+          <p:cNvSpPr/>
+          <p:nvPr/>
+        </p:nvSpPr>
+        <p:spPr>
+          <a:xfrm>
+            <a:off x="10249898" y="3327548"/>
+            <a:ext cx="1509947" cy="725863"/>
+          </a:xfrm>
+          <a:prstGeom prst="flowChartMagneticDisk">
+            <a:avLst/>
+          </a:prstGeom>
+          <a:noFill/>
+        </p:spPr>
+        <p:style>
+          <a:lnRef idx="2">
+            <a:schemeClr val="accent1">
+              <a:shade val="50000"/>
+            </a:schemeClr>
+          </a:lnRef>
+          <a:fillRef idx="1">
+            <a:schemeClr val="accent1"/>
+          </a:fillRef>
+          <a:effectRef idx="0">
+            <a:schemeClr val="accent1"/>
+          </a:effectRef>
+          <a:fontRef idx="minor">
+            <a:schemeClr val="lt1"/>
+          </a:fontRef>
+        </p:style>
+        <p:txBody>
+          <a:bodyPr rtlCol="0" anchor="ctr"/>
+          <a:lstStyle/>
+          <a:p>
+            <a:pPr algn="ctr"/>
+            <a:r>
+              <a:rPr lang="en-US" sz="1400" dirty="0">
+                <a:solidFill>
+                  <a:schemeClr val="tx1"/>
+                </a:solidFill>
+              </a:rPr>
+              <a:t>name: source</a:t>
+            </a:r>
+          </a:p>
+          <a:p>
+            <a:pPr algn="ctr"/>
+            <a:r>
+              <a:rPr lang="en-US" sz="1400" dirty="0">
+                <a:solidFill>
+                  <a:schemeClr val="tx1"/>
+                </a:solidFill>
+              </a:rPr>
+              <a:t> type: </a:t>
+            </a:r>
+            <a:r>
+              <a:rPr lang="en-US" sz="1400" dirty="0" err="1">
+                <a:solidFill>
+                  <a:schemeClr val="tx1"/>
+                </a:solidFill>
+              </a:rPr>
+              <a:t>github</a:t>
+            </a:r>
+            <a:endParaRPr lang="en-US" sz="1400" dirty="0">
+              <a:solidFill>
+                <a:schemeClr val="tx1"/>
+              </a:solidFill>
+            </a:endParaRPr>
+          </a:p>
+        </p:txBody>
+      </p:sp>
+      <p:cxnSp>
+        <p:nvCxnSpPr>
+          <p:cNvPr id="77" name="Straight Arrow Connector 76">
+            <a:extLst>
+              <a:ext uri="{FF2B5EF4-FFF2-40B4-BE49-F238E27FC236}">
+                <a16:creationId xmlns:a16="http://schemas.microsoft.com/office/drawing/2014/main" id="{F8DF61D1-2401-484C-AF8A-842537318D67}"/>
+              </a:ext>
+            </a:extLst>
+          </p:cNvPr>
+          <p:cNvCxnSpPr>
+            <a:cxnSpLocks/>
+            <a:stCxn id="76" idx="2"/>
+            <a:endCxn id="63" idx="3"/>
+          </p:cNvCxnSpPr>
+          <p:nvPr/>
+        </p:nvCxnSpPr>
+        <p:spPr>
+          <a:xfrm flipH="1">
+            <a:off x="9410914" y="3690480"/>
+            <a:ext cx="838984" cy="143206"/>
+          </a:xfrm>
+          <a:prstGeom prst="straightConnector1">
+            <a:avLst/>
+          </a:prstGeom>
+          <a:ln>
+            <a:prstDash val="dashDot"/>
+            <a:tailEnd type="triangle"/>
+          </a:ln>
+        </p:spPr>
+        <p:style>
+          <a:lnRef idx="1">
+            <a:schemeClr val="accent1"/>
+          </a:lnRef>
+          <a:fillRef idx="0">
+            <a:schemeClr val="accent1"/>
+          </a:fillRef>
+          <a:effectRef idx="0">
+            <a:schemeClr val="accent1"/>
+          </a:effectRef>
+          <a:fontRef idx="minor">
+            <a:schemeClr val="tx1"/>
+          </a:fontRef>
+        </p:style>
+      </p:cxnSp>
+    </p:spTree>
+    <p:extLst>
+      <p:ext uri="{BB962C8B-B14F-4D97-AF65-F5344CB8AC3E}">
+        <p14:creationId xmlns:p14="http://schemas.microsoft.com/office/powerpoint/2010/main" val="1952971937"/>
+      </p:ext>
+    </p:extLst>
+  </p:cSld>
+  <p:clrMapOvr>
+    <a:masterClrMapping/>
+  </p:clrMapOvr>
+</p:sld>
+</file>
+
+<file path=ppt/slides/slide12.xml><?xml version="1.0" encoding="utf-8"?>
+<p:sld xmlns:a="http://schemas.openxmlformats.org/drawingml/2006/main" xmlns:r="http://schemas.openxmlformats.org/officeDocument/2006/relationships" xmlns:p="http://schemas.openxmlformats.org/presentationml/2006/main">
+  <p:cSld>
+    <p:spTree>
+      <p:nvGrpSpPr>
+        <p:cNvPr id="1" name=""/>
+        <p:cNvGrpSpPr/>
+        <p:nvPr/>
+      </p:nvGrpSpPr>
+      <p:grpSpPr>
+        <a:xfrm>
+          <a:off x="0" y="0"/>
+          <a:ext cx="0" cy="0"/>
+          <a:chOff x="0" y="0"/>
+          <a:chExt cx="0" cy="0"/>
+        </a:xfrm>
+      </p:grpSpPr>
+      <p:sp>
+        <p:nvSpPr>
+          <p:cNvPr id="3" name="Rectangle: Rounded Corners 2">
+            <a:extLst>
+              <a:ext uri="{FF2B5EF4-FFF2-40B4-BE49-F238E27FC236}">
+                <a16:creationId xmlns:a16="http://schemas.microsoft.com/office/drawing/2014/main" id="{C0D5A236-A065-4709-893C-F90C190C5A91}"/>
+              </a:ext>
+            </a:extLst>
+          </p:cNvPr>
+          <p:cNvSpPr/>
+          <p:nvPr/>
+        </p:nvSpPr>
+        <p:spPr>
+          <a:xfrm>
+            <a:off x="6971909" y="1012606"/>
+            <a:ext cx="2413262" cy="725863"/>
+          </a:xfrm>
+          <a:prstGeom prst="roundRect">
+            <a:avLst/>
+          </a:prstGeom>
+          <a:noFill/>
+        </p:spPr>
+        <p:style>
+          <a:lnRef idx="2">
+            <a:schemeClr val="accent1">
+              <a:shade val="50000"/>
+            </a:schemeClr>
+          </a:lnRef>
+          <a:fillRef idx="1">
+            <a:schemeClr val="accent1"/>
+          </a:fillRef>
+          <a:effectRef idx="0">
+            <a:schemeClr val="accent1"/>
+          </a:effectRef>
+          <a:fontRef idx="minor">
+            <a:schemeClr val="lt1"/>
+          </a:fontRef>
+        </p:style>
+        <p:txBody>
+          <a:bodyPr rtlCol="0" anchor="ctr"/>
+          <a:lstStyle/>
+          <a:p>
+            <a:pPr algn="ctr"/>
+            <a:r>
+              <a:rPr lang="en-US" dirty="0">
+                <a:solidFill>
+                  <a:schemeClr val="tx1"/>
+                </a:solidFill>
+              </a:rPr>
+              <a:t>Jenkins-x-dev</a:t>
+            </a:r>
+          </a:p>
+        </p:txBody>
+      </p:sp>
+      <p:sp>
+        <p:nvSpPr>
+          <p:cNvPr id="35" name="Wave 34">
+            <a:extLst>
+              <a:ext uri="{FF2B5EF4-FFF2-40B4-BE49-F238E27FC236}">
+                <a16:creationId xmlns:a16="http://schemas.microsoft.com/office/drawing/2014/main" id="{B05BD276-8C8E-4488-AF8C-D004CC7D7F40}"/>
+              </a:ext>
+            </a:extLst>
+          </p:cNvPr>
+          <p:cNvSpPr/>
+          <p:nvPr/>
+        </p:nvSpPr>
+        <p:spPr>
+          <a:xfrm>
+            <a:off x="4176076" y="1113364"/>
+            <a:ext cx="1670115" cy="568752"/>
+          </a:xfrm>
+          <a:prstGeom prst="wave">
+            <a:avLst>
+              <a:gd name="adj1" fmla="val 12500"/>
+              <a:gd name="adj2" fmla="val 0"/>
+            </a:avLst>
+          </a:prstGeom>
+          <a:noFill/>
+        </p:spPr>
+        <p:style>
+          <a:lnRef idx="2">
+            <a:schemeClr val="accent1">
+              <a:shade val="50000"/>
+            </a:schemeClr>
+          </a:lnRef>
+          <a:fillRef idx="1">
+            <a:schemeClr val="accent1"/>
+          </a:fillRef>
+          <a:effectRef idx="0">
+            <a:schemeClr val="accent1"/>
+          </a:effectRef>
+          <a:fontRef idx="minor">
+            <a:schemeClr val="lt1"/>
+          </a:fontRef>
+        </p:style>
+        <p:txBody>
+          <a:bodyPr rtlCol="0" anchor="ctr"/>
+          <a:lstStyle/>
+          <a:p>
+            <a:pPr algn="ctr"/>
+            <a:r>
+              <a:rPr lang="en-US" dirty="0">
+                <a:solidFill>
+                  <a:schemeClr val="tx1"/>
+                </a:solidFill>
+              </a:rPr>
+              <a:t>Jenkins-x-dev</a:t>
+            </a:r>
+            <a:endParaRPr lang="en-US" dirty="0"/>
+          </a:p>
+        </p:txBody>
+      </p:sp>
+      <p:sp>
+        <p:nvSpPr>
+          <p:cNvPr id="36" name="Rectangle: Rounded Corners 35">
+            <a:extLst>
+              <a:ext uri="{FF2B5EF4-FFF2-40B4-BE49-F238E27FC236}">
+                <a16:creationId xmlns:a16="http://schemas.microsoft.com/office/drawing/2014/main" id="{3CB1F720-D3C0-4185-ACA9-3494B1EE7627}"/>
+              </a:ext>
+            </a:extLst>
+          </p:cNvPr>
+          <p:cNvSpPr/>
+          <p:nvPr/>
+        </p:nvSpPr>
+        <p:spPr>
+          <a:xfrm>
+            <a:off x="1762814" y="1034808"/>
+            <a:ext cx="2413262" cy="725863"/>
+          </a:xfrm>
+          <a:prstGeom prst="roundRect">
+            <a:avLst/>
+          </a:prstGeom>
+          <a:noFill/>
+        </p:spPr>
+        <p:style>
+          <a:lnRef idx="2">
+            <a:schemeClr val="accent1">
+              <a:shade val="50000"/>
+            </a:schemeClr>
+          </a:lnRef>
+          <a:fillRef idx="1">
+            <a:schemeClr val="accent1"/>
+          </a:fillRef>
+          <a:effectRef idx="0">
+            <a:schemeClr val="accent1"/>
+          </a:effectRef>
+          <a:fontRef idx="minor">
+            <a:schemeClr val="lt1"/>
+          </a:fontRef>
+        </p:style>
+        <p:txBody>
+          <a:bodyPr rtlCol="0" anchor="ctr"/>
+          <a:lstStyle/>
+          <a:p>
+            <a:pPr algn="ctr"/>
+            <a:r>
+              <a:rPr lang="en-US" dirty="0" err="1">
+                <a:solidFill>
+                  <a:schemeClr val="tx1"/>
+                </a:solidFill>
+              </a:rPr>
+              <a:t>Event_Trigger</a:t>
+            </a:r>
+            <a:endParaRPr lang="en-US" dirty="0">
+              <a:solidFill>
+                <a:schemeClr val="tx1"/>
+              </a:solidFill>
+            </a:endParaRPr>
+          </a:p>
+        </p:txBody>
+      </p:sp>
+      <p:cxnSp>
+        <p:nvCxnSpPr>
+          <p:cNvPr id="38" name="Straight Arrow Connector 37">
+            <a:extLst>
+              <a:ext uri="{FF2B5EF4-FFF2-40B4-BE49-F238E27FC236}">
+                <a16:creationId xmlns:a16="http://schemas.microsoft.com/office/drawing/2014/main" id="{4AFAD829-5F59-48BF-B7F2-8D306B8C3FE5}"/>
+              </a:ext>
+            </a:extLst>
+          </p:cNvPr>
+          <p:cNvCxnSpPr>
+            <a:cxnSpLocks/>
+            <a:endCxn id="3" idx="1"/>
+          </p:cNvCxnSpPr>
+          <p:nvPr/>
+        </p:nvCxnSpPr>
+        <p:spPr>
+          <a:xfrm>
+            <a:off x="5846191" y="1375538"/>
+            <a:ext cx="1125718" cy="0"/>
+          </a:xfrm>
+          <a:prstGeom prst="straightConnector1">
+            <a:avLst/>
+          </a:prstGeom>
+          <a:ln>
+            <a:tailEnd type="triangle"/>
+          </a:ln>
+        </p:spPr>
+        <p:style>
+          <a:lnRef idx="1">
+            <a:schemeClr val="accent1"/>
+          </a:lnRef>
+          <a:fillRef idx="0">
+            <a:schemeClr val="accent1"/>
+          </a:fillRef>
+          <a:effectRef idx="0">
+            <a:schemeClr val="accent1"/>
+          </a:effectRef>
+          <a:fontRef idx="minor">
+            <a:schemeClr val="tx1"/>
+          </a:fontRef>
+        </p:style>
+      </p:cxnSp>
+      <p:sp>
+        <p:nvSpPr>
+          <p:cNvPr id="41" name="Rectangle 40">
+            <a:extLst>
+              <a:ext uri="{FF2B5EF4-FFF2-40B4-BE49-F238E27FC236}">
+                <a16:creationId xmlns:a16="http://schemas.microsoft.com/office/drawing/2014/main" id="{0A6EAB04-2C2D-479A-97ED-B4A9AFE22937}"/>
+              </a:ext>
+            </a:extLst>
+          </p:cNvPr>
+          <p:cNvSpPr/>
+          <p:nvPr/>
+        </p:nvSpPr>
+        <p:spPr>
+          <a:xfrm>
+            <a:off x="1577027" y="736869"/>
+            <a:ext cx="8000606" cy="1716789"/>
+          </a:xfrm>
+          <a:prstGeom prst="rect">
+            <a:avLst/>
+          </a:prstGeom>
+          <a:noFill/>
+        </p:spPr>
+        <p:style>
+          <a:lnRef idx="2">
+            <a:schemeClr val="accent1">
+              <a:shade val="50000"/>
+            </a:schemeClr>
+          </a:lnRef>
+          <a:fillRef idx="1">
+            <a:schemeClr val="accent1"/>
+          </a:fillRef>
+          <a:effectRef idx="0">
+            <a:schemeClr val="accent1"/>
+          </a:effectRef>
+          <a:fontRef idx="minor">
+            <a:schemeClr val="lt1"/>
+          </a:fontRef>
+        </p:style>
+        <p:txBody>
+          <a:bodyPr rtlCol="0" anchor="ctr"/>
+          <a:lstStyle/>
+          <a:p>
+            <a:pPr algn="ctr"/>
+            <a:endParaRPr lang="en-US"/>
+          </a:p>
+        </p:txBody>
+      </p:sp>
+      <p:sp>
+        <p:nvSpPr>
+          <p:cNvPr id="42" name="TextBox 41">
+            <a:extLst>
+              <a:ext uri="{FF2B5EF4-FFF2-40B4-BE49-F238E27FC236}">
+                <a16:creationId xmlns:a16="http://schemas.microsoft.com/office/drawing/2014/main" id="{6D62EA51-842B-4013-AC5B-E9E91BE2EC7A}"/>
+              </a:ext>
+            </a:extLst>
+          </p:cNvPr>
+          <p:cNvSpPr txBox="1"/>
+          <p:nvPr/>
+        </p:nvSpPr>
+        <p:spPr>
+          <a:xfrm>
+            <a:off x="1762814" y="2058610"/>
+            <a:ext cx="2312556" cy="369332"/>
+          </a:xfrm>
+          <a:prstGeom prst="rect">
+            <a:avLst/>
+          </a:prstGeom>
+          <a:noFill/>
+        </p:spPr>
+        <p:txBody>
+          <a:bodyPr wrap="none" rtlCol="0">
+            <a:spAutoFit/>
+          </a:bodyPr>
+          <a:lstStyle/>
+          <a:p>
+            <a:r>
+              <a:rPr lang="en-US" dirty="0"/>
+              <a:t>Strategy: Jenkins-x-dev</a:t>
+            </a:r>
+          </a:p>
+        </p:txBody>
+      </p:sp>
+      <p:sp>
+        <p:nvSpPr>
+          <p:cNvPr id="43" name="Wave 42">
+            <a:extLst>
+              <a:ext uri="{FF2B5EF4-FFF2-40B4-BE49-F238E27FC236}">
+                <a16:creationId xmlns:a16="http://schemas.microsoft.com/office/drawing/2014/main" id="{A92B2207-2F33-4DEB-91A3-676D07B36312}"/>
+              </a:ext>
+            </a:extLst>
+          </p:cNvPr>
+          <p:cNvSpPr/>
+          <p:nvPr/>
+        </p:nvSpPr>
+        <p:spPr>
+          <a:xfrm>
+            <a:off x="144152" y="1169717"/>
+            <a:ext cx="1247088" cy="568752"/>
+          </a:xfrm>
+          <a:prstGeom prst="wave">
+            <a:avLst>
+              <a:gd name="adj1" fmla="val 12500"/>
+              <a:gd name="adj2" fmla="val 0"/>
+            </a:avLst>
+          </a:prstGeom>
+          <a:noFill/>
+        </p:spPr>
+        <p:style>
+          <a:lnRef idx="2">
+            <a:schemeClr val="accent1">
+              <a:shade val="50000"/>
+            </a:schemeClr>
+          </a:lnRef>
+          <a:fillRef idx="1">
+            <a:schemeClr val="accent1"/>
+          </a:fillRef>
+          <a:effectRef idx="0">
+            <a:schemeClr val="accent1"/>
+          </a:effectRef>
+          <a:fontRef idx="minor">
+            <a:schemeClr val="lt1"/>
+          </a:fontRef>
+        </p:style>
+        <p:txBody>
+          <a:bodyPr rtlCol="0" anchor="ctr"/>
+          <a:lstStyle/>
+          <a:p>
+            <a:pPr algn="ctr"/>
+            <a:r>
+              <a:rPr lang="en-US" dirty="0">
+                <a:solidFill>
+                  <a:schemeClr val="tx1"/>
+                </a:solidFill>
+              </a:rPr>
+              <a:t>PR(1234)</a:t>
+            </a:r>
+            <a:endParaRPr lang="en-US" dirty="0"/>
+          </a:p>
+        </p:txBody>
+      </p:sp>
+      <p:cxnSp>
+        <p:nvCxnSpPr>
+          <p:cNvPr id="47" name="Straight Arrow Connector 46">
+            <a:extLst>
+              <a:ext uri="{FF2B5EF4-FFF2-40B4-BE49-F238E27FC236}">
+                <a16:creationId xmlns:a16="http://schemas.microsoft.com/office/drawing/2014/main" id="{CF53277F-C50F-4A71-96E2-FDBBEF33E409}"/>
+              </a:ext>
+            </a:extLst>
+          </p:cNvPr>
+          <p:cNvCxnSpPr>
+            <a:cxnSpLocks/>
+            <a:stCxn id="43" idx="3"/>
+            <a:endCxn id="36" idx="1"/>
+          </p:cNvCxnSpPr>
+          <p:nvPr/>
+        </p:nvCxnSpPr>
+        <p:spPr>
+          <a:xfrm flipV="1">
+            <a:off x="1391240" y="1397740"/>
+            <a:ext cx="371574" cy="56353"/>
+          </a:xfrm>
+          <a:prstGeom prst="straightConnector1">
+            <a:avLst/>
+          </a:prstGeom>
+          <a:ln>
+            <a:tailEnd type="triangle"/>
+          </a:ln>
+        </p:spPr>
+        <p:style>
+          <a:lnRef idx="1">
+            <a:schemeClr val="accent1"/>
+          </a:lnRef>
+          <a:fillRef idx="0">
+            <a:schemeClr val="accent1"/>
+          </a:fillRef>
+          <a:effectRef idx="0">
+            <a:schemeClr val="accent1"/>
+          </a:effectRef>
+          <a:fontRef idx="minor">
+            <a:schemeClr val="tx1"/>
+          </a:fontRef>
+        </p:style>
+      </p:cxnSp>
+      <p:sp>
+        <p:nvSpPr>
+          <p:cNvPr id="39" name="Flowchart: Magnetic Disk 38">
+            <a:extLst>
+              <a:ext uri="{FF2B5EF4-FFF2-40B4-BE49-F238E27FC236}">
+                <a16:creationId xmlns:a16="http://schemas.microsoft.com/office/drawing/2014/main" id="{7674CECD-D9DE-4493-B58C-24FC835CEC08}"/>
+              </a:ext>
+            </a:extLst>
+          </p:cNvPr>
+          <p:cNvSpPr/>
+          <p:nvPr/>
+        </p:nvSpPr>
+        <p:spPr>
+          <a:xfrm>
+            <a:off x="10140052" y="215140"/>
+            <a:ext cx="1509947" cy="725863"/>
+          </a:xfrm>
+          <a:prstGeom prst="flowChartMagneticDisk">
+            <a:avLst/>
+          </a:prstGeom>
+          <a:noFill/>
+        </p:spPr>
+        <p:style>
+          <a:lnRef idx="2">
+            <a:schemeClr val="accent1">
+              <a:shade val="50000"/>
+            </a:schemeClr>
+          </a:lnRef>
+          <a:fillRef idx="1">
+            <a:schemeClr val="accent1"/>
+          </a:fillRef>
+          <a:effectRef idx="0">
+            <a:schemeClr val="accent1"/>
+          </a:effectRef>
+          <a:fontRef idx="minor">
+            <a:schemeClr val="lt1"/>
+          </a:fontRef>
+        </p:style>
+        <p:txBody>
+          <a:bodyPr rtlCol="0" anchor="ctr"/>
+          <a:lstStyle/>
+          <a:p>
+            <a:pPr algn="ctr"/>
+            <a:r>
+              <a:rPr lang="en-US" sz="1400" dirty="0">
+                <a:solidFill>
+                  <a:schemeClr val="tx1"/>
+                </a:solidFill>
+              </a:rPr>
+              <a:t>name: dev</a:t>
+            </a:r>
+          </a:p>
+          <a:p>
+            <a:pPr algn="ctr"/>
+            <a:r>
+              <a:rPr lang="en-US" sz="1400" dirty="0">
+                <a:solidFill>
+                  <a:schemeClr val="tx1"/>
+                </a:solidFill>
+              </a:rPr>
+              <a:t> type: </a:t>
+            </a:r>
+            <a:r>
+              <a:rPr lang="en-US" sz="1400" dirty="0" err="1">
+                <a:solidFill>
+                  <a:schemeClr val="tx1"/>
+                </a:solidFill>
+              </a:rPr>
+              <a:t>github</a:t>
+            </a:r>
+            <a:endParaRPr lang="en-US" sz="1400" dirty="0">
+              <a:solidFill>
+                <a:schemeClr val="tx1"/>
+              </a:solidFill>
+            </a:endParaRPr>
+          </a:p>
+        </p:txBody>
+      </p:sp>
+      <p:sp>
+        <p:nvSpPr>
+          <p:cNvPr id="40" name="Flowchart: Magnetic Disk 39">
+            <a:extLst>
+              <a:ext uri="{FF2B5EF4-FFF2-40B4-BE49-F238E27FC236}">
+                <a16:creationId xmlns:a16="http://schemas.microsoft.com/office/drawing/2014/main" id="{660478DB-7A2E-4911-935F-9AC23C34DA43}"/>
+              </a:ext>
+            </a:extLst>
+          </p:cNvPr>
+          <p:cNvSpPr/>
+          <p:nvPr/>
+        </p:nvSpPr>
+        <p:spPr>
+          <a:xfrm>
+            <a:off x="10220576" y="1012606"/>
+            <a:ext cx="1509947" cy="725863"/>
+          </a:xfrm>
+          <a:prstGeom prst="flowChartMagneticDisk">
+            <a:avLst/>
+          </a:prstGeom>
+          <a:noFill/>
+        </p:spPr>
+        <p:style>
+          <a:lnRef idx="2">
+            <a:schemeClr val="accent1">
+              <a:shade val="50000"/>
+            </a:schemeClr>
+          </a:lnRef>
+          <a:fillRef idx="1">
+            <a:schemeClr val="accent1"/>
+          </a:fillRef>
+          <a:effectRef idx="0">
+            <a:schemeClr val="accent1"/>
+          </a:effectRef>
+          <a:fontRef idx="minor">
+            <a:schemeClr val="lt1"/>
+          </a:fontRef>
+        </p:style>
+        <p:txBody>
+          <a:bodyPr rtlCol="0" anchor="ctr"/>
+          <a:lstStyle/>
+          <a:p>
+            <a:pPr algn="ctr"/>
+            <a:r>
+              <a:rPr lang="en-US" sz="1400" dirty="0">
+                <a:solidFill>
+                  <a:schemeClr val="tx1"/>
+                </a:solidFill>
+              </a:rPr>
+              <a:t>name: app</a:t>
+            </a:r>
+          </a:p>
+          <a:p>
+            <a:pPr algn="ctr"/>
+            <a:r>
+              <a:rPr lang="en-US" sz="1400" dirty="0">
+                <a:solidFill>
+                  <a:schemeClr val="tx1"/>
+                </a:solidFill>
+              </a:rPr>
+              <a:t>type: docker</a:t>
+            </a:r>
+          </a:p>
+        </p:txBody>
+      </p:sp>
+      <p:cxnSp>
+        <p:nvCxnSpPr>
+          <p:cNvPr id="15" name="Straight Arrow Connector 14">
+            <a:extLst>
+              <a:ext uri="{FF2B5EF4-FFF2-40B4-BE49-F238E27FC236}">
+                <a16:creationId xmlns:a16="http://schemas.microsoft.com/office/drawing/2014/main" id="{F8DAF612-9DDC-409A-AF16-7485A76160C5}"/>
+              </a:ext>
+            </a:extLst>
+          </p:cNvPr>
+          <p:cNvCxnSpPr>
+            <a:cxnSpLocks/>
+            <a:stCxn id="39" idx="2"/>
+            <a:endCxn id="3" idx="3"/>
+          </p:cNvCxnSpPr>
+          <p:nvPr/>
+        </p:nvCxnSpPr>
+        <p:spPr>
+          <a:xfrm flipH="1">
+            <a:off x="9385171" y="578072"/>
+            <a:ext cx="754881" cy="797466"/>
+          </a:xfrm>
+          <a:prstGeom prst="straightConnector1">
+            <a:avLst/>
+          </a:prstGeom>
+          <a:ln>
+            <a:prstDash val="dashDot"/>
+            <a:tailEnd type="triangle"/>
+          </a:ln>
+        </p:spPr>
+        <p:style>
+          <a:lnRef idx="1">
+            <a:schemeClr val="accent1"/>
+          </a:lnRef>
+          <a:fillRef idx="0">
+            <a:schemeClr val="accent1"/>
+          </a:fillRef>
+          <a:effectRef idx="0">
+            <a:schemeClr val="accent1"/>
+          </a:effectRef>
+          <a:fontRef idx="minor">
+            <a:schemeClr val="tx1"/>
+          </a:fontRef>
+        </p:style>
+      </p:cxnSp>
+      <p:cxnSp>
+        <p:nvCxnSpPr>
+          <p:cNvPr id="46" name="Straight Arrow Connector 45">
+            <a:extLst>
+              <a:ext uri="{FF2B5EF4-FFF2-40B4-BE49-F238E27FC236}">
+                <a16:creationId xmlns:a16="http://schemas.microsoft.com/office/drawing/2014/main" id="{A892660F-0F19-41D7-BEC0-33C9B0FD5A28}"/>
+              </a:ext>
+            </a:extLst>
+          </p:cNvPr>
+          <p:cNvCxnSpPr>
+            <a:cxnSpLocks/>
+            <a:stCxn id="3" idx="3"/>
+            <a:endCxn id="40" idx="2"/>
+          </p:cNvCxnSpPr>
+          <p:nvPr/>
+        </p:nvCxnSpPr>
+        <p:spPr>
+          <a:xfrm>
+            <a:off x="9385171" y="1375538"/>
+            <a:ext cx="835405" cy="0"/>
+          </a:xfrm>
+          <a:prstGeom prst="straightConnector1">
+            <a:avLst/>
+          </a:prstGeom>
+          <a:ln>
+            <a:prstDash val="dashDot"/>
+            <a:tailEnd type="triangle"/>
+          </a:ln>
+        </p:spPr>
+        <p:style>
+          <a:lnRef idx="1">
+            <a:schemeClr val="accent1"/>
+          </a:lnRef>
+          <a:fillRef idx="0">
+            <a:schemeClr val="accent1"/>
+          </a:fillRef>
+          <a:effectRef idx="0">
+            <a:schemeClr val="accent1"/>
+          </a:effectRef>
+          <a:fontRef idx="minor">
+            <a:schemeClr val="tx1"/>
+          </a:fontRef>
+        </p:style>
+      </p:cxnSp>
+      <p:sp>
+        <p:nvSpPr>
+          <p:cNvPr id="54" name="Wave 53">
+            <a:extLst>
+              <a:ext uri="{FF2B5EF4-FFF2-40B4-BE49-F238E27FC236}">
+                <a16:creationId xmlns:a16="http://schemas.microsoft.com/office/drawing/2014/main" id="{CC9E656A-4E5E-434B-B7A2-5F039EFCE63B}"/>
+              </a:ext>
+            </a:extLst>
+          </p:cNvPr>
+          <p:cNvSpPr/>
+          <p:nvPr/>
+        </p:nvSpPr>
+        <p:spPr>
+          <a:xfrm>
+            <a:off x="7343482" y="1738469"/>
+            <a:ext cx="1670115" cy="568752"/>
+          </a:xfrm>
+          <a:prstGeom prst="wave">
+            <a:avLst>
+              <a:gd name="adj1" fmla="val 12500"/>
+              <a:gd name="adj2" fmla="val 0"/>
+            </a:avLst>
+          </a:prstGeom>
+          <a:noFill/>
+        </p:spPr>
+        <p:style>
+          <a:lnRef idx="2">
+            <a:schemeClr val="accent1">
+              <a:shade val="50000"/>
+            </a:schemeClr>
+          </a:lnRef>
+          <a:fillRef idx="1">
+            <a:schemeClr val="accent1"/>
+          </a:fillRef>
+          <a:effectRef idx="0">
+            <a:schemeClr val="accent1"/>
+          </a:effectRef>
+          <a:fontRef idx="minor">
+            <a:schemeClr val="lt1"/>
+          </a:fontRef>
+        </p:style>
+        <p:txBody>
+          <a:bodyPr rtlCol="0" anchor="ctr"/>
+          <a:lstStyle/>
+          <a:p>
+            <a:pPr algn="ctr"/>
+            <a:r>
+              <a:rPr lang="en-US" sz="1200" dirty="0" err="1">
+                <a:solidFill>
+                  <a:schemeClr val="tx1"/>
+                </a:solidFill>
+              </a:rPr>
+              <a:t>jenkins</a:t>
+            </a:r>
+            <a:r>
+              <a:rPr lang="en-US" sz="1200" dirty="0">
+                <a:solidFill>
+                  <a:schemeClr val="tx1"/>
+                </a:solidFill>
+              </a:rPr>
+              <a:t>-x-dev(success)</a:t>
+            </a:r>
+            <a:endParaRPr lang="en-US" sz="1200" dirty="0"/>
+          </a:p>
+        </p:txBody>
+      </p:sp>
+      <p:sp>
+        <p:nvSpPr>
+          <p:cNvPr id="63" name="Rectangle: Rounded Corners 62">
+            <a:extLst>
+              <a:ext uri="{FF2B5EF4-FFF2-40B4-BE49-F238E27FC236}">
+                <a16:creationId xmlns:a16="http://schemas.microsoft.com/office/drawing/2014/main" id="{59C492D2-0F80-46C2-B49B-7F22B422AAFE}"/>
+              </a:ext>
+            </a:extLst>
+          </p:cNvPr>
+          <p:cNvSpPr/>
+          <p:nvPr/>
+        </p:nvSpPr>
+        <p:spPr>
+          <a:xfrm>
+            <a:off x="6969371" y="2876865"/>
+            <a:ext cx="2413262" cy="725863"/>
+          </a:xfrm>
+          <a:prstGeom prst="roundRect">
+            <a:avLst/>
+          </a:prstGeom>
+          <a:noFill/>
+        </p:spPr>
+        <p:style>
+          <a:lnRef idx="2">
+            <a:schemeClr val="accent1">
+              <a:shade val="50000"/>
+            </a:schemeClr>
+          </a:lnRef>
+          <a:fillRef idx="1">
+            <a:schemeClr val="accent1"/>
+          </a:fillRef>
+          <a:effectRef idx="0">
+            <a:schemeClr val="accent1"/>
+          </a:effectRef>
+          <a:fontRef idx="minor">
+            <a:schemeClr val="lt1"/>
+          </a:fontRef>
+        </p:style>
+        <p:txBody>
+          <a:bodyPr rtlCol="0" anchor="ctr"/>
+          <a:lstStyle/>
+          <a:p>
+            <a:pPr algn="ctr"/>
+            <a:r>
+              <a:rPr lang="en-US" dirty="0">
+                <a:solidFill>
+                  <a:schemeClr val="tx1"/>
+                </a:solidFill>
+              </a:rPr>
+              <a:t>Jenkins-x-staging</a:t>
+            </a:r>
+          </a:p>
+        </p:txBody>
+      </p:sp>
+      <p:sp>
+        <p:nvSpPr>
+          <p:cNvPr id="64" name="Wave 63">
+            <a:extLst>
+              <a:ext uri="{FF2B5EF4-FFF2-40B4-BE49-F238E27FC236}">
+                <a16:creationId xmlns:a16="http://schemas.microsoft.com/office/drawing/2014/main" id="{CB126E51-6C49-4DB9-A907-DCCCB68B2FDA}"/>
+              </a:ext>
+            </a:extLst>
+          </p:cNvPr>
+          <p:cNvSpPr/>
+          <p:nvPr/>
+        </p:nvSpPr>
+        <p:spPr>
+          <a:xfrm>
+            <a:off x="4173538" y="2977623"/>
+            <a:ext cx="1670115" cy="568752"/>
+          </a:xfrm>
+          <a:prstGeom prst="wave">
+            <a:avLst>
+              <a:gd name="adj1" fmla="val 12500"/>
+              <a:gd name="adj2" fmla="val 0"/>
+            </a:avLst>
+          </a:prstGeom>
+          <a:noFill/>
+        </p:spPr>
+        <p:style>
+          <a:lnRef idx="2">
+            <a:schemeClr val="accent1">
+              <a:shade val="50000"/>
+            </a:schemeClr>
+          </a:lnRef>
+          <a:fillRef idx="1">
+            <a:schemeClr val="accent1"/>
+          </a:fillRef>
+          <a:effectRef idx="0">
+            <a:schemeClr val="accent1"/>
+          </a:effectRef>
+          <a:fontRef idx="minor">
+            <a:schemeClr val="lt1"/>
+          </a:fontRef>
+        </p:style>
+        <p:txBody>
+          <a:bodyPr rtlCol="0" anchor="ctr"/>
+          <a:lstStyle/>
+          <a:p>
+            <a:pPr algn="ctr"/>
+            <a:r>
+              <a:rPr lang="en-US" dirty="0">
+                <a:solidFill>
+                  <a:schemeClr val="tx1"/>
+                </a:solidFill>
+              </a:rPr>
+              <a:t>Jenkins-x-stage</a:t>
+            </a:r>
+            <a:endParaRPr lang="en-US" dirty="0"/>
+          </a:p>
+        </p:txBody>
+      </p:sp>
+      <p:sp>
+        <p:nvSpPr>
+          <p:cNvPr id="65" name="Rectangle: Rounded Corners 64">
+            <a:extLst>
+              <a:ext uri="{FF2B5EF4-FFF2-40B4-BE49-F238E27FC236}">
+                <a16:creationId xmlns:a16="http://schemas.microsoft.com/office/drawing/2014/main" id="{3B30886C-5BA4-4BBB-8C08-7FE3B942ADDD}"/>
+              </a:ext>
+            </a:extLst>
+          </p:cNvPr>
+          <p:cNvSpPr/>
+          <p:nvPr/>
+        </p:nvSpPr>
+        <p:spPr>
+          <a:xfrm>
+            <a:off x="1760276" y="2899067"/>
+            <a:ext cx="2413262" cy="725863"/>
+          </a:xfrm>
+          <a:prstGeom prst="roundRect">
+            <a:avLst/>
+          </a:prstGeom>
+          <a:noFill/>
+        </p:spPr>
+        <p:style>
+          <a:lnRef idx="2">
+            <a:schemeClr val="accent1">
+              <a:shade val="50000"/>
+            </a:schemeClr>
+          </a:lnRef>
+          <a:fillRef idx="1">
+            <a:schemeClr val="accent1"/>
+          </a:fillRef>
+          <a:effectRef idx="0">
+            <a:schemeClr val="accent1"/>
+          </a:effectRef>
+          <a:fontRef idx="minor">
+            <a:schemeClr val="lt1"/>
+          </a:fontRef>
+        </p:style>
+        <p:txBody>
+          <a:bodyPr rtlCol="0" anchor="ctr"/>
+          <a:lstStyle/>
+          <a:p>
+            <a:pPr algn="ctr"/>
+            <a:r>
+              <a:rPr lang="en-US" dirty="0" err="1">
+                <a:solidFill>
+                  <a:schemeClr val="tx1"/>
+                </a:solidFill>
+              </a:rPr>
+              <a:t>Event_Trigger</a:t>
+            </a:r>
+            <a:endParaRPr lang="en-US" dirty="0">
+              <a:solidFill>
+                <a:schemeClr val="tx1"/>
+              </a:solidFill>
+            </a:endParaRPr>
+          </a:p>
+        </p:txBody>
+      </p:sp>
+      <p:cxnSp>
+        <p:nvCxnSpPr>
+          <p:cNvPr id="66" name="Straight Arrow Connector 65">
+            <a:extLst>
+              <a:ext uri="{FF2B5EF4-FFF2-40B4-BE49-F238E27FC236}">
+                <a16:creationId xmlns:a16="http://schemas.microsoft.com/office/drawing/2014/main" id="{30D529D1-9CAB-4CE5-812E-A861351C13B7}"/>
+              </a:ext>
+            </a:extLst>
+          </p:cNvPr>
+          <p:cNvCxnSpPr>
+            <a:cxnSpLocks/>
+            <a:endCxn id="63" idx="1"/>
+          </p:cNvCxnSpPr>
+          <p:nvPr/>
+        </p:nvCxnSpPr>
+        <p:spPr>
+          <a:xfrm>
+            <a:off x="5843653" y="3239797"/>
+            <a:ext cx="1125718" cy="0"/>
+          </a:xfrm>
+          <a:prstGeom prst="straightConnector1">
+            <a:avLst/>
+          </a:prstGeom>
+          <a:ln>
+            <a:tailEnd type="triangle"/>
+          </a:ln>
+        </p:spPr>
+        <p:style>
+          <a:lnRef idx="1">
+            <a:schemeClr val="accent1"/>
+          </a:lnRef>
+          <a:fillRef idx="0">
+            <a:schemeClr val="accent1"/>
+          </a:fillRef>
+          <a:effectRef idx="0">
+            <a:schemeClr val="accent1"/>
+          </a:effectRef>
+          <a:fontRef idx="minor">
+            <a:schemeClr val="tx1"/>
+          </a:fontRef>
+        </p:style>
+      </p:cxnSp>
+      <p:sp>
+        <p:nvSpPr>
+          <p:cNvPr id="67" name="Rectangle 66">
+            <a:extLst>
+              <a:ext uri="{FF2B5EF4-FFF2-40B4-BE49-F238E27FC236}">
+                <a16:creationId xmlns:a16="http://schemas.microsoft.com/office/drawing/2014/main" id="{9F180F92-D1E4-4A3D-AA67-A066FFE2BD87}"/>
+              </a:ext>
+            </a:extLst>
+          </p:cNvPr>
+          <p:cNvSpPr/>
+          <p:nvPr/>
+        </p:nvSpPr>
+        <p:spPr>
+          <a:xfrm>
+            <a:off x="1574489" y="2601128"/>
+            <a:ext cx="8000606" cy="1716789"/>
+          </a:xfrm>
+          <a:prstGeom prst="rect">
+            <a:avLst/>
+          </a:prstGeom>
+          <a:noFill/>
+        </p:spPr>
+        <p:style>
+          <a:lnRef idx="2">
+            <a:schemeClr val="accent1">
+              <a:shade val="50000"/>
+            </a:schemeClr>
+          </a:lnRef>
+          <a:fillRef idx="1">
+            <a:schemeClr val="accent1"/>
+          </a:fillRef>
+          <a:effectRef idx="0">
+            <a:schemeClr val="accent1"/>
+          </a:effectRef>
+          <a:fontRef idx="minor">
+            <a:schemeClr val="lt1"/>
+          </a:fontRef>
+        </p:style>
+        <p:txBody>
+          <a:bodyPr rtlCol="0" anchor="ctr"/>
+          <a:lstStyle/>
+          <a:p>
+            <a:pPr algn="ctr"/>
+            <a:endParaRPr lang="en-US"/>
+          </a:p>
+        </p:txBody>
+      </p:sp>
+      <p:sp>
+        <p:nvSpPr>
+          <p:cNvPr id="68" name="TextBox 67">
+            <a:extLst>
+              <a:ext uri="{FF2B5EF4-FFF2-40B4-BE49-F238E27FC236}">
+                <a16:creationId xmlns:a16="http://schemas.microsoft.com/office/drawing/2014/main" id="{2D88EC1A-317B-4BD2-A595-A19F6953B479}"/>
+              </a:ext>
+            </a:extLst>
+          </p:cNvPr>
+          <p:cNvSpPr txBox="1"/>
+          <p:nvPr/>
+        </p:nvSpPr>
+        <p:spPr>
+          <a:xfrm>
+            <a:off x="1760276" y="3922869"/>
+            <a:ext cx="2636940" cy="369332"/>
+          </a:xfrm>
+          <a:prstGeom prst="rect">
+            <a:avLst/>
+          </a:prstGeom>
+          <a:noFill/>
+        </p:spPr>
+        <p:txBody>
+          <a:bodyPr wrap="none" rtlCol="0">
+            <a:spAutoFit/>
+          </a:bodyPr>
+          <a:lstStyle/>
+          <a:p>
+            <a:r>
+              <a:rPr lang="en-US" dirty="0"/>
+              <a:t>Strategy: Jenkins-x-staging</a:t>
+            </a:r>
+          </a:p>
+        </p:txBody>
+      </p:sp>
+      <p:sp>
+        <p:nvSpPr>
+          <p:cNvPr id="69" name="Wave 68">
+            <a:extLst>
+              <a:ext uri="{FF2B5EF4-FFF2-40B4-BE49-F238E27FC236}">
+                <a16:creationId xmlns:a16="http://schemas.microsoft.com/office/drawing/2014/main" id="{D6821F8A-20D8-450E-8A2D-2FBDA36B5E1F}"/>
+              </a:ext>
+            </a:extLst>
+          </p:cNvPr>
+          <p:cNvSpPr/>
+          <p:nvPr/>
+        </p:nvSpPr>
+        <p:spPr>
+          <a:xfrm>
+            <a:off x="141614" y="3033976"/>
+            <a:ext cx="1247088" cy="568752"/>
+          </a:xfrm>
+          <a:prstGeom prst="wave">
+            <a:avLst>
+              <a:gd name="adj1" fmla="val 12500"/>
+              <a:gd name="adj2" fmla="val 0"/>
+            </a:avLst>
+          </a:prstGeom>
+          <a:noFill/>
+        </p:spPr>
+        <p:style>
+          <a:lnRef idx="2">
+            <a:schemeClr val="accent1">
+              <a:shade val="50000"/>
+            </a:schemeClr>
+          </a:lnRef>
+          <a:fillRef idx="1">
+            <a:schemeClr val="accent1"/>
+          </a:fillRef>
+          <a:effectRef idx="0">
+            <a:schemeClr val="accent1"/>
+          </a:effectRef>
+          <a:fontRef idx="minor">
+            <a:schemeClr val="lt1"/>
+          </a:fontRef>
+        </p:style>
+        <p:txBody>
+          <a:bodyPr rtlCol="0" anchor="ctr"/>
+          <a:lstStyle/>
+          <a:p>
+            <a:pPr algn="ctr"/>
+            <a:r>
+              <a:rPr lang="en-US" dirty="0">
+                <a:solidFill>
+                  <a:schemeClr val="tx1"/>
+                </a:solidFill>
+              </a:rPr>
+              <a:t>PR(5678)</a:t>
+            </a:r>
+            <a:endParaRPr lang="en-US" dirty="0"/>
+          </a:p>
+        </p:txBody>
+      </p:sp>
+      <p:cxnSp>
+        <p:nvCxnSpPr>
+          <p:cNvPr id="70" name="Straight Arrow Connector 69">
+            <a:extLst>
+              <a:ext uri="{FF2B5EF4-FFF2-40B4-BE49-F238E27FC236}">
+                <a16:creationId xmlns:a16="http://schemas.microsoft.com/office/drawing/2014/main" id="{3238CF97-7D80-4F22-85F2-3D417F79766D}"/>
+              </a:ext>
+            </a:extLst>
+          </p:cNvPr>
+          <p:cNvCxnSpPr>
+            <a:cxnSpLocks/>
+            <a:stCxn id="69" idx="3"/>
+            <a:endCxn id="65" idx="1"/>
+          </p:cNvCxnSpPr>
+          <p:nvPr/>
+        </p:nvCxnSpPr>
+        <p:spPr>
+          <a:xfrm flipV="1">
+            <a:off x="1388702" y="3261999"/>
+            <a:ext cx="371574" cy="56353"/>
+          </a:xfrm>
+          <a:prstGeom prst="straightConnector1">
+            <a:avLst/>
+          </a:prstGeom>
+          <a:ln>
+            <a:tailEnd type="triangle"/>
+          </a:ln>
+        </p:spPr>
+        <p:style>
+          <a:lnRef idx="1">
+            <a:schemeClr val="accent1"/>
+          </a:lnRef>
+          <a:fillRef idx="0">
+            <a:schemeClr val="accent1"/>
+          </a:fillRef>
+          <a:effectRef idx="0">
+            <a:schemeClr val="accent1"/>
+          </a:effectRef>
+          <a:fontRef idx="minor">
+            <a:schemeClr val="tx1"/>
+          </a:fontRef>
+        </p:style>
+      </p:cxnSp>
+      <p:sp>
+        <p:nvSpPr>
+          <p:cNvPr id="75" name="Wave 74">
+            <a:extLst>
+              <a:ext uri="{FF2B5EF4-FFF2-40B4-BE49-F238E27FC236}">
+                <a16:creationId xmlns:a16="http://schemas.microsoft.com/office/drawing/2014/main" id="{8A48FF2C-FAE8-4FEC-BD7B-092A32A7832E}"/>
+              </a:ext>
+            </a:extLst>
+          </p:cNvPr>
+          <p:cNvSpPr/>
+          <p:nvPr/>
+        </p:nvSpPr>
+        <p:spPr>
+          <a:xfrm>
+            <a:off x="7340944" y="3602728"/>
+            <a:ext cx="1749453" cy="568752"/>
+          </a:xfrm>
+          <a:prstGeom prst="wave">
+            <a:avLst>
+              <a:gd name="adj1" fmla="val 12500"/>
+              <a:gd name="adj2" fmla="val 0"/>
+            </a:avLst>
+          </a:prstGeom>
+          <a:noFill/>
+        </p:spPr>
+        <p:style>
+          <a:lnRef idx="2">
+            <a:schemeClr val="accent1">
+              <a:shade val="50000"/>
+            </a:schemeClr>
+          </a:lnRef>
+          <a:fillRef idx="1">
+            <a:schemeClr val="accent1"/>
+          </a:fillRef>
+          <a:effectRef idx="0">
+            <a:schemeClr val="accent1"/>
+          </a:effectRef>
+          <a:fontRef idx="minor">
+            <a:schemeClr val="lt1"/>
+          </a:fontRef>
+        </p:style>
+        <p:txBody>
+          <a:bodyPr rtlCol="0" anchor="ctr"/>
+          <a:lstStyle/>
+          <a:p>
+            <a:pPr algn="ctr"/>
+            <a:r>
+              <a:rPr lang="en-US" sz="1200" dirty="0">
+                <a:solidFill>
+                  <a:schemeClr val="tx1"/>
+                </a:solidFill>
+              </a:rPr>
+              <a:t>Jenkins-x-stage(success</a:t>
+            </a:r>
+            <a:r>
+              <a:rPr lang="en-US" dirty="0">
+                <a:solidFill>
+                  <a:schemeClr val="tx1"/>
+                </a:solidFill>
+              </a:rPr>
+              <a:t>)</a:t>
+            </a:r>
+            <a:endParaRPr lang="en-US" dirty="0"/>
+          </a:p>
+        </p:txBody>
+      </p:sp>
+      <p:sp>
+        <p:nvSpPr>
+          <p:cNvPr id="76" name="Flowchart: Magnetic Disk 75">
+            <a:extLst>
+              <a:ext uri="{FF2B5EF4-FFF2-40B4-BE49-F238E27FC236}">
+                <a16:creationId xmlns:a16="http://schemas.microsoft.com/office/drawing/2014/main" id="{3CDFE909-05D8-44FD-9370-67A29A4D18B1}"/>
+              </a:ext>
+            </a:extLst>
+          </p:cNvPr>
+          <p:cNvSpPr/>
+          <p:nvPr/>
+        </p:nvSpPr>
+        <p:spPr>
+          <a:xfrm>
+            <a:off x="10221617" y="2733659"/>
+            <a:ext cx="1509947" cy="725863"/>
+          </a:xfrm>
+          <a:prstGeom prst="flowChartMagneticDisk">
+            <a:avLst/>
+          </a:prstGeom>
+          <a:noFill/>
+        </p:spPr>
+        <p:style>
+          <a:lnRef idx="2">
+            <a:schemeClr val="accent1">
+              <a:shade val="50000"/>
+            </a:schemeClr>
+          </a:lnRef>
+          <a:fillRef idx="1">
+            <a:schemeClr val="accent1"/>
+          </a:fillRef>
+          <a:effectRef idx="0">
+            <a:schemeClr val="accent1"/>
+          </a:effectRef>
+          <a:fontRef idx="minor">
+            <a:schemeClr val="lt1"/>
+          </a:fontRef>
+        </p:style>
+        <p:txBody>
+          <a:bodyPr rtlCol="0" anchor="ctr"/>
+          <a:lstStyle/>
+          <a:p>
+            <a:pPr algn="ctr"/>
+            <a:r>
+              <a:rPr lang="en-US" sz="1400" dirty="0">
+                <a:solidFill>
+                  <a:schemeClr val="tx1"/>
+                </a:solidFill>
+              </a:rPr>
+              <a:t>name: staging</a:t>
+            </a:r>
+          </a:p>
+          <a:p>
+            <a:pPr algn="ctr"/>
+            <a:r>
+              <a:rPr lang="en-US" sz="1400" dirty="0">
+                <a:solidFill>
+                  <a:schemeClr val="tx1"/>
+                </a:solidFill>
+              </a:rPr>
+              <a:t> type: </a:t>
+            </a:r>
+            <a:r>
+              <a:rPr lang="en-US" sz="1400" dirty="0" err="1">
+                <a:solidFill>
+                  <a:schemeClr val="tx1"/>
+                </a:solidFill>
+              </a:rPr>
+              <a:t>github</a:t>
+            </a:r>
+            <a:endParaRPr lang="en-US" sz="1400" dirty="0">
+              <a:solidFill>
+                <a:schemeClr val="tx1"/>
+              </a:solidFill>
+            </a:endParaRPr>
+          </a:p>
+        </p:txBody>
+      </p:sp>
+      <p:cxnSp>
+        <p:nvCxnSpPr>
+          <p:cNvPr id="77" name="Straight Arrow Connector 76">
+            <a:extLst>
+              <a:ext uri="{FF2B5EF4-FFF2-40B4-BE49-F238E27FC236}">
+                <a16:creationId xmlns:a16="http://schemas.microsoft.com/office/drawing/2014/main" id="{F8DF61D1-2401-484C-AF8A-842537318D67}"/>
+              </a:ext>
+            </a:extLst>
+          </p:cNvPr>
+          <p:cNvCxnSpPr>
+            <a:cxnSpLocks/>
+            <a:stCxn id="76" idx="2"/>
+            <a:endCxn id="63" idx="3"/>
+          </p:cNvCxnSpPr>
+          <p:nvPr/>
+        </p:nvCxnSpPr>
+        <p:spPr>
+          <a:xfrm flipH="1">
+            <a:off x="9382633" y="3096591"/>
+            <a:ext cx="838984" cy="143206"/>
+          </a:xfrm>
+          <a:prstGeom prst="straightConnector1">
+            <a:avLst/>
+          </a:prstGeom>
+          <a:ln>
+            <a:prstDash val="dashDot"/>
+            <a:tailEnd type="triangle"/>
+          </a:ln>
+        </p:spPr>
+        <p:style>
+          <a:lnRef idx="1">
+            <a:schemeClr val="accent1"/>
+          </a:lnRef>
+          <a:fillRef idx="0">
+            <a:schemeClr val="accent1"/>
+          </a:fillRef>
+          <a:effectRef idx="0">
+            <a:schemeClr val="accent1"/>
+          </a:effectRef>
+          <a:fontRef idx="minor">
+            <a:schemeClr val="tx1"/>
+          </a:fontRef>
+        </p:style>
+      </p:cxnSp>
+      <p:sp>
+        <p:nvSpPr>
+          <p:cNvPr id="26" name="Rectangle: Rounded Corners 25">
+            <a:extLst>
+              <a:ext uri="{FF2B5EF4-FFF2-40B4-BE49-F238E27FC236}">
+                <a16:creationId xmlns:a16="http://schemas.microsoft.com/office/drawing/2014/main" id="{F2990995-A28F-44FE-AB0A-7E65C4ADC320}"/>
+              </a:ext>
+            </a:extLst>
+          </p:cNvPr>
+          <p:cNvSpPr/>
+          <p:nvPr/>
+        </p:nvSpPr>
+        <p:spPr>
+          <a:xfrm>
+            <a:off x="6969371" y="4929524"/>
+            <a:ext cx="2413262" cy="725863"/>
+          </a:xfrm>
+          <a:prstGeom prst="roundRect">
+            <a:avLst/>
+          </a:prstGeom>
+          <a:noFill/>
+        </p:spPr>
+        <p:style>
+          <a:lnRef idx="2">
+            <a:schemeClr val="accent1">
+              <a:shade val="50000"/>
+            </a:schemeClr>
+          </a:lnRef>
+          <a:fillRef idx="1">
+            <a:schemeClr val="accent1"/>
+          </a:fillRef>
+          <a:effectRef idx="0">
+            <a:schemeClr val="accent1"/>
+          </a:effectRef>
+          <a:fontRef idx="minor">
+            <a:schemeClr val="lt1"/>
+          </a:fontRef>
+        </p:style>
+        <p:txBody>
+          <a:bodyPr rtlCol="0" anchor="ctr"/>
+          <a:lstStyle/>
+          <a:p>
+            <a:pPr algn="ctr"/>
+            <a:r>
+              <a:rPr lang="en-US" dirty="0">
+                <a:solidFill>
+                  <a:schemeClr val="tx1"/>
+                </a:solidFill>
+              </a:rPr>
+              <a:t>Jenkins-x-prod</a:t>
+            </a:r>
+          </a:p>
+        </p:txBody>
+      </p:sp>
+      <p:sp>
+        <p:nvSpPr>
+          <p:cNvPr id="27" name="Wave 26">
+            <a:extLst>
+              <a:ext uri="{FF2B5EF4-FFF2-40B4-BE49-F238E27FC236}">
+                <a16:creationId xmlns:a16="http://schemas.microsoft.com/office/drawing/2014/main" id="{48570E6A-761F-432D-AFB9-CCFC78BBFF37}"/>
+              </a:ext>
+            </a:extLst>
+          </p:cNvPr>
+          <p:cNvSpPr/>
+          <p:nvPr/>
+        </p:nvSpPr>
+        <p:spPr>
+          <a:xfrm>
+            <a:off x="4173538" y="5030282"/>
+            <a:ext cx="1670115" cy="568752"/>
+          </a:xfrm>
+          <a:prstGeom prst="wave">
+            <a:avLst>
+              <a:gd name="adj1" fmla="val 12500"/>
+              <a:gd name="adj2" fmla="val 0"/>
+            </a:avLst>
+          </a:prstGeom>
+          <a:noFill/>
+        </p:spPr>
+        <p:style>
+          <a:lnRef idx="2">
+            <a:schemeClr val="accent1">
+              <a:shade val="50000"/>
+            </a:schemeClr>
+          </a:lnRef>
+          <a:fillRef idx="1">
+            <a:schemeClr val="accent1"/>
+          </a:fillRef>
+          <a:effectRef idx="0">
+            <a:schemeClr val="accent1"/>
+          </a:effectRef>
+          <a:fontRef idx="minor">
+            <a:schemeClr val="lt1"/>
+          </a:fontRef>
+        </p:style>
+        <p:txBody>
+          <a:bodyPr rtlCol="0" anchor="ctr"/>
+          <a:lstStyle/>
+          <a:p>
+            <a:pPr algn="ctr"/>
+            <a:r>
+              <a:rPr lang="en-US" dirty="0">
+                <a:solidFill>
+                  <a:schemeClr val="tx1"/>
+                </a:solidFill>
+              </a:rPr>
+              <a:t>Jenkins-x-prod</a:t>
+            </a:r>
+            <a:endParaRPr lang="en-US" dirty="0"/>
+          </a:p>
+        </p:txBody>
+      </p:sp>
+      <p:sp>
+        <p:nvSpPr>
+          <p:cNvPr id="28" name="Rectangle: Rounded Corners 27">
+            <a:extLst>
+              <a:ext uri="{FF2B5EF4-FFF2-40B4-BE49-F238E27FC236}">
+                <a16:creationId xmlns:a16="http://schemas.microsoft.com/office/drawing/2014/main" id="{06BB3EA9-02AB-4016-BAE4-37974CC942D9}"/>
+              </a:ext>
+            </a:extLst>
+          </p:cNvPr>
+          <p:cNvSpPr/>
+          <p:nvPr/>
+        </p:nvSpPr>
+        <p:spPr>
+          <a:xfrm>
+            <a:off x="1760276" y="4951726"/>
+            <a:ext cx="2413262" cy="725863"/>
+          </a:xfrm>
+          <a:prstGeom prst="roundRect">
+            <a:avLst/>
+          </a:prstGeom>
+          <a:noFill/>
+        </p:spPr>
+        <p:style>
+          <a:lnRef idx="2">
+            <a:schemeClr val="accent1">
+              <a:shade val="50000"/>
+            </a:schemeClr>
+          </a:lnRef>
+          <a:fillRef idx="1">
+            <a:schemeClr val="accent1"/>
+          </a:fillRef>
+          <a:effectRef idx="0">
+            <a:schemeClr val="accent1"/>
+          </a:effectRef>
+          <a:fontRef idx="minor">
+            <a:schemeClr val="lt1"/>
+          </a:fontRef>
+        </p:style>
+        <p:txBody>
+          <a:bodyPr rtlCol="0" anchor="ctr"/>
+          <a:lstStyle/>
+          <a:p>
+            <a:pPr algn="ctr"/>
+            <a:r>
+              <a:rPr lang="en-US" dirty="0" err="1">
+                <a:solidFill>
+                  <a:schemeClr val="tx1"/>
+                </a:solidFill>
+              </a:rPr>
+              <a:t>Event_Trigger</a:t>
+            </a:r>
+            <a:endParaRPr lang="en-US" dirty="0">
+              <a:solidFill>
+                <a:schemeClr val="tx1"/>
+              </a:solidFill>
+            </a:endParaRPr>
+          </a:p>
+        </p:txBody>
+      </p:sp>
+      <p:cxnSp>
+        <p:nvCxnSpPr>
+          <p:cNvPr id="29" name="Straight Arrow Connector 28">
+            <a:extLst>
+              <a:ext uri="{FF2B5EF4-FFF2-40B4-BE49-F238E27FC236}">
+                <a16:creationId xmlns:a16="http://schemas.microsoft.com/office/drawing/2014/main" id="{227F6A93-F73C-4EDC-A12C-FD444DAC1AB0}"/>
+              </a:ext>
+            </a:extLst>
+          </p:cNvPr>
+          <p:cNvCxnSpPr>
+            <a:cxnSpLocks/>
+            <a:endCxn id="26" idx="1"/>
+          </p:cNvCxnSpPr>
+          <p:nvPr/>
+        </p:nvCxnSpPr>
+        <p:spPr>
+          <a:xfrm>
+            <a:off x="5843653" y="5292456"/>
+            <a:ext cx="1125718" cy="0"/>
+          </a:xfrm>
+          <a:prstGeom prst="straightConnector1">
+            <a:avLst/>
+          </a:prstGeom>
+          <a:ln>
+            <a:tailEnd type="triangle"/>
+          </a:ln>
+        </p:spPr>
+        <p:style>
+          <a:lnRef idx="1">
+            <a:schemeClr val="accent1"/>
+          </a:lnRef>
+          <a:fillRef idx="0">
+            <a:schemeClr val="accent1"/>
+          </a:fillRef>
+          <a:effectRef idx="0">
+            <a:schemeClr val="accent1"/>
+          </a:effectRef>
+          <a:fontRef idx="minor">
+            <a:schemeClr val="tx1"/>
+          </a:fontRef>
+        </p:style>
+      </p:cxnSp>
+      <p:sp>
+        <p:nvSpPr>
+          <p:cNvPr id="30" name="Rectangle 29">
+            <a:extLst>
+              <a:ext uri="{FF2B5EF4-FFF2-40B4-BE49-F238E27FC236}">
+                <a16:creationId xmlns:a16="http://schemas.microsoft.com/office/drawing/2014/main" id="{C2F5D739-1076-466C-98F1-1CFB81F90939}"/>
+              </a:ext>
+            </a:extLst>
+          </p:cNvPr>
+          <p:cNvSpPr/>
+          <p:nvPr/>
+        </p:nvSpPr>
+        <p:spPr>
+          <a:xfrm>
+            <a:off x="1574489" y="4653787"/>
+            <a:ext cx="8000606" cy="1716789"/>
+          </a:xfrm>
+          <a:prstGeom prst="rect">
+            <a:avLst/>
+          </a:prstGeom>
+          <a:noFill/>
+        </p:spPr>
+        <p:style>
+          <a:lnRef idx="2">
+            <a:schemeClr val="accent1">
+              <a:shade val="50000"/>
+            </a:schemeClr>
+          </a:lnRef>
+          <a:fillRef idx="1">
+            <a:schemeClr val="accent1"/>
+          </a:fillRef>
+          <a:effectRef idx="0">
+            <a:schemeClr val="accent1"/>
+          </a:effectRef>
+          <a:fontRef idx="minor">
+            <a:schemeClr val="lt1"/>
+          </a:fontRef>
+        </p:style>
+        <p:txBody>
+          <a:bodyPr rtlCol="0" anchor="ctr"/>
+          <a:lstStyle/>
+          <a:p>
+            <a:pPr algn="ctr"/>
+            <a:endParaRPr lang="en-US"/>
+          </a:p>
+        </p:txBody>
+      </p:sp>
+      <p:sp>
+        <p:nvSpPr>
+          <p:cNvPr id="31" name="TextBox 30">
+            <a:extLst>
+              <a:ext uri="{FF2B5EF4-FFF2-40B4-BE49-F238E27FC236}">
+                <a16:creationId xmlns:a16="http://schemas.microsoft.com/office/drawing/2014/main" id="{09AF0E6E-C36A-4963-99BA-75FBB041EE23}"/>
+              </a:ext>
+            </a:extLst>
+          </p:cNvPr>
+          <p:cNvSpPr txBox="1"/>
+          <p:nvPr/>
+        </p:nvSpPr>
+        <p:spPr>
+          <a:xfrm>
+            <a:off x="1760276" y="5975528"/>
+            <a:ext cx="2414187" cy="369332"/>
+          </a:xfrm>
+          <a:prstGeom prst="rect">
+            <a:avLst/>
+          </a:prstGeom>
+          <a:noFill/>
+        </p:spPr>
+        <p:txBody>
+          <a:bodyPr wrap="none" rtlCol="0">
+            <a:spAutoFit/>
+          </a:bodyPr>
+          <a:lstStyle/>
+          <a:p>
+            <a:r>
+              <a:rPr lang="en-US" dirty="0"/>
+              <a:t>Strategy: Jenkins-x-prod</a:t>
+            </a:r>
+          </a:p>
+        </p:txBody>
+      </p:sp>
+      <p:sp>
+        <p:nvSpPr>
+          <p:cNvPr id="32" name="Wave 31">
+            <a:extLst>
+              <a:ext uri="{FF2B5EF4-FFF2-40B4-BE49-F238E27FC236}">
+                <a16:creationId xmlns:a16="http://schemas.microsoft.com/office/drawing/2014/main" id="{4C24BE44-B0DD-4CAF-86F8-80A3E476C2CC}"/>
+              </a:ext>
+            </a:extLst>
+          </p:cNvPr>
+          <p:cNvSpPr/>
+          <p:nvPr/>
+        </p:nvSpPr>
+        <p:spPr>
+          <a:xfrm>
+            <a:off x="141614" y="5086635"/>
+            <a:ext cx="1247088" cy="568752"/>
+          </a:xfrm>
+          <a:prstGeom prst="wave">
+            <a:avLst>
+              <a:gd name="adj1" fmla="val 12500"/>
+              <a:gd name="adj2" fmla="val 0"/>
+            </a:avLst>
+          </a:prstGeom>
+          <a:noFill/>
+        </p:spPr>
+        <p:style>
+          <a:lnRef idx="2">
+            <a:schemeClr val="accent1">
+              <a:shade val="50000"/>
+            </a:schemeClr>
+          </a:lnRef>
+          <a:fillRef idx="1">
+            <a:schemeClr val="accent1"/>
+          </a:fillRef>
+          <a:effectRef idx="0">
+            <a:schemeClr val="accent1"/>
+          </a:effectRef>
+          <a:fontRef idx="minor">
+            <a:schemeClr val="lt1"/>
+          </a:fontRef>
+        </p:style>
+        <p:txBody>
+          <a:bodyPr rtlCol="0" anchor="ctr"/>
+          <a:lstStyle/>
+          <a:p>
+            <a:pPr algn="ctr"/>
+            <a:r>
+              <a:rPr lang="en-US" dirty="0">
+                <a:solidFill>
+                  <a:schemeClr val="tx1"/>
+                </a:solidFill>
+              </a:rPr>
+              <a:t>PR(9abc)</a:t>
+            </a:r>
+            <a:endParaRPr lang="en-US" dirty="0"/>
+          </a:p>
+        </p:txBody>
+      </p:sp>
+      <p:cxnSp>
+        <p:nvCxnSpPr>
+          <p:cNvPr id="33" name="Straight Arrow Connector 32">
+            <a:extLst>
+              <a:ext uri="{FF2B5EF4-FFF2-40B4-BE49-F238E27FC236}">
+                <a16:creationId xmlns:a16="http://schemas.microsoft.com/office/drawing/2014/main" id="{9C5C89C4-A004-4776-B1C1-67AF2691F90D}"/>
+              </a:ext>
+            </a:extLst>
+          </p:cNvPr>
+          <p:cNvCxnSpPr>
+            <a:cxnSpLocks/>
+            <a:stCxn id="32" idx="3"/>
+            <a:endCxn id="28" idx="1"/>
+          </p:cNvCxnSpPr>
+          <p:nvPr/>
+        </p:nvCxnSpPr>
+        <p:spPr>
+          <a:xfrm flipV="1">
+            <a:off x="1388702" y="5314658"/>
+            <a:ext cx="371574" cy="56353"/>
+          </a:xfrm>
+          <a:prstGeom prst="straightConnector1">
+            <a:avLst/>
+          </a:prstGeom>
+          <a:ln>
+            <a:tailEnd type="triangle"/>
+          </a:ln>
+        </p:spPr>
+        <p:style>
+          <a:lnRef idx="1">
+            <a:schemeClr val="accent1"/>
+          </a:lnRef>
+          <a:fillRef idx="0">
+            <a:schemeClr val="accent1"/>
+          </a:fillRef>
+          <a:effectRef idx="0">
+            <a:schemeClr val="accent1"/>
+          </a:effectRef>
+          <a:fontRef idx="minor">
+            <a:schemeClr val="tx1"/>
+          </a:fontRef>
+        </p:style>
+      </p:cxnSp>
+      <p:sp>
+        <p:nvSpPr>
+          <p:cNvPr id="34" name="Wave 33">
+            <a:extLst>
+              <a:ext uri="{FF2B5EF4-FFF2-40B4-BE49-F238E27FC236}">
+                <a16:creationId xmlns:a16="http://schemas.microsoft.com/office/drawing/2014/main" id="{C9EBDC9B-50CA-450C-BA35-8D1CE51D25C9}"/>
+              </a:ext>
+            </a:extLst>
+          </p:cNvPr>
+          <p:cNvSpPr/>
+          <p:nvPr/>
+        </p:nvSpPr>
+        <p:spPr>
+          <a:xfrm>
+            <a:off x="7340944" y="5655387"/>
+            <a:ext cx="1749453" cy="568752"/>
+          </a:xfrm>
+          <a:prstGeom prst="wave">
+            <a:avLst>
+              <a:gd name="adj1" fmla="val 12500"/>
+              <a:gd name="adj2" fmla="val 0"/>
+            </a:avLst>
+          </a:prstGeom>
+          <a:noFill/>
+        </p:spPr>
+        <p:style>
+          <a:lnRef idx="2">
+            <a:schemeClr val="accent1">
+              <a:shade val="50000"/>
+            </a:schemeClr>
+          </a:lnRef>
+          <a:fillRef idx="1">
+            <a:schemeClr val="accent1"/>
+          </a:fillRef>
+          <a:effectRef idx="0">
+            <a:schemeClr val="accent1"/>
+          </a:effectRef>
+          <a:fontRef idx="minor">
+            <a:schemeClr val="lt1"/>
+          </a:fontRef>
+        </p:style>
+        <p:txBody>
+          <a:bodyPr rtlCol="0" anchor="ctr"/>
+          <a:lstStyle/>
+          <a:p>
+            <a:pPr algn="ctr"/>
+            <a:r>
+              <a:rPr lang="en-US" sz="1200" dirty="0">
+                <a:solidFill>
+                  <a:schemeClr val="tx1"/>
+                </a:solidFill>
+              </a:rPr>
+              <a:t>Jenkins-x-prod(success)</a:t>
+            </a:r>
+            <a:endParaRPr lang="en-US" sz="1200" dirty="0"/>
+          </a:p>
+        </p:txBody>
+      </p:sp>
+      <p:sp>
+        <p:nvSpPr>
+          <p:cNvPr id="37" name="Flowchart: Magnetic Disk 36">
+            <a:extLst>
+              <a:ext uri="{FF2B5EF4-FFF2-40B4-BE49-F238E27FC236}">
+                <a16:creationId xmlns:a16="http://schemas.microsoft.com/office/drawing/2014/main" id="{77B8AAFC-78D2-4CF9-9261-04900158C135}"/>
+              </a:ext>
+            </a:extLst>
+          </p:cNvPr>
+          <p:cNvSpPr/>
+          <p:nvPr/>
+        </p:nvSpPr>
+        <p:spPr>
+          <a:xfrm>
+            <a:off x="10218038" y="5149249"/>
+            <a:ext cx="1509947" cy="725863"/>
+          </a:xfrm>
+          <a:prstGeom prst="flowChartMagneticDisk">
+            <a:avLst/>
+          </a:prstGeom>
+          <a:noFill/>
+        </p:spPr>
+        <p:style>
+          <a:lnRef idx="2">
+            <a:schemeClr val="accent1">
+              <a:shade val="50000"/>
+            </a:schemeClr>
+          </a:lnRef>
+          <a:fillRef idx="1">
+            <a:schemeClr val="accent1"/>
+          </a:fillRef>
+          <a:effectRef idx="0">
+            <a:schemeClr val="accent1"/>
+          </a:effectRef>
+          <a:fontRef idx="minor">
+            <a:schemeClr val="lt1"/>
+          </a:fontRef>
+        </p:style>
+        <p:txBody>
+          <a:bodyPr rtlCol="0" anchor="ctr"/>
+          <a:lstStyle/>
+          <a:p>
+            <a:pPr algn="ctr"/>
+            <a:r>
+              <a:rPr lang="en-US" sz="1400" dirty="0">
+                <a:solidFill>
+                  <a:schemeClr val="tx1"/>
+                </a:solidFill>
+              </a:rPr>
+              <a:t>name: prod</a:t>
+            </a:r>
+          </a:p>
+          <a:p>
+            <a:pPr algn="ctr"/>
+            <a:r>
+              <a:rPr lang="en-US" sz="1400" dirty="0">
+                <a:solidFill>
+                  <a:schemeClr val="tx1"/>
+                </a:solidFill>
+              </a:rPr>
+              <a:t> type: </a:t>
+            </a:r>
+            <a:r>
+              <a:rPr lang="en-US" sz="1400" dirty="0" err="1">
+                <a:solidFill>
+                  <a:schemeClr val="tx1"/>
+                </a:solidFill>
+              </a:rPr>
+              <a:t>github</a:t>
+            </a:r>
+            <a:endParaRPr lang="en-US" sz="1400" dirty="0">
+              <a:solidFill>
+                <a:schemeClr val="tx1"/>
+              </a:solidFill>
+            </a:endParaRPr>
+          </a:p>
+        </p:txBody>
+      </p:sp>
+      <p:cxnSp>
+        <p:nvCxnSpPr>
+          <p:cNvPr id="44" name="Straight Arrow Connector 43">
+            <a:extLst>
+              <a:ext uri="{FF2B5EF4-FFF2-40B4-BE49-F238E27FC236}">
+                <a16:creationId xmlns:a16="http://schemas.microsoft.com/office/drawing/2014/main" id="{7FB2F3AE-3290-4A96-8965-1B016632994C}"/>
+              </a:ext>
+            </a:extLst>
+          </p:cNvPr>
+          <p:cNvCxnSpPr>
+            <a:cxnSpLocks/>
+            <a:stCxn id="37" idx="2"/>
+            <a:endCxn id="26" idx="3"/>
+          </p:cNvCxnSpPr>
+          <p:nvPr/>
+        </p:nvCxnSpPr>
+        <p:spPr>
+          <a:xfrm flipH="1" flipV="1">
+            <a:off x="9382633" y="5292456"/>
+            <a:ext cx="835405" cy="219725"/>
+          </a:xfrm>
+          <a:prstGeom prst="straightConnector1">
+            <a:avLst/>
+          </a:prstGeom>
+          <a:ln>
+            <a:prstDash val="dashDot"/>
+            <a:tailEnd type="triangle"/>
+          </a:ln>
+        </p:spPr>
+        <p:style>
+          <a:lnRef idx="1">
+            <a:schemeClr val="accent1"/>
+          </a:lnRef>
+          <a:fillRef idx="0">
+            <a:schemeClr val="accent1"/>
+          </a:fillRef>
+          <a:effectRef idx="0">
+            <a:schemeClr val="accent1"/>
+          </a:effectRef>
+          <a:fontRef idx="minor">
+            <a:schemeClr val="tx1"/>
+          </a:fontRef>
+        </p:style>
+      </p:cxnSp>
+      <p:sp>
+        <p:nvSpPr>
+          <p:cNvPr id="45" name="Flowchart: Magnetic Disk 44">
+            <a:extLst>
+              <a:ext uri="{FF2B5EF4-FFF2-40B4-BE49-F238E27FC236}">
+                <a16:creationId xmlns:a16="http://schemas.microsoft.com/office/drawing/2014/main" id="{05536626-415D-402A-A31A-0AFA2F01A91E}"/>
+              </a:ext>
+            </a:extLst>
+          </p:cNvPr>
+          <p:cNvSpPr/>
+          <p:nvPr/>
+        </p:nvSpPr>
+        <p:spPr>
+          <a:xfrm>
+            <a:off x="10252827" y="3519991"/>
+            <a:ext cx="1509947" cy="725863"/>
+          </a:xfrm>
+          <a:prstGeom prst="flowChartMagneticDisk">
+            <a:avLst/>
+          </a:prstGeom>
+          <a:noFill/>
+        </p:spPr>
+        <p:style>
+          <a:lnRef idx="2">
+            <a:schemeClr val="accent1">
+              <a:shade val="50000"/>
+            </a:schemeClr>
+          </a:lnRef>
+          <a:fillRef idx="1">
+            <a:schemeClr val="accent1"/>
+          </a:fillRef>
+          <a:effectRef idx="0">
+            <a:schemeClr val="accent1"/>
+          </a:effectRef>
+          <a:fontRef idx="minor">
+            <a:schemeClr val="lt1"/>
+          </a:fontRef>
+        </p:style>
+        <p:txBody>
+          <a:bodyPr rtlCol="0" anchor="ctr"/>
+          <a:lstStyle/>
+          <a:p>
+            <a:pPr algn="ctr"/>
+            <a:r>
+              <a:rPr lang="en-US" sz="1400" dirty="0">
+                <a:solidFill>
+                  <a:schemeClr val="tx1"/>
+                </a:solidFill>
+              </a:rPr>
+              <a:t>name: prod</a:t>
+            </a:r>
+          </a:p>
+          <a:p>
+            <a:pPr algn="ctr"/>
+            <a:r>
+              <a:rPr lang="en-US" sz="1400" dirty="0">
+                <a:solidFill>
+                  <a:schemeClr val="tx1"/>
+                </a:solidFill>
+              </a:rPr>
+              <a:t> type: </a:t>
+            </a:r>
+            <a:r>
+              <a:rPr lang="en-US" sz="1400" dirty="0" err="1">
+                <a:solidFill>
+                  <a:schemeClr val="tx1"/>
+                </a:solidFill>
+              </a:rPr>
+              <a:t>github</a:t>
+            </a:r>
+            <a:endParaRPr lang="en-US" sz="1400" dirty="0">
+              <a:solidFill>
+                <a:schemeClr val="tx1"/>
+              </a:solidFill>
+            </a:endParaRPr>
+          </a:p>
+        </p:txBody>
+      </p:sp>
+      <p:sp>
+        <p:nvSpPr>
+          <p:cNvPr id="48" name="Flowchart: Magnetic Disk 47">
+            <a:extLst>
+              <a:ext uri="{FF2B5EF4-FFF2-40B4-BE49-F238E27FC236}">
+                <a16:creationId xmlns:a16="http://schemas.microsoft.com/office/drawing/2014/main" id="{896C5A1D-8A86-49DD-9D2A-36E210A6981D}"/>
+              </a:ext>
+            </a:extLst>
+          </p:cNvPr>
+          <p:cNvSpPr/>
+          <p:nvPr/>
+        </p:nvSpPr>
+        <p:spPr>
+          <a:xfrm>
+            <a:off x="10221616" y="1816766"/>
+            <a:ext cx="1509947" cy="725863"/>
+          </a:xfrm>
+          <a:prstGeom prst="flowChartMagneticDisk">
+            <a:avLst/>
+          </a:prstGeom>
+          <a:noFill/>
+        </p:spPr>
+        <p:style>
+          <a:lnRef idx="2">
+            <a:schemeClr val="accent1">
+              <a:shade val="50000"/>
+            </a:schemeClr>
+          </a:lnRef>
+          <a:fillRef idx="1">
+            <a:schemeClr val="accent1"/>
+          </a:fillRef>
+          <a:effectRef idx="0">
+            <a:schemeClr val="accent1"/>
+          </a:effectRef>
+          <a:fontRef idx="minor">
+            <a:schemeClr val="lt1"/>
+          </a:fontRef>
+        </p:style>
+        <p:txBody>
+          <a:bodyPr rtlCol="0" anchor="ctr"/>
+          <a:lstStyle/>
+          <a:p>
+            <a:pPr algn="ctr"/>
+            <a:r>
+              <a:rPr lang="en-US" sz="1400" dirty="0">
+                <a:solidFill>
+                  <a:schemeClr val="tx1"/>
+                </a:solidFill>
+              </a:rPr>
+              <a:t>name: staging</a:t>
+            </a:r>
+          </a:p>
+          <a:p>
+            <a:pPr algn="ctr"/>
+            <a:r>
+              <a:rPr lang="en-US" sz="1400" dirty="0">
+                <a:solidFill>
+                  <a:schemeClr val="tx1"/>
+                </a:solidFill>
+              </a:rPr>
+              <a:t> type: </a:t>
+            </a:r>
+            <a:r>
+              <a:rPr lang="en-US" sz="1400" dirty="0" err="1">
+                <a:solidFill>
+                  <a:schemeClr val="tx1"/>
+                </a:solidFill>
+              </a:rPr>
+              <a:t>github</a:t>
+            </a:r>
+            <a:endParaRPr lang="en-US" sz="1400" dirty="0">
+              <a:solidFill>
+                <a:schemeClr val="tx1"/>
+              </a:solidFill>
+            </a:endParaRPr>
+          </a:p>
+        </p:txBody>
+      </p:sp>
+      <p:cxnSp>
+        <p:nvCxnSpPr>
+          <p:cNvPr id="49" name="Straight Arrow Connector 48">
+            <a:extLst>
+              <a:ext uri="{FF2B5EF4-FFF2-40B4-BE49-F238E27FC236}">
+                <a16:creationId xmlns:a16="http://schemas.microsoft.com/office/drawing/2014/main" id="{20E2B340-BD9C-4F12-84C8-FC8E616EBF7B}"/>
+              </a:ext>
+            </a:extLst>
+          </p:cNvPr>
+          <p:cNvCxnSpPr>
+            <a:cxnSpLocks/>
+            <a:stCxn id="3" idx="3"/>
+            <a:endCxn id="48" idx="2"/>
+          </p:cNvCxnSpPr>
+          <p:nvPr/>
+        </p:nvCxnSpPr>
+        <p:spPr>
+          <a:xfrm>
+            <a:off x="9385171" y="1375538"/>
+            <a:ext cx="836445" cy="804160"/>
+          </a:xfrm>
+          <a:prstGeom prst="straightConnector1">
+            <a:avLst/>
+          </a:prstGeom>
+          <a:ln>
+            <a:prstDash val="dashDot"/>
+            <a:tailEnd type="triangle"/>
+          </a:ln>
+        </p:spPr>
+        <p:style>
+          <a:lnRef idx="1">
+            <a:schemeClr val="accent1"/>
+          </a:lnRef>
+          <a:fillRef idx="0">
+            <a:schemeClr val="accent1"/>
+          </a:fillRef>
+          <a:effectRef idx="0">
+            <a:schemeClr val="accent1"/>
+          </a:effectRef>
+          <a:fontRef idx="minor">
+            <a:schemeClr val="tx1"/>
+          </a:fontRef>
+        </p:style>
+      </p:cxnSp>
+      <p:cxnSp>
+        <p:nvCxnSpPr>
+          <p:cNvPr id="50" name="Straight Arrow Connector 49">
+            <a:extLst>
+              <a:ext uri="{FF2B5EF4-FFF2-40B4-BE49-F238E27FC236}">
+                <a16:creationId xmlns:a16="http://schemas.microsoft.com/office/drawing/2014/main" id="{65FD01A2-057F-45FC-B604-EC2E63643B0F}"/>
+              </a:ext>
+            </a:extLst>
+          </p:cNvPr>
+          <p:cNvCxnSpPr>
+            <a:cxnSpLocks/>
+            <a:stCxn id="63" idx="3"/>
+            <a:endCxn id="45" idx="2"/>
+          </p:cNvCxnSpPr>
+          <p:nvPr/>
+        </p:nvCxnSpPr>
+        <p:spPr>
+          <a:xfrm>
+            <a:off x="9382633" y="3239797"/>
+            <a:ext cx="870194" cy="643126"/>
+          </a:xfrm>
+          <a:prstGeom prst="straightConnector1">
+            <a:avLst/>
+          </a:prstGeom>
+          <a:ln>
+            <a:prstDash val="dashDot"/>
+            <a:tailEnd type="triangle"/>
+          </a:ln>
+        </p:spPr>
+        <p:style>
+          <a:lnRef idx="1">
+            <a:schemeClr val="accent1"/>
+          </a:lnRef>
+          <a:fillRef idx="0">
+            <a:schemeClr val="accent1"/>
+          </a:fillRef>
+          <a:effectRef idx="0">
+            <a:schemeClr val="accent1"/>
+          </a:effectRef>
+          <a:fontRef idx="minor">
+            <a:schemeClr val="tx1"/>
+          </a:fontRef>
+        </p:style>
+      </p:cxnSp>
+      <p:cxnSp>
+        <p:nvCxnSpPr>
+          <p:cNvPr id="55" name="Straight Arrow Connector 54">
+            <a:extLst>
+              <a:ext uri="{FF2B5EF4-FFF2-40B4-BE49-F238E27FC236}">
+                <a16:creationId xmlns:a16="http://schemas.microsoft.com/office/drawing/2014/main" id="{8E6F897A-0CFC-4721-8483-0755894B8685}"/>
+              </a:ext>
+            </a:extLst>
+          </p:cNvPr>
+          <p:cNvCxnSpPr>
+            <a:cxnSpLocks/>
+          </p:cNvCxnSpPr>
+          <p:nvPr/>
+        </p:nvCxnSpPr>
+        <p:spPr>
+          <a:xfrm>
+            <a:off x="9385171" y="1375538"/>
+            <a:ext cx="1089102" cy="786331"/>
+          </a:xfrm>
+          <a:prstGeom prst="straightConnector1">
+            <a:avLst/>
+          </a:prstGeom>
+          <a:ln>
+            <a:prstDash val="dashDot"/>
+            <a:tailEnd type="triangle"/>
+          </a:ln>
+        </p:spPr>
+        <p:style>
+          <a:lnRef idx="1">
+            <a:schemeClr val="accent1"/>
+          </a:lnRef>
+          <a:fillRef idx="0">
+            <a:schemeClr val="accent1"/>
+          </a:fillRef>
+          <a:effectRef idx="0">
+            <a:schemeClr val="accent1"/>
+          </a:effectRef>
+          <a:fontRef idx="minor">
+            <a:schemeClr val="tx1"/>
+          </a:fontRef>
+        </p:style>
+      </p:cxnSp>
+    </p:spTree>
+    <p:extLst>
+      <p:ext uri="{BB962C8B-B14F-4D97-AF65-F5344CB8AC3E}">
+        <p14:creationId xmlns:p14="http://schemas.microsoft.com/office/powerpoint/2010/main" val="3196723464"/>
+      </p:ext>
+    </p:extLst>
+  </p:cSld>
+  <p:clrMapOvr>
+    <a:masterClrMapping/>
+  </p:clrMapOvr>
+</p:sld>
+</file>
+
+<file path=ppt/slides/slide13.xml><?xml version="1.0" encoding="utf-8"?>
+<p:sld xmlns:a="http://schemas.openxmlformats.org/drawingml/2006/main" xmlns:r="http://schemas.openxmlformats.org/officeDocument/2006/relationships" xmlns:p="http://schemas.openxmlformats.org/presentationml/2006/main">
+  <p:cSld>
+    <p:spTree>
+      <p:nvGrpSpPr>
+        <p:cNvPr id="1" name=""/>
+        <p:cNvGrpSpPr/>
+        <p:nvPr/>
+      </p:nvGrpSpPr>
+      <p:grpSpPr>
+        <a:xfrm>
+          <a:off x="0" y="0"/>
+          <a:ext cx="0" cy="0"/>
+          <a:chOff x="0" y="0"/>
+          <a:chExt cx="0" cy="0"/>
+        </a:xfrm>
+      </p:grpSpPr>
+      <p:sp>
+        <p:nvSpPr>
+          <p:cNvPr id="3" name="Rectangle: Rounded Corners 2">
+            <a:extLst>
+              <a:ext uri="{FF2B5EF4-FFF2-40B4-BE49-F238E27FC236}">
+                <a16:creationId xmlns:a16="http://schemas.microsoft.com/office/drawing/2014/main" id="{C0D5A236-A065-4709-893C-F90C190C5A91}"/>
+              </a:ext>
+            </a:extLst>
+          </p:cNvPr>
+          <p:cNvSpPr/>
+          <p:nvPr/>
+        </p:nvSpPr>
+        <p:spPr>
+          <a:xfrm>
+            <a:off x="4617675" y="954465"/>
+            <a:ext cx="854697" cy="725863"/>
+          </a:xfrm>
+          <a:prstGeom prst="roundRect">
+            <a:avLst/>
+          </a:prstGeom>
+          <a:noFill/>
+        </p:spPr>
+        <p:style>
+          <a:lnRef idx="2">
+            <a:schemeClr val="accent1">
+              <a:shade val="50000"/>
+            </a:schemeClr>
+          </a:lnRef>
+          <a:fillRef idx="1">
+            <a:schemeClr val="accent1"/>
+          </a:fillRef>
+          <a:effectRef idx="0">
+            <a:schemeClr val="accent1"/>
+          </a:effectRef>
+          <a:fontRef idx="minor">
+            <a:schemeClr val="lt1"/>
+          </a:fontRef>
+        </p:style>
+        <p:txBody>
+          <a:bodyPr rtlCol="0" anchor="ctr"/>
+          <a:lstStyle/>
+          <a:p>
+            <a:pPr algn="ctr"/>
+            <a:r>
+              <a:rPr lang="en-US" dirty="0">
+                <a:solidFill>
+                  <a:schemeClr val="tx1"/>
+                </a:solidFill>
+              </a:rPr>
+              <a:t>Build</a:t>
+            </a:r>
+          </a:p>
+        </p:txBody>
+      </p:sp>
+      <p:sp>
+        <p:nvSpPr>
+          <p:cNvPr id="35" name="Wave 34">
+            <a:extLst>
+              <a:ext uri="{FF2B5EF4-FFF2-40B4-BE49-F238E27FC236}">
+                <a16:creationId xmlns:a16="http://schemas.microsoft.com/office/drawing/2014/main" id="{B05BD276-8C8E-4488-AF8C-D004CC7D7F40}"/>
+              </a:ext>
+            </a:extLst>
+          </p:cNvPr>
+          <p:cNvSpPr/>
+          <p:nvPr/>
+        </p:nvSpPr>
+        <p:spPr>
+          <a:xfrm>
+            <a:off x="2783481" y="1020897"/>
+            <a:ext cx="1477653" cy="568752"/>
+          </a:xfrm>
+          <a:prstGeom prst="wave">
+            <a:avLst>
+              <a:gd name="adj1" fmla="val 12500"/>
+              <a:gd name="adj2" fmla="val 0"/>
+            </a:avLst>
+          </a:prstGeom>
+          <a:noFill/>
+        </p:spPr>
+        <p:style>
+          <a:lnRef idx="2">
+            <a:schemeClr val="accent1">
+              <a:shade val="50000"/>
+            </a:schemeClr>
+          </a:lnRef>
+          <a:fillRef idx="1">
+            <a:schemeClr val="accent1"/>
+          </a:fillRef>
+          <a:effectRef idx="0">
+            <a:schemeClr val="accent1"/>
+          </a:effectRef>
+          <a:fontRef idx="minor">
+            <a:schemeClr val="lt1"/>
+          </a:fontRef>
+        </p:style>
+        <p:txBody>
+          <a:bodyPr rtlCol="0" anchor="ctr"/>
+          <a:lstStyle/>
+          <a:p>
+            <a:pPr algn="ctr"/>
+            <a:r>
+              <a:rPr lang="en-US" dirty="0" err="1">
+                <a:solidFill>
+                  <a:schemeClr val="tx1"/>
+                </a:solidFill>
+              </a:rPr>
+              <a:t>Start_build</a:t>
+            </a:r>
+            <a:endParaRPr lang="en-US" dirty="0"/>
+          </a:p>
+        </p:txBody>
+      </p:sp>
+      <p:sp>
+        <p:nvSpPr>
+          <p:cNvPr id="36" name="Rectangle: Rounded Corners 35">
+            <a:extLst>
+              <a:ext uri="{FF2B5EF4-FFF2-40B4-BE49-F238E27FC236}">
+                <a16:creationId xmlns:a16="http://schemas.microsoft.com/office/drawing/2014/main" id="{3CB1F720-D3C0-4185-ACA9-3494B1EE7627}"/>
+              </a:ext>
+            </a:extLst>
+          </p:cNvPr>
+          <p:cNvSpPr/>
+          <p:nvPr/>
+        </p:nvSpPr>
+        <p:spPr>
+          <a:xfrm>
+            <a:off x="1706255" y="942341"/>
+            <a:ext cx="1036946" cy="725863"/>
+          </a:xfrm>
+          <a:prstGeom prst="roundRect">
+            <a:avLst/>
+          </a:prstGeom>
+          <a:noFill/>
+        </p:spPr>
+        <p:style>
+          <a:lnRef idx="2">
+            <a:schemeClr val="accent1">
+              <a:shade val="50000"/>
+            </a:schemeClr>
+          </a:lnRef>
+          <a:fillRef idx="1">
+            <a:schemeClr val="accent1"/>
+          </a:fillRef>
+          <a:effectRef idx="0">
+            <a:schemeClr val="accent1"/>
+          </a:effectRef>
+          <a:fontRef idx="minor">
+            <a:schemeClr val="lt1"/>
+          </a:fontRef>
+        </p:style>
+        <p:txBody>
+          <a:bodyPr rtlCol="0" anchor="ctr"/>
+          <a:lstStyle/>
+          <a:p>
+            <a:pPr algn="ctr"/>
+            <a:r>
+              <a:rPr lang="en-US" dirty="0">
+                <a:solidFill>
+                  <a:schemeClr val="tx1"/>
+                </a:solidFill>
+              </a:rPr>
+              <a:t>Trigger</a:t>
+            </a:r>
+          </a:p>
+        </p:txBody>
+      </p:sp>
+      <p:sp>
+        <p:nvSpPr>
+          <p:cNvPr id="41" name="Rectangle 40">
+            <a:extLst>
+              <a:ext uri="{FF2B5EF4-FFF2-40B4-BE49-F238E27FC236}">
+                <a16:creationId xmlns:a16="http://schemas.microsoft.com/office/drawing/2014/main" id="{0A6EAB04-2C2D-479A-97ED-B4A9AFE22937}"/>
+              </a:ext>
+            </a:extLst>
+          </p:cNvPr>
+          <p:cNvSpPr/>
+          <p:nvPr/>
+        </p:nvSpPr>
+        <p:spPr>
+          <a:xfrm>
+            <a:off x="1520466" y="644402"/>
+            <a:ext cx="8415385" cy="1716789"/>
+          </a:xfrm>
+          <a:prstGeom prst="rect">
+            <a:avLst/>
+          </a:prstGeom>
+          <a:noFill/>
+        </p:spPr>
+        <p:style>
+          <a:lnRef idx="2">
+            <a:schemeClr val="accent1">
+              <a:shade val="50000"/>
+            </a:schemeClr>
+          </a:lnRef>
+          <a:fillRef idx="1">
+            <a:schemeClr val="accent1"/>
+          </a:fillRef>
+          <a:effectRef idx="0">
+            <a:schemeClr val="accent1"/>
+          </a:effectRef>
+          <a:fontRef idx="minor">
+            <a:schemeClr val="lt1"/>
+          </a:fontRef>
+        </p:style>
+        <p:txBody>
+          <a:bodyPr rtlCol="0" anchor="ctr"/>
+          <a:lstStyle/>
+          <a:p>
+            <a:pPr algn="ctr"/>
+            <a:endParaRPr lang="en-US"/>
+          </a:p>
+        </p:txBody>
+      </p:sp>
+      <p:sp>
+        <p:nvSpPr>
+          <p:cNvPr id="42" name="TextBox 41">
+            <a:extLst>
+              <a:ext uri="{FF2B5EF4-FFF2-40B4-BE49-F238E27FC236}">
+                <a16:creationId xmlns:a16="http://schemas.microsoft.com/office/drawing/2014/main" id="{6D62EA51-842B-4013-AC5B-E9E91BE2EC7A}"/>
+              </a:ext>
+            </a:extLst>
+          </p:cNvPr>
+          <p:cNvSpPr txBox="1"/>
+          <p:nvPr/>
+        </p:nvSpPr>
+        <p:spPr>
+          <a:xfrm>
+            <a:off x="1865402" y="2009180"/>
+            <a:ext cx="2358018" cy="369332"/>
+          </a:xfrm>
+          <a:prstGeom prst="rect">
+            <a:avLst/>
+          </a:prstGeom>
+          <a:noFill/>
+        </p:spPr>
+        <p:txBody>
+          <a:bodyPr wrap="none" rtlCol="0">
+            <a:spAutoFit/>
+          </a:bodyPr>
+          <a:lstStyle/>
+          <a:p>
+            <a:r>
+              <a:rPr lang="en-US" dirty="0"/>
+              <a:t>Strategy: svc-a-strategy</a:t>
+            </a:r>
+          </a:p>
+        </p:txBody>
+      </p:sp>
+      <p:sp>
+        <p:nvSpPr>
+          <p:cNvPr id="43" name="Wave 42">
+            <a:extLst>
+              <a:ext uri="{FF2B5EF4-FFF2-40B4-BE49-F238E27FC236}">
+                <a16:creationId xmlns:a16="http://schemas.microsoft.com/office/drawing/2014/main" id="{A92B2207-2F33-4DEB-91A3-676D07B36312}"/>
+              </a:ext>
+            </a:extLst>
+          </p:cNvPr>
+          <p:cNvSpPr/>
+          <p:nvPr/>
+        </p:nvSpPr>
+        <p:spPr>
+          <a:xfrm>
+            <a:off x="87592" y="1077250"/>
+            <a:ext cx="1247088" cy="568752"/>
+          </a:xfrm>
+          <a:prstGeom prst="wave">
+            <a:avLst>
+              <a:gd name="adj1" fmla="val 12500"/>
+              <a:gd name="adj2" fmla="val 0"/>
+            </a:avLst>
+          </a:prstGeom>
+          <a:noFill/>
+        </p:spPr>
+        <p:style>
+          <a:lnRef idx="2">
+            <a:schemeClr val="accent1">
+              <a:shade val="50000"/>
+            </a:schemeClr>
+          </a:lnRef>
+          <a:fillRef idx="1">
+            <a:schemeClr val="accent1"/>
+          </a:fillRef>
+          <a:effectRef idx="0">
+            <a:schemeClr val="accent1"/>
+          </a:effectRef>
+          <a:fontRef idx="minor">
+            <a:schemeClr val="lt1"/>
+          </a:fontRef>
+        </p:style>
+        <p:txBody>
+          <a:bodyPr rtlCol="0" anchor="ctr"/>
+          <a:lstStyle/>
+          <a:p>
+            <a:pPr algn="ctr"/>
+            <a:r>
+              <a:rPr lang="en-US" dirty="0">
+                <a:solidFill>
+                  <a:schemeClr val="tx1"/>
+                </a:solidFill>
+              </a:rPr>
+              <a:t>Push(1234)</a:t>
+            </a:r>
+            <a:endParaRPr lang="en-US" dirty="0"/>
+          </a:p>
+        </p:txBody>
+      </p:sp>
+      <p:cxnSp>
+        <p:nvCxnSpPr>
+          <p:cNvPr id="47" name="Straight Arrow Connector 46">
+            <a:extLst>
+              <a:ext uri="{FF2B5EF4-FFF2-40B4-BE49-F238E27FC236}">
+                <a16:creationId xmlns:a16="http://schemas.microsoft.com/office/drawing/2014/main" id="{CF53277F-C50F-4A71-96E2-FDBBEF33E409}"/>
+              </a:ext>
+            </a:extLst>
+          </p:cNvPr>
+          <p:cNvCxnSpPr>
+            <a:cxnSpLocks/>
+            <a:stCxn id="43" idx="3"/>
+            <a:endCxn id="36" idx="1"/>
+          </p:cNvCxnSpPr>
+          <p:nvPr/>
+        </p:nvCxnSpPr>
+        <p:spPr>
+          <a:xfrm flipV="1">
+            <a:off x="1334680" y="1305273"/>
+            <a:ext cx="371575" cy="56353"/>
+          </a:xfrm>
+          <a:prstGeom prst="straightConnector1">
+            <a:avLst/>
+          </a:prstGeom>
+          <a:ln>
+            <a:tailEnd type="triangle"/>
+          </a:ln>
+        </p:spPr>
+        <p:style>
+          <a:lnRef idx="1">
+            <a:schemeClr val="accent1"/>
+          </a:lnRef>
+          <a:fillRef idx="0">
+            <a:schemeClr val="accent1"/>
+          </a:fillRef>
+          <a:effectRef idx="0">
+            <a:schemeClr val="accent1"/>
+          </a:effectRef>
+          <a:fontRef idx="minor">
+            <a:schemeClr val="tx1"/>
+          </a:fontRef>
+        </p:style>
+      </p:cxnSp>
+      <p:sp>
+        <p:nvSpPr>
+          <p:cNvPr id="39" name="Flowchart: Magnetic Disk 38">
+            <a:extLst>
+              <a:ext uri="{FF2B5EF4-FFF2-40B4-BE49-F238E27FC236}">
+                <a16:creationId xmlns:a16="http://schemas.microsoft.com/office/drawing/2014/main" id="{7674CECD-D9DE-4493-B58C-24FC835CEC08}"/>
+              </a:ext>
+            </a:extLst>
+          </p:cNvPr>
+          <p:cNvSpPr/>
+          <p:nvPr/>
+        </p:nvSpPr>
+        <p:spPr>
+          <a:xfrm>
+            <a:off x="10350895" y="579409"/>
+            <a:ext cx="1509947" cy="725863"/>
+          </a:xfrm>
+          <a:prstGeom prst="flowChartMagneticDisk">
+            <a:avLst/>
+          </a:prstGeom>
+          <a:noFill/>
+        </p:spPr>
+        <p:style>
+          <a:lnRef idx="2">
+            <a:schemeClr val="accent1">
+              <a:shade val="50000"/>
+            </a:schemeClr>
+          </a:lnRef>
+          <a:fillRef idx="1">
+            <a:schemeClr val="accent1"/>
+          </a:fillRef>
+          <a:effectRef idx="0">
+            <a:schemeClr val="accent1"/>
+          </a:effectRef>
+          <a:fontRef idx="minor">
+            <a:schemeClr val="lt1"/>
+          </a:fontRef>
+        </p:style>
+        <p:txBody>
+          <a:bodyPr rtlCol="0" anchor="ctr"/>
+          <a:lstStyle/>
+          <a:p>
+            <a:pPr algn="ctr"/>
+            <a:r>
+              <a:rPr lang="en-US" sz="1400" dirty="0">
+                <a:solidFill>
+                  <a:schemeClr val="tx1"/>
+                </a:solidFill>
+              </a:rPr>
+              <a:t>name: source</a:t>
+            </a:r>
+          </a:p>
+          <a:p>
+            <a:pPr algn="ctr"/>
+            <a:r>
+              <a:rPr lang="en-US" sz="1400" dirty="0">
+                <a:solidFill>
+                  <a:schemeClr val="tx1"/>
+                </a:solidFill>
+              </a:rPr>
+              <a:t> type: </a:t>
+            </a:r>
+            <a:r>
+              <a:rPr lang="en-US" sz="1400" dirty="0" err="1">
+                <a:solidFill>
+                  <a:schemeClr val="tx1"/>
+                </a:solidFill>
+              </a:rPr>
+              <a:t>github</a:t>
+            </a:r>
+            <a:endParaRPr lang="en-US" sz="1400" dirty="0">
+              <a:solidFill>
+                <a:schemeClr val="tx1"/>
+              </a:solidFill>
+            </a:endParaRPr>
+          </a:p>
+        </p:txBody>
+      </p:sp>
+      <p:sp>
+        <p:nvSpPr>
+          <p:cNvPr id="40" name="Flowchart: Magnetic Disk 39">
+            <a:extLst>
+              <a:ext uri="{FF2B5EF4-FFF2-40B4-BE49-F238E27FC236}">
+                <a16:creationId xmlns:a16="http://schemas.microsoft.com/office/drawing/2014/main" id="{660478DB-7A2E-4911-935F-9AC23C34DA43}"/>
+              </a:ext>
+            </a:extLst>
+          </p:cNvPr>
+          <p:cNvSpPr/>
+          <p:nvPr/>
+        </p:nvSpPr>
+        <p:spPr>
+          <a:xfrm>
+            <a:off x="10359930" y="1514399"/>
+            <a:ext cx="1509947" cy="725863"/>
+          </a:xfrm>
+          <a:prstGeom prst="flowChartMagneticDisk">
+            <a:avLst/>
+          </a:prstGeom>
+          <a:noFill/>
+        </p:spPr>
+        <p:style>
+          <a:lnRef idx="2">
+            <a:schemeClr val="accent1">
+              <a:shade val="50000"/>
+            </a:schemeClr>
+          </a:lnRef>
+          <a:fillRef idx="1">
+            <a:schemeClr val="accent1"/>
+          </a:fillRef>
+          <a:effectRef idx="0">
+            <a:schemeClr val="accent1"/>
+          </a:effectRef>
+          <a:fontRef idx="minor">
+            <a:schemeClr val="lt1"/>
+          </a:fontRef>
+        </p:style>
+        <p:txBody>
+          <a:bodyPr rtlCol="0" anchor="ctr"/>
+          <a:lstStyle/>
+          <a:p>
+            <a:pPr algn="ctr"/>
+            <a:r>
+              <a:rPr lang="en-US" sz="1400" dirty="0">
+                <a:solidFill>
+                  <a:schemeClr val="tx1"/>
+                </a:solidFill>
+              </a:rPr>
+              <a:t>name: app</a:t>
+            </a:r>
+          </a:p>
+          <a:p>
+            <a:pPr algn="ctr"/>
+            <a:r>
+              <a:rPr lang="en-US" sz="1400" dirty="0">
+                <a:solidFill>
+                  <a:schemeClr val="tx1"/>
+                </a:solidFill>
+              </a:rPr>
+              <a:t>type: docker</a:t>
+            </a:r>
+          </a:p>
+        </p:txBody>
+      </p:sp>
+      <p:sp>
+        <p:nvSpPr>
+          <p:cNvPr id="64" name="Wave 63">
+            <a:extLst>
+              <a:ext uri="{FF2B5EF4-FFF2-40B4-BE49-F238E27FC236}">
+                <a16:creationId xmlns:a16="http://schemas.microsoft.com/office/drawing/2014/main" id="{CB126E51-6C49-4DB9-A907-DCCCB68B2FDA}"/>
+              </a:ext>
+            </a:extLst>
+          </p:cNvPr>
+          <p:cNvSpPr/>
+          <p:nvPr/>
+        </p:nvSpPr>
+        <p:spPr>
+          <a:xfrm>
+            <a:off x="2947920" y="4667178"/>
+            <a:ext cx="1670115" cy="568752"/>
+          </a:xfrm>
+          <a:prstGeom prst="wave">
+            <a:avLst>
+              <a:gd name="adj1" fmla="val 12500"/>
+              <a:gd name="adj2" fmla="val 0"/>
+            </a:avLst>
+          </a:prstGeom>
+          <a:noFill/>
+        </p:spPr>
+        <p:style>
+          <a:lnRef idx="2">
+            <a:schemeClr val="accent1">
+              <a:shade val="50000"/>
+            </a:schemeClr>
+          </a:lnRef>
+          <a:fillRef idx="1">
+            <a:schemeClr val="accent1"/>
+          </a:fillRef>
+          <a:effectRef idx="0">
+            <a:schemeClr val="accent1"/>
+          </a:effectRef>
+          <a:fontRef idx="minor">
+            <a:schemeClr val="lt1"/>
+          </a:fontRef>
+        </p:style>
+        <p:txBody>
+          <a:bodyPr rtlCol="0" anchor="ctr"/>
+          <a:lstStyle/>
+          <a:p>
+            <a:pPr algn="ctr"/>
+            <a:r>
+              <a:rPr lang="en-US" dirty="0" err="1">
+                <a:solidFill>
+                  <a:schemeClr val="tx1"/>
+                </a:solidFill>
+              </a:rPr>
+              <a:t>Start_build</a:t>
+            </a:r>
+            <a:endParaRPr lang="en-US" dirty="0"/>
+          </a:p>
+        </p:txBody>
+      </p:sp>
+      <p:sp>
+        <p:nvSpPr>
+          <p:cNvPr id="67" name="Rectangle 66">
+            <a:extLst>
+              <a:ext uri="{FF2B5EF4-FFF2-40B4-BE49-F238E27FC236}">
+                <a16:creationId xmlns:a16="http://schemas.microsoft.com/office/drawing/2014/main" id="{9F180F92-D1E4-4A3D-AA67-A066FFE2BD87}"/>
+              </a:ext>
+            </a:extLst>
+          </p:cNvPr>
+          <p:cNvSpPr/>
+          <p:nvPr/>
+        </p:nvSpPr>
+        <p:spPr>
+          <a:xfrm>
+            <a:off x="1760531" y="4146000"/>
+            <a:ext cx="6362956" cy="1716789"/>
+          </a:xfrm>
+          <a:prstGeom prst="rect">
+            <a:avLst/>
+          </a:prstGeom>
+          <a:noFill/>
+        </p:spPr>
+        <p:style>
+          <a:lnRef idx="2">
+            <a:schemeClr val="accent1">
+              <a:shade val="50000"/>
+            </a:schemeClr>
+          </a:lnRef>
+          <a:fillRef idx="1">
+            <a:schemeClr val="accent1"/>
+          </a:fillRef>
+          <a:effectRef idx="0">
+            <a:schemeClr val="accent1"/>
+          </a:effectRef>
+          <a:fontRef idx="minor">
+            <a:schemeClr val="lt1"/>
+          </a:fontRef>
+        </p:style>
+        <p:txBody>
+          <a:bodyPr rtlCol="0" anchor="ctr"/>
+          <a:lstStyle/>
+          <a:p>
+            <a:pPr algn="ctr"/>
+            <a:endParaRPr lang="en-US"/>
+          </a:p>
+        </p:txBody>
+      </p:sp>
+      <p:sp>
+        <p:nvSpPr>
+          <p:cNvPr id="68" name="TextBox 67">
+            <a:extLst>
+              <a:ext uri="{FF2B5EF4-FFF2-40B4-BE49-F238E27FC236}">
+                <a16:creationId xmlns:a16="http://schemas.microsoft.com/office/drawing/2014/main" id="{2D88EC1A-317B-4BD2-A595-A19F6953B479}"/>
+              </a:ext>
+            </a:extLst>
+          </p:cNvPr>
+          <p:cNvSpPr txBox="1"/>
+          <p:nvPr/>
+        </p:nvSpPr>
+        <p:spPr>
+          <a:xfrm>
+            <a:off x="1865402" y="5493457"/>
+            <a:ext cx="2245679" cy="369332"/>
+          </a:xfrm>
+          <a:prstGeom prst="rect">
+            <a:avLst/>
+          </a:prstGeom>
+          <a:noFill/>
+        </p:spPr>
+        <p:txBody>
+          <a:bodyPr wrap="none" rtlCol="0">
+            <a:spAutoFit/>
+          </a:bodyPr>
+          <a:lstStyle/>
+          <a:p>
+            <a:r>
+              <a:rPr lang="en-US" dirty="0"/>
+              <a:t>Strategy: app-strategy</a:t>
+            </a:r>
+          </a:p>
+        </p:txBody>
+      </p:sp>
+      <p:sp>
+        <p:nvSpPr>
+          <p:cNvPr id="69" name="Wave 68">
+            <a:extLst>
+              <a:ext uri="{FF2B5EF4-FFF2-40B4-BE49-F238E27FC236}">
+                <a16:creationId xmlns:a16="http://schemas.microsoft.com/office/drawing/2014/main" id="{D6821F8A-20D8-450E-8A2D-2FBDA36B5E1F}"/>
+              </a:ext>
+            </a:extLst>
+          </p:cNvPr>
+          <p:cNvSpPr/>
+          <p:nvPr/>
+        </p:nvSpPr>
+        <p:spPr>
+          <a:xfrm>
+            <a:off x="246740" y="4604564"/>
+            <a:ext cx="1247088" cy="568752"/>
+          </a:xfrm>
+          <a:prstGeom prst="wave">
+            <a:avLst>
+              <a:gd name="adj1" fmla="val 12500"/>
+              <a:gd name="adj2" fmla="val 0"/>
+            </a:avLst>
+          </a:prstGeom>
+          <a:noFill/>
+        </p:spPr>
+        <p:style>
+          <a:lnRef idx="2">
+            <a:schemeClr val="accent1">
+              <a:shade val="50000"/>
+            </a:schemeClr>
+          </a:lnRef>
+          <a:fillRef idx="1">
+            <a:schemeClr val="accent1"/>
+          </a:fillRef>
+          <a:effectRef idx="0">
+            <a:schemeClr val="accent1"/>
+          </a:effectRef>
+          <a:fontRef idx="minor">
+            <a:schemeClr val="lt1"/>
+          </a:fontRef>
+        </p:style>
+        <p:txBody>
+          <a:bodyPr rtlCol="0" anchor="ctr"/>
+          <a:lstStyle/>
+          <a:p>
+            <a:pPr algn="ctr"/>
+            <a:r>
+              <a:rPr lang="en-US" dirty="0">
+                <a:solidFill>
+                  <a:schemeClr val="tx1"/>
+                </a:solidFill>
+              </a:rPr>
+              <a:t>Push(5678)</a:t>
+            </a:r>
+            <a:endParaRPr lang="en-US" dirty="0"/>
+          </a:p>
+        </p:txBody>
+      </p:sp>
+      <p:cxnSp>
+        <p:nvCxnSpPr>
+          <p:cNvPr id="70" name="Straight Arrow Connector 69">
+            <a:extLst>
+              <a:ext uri="{FF2B5EF4-FFF2-40B4-BE49-F238E27FC236}">
+                <a16:creationId xmlns:a16="http://schemas.microsoft.com/office/drawing/2014/main" id="{3238CF97-7D80-4F22-85F2-3D417F79766D}"/>
+              </a:ext>
+            </a:extLst>
+          </p:cNvPr>
+          <p:cNvCxnSpPr>
+            <a:cxnSpLocks/>
+            <a:stCxn id="69" idx="3"/>
+          </p:cNvCxnSpPr>
+          <p:nvPr/>
+        </p:nvCxnSpPr>
+        <p:spPr>
+          <a:xfrm flipV="1">
+            <a:off x="1493828" y="4832587"/>
+            <a:ext cx="371574" cy="56353"/>
+          </a:xfrm>
+          <a:prstGeom prst="straightConnector1">
+            <a:avLst/>
+          </a:prstGeom>
+          <a:ln>
+            <a:tailEnd type="triangle"/>
+          </a:ln>
+        </p:spPr>
+        <p:style>
+          <a:lnRef idx="1">
+            <a:schemeClr val="accent1"/>
+          </a:lnRef>
+          <a:fillRef idx="0">
+            <a:schemeClr val="accent1"/>
+          </a:fillRef>
+          <a:effectRef idx="0">
+            <a:schemeClr val="accent1"/>
+          </a:effectRef>
+          <a:fontRef idx="minor">
+            <a:schemeClr val="tx1"/>
+          </a:fontRef>
+        </p:style>
+      </p:cxnSp>
+      <p:sp>
+        <p:nvSpPr>
+          <p:cNvPr id="76" name="Flowchart: Magnetic Disk 75">
+            <a:extLst>
+              <a:ext uri="{FF2B5EF4-FFF2-40B4-BE49-F238E27FC236}">
+                <a16:creationId xmlns:a16="http://schemas.microsoft.com/office/drawing/2014/main" id="{3CDFE909-05D8-44FD-9370-67A29A4D18B1}"/>
+              </a:ext>
+            </a:extLst>
+          </p:cNvPr>
+          <p:cNvSpPr/>
+          <p:nvPr/>
+        </p:nvSpPr>
+        <p:spPr>
+          <a:xfrm>
+            <a:off x="3313201" y="5997558"/>
+            <a:ext cx="1509947" cy="725863"/>
+          </a:xfrm>
+          <a:prstGeom prst="flowChartMagneticDisk">
+            <a:avLst/>
+          </a:prstGeom>
+          <a:noFill/>
+        </p:spPr>
+        <p:style>
+          <a:lnRef idx="2">
+            <a:schemeClr val="accent1">
+              <a:shade val="50000"/>
+            </a:schemeClr>
+          </a:lnRef>
+          <a:fillRef idx="1">
+            <a:schemeClr val="accent1"/>
+          </a:fillRef>
+          <a:effectRef idx="0">
+            <a:schemeClr val="accent1"/>
+          </a:effectRef>
+          <a:fontRef idx="minor">
+            <a:schemeClr val="lt1"/>
+          </a:fontRef>
+        </p:style>
+        <p:txBody>
+          <a:bodyPr rtlCol="0" anchor="ctr"/>
+          <a:lstStyle/>
+          <a:p>
+            <a:pPr algn="ctr"/>
+            <a:r>
+              <a:rPr lang="en-US" sz="1400" dirty="0">
+                <a:solidFill>
+                  <a:schemeClr val="tx1"/>
+                </a:solidFill>
+              </a:rPr>
+              <a:t>name: source</a:t>
+            </a:r>
+          </a:p>
+          <a:p>
+            <a:pPr algn="ctr"/>
+            <a:r>
+              <a:rPr lang="en-US" sz="1400" dirty="0">
+                <a:solidFill>
+                  <a:schemeClr val="tx1"/>
+                </a:solidFill>
+              </a:rPr>
+              <a:t> type: </a:t>
+            </a:r>
+            <a:r>
+              <a:rPr lang="en-US" sz="1400" dirty="0" err="1">
+                <a:solidFill>
+                  <a:schemeClr val="tx1"/>
+                </a:solidFill>
+              </a:rPr>
+              <a:t>github</a:t>
+            </a:r>
+            <a:endParaRPr lang="en-US" sz="1400" dirty="0">
+              <a:solidFill>
+                <a:schemeClr val="tx1"/>
+              </a:solidFill>
+            </a:endParaRPr>
+          </a:p>
+        </p:txBody>
+      </p:sp>
+      <p:sp>
+        <p:nvSpPr>
+          <p:cNvPr id="32" name="Rectangle: Rounded Corners 31">
+            <a:extLst>
+              <a:ext uri="{FF2B5EF4-FFF2-40B4-BE49-F238E27FC236}">
+                <a16:creationId xmlns:a16="http://schemas.microsoft.com/office/drawing/2014/main" id="{61FCEDF8-B2CF-40D9-8853-33D8443DF900}"/>
+              </a:ext>
+            </a:extLst>
+          </p:cNvPr>
+          <p:cNvSpPr/>
+          <p:nvPr/>
+        </p:nvSpPr>
+        <p:spPr>
+          <a:xfrm>
+            <a:off x="5768748" y="973318"/>
+            <a:ext cx="733719" cy="725863"/>
+          </a:xfrm>
+          <a:prstGeom prst="roundRect">
+            <a:avLst/>
+          </a:prstGeom>
+          <a:noFill/>
+        </p:spPr>
+        <p:style>
+          <a:lnRef idx="2">
+            <a:schemeClr val="accent1">
+              <a:shade val="50000"/>
+            </a:schemeClr>
+          </a:lnRef>
+          <a:fillRef idx="1">
+            <a:schemeClr val="accent1"/>
+          </a:fillRef>
+          <a:effectRef idx="0">
+            <a:schemeClr val="accent1"/>
+          </a:effectRef>
+          <a:fontRef idx="minor">
+            <a:schemeClr val="lt1"/>
+          </a:fontRef>
+        </p:style>
+        <p:txBody>
+          <a:bodyPr rtlCol="0" anchor="ctr"/>
+          <a:lstStyle/>
+          <a:p>
+            <a:pPr algn="ctr"/>
+            <a:r>
+              <a:rPr lang="en-US" dirty="0">
+                <a:solidFill>
+                  <a:schemeClr val="tx1"/>
+                </a:solidFill>
+              </a:rPr>
+              <a:t>FVT</a:t>
+            </a:r>
+          </a:p>
+        </p:txBody>
+      </p:sp>
+      <p:sp>
+        <p:nvSpPr>
+          <p:cNvPr id="33" name="Rectangle: Rounded Corners 32">
+            <a:extLst>
+              <a:ext uri="{FF2B5EF4-FFF2-40B4-BE49-F238E27FC236}">
+                <a16:creationId xmlns:a16="http://schemas.microsoft.com/office/drawing/2014/main" id="{3900DEF0-09E1-4209-A375-FDEEA189BF47}"/>
+              </a:ext>
+            </a:extLst>
+          </p:cNvPr>
+          <p:cNvSpPr/>
+          <p:nvPr/>
+        </p:nvSpPr>
+        <p:spPr>
+          <a:xfrm>
+            <a:off x="6798843" y="970517"/>
+            <a:ext cx="1324644" cy="725863"/>
+          </a:xfrm>
+          <a:prstGeom prst="roundRect">
+            <a:avLst/>
+          </a:prstGeom>
+          <a:noFill/>
+        </p:spPr>
+        <p:style>
+          <a:lnRef idx="2">
+            <a:schemeClr val="accent1">
+              <a:shade val="50000"/>
+            </a:schemeClr>
+          </a:lnRef>
+          <a:fillRef idx="1">
+            <a:schemeClr val="accent1"/>
+          </a:fillRef>
+          <a:effectRef idx="0">
+            <a:schemeClr val="accent1"/>
+          </a:effectRef>
+          <a:fontRef idx="minor">
+            <a:schemeClr val="lt1"/>
+          </a:fontRef>
+        </p:style>
+        <p:txBody>
+          <a:bodyPr rtlCol="0" anchor="ctr"/>
+          <a:lstStyle/>
+          <a:p>
+            <a:pPr algn="ctr"/>
+            <a:r>
+              <a:rPr lang="en-US" dirty="0">
+                <a:solidFill>
+                  <a:schemeClr val="tx1"/>
+                </a:solidFill>
+              </a:rPr>
+              <a:t>Integration</a:t>
+            </a:r>
+          </a:p>
+        </p:txBody>
+      </p:sp>
+      <p:sp>
+        <p:nvSpPr>
+          <p:cNvPr id="37" name="Rectangle: Rounded Corners 36">
+            <a:extLst>
+              <a:ext uri="{FF2B5EF4-FFF2-40B4-BE49-F238E27FC236}">
+                <a16:creationId xmlns:a16="http://schemas.microsoft.com/office/drawing/2014/main" id="{9DEDC9AA-3AB5-427E-9C6F-E86D5376ED99}"/>
+              </a:ext>
+            </a:extLst>
+          </p:cNvPr>
+          <p:cNvSpPr/>
+          <p:nvPr/>
+        </p:nvSpPr>
+        <p:spPr>
+          <a:xfrm>
+            <a:off x="8436493" y="995211"/>
+            <a:ext cx="1324644" cy="725863"/>
+          </a:xfrm>
+          <a:prstGeom prst="roundRect">
+            <a:avLst/>
+          </a:prstGeom>
+          <a:noFill/>
+        </p:spPr>
+        <p:style>
+          <a:lnRef idx="2">
+            <a:schemeClr val="accent1">
+              <a:shade val="50000"/>
+            </a:schemeClr>
+          </a:lnRef>
+          <a:fillRef idx="1">
+            <a:schemeClr val="accent1"/>
+          </a:fillRef>
+          <a:effectRef idx="0">
+            <a:schemeClr val="accent1"/>
+          </a:effectRef>
+          <a:fontRef idx="minor">
+            <a:schemeClr val="lt1"/>
+          </a:fontRef>
+        </p:style>
+        <p:txBody>
+          <a:bodyPr rtlCol="0" anchor="ctr"/>
+          <a:lstStyle/>
+          <a:p>
+            <a:pPr algn="ctr"/>
+            <a:r>
+              <a:rPr lang="en-US" dirty="0">
+                <a:solidFill>
+                  <a:schemeClr val="tx1"/>
+                </a:solidFill>
+              </a:rPr>
+              <a:t>deploy</a:t>
+            </a:r>
+          </a:p>
+        </p:txBody>
+      </p:sp>
+      <p:sp>
+        <p:nvSpPr>
+          <p:cNvPr id="44" name="Oval 43">
+            <a:extLst>
+              <a:ext uri="{FF2B5EF4-FFF2-40B4-BE49-F238E27FC236}">
+                <a16:creationId xmlns:a16="http://schemas.microsoft.com/office/drawing/2014/main" id="{671453EA-7551-40CF-B732-610448E08526}"/>
+              </a:ext>
+            </a:extLst>
+          </p:cNvPr>
+          <p:cNvSpPr/>
+          <p:nvPr/>
+        </p:nvSpPr>
+        <p:spPr>
+          <a:xfrm>
+            <a:off x="6798843" y="2765165"/>
+            <a:ext cx="1041684" cy="749020"/>
+          </a:xfrm>
+          <a:prstGeom prst="ellipse">
+            <a:avLst/>
+          </a:prstGeom>
+          <a:noFill/>
+        </p:spPr>
+        <p:style>
+          <a:lnRef idx="2">
+            <a:schemeClr val="accent1">
+              <a:shade val="50000"/>
+            </a:schemeClr>
+          </a:lnRef>
+          <a:fillRef idx="1">
+            <a:schemeClr val="accent1"/>
+          </a:fillRef>
+          <a:effectRef idx="0">
+            <a:schemeClr val="accent1"/>
+          </a:effectRef>
+          <a:fontRef idx="minor">
+            <a:schemeClr val="lt1"/>
+          </a:fontRef>
+        </p:style>
+        <p:txBody>
+          <a:bodyPr rtlCol="0" anchor="ctr"/>
+          <a:lstStyle/>
+          <a:p>
+            <a:pPr algn="ctr"/>
+            <a:r>
+              <a:rPr lang="en-US" dirty="0">
+                <a:solidFill>
+                  <a:schemeClr val="tx1"/>
+                </a:solidFill>
+              </a:rPr>
+              <a:t>svc-a</a:t>
+            </a:r>
+          </a:p>
+        </p:txBody>
+      </p:sp>
+      <p:sp>
+        <p:nvSpPr>
+          <p:cNvPr id="45" name="Rectangle 44">
+            <a:extLst>
+              <a:ext uri="{FF2B5EF4-FFF2-40B4-BE49-F238E27FC236}">
+                <a16:creationId xmlns:a16="http://schemas.microsoft.com/office/drawing/2014/main" id="{2387B785-E93B-4F8F-B951-95B5F3F014A1}"/>
+              </a:ext>
+            </a:extLst>
+          </p:cNvPr>
+          <p:cNvSpPr/>
+          <p:nvPr/>
+        </p:nvSpPr>
+        <p:spPr>
+          <a:xfrm>
+            <a:off x="6598762" y="2623365"/>
+            <a:ext cx="1451729" cy="1134615"/>
+          </a:xfrm>
+          <a:prstGeom prst="rect">
+            <a:avLst/>
+          </a:prstGeom>
+          <a:noFill/>
+        </p:spPr>
+        <p:style>
+          <a:lnRef idx="2">
+            <a:schemeClr val="accent1">
+              <a:shade val="50000"/>
+            </a:schemeClr>
+          </a:lnRef>
+          <a:fillRef idx="1">
+            <a:schemeClr val="accent1"/>
+          </a:fillRef>
+          <a:effectRef idx="0">
+            <a:schemeClr val="accent1"/>
+          </a:effectRef>
+          <a:fontRef idx="minor">
+            <a:schemeClr val="lt1"/>
+          </a:fontRef>
+        </p:style>
+        <p:txBody>
+          <a:bodyPr rtlCol="0" anchor="ctr"/>
+          <a:lstStyle/>
+          <a:p>
+            <a:pPr algn="ctr"/>
+            <a:endParaRPr lang="en-US"/>
+          </a:p>
+        </p:txBody>
+      </p:sp>
+      <p:sp>
+        <p:nvSpPr>
+          <p:cNvPr id="48" name="TextBox 47">
+            <a:extLst>
+              <a:ext uri="{FF2B5EF4-FFF2-40B4-BE49-F238E27FC236}">
+                <a16:creationId xmlns:a16="http://schemas.microsoft.com/office/drawing/2014/main" id="{D6BAD73E-EB5B-441B-A949-CFF95B72E751}"/>
+              </a:ext>
+            </a:extLst>
+          </p:cNvPr>
+          <p:cNvSpPr txBox="1"/>
+          <p:nvPr/>
+        </p:nvSpPr>
+        <p:spPr>
+          <a:xfrm>
+            <a:off x="6588879" y="3397992"/>
+            <a:ext cx="550151" cy="369332"/>
+          </a:xfrm>
+          <a:prstGeom prst="rect">
+            <a:avLst/>
+          </a:prstGeom>
+          <a:noFill/>
+        </p:spPr>
+        <p:txBody>
+          <a:bodyPr wrap="none" rtlCol="0">
+            <a:spAutoFit/>
+          </a:bodyPr>
+          <a:lstStyle/>
+          <a:p>
+            <a:r>
+              <a:rPr lang="en-US" dirty="0"/>
+              <a:t>pod</a:t>
+            </a:r>
+          </a:p>
+        </p:txBody>
+      </p:sp>
+      <p:sp>
+        <p:nvSpPr>
+          <p:cNvPr id="49" name="Rectangle: Rounded Corners 48">
+            <a:extLst>
+              <a:ext uri="{FF2B5EF4-FFF2-40B4-BE49-F238E27FC236}">
+                <a16:creationId xmlns:a16="http://schemas.microsoft.com/office/drawing/2014/main" id="{4D75A87F-95CA-4D87-90F4-FEFC43F5CE6C}"/>
+              </a:ext>
+            </a:extLst>
+          </p:cNvPr>
+          <p:cNvSpPr/>
+          <p:nvPr/>
+        </p:nvSpPr>
+        <p:spPr>
+          <a:xfrm>
+            <a:off x="1888188" y="4573584"/>
+            <a:ext cx="1036946" cy="725863"/>
+          </a:xfrm>
+          <a:prstGeom prst="roundRect">
+            <a:avLst/>
+          </a:prstGeom>
+          <a:noFill/>
+        </p:spPr>
+        <p:style>
+          <a:lnRef idx="2">
+            <a:schemeClr val="accent1">
+              <a:shade val="50000"/>
+            </a:schemeClr>
+          </a:lnRef>
+          <a:fillRef idx="1">
+            <a:schemeClr val="accent1"/>
+          </a:fillRef>
+          <a:effectRef idx="0">
+            <a:schemeClr val="accent1"/>
+          </a:effectRef>
+          <a:fontRef idx="minor">
+            <a:schemeClr val="lt1"/>
+          </a:fontRef>
+        </p:style>
+        <p:txBody>
+          <a:bodyPr rtlCol="0" anchor="ctr"/>
+          <a:lstStyle/>
+          <a:p>
+            <a:pPr algn="ctr"/>
+            <a:r>
+              <a:rPr lang="en-US" dirty="0">
+                <a:solidFill>
+                  <a:schemeClr val="tx1"/>
+                </a:solidFill>
+              </a:rPr>
+              <a:t>Trigger</a:t>
+            </a:r>
+          </a:p>
+        </p:txBody>
+      </p:sp>
+      <p:sp>
+        <p:nvSpPr>
+          <p:cNvPr id="50" name="Wave 49">
+            <a:extLst>
+              <a:ext uri="{FF2B5EF4-FFF2-40B4-BE49-F238E27FC236}">
+                <a16:creationId xmlns:a16="http://schemas.microsoft.com/office/drawing/2014/main" id="{D7A4B04A-FDFA-475B-B948-7ED311605341}"/>
+              </a:ext>
+            </a:extLst>
+          </p:cNvPr>
+          <p:cNvSpPr/>
+          <p:nvPr/>
+        </p:nvSpPr>
+        <p:spPr>
+          <a:xfrm>
+            <a:off x="8089042" y="2482096"/>
+            <a:ext cx="1477653" cy="568752"/>
+          </a:xfrm>
+          <a:prstGeom prst="wave">
+            <a:avLst>
+              <a:gd name="adj1" fmla="val 12500"/>
+              <a:gd name="adj2" fmla="val 0"/>
+            </a:avLst>
+          </a:prstGeom>
+          <a:noFill/>
+        </p:spPr>
+        <p:style>
+          <a:lnRef idx="2">
+            <a:schemeClr val="accent1">
+              <a:shade val="50000"/>
+            </a:schemeClr>
+          </a:lnRef>
+          <a:fillRef idx="1">
+            <a:schemeClr val="accent1"/>
+          </a:fillRef>
+          <a:effectRef idx="0">
+            <a:schemeClr val="accent1"/>
+          </a:effectRef>
+          <a:fontRef idx="minor">
+            <a:schemeClr val="lt1"/>
+          </a:fontRef>
+        </p:style>
+        <p:txBody>
+          <a:bodyPr rtlCol="0" anchor="ctr"/>
+          <a:lstStyle/>
+          <a:p>
+            <a:pPr algn="ctr"/>
+            <a:r>
+              <a:rPr lang="en-US" dirty="0" err="1">
+                <a:solidFill>
+                  <a:schemeClr val="tx1"/>
+                </a:solidFill>
+              </a:rPr>
+              <a:t>Integration_A</a:t>
+            </a:r>
+            <a:endParaRPr lang="en-US" dirty="0"/>
+          </a:p>
+        </p:txBody>
+      </p:sp>
+      <p:sp>
+        <p:nvSpPr>
+          <p:cNvPr id="51" name="Rectangle: Rounded Corners 50">
+            <a:extLst>
+              <a:ext uri="{FF2B5EF4-FFF2-40B4-BE49-F238E27FC236}">
+                <a16:creationId xmlns:a16="http://schemas.microsoft.com/office/drawing/2014/main" id="{810AF905-2A89-4580-82BF-DD5D04B6E8C3}"/>
+              </a:ext>
+            </a:extLst>
+          </p:cNvPr>
+          <p:cNvSpPr/>
+          <p:nvPr/>
+        </p:nvSpPr>
+        <p:spPr>
+          <a:xfrm>
+            <a:off x="4756292" y="4667178"/>
+            <a:ext cx="854697" cy="725863"/>
+          </a:xfrm>
+          <a:prstGeom prst="roundRect">
+            <a:avLst/>
+          </a:prstGeom>
+          <a:noFill/>
+        </p:spPr>
+        <p:style>
+          <a:lnRef idx="2">
+            <a:schemeClr val="accent1">
+              <a:shade val="50000"/>
+            </a:schemeClr>
+          </a:lnRef>
+          <a:fillRef idx="1">
+            <a:schemeClr val="accent1"/>
+          </a:fillRef>
+          <a:effectRef idx="0">
+            <a:schemeClr val="accent1"/>
+          </a:effectRef>
+          <a:fontRef idx="minor">
+            <a:schemeClr val="lt1"/>
+          </a:fontRef>
+        </p:style>
+        <p:txBody>
+          <a:bodyPr rtlCol="0" anchor="ctr"/>
+          <a:lstStyle/>
+          <a:p>
+            <a:pPr algn="ctr"/>
+            <a:r>
+              <a:rPr lang="en-US" dirty="0">
+                <a:solidFill>
+                  <a:schemeClr val="tx1"/>
+                </a:solidFill>
+              </a:rPr>
+              <a:t>Build</a:t>
+            </a:r>
+          </a:p>
+        </p:txBody>
+      </p:sp>
+      <p:sp>
+        <p:nvSpPr>
+          <p:cNvPr id="52" name="Rectangle: Rounded Corners 51">
+            <a:extLst>
+              <a:ext uri="{FF2B5EF4-FFF2-40B4-BE49-F238E27FC236}">
+                <a16:creationId xmlns:a16="http://schemas.microsoft.com/office/drawing/2014/main" id="{0457C08D-A40B-4540-8FCE-16EDD009730A}"/>
+              </a:ext>
+            </a:extLst>
+          </p:cNvPr>
+          <p:cNvSpPr/>
+          <p:nvPr/>
+        </p:nvSpPr>
+        <p:spPr>
+          <a:xfrm>
+            <a:off x="5734522" y="4641462"/>
+            <a:ext cx="733719" cy="725863"/>
+          </a:xfrm>
+          <a:prstGeom prst="roundRect">
+            <a:avLst/>
+          </a:prstGeom>
+          <a:noFill/>
+        </p:spPr>
+        <p:style>
+          <a:lnRef idx="2">
+            <a:schemeClr val="accent1">
+              <a:shade val="50000"/>
+            </a:schemeClr>
+          </a:lnRef>
+          <a:fillRef idx="1">
+            <a:schemeClr val="accent1"/>
+          </a:fillRef>
+          <a:effectRef idx="0">
+            <a:schemeClr val="accent1"/>
+          </a:effectRef>
+          <a:fontRef idx="minor">
+            <a:schemeClr val="lt1"/>
+          </a:fontRef>
+        </p:style>
+        <p:txBody>
+          <a:bodyPr rtlCol="0" anchor="ctr"/>
+          <a:lstStyle/>
+          <a:p>
+            <a:pPr algn="ctr"/>
+            <a:r>
+              <a:rPr lang="en-US" dirty="0">
+                <a:solidFill>
+                  <a:schemeClr val="tx1"/>
+                </a:solidFill>
+              </a:rPr>
+              <a:t>FVT</a:t>
+            </a:r>
+          </a:p>
+        </p:txBody>
+      </p:sp>
+      <p:sp>
+        <p:nvSpPr>
+          <p:cNvPr id="53" name="Rectangle: Rounded Corners 52">
+            <a:extLst>
+              <a:ext uri="{FF2B5EF4-FFF2-40B4-BE49-F238E27FC236}">
+                <a16:creationId xmlns:a16="http://schemas.microsoft.com/office/drawing/2014/main" id="{D7C8A495-70D1-4574-8ED5-D3CD53600202}"/>
+              </a:ext>
+            </a:extLst>
+          </p:cNvPr>
+          <p:cNvSpPr/>
+          <p:nvPr/>
+        </p:nvSpPr>
+        <p:spPr>
+          <a:xfrm>
+            <a:off x="6657363" y="4641462"/>
+            <a:ext cx="1324644" cy="725863"/>
+          </a:xfrm>
+          <a:prstGeom prst="roundRect">
+            <a:avLst/>
+          </a:prstGeom>
+          <a:noFill/>
+        </p:spPr>
+        <p:style>
+          <a:lnRef idx="2">
+            <a:schemeClr val="accent1">
+              <a:shade val="50000"/>
+            </a:schemeClr>
+          </a:lnRef>
+          <a:fillRef idx="1">
+            <a:schemeClr val="accent1"/>
+          </a:fillRef>
+          <a:effectRef idx="0">
+            <a:schemeClr val="accent1"/>
+          </a:effectRef>
+          <a:fontRef idx="minor">
+            <a:schemeClr val="lt1"/>
+          </a:fontRef>
+        </p:style>
+        <p:txBody>
+          <a:bodyPr rtlCol="0" anchor="ctr"/>
+          <a:lstStyle/>
+          <a:p>
+            <a:pPr algn="ctr"/>
+            <a:r>
+              <a:rPr lang="en-US" dirty="0">
+                <a:solidFill>
+                  <a:schemeClr val="tx1"/>
+                </a:solidFill>
+              </a:rPr>
+              <a:t>deploy</a:t>
+            </a:r>
+          </a:p>
+        </p:txBody>
+      </p:sp>
+      <p:cxnSp>
+        <p:nvCxnSpPr>
+          <p:cNvPr id="13" name="Straight Arrow Connector 12">
+            <a:extLst>
+              <a:ext uri="{FF2B5EF4-FFF2-40B4-BE49-F238E27FC236}">
+                <a16:creationId xmlns:a16="http://schemas.microsoft.com/office/drawing/2014/main" id="{B97AB979-B96A-4FC8-9301-0FA6657CDD30}"/>
+              </a:ext>
+            </a:extLst>
+          </p:cNvPr>
+          <p:cNvCxnSpPr>
+            <a:cxnSpLocks/>
+            <a:stCxn id="52" idx="0"/>
+            <a:endCxn id="44" idx="4"/>
+          </p:cNvCxnSpPr>
+          <p:nvPr/>
+        </p:nvCxnSpPr>
+        <p:spPr>
+          <a:xfrm flipV="1">
+            <a:off x="6101382" y="3514185"/>
+            <a:ext cx="1218303" cy="1127277"/>
+          </a:xfrm>
+          <a:prstGeom prst="straightConnector1">
+            <a:avLst/>
+          </a:prstGeom>
+          <a:ln>
+            <a:tailEnd type="triangle"/>
+          </a:ln>
+        </p:spPr>
+        <p:style>
+          <a:lnRef idx="1">
+            <a:schemeClr val="accent1"/>
+          </a:lnRef>
+          <a:fillRef idx="0">
+            <a:schemeClr val="accent1"/>
+          </a:fillRef>
+          <a:effectRef idx="0">
+            <a:schemeClr val="accent1"/>
+          </a:effectRef>
+          <a:fontRef idx="minor">
+            <a:schemeClr val="tx1"/>
+          </a:fontRef>
+        </p:style>
+      </p:cxnSp>
+      <p:sp>
+        <p:nvSpPr>
+          <p:cNvPr id="55" name="Flowchart: Magnetic Disk 54">
+            <a:extLst>
+              <a:ext uri="{FF2B5EF4-FFF2-40B4-BE49-F238E27FC236}">
+                <a16:creationId xmlns:a16="http://schemas.microsoft.com/office/drawing/2014/main" id="{47E03CF5-E9CE-45CB-94AD-D2495BCB7CCB}"/>
+              </a:ext>
+            </a:extLst>
+          </p:cNvPr>
+          <p:cNvSpPr/>
+          <p:nvPr/>
+        </p:nvSpPr>
+        <p:spPr>
+          <a:xfrm>
+            <a:off x="5159552" y="6021035"/>
+            <a:ext cx="1509947" cy="725863"/>
+          </a:xfrm>
+          <a:prstGeom prst="flowChartMagneticDisk">
+            <a:avLst/>
+          </a:prstGeom>
+          <a:noFill/>
+        </p:spPr>
+        <p:style>
+          <a:lnRef idx="2">
+            <a:schemeClr val="accent1">
+              <a:shade val="50000"/>
+            </a:schemeClr>
+          </a:lnRef>
+          <a:fillRef idx="1">
+            <a:schemeClr val="accent1"/>
+          </a:fillRef>
+          <a:effectRef idx="0">
+            <a:schemeClr val="accent1"/>
+          </a:effectRef>
+          <a:fontRef idx="minor">
+            <a:schemeClr val="lt1"/>
+          </a:fontRef>
+        </p:style>
+        <p:txBody>
+          <a:bodyPr rtlCol="0" anchor="ctr"/>
+          <a:lstStyle/>
+          <a:p>
+            <a:pPr algn="ctr"/>
+            <a:r>
+              <a:rPr lang="en-US" sz="1400" dirty="0">
+                <a:solidFill>
+                  <a:schemeClr val="tx1"/>
+                </a:solidFill>
+              </a:rPr>
+              <a:t>name: app</a:t>
+            </a:r>
+          </a:p>
+          <a:p>
+            <a:pPr algn="ctr"/>
+            <a:r>
+              <a:rPr lang="en-US" sz="1400" dirty="0">
+                <a:solidFill>
+                  <a:schemeClr val="tx1"/>
+                </a:solidFill>
+              </a:rPr>
+              <a:t>type: docker</a:t>
+            </a:r>
+          </a:p>
+        </p:txBody>
+      </p:sp>
+      <p:sp>
+        <p:nvSpPr>
+          <p:cNvPr id="56" name="Rectangle: Rounded Corners 55">
+            <a:extLst>
+              <a:ext uri="{FF2B5EF4-FFF2-40B4-BE49-F238E27FC236}">
+                <a16:creationId xmlns:a16="http://schemas.microsoft.com/office/drawing/2014/main" id="{108B49AA-DFB7-4FC3-9BC3-B211EA82A645}"/>
+              </a:ext>
+            </a:extLst>
+          </p:cNvPr>
+          <p:cNvSpPr/>
+          <p:nvPr/>
+        </p:nvSpPr>
+        <p:spPr>
+          <a:xfrm>
+            <a:off x="9640546" y="3405453"/>
+            <a:ext cx="1036946" cy="725863"/>
+          </a:xfrm>
+          <a:prstGeom prst="roundRect">
+            <a:avLst/>
+          </a:prstGeom>
+          <a:noFill/>
+        </p:spPr>
+        <p:style>
+          <a:lnRef idx="2">
+            <a:schemeClr val="accent1">
+              <a:shade val="50000"/>
+            </a:schemeClr>
+          </a:lnRef>
+          <a:fillRef idx="1">
+            <a:schemeClr val="accent1"/>
+          </a:fillRef>
+          <a:effectRef idx="0">
+            <a:schemeClr val="accent1"/>
+          </a:effectRef>
+          <a:fontRef idx="minor">
+            <a:schemeClr val="lt1"/>
+          </a:fontRef>
+        </p:style>
+        <p:txBody>
+          <a:bodyPr rtlCol="0" anchor="ctr"/>
+          <a:lstStyle/>
+          <a:p>
+            <a:pPr algn="ctr"/>
+            <a:r>
+              <a:rPr lang="en-US" dirty="0">
+                <a:solidFill>
+                  <a:schemeClr val="tx1"/>
+                </a:solidFill>
+              </a:rPr>
+              <a:t>Trigger</a:t>
+            </a:r>
+          </a:p>
+        </p:txBody>
+      </p:sp>
+      <p:sp>
+        <p:nvSpPr>
+          <p:cNvPr id="57" name="Wave 56">
+            <a:extLst>
+              <a:ext uri="{FF2B5EF4-FFF2-40B4-BE49-F238E27FC236}">
+                <a16:creationId xmlns:a16="http://schemas.microsoft.com/office/drawing/2014/main" id="{B1D17823-F274-4124-8B41-219C6426D057}"/>
+              </a:ext>
+            </a:extLst>
+          </p:cNvPr>
+          <p:cNvSpPr/>
+          <p:nvPr/>
+        </p:nvSpPr>
+        <p:spPr>
+          <a:xfrm>
+            <a:off x="9420192" y="4161947"/>
+            <a:ext cx="1477653" cy="568752"/>
+          </a:xfrm>
+          <a:prstGeom prst="wave">
+            <a:avLst>
+              <a:gd name="adj1" fmla="val 12500"/>
+              <a:gd name="adj2" fmla="val 0"/>
+            </a:avLst>
+          </a:prstGeom>
+          <a:noFill/>
+        </p:spPr>
+        <p:style>
+          <a:lnRef idx="2">
+            <a:schemeClr val="accent1">
+              <a:shade val="50000"/>
+            </a:schemeClr>
+          </a:lnRef>
+          <a:fillRef idx="1">
+            <a:schemeClr val="accent1"/>
+          </a:fillRef>
+          <a:effectRef idx="0">
+            <a:schemeClr val="accent1"/>
+          </a:effectRef>
+          <a:fontRef idx="minor">
+            <a:schemeClr val="lt1"/>
+          </a:fontRef>
+        </p:style>
+        <p:txBody>
+          <a:bodyPr rtlCol="0" anchor="ctr"/>
+          <a:lstStyle/>
+          <a:p>
+            <a:pPr algn="ctr"/>
+            <a:r>
+              <a:rPr lang="en-US" dirty="0" err="1">
+                <a:solidFill>
+                  <a:schemeClr val="tx1"/>
+                </a:solidFill>
+              </a:rPr>
+              <a:t>Start_FVT</a:t>
+            </a:r>
+            <a:endParaRPr lang="en-US" dirty="0"/>
+          </a:p>
+        </p:txBody>
+      </p:sp>
+      <p:sp>
+        <p:nvSpPr>
+          <p:cNvPr id="58" name="Rectangle: Rounded Corners 57">
+            <a:extLst>
+              <a:ext uri="{FF2B5EF4-FFF2-40B4-BE49-F238E27FC236}">
+                <a16:creationId xmlns:a16="http://schemas.microsoft.com/office/drawing/2014/main" id="{8957D5D4-2816-40B3-83B7-BD409C1A3B25}"/>
+              </a:ext>
+            </a:extLst>
+          </p:cNvPr>
+          <p:cNvSpPr/>
+          <p:nvPr/>
+        </p:nvSpPr>
+        <p:spPr>
+          <a:xfrm>
+            <a:off x="9870552" y="4777849"/>
+            <a:ext cx="733719" cy="725863"/>
+          </a:xfrm>
+          <a:prstGeom prst="roundRect">
+            <a:avLst/>
+          </a:prstGeom>
+          <a:noFill/>
+        </p:spPr>
+        <p:style>
+          <a:lnRef idx="2">
+            <a:schemeClr val="accent1">
+              <a:shade val="50000"/>
+            </a:schemeClr>
+          </a:lnRef>
+          <a:fillRef idx="1">
+            <a:schemeClr val="accent1"/>
+          </a:fillRef>
+          <a:effectRef idx="0">
+            <a:schemeClr val="accent1"/>
+          </a:effectRef>
+          <a:fontRef idx="minor">
+            <a:schemeClr val="lt1"/>
+          </a:fontRef>
+        </p:style>
+        <p:txBody>
+          <a:bodyPr rtlCol="0" anchor="ctr"/>
+          <a:lstStyle/>
+          <a:p>
+            <a:pPr algn="ctr"/>
+            <a:r>
+              <a:rPr lang="en-US" dirty="0">
+                <a:solidFill>
+                  <a:schemeClr val="tx1"/>
+                </a:solidFill>
+              </a:rPr>
+              <a:t>FVT</a:t>
+            </a:r>
+          </a:p>
+        </p:txBody>
+      </p:sp>
+      <p:sp>
+        <p:nvSpPr>
+          <p:cNvPr id="59" name="Rectangle 58">
+            <a:extLst>
+              <a:ext uri="{FF2B5EF4-FFF2-40B4-BE49-F238E27FC236}">
+                <a16:creationId xmlns:a16="http://schemas.microsoft.com/office/drawing/2014/main" id="{F1E6799B-92EB-46D0-B5A6-054D7A8C1DFF}"/>
+              </a:ext>
+            </a:extLst>
+          </p:cNvPr>
+          <p:cNvSpPr/>
+          <p:nvPr/>
+        </p:nvSpPr>
+        <p:spPr>
+          <a:xfrm>
+            <a:off x="9164000" y="3274815"/>
+            <a:ext cx="2135736" cy="3182546"/>
+          </a:xfrm>
+          <a:prstGeom prst="rect">
+            <a:avLst/>
+          </a:prstGeom>
+          <a:noFill/>
+        </p:spPr>
+        <p:style>
+          <a:lnRef idx="2">
+            <a:schemeClr val="accent1">
+              <a:shade val="50000"/>
+            </a:schemeClr>
+          </a:lnRef>
+          <a:fillRef idx="1">
+            <a:schemeClr val="accent1"/>
+          </a:fillRef>
+          <a:effectRef idx="0">
+            <a:schemeClr val="accent1"/>
+          </a:effectRef>
+          <a:fontRef idx="minor">
+            <a:schemeClr val="lt1"/>
+          </a:fontRef>
+        </p:style>
+        <p:txBody>
+          <a:bodyPr rtlCol="0" anchor="ctr"/>
+          <a:lstStyle/>
+          <a:p>
+            <a:pPr algn="ctr"/>
+            <a:endParaRPr lang="en-US"/>
+          </a:p>
+        </p:txBody>
+      </p:sp>
+      <p:cxnSp>
+        <p:nvCxnSpPr>
+          <p:cNvPr id="17" name="Straight Arrow Connector 16">
+            <a:extLst>
+              <a:ext uri="{FF2B5EF4-FFF2-40B4-BE49-F238E27FC236}">
+                <a16:creationId xmlns:a16="http://schemas.microsoft.com/office/drawing/2014/main" id="{F667C2AC-A8F6-4A23-B085-29669C239006}"/>
+              </a:ext>
+            </a:extLst>
+          </p:cNvPr>
+          <p:cNvCxnSpPr>
+            <a:cxnSpLocks/>
+            <a:stCxn id="50" idx="2"/>
+            <a:endCxn id="56" idx="0"/>
+          </p:cNvCxnSpPr>
+          <p:nvPr/>
+        </p:nvCxnSpPr>
+        <p:spPr>
+          <a:xfrm>
+            <a:off x="8827869" y="2979754"/>
+            <a:ext cx="1331150" cy="425699"/>
+          </a:xfrm>
+          <a:prstGeom prst="straightConnector1">
+            <a:avLst/>
+          </a:prstGeom>
+          <a:ln>
+            <a:tailEnd type="triangle"/>
+          </a:ln>
+        </p:spPr>
+        <p:style>
+          <a:lnRef idx="1">
+            <a:schemeClr val="accent1"/>
+          </a:lnRef>
+          <a:fillRef idx="0">
+            <a:schemeClr val="accent1"/>
+          </a:fillRef>
+          <a:effectRef idx="0">
+            <a:schemeClr val="accent1"/>
+          </a:effectRef>
+          <a:fontRef idx="minor">
+            <a:schemeClr val="tx1"/>
+          </a:fontRef>
+        </p:style>
+      </p:cxnSp>
+      <p:cxnSp>
+        <p:nvCxnSpPr>
+          <p:cNvPr id="19" name="Straight Arrow Connector 18">
+            <a:extLst>
+              <a:ext uri="{FF2B5EF4-FFF2-40B4-BE49-F238E27FC236}">
+                <a16:creationId xmlns:a16="http://schemas.microsoft.com/office/drawing/2014/main" id="{1760056B-6748-4E40-9DCC-B3CFD59D3FCB}"/>
+              </a:ext>
+            </a:extLst>
+          </p:cNvPr>
+          <p:cNvCxnSpPr>
+            <a:stCxn id="58" idx="1"/>
+          </p:cNvCxnSpPr>
+          <p:nvPr/>
+        </p:nvCxnSpPr>
+        <p:spPr>
+          <a:xfrm flipH="1" flipV="1">
+            <a:off x="7663565" y="3291086"/>
+            <a:ext cx="2206987" cy="1849695"/>
+          </a:xfrm>
+          <a:prstGeom prst="straightConnector1">
+            <a:avLst/>
+          </a:prstGeom>
+          <a:ln>
+            <a:tailEnd type="triangle"/>
+          </a:ln>
+        </p:spPr>
+        <p:style>
+          <a:lnRef idx="1">
+            <a:schemeClr val="accent1"/>
+          </a:lnRef>
+          <a:fillRef idx="0">
+            <a:schemeClr val="accent1"/>
+          </a:fillRef>
+          <a:effectRef idx="0">
+            <a:schemeClr val="accent1"/>
+          </a:effectRef>
+          <a:fontRef idx="minor">
+            <a:schemeClr val="tx1"/>
+          </a:fontRef>
+        </p:style>
+      </p:cxnSp>
+      <p:sp>
+        <p:nvSpPr>
+          <p:cNvPr id="62" name="Wave 61">
+            <a:extLst>
+              <a:ext uri="{FF2B5EF4-FFF2-40B4-BE49-F238E27FC236}">
+                <a16:creationId xmlns:a16="http://schemas.microsoft.com/office/drawing/2014/main" id="{CFE23983-70C5-42A7-A2D4-79D670BDC701}"/>
+              </a:ext>
+            </a:extLst>
+          </p:cNvPr>
+          <p:cNvSpPr/>
+          <p:nvPr/>
+        </p:nvSpPr>
+        <p:spPr>
+          <a:xfrm>
+            <a:off x="9535411" y="5578413"/>
+            <a:ext cx="1344731" cy="568752"/>
+          </a:xfrm>
+          <a:prstGeom prst="wave">
+            <a:avLst>
+              <a:gd name="adj1" fmla="val 12500"/>
+              <a:gd name="adj2" fmla="val 0"/>
+            </a:avLst>
+          </a:prstGeom>
+          <a:noFill/>
+        </p:spPr>
+        <p:style>
+          <a:lnRef idx="2">
+            <a:schemeClr val="accent1">
+              <a:shade val="50000"/>
+            </a:schemeClr>
+          </a:lnRef>
+          <a:fillRef idx="1">
+            <a:schemeClr val="accent1"/>
+          </a:fillRef>
+          <a:effectRef idx="0">
+            <a:schemeClr val="accent1"/>
+          </a:effectRef>
+          <a:fontRef idx="minor">
+            <a:schemeClr val="lt1"/>
+          </a:fontRef>
+        </p:style>
+        <p:txBody>
+          <a:bodyPr rtlCol="0" anchor="ctr"/>
+          <a:lstStyle/>
+          <a:p>
+            <a:pPr algn="ctr"/>
+            <a:r>
+              <a:rPr lang="en-US" sz="1200" dirty="0" err="1">
+                <a:solidFill>
+                  <a:schemeClr val="tx1"/>
+                </a:solidFill>
+              </a:rPr>
+              <a:t>Integration_A_FVT</a:t>
+            </a:r>
+            <a:endParaRPr lang="en-US" sz="1200" dirty="0"/>
+          </a:p>
+        </p:txBody>
+      </p:sp>
+      <p:sp>
+        <p:nvSpPr>
+          <p:cNvPr id="71" name="TextBox 70">
+            <a:extLst>
+              <a:ext uri="{FF2B5EF4-FFF2-40B4-BE49-F238E27FC236}">
+                <a16:creationId xmlns:a16="http://schemas.microsoft.com/office/drawing/2014/main" id="{49754867-D39D-4176-9AE3-B0B2B659DBC3}"/>
+              </a:ext>
+            </a:extLst>
+          </p:cNvPr>
+          <p:cNvSpPr txBox="1"/>
+          <p:nvPr/>
+        </p:nvSpPr>
+        <p:spPr>
+          <a:xfrm>
+            <a:off x="9065951" y="6410550"/>
+            <a:ext cx="2947987" cy="369332"/>
+          </a:xfrm>
+          <a:prstGeom prst="rect">
+            <a:avLst/>
+          </a:prstGeom>
+          <a:noFill/>
+        </p:spPr>
+        <p:txBody>
+          <a:bodyPr wrap="none" rtlCol="0">
+            <a:spAutoFit/>
+          </a:bodyPr>
+          <a:lstStyle/>
+          <a:p>
+            <a:r>
+              <a:rPr lang="en-US" dirty="0"/>
+              <a:t>Strategy: app-integration-test</a:t>
+            </a:r>
+          </a:p>
+        </p:txBody>
+      </p:sp>
+      <p:cxnSp>
+        <p:nvCxnSpPr>
+          <p:cNvPr id="73" name="Straight Arrow Connector 72">
+            <a:extLst>
+              <a:ext uri="{FF2B5EF4-FFF2-40B4-BE49-F238E27FC236}">
+                <a16:creationId xmlns:a16="http://schemas.microsoft.com/office/drawing/2014/main" id="{C6FCF017-64F2-48C4-85B9-BF8CF403BA79}"/>
+              </a:ext>
+            </a:extLst>
+          </p:cNvPr>
+          <p:cNvCxnSpPr>
+            <a:stCxn id="33" idx="2"/>
+            <a:endCxn id="44" idx="0"/>
+          </p:cNvCxnSpPr>
+          <p:nvPr/>
+        </p:nvCxnSpPr>
+        <p:spPr>
+          <a:xfrm flipH="1">
+            <a:off x="7319685" y="1696380"/>
+            <a:ext cx="141480" cy="1068785"/>
+          </a:xfrm>
+          <a:prstGeom prst="straightConnector1">
+            <a:avLst/>
+          </a:prstGeom>
+          <a:ln>
+            <a:tailEnd type="triangle"/>
+          </a:ln>
+        </p:spPr>
+        <p:style>
+          <a:lnRef idx="1">
+            <a:schemeClr val="accent1"/>
+          </a:lnRef>
+          <a:fillRef idx="0">
+            <a:schemeClr val="accent1"/>
+          </a:fillRef>
+          <a:effectRef idx="0">
+            <a:schemeClr val="accent1"/>
+          </a:effectRef>
+          <a:fontRef idx="minor">
+            <a:schemeClr val="tx1"/>
+          </a:fontRef>
+        </p:style>
+      </p:cxnSp>
+    </p:spTree>
+    <p:extLst>
+      <p:ext uri="{BB962C8B-B14F-4D97-AF65-F5344CB8AC3E}">
+        <p14:creationId xmlns:p14="http://schemas.microsoft.com/office/powerpoint/2010/main" val="3972796939"/>
       </p:ext>
     </p:extLst>
   </p:cSld>

--- a/architecture/KabaneroEvent.pptx
+++ b/architecture/KabaneroEvent.pptx
@@ -18,6 +18,8 @@
     <p:sldId id="268" r:id="rId12"/>
     <p:sldId id="269" r:id="rId13"/>
     <p:sldId id="270" r:id="rId14"/>
+    <p:sldId id="141169048" r:id="rId15"/>
+    <p:sldId id="141169049" r:id="rId16"/>
   </p:sldIdLst>
   <p:sldSz cx="12192000" cy="6858000"/>
   <p:notesSz cx="6858000" cy="9144000"/>
@@ -271,7 +273,7 @@
           <a:p>
             <a:fld id="{13593C2D-3CA5-4D4F-90AB-38346B6393DE}" type="datetimeFigureOut">
               <a:rPr lang="en-US" smtClean="0"/>
-              <a:t>9/6/2019</a:t>
+              <a:t>9/9/2019</a:t>
             </a:fld>
             <a:endParaRPr lang="en-US"/>
           </a:p>
@@ -469,7 +471,7 @@
           <a:p>
             <a:fld id="{13593C2D-3CA5-4D4F-90AB-38346B6393DE}" type="datetimeFigureOut">
               <a:rPr lang="en-US" smtClean="0"/>
-              <a:t>9/6/2019</a:t>
+              <a:t>9/9/2019</a:t>
             </a:fld>
             <a:endParaRPr lang="en-US"/>
           </a:p>
@@ -677,7 +679,7 @@
           <a:p>
             <a:fld id="{13593C2D-3CA5-4D4F-90AB-38346B6393DE}" type="datetimeFigureOut">
               <a:rPr lang="en-US" smtClean="0"/>
-              <a:t>9/6/2019</a:t>
+              <a:t>9/9/2019</a:t>
             </a:fld>
             <a:endParaRPr lang="en-US"/>
           </a:p>
@@ -875,7 +877,7 @@
           <a:p>
             <a:fld id="{13593C2D-3CA5-4D4F-90AB-38346B6393DE}" type="datetimeFigureOut">
               <a:rPr lang="en-US" smtClean="0"/>
-              <a:t>9/6/2019</a:t>
+              <a:t>9/9/2019</a:t>
             </a:fld>
             <a:endParaRPr lang="en-US"/>
           </a:p>
@@ -1150,7 +1152,7 @@
           <a:p>
             <a:fld id="{13593C2D-3CA5-4D4F-90AB-38346B6393DE}" type="datetimeFigureOut">
               <a:rPr lang="en-US" smtClean="0"/>
-              <a:t>9/6/2019</a:t>
+              <a:t>9/9/2019</a:t>
             </a:fld>
             <a:endParaRPr lang="en-US"/>
           </a:p>
@@ -1415,7 +1417,7 @@
           <a:p>
             <a:fld id="{13593C2D-3CA5-4D4F-90AB-38346B6393DE}" type="datetimeFigureOut">
               <a:rPr lang="en-US" smtClean="0"/>
-              <a:t>9/6/2019</a:t>
+              <a:t>9/9/2019</a:t>
             </a:fld>
             <a:endParaRPr lang="en-US"/>
           </a:p>
@@ -1827,7 +1829,7 @@
           <a:p>
             <a:fld id="{13593C2D-3CA5-4D4F-90AB-38346B6393DE}" type="datetimeFigureOut">
               <a:rPr lang="en-US" smtClean="0"/>
-              <a:t>9/6/2019</a:t>
+              <a:t>9/9/2019</a:t>
             </a:fld>
             <a:endParaRPr lang="en-US"/>
           </a:p>
@@ -1968,7 +1970,7 @@
           <a:p>
             <a:fld id="{13593C2D-3CA5-4D4F-90AB-38346B6393DE}" type="datetimeFigureOut">
               <a:rPr lang="en-US" smtClean="0"/>
-              <a:t>9/6/2019</a:t>
+              <a:t>9/9/2019</a:t>
             </a:fld>
             <a:endParaRPr lang="en-US"/>
           </a:p>
@@ -2081,7 +2083,7 @@
           <a:p>
             <a:fld id="{13593C2D-3CA5-4D4F-90AB-38346B6393DE}" type="datetimeFigureOut">
               <a:rPr lang="en-US" smtClean="0"/>
-              <a:t>9/6/2019</a:t>
+              <a:t>9/9/2019</a:t>
             </a:fld>
             <a:endParaRPr lang="en-US"/>
           </a:p>
@@ -2392,7 +2394,7 @@
           <a:p>
             <a:fld id="{13593C2D-3CA5-4D4F-90AB-38346B6393DE}" type="datetimeFigureOut">
               <a:rPr lang="en-US" smtClean="0"/>
-              <a:t>9/6/2019</a:t>
+              <a:t>9/9/2019</a:t>
             </a:fld>
             <a:endParaRPr lang="en-US"/>
           </a:p>
@@ -2680,7 +2682,7 @@
           <a:p>
             <a:fld id="{13593C2D-3CA5-4D4F-90AB-38346B6393DE}" type="datetimeFigureOut">
               <a:rPr lang="en-US" smtClean="0"/>
-              <a:t>9/6/2019</a:t>
+              <a:t>9/9/2019</a:t>
             </a:fld>
             <a:endParaRPr lang="en-US"/>
           </a:p>
@@ -2921,7 +2923,7 @@
           <a:p>
             <a:fld id="{13593C2D-3CA5-4D4F-90AB-38346B6393DE}" type="datetimeFigureOut">
               <a:rPr lang="en-US" smtClean="0"/>
-              <a:t>9/6/2019</a:t>
+              <a:t>9/9/2019</a:t>
             </a:fld>
             <a:endParaRPr lang="en-US"/>
           </a:p>
@@ -11116,7 +11118,7 @@
         </p:nvSpPr>
         <p:spPr>
           <a:xfrm>
-            <a:off x="9065951" y="6410550"/>
+            <a:off x="8594611" y="6427793"/>
             <a:ext cx="2947987" cy="369332"/>
           </a:xfrm>
           <a:prstGeom prst="rect">
@@ -11183,6 +11185,3114 @@
     <p:extLst>
       <p:ext uri="{BB962C8B-B14F-4D97-AF65-F5344CB8AC3E}">
         <p14:creationId xmlns:p14="http://schemas.microsoft.com/office/powerpoint/2010/main" val="3972796939"/>
+      </p:ext>
+    </p:extLst>
+  </p:cSld>
+  <p:clrMapOvr>
+    <a:masterClrMapping/>
+  </p:clrMapOvr>
+</p:sld>
+</file>
+
+<file path=ppt/slides/slide14.xml><?xml version="1.0" encoding="utf-8"?>
+<p:sld xmlns:a="http://schemas.openxmlformats.org/drawingml/2006/main" xmlns:r="http://schemas.openxmlformats.org/officeDocument/2006/relationships" xmlns:p="http://schemas.openxmlformats.org/presentationml/2006/main">
+  <p:cSld>
+    <p:spTree>
+      <p:nvGrpSpPr>
+        <p:cNvPr id="1" name=""/>
+        <p:cNvGrpSpPr/>
+        <p:nvPr/>
+      </p:nvGrpSpPr>
+      <p:grpSpPr>
+        <a:xfrm>
+          <a:off x="0" y="0"/>
+          <a:ext cx="0" cy="0"/>
+          <a:chOff x="0" y="0"/>
+          <a:chExt cx="0" cy="0"/>
+        </a:xfrm>
+      </p:grpSpPr>
+      <p:sp>
+        <p:nvSpPr>
+          <p:cNvPr id="5" name="Title 4">
+            <a:extLst>
+              <a:ext uri="{FF2B5EF4-FFF2-40B4-BE49-F238E27FC236}">
+                <a16:creationId xmlns:a16="http://schemas.microsoft.com/office/drawing/2014/main" id="{5CC6392E-AD9E-7146-8C7D-7C3D49B20B3B}"/>
+              </a:ext>
+            </a:extLst>
+          </p:cNvPr>
+          <p:cNvSpPr>
+            <a:spLocks noGrp="1"/>
+          </p:cNvSpPr>
+          <p:nvPr>
+            <p:ph type="title"/>
+          </p:nvPr>
+        </p:nvSpPr>
+        <p:spPr/>
+        <p:txBody>
+          <a:bodyPr/>
+          <a:lstStyle/>
+          <a:p>
+            <a:endParaRPr lang="en-US"/>
+          </a:p>
+        </p:txBody>
+      </p:sp>
+      <p:graphicFrame>
+        <p:nvGraphicFramePr>
+          <p:cNvPr id="6" name="Table 5">
+            <a:extLst>
+              <a:ext uri="{FF2B5EF4-FFF2-40B4-BE49-F238E27FC236}">
+                <a16:creationId xmlns:a16="http://schemas.microsoft.com/office/drawing/2014/main" id="{79D1877E-5777-BD41-A2BE-5AF3690CFC89}"/>
+              </a:ext>
+            </a:extLst>
+          </p:cNvPr>
+          <p:cNvGraphicFramePr>
+            <a:graphicFrameLocks noGrp="1"/>
+          </p:cNvGraphicFramePr>
+          <p:nvPr>
+            <p:extLst>
+              <p:ext uri="{D42A27DB-BD31-4B8C-83A1-F6EECF244321}">
+                <p14:modId xmlns:p14="http://schemas.microsoft.com/office/powerpoint/2010/main" val="1397874728"/>
+              </p:ext>
+            </p:extLst>
+          </p:nvPr>
+        </p:nvGraphicFramePr>
+        <p:xfrm>
+          <a:off x="0" y="1"/>
+          <a:ext cx="12192000" cy="6155702"/>
+        </p:xfrm>
+        <a:graphic>
+          <a:graphicData uri="http://schemas.openxmlformats.org/drawingml/2006/table">
+            <a:tbl>
+              <a:tblPr firstRow="1" bandRow="1">
+                <a:tableStyleId>{5C22544A-7EE6-4342-B048-85BDC9FD1C3A}</a:tableStyleId>
+              </a:tblPr>
+              <a:tblGrid>
+                <a:gridCol w="2953005">
+                  <a:extLst>
+                    <a:ext uri="{9D8B030D-6E8A-4147-A177-3AD203B41FA5}">
+                      <a16:colId xmlns:a16="http://schemas.microsoft.com/office/drawing/2014/main" val="3092897234"/>
+                    </a:ext>
+                  </a:extLst>
+                </a:gridCol>
+                <a:gridCol w="2953005">
+                  <a:extLst>
+                    <a:ext uri="{9D8B030D-6E8A-4147-A177-3AD203B41FA5}">
+                      <a16:colId xmlns:a16="http://schemas.microsoft.com/office/drawing/2014/main" val="638483568"/>
+                    </a:ext>
+                  </a:extLst>
+                </a:gridCol>
+                <a:gridCol w="3142995">
+                  <a:extLst>
+                    <a:ext uri="{9D8B030D-6E8A-4147-A177-3AD203B41FA5}">
+                      <a16:colId xmlns:a16="http://schemas.microsoft.com/office/drawing/2014/main" val="3553061281"/>
+                    </a:ext>
+                  </a:extLst>
+                </a:gridCol>
+                <a:gridCol w="3142995">
+                  <a:extLst>
+                    <a:ext uri="{9D8B030D-6E8A-4147-A177-3AD203B41FA5}">
+                      <a16:colId xmlns:a16="http://schemas.microsoft.com/office/drawing/2014/main" val="3415428638"/>
+                    </a:ext>
+                  </a:extLst>
+                </a:gridCol>
+              </a:tblGrid>
+              <a:tr h="495968">
+                <a:tc>
+                  <a:txBody>
+                    <a:bodyPr/>
+                    <a:lstStyle/>
+                    <a:p>
+                      <a:r>
+                        <a:rPr lang="en-US" dirty="0"/>
+                        <a:t>Event Trigger</a:t>
+                      </a:r>
+                    </a:p>
+                  </a:txBody>
+                  <a:tcPr/>
+                </a:tc>
+                <a:tc>
+                  <a:txBody>
+                    <a:bodyPr/>
+                    <a:lstStyle/>
+                    <a:p>
+                      <a:r>
+                        <a:rPr lang="en-US" dirty="0"/>
+                        <a:t>Stage</a:t>
+                      </a:r>
+                    </a:p>
+                  </a:txBody>
+                  <a:tcPr/>
+                </a:tc>
+                <a:tc>
+                  <a:txBody>
+                    <a:bodyPr/>
+                    <a:lstStyle/>
+                    <a:p>
+                      <a:r>
+                        <a:rPr lang="en-US" dirty="0"/>
+                        <a:t>Action</a:t>
+                      </a:r>
+                    </a:p>
+                  </a:txBody>
+                  <a:tcPr/>
+                </a:tc>
+                <a:tc>
+                  <a:txBody>
+                    <a:bodyPr/>
+                    <a:lstStyle/>
+                    <a:p>
+                      <a:r>
+                        <a:rPr lang="en-US" dirty="0"/>
+                        <a:t>Event to Emit</a:t>
+                      </a:r>
+                    </a:p>
+                  </a:txBody>
+                  <a:tcPr/>
+                </a:tc>
+                <a:extLst>
+                  <a:ext uri="{0D108BD9-81ED-4DB2-BD59-A6C34878D82A}">
+                    <a16:rowId xmlns:a16="http://schemas.microsoft.com/office/drawing/2014/main" val="1282123162"/>
+                  </a:ext>
+                </a:extLst>
+              </a:tr>
+              <a:tr h="1087734">
+                <a:tc>
+                  <a:txBody>
+                    <a:bodyPr/>
+                    <a:lstStyle/>
+                    <a:p>
+                      <a:r>
+                        <a:rPr lang="en-US" dirty="0"/>
+                        <a:t>Repository: </a:t>
+                      </a:r>
+                      <a:r>
+                        <a:rPr lang="en-US" dirty="0" err="1"/>
+                        <a:t>WebHook</a:t>
+                      </a:r>
+                      <a:r>
+                        <a:rPr lang="en-US" dirty="0"/>
+                        <a:t> Push event</a:t>
+                      </a:r>
+                    </a:p>
+                  </a:txBody>
+                  <a:tcPr/>
+                </a:tc>
+                <a:tc>
+                  <a:txBody>
+                    <a:bodyPr/>
+                    <a:lstStyle/>
+                    <a:p>
+                      <a:r>
+                        <a:rPr lang="en-US" dirty="0"/>
+                        <a:t>N/A</a:t>
+                      </a:r>
+                    </a:p>
+                  </a:txBody>
+                  <a:tcPr/>
+                </a:tc>
+                <a:tc>
+                  <a:txBody>
+                    <a:bodyPr/>
+                    <a:lstStyle/>
+                    <a:p>
+                      <a:endParaRPr lang="en-US" dirty="0"/>
+                    </a:p>
+                    <a:p>
+                      <a:r>
+                        <a:rPr lang="en-US" dirty="0"/>
+                        <a:t>Action: Determine strategy to use </a:t>
+                      </a:r>
+                    </a:p>
+                  </a:txBody>
+                  <a:tcPr/>
+                </a:tc>
+                <a:tc>
+                  <a:txBody>
+                    <a:bodyPr/>
+                    <a:lstStyle/>
+                    <a:p>
+                      <a:r>
+                        <a:rPr lang="en-US" dirty="0"/>
+                        <a:t>fire BUILD</a:t>
+                      </a:r>
+                    </a:p>
+                  </a:txBody>
+                  <a:tcPr/>
+                </a:tc>
+                <a:extLst>
+                  <a:ext uri="{0D108BD9-81ED-4DB2-BD59-A6C34878D82A}">
+                    <a16:rowId xmlns:a16="http://schemas.microsoft.com/office/drawing/2014/main" val="2306100398"/>
+                  </a:ext>
+                </a:extLst>
+              </a:tr>
+              <a:tr h="1379066">
+                <a:tc>
+                  <a:txBody>
+                    <a:bodyPr/>
+                    <a:lstStyle/>
+                    <a:p>
+                      <a:r>
+                        <a:rPr lang="en-US" dirty="0"/>
+                        <a:t>BUILD</a:t>
+                      </a:r>
+                    </a:p>
+                  </a:txBody>
+                  <a:tcPr/>
+                </a:tc>
+                <a:tc>
+                  <a:txBody>
+                    <a:bodyPr/>
+                    <a:lstStyle/>
+                    <a:p>
+                      <a:r>
+                        <a:rPr lang="en-US" dirty="0"/>
+                        <a:t>BUILD</a:t>
+                      </a:r>
+                    </a:p>
+                  </a:txBody>
+                  <a:tcPr/>
+                </a:tc>
+                <a:tc>
+                  <a:txBody>
+                    <a:bodyPr/>
+                    <a:lstStyle/>
+                    <a:p>
+                      <a:r>
+                        <a:rPr lang="en-US" dirty="0"/>
+                        <a:t>Start build pipeline</a:t>
+                      </a:r>
+                    </a:p>
+                    <a:p>
+                      <a:endParaRPr lang="en-US" dirty="0"/>
+                    </a:p>
+                  </a:txBody>
+                  <a:tcPr/>
+                </a:tc>
+                <a:tc>
+                  <a:txBody>
+                    <a:bodyPr/>
+                    <a:lstStyle/>
+                    <a:p>
+                      <a:r>
+                        <a:rPr lang="en-US" dirty="0"/>
+                        <a:t>If Successful, BUILD_COMPLETE(SUCCESS)</a:t>
+                      </a:r>
+                    </a:p>
+                    <a:p>
+                      <a:endParaRPr lang="en-US" dirty="0"/>
+                    </a:p>
+                    <a:p>
+                      <a:r>
+                        <a:rPr lang="en-US" dirty="0"/>
+                        <a:t>If failed BUILDCOMPLETE(FAIL)</a:t>
+                      </a:r>
+                    </a:p>
+                    <a:p>
+                      <a:endParaRPr lang="en-US" dirty="0"/>
+                    </a:p>
+                  </a:txBody>
+                  <a:tcPr/>
+                </a:tc>
+                <a:extLst>
+                  <a:ext uri="{0D108BD9-81ED-4DB2-BD59-A6C34878D82A}">
+                    <a16:rowId xmlns:a16="http://schemas.microsoft.com/office/drawing/2014/main" val="3444292268"/>
+                  </a:ext>
+                </a:extLst>
+              </a:tr>
+              <a:tr h="618531">
+                <a:tc>
+                  <a:txBody>
+                    <a:bodyPr/>
+                    <a:lstStyle/>
+                    <a:p>
+                      <a:r>
+                        <a:rPr lang="en-US" dirty="0" err="1"/>
+                        <a:t>BUIL_COMPLEte</a:t>
+                      </a:r>
+                      <a:r>
+                        <a:rPr lang="en-US" dirty="0"/>
+                        <a:t>(success)</a:t>
+                      </a:r>
+                    </a:p>
+                  </a:txBody>
+                  <a:tcPr/>
+                </a:tc>
+                <a:tc>
+                  <a:txBody>
+                    <a:bodyPr/>
+                    <a:lstStyle/>
+                    <a:p>
+                      <a:r>
+                        <a:rPr lang="en-US" dirty="0"/>
+                        <a:t>FVT</a:t>
+                      </a:r>
+                    </a:p>
+                  </a:txBody>
+                  <a:tcPr/>
+                </a:tc>
+                <a:tc>
+                  <a:txBody>
+                    <a:bodyPr/>
+                    <a:lstStyle/>
+                    <a:p>
+                      <a:r>
+                        <a:rPr lang="en-US" dirty="0"/>
+                        <a:t>Start FVT </a:t>
+                      </a:r>
+                    </a:p>
+                  </a:txBody>
+                  <a:tcPr/>
+                </a:tc>
+                <a:tc>
+                  <a:txBody>
+                    <a:bodyPr/>
+                    <a:lstStyle/>
+                    <a:p>
+                      <a:r>
+                        <a:rPr lang="en-US" dirty="0"/>
+                        <a:t>FVT Fired (Workspace target, pipeline)</a:t>
+                      </a:r>
+                    </a:p>
+                  </a:txBody>
+                  <a:tcPr/>
+                </a:tc>
+                <a:extLst>
+                  <a:ext uri="{0D108BD9-81ED-4DB2-BD59-A6C34878D82A}">
+                    <a16:rowId xmlns:a16="http://schemas.microsoft.com/office/drawing/2014/main" val="2103335000"/>
+                  </a:ext>
+                </a:extLst>
+              </a:tr>
+              <a:tr h="1148700">
+                <a:tc>
+                  <a:txBody>
+                    <a:bodyPr/>
+                    <a:lstStyle/>
+                    <a:p>
+                      <a:r>
+                        <a:rPr lang="en-US" dirty="0"/>
+                        <a:t>FVT</a:t>
+                      </a:r>
+                    </a:p>
+                  </a:txBody>
+                  <a:tcPr/>
+                </a:tc>
+                <a:tc>
+                  <a:txBody>
+                    <a:bodyPr/>
+                    <a:lstStyle/>
+                    <a:p>
+                      <a:endParaRPr lang="en-US" dirty="0"/>
+                    </a:p>
+                  </a:txBody>
+                  <a:tcPr/>
+                </a:tc>
+                <a:tc>
+                  <a:txBody>
+                    <a:bodyPr/>
+                    <a:lstStyle/>
+                    <a:p>
+                      <a:r>
+                        <a:rPr lang="en-US" dirty="0"/>
+                        <a:t>Run FVT Pipeline in target workspace</a:t>
+                      </a:r>
+                    </a:p>
+                  </a:txBody>
+                  <a:tcPr/>
+                </a:tc>
+                <a:tc>
+                  <a:txBody>
+                    <a:bodyPr/>
+                    <a:lstStyle/>
+                    <a:p>
+                      <a:r>
+                        <a:rPr lang="en-US" dirty="0"/>
+                        <a:t>If Success</a:t>
+                      </a:r>
+                    </a:p>
+                    <a:p>
+                      <a:r>
+                        <a:rPr lang="en-US" dirty="0"/>
+                        <a:t>Gather doc, fire FVT-Success</a:t>
+                      </a:r>
+                    </a:p>
+                    <a:p>
+                      <a:r>
+                        <a:rPr lang="en-US" dirty="0"/>
+                        <a:t>If Failed</a:t>
+                      </a:r>
+                    </a:p>
+                    <a:p>
+                      <a:r>
+                        <a:rPr lang="en-US" dirty="0"/>
+                        <a:t>Gather doc fire FVT-Failed</a:t>
+                      </a:r>
+                    </a:p>
+                  </a:txBody>
+                  <a:tcPr/>
+                </a:tc>
+                <a:extLst>
+                  <a:ext uri="{0D108BD9-81ED-4DB2-BD59-A6C34878D82A}">
+                    <a16:rowId xmlns:a16="http://schemas.microsoft.com/office/drawing/2014/main" val="4162704745"/>
+                  </a:ext>
+                </a:extLst>
+              </a:tr>
+              <a:tr h="618531">
+                <a:tc>
+                  <a:txBody>
+                    <a:bodyPr/>
+                    <a:lstStyle/>
+                    <a:p>
+                      <a:r>
+                        <a:rPr lang="en-US" dirty="0"/>
+                        <a:t>FVT-Success</a:t>
+                      </a:r>
+                    </a:p>
+                  </a:txBody>
+                  <a:tcPr/>
+                </a:tc>
+                <a:tc>
+                  <a:txBody>
+                    <a:bodyPr/>
+                    <a:lstStyle/>
+                    <a:p>
+                      <a:endParaRPr lang="en-US" dirty="0"/>
+                    </a:p>
+                  </a:txBody>
+                  <a:tcPr/>
+                </a:tc>
+                <a:tc>
+                  <a:txBody>
+                    <a:bodyPr/>
+                    <a:lstStyle/>
+                    <a:p>
+                      <a:r>
+                        <a:rPr lang="en-US" dirty="0"/>
+                        <a:t>Run SVT Pipeline, target team space</a:t>
+                      </a:r>
+                    </a:p>
+                  </a:txBody>
+                  <a:tcPr/>
+                </a:tc>
+                <a:tc>
+                  <a:txBody>
+                    <a:bodyPr/>
+                    <a:lstStyle/>
+                    <a:p>
+                      <a:r>
+                        <a:rPr lang="en-US" dirty="0"/>
+                        <a:t>SVT Fired(Team workspace, target pipeline)</a:t>
+                      </a:r>
+                    </a:p>
+                  </a:txBody>
+                  <a:tcPr/>
+                </a:tc>
+                <a:extLst>
+                  <a:ext uri="{0D108BD9-81ED-4DB2-BD59-A6C34878D82A}">
+                    <a16:rowId xmlns:a16="http://schemas.microsoft.com/office/drawing/2014/main" val="641747861"/>
+                  </a:ext>
+                </a:extLst>
+              </a:tr>
+              <a:tr h="618531">
+                <a:tc>
+                  <a:txBody>
+                    <a:bodyPr/>
+                    <a:lstStyle/>
+                    <a:p>
+                      <a:r>
+                        <a:rPr lang="en-US" dirty="0"/>
+                        <a:t>FVT-Failed</a:t>
+                      </a:r>
+                    </a:p>
+                  </a:txBody>
+                  <a:tcPr/>
+                </a:tc>
+                <a:tc>
+                  <a:txBody>
+                    <a:bodyPr/>
+                    <a:lstStyle/>
+                    <a:p>
+                      <a:endParaRPr lang="en-US" dirty="0"/>
+                    </a:p>
+                  </a:txBody>
+                  <a:tcPr/>
+                </a:tc>
+                <a:tc>
+                  <a:txBody>
+                    <a:bodyPr/>
+                    <a:lstStyle/>
+                    <a:p>
+                      <a:r>
+                        <a:rPr lang="en-US" dirty="0"/>
+                        <a:t>Run Issue-Created</a:t>
+                      </a:r>
+                    </a:p>
+                  </a:txBody>
+                  <a:tcPr/>
+                </a:tc>
+                <a:tc>
+                  <a:txBody>
+                    <a:bodyPr/>
+                    <a:lstStyle/>
+                    <a:p>
+                      <a:r>
+                        <a:rPr lang="en-US" dirty="0"/>
+                        <a:t>Create Git Issue containing all log information</a:t>
+                      </a:r>
+                    </a:p>
+                  </a:txBody>
+                  <a:tcPr/>
+                </a:tc>
+                <a:extLst>
+                  <a:ext uri="{0D108BD9-81ED-4DB2-BD59-A6C34878D82A}">
+                    <a16:rowId xmlns:a16="http://schemas.microsoft.com/office/drawing/2014/main" val="518791059"/>
+                  </a:ext>
+                </a:extLst>
+              </a:tr>
+            </a:tbl>
+          </a:graphicData>
+        </a:graphic>
+      </p:graphicFrame>
+    </p:spTree>
+    <p:extLst>
+      <p:ext uri="{BB962C8B-B14F-4D97-AF65-F5344CB8AC3E}">
+        <p14:creationId xmlns:p14="http://schemas.microsoft.com/office/powerpoint/2010/main" val="841810563"/>
+      </p:ext>
+    </p:extLst>
+  </p:cSld>
+  <p:clrMapOvr>
+    <a:masterClrMapping/>
+  </p:clrMapOvr>
+</p:sld>
+</file>
+
+<file path=ppt/slides/slide15.xml><?xml version="1.0" encoding="utf-8"?>
+<p:sld xmlns:a="http://schemas.openxmlformats.org/drawingml/2006/main" xmlns:r="http://schemas.openxmlformats.org/officeDocument/2006/relationships" xmlns:p="http://schemas.openxmlformats.org/presentationml/2006/main">
+  <p:cSld>
+    <p:spTree>
+      <p:nvGrpSpPr>
+        <p:cNvPr id="1" name=""/>
+        <p:cNvGrpSpPr/>
+        <p:nvPr/>
+      </p:nvGrpSpPr>
+      <p:grpSpPr>
+        <a:xfrm>
+          <a:off x="0" y="0"/>
+          <a:ext cx="0" cy="0"/>
+          <a:chOff x="0" y="0"/>
+          <a:chExt cx="0" cy="0"/>
+        </a:xfrm>
+      </p:grpSpPr>
+      <p:sp>
+        <p:nvSpPr>
+          <p:cNvPr id="3" name="Rectangle: Rounded Corners 2">
+            <a:extLst>
+              <a:ext uri="{FF2B5EF4-FFF2-40B4-BE49-F238E27FC236}">
+                <a16:creationId xmlns:a16="http://schemas.microsoft.com/office/drawing/2014/main" id="{C0D5A236-A065-4709-893C-F90C190C5A91}"/>
+              </a:ext>
+            </a:extLst>
+          </p:cNvPr>
+          <p:cNvSpPr/>
+          <p:nvPr/>
+        </p:nvSpPr>
+        <p:spPr>
+          <a:xfrm>
+            <a:off x="8966730" y="306992"/>
+            <a:ext cx="2183089" cy="725863"/>
+          </a:xfrm>
+          <a:prstGeom prst="roundRect">
+            <a:avLst/>
+          </a:prstGeom>
+          <a:noFill/>
+        </p:spPr>
+        <p:style>
+          <a:lnRef idx="2">
+            <a:schemeClr val="accent1">
+              <a:shade val="50000"/>
+            </a:schemeClr>
+          </a:lnRef>
+          <a:fillRef idx="1">
+            <a:schemeClr val="accent1"/>
+          </a:fillRef>
+          <a:effectRef idx="0">
+            <a:schemeClr val="accent1"/>
+          </a:effectRef>
+          <a:fontRef idx="minor">
+            <a:schemeClr val="lt1"/>
+          </a:fontRef>
+        </p:style>
+        <p:txBody>
+          <a:bodyPr rtlCol="0" anchor="ctr"/>
+          <a:lstStyle/>
+          <a:p>
+            <a:pPr algn="ctr"/>
+            <a:r>
+              <a:rPr lang="en-US" dirty="0">
+                <a:solidFill>
+                  <a:schemeClr val="tx1"/>
+                </a:solidFill>
+              </a:rPr>
+              <a:t>Build (Travis)</a:t>
+            </a:r>
+          </a:p>
+        </p:txBody>
+      </p:sp>
+      <p:sp>
+        <p:nvSpPr>
+          <p:cNvPr id="9" name="Rectangle: Rounded Corners 8">
+            <a:extLst>
+              <a:ext uri="{FF2B5EF4-FFF2-40B4-BE49-F238E27FC236}">
+                <a16:creationId xmlns:a16="http://schemas.microsoft.com/office/drawing/2014/main" id="{A6EC9DD2-4E81-47D3-9A6A-97F5ECD4DF1C}"/>
+              </a:ext>
+            </a:extLst>
+          </p:cNvPr>
+          <p:cNvSpPr/>
+          <p:nvPr/>
+        </p:nvSpPr>
+        <p:spPr>
+          <a:xfrm>
+            <a:off x="6173149" y="1860142"/>
+            <a:ext cx="1933903" cy="636407"/>
+          </a:xfrm>
+          <a:prstGeom prst="roundRect">
+            <a:avLst>
+              <a:gd name="adj" fmla="val 0"/>
+            </a:avLst>
+          </a:prstGeom>
+          <a:noFill/>
+        </p:spPr>
+        <p:style>
+          <a:lnRef idx="2">
+            <a:schemeClr val="accent1">
+              <a:shade val="50000"/>
+            </a:schemeClr>
+          </a:lnRef>
+          <a:fillRef idx="1">
+            <a:schemeClr val="accent1"/>
+          </a:fillRef>
+          <a:effectRef idx="0">
+            <a:schemeClr val="accent1"/>
+          </a:effectRef>
+          <a:fontRef idx="minor">
+            <a:schemeClr val="lt1"/>
+          </a:fontRef>
+        </p:style>
+        <p:txBody>
+          <a:bodyPr rtlCol="0" anchor="ctr"/>
+          <a:lstStyle/>
+          <a:p>
+            <a:pPr algn="ctr"/>
+            <a:r>
+              <a:rPr lang="en-US" dirty="0">
+                <a:solidFill>
+                  <a:schemeClr val="tx1"/>
+                </a:solidFill>
+              </a:rPr>
+              <a:t>FVT (</a:t>
+            </a:r>
+            <a:r>
+              <a:rPr lang="en-US" dirty="0" err="1">
+                <a:solidFill>
+                  <a:schemeClr val="tx1"/>
+                </a:solidFill>
+              </a:rPr>
+              <a:t>Tekton</a:t>
+            </a:r>
+            <a:r>
+              <a:rPr lang="en-US" dirty="0">
+                <a:solidFill>
+                  <a:schemeClr val="tx1"/>
+                </a:solidFill>
+              </a:rPr>
+              <a:t>)</a:t>
+            </a:r>
+          </a:p>
+        </p:txBody>
+      </p:sp>
+      <p:sp>
+        <p:nvSpPr>
+          <p:cNvPr id="10" name="Rectangle: Rounded Corners 9">
+            <a:extLst>
+              <a:ext uri="{FF2B5EF4-FFF2-40B4-BE49-F238E27FC236}">
+                <a16:creationId xmlns:a16="http://schemas.microsoft.com/office/drawing/2014/main" id="{698D90C3-2A86-429F-A03D-D5649AFA3EB2}"/>
+              </a:ext>
+            </a:extLst>
+          </p:cNvPr>
+          <p:cNvSpPr/>
+          <p:nvPr/>
+        </p:nvSpPr>
+        <p:spPr>
+          <a:xfrm>
+            <a:off x="9339142" y="4752198"/>
+            <a:ext cx="2413262" cy="725863"/>
+          </a:xfrm>
+          <a:prstGeom prst="roundRect">
+            <a:avLst/>
+          </a:prstGeom>
+          <a:noFill/>
+        </p:spPr>
+        <p:style>
+          <a:lnRef idx="2">
+            <a:schemeClr val="accent1">
+              <a:shade val="50000"/>
+            </a:schemeClr>
+          </a:lnRef>
+          <a:fillRef idx="1">
+            <a:schemeClr val="accent1"/>
+          </a:fillRef>
+          <a:effectRef idx="0">
+            <a:schemeClr val="accent1"/>
+          </a:effectRef>
+          <a:fontRef idx="minor">
+            <a:schemeClr val="lt1"/>
+          </a:fontRef>
+        </p:style>
+        <p:txBody>
+          <a:bodyPr rtlCol="0" anchor="ctr"/>
+          <a:lstStyle/>
+          <a:p>
+            <a:pPr algn="ctr"/>
+            <a:r>
+              <a:rPr lang="en-US" dirty="0" err="1">
+                <a:solidFill>
+                  <a:schemeClr val="tx1"/>
+                </a:solidFill>
+              </a:rPr>
+              <a:t>Deploy_Approval</a:t>
+            </a:r>
+            <a:r>
+              <a:rPr lang="en-US" dirty="0">
+                <a:solidFill>
+                  <a:schemeClr val="tx1"/>
+                </a:solidFill>
+              </a:rPr>
+              <a:t> (???)</a:t>
+            </a:r>
+          </a:p>
+        </p:txBody>
+      </p:sp>
+      <p:sp>
+        <p:nvSpPr>
+          <p:cNvPr id="11" name="Rectangle: Rounded Corners 10">
+            <a:extLst>
+              <a:ext uri="{FF2B5EF4-FFF2-40B4-BE49-F238E27FC236}">
+                <a16:creationId xmlns:a16="http://schemas.microsoft.com/office/drawing/2014/main" id="{010E861B-B299-44EE-A146-3D45FBE76EEE}"/>
+              </a:ext>
+            </a:extLst>
+          </p:cNvPr>
+          <p:cNvSpPr/>
+          <p:nvPr/>
+        </p:nvSpPr>
+        <p:spPr>
+          <a:xfrm>
+            <a:off x="6400727" y="5472297"/>
+            <a:ext cx="2413262" cy="725863"/>
+          </a:xfrm>
+          <a:prstGeom prst="roundRect">
+            <a:avLst/>
+          </a:prstGeom>
+          <a:noFill/>
+        </p:spPr>
+        <p:style>
+          <a:lnRef idx="2">
+            <a:schemeClr val="accent1">
+              <a:shade val="50000"/>
+            </a:schemeClr>
+          </a:lnRef>
+          <a:fillRef idx="1">
+            <a:schemeClr val="accent1"/>
+          </a:fillRef>
+          <a:effectRef idx="0">
+            <a:schemeClr val="accent1"/>
+          </a:effectRef>
+          <a:fontRef idx="minor">
+            <a:schemeClr val="lt1"/>
+          </a:fontRef>
+        </p:style>
+        <p:txBody>
+          <a:bodyPr rtlCol="0" anchor="ctr"/>
+          <a:lstStyle/>
+          <a:p>
+            <a:pPr algn="ctr"/>
+            <a:r>
+              <a:rPr lang="en-US" dirty="0">
+                <a:solidFill>
+                  <a:schemeClr val="tx1"/>
+                </a:solidFill>
+              </a:rPr>
+              <a:t>Deploy (</a:t>
+            </a:r>
+            <a:r>
+              <a:rPr lang="en-US" dirty="0" err="1">
+                <a:solidFill>
+                  <a:schemeClr val="tx1"/>
+                </a:solidFill>
+              </a:rPr>
+              <a:t>Gitops</a:t>
+            </a:r>
+            <a:r>
+              <a:rPr lang="en-US" dirty="0">
+                <a:solidFill>
+                  <a:schemeClr val="tx1"/>
+                </a:solidFill>
+              </a:rPr>
+              <a:t>/</a:t>
+            </a:r>
+            <a:r>
+              <a:rPr lang="en-US" dirty="0" err="1">
+                <a:solidFill>
+                  <a:schemeClr val="tx1"/>
+                </a:solidFill>
+              </a:rPr>
+              <a:t>Razee</a:t>
+            </a:r>
+            <a:r>
+              <a:rPr lang="en-US" dirty="0">
+                <a:solidFill>
+                  <a:schemeClr val="tx1"/>
+                </a:solidFill>
+              </a:rPr>
+              <a:t>)</a:t>
+            </a:r>
+          </a:p>
+        </p:txBody>
+      </p:sp>
+      <p:sp>
+        <p:nvSpPr>
+          <p:cNvPr id="12" name="Rectangle: Rounded Corners 11">
+            <a:extLst>
+              <a:ext uri="{FF2B5EF4-FFF2-40B4-BE49-F238E27FC236}">
+                <a16:creationId xmlns:a16="http://schemas.microsoft.com/office/drawing/2014/main" id="{720B8792-2C30-4331-923F-3775FE100878}"/>
+              </a:ext>
+            </a:extLst>
+          </p:cNvPr>
+          <p:cNvSpPr/>
+          <p:nvPr/>
+        </p:nvSpPr>
+        <p:spPr>
+          <a:xfrm>
+            <a:off x="9822731" y="1879999"/>
+            <a:ext cx="2024800" cy="623502"/>
+          </a:xfrm>
+          <a:prstGeom prst="roundRect">
+            <a:avLst>
+              <a:gd name="adj" fmla="val 0"/>
+            </a:avLst>
+          </a:prstGeom>
+          <a:noFill/>
+        </p:spPr>
+        <p:style>
+          <a:lnRef idx="2">
+            <a:schemeClr val="accent1">
+              <a:shade val="50000"/>
+            </a:schemeClr>
+          </a:lnRef>
+          <a:fillRef idx="1">
+            <a:schemeClr val="accent1"/>
+          </a:fillRef>
+          <a:effectRef idx="0">
+            <a:schemeClr val="accent1"/>
+          </a:effectRef>
+          <a:fontRef idx="minor">
+            <a:schemeClr val="lt1"/>
+          </a:fontRef>
+        </p:style>
+        <p:txBody>
+          <a:bodyPr rtlCol="0" anchor="ctr"/>
+          <a:lstStyle/>
+          <a:p>
+            <a:pPr algn="ctr"/>
+            <a:r>
+              <a:rPr lang="en-US" dirty="0">
+                <a:solidFill>
+                  <a:schemeClr val="tx1"/>
+                </a:solidFill>
+              </a:rPr>
+              <a:t>SVT (</a:t>
+            </a:r>
+            <a:r>
+              <a:rPr lang="en-US" dirty="0" err="1">
+                <a:solidFill>
+                  <a:schemeClr val="tx1"/>
+                </a:solidFill>
+              </a:rPr>
+              <a:t>Tekton</a:t>
+            </a:r>
+            <a:r>
+              <a:rPr lang="en-US" dirty="0">
+                <a:solidFill>
+                  <a:schemeClr val="tx1"/>
+                </a:solidFill>
+              </a:rPr>
+              <a:t>)</a:t>
+            </a:r>
+          </a:p>
+        </p:txBody>
+      </p:sp>
+      <p:sp>
+        <p:nvSpPr>
+          <p:cNvPr id="14" name="Wave 13">
+            <a:extLst>
+              <a:ext uri="{FF2B5EF4-FFF2-40B4-BE49-F238E27FC236}">
+                <a16:creationId xmlns:a16="http://schemas.microsoft.com/office/drawing/2014/main" id="{5000586C-2E71-4659-B5A0-C884E4C9A10C}"/>
+              </a:ext>
+            </a:extLst>
+          </p:cNvPr>
+          <p:cNvSpPr/>
+          <p:nvPr/>
+        </p:nvSpPr>
+        <p:spPr>
+          <a:xfrm>
+            <a:off x="9226878" y="1036164"/>
+            <a:ext cx="1566814" cy="493618"/>
+          </a:xfrm>
+          <a:prstGeom prst="wave">
+            <a:avLst>
+              <a:gd name="adj1" fmla="val 12500"/>
+              <a:gd name="adj2" fmla="val 0"/>
+            </a:avLst>
+          </a:prstGeom>
+          <a:noFill/>
+        </p:spPr>
+        <p:style>
+          <a:lnRef idx="2">
+            <a:schemeClr val="accent1">
+              <a:shade val="50000"/>
+            </a:schemeClr>
+          </a:lnRef>
+          <a:fillRef idx="1">
+            <a:schemeClr val="accent1"/>
+          </a:fillRef>
+          <a:effectRef idx="0">
+            <a:schemeClr val="accent1"/>
+          </a:effectRef>
+          <a:fontRef idx="minor">
+            <a:schemeClr val="lt1"/>
+          </a:fontRef>
+        </p:style>
+        <p:txBody>
+          <a:bodyPr rtlCol="0" anchor="ctr"/>
+          <a:lstStyle/>
+          <a:p>
+            <a:pPr algn="ctr"/>
+            <a:r>
+              <a:rPr lang="en-US" dirty="0">
+                <a:solidFill>
+                  <a:schemeClr val="tx1"/>
+                </a:solidFill>
+              </a:rPr>
+              <a:t>Build(success)</a:t>
+            </a:r>
+            <a:endParaRPr lang="en-US" dirty="0"/>
+          </a:p>
+        </p:txBody>
+      </p:sp>
+      <p:cxnSp>
+        <p:nvCxnSpPr>
+          <p:cNvPr id="16" name="Straight Arrow Connector 15">
+            <a:extLst>
+              <a:ext uri="{FF2B5EF4-FFF2-40B4-BE49-F238E27FC236}">
+                <a16:creationId xmlns:a16="http://schemas.microsoft.com/office/drawing/2014/main" id="{9C03CB8D-1140-4492-8E53-F989456A08E5}"/>
+              </a:ext>
+            </a:extLst>
+          </p:cNvPr>
+          <p:cNvCxnSpPr>
+            <a:cxnSpLocks/>
+            <a:stCxn id="14" idx="2"/>
+            <a:endCxn id="9" idx="0"/>
+          </p:cNvCxnSpPr>
+          <p:nvPr/>
+        </p:nvCxnSpPr>
+        <p:spPr>
+          <a:xfrm flipH="1">
+            <a:off x="7140101" y="1468080"/>
+            <a:ext cx="2870184" cy="392062"/>
+          </a:xfrm>
+          <a:prstGeom prst="straightConnector1">
+            <a:avLst/>
+          </a:prstGeom>
+          <a:ln>
+            <a:tailEnd type="triangle"/>
+          </a:ln>
+        </p:spPr>
+        <p:style>
+          <a:lnRef idx="1">
+            <a:schemeClr val="accent1"/>
+          </a:lnRef>
+          <a:fillRef idx="0">
+            <a:schemeClr val="accent1"/>
+          </a:fillRef>
+          <a:effectRef idx="0">
+            <a:schemeClr val="accent1"/>
+          </a:effectRef>
+          <a:fontRef idx="minor">
+            <a:schemeClr val="tx1"/>
+          </a:fontRef>
+        </p:style>
+      </p:cxnSp>
+      <p:cxnSp>
+        <p:nvCxnSpPr>
+          <p:cNvPr id="18" name="Straight Arrow Connector 17">
+            <a:extLst>
+              <a:ext uri="{FF2B5EF4-FFF2-40B4-BE49-F238E27FC236}">
+                <a16:creationId xmlns:a16="http://schemas.microsoft.com/office/drawing/2014/main" id="{A336E62F-63DF-4686-9841-0DFD55700616}"/>
+              </a:ext>
+            </a:extLst>
+          </p:cNvPr>
+          <p:cNvCxnSpPr>
+            <a:cxnSpLocks/>
+            <a:stCxn id="14" idx="2"/>
+            <a:endCxn id="12" idx="0"/>
+          </p:cNvCxnSpPr>
+          <p:nvPr/>
+        </p:nvCxnSpPr>
+        <p:spPr>
+          <a:xfrm>
+            <a:off x="10010285" y="1468080"/>
+            <a:ext cx="824846" cy="411919"/>
+          </a:xfrm>
+          <a:prstGeom prst="straightConnector1">
+            <a:avLst/>
+          </a:prstGeom>
+          <a:ln>
+            <a:tailEnd type="triangle"/>
+          </a:ln>
+        </p:spPr>
+        <p:style>
+          <a:lnRef idx="1">
+            <a:schemeClr val="accent1"/>
+          </a:lnRef>
+          <a:fillRef idx="0">
+            <a:schemeClr val="accent1"/>
+          </a:fillRef>
+          <a:effectRef idx="0">
+            <a:schemeClr val="accent1"/>
+          </a:effectRef>
+          <a:fontRef idx="minor">
+            <a:schemeClr val="tx1"/>
+          </a:fontRef>
+        </p:style>
+      </p:cxnSp>
+      <p:sp>
+        <p:nvSpPr>
+          <p:cNvPr id="19" name="Wave 18">
+            <a:extLst>
+              <a:ext uri="{FF2B5EF4-FFF2-40B4-BE49-F238E27FC236}">
+                <a16:creationId xmlns:a16="http://schemas.microsoft.com/office/drawing/2014/main" id="{C2634815-9778-4351-8900-CE7C94A98D17}"/>
+              </a:ext>
+            </a:extLst>
+          </p:cNvPr>
+          <p:cNvSpPr/>
+          <p:nvPr/>
+        </p:nvSpPr>
+        <p:spPr>
+          <a:xfrm>
+            <a:off x="7170310" y="2572416"/>
+            <a:ext cx="1487779" cy="568752"/>
+          </a:xfrm>
+          <a:prstGeom prst="wave">
+            <a:avLst>
+              <a:gd name="adj1" fmla="val 12500"/>
+              <a:gd name="adj2" fmla="val 0"/>
+            </a:avLst>
+          </a:prstGeom>
+          <a:noFill/>
+        </p:spPr>
+        <p:style>
+          <a:lnRef idx="2">
+            <a:schemeClr val="accent1">
+              <a:shade val="50000"/>
+            </a:schemeClr>
+          </a:lnRef>
+          <a:fillRef idx="1">
+            <a:schemeClr val="accent1"/>
+          </a:fillRef>
+          <a:effectRef idx="0">
+            <a:schemeClr val="accent1"/>
+          </a:effectRef>
+          <a:fontRef idx="minor">
+            <a:schemeClr val="lt1"/>
+          </a:fontRef>
+        </p:style>
+        <p:txBody>
+          <a:bodyPr rtlCol="0" anchor="ctr"/>
+          <a:lstStyle/>
+          <a:p>
+            <a:pPr algn="ctr"/>
+            <a:r>
+              <a:rPr lang="en-US" dirty="0">
+                <a:solidFill>
+                  <a:schemeClr val="tx1"/>
+                </a:solidFill>
+              </a:rPr>
+              <a:t>FVT(success)</a:t>
+            </a:r>
+            <a:endParaRPr lang="en-US" dirty="0"/>
+          </a:p>
+        </p:txBody>
+      </p:sp>
+      <p:sp>
+        <p:nvSpPr>
+          <p:cNvPr id="22" name="Wave 21">
+            <a:extLst>
+              <a:ext uri="{FF2B5EF4-FFF2-40B4-BE49-F238E27FC236}">
+                <a16:creationId xmlns:a16="http://schemas.microsoft.com/office/drawing/2014/main" id="{B71F32D8-388C-4712-B1A5-7558F50D6134}"/>
+              </a:ext>
+            </a:extLst>
+          </p:cNvPr>
+          <p:cNvSpPr/>
+          <p:nvPr/>
+        </p:nvSpPr>
+        <p:spPr>
+          <a:xfrm>
+            <a:off x="10171561" y="2552559"/>
+            <a:ext cx="1542421" cy="568752"/>
+          </a:xfrm>
+          <a:prstGeom prst="wave">
+            <a:avLst>
+              <a:gd name="adj1" fmla="val 12500"/>
+              <a:gd name="adj2" fmla="val 0"/>
+            </a:avLst>
+          </a:prstGeom>
+          <a:noFill/>
+        </p:spPr>
+        <p:style>
+          <a:lnRef idx="2">
+            <a:schemeClr val="accent1">
+              <a:shade val="50000"/>
+            </a:schemeClr>
+          </a:lnRef>
+          <a:fillRef idx="1">
+            <a:schemeClr val="accent1"/>
+          </a:fillRef>
+          <a:effectRef idx="0">
+            <a:schemeClr val="accent1"/>
+          </a:effectRef>
+          <a:fontRef idx="minor">
+            <a:schemeClr val="lt1"/>
+          </a:fontRef>
+        </p:style>
+        <p:txBody>
+          <a:bodyPr rtlCol="0" anchor="ctr"/>
+          <a:lstStyle/>
+          <a:p>
+            <a:pPr algn="ctr"/>
+            <a:r>
+              <a:rPr lang="en-US" dirty="0">
+                <a:solidFill>
+                  <a:schemeClr val="tx1"/>
+                </a:solidFill>
+              </a:rPr>
+              <a:t>SVT(success)</a:t>
+            </a:r>
+            <a:endParaRPr lang="en-US" dirty="0"/>
+          </a:p>
+        </p:txBody>
+      </p:sp>
+      <p:cxnSp>
+        <p:nvCxnSpPr>
+          <p:cNvPr id="24" name="Straight Arrow Connector 23">
+            <a:extLst>
+              <a:ext uri="{FF2B5EF4-FFF2-40B4-BE49-F238E27FC236}">
+                <a16:creationId xmlns:a16="http://schemas.microsoft.com/office/drawing/2014/main" id="{A37EB465-D4C2-45FB-B8C5-EE05094004AA}"/>
+              </a:ext>
+            </a:extLst>
+          </p:cNvPr>
+          <p:cNvCxnSpPr>
+            <a:cxnSpLocks/>
+            <a:stCxn id="19" idx="2"/>
+            <a:endCxn id="52" idx="0"/>
+          </p:cNvCxnSpPr>
+          <p:nvPr/>
+        </p:nvCxnSpPr>
+        <p:spPr>
+          <a:xfrm>
+            <a:off x="7914200" y="3070074"/>
+            <a:ext cx="2626429" cy="716070"/>
+          </a:xfrm>
+          <a:prstGeom prst="straightConnector1">
+            <a:avLst/>
+          </a:prstGeom>
+          <a:ln>
+            <a:tailEnd type="triangle"/>
+          </a:ln>
+        </p:spPr>
+        <p:style>
+          <a:lnRef idx="1">
+            <a:schemeClr val="accent1"/>
+          </a:lnRef>
+          <a:fillRef idx="0">
+            <a:schemeClr val="accent1"/>
+          </a:fillRef>
+          <a:effectRef idx="0">
+            <a:schemeClr val="accent1"/>
+          </a:effectRef>
+          <a:fontRef idx="minor">
+            <a:schemeClr val="tx1"/>
+          </a:fontRef>
+        </p:style>
+      </p:cxnSp>
+      <p:cxnSp>
+        <p:nvCxnSpPr>
+          <p:cNvPr id="26" name="Straight Arrow Connector 25">
+            <a:extLst>
+              <a:ext uri="{FF2B5EF4-FFF2-40B4-BE49-F238E27FC236}">
+                <a16:creationId xmlns:a16="http://schemas.microsoft.com/office/drawing/2014/main" id="{6010AA09-E176-4682-9B2A-1C028CE119ED}"/>
+              </a:ext>
+            </a:extLst>
+          </p:cNvPr>
+          <p:cNvCxnSpPr>
+            <a:cxnSpLocks/>
+            <a:stCxn id="22" idx="2"/>
+            <a:endCxn id="52" idx="0"/>
+          </p:cNvCxnSpPr>
+          <p:nvPr/>
+        </p:nvCxnSpPr>
+        <p:spPr>
+          <a:xfrm flipH="1">
+            <a:off x="10540629" y="3050217"/>
+            <a:ext cx="402143" cy="735927"/>
+          </a:xfrm>
+          <a:prstGeom prst="straightConnector1">
+            <a:avLst/>
+          </a:prstGeom>
+          <a:ln>
+            <a:tailEnd type="triangle"/>
+          </a:ln>
+        </p:spPr>
+        <p:style>
+          <a:lnRef idx="1">
+            <a:schemeClr val="accent1"/>
+          </a:lnRef>
+          <a:fillRef idx="0">
+            <a:schemeClr val="accent1"/>
+          </a:fillRef>
+          <a:effectRef idx="0">
+            <a:schemeClr val="accent1"/>
+          </a:effectRef>
+          <a:fontRef idx="minor">
+            <a:schemeClr val="tx1"/>
+          </a:fontRef>
+        </p:style>
+      </p:cxnSp>
+      <p:sp>
+        <p:nvSpPr>
+          <p:cNvPr id="27" name="Wave 26">
+            <a:extLst>
+              <a:ext uri="{FF2B5EF4-FFF2-40B4-BE49-F238E27FC236}">
+                <a16:creationId xmlns:a16="http://schemas.microsoft.com/office/drawing/2014/main" id="{1B93481D-236B-4349-B917-B011033923BD}"/>
+              </a:ext>
+            </a:extLst>
+          </p:cNvPr>
+          <p:cNvSpPr/>
+          <p:nvPr/>
+        </p:nvSpPr>
+        <p:spPr>
+          <a:xfrm>
+            <a:off x="9640882" y="5515539"/>
+            <a:ext cx="1670115" cy="568752"/>
+          </a:xfrm>
+          <a:prstGeom prst="wave">
+            <a:avLst>
+              <a:gd name="adj1" fmla="val 12500"/>
+              <a:gd name="adj2" fmla="val 0"/>
+            </a:avLst>
+          </a:prstGeom>
+          <a:noFill/>
+        </p:spPr>
+        <p:style>
+          <a:lnRef idx="2">
+            <a:schemeClr val="accent1">
+              <a:shade val="50000"/>
+            </a:schemeClr>
+          </a:lnRef>
+          <a:fillRef idx="1">
+            <a:schemeClr val="accent1"/>
+          </a:fillRef>
+          <a:effectRef idx="0">
+            <a:schemeClr val="accent1"/>
+          </a:effectRef>
+          <a:fontRef idx="minor">
+            <a:schemeClr val="lt1"/>
+          </a:fontRef>
+        </p:style>
+        <p:txBody>
+          <a:bodyPr rtlCol="0" anchor="ctr"/>
+          <a:lstStyle/>
+          <a:p>
+            <a:pPr algn="ctr"/>
+            <a:r>
+              <a:rPr lang="en-US" dirty="0">
+                <a:solidFill>
+                  <a:schemeClr val="tx1"/>
+                </a:solidFill>
+              </a:rPr>
+              <a:t>Approved</a:t>
+            </a:r>
+            <a:endParaRPr lang="en-US" dirty="0"/>
+          </a:p>
+        </p:txBody>
+      </p:sp>
+      <p:sp>
+        <p:nvSpPr>
+          <p:cNvPr id="35" name="Wave 34">
+            <a:extLst>
+              <a:ext uri="{FF2B5EF4-FFF2-40B4-BE49-F238E27FC236}">
+                <a16:creationId xmlns:a16="http://schemas.microsoft.com/office/drawing/2014/main" id="{B05BD276-8C8E-4488-AF8C-D004CC7D7F40}"/>
+              </a:ext>
+            </a:extLst>
+          </p:cNvPr>
+          <p:cNvSpPr/>
+          <p:nvPr/>
+        </p:nvSpPr>
+        <p:spPr>
+          <a:xfrm>
+            <a:off x="6195830" y="388857"/>
+            <a:ext cx="1670115" cy="568752"/>
+          </a:xfrm>
+          <a:prstGeom prst="wave">
+            <a:avLst>
+              <a:gd name="adj1" fmla="val 12500"/>
+              <a:gd name="adj2" fmla="val 0"/>
+            </a:avLst>
+          </a:prstGeom>
+          <a:noFill/>
+        </p:spPr>
+        <p:style>
+          <a:lnRef idx="2">
+            <a:schemeClr val="accent1">
+              <a:shade val="50000"/>
+            </a:schemeClr>
+          </a:lnRef>
+          <a:fillRef idx="1">
+            <a:schemeClr val="accent1"/>
+          </a:fillRef>
+          <a:effectRef idx="0">
+            <a:schemeClr val="accent1"/>
+          </a:effectRef>
+          <a:fontRef idx="minor">
+            <a:schemeClr val="lt1"/>
+          </a:fontRef>
+        </p:style>
+        <p:txBody>
+          <a:bodyPr rtlCol="0" anchor="ctr"/>
+          <a:lstStyle/>
+          <a:p>
+            <a:pPr algn="ctr"/>
+            <a:r>
+              <a:rPr lang="en-US" dirty="0" err="1">
+                <a:solidFill>
+                  <a:schemeClr val="tx1"/>
+                </a:solidFill>
+              </a:rPr>
+              <a:t>Start_build</a:t>
+            </a:r>
+            <a:endParaRPr lang="en-US" dirty="0"/>
+          </a:p>
+        </p:txBody>
+      </p:sp>
+      <p:sp>
+        <p:nvSpPr>
+          <p:cNvPr id="36" name="Rectangle: Rounded Corners 35">
+            <a:extLst>
+              <a:ext uri="{FF2B5EF4-FFF2-40B4-BE49-F238E27FC236}">
+                <a16:creationId xmlns:a16="http://schemas.microsoft.com/office/drawing/2014/main" id="{3CB1F720-D3C0-4185-ACA9-3494B1EE7627}"/>
+              </a:ext>
+            </a:extLst>
+          </p:cNvPr>
+          <p:cNvSpPr/>
+          <p:nvPr/>
+        </p:nvSpPr>
+        <p:spPr>
+          <a:xfrm>
+            <a:off x="3782568" y="310301"/>
+            <a:ext cx="2413262" cy="725863"/>
+          </a:xfrm>
+          <a:prstGeom prst="roundRect">
+            <a:avLst/>
+          </a:prstGeom>
+          <a:noFill/>
+        </p:spPr>
+        <p:style>
+          <a:lnRef idx="2">
+            <a:schemeClr val="accent1">
+              <a:shade val="50000"/>
+            </a:schemeClr>
+          </a:lnRef>
+          <a:fillRef idx="1">
+            <a:schemeClr val="accent1"/>
+          </a:fillRef>
+          <a:effectRef idx="0">
+            <a:schemeClr val="accent1"/>
+          </a:effectRef>
+          <a:fontRef idx="minor">
+            <a:schemeClr val="lt1"/>
+          </a:fontRef>
+        </p:style>
+        <p:txBody>
+          <a:bodyPr rtlCol="0" anchor="ctr"/>
+          <a:lstStyle/>
+          <a:p>
+            <a:pPr algn="ctr"/>
+            <a:r>
+              <a:rPr lang="en-US" dirty="0" err="1">
+                <a:solidFill>
+                  <a:schemeClr val="tx1"/>
+                </a:solidFill>
+              </a:rPr>
+              <a:t>Event_Trigger</a:t>
+            </a:r>
+            <a:endParaRPr lang="en-US" dirty="0">
+              <a:solidFill>
+                <a:schemeClr val="tx1"/>
+              </a:solidFill>
+            </a:endParaRPr>
+          </a:p>
+        </p:txBody>
+      </p:sp>
+      <p:cxnSp>
+        <p:nvCxnSpPr>
+          <p:cNvPr id="38" name="Straight Arrow Connector 37">
+            <a:extLst>
+              <a:ext uri="{FF2B5EF4-FFF2-40B4-BE49-F238E27FC236}">
+                <a16:creationId xmlns:a16="http://schemas.microsoft.com/office/drawing/2014/main" id="{4AFAD829-5F59-48BF-B7F2-8D306B8C3FE5}"/>
+              </a:ext>
+            </a:extLst>
+          </p:cNvPr>
+          <p:cNvCxnSpPr>
+            <a:cxnSpLocks/>
+            <a:endCxn id="3" idx="1"/>
+          </p:cNvCxnSpPr>
+          <p:nvPr/>
+        </p:nvCxnSpPr>
+        <p:spPr>
+          <a:xfrm>
+            <a:off x="7841012" y="669924"/>
+            <a:ext cx="1125718" cy="0"/>
+          </a:xfrm>
+          <a:prstGeom prst="straightConnector1">
+            <a:avLst/>
+          </a:prstGeom>
+          <a:ln>
+            <a:tailEnd type="triangle"/>
+          </a:ln>
+        </p:spPr>
+        <p:style>
+          <a:lnRef idx="1">
+            <a:schemeClr val="accent1"/>
+          </a:lnRef>
+          <a:fillRef idx="0">
+            <a:schemeClr val="accent1"/>
+          </a:fillRef>
+          <a:effectRef idx="0">
+            <a:schemeClr val="accent1"/>
+          </a:effectRef>
+          <a:fontRef idx="minor">
+            <a:schemeClr val="tx1"/>
+          </a:fontRef>
+        </p:style>
+      </p:cxnSp>
+      <p:sp>
+        <p:nvSpPr>
+          <p:cNvPr id="41" name="Rectangle 40">
+            <a:extLst>
+              <a:ext uri="{FF2B5EF4-FFF2-40B4-BE49-F238E27FC236}">
+                <a16:creationId xmlns:a16="http://schemas.microsoft.com/office/drawing/2014/main" id="{0A6EAB04-2C2D-479A-97ED-B4A9AFE22937}"/>
+              </a:ext>
+            </a:extLst>
+          </p:cNvPr>
+          <p:cNvSpPr/>
+          <p:nvPr/>
+        </p:nvSpPr>
+        <p:spPr>
+          <a:xfrm>
+            <a:off x="3638745" y="214460"/>
+            <a:ext cx="8328521" cy="6429080"/>
+          </a:xfrm>
+          <a:prstGeom prst="rect">
+            <a:avLst/>
+          </a:prstGeom>
+          <a:noFill/>
+        </p:spPr>
+        <p:style>
+          <a:lnRef idx="2">
+            <a:schemeClr val="accent1">
+              <a:shade val="50000"/>
+            </a:schemeClr>
+          </a:lnRef>
+          <a:fillRef idx="1">
+            <a:schemeClr val="accent1"/>
+          </a:fillRef>
+          <a:effectRef idx="0">
+            <a:schemeClr val="accent1"/>
+          </a:effectRef>
+          <a:fontRef idx="minor">
+            <a:schemeClr val="lt1"/>
+          </a:fontRef>
+        </p:style>
+        <p:txBody>
+          <a:bodyPr rtlCol="0" anchor="ctr"/>
+          <a:lstStyle/>
+          <a:p>
+            <a:pPr algn="ctr"/>
+            <a:endParaRPr lang="en-US"/>
+          </a:p>
+        </p:txBody>
+      </p:sp>
+      <p:sp>
+        <p:nvSpPr>
+          <p:cNvPr id="42" name="TextBox 41">
+            <a:extLst>
+              <a:ext uri="{FF2B5EF4-FFF2-40B4-BE49-F238E27FC236}">
+                <a16:creationId xmlns:a16="http://schemas.microsoft.com/office/drawing/2014/main" id="{6D62EA51-842B-4013-AC5B-E9E91BE2EC7A}"/>
+              </a:ext>
+            </a:extLst>
+          </p:cNvPr>
+          <p:cNvSpPr txBox="1"/>
+          <p:nvPr/>
+        </p:nvSpPr>
+        <p:spPr>
+          <a:xfrm>
+            <a:off x="3730602" y="6250792"/>
+            <a:ext cx="1575752" cy="369332"/>
+          </a:xfrm>
+          <a:prstGeom prst="rect">
+            <a:avLst/>
+          </a:prstGeom>
+          <a:noFill/>
+        </p:spPr>
+        <p:txBody>
+          <a:bodyPr wrap="none" rtlCol="0">
+            <a:spAutoFit/>
+          </a:bodyPr>
+          <a:lstStyle/>
+          <a:p>
+            <a:r>
+              <a:rPr lang="en-US" dirty="0"/>
+              <a:t>Strategy: Svc-A</a:t>
+            </a:r>
+          </a:p>
+        </p:txBody>
+      </p:sp>
+      <p:sp>
+        <p:nvSpPr>
+          <p:cNvPr id="43" name="Wave 42">
+            <a:extLst>
+              <a:ext uri="{FF2B5EF4-FFF2-40B4-BE49-F238E27FC236}">
+                <a16:creationId xmlns:a16="http://schemas.microsoft.com/office/drawing/2014/main" id="{A92B2207-2F33-4DEB-91A3-676D07B36312}"/>
+              </a:ext>
+            </a:extLst>
+          </p:cNvPr>
+          <p:cNvSpPr/>
+          <p:nvPr/>
+        </p:nvSpPr>
+        <p:spPr>
+          <a:xfrm>
+            <a:off x="2133725" y="265335"/>
+            <a:ext cx="1247088" cy="568752"/>
+          </a:xfrm>
+          <a:prstGeom prst="wave">
+            <a:avLst>
+              <a:gd name="adj1" fmla="val 12500"/>
+              <a:gd name="adj2" fmla="val 0"/>
+            </a:avLst>
+          </a:prstGeom>
+          <a:noFill/>
+        </p:spPr>
+        <p:style>
+          <a:lnRef idx="2">
+            <a:schemeClr val="accent1">
+              <a:shade val="50000"/>
+            </a:schemeClr>
+          </a:lnRef>
+          <a:fillRef idx="1">
+            <a:schemeClr val="accent1"/>
+          </a:fillRef>
+          <a:effectRef idx="0">
+            <a:schemeClr val="accent1"/>
+          </a:effectRef>
+          <a:fontRef idx="minor">
+            <a:schemeClr val="lt1"/>
+          </a:fontRef>
+        </p:style>
+        <p:txBody>
+          <a:bodyPr rtlCol="0" anchor="ctr"/>
+          <a:lstStyle/>
+          <a:p>
+            <a:pPr algn="ctr"/>
+            <a:r>
+              <a:rPr lang="en-US" dirty="0">
+                <a:solidFill>
+                  <a:schemeClr val="tx1"/>
+                </a:solidFill>
+              </a:rPr>
+              <a:t>Push(1234)</a:t>
+            </a:r>
+            <a:endParaRPr lang="en-US" dirty="0"/>
+          </a:p>
+        </p:txBody>
+      </p:sp>
+      <p:sp>
+        <p:nvSpPr>
+          <p:cNvPr id="44" name="Wave 43">
+            <a:extLst>
+              <a:ext uri="{FF2B5EF4-FFF2-40B4-BE49-F238E27FC236}">
+                <a16:creationId xmlns:a16="http://schemas.microsoft.com/office/drawing/2014/main" id="{AA3D3385-B6E8-4BB6-BCB8-648AC4CB3536}"/>
+              </a:ext>
+            </a:extLst>
+          </p:cNvPr>
+          <p:cNvSpPr/>
+          <p:nvPr/>
+        </p:nvSpPr>
+        <p:spPr>
+          <a:xfrm>
+            <a:off x="2146292" y="1039117"/>
+            <a:ext cx="1247088" cy="568752"/>
+          </a:xfrm>
+          <a:prstGeom prst="wave">
+            <a:avLst>
+              <a:gd name="adj1" fmla="val 12500"/>
+              <a:gd name="adj2" fmla="val 0"/>
+            </a:avLst>
+          </a:prstGeom>
+          <a:noFill/>
+        </p:spPr>
+        <p:style>
+          <a:lnRef idx="2">
+            <a:schemeClr val="accent1">
+              <a:shade val="50000"/>
+            </a:schemeClr>
+          </a:lnRef>
+          <a:fillRef idx="1">
+            <a:schemeClr val="accent1"/>
+          </a:fillRef>
+          <a:effectRef idx="0">
+            <a:schemeClr val="accent1"/>
+          </a:effectRef>
+          <a:fontRef idx="minor">
+            <a:schemeClr val="lt1"/>
+          </a:fontRef>
+        </p:style>
+        <p:txBody>
+          <a:bodyPr rtlCol="0" anchor="ctr"/>
+          <a:lstStyle/>
+          <a:p>
+            <a:pPr algn="ctr"/>
+            <a:r>
+              <a:rPr lang="en-US" dirty="0">
+                <a:solidFill>
+                  <a:schemeClr val="tx1"/>
+                </a:solidFill>
+              </a:rPr>
+              <a:t>Push(5678)</a:t>
+            </a:r>
+            <a:endParaRPr lang="en-US" dirty="0"/>
+          </a:p>
+        </p:txBody>
+      </p:sp>
+      <p:sp>
+        <p:nvSpPr>
+          <p:cNvPr id="45" name="TextBox 44">
+            <a:extLst>
+              <a:ext uri="{FF2B5EF4-FFF2-40B4-BE49-F238E27FC236}">
+                <a16:creationId xmlns:a16="http://schemas.microsoft.com/office/drawing/2014/main" id="{D8BEC251-8797-4838-A63D-5D84F87785B8}"/>
+              </a:ext>
+            </a:extLst>
+          </p:cNvPr>
+          <p:cNvSpPr txBox="1"/>
+          <p:nvPr/>
+        </p:nvSpPr>
+        <p:spPr>
+          <a:xfrm>
+            <a:off x="2558611" y="1812899"/>
+            <a:ext cx="343364" cy="369332"/>
+          </a:xfrm>
+          <a:prstGeom prst="rect">
+            <a:avLst/>
+          </a:prstGeom>
+          <a:noFill/>
+        </p:spPr>
+        <p:txBody>
+          <a:bodyPr wrap="none" rtlCol="0">
+            <a:spAutoFit/>
+          </a:bodyPr>
+          <a:lstStyle/>
+          <a:p>
+            <a:r>
+              <a:rPr lang="en-US" dirty="0"/>
+              <a:t>…</a:t>
+            </a:r>
+          </a:p>
+        </p:txBody>
+      </p:sp>
+      <p:cxnSp>
+        <p:nvCxnSpPr>
+          <p:cNvPr id="47" name="Straight Arrow Connector 46">
+            <a:extLst>
+              <a:ext uri="{FF2B5EF4-FFF2-40B4-BE49-F238E27FC236}">
+                <a16:creationId xmlns:a16="http://schemas.microsoft.com/office/drawing/2014/main" id="{CF53277F-C50F-4A71-96E2-FDBBEF33E409}"/>
+              </a:ext>
+            </a:extLst>
+          </p:cNvPr>
+          <p:cNvCxnSpPr>
+            <a:cxnSpLocks/>
+            <a:endCxn id="36" idx="1"/>
+          </p:cNvCxnSpPr>
+          <p:nvPr/>
+        </p:nvCxnSpPr>
+        <p:spPr>
+          <a:xfrm flipV="1">
+            <a:off x="3410994" y="673233"/>
+            <a:ext cx="371574" cy="56353"/>
+          </a:xfrm>
+          <a:prstGeom prst="straightConnector1">
+            <a:avLst/>
+          </a:prstGeom>
+          <a:ln>
+            <a:tailEnd type="triangle"/>
+          </a:ln>
+        </p:spPr>
+        <p:style>
+          <a:lnRef idx="1">
+            <a:schemeClr val="accent1"/>
+          </a:lnRef>
+          <a:fillRef idx="0">
+            <a:schemeClr val="accent1"/>
+          </a:fillRef>
+          <a:effectRef idx="0">
+            <a:schemeClr val="accent1"/>
+          </a:effectRef>
+          <a:fontRef idx="minor">
+            <a:schemeClr val="tx1"/>
+          </a:fontRef>
+        </p:style>
+      </p:cxnSp>
+      <p:cxnSp>
+        <p:nvCxnSpPr>
+          <p:cNvPr id="49" name="Straight Arrow Connector 48">
+            <a:extLst>
+              <a:ext uri="{FF2B5EF4-FFF2-40B4-BE49-F238E27FC236}">
+                <a16:creationId xmlns:a16="http://schemas.microsoft.com/office/drawing/2014/main" id="{AFDF949F-8ED0-4858-858D-B0EDB9A0F777}"/>
+              </a:ext>
+            </a:extLst>
+          </p:cNvPr>
+          <p:cNvCxnSpPr>
+            <a:stCxn id="44" idx="3"/>
+            <a:endCxn id="36" idx="1"/>
+          </p:cNvCxnSpPr>
+          <p:nvPr/>
+        </p:nvCxnSpPr>
+        <p:spPr>
+          <a:xfrm flipV="1">
+            <a:off x="3393380" y="673233"/>
+            <a:ext cx="389188" cy="650260"/>
+          </a:xfrm>
+          <a:prstGeom prst="straightConnector1">
+            <a:avLst/>
+          </a:prstGeom>
+          <a:ln>
+            <a:tailEnd type="triangle"/>
+          </a:ln>
+        </p:spPr>
+        <p:style>
+          <a:lnRef idx="1">
+            <a:schemeClr val="accent1"/>
+          </a:lnRef>
+          <a:fillRef idx="0">
+            <a:schemeClr val="accent1"/>
+          </a:fillRef>
+          <a:effectRef idx="0">
+            <a:schemeClr val="accent1"/>
+          </a:effectRef>
+          <a:fontRef idx="minor">
+            <a:schemeClr val="tx1"/>
+          </a:fontRef>
+        </p:style>
+      </p:cxnSp>
+      <p:sp>
+        <p:nvSpPr>
+          <p:cNvPr id="31" name="Wave 30">
+            <a:extLst>
+              <a:ext uri="{FF2B5EF4-FFF2-40B4-BE49-F238E27FC236}">
+                <a16:creationId xmlns:a16="http://schemas.microsoft.com/office/drawing/2014/main" id="{32A9A3C7-BE6B-4E5E-A104-FF669DB4A985}"/>
+              </a:ext>
+            </a:extLst>
+          </p:cNvPr>
+          <p:cNvSpPr/>
+          <p:nvPr/>
+        </p:nvSpPr>
+        <p:spPr>
+          <a:xfrm>
+            <a:off x="5774751" y="2507366"/>
+            <a:ext cx="1251953" cy="568752"/>
+          </a:xfrm>
+          <a:prstGeom prst="wave">
+            <a:avLst>
+              <a:gd name="adj1" fmla="val 12500"/>
+              <a:gd name="adj2" fmla="val 0"/>
+            </a:avLst>
+          </a:prstGeom>
+          <a:noFill/>
+        </p:spPr>
+        <p:style>
+          <a:lnRef idx="2">
+            <a:schemeClr val="accent1">
+              <a:shade val="50000"/>
+            </a:schemeClr>
+          </a:lnRef>
+          <a:fillRef idx="1">
+            <a:schemeClr val="accent1"/>
+          </a:fillRef>
+          <a:effectRef idx="0">
+            <a:schemeClr val="accent1"/>
+          </a:effectRef>
+          <a:fontRef idx="minor">
+            <a:schemeClr val="lt1"/>
+          </a:fontRef>
+        </p:style>
+        <p:txBody>
+          <a:bodyPr rtlCol="0" anchor="ctr"/>
+          <a:lstStyle/>
+          <a:p>
+            <a:pPr algn="ctr"/>
+            <a:r>
+              <a:rPr lang="en-US" dirty="0">
+                <a:solidFill>
+                  <a:schemeClr val="tx1"/>
+                </a:solidFill>
+              </a:rPr>
+              <a:t>FVT(failed)</a:t>
+            </a:r>
+            <a:endParaRPr lang="en-US" dirty="0"/>
+          </a:p>
+        </p:txBody>
+      </p:sp>
+      <p:sp>
+        <p:nvSpPr>
+          <p:cNvPr id="33" name="Rectangle: Rounded Corners 32">
+            <a:extLst>
+              <a:ext uri="{FF2B5EF4-FFF2-40B4-BE49-F238E27FC236}">
+                <a16:creationId xmlns:a16="http://schemas.microsoft.com/office/drawing/2014/main" id="{243CCDC6-C76D-47EF-9923-2D80CDA8082A}"/>
+              </a:ext>
+            </a:extLst>
+          </p:cNvPr>
+          <p:cNvSpPr/>
+          <p:nvPr/>
+        </p:nvSpPr>
+        <p:spPr>
+          <a:xfrm>
+            <a:off x="4089818" y="3175674"/>
+            <a:ext cx="1670115" cy="725863"/>
+          </a:xfrm>
+          <a:prstGeom prst="roundRect">
+            <a:avLst/>
+          </a:prstGeom>
+          <a:noFill/>
+        </p:spPr>
+        <p:style>
+          <a:lnRef idx="2">
+            <a:schemeClr val="accent1">
+              <a:shade val="50000"/>
+            </a:schemeClr>
+          </a:lnRef>
+          <a:fillRef idx="1">
+            <a:schemeClr val="accent1"/>
+          </a:fillRef>
+          <a:effectRef idx="0">
+            <a:schemeClr val="accent1"/>
+          </a:effectRef>
+          <a:fontRef idx="minor">
+            <a:schemeClr val="lt1"/>
+          </a:fontRef>
+        </p:style>
+        <p:txBody>
+          <a:bodyPr rtlCol="0" anchor="ctr"/>
+          <a:lstStyle/>
+          <a:p>
+            <a:pPr algn="ctr"/>
+            <a:r>
+              <a:rPr lang="en-US" dirty="0" err="1">
+                <a:solidFill>
+                  <a:schemeClr val="tx1"/>
+                </a:solidFill>
+              </a:rPr>
+              <a:t>FVT_Error</a:t>
+            </a:r>
+            <a:r>
+              <a:rPr lang="en-US" dirty="0">
+                <a:solidFill>
+                  <a:schemeClr val="tx1"/>
+                </a:solidFill>
+              </a:rPr>
+              <a:t>(???)</a:t>
+            </a:r>
+          </a:p>
+        </p:txBody>
+      </p:sp>
+      <p:sp>
+        <p:nvSpPr>
+          <p:cNvPr id="52" name="Rectangle: Rounded Corners 51">
+            <a:extLst>
+              <a:ext uri="{FF2B5EF4-FFF2-40B4-BE49-F238E27FC236}">
+                <a16:creationId xmlns:a16="http://schemas.microsoft.com/office/drawing/2014/main" id="{36E4C4B6-42A0-4FF3-9914-DE329886A208}"/>
+              </a:ext>
+            </a:extLst>
+          </p:cNvPr>
+          <p:cNvSpPr/>
+          <p:nvPr/>
+        </p:nvSpPr>
+        <p:spPr>
+          <a:xfrm>
+            <a:off x="9333998" y="3786144"/>
+            <a:ext cx="2413262" cy="725863"/>
+          </a:xfrm>
+          <a:prstGeom prst="roundRect">
+            <a:avLst/>
+          </a:prstGeom>
+          <a:noFill/>
+        </p:spPr>
+        <p:style>
+          <a:lnRef idx="2">
+            <a:schemeClr val="accent1">
+              <a:shade val="50000"/>
+            </a:schemeClr>
+          </a:lnRef>
+          <a:fillRef idx="1">
+            <a:schemeClr val="accent1"/>
+          </a:fillRef>
+          <a:effectRef idx="0">
+            <a:schemeClr val="accent1"/>
+          </a:effectRef>
+          <a:fontRef idx="minor">
+            <a:schemeClr val="lt1"/>
+          </a:fontRef>
+        </p:style>
+        <p:txBody>
+          <a:bodyPr rtlCol="0" anchor="ctr"/>
+          <a:lstStyle/>
+          <a:p>
+            <a:pPr algn="ctr"/>
+            <a:r>
+              <a:rPr lang="en-US" dirty="0">
+                <a:solidFill>
+                  <a:schemeClr val="tx1"/>
+                </a:solidFill>
+              </a:rPr>
+              <a:t>Staging (</a:t>
+            </a:r>
+            <a:r>
+              <a:rPr lang="en-US" dirty="0" err="1">
+                <a:solidFill>
+                  <a:schemeClr val="tx1"/>
+                </a:solidFill>
+              </a:rPr>
+              <a:t>Tekton</a:t>
+            </a:r>
+            <a:r>
+              <a:rPr lang="en-US" dirty="0">
+                <a:solidFill>
+                  <a:schemeClr val="tx1"/>
+                </a:solidFill>
+              </a:rPr>
+              <a:t>)</a:t>
+            </a:r>
+          </a:p>
+        </p:txBody>
+      </p:sp>
+      <p:sp>
+        <p:nvSpPr>
+          <p:cNvPr id="59" name="Oval 58">
+            <a:extLst>
+              <a:ext uri="{FF2B5EF4-FFF2-40B4-BE49-F238E27FC236}">
+                <a16:creationId xmlns:a16="http://schemas.microsoft.com/office/drawing/2014/main" id="{0866425B-67FE-4BBE-8DD0-1D72E7FF1554}"/>
+              </a:ext>
+            </a:extLst>
+          </p:cNvPr>
+          <p:cNvSpPr/>
+          <p:nvPr/>
+        </p:nvSpPr>
+        <p:spPr>
+          <a:xfrm>
+            <a:off x="2250924" y="3681950"/>
+            <a:ext cx="1041684" cy="749020"/>
+          </a:xfrm>
+          <a:prstGeom prst="ellipse">
+            <a:avLst/>
+          </a:prstGeom>
+          <a:noFill/>
+        </p:spPr>
+        <p:style>
+          <a:lnRef idx="2">
+            <a:schemeClr val="accent1">
+              <a:shade val="50000"/>
+            </a:schemeClr>
+          </a:lnRef>
+          <a:fillRef idx="1">
+            <a:schemeClr val="accent1"/>
+          </a:fillRef>
+          <a:effectRef idx="0">
+            <a:schemeClr val="accent1"/>
+          </a:effectRef>
+          <a:fontRef idx="minor">
+            <a:schemeClr val="lt1"/>
+          </a:fontRef>
+        </p:style>
+        <p:txBody>
+          <a:bodyPr rtlCol="0" anchor="ctr"/>
+          <a:lstStyle/>
+          <a:p>
+            <a:pPr algn="ctr"/>
+            <a:r>
+              <a:rPr lang="en-US" dirty="0">
+                <a:solidFill>
+                  <a:schemeClr val="tx1"/>
+                </a:solidFill>
+              </a:rPr>
+              <a:t>svc-a</a:t>
+            </a:r>
+          </a:p>
+        </p:txBody>
+      </p:sp>
+      <p:sp>
+        <p:nvSpPr>
+          <p:cNvPr id="60" name="Rectangle 59">
+            <a:extLst>
+              <a:ext uri="{FF2B5EF4-FFF2-40B4-BE49-F238E27FC236}">
+                <a16:creationId xmlns:a16="http://schemas.microsoft.com/office/drawing/2014/main" id="{F2594792-AD08-4BA4-B320-26E65759076E}"/>
+              </a:ext>
+            </a:extLst>
+          </p:cNvPr>
+          <p:cNvSpPr/>
+          <p:nvPr/>
+        </p:nvSpPr>
+        <p:spPr>
+          <a:xfrm>
+            <a:off x="2050843" y="3540150"/>
+            <a:ext cx="1451729" cy="1134615"/>
+          </a:xfrm>
+          <a:prstGeom prst="rect">
+            <a:avLst/>
+          </a:prstGeom>
+          <a:noFill/>
+        </p:spPr>
+        <p:style>
+          <a:lnRef idx="2">
+            <a:schemeClr val="accent1">
+              <a:shade val="50000"/>
+            </a:schemeClr>
+          </a:lnRef>
+          <a:fillRef idx="1">
+            <a:schemeClr val="accent1"/>
+          </a:fillRef>
+          <a:effectRef idx="0">
+            <a:schemeClr val="accent1"/>
+          </a:effectRef>
+          <a:fontRef idx="minor">
+            <a:schemeClr val="lt1"/>
+          </a:fontRef>
+        </p:style>
+        <p:txBody>
+          <a:bodyPr rtlCol="0" anchor="ctr"/>
+          <a:lstStyle/>
+          <a:p>
+            <a:pPr algn="ctr"/>
+            <a:endParaRPr lang="en-US"/>
+          </a:p>
+        </p:txBody>
+      </p:sp>
+      <p:sp>
+        <p:nvSpPr>
+          <p:cNvPr id="61" name="TextBox 60">
+            <a:extLst>
+              <a:ext uri="{FF2B5EF4-FFF2-40B4-BE49-F238E27FC236}">
+                <a16:creationId xmlns:a16="http://schemas.microsoft.com/office/drawing/2014/main" id="{24406B73-3DCA-4CD3-9661-0E39D562C8DC}"/>
+              </a:ext>
+            </a:extLst>
+          </p:cNvPr>
+          <p:cNvSpPr txBox="1"/>
+          <p:nvPr/>
+        </p:nvSpPr>
+        <p:spPr>
+          <a:xfrm>
+            <a:off x="2040960" y="4314777"/>
+            <a:ext cx="550151" cy="369332"/>
+          </a:xfrm>
+          <a:prstGeom prst="rect">
+            <a:avLst/>
+          </a:prstGeom>
+          <a:noFill/>
+        </p:spPr>
+        <p:txBody>
+          <a:bodyPr wrap="none" rtlCol="0">
+            <a:spAutoFit/>
+          </a:bodyPr>
+          <a:lstStyle/>
+          <a:p>
+            <a:r>
+              <a:rPr lang="en-US" dirty="0"/>
+              <a:t>pod</a:t>
+            </a:r>
+          </a:p>
+        </p:txBody>
+      </p:sp>
+      <p:cxnSp>
+        <p:nvCxnSpPr>
+          <p:cNvPr id="63" name="Straight Arrow Connector 62">
+            <a:extLst>
+              <a:ext uri="{FF2B5EF4-FFF2-40B4-BE49-F238E27FC236}">
+                <a16:creationId xmlns:a16="http://schemas.microsoft.com/office/drawing/2014/main" id="{933D27CF-C1BE-487A-A1DC-084CAF6D7C34}"/>
+              </a:ext>
+            </a:extLst>
+          </p:cNvPr>
+          <p:cNvCxnSpPr>
+            <a:stCxn id="52" idx="1"/>
+            <a:endCxn id="60" idx="3"/>
+          </p:cNvCxnSpPr>
+          <p:nvPr/>
+        </p:nvCxnSpPr>
+        <p:spPr>
+          <a:xfrm flipH="1" flipV="1">
+            <a:off x="3502572" y="4107458"/>
+            <a:ext cx="5831426" cy="41618"/>
+          </a:xfrm>
+          <a:prstGeom prst="straightConnector1">
+            <a:avLst/>
+          </a:prstGeom>
+          <a:ln>
+            <a:tailEnd type="triangle"/>
+          </a:ln>
+        </p:spPr>
+        <p:style>
+          <a:lnRef idx="1">
+            <a:schemeClr val="accent1"/>
+          </a:lnRef>
+          <a:fillRef idx="0">
+            <a:schemeClr val="accent1"/>
+          </a:fillRef>
+          <a:effectRef idx="0">
+            <a:schemeClr val="accent1"/>
+          </a:effectRef>
+          <a:fontRef idx="minor">
+            <a:schemeClr val="tx1"/>
+          </a:fontRef>
+        </p:style>
+      </p:cxnSp>
+      <p:sp>
+        <p:nvSpPr>
+          <p:cNvPr id="65" name="Rectangle 64">
+            <a:extLst>
+              <a:ext uri="{FF2B5EF4-FFF2-40B4-BE49-F238E27FC236}">
+                <a16:creationId xmlns:a16="http://schemas.microsoft.com/office/drawing/2014/main" id="{50788DB8-053E-4F98-8A77-EB52A73469DE}"/>
+              </a:ext>
+            </a:extLst>
+          </p:cNvPr>
+          <p:cNvSpPr/>
+          <p:nvPr/>
+        </p:nvSpPr>
+        <p:spPr>
+          <a:xfrm>
+            <a:off x="201853" y="669924"/>
+            <a:ext cx="1179531" cy="2058742"/>
+          </a:xfrm>
+          <a:prstGeom prst="rect">
+            <a:avLst/>
+          </a:prstGeom>
+          <a:noFill/>
+        </p:spPr>
+        <p:style>
+          <a:lnRef idx="2">
+            <a:schemeClr val="accent1">
+              <a:shade val="50000"/>
+            </a:schemeClr>
+          </a:lnRef>
+          <a:fillRef idx="1">
+            <a:schemeClr val="accent1"/>
+          </a:fillRef>
+          <a:effectRef idx="0">
+            <a:schemeClr val="accent1"/>
+          </a:effectRef>
+          <a:fontRef idx="minor">
+            <a:schemeClr val="lt1"/>
+          </a:fontRef>
+        </p:style>
+        <p:txBody>
+          <a:bodyPr rtlCol="0" anchor="ctr"/>
+          <a:lstStyle/>
+          <a:p>
+            <a:pPr algn="ctr"/>
+            <a:endParaRPr lang="en-US"/>
+          </a:p>
+        </p:txBody>
+      </p:sp>
+      <p:sp>
+        <p:nvSpPr>
+          <p:cNvPr id="66" name="TextBox 65">
+            <a:extLst>
+              <a:ext uri="{FF2B5EF4-FFF2-40B4-BE49-F238E27FC236}">
+                <a16:creationId xmlns:a16="http://schemas.microsoft.com/office/drawing/2014/main" id="{4F74038B-7EDE-4D78-8C95-D823067DDB92}"/>
+              </a:ext>
+            </a:extLst>
+          </p:cNvPr>
+          <p:cNvSpPr txBox="1"/>
+          <p:nvPr/>
+        </p:nvSpPr>
+        <p:spPr>
+          <a:xfrm>
+            <a:off x="140037" y="2801408"/>
+            <a:ext cx="1704826" cy="369332"/>
+          </a:xfrm>
+          <a:prstGeom prst="rect">
+            <a:avLst/>
+          </a:prstGeom>
+          <a:noFill/>
+        </p:spPr>
+        <p:txBody>
+          <a:bodyPr wrap="none" rtlCol="0">
+            <a:spAutoFit/>
+          </a:bodyPr>
+          <a:lstStyle/>
+          <a:p>
+            <a:r>
+              <a:rPr lang="en-US" dirty="0"/>
+              <a:t>Strategy: </a:t>
+            </a:r>
+            <a:r>
+              <a:rPr lang="en-US" dirty="0" err="1"/>
+              <a:t>myapp</a:t>
+            </a:r>
+            <a:endParaRPr lang="en-US" dirty="0"/>
+          </a:p>
+        </p:txBody>
+      </p:sp>
+      <p:sp>
+        <p:nvSpPr>
+          <p:cNvPr id="69" name="Rectangle: Rounded Corners 68">
+            <a:extLst>
+              <a:ext uri="{FF2B5EF4-FFF2-40B4-BE49-F238E27FC236}">
+                <a16:creationId xmlns:a16="http://schemas.microsoft.com/office/drawing/2014/main" id="{9F0B8ED0-8BF1-4D82-9F63-FC23DD03B8B7}"/>
+              </a:ext>
+            </a:extLst>
+          </p:cNvPr>
+          <p:cNvSpPr/>
+          <p:nvPr/>
+        </p:nvSpPr>
+        <p:spPr>
+          <a:xfrm>
+            <a:off x="293652" y="818935"/>
+            <a:ext cx="1036946" cy="457086"/>
+          </a:xfrm>
+          <a:prstGeom prst="roundRect">
+            <a:avLst/>
+          </a:prstGeom>
+          <a:noFill/>
+        </p:spPr>
+        <p:style>
+          <a:lnRef idx="2">
+            <a:schemeClr val="accent1">
+              <a:shade val="50000"/>
+            </a:schemeClr>
+          </a:lnRef>
+          <a:fillRef idx="1">
+            <a:schemeClr val="accent1"/>
+          </a:fillRef>
+          <a:effectRef idx="0">
+            <a:schemeClr val="accent1"/>
+          </a:effectRef>
+          <a:fontRef idx="minor">
+            <a:schemeClr val="lt1"/>
+          </a:fontRef>
+        </p:style>
+        <p:txBody>
+          <a:bodyPr rtlCol="0" anchor="ctr"/>
+          <a:lstStyle/>
+          <a:p>
+            <a:pPr algn="ctr"/>
+            <a:r>
+              <a:rPr lang="en-US" dirty="0">
+                <a:solidFill>
+                  <a:schemeClr val="tx1"/>
+                </a:solidFill>
+              </a:rPr>
+              <a:t>Trigger</a:t>
+            </a:r>
+          </a:p>
+        </p:txBody>
+      </p:sp>
+      <p:sp>
+        <p:nvSpPr>
+          <p:cNvPr id="70" name="Rectangle: Rounded Corners 69">
+            <a:extLst>
+              <a:ext uri="{FF2B5EF4-FFF2-40B4-BE49-F238E27FC236}">
+                <a16:creationId xmlns:a16="http://schemas.microsoft.com/office/drawing/2014/main" id="{3F4AECAD-EBE7-49A0-BDF4-201D28CDE00F}"/>
+              </a:ext>
+            </a:extLst>
+          </p:cNvPr>
+          <p:cNvSpPr/>
+          <p:nvPr/>
+        </p:nvSpPr>
+        <p:spPr>
+          <a:xfrm>
+            <a:off x="368685" y="1403000"/>
+            <a:ext cx="854697" cy="251316"/>
+          </a:xfrm>
+          <a:prstGeom prst="roundRect">
+            <a:avLst/>
+          </a:prstGeom>
+          <a:noFill/>
+        </p:spPr>
+        <p:style>
+          <a:lnRef idx="2">
+            <a:schemeClr val="accent1">
+              <a:shade val="50000"/>
+            </a:schemeClr>
+          </a:lnRef>
+          <a:fillRef idx="1">
+            <a:schemeClr val="accent1"/>
+          </a:fillRef>
+          <a:effectRef idx="0">
+            <a:schemeClr val="accent1"/>
+          </a:effectRef>
+          <a:fontRef idx="minor">
+            <a:schemeClr val="lt1"/>
+          </a:fontRef>
+        </p:style>
+        <p:txBody>
+          <a:bodyPr rtlCol="0" anchor="ctr"/>
+          <a:lstStyle/>
+          <a:p>
+            <a:pPr algn="ctr"/>
+            <a:r>
+              <a:rPr lang="en-US" dirty="0">
+                <a:solidFill>
+                  <a:schemeClr val="tx1"/>
+                </a:solidFill>
+              </a:rPr>
+              <a:t>Build</a:t>
+            </a:r>
+          </a:p>
+        </p:txBody>
+      </p:sp>
+      <p:sp>
+        <p:nvSpPr>
+          <p:cNvPr id="71" name="Rectangle: Rounded Corners 70">
+            <a:extLst>
+              <a:ext uri="{FF2B5EF4-FFF2-40B4-BE49-F238E27FC236}">
+                <a16:creationId xmlns:a16="http://schemas.microsoft.com/office/drawing/2014/main" id="{DB25822A-3258-47B1-95A2-44565DB18C7E}"/>
+              </a:ext>
+            </a:extLst>
+          </p:cNvPr>
+          <p:cNvSpPr/>
+          <p:nvPr/>
+        </p:nvSpPr>
+        <p:spPr>
+          <a:xfrm>
+            <a:off x="418296" y="1755455"/>
+            <a:ext cx="733719" cy="310377"/>
+          </a:xfrm>
+          <a:prstGeom prst="roundRect">
+            <a:avLst/>
+          </a:prstGeom>
+          <a:noFill/>
+        </p:spPr>
+        <p:style>
+          <a:lnRef idx="2">
+            <a:schemeClr val="accent1">
+              <a:shade val="50000"/>
+            </a:schemeClr>
+          </a:lnRef>
+          <a:fillRef idx="1">
+            <a:schemeClr val="accent1"/>
+          </a:fillRef>
+          <a:effectRef idx="0">
+            <a:schemeClr val="accent1"/>
+          </a:effectRef>
+          <a:fontRef idx="minor">
+            <a:schemeClr val="lt1"/>
+          </a:fontRef>
+        </p:style>
+        <p:txBody>
+          <a:bodyPr rtlCol="0" anchor="ctr"/>
+          <a:lstStyle/>
+          <a:p>
+            <a:pPr algn="ctr"/>
+            <a:r>
+              <a:rPr lang="en-US" dirty="0">
+                <a:solidFill>
+                  <a:schemeClr val="tx1"/>
+                </a:solidFill>
+              </a:rPr>
+              <a:t>FVT</a:t>
+            </a:r>
+          </a:p>
+        </p:txBody>
+      </p:sp>
+      <p:sp>
+        <p:nvSpPr>
+          <p:cNvPr id="72" name="Rectangle: Rounded Corners 71">
+            <a:extLst>
+              <a:ext uri="{FF2B5EF4-FFF2-40B4-BE49-F238E27FC236}">
+                <a16:creationId xmlns:a16="http://schemas.microsoft.com/office/drawing/2014/main" id="{07E869BE-E08F-4F9F-950F-74A3B190625F}"/>
+              </a:ext>
+            </a:extLst>
+          </p:cNvPr>
+          <p:cNvSpPr/>
+          <p:nvPr/>
+        </p:nvSpPr>
+        <p:spPr>
+          <a:xfrm>
+            <a:off x="298314" y="2217485"/>
+            <a:ext cx="948227" cy="362711"/>
+          </a:xfrm>
+          <a:prstGeom prst="roundRect">
+            <a:avLst/>
+          </a:prstGeom>
+          <a:noFill/>
+        </p:spPr>
+        <p:style>
+          <a:lnRef idx="2">
+            <a:schemeClr val="accent1">
+              <a:shade val="50000"/>
+            </a:schemeClr>
+          </a:lnRef>
+          <a:fillRef idx="1">
+            <a:schemeClr val="accent1"/>
+          </a:fillRef>
+          <a:effectRef idx="0">
+            <a:schemeClr val="accent1"/>
+          </a:effectRef>
+          <a:fontRef idx="minor">
+            <a:schemeClr val="lt1"/>
+          </a:fontRef>
+        </p:style>
+        <p:txBody>
+          <a:bodyPr rtlCol="0" anchor="ctr"/>
+          <a:lstStyle/>
+          <a:p>
+            <a:pPr algn="ctr"/>
+            <a:r>
+              <a:rPr lang="en-US" dirty="0">
+                <a:solidFill>
+                  <a:schemeClr val="tx1"/>
+                </a:solidFill>
+              </a:rPr>
+              <a:t>deploy</a:t>
+            </a:r>
+          </a:p>
+        </p:txBody>
+      </p:sp>
+      <p:sp>
+        <p:nvSpPr>
+          <p:cNvPr id="73" name="Rectangle: Rounded Corners 72">
+            <a:extLst>
+              <a:ext uri="{FF2B5EF4-FFF2-40B4-BE49-F238E27FC236}">
+                <a16:creationId xmlns:a16="http://schemas.microsoft.com/office/drawing/2014/main" id="{032B3865-7D69-44F3-AE97-C4535FE0237B}"/>
+              </a:ext>
+            </a:extLst>
+          </p:cNvPr>
+          <p:cNvSpPr/>
+          <p:nvPr/>
+        </p:nvSpPr>
+        <p:spPr>
+          <a:xfrm>
+            <a:off x="284044" y="3971329"/>
+            <a:ext cx="1036946" cy="725863"/>
+          </a:xfrm>
+          <a:prstGeom prst="roundRect">
+            <a:avLst/>
+          </a:prstGeom>
+          <a:noFill/>
+        </p:spPr>
+        <p:style>
+          <a:lnRef idx="2">
+            <a:schemeClr val="accent1">
+              <a:shade val="50000"/>
+            </a:schemeClr>
+          </a:lnRef>
+          <a:fillRef idx="1">
+            <a:schemeClr val="accent1"/>
+          </a:fillRef>
+          <a:effectRef idx="0">
+            <a:schemeClr val="accent1"/>
+          </a:effectRef>
+          <a:fontRef idx="minor">
+            <a:schemeClr val="lt1"/>
+          </a:fontRef>
+        </p:style>
+        <p:txBody>
+          <a:bodyPr rtlCol="0" anchor="ctr"/>
+          <a:lstStyle/>
+          <a:p>
+            <a:pPr algn="ctr"/>
+            <a:r>
+              <a:rPr lang="en-US" dirty="0">
+                <a:solidFill>
+                  <a:schemeClr val="tx1"/>
+                </a:solidFill>
+              </a:rPr>
+              <a:t>Trigger</a:t>
+            </a:r>
+          </a:p>
+        </p:txBody>
+      </p:sp>
+      <p:sp>
+        <p:nvSpPr>
+          <p:cNvPr id="75" name="Rectangle: Rounded Corners 74">
+            <a:extLst>
+              <a:ext uri="{FF2B5EF4-FFF2-40B4-BE49-F238E27FC236}">
+                <a16:creationId xmlns:a16="http://schemas.microsoft.com/office/drawing/2014/main" id="{7C1261D1-F5B3-4AC5-9871-EA90909BE780}"/>
+              </a:ext>
+            </a:extLst>
+          </p:cNvPr>
+          <p:cNvSpPr/>
+          <p:nvPr/>
+        </p:nvSpPr>
+        <p:spPr>
+          <a:xfrm>
+            <a:off x="439596" y="4838678"/>
+            <a:ext cx="733719" cy="725863"/>
+          </a:xfrm>
+          <a:prstGeom prst="roundRect">
+            <a:avLst/>
+          </a:prstGeom>
+          <a:noFill/>
+        </p:spPr>
+        <p:style>
+          <a:lnRef idx="2">
+            <a:schemeClr val="accent1">
+              <a:shade val="50000"/>
+            </a:schemeClr>
+          </a:lnRef>
+          <a:fillRef idx="1">
+            <a:schemeClr val="accent1"/>
+          </a:fillRef>
+          <a:effectRef idx="0">
+            <a:schemeClr val="accent1"/>
+          </a:effectRef>
+          <a:fontRef idx="minor">
+            <a:schemeClr val="lt1"/>
+          </a:fontRef>
+        </p:style>
+        <p:txBody>
+          <a:bodyPr rtlCol="0" anchor="ctr"/>
+          <a:lstStyle/>
+          <a:p>
+            <a:pPr algn="ctr"/>
+            <a:r>
+              <a:rPr lang="en-US" dirty="0">
+                <a:solidFill>
+                  <a:schemeClr val="tx1"/>
+                </a:solidFill>
+              </a:rPr>
+              <a:t>FVT</a:t>
+            </a:r>
+          </a:p>
+        </p:txBody>
+      </p:sp>
+      <p:sp>
+        <p:nvSpPr>
+          <p:cNvPr id="76" name="Rectangle 75">
+            <a:extLst>
+              <a:ext uri="{FF2B5EF4-FFF2-40B4-BE49-F238E27FC236}">
+                <a16:creationId xmlns:a16="http://schemas.microsoft.com/office/drawing/2014/main" id="{BCBC54A8-D6F7-43E8-96C4-DFA00C3BEDA4}"/>
+              </a:ext>
+            </a:extLst>
+          </p:cNvPr>
+          <p:cNvSpPr/>
+          <p:nvPr/>
+        </p:nvSpPr>
+        <p:spPr>
+          <a:xfrm>
+            <a:off x="126901" y="3790218"/>
+            <a:ext cx="1469334" cy="2065638"/>
+          </a:xfrm>
+          <a:prstGeom prst="rect">
+            <a:avLst/>
+          </a:prstGeom>
+          <a:noFill/>
+        </p:spPr>
+        <p:style>
+          <a:lnRef idx="2">
+            <a:schemeClr val="accent1">
+              <a:shade val="50000"/>
+            </a:schemeClr>
+          </a:lnRef>
+          <a:fillRef idx="1">
+            <a:schemeClr val="accent1"/>
+          </a:fillRef>
+          <a:effectRef idx="0">
+            <a:schemeClr val="accent1"/>
+          </a:effectRef>
+          <a:fontRef idx="minor">
+            <a:schemeClr val="lt1"/>
+          </a:fontRef>
+        </p:style>
+        <p:txBody>
+          <a:bodyPr rtlCol="0" anchor="ctr"/>
+          <a:lstStyle/>
+          <a:p>
+            <a:pPr algn="ctr"/>
+            <a:endParaRPr lang="en-US"/>
+          </a:p>
+        </p:txBody>
+      </p:sp>
+      <p:sp>
+        <p:nvSpPr>
+          <p:cNvPr id="79" name="TextBox 78">
+            <a:extLst>
+              <a:ext uri="{FF2B5EF4-FFF2-40B4-BE49-F238E27FC236}">
+                <a16:creationId xmlns:a16="http://schemas.microsoft.com/office/drawing/2014/main" id="{A067FDC6-6A7D-44A1-8EE8-ABDA2278F943}"/>
+              </a:ext>
+            </a:extLst>
+          </p:cNvPr>
+          <p:cNvSpPr txBox="1"/>
+          <p:nvPr/>
+        </p:nvSpPr>
+        <p:spPr>
+          <a:xfrm>
+            <a:off x="-46012" y="5949774"/>
+            <a:ext cx="2320700" cy="369332"/>
+          </a:xfrm>
+          <a:prstGeom prst="rect">
+            <a:avLst/>
+          </a:prstGeom>
+          <a:noFill/>
+        </p:spPr>
+        <p:txBody>
+          <a:bodyPr wrap="none" rtlCol="0">
+            <a:spAutoFit/>
+          </a:bodyPr>
+          <a:lstStyle/>
+          <a:p>
+            <a:r>
+              <a:rPr lang="en-US" dirty="0"/>
+              <a:t>Strategy: </a:t>
+            </a:r>
+            <a:r>
+              <a:rPr lang="en-US" dirty="0" err="1"/>
+              <a:t>myapp</a:t>
+            </a:r>
+            <a:r>
+              <a:rPr lang="en-US" dirty="0"/>
+              <a:t>-retest</a:t>
+            </a:r>
+          </a:p>
+        </p:txBody>
+      </p:sp>
+      <p:sp>
+        <p:nvSpPr>
+          <p:cNvPr id="80" name="Wave 79">
+            <a:extLst>
+              <a:ext uri="{FF2B5EF4-FFF2-40B4-BE49-F238E27FC236}">
+                <a16:creationId xmlns:a16="http://schemas.microsoft.com/office/drawing/2014/main" id="{65C4643A-ABB8-4A6A-AB2C-A0795B2E6BD9}"/>
+              </a:ext>
+            </a:extLst>
+          </p:cNvPr>
+          <p:cNvSpPr/>
+          <p:nvPr/>
+        </p:nvSpPr>
+        <p:spPr>
+          <a:xfrm>
+            <a:off x="2050843" y="4736092"/>
+            <a:ext cx="1477653" cy="568752"/>
+          </a:xfrm>
+          <a:prstGeom prst="wave">
+            <a:avLst>
+              <a:gd name="adj1" fmla="val 12500"/>
+              <a:gd name="adj2" fmla="val 0"/>
+            </a:avLst>
+          </a:prstGeom>
+          <a:noFill/>
+        </p:spPr>
+        <p:style>
+          <a:lnRef idx="2">
+            <a:schemeClr val="accent1">
+              <a:shade val="50000"/>
+            </a:schemeClr>
+          </a:lnRef>
+          <a:fillRef idx="1">
+            <a:schemeClr val="accent1"/>
+          </a:fillRef>
+          <a:effectRef idx="0">
+            <a:schemeClr val="accent1"/>
+          </a:effectRef>
+          <a:fontRef idx="minor">
+            <a:schemeClr val="lt1"/>
+          </a:fontRef>
+        </p:style>
+        <p:txBody>
+          <a:bodyPr rtlCol="0" anchor="ctr"/>
+          <a:lstStyle/>
+          <a:p>
+            <a:pPr algn="ctr"/>
+            <a:r>
+              <a:rPr lang="en-US" dirty="0" err="1">
+                <a:solidFill>
+                  <a:schemeClr val="tx1"/>
+                </a:solidFill>
+              </a:rPr>
+              <a:t>Integration_A</a:t>
+            </a:r>
+            <a:endParaRPr lang="en-US" dirty="0"/>
+          </a:p>
+        </p:txBody>
+      </p:sp>
+      <p:cxnSp>
+        <p:nvCxnSpPr>
+          <p:cNvPr id="83" name="Straight Arrow Connector 82">
+            <a:extLst>
+              <a:ext uri="{FF2B5EF4-FFF2-40B4-BE49-F238E27FC236}">
+                <a16:creationId xmlns:a16="http://schemas.microsoft.com/office/drawing/2014/main" id="{8E45B793-425C-4946-9B8E-C3B8F0B44B19}"/>
+              </a:ext>
+            </a:extLst>
+          </p:cNvPr>
+          <p:cNvCxnSpPr>
+            <a:stCxn id="80" idx="1"/>
+            <a:endCxn id="73" idx="3"/>
+          </p:cNvCxnSpPr>
+          <p:nvPr/>
+        </p:nvCxnSpPr>
+        <p:spPr>
+          <a:xfrm flipH="1" flipV="1">
+            <a:off x="1320990" y="4334261"/>
+            <a:ext cx="729853" cy="686207"/>
+          </a:xfrm>
+          <a:prstGeom prst="straightConnector1">
+            <a:avLst/>
+          </a:prstGeom>
+          <a:ln>
+            <a:tailEnd type="triangle"/>
+          </a:ln>
+        </p:spPr>
+        <p:style>
+          <a:lnRef idx="1">
+            <a:schemeClr val="accent1"/>
+          </a:lnRef>
+          <a:fillRef idx="0">
+            <a:schemeClr val="accent1"/>
+          </a:fillRef>
+          <a:effectRef idx="0">
+            <a:schemeClr val="accent1"/>
+          </a:effectRef>
+          <a:fontRef idx="minor">
+            <a:schemeClr val="tx1"/>
+          </a:fontRef>
+        </p:style>
+      </p:cxnSp>
+      <p:cxnSp>
+        <p:nvCxnSpPr>
+          <p:cNvPr id="85" name="Straight Arrow Connector 84">
+            <a:extLst>
+              <a:ext uri="{FF2B5EF4-FFF2-40B4-BE49-F238E27FC236}">
+                <a16:creationId xmlns:a16="http://schemas.microsoft.com/office/drawing/2014/main" id="{43717816-C44A-44F7-87F5-9A315F491816}"/>
+              </a:ext>
+            </a:extLst>
+          </p:cNvPr>
+          <p:cNvCxnSpPr>
+            <a:cxnSpLocks/>
+            <a:stCxn id="75" idx="3"/>
+            <a:endCxn id="59" idx="2"/>
+          </p:cNvCxnSpPr>
+          <p:nvPr/>
+        </p:nvCxnSpPr>
+        <p:spPr>
+          <a:xfrm flipV="1">
+            <a:off x="1173315" y="4056460"/>
+            <a:ext cx="1077609" cy="1145150"/>
+          </a:xfrm>
+          <a:prstGeom prst="straightConnector1">
+            <a:avLst/>
+          </a:prstGeom>
+          <a:ln>
+            <a:tailEnd type="triangle"/>
+          </a:ln>
+        </p:spPr>
+        <p:style>
+          <a:lnRef idx="1">
+            <a:schemeClr val="accent1"/>
+          </a:lnRef>
+          <a:fillRef idx="0">
+            <a:schemeClr val="accent1"/>
+          </a:fillRef>
+          <a:effectRef idx="0">
+            <a:schemeClr val="accent1"/>
+          </a:effectRef>
+          <a:fontRef idx="minor">
+            <a:schemeClr val="tx1"/>
+          </a:fontRef>
+        </p:style>
+      </p:cxnSp>
+      <p:cxnSp>
+        <p:nvCxnSpPr>
+          <p:cNvPr id="87" name="Straight Arrow Connector 86">
+            <a:extLst>
+              <a:ext uri="{FF2B5EF4-FFF2-40B4-BE49-F238E27FC236}">
+                <a16:creationId xmlns:a16="http://schemas.microsoft.com/office/drawing/2014/main" id="{EDD2E87D-9EA4-4559-9C7E-4EE7331EB9F4}"/>
+              </a:ext>
+            </a:extLst>
+          </p:cNvPr>
+          <p:cNvCxnSpPr>
+            <a:cxnSpLocks/>
+            <a:stCxn id="71" idx="3"/>
+            <a:endCxn id="59" idx="0"/>
+          </p:cNvCxnSpPr>
+          <p:nvPr/>
+        </p:nvCxnSpPr>
+        <p:spPr>
+          <a:xfrm>
+            <a:off x="1152015" y="1910644"/>
+            <a:ext cx="1619751" cy="1771306"/>
+          </a:xfrm>
+          <a:prstGeom prst="straightConnector1">
+            <a:avLst/>
+          </a:prstGeom>
+          <a:ln>
+            <a:tailEnd type="triangle"/>
+          </a:ln>
+        </p:spPr>
+        <p:style>
+          <a:lnRef idx="1">
+            <a:schemeClr val="accent1"/>
+          </a:lnRef>
+          <a:fillRef idx="0">
+            <a:schemeClr val="accent1"/>
+          </a:fillRef>
+          <a:effectRef idx="0">
+            <a:schemeClr val="accent1"/>
+          </a:effectRef>
+          <a:fontRef idx="minor">
+            <a:schemeClr val="tx1"/>
+          </a:fontRef>
+        </p:style>
+      </p:cxnSp>
+      <p:sp>
+        <p:nvSpPr>
+          <p:cNvPr id="93" name="Wave 92">
+            <a:extLst>
+              <a:ext uri="{FF2B5EF4-FFF2-40B4-BE49-F238E27FC236}">
+                <a16:creationId xmlns:a16="http://schemas.microsoft.com/office/drawing/2014/main" id="{76E0A7E0-AC99-470A-B072-DCA16882F668}"/>
+              </a:ext>
+            </a:extLst>
+          </p:cNvPr>
+          <p:cNvSpPr/>
+          <p:nvPr/>
+        </p:nvSpPr>
+        <p:spPr>
+          <a:xfrm>
+            <a:off x="361953" y="106755"/>
+            <a:ext cx="881128" cy="369332"/>
+          </a:xfrm>
+          <a:prstGeom prst="wave">
+            <a:avLst>
+              <a:gd name="adj1" fmla="val 12500"/>
+              <a:gd name="adj2" fmla="val 0"/>
+            </a:avLst>
+          </a:prstGeom>
+          <a:noFill/>
+        </p:spPr>
+        <p:style>
+          <a:lnRef idx="2">
+            <a:schemeClr val="accent1">
+              <a:shade val="50000"/>
+            </a:schemeClr>
+          </a:lnRef>
+          <a:fillRef idx="1">
+            <a:schemeClr val="accent1"/>
+          </a:fillRef>
+          <a:effectRef idx="0">
+            <a:schemeClr val="accent1"/>
+          </a:effectRef>
+          <a:fontRef idx="minor">
+            <a:schemeClr val="lt1"/>
+          </a:fontRef>
+        </p:style>
+        <p:txBody>
+          <a:bodyPr rtlCol="0" anchor="ctr"/>
+          <a:lstStyle/>
+          <a:p>
+            <a:pPr algn="ctr"/>
+            <a:r>
+              <a:rPr lang="en-US" dirty="0">
+                <a:solidFill>
+                  <a:schemeClr val="tx1"/>
+                </a:solidFill>
+              </a:rPr>
+              <a:t>Push</a:t>
+            </a:r>
+            <a:endParaRPr lang="en-US" dirty="0"/>
+          </a:p>
+        </p:txBody>
+      </p:sp>
+      <p:cxnSp>
+        <p:nvCxnSpPr>
+          <p:cNvPr id="95" name="Straight Arrow Connector 94">
+            <a:extLst>
+              <a:ext uri="{FF2B5EF4-FFF2-40B4-BE49-F238E27FC236}">
+                <a16:creationId xmlns:a16="http://schemas.microsoft.com/office/drawing/2014/main" id="{05327E25-A2A2-48CA-B33E-0D7DFB840086}"/>
+              </a:ext>
+            </a:extLst>
+          </p:cNvPr>
+          <p:cNvCxnSpPr>
+            <a:stCxn id="93" idx="2"/>
+            <a:endCxn id="69" idx="0"/>
+          </p:cNvCxnSpPr>
+          <p:nvPr/>
+        </p:nvCxnSpPr>
+        <p:spPr>
+          <a:xfrm>
+            <a:off x="802517" y="429921"/>
+            <a:ext cx="9608" cy="389014"/>
+          </a:xfrm>
+          <a:prstGeom prst="straightConnector1">
+            <a:avLst/>
+          </a:prstGeom>
+          <a:ln>
+            <a:tailEnd type="triangle"/>
+          </a:ln>
+        </p:spPr>
+        <p:style>
+          <a:lnRef idx="1">
+            <a:schemeClr val="accent1"/>
+          </a:lnRef>
+          <a:fillRef idx="0">
+            <a:schemeClr val="accent1"/>
+          </a:fillRef>
+          <a:effectRef idx="0">
+            <a:schemeClr val="accent1"/>
+          </a:effectRef>
+          <a:fontRef idx="minor">
+            <a:schemeClr val="tx1"/>
+          </a:fontRef>
+        </p:style>
+      </p:cxnSp>
+      <p:cxnSp>
+        <p:nvCxnSpPr>
+          <p:cNvPr id="122" name="Straight Arrow Connector 121">
+            <a:extLst>
+              <a:ext uri="{FF2B5EF4-FFF2-40B4-BE49-F238E27FC236}">
+                <a16:creationId xmlns:a16="http://schemas.microsoft.com/office/drawing/2014/main" id="{4D0DB4B5-0149-4012-823B-2ABAFF5B506E}"/>
+              </a:ext>
+            </a:extLst>
+          </p:cNvPr>
+          <p:cNvCxnSpPr>
+            <a:stCxn id="52" idx="2"/>
+            <a:endCxn id="10" idx="0"/>
+          </p:cNvCxnSpPr>
+          <p:nvPr/>
+        </p:nvCxnSpPr>
+        <p:spPr>
+          <a:xfrm>
+            <a:off x="10540629" y="4512007"/>
+            <a:ext cx="5144" cy="240191"/>
+          </a:xfrm>
+          <a:prstGeom prst="straightConnector1">
+            <a:avLst/>
+          </a:prstGeom>
+          <a:ln>
+            <a:tailEnd type="triangle"/>
+          </a:ln>
+        </p:spPr>
+        <p:style>
+          <a:lnRef idx="1">
+            <a:schemeClr val="accent1"/>
+          </a:lnRef>
+          <a:fillRef idx="0">
+            <a:schemeClr val="accent1"/>
+          </a:fillRef>
+          <a:effectRef idx="0">
+            <a:schemeClr val="accent1"/>
+          </a:effectRef>
+          <a:fontRef idx="minor">
+            <a:schemeClr val="tx1"/>
+          </a:fontRef>
+        </p:style>
+      </p:cxnSp>
+      <p:cxnSp>
+        <p:nvCxnSpPr>
+          <p:cNvPr id="124" name="Straight Arrow Connector 123">
+            <a:extLst>
+              <a:ext uri="{FF2B5EF4-FFF2-40B4-BE49-F238E27FC236}">
+                <a16:creationId xmlns:a16="http://schemas.microsoft.com/office/drawing/2014/main" id="{24C83C09-8A58-4699-B599-C62EF53F61DB}"/>
+              </a:ext>
+            </a:extLst>
+          </p:cNvPr>
+          <p:cNvCxnSpPr>
+            <a:stCxn id="27" idx="1"/>
+            <a:endCxn id="11" idx="3"/>
+          </p:cNvCxnSpPr>
+          <p:nvPr/>
+        </p:nvCxnSpPr>
+        <p:spPr>
+          <a:xfrm flipH="1">
+            <a:off x="8813989" y="5799915"/>
+            <a:ext cx="826893" cy="35314"/>
+          </a:xfrm>
+          <a:prstGeom prst="straightConnector1">
+            <a:avLst/>
+          </a:prstGeom>
+          <a:ln>
+            <a:tailEnd type="triangle"/>
+          </a:ln>
+        </p:spPr>
+        <p:style>
+          <a:lnRef idx="1">
+            <a:schemeClr val="accent1"/>
+          </a:lnRef>
+          <a:fillRef idx="0">
+            <a:schemeClr val="accent1"/>
+          </a:fillRef>
+          <a:effectRef idx="0">
+            <a:schemeClr val="accent1"/>
+          </a:effectRef>
+          <a:fontRef idx="minor">
+            <a:schemeClr val="tx1"/>
+          </a:fontRef>
+        </p:style>
+      </p:cxnSp>
+      <p:cxnSp>
+        <p:nvCxnSpPr>
+          <p:cNvPr id="136" name="Straight Arrow Connector 135">
+            <a:extLst>
+              <a:ext uri="{FF2B5EF4-FFF2-40B4-BE49-F238E27FC236}">
+                <a16:creationId xmlns:a16="http://schemas.microsoft.com/office/drawing/2014/main" id="{D07281DD-FE55-4EDA-BF93-E12373CDBCC5}"/>
+              </a:ext>
+            </a:extLst>
+          </p:cNvPr>
+          <p:cNvCxnSpPr>
+            <a:stCxn id="31" idx="2"/>
+            <a:endCxn id="33" idx="3"/>
+          </p:cNvCxnSpPr>
+          <p:nvPr/>
+        </p:nvCxnSpPr>
+        <p:spPr>
+          <a:xfrm flipH="1">
+            <a:off x="5759933" y="3005024"/>
+            <a:ext cx="640795" cy="533582"/>
+          </a:xfrm>
+          <a:prstGeom prst="straightConnector1">
+            <a:avLst/>
+          </a:prstGeom>
+          <a:ln>
+            <a:tailEnd type="triangle"/>
+          </a:ln>
+        </p:spPr>
+        <p:style>
+          <a:lnRef idx="1">
+            <a:schemeClr val="accent1"/>
+          </a:lnRef>
+          <a:fillRef idx="0">
+            <a:schemeClr val="accent1"/>
+          </a:fillRef>
+          <a:effectRef idx="0">
+            <a:schemeClr val="accent1"/>
+          </a:effectRef>
+          <a:fontRef idx="minor">
+            <a:schemeClr val="tx1"/>
+          </a:fontRef>
+        </p:style>
+      </p:cxnSp>
+    </p:spTree>
+    <p:extLst>
+      <p:ext uri="{BB962C8B-B14F-4D97-AF65-F5344CB8AC3E}">
+        <p14:creationId xmlns:p14="http://schemas.microsoft.com/office/powerpoint/2010/main" val="3211765715"/>
       </p:ext>
     </p:extLst>
   </p:cSld>
@@ -21460,7 +24570,7 @@
                   <a:schemeClr val="tx1"/>
                 </a:solidFill>
               </a:rPr>
-              <a:t>Build</a:t>
+              <a:t>Build (Travis)</a:t>
             </a:r>
           </a:p>
         </p:txBody>
@@ -21514,7 +24624,23 @@
                   <a:schemeClr val="tx1"/>
                 </a:solidFill>
               </a:rPr>
-              <a:t>FVT</a:t>
+              <a:t>FVT (</a:t>
+            </a:r>
+            <a:r>
+              <a:rPr lang="en-US" dirty="0" err="1">
+                <a:solidFill>
+                  <a:schemeClr val="tx1"/>
+                </a:solidFill>
+              </a:rPr>
+              <a:t>Tekton</a:t>
+            </a:r>
+            <a:r>
+              <a:rPr lang="en-US" dirty="0">
+                <a:solidFill>
+                  <a:schemeClr val="tx1"/>
+                </a:solidFill>
+              </a:rPr>
+              <a:t>)</a:t>
             </a:r>
           </a:p>
         </p:txBody>
@@ -21570,11 +24696,14 @@
               </a:rPr>
               <a:t>Deploy_Approval</a:t>
             </a:r>
-            <a:endParaRPr lang="en-US" dirty="0">
-              <a:solidFill>
-                <a:schemeClr val="tx1"/>
-              </a:solidFill>
-            </a:endParaRPr>
+            <a:r>
+              <a:rPr lang="en-US" dirty="0">
+                <a:solidFill>
+                  <a:schemeClr val="tx1"/>
+                </a:solidFill>
+              </a:rPr>
+              <a:t> (???)</a:t>
+            </a:r>
           </a:p>
         </p:txBody>
       </p:sp>
@@ -21627,7 +24756,39 @@
                   <a:schemeClr val="tx1"/>
                 </a:solidFill>
               </a:rPr>
-              <a:t>Deploy</a:t>
+              <a:t>Deploy (</a:t>
+            </a:r>
+            <a:r>
+              <a:rPr lang="en-US" dirty="0" err="1">
+                <a:solidFill>
+                  <a:schemeClr val="tx1"/>
+                </a:solidFill>
+              </a:rPr>
+              <a:t>Gitops</a:t>
+            </a:r>
+            <a:r>
+              <a:rPr lang="en-US" dirty="0">
+                <a:solidFill>
+                  <a:schemeClr val="tx1"/>
+                </a:solidFill>
+              </a:rPr>
+              <a:t>, </a:t>
+            </a:r>
+            <a:r>
+              <a:rPr lang="en-US" dirty="0" err="1">
+                <a:solidFill>
+                  <a:schemeClr val="tx1"/>
+                </a:solidFill>
+              </a:rPr>
+              <a:t>Razee</a:t>
+            </a:r>
+            <a:r>
+              <a:rPr lang="en-US" dirty="0">
+                <a:solidFill>
+                  <a:schemeClr val="tx1"/>
+                </a:solidFill>
+              </a:rPr>
+              <a:t>)</a:t>
             </a:r>
           </a:p>
         </p:txBody>
@@ -21681,7 +24842,23 @@
                   <a:schemeClr val="tx1"/>
                 </a:solidFill>
               </a:rPr>
-              <a:t>SVT</a:t>
+              <a:t>SVT (</a:t>
+            </a:r>
+            <a:r>
+              <a:rPr lang="en-US" dirty="0" err="1">
+                <a:solidFill>
+                  <a:schemeClr val="tx1"/>
+                </a:solidFill>
+              </a:rPr>
+              <a:t>Tekton</a:t>
+            </a:r>
+            <a:r>
+              <a:rPr lang="en-US" dirty="0">
+                <a:solidFill>
+                  <a:schemeClr val="tx1"/>
+                </a:solidFill>
+              </a:rPr>
+              <a:t>)</a:t>
             </a:r>
           </a:p>
         </p:txBody>
@@ -21796,6 +24973,7 @@
             </a:extLst>
           </p:cNvPr>
           <p:cNvCxnSpPr>
+            <a:cxnSpLocks/>
             <a:stCxn id="14" idx="2"/>
             <a:endCxn id="12" idx="0"/>
           </p:cNvCxnSpPr>
@@ -21842,7 +25020,7 @@
         </p:nvSpPr>
         <p:spPr>
           <a:xfrm>
-            <a:off x="5529607" y="2882643"/>
+            <a:off x="6557918" y="2861626"/>
             <a:ext cx="1670115" cy="568752"/>
           </a:xfrm>
           <a:prstGeom prst="wave">
@@ -21961,8 +25139,8 @@
         </p:nvCxnSpPr>
         <p:spPr>
           <a:xfrm>
-            <a:off x="6364665" y="3380301"/>
-            <a:ext cx="1861009" cy="576212"/>
+            <a:off x="7392976" y="3359284"/>
+            <a:ext cx="832698" cy="597229"/>
           </a:xfrm>
           <a:prstGeom prst="straightConnector1">
             <a:avLst/>

--- a/architecture/KabaneroEvent.pptx
+++ b/architecture/KabaneroEvent.pptx
@@ -20,6 +20,7 @@
     <p:sldId id="270" r:id="rId14"/>
     <p:sldId id="141169048" r:id="rId15"/>
     <p:sldId id="141169049" r:id="rId16"/>
+    <p:sldId id="141169050" r:id="rId17"/>
   </p:sldIdLst>
   <p:sldSz cx="12192000" cy="6858000"/>
   <p:notesSz cx="6858000" cy="9144000"/>
@@ -273,7 +274,7 @@
           <a:p>
             <a:fld id="{13593C2D-3CA5-4D4F-90AB-38346B6393DE}" type="datetimeFigureOut">
               <a:rPr lang="en-US" smtClean="0"/>
-              <a:t>9/9/2019</a:t>
+              <a:t>9/12/2019</a:t>
             </a:fld>
             <a:endParaRPr lang="en-US"/>
           </a:p>
@@ -471,7 +472,7 @@
           <a:p>
             <a:fld id="{13593C2D-3CA5-4D4F-90AB-38346B6393DE}" type="datetimeFigureOut">
               <a:rPr lang="en-US" smtClean="0"/>
-              <a:t>9/9/2019</a:t>
+              <a:t>9/12/2019</a:t>
             </a:fld>
             <a:endParaRPr lang="en-US"/>
           </a:p>
@@ -679,7 +680,7 @@
           <a:p>
             <a:fld id="{13593C2D-3CA5-4D4F-90AB-38346B6393DE}" type="datetimeFigureOut">
               <a:rPr lang="en-US" smtClean="0"/>
-              <a:t>9/9/2019</a:t>
+              <a:t>9/12/2019</a:t>
             </a:fld>
             <a:endParaRPr lang="en-US"/>
           </a:p>
@@ -877,7 +878,7 @@
           <a:p>
             <a:fld id="{13593C2D-3CA5-4D4F-90AB-38346B6393DE}" type="datetimeFigureOut">
               <a:rPr lang="en-US" smtClean="0"/>
-              <a:t>9/9/2019</a:t>
+              <a:t>9/12/2019</a:t>
             </a:fld>
             <a:endParaRPr lang="en-US"/>
           </a:p>
@@ -1152,7 +1153,7 @@
           <a:p>
             <a:fld id="{13593C2D-3CA5-4D4F-90AB-38346B6393DE}" type="datetimeFigureOut">
               <a:rPr lang="en-US" smtClean="0"/>
-              <a:t>9/9/2019</a:t>
+              <a:t>9/12/2019</a:t>
             </a:fld>
             <a:endParaRPr lang="en-US"/>
           </a:p>
@@ -1417,7 +1418,7 @@
           <a:p>
             <a:fld id="{13593C2D-3CA5-4D4F-90AB-38346B6393DE}" type="datetimeFigureOut">
               <a:rPr lang="en-US" smtClean="0"/>
-              <a:t>9/9/2019</a:t>
+              <a:t>9/12/2019</a:t>
             </a:fld>
             <a:endParaRPr lang="en-US"/>
           </a:p>
@@ -1829,7 +1830,7 @@
           <a:p>
             <a:fld id="{13593C2D-3CA5-4D4F-90AB-38346B6393DE}" type="datetimeFigureOut">
               <a:rPr lang="en-US" smtClean="0"/>
-              <a:t>9/9/2019</a:t>
+              <a:t>9/12/2019</a:t>
             </a:fld>
             <a:endParaRPr lang="en-US"/>
           </a:p>
@@ -1970,7 +1971,7 @@
           <a:p>
             <a:fld id="{13593C2D-3CA5-4D4F-90AB-38346B6393DE}" type="datetimeFigureOut">
               <a:rPr lang="en-US" smtClean="0"/>
-              <a:t>9/9/2019</a:t>
+              <a:t>9/12/2019</a:t>
             </a:fld>
             <a:endParaRPr lang="en-US"/>
           </a:p>
@@ -2083,7 +2084,7 @@
           <a:p>
             <a:fld id="{13593C2D-3CA5-4D4F-90AB-38346B6393DE}" type="datetimeFigureOut">
               <a:rPr lang="en-US" smtClean="0"/>
-              <a:t>9/9/2019</a:t>
+              <a:t>9/12/2019</a:t>
             </a:fld>
             <a:endParaRPr lang="en-US"/>
           </a:p>
@@ -2394,7 +2395,7 @@
           <a:p>
             <a:fld id="{13593C2D-3CA5-4D4F-90AB-38346B6393DE}" type="datetimeFigureOut">
               <a:rPr lang="en-US" smtClean="0"/>
-              <a:t>9/9/2019</a:t>
+              <a:t>9/12/2019</a:t>
             </a:fld>
             <a:endParaRPr lang="en-US"/>
           </a:p>
@@ -2682,7 +2683,7 @@
           <a:p>
             <a:fld id="{13593C2D-3CA5-4D4F-90AB-38346B6393DE}" type="datetimeFigureOut">
               <a:rPr lang="en-US" smtClean="0"/>
-              <a:t>9/9/2019</a:t>
+              <a:t>9/12/2019</a:t>
             </a:fld>
             <a:endParaRPr lang="en-US"/>
           </a:p>
@@ -2923,7 +2924,7 @@
           <a:p>
             <a:fld id="{13593C2D-3CA5-4D4F-90AB-38346B6393DE}" type="datetimeFigureOut">
               <a:rPr lang="en-US" smtClean="0"/>
-              <a:t>9/9/2019</a:t>
+              <a:t>9/12/2019</a:t>
             </a:fld>
             <a:endParaRPr lang="en-US"/>
           </a:p>
@@ -4900,7 +4901,7 @@
         </p:nvSpPr>
         <p:spPr>
           <a:xfrm>
-            <a:off x="4223210" y="481768"/>
+            <a:off x="3372833" y="481767"/>
             <a:ext cx="1670115" cy="568752"/>
           </a:xfrm>
           <a:prstGeom prst="wave">
@@ -4959,7 +4960,7 @@
         <p:spPr>
           <a:xfrm>
             <a:off x="1809948" y="403212"/>
-            <a:ext cx="2413262" cy="725863"/>
+            <a:ext cx="1548415" cy="725863"/>
           </a:xfrm>
           <a:prstGeom prst="roundRect">
             <a:avLst/>
@@ -5014,14 +5015,15 @@
           </p:cNvPr>
           <p:cNvCxnSpPr>
             <a:cxnSpLocks/>
+            <a:stCxn id="35" idx="3"/>
             <a:endCxn id="3" idx="1"/>
           </p:cNvCxnSpPr>
           <p:nvPr/>
         </p:nvCxnSpPr>
         <p:spPr>
-          <a:xfrm>
-            <a:off x="5893325" y="743942"/>
-            <a:ext cx="1125718" cy="0"/>
+          <a:xfrm flipV="1">
+            <a:off x="5042948" y="743942"/>
+            <a:ext cx="1976095" cy="22201"/>
           </a:xfrm>
           <a:prstGeom prst="straightConnector1">
             <a:avLst/>
@@ -5059,8 +5061,8 @@
         </p:nvSpPr>
         <p:spPr>
           <a:xfrm>
-            <a:off x="1734533" y="214460"/>
-            <a:ext cx="10232734" cy="6161772"/>
+            <a:off x="3648173" y="214460"/>
+            <a:ext cx="8319094" cy="4338894"/>
           </a:xfrm>
           <a:prstGeom prst="rect">
             <a:avLst/>
@@ -5106,7 +5108,7 @@
         </p:nvSpPr>
         <p:spPr>
           <a:xfrm>
-            <a:off x="1743960" y="6443126"/>
+            <a:off x="3545975" y="4593912"/>
             <a:ext cx="2091598" cy="369332"/>
           </a:xfrm>
           <a:prstGeom prst="rect">
@@ -5293,6 +5295,7 @@
             </a:extLst>
           </p:cNvPr>
           <p:cNvCxnSpPr>
+            <a:cxnSpLocks/>
             <a:stCxn id="43" idx="3"/>
             <a:endCxn id="36" idx="1"/>
           </p:cNvCxnSpPr>
@@ -5335,6 +5338,7 @@
             </a:extLst>
           </p:cNvPr>
           <p:cNvCxnSpPr>
+            <a:cxnSpLocks/>
             <a:stCxn id="44" idx="3"/>
             <a:endCxn id="36" idx="1"/>
           </p:cNvCxnSpPr>
@@ -5381,7 +5385,7 @@
         </p:nvSpPr>
         <p:spPr>
           <a:xfrm>
-            <a:off x="2968995" y="1354361"/>
+            <a:off x="4825468" y="1513304"/>
             <a:ext cx="1509947" cy="725863"/>
           </a:xfrm>
           <a:prstGeom prst="flowChartMagneticDisk">
@@ -5459,7 +5463,7 @@
         </p:nvSpPr>
         <p:spPr>
           <a:xfrm>
-            <a:off x="2969026" y="2773393"/>
+            <a:off x="4825499" y="2932336"/>
             <a:ext cx="1509947" cy="725863"/>
           </a:xfrm>
           <a:prstGeom prst="flowChartMagneticDisk">
@@ -5520,14 +5524,15 @@
             </a:extLst>
           </p:cNvPr>
           <p:cNvCxnSpPr>
+            <a:cxnSpLocks/>
             <a:stCxn id="39" idx="4"/>
           </p:cNvCxnSpPr>
           <p:nvPr/>
         </p:nvCxnSpPr>
         <p:spPr>
           <a:xfrm flipV="1">
-            <a:off x="4478942" y="1050520"/>
-            <a:ext cx="2540101" cy="666773"/>
+            <a:off x="6335415" y="1097141"/>
+            <a:ext cx="754974" cy="779095"/>
           </a:xfrm>
           <a:prstGeom prst="straightConnector1">
             <a:avLst/>
@@ -5569,8 +5574,8 @@
         </p:nvCxnSpPr>
         <p:spPr>
           <a:xfrm flipH="1">
-            <a:off x="3724000" y="1146838"/>
-            <a:ext cx="3417412" cy="1626555"/>
+            <a:off x="5580473" y="1142172"/>
+            <a:ext cx="1509916" cy="1790164"/>
           </a:xfrm>
           <a:prstGeom prst="straightConnector1">
             <a:avLst/>
@@ -5609,7 +5614,7 @@
         </p:nvSpPr>
         <p:spPr>
           <a:xfrm>
-            <a:off x="2458701" y="1254509"/>
+            <a:off x="4315174" y="1413452"/>
             <a:ext cx="2413262" cy="2450225"/>
           </a:xfrm>
           <a:prstGeom prst="roundRect">
@@ -5656,7 +5661,7 @@
         </p:nvSpPr>
         <p:spPr>
           <a:xfrm>
-            <a:off x="2735301" y="3866652"/>
+            <a:off x="4591774" y="4025595"/>
             <a:ext cx="1860061" cy="369332"/>
           </a:xfrm>
           <a:prstGeom prst="rect">
@@ -5868,7 +5873,7 @@
         </p:nvSpPr>
         <p:spPr>
           <a:xfrm>
-            <a:off x="4204357" y="1707253"/>
+            <a:off x="3482601" y="1707252"/>
             <a:ext cx="1670115" cy="568752"/>
           </a:xfrm>
           <a:prstGeom prst="wave">
@@ -5927,7 +5932,7 @@
         <p:spPr>
           <a:xfrm>
             <a:off x="1791095" y="1628697"/>
-            <a:ext cx="2413262" cy="725863"/>
+            <a:ext cx="1670115" cy="725863"/>
           </a:xfrm>
           <a:prstGeom prst="roundRect">
             <a:avLst/>
@@ -5982,14 +5987,15 @@
           </p:cNvPr>
           <p:cNvCxnSpPr>
             <a:cxnSpLocks/>
+            <a:stCxn id="35" idx="3"/>
             <a:endCxn id="3" idx="1"/>
           </p:cNvCxnSpPr>
           <p:nvPr/>
         </p:nvCxnSpPr>
         <p:spPr>
-          <a:xfrm>
-            <a:off x="5874472" y="1969427"/>
-            <a:ext cx="1125718" cy="0"/>
+          <a:xfrm flipV="1">
+            <a:off x="5152716" y="1969427"/>
+            <a:ext cx="1847474" cy="22201"/>
           </a:xfrm>
           <a:prstGeom prst="straightConnector1">
             <a:avLst/>
@@ -6027,7 +6033,7 @@
         </p:nvSpPr>
         <p:spPr>
           <a:xfrm>
-            <a:off x="1605308" y="1330758"/>
+            <a:off x="4386215" y="1450731"/>
             <a:ext cx="8000606" cy="1716789"/>
           </a:xfrm>
           <a:prstGeom prst="rect">
@@ -6074,7 +6080,7 @@
         </p:nvSpPr>
         <p:spPr>
           <a:xfrm>
-            <a:off x="1791095" y="2652499"/>
+            <a:off x="5266664" y="2630398"/>
             <a:ext cx="1541063" cy="369332"/>
           </a:xfrm>
           <a:prstGeom prst="rect">
@@ -6552,7 +6558,7 @@
         </p:nvSpPr>
         <p:spPr>
           <a:xfrm>
-            <a:off x="4201819" y="3571512"/>
+            <a:off x="3482601" y="3571512"/>
             <a:ext cx="1670115" cy="568752"/>
           </a:xfrm>
           <a:prstGeom prst="wave">
@@ -6611,7 +6617,7 @@
         <p:spPr>
           <a:xfrm>
             <a:off x="1788557" y="3492956"/>
-            <a:ext cx="2413262" cy="725863"/>
+            <a:ext cx="1670115" cy="725863"/>
           </a:xfrm>
           <a:prstGeom prst="roundRect">
             <a:avLst/>
@@ -6666,14 +6672,15 @@
           </p:cNvPr>
           <p:cNvCxnSpPr>
             <a:cxnSpLocks/>
+            <a:stCxn id="64" idx="3"/>
             <a:endCxn id="63" idx="1"/>
           </p:cNvCxnSpPr>
           <p:nvPr/>
         </p:nvCxnSpPr>
         <p:spPr>
-          <a:xfrm>
-            <a:off x="5871934" y="3833686"/>
-            <a:ext cx="1125718" cy="0"/>
+          <a:xfrm flipV="1">
+            <a:off x="5152716" y="3833686"/>
+            <a:ext cx="1844936" cy="22202"/>
           </a:xfrm>
           <a:prstGeom prst="straightConnector1">
             <a:avLst/>
@@ -6711,8 +6718,8 @@
         </p:nvSpPr>
         <p:spPr>
           <a:xfrm>
-            <a:off x="1602770" y="3195017"/>
-            <a:ext cx="8000606" cy="1716789"/>
+            <a:off x="4386214" y="3195017"/>
+            <a:ext cx="5217161" cy="1716789"/>
           </a:xfrm>
           <a:prstGeom prst="rect">
             <a:avLst/>
@@ -6758,7 +6765,7 @@
         </p:nvSpPr>
         <p:spPr>
           <a:xfrm>
-            <a:off x="1788557" y="4516758"/>
+            <a:off x="5058274" y="4489478"/>
             <a:ext cx="1749453" cy="369332"/>
           </a:xfrm>
           <a:prstGeom prst="rect">
@@ -7158,7 +7165,7 @@
         </p:nvSpPr>
         <p:spPr>
           <a:xfrm>
-            <a:off x="4176076" y="1113364"/>
+            <a:off x="3346700" y="1131301"/>
             <a:ext cx="1670115" cy="568752"/>
           </a:xfrm>
           <a:prstGeom prst="wave">
@@ -7217,7 +7224,7 @@
         <p:spPr>
           <a:xfrm>
             <a:off x="1762814" y="1034808"/>
-            <a:ext cx="2413262" cy="725863"/>
+            <a:ext cx="1583701" cy="725863"/>
           </a:xfrm>
           <a:prstGeom prst="roundRect">
             <a:avLst/>
@@ -7272,14 +7279,14 @@
           </p:cNvPr>
           <p:cNvCxnSpPr>
             <a:cxnSpLocks/>
-            <a:endCxn id="3" idx="1"/>
+            <a:stCxn id="35" idx="3"/>
           </p:cNvCxnSpPr>
           <p:nvPr/>
         </p:nvCxnSpPr>
         <p:spPr>
           <a:xfrm>
-            <a:off x="5846191" y="1375538"/>
-            <a:ext cx="1125718" cy="0"/>
+            <a:off x="5016815" y="1415677"/>
+            <a:ext cx="1952556" cy="47275"/>
           </a:xfrm>
           <a:prstGeom prst="straightConnector1">
             <a:avLst/>
@@ -7317,8 +7324,8 @@
         </p:nvSpPr>
         <p:spPr>
           <a:xfrm>
-            <a:off x="1577027" y="736869"/>
-            <a:ext cx="8000606" cy="1716789"/>
+            <a:off x="4308049" y="736869"/>
+            <a:ext cx="5269584" cy="1716789"/>
           </a:xfrm>
           <a:prstGeom prst="rect">
             <a:avLst/>
@@ -7364,7 +7371,7 @@
         </p:nvSpPr>
         <p:spPr>
           <a:xfrm>
-            <a:off x="1762814" y="2058610"/>
+            <a:off x="4708935" y="2091456"/>
             <a:ext cx="2312556" cy="369332"/>
           </a:xfrm>
           <a:prstGeom prst="rect">
@@ -7851,7 +7858,7 @@
         </p:nvSpPr>
         <p:spPr>
           <a:xfrm>
-            <a:off x="4173538" y="2977623"/>
+            <a:off x="3429003" y="3018247"/>
             <a:ext cx="1670115" cy="568752"/>
           </a:xfrm>
           <a:prstGeom prst="wave">
@@ -7910,7 +7917,7 @@
         <p:spPr>
           <a:xfrm>
             <a:off x="1760276" y="2899067"/>
-            <a:ext cx="2413262" cy="725863"/>
+            <a:ext cx="1670115" cy="725863"/>
           </a:xfrm>
           <a:prstGeom prst="roundRect">
             <a:avLst/>
@@ -7965,14 +7972,15 @@
           </p:cNvPr>
           <p:cNvCxnSpPr>
             <a:cxnSpLocks/>
+            <a:stCxn id="64" idx="3"/>
             <a:endCxn id="63" idx="1"/>
           </p:cNvCxnSpPr>
           <p:nvPr/>
         </p:nvCxnSpPr>
         <p:spPr>
-          <a:xfrm>
-            <a:off x="5843653" y="3239797"/>
-            <a:ext cx="1125718" cy="0"/>
+          <a:xfrm flipV="1">
+            <a:off x="5099118" y="3239797"/>
+            <a:ext cx="1870253" cy="62826"/>
           </a:xfrm>
           <a:prstGeom prst="straightConnector1">
             <a:avLst/>
@@ -8010,8 +8018,8 @@
         </p:nvSpPr>
         <p:spPr>
           <a:xfrm>
-            <a:off x="1574489" y="2601128"/>
-            <a:ext cx="8000606" cy="1716789"/>
+            <a:off x="4308049" y="2601128"/>
+            <a:ext cx="5267046" cy="1716789"/>
           </a:xfrm>
           <a:prstGeom prst="rect">
             <a:avLst/>
@@ -8057,7 +8065,7 @@
         </p:nvSpPr>
         <p:spPr>
           <a:xfrm>
-            <a:off x="1760276" y="3922869"/>
+            <a:off x="4543737" y="3873383"/>
             <a:ext cx="2636940" cy="369332"/>
           </a:xfrm>
           <a:prstGeom prst="rect">
@@ -8435,7 +8443,7 @@
         </p:nvSpPr>
         <p:spPr>
           <a:xfrm>
-            <a:off x="4173538" y="5030282"/>
+            <a:off x="3441210" y="5045190"/>
             <a:ext cx="1670115" cy="568752"/>
           </a:xfrm>
           <a:prstGeom prst="wave">
@@ -8494,7 +8502,7 @@
         <p:spPr>
           <a:xfrm>
             <a:off x="1760276" y="4951726"/>
-            <a:ext cx="2413262" cy="725863"/>
+            <a:ext cx="1670115" cy="725863"/>
           </a:xfrm>
           <a:prstGeom prst="roundRect">
             <a:avLst/>
@@ -8549,14 +8557,15 @@
           </p:cNvPr>
           <p:cNvCxnSpPr>
             <a:cxnSpLocks/>
+            <a:stCxn id="27" idx="3"/>
             <a:endCxn id="26" idx="1"/>
           </p:cNvCxnSpPr>
           <p:nvPr/>
         </p:nvCxnSpPr>
         <p:spPr>
-          <a:xfrm>
-            <a:off x="5843653" y="5292456"/>
-            <a:ext cx="1125718" cy="0"/>
+          <a:xfrm flipV="1">
+            <a:off x="5111325" y="5292456"/>
+            <a:ext cx="1858046" cy="37110"/>
           </a:xfrm>
           <a:prstGeom prst="straightConnector1">
             <a:avLst/>
@@ -8594,8 +8603,8 @@
         </p:nvSpPr>
         <p:spPr>
           <a:xfrm>
-            <a:off x="1574489" y="4653787"/>
-            <a:ext cx="8000606" cy="1716789"/>
+            <a:off x="4308047" y="4653787"/>
+            <a:ext cx="5267047" cy="1716789"/>
           </a:xfrm>
           <a:prstGeom prst="rect">
             <a:avLst/>
@@ -8641,7 +8650,7 @@
         </p:nvSpPr>
         <p:spPr>
           <a:xfrm>
-            <a:off x="1760276" y="5975528"/>
+            <a:off x="4543737" y="5948746"/>
             <a:ext cx="2414187" cy="369332"/>
           </a:xfrm>
           <a:prstGeom prst="rect">
@@ -9439,8 +9448,8 @@
         </p:nvSpPr>
         <p:spPr>
           <a:xfrm>
-            <a:off x="1520466" y="644402"/>
-            <a:ext cx="8415385" cy="1716789"/>
+            <a:off x="3572895" y="644402"/>
+            <a:ext cx="6362956" cy="1716789"/>
           </a:xfrm>
           <a:prstGeom prst="rect">
             <a:avLst/>
@@ -9486,7 +9495,7 @@
         </p:nvSpPr>
         <p:spPr>
           <a:xfrm>
-            <a:off x="1865402" y="2009180"/>
+            <a:off x="4555513" y="1958863"/>
             <a:ext cx="2358018" cy="369332"/>
           </a:xfrm>
           <a:prstGeom prst="rect">
@@ -9823,8 +9832,8 @@
         </p:nvSpPr>
         <p:spPr>
           <a:xfrm>
-            <a:off x="1760531" y="4146000"/>
-            <a:ext cx="6362956" cy="1716789"/>
+            <a:off x="3572895" y="4146000"/>
+            <a:ext cx="4550592" cy="1716789"/>
           </a:xfrm>
           <a:prstGeom prst="rect">
             <a:avLst/>
@@ -9870,7 +9879,7 @@
         </p:nvSpPr>
         <p:spPr>
           <a:xfrm>
-            <a:off x="1865402" y="5493457"/>
+            <a:off x="3922183" y="5512364"/>
             <a:ext cx="2245679" cy="369332"/>
           </a:xfrm>
           <a:prstGeom prst="rect">
@@ -11850,7 +11859,7 @@
         </p:nvSpPr>
         <p:spPr>
           <a:xfrm>
-            <a:off x="6173149" y="1860142"/>
+            <a:off x="7263922" y="1755455"/>
             <a:ext cx="1933903" cy="636407"/>
           </a:xfrm>
           <a:prstGeom prst="roundRect">
@@ -12204,8 +12213,8 @@
         </p:nvCxnSpPr>
         <p:spPr>
           <a:xfrm flipH="1">
-            <a:off x="7140101" y="1468080"/>
-            <a:ext cx="2870184" cy="392062"/>
+            <a:off x="8230874" y="1468080"/>
+            <a:ext cx="1779411" cy="287375"/>
           </a:xfrm>
           <a:prstGeom prst="straightConnector1">
             <a:avLst/>
@@ -12286,7 +12295,7 @@
         </p:nvSpPr>
         <p:spPr>
           <a:xfrm>
-            <a:off x="7170310" y="2572416"/>
+            <a:off x="8261083" y="2467729"/>
             <a:ext cx="1487779" cy="568752"/>
           </a:xfrm>
           <a:prstGeom prst="wave">
@@ -12406,8 +12415,8 @@
         </p:nvCxnSpPr>
         <p:spPr>
           <a:xfrm>
-            <a:off x="7914200" y="3070074"/>
-            <a:ext cx="2626429" cy="716070"/>
+            <a:off x="9004973" y="2965387"/>
+            <a:ext cx="1535656" cy="820757"/>
           </a:xfrm>
           <a:prstGeom prst="straightConnector1">
             <a:avLst/>
@@ -12546,7 +12555,7 @@
         </p:nvSpPr>
         <p:spPr>
           <a:xfrm>
-            <a:off x="6195830" y="388857"/>
+            <a:off x="5338275" y="375464"/>
             <a:ext cx="1670115" cy="568752"/>
           </a:xfrm>
           <a:prstGeom prst="wave">
@@ -12605,7 +12614,7 @@
         <p:spPr>
           <a:xfrm>
             <a:off x="3782568" y="310301"/>
-            <a:ext cx="2413262" cy="725863"/>
+            <a:ext cx="1523786" cy="725863"/>
           </a:xfrm>
           <a:prstGeom prst="roundRect">
             <a:avLst/>
@@ -12660,14 +12669,15 @@
           </p:cNvPr>
           <p:cNvCxnSpPr>
             <a:cxnSpLocks/>
+            <a:stCxn id="35" idx="3"/>
             <a:endCxn id="3" idx="1"/>
           </p:cNvCxnSpPr>
           <p:nvPr/>
         </p:nvCxnSpPr>
         <p:spPr>
           <a:xfrm>
-            <a:off x="7841012" y="669924"/>
-            <a:ext cx="1125718" cy="0"/>
+            <a:off x="7008390" y="659840"/>
+            <a:ext cx="1958340" cy="10084"/>
           </a:xfrm>
           <a:prstGeom prst="straightConnector1">
             <a:avLst/>
@@ -12705,8 +12715,8 @@
         </p:nvSpPr>
         <p:spPr>
           <a:xfrm>
-            <a:off x="3638745" y="214460"/>
-            <a:ext cx="8328521" cy="6429080"/>
+            <a:off x="5708109" y="214460"/>
+            <a:ext cx="6259157" cy="6429080"/>
           </a:xfrm>
           <a:prstGeom prst="rect">
             <a:avLst/>
@@ -12752,7 +12762,7 @@
         </p:nvSpPr>
         <p:spPr>
           <a:xfrm>
-            <a:off x="3730602" y="6250792"/>
+            <a:off x="5813537" y="6224255"/>
             <a:ext cx="1575752" cy="369332"/>
           </a:xfrm>
           <a:prstGeom prst="rect">
@@ -12942,7 +12952,7 @@
         <p:spPr>
           <a:xfrm flipV="1">
             <a:off x="3410994" y="673233"/>
-            <a:ext cx="371574" cy="56353"/>
+            <a:ext cx="371574" cy="56354"/>
           </a:xfrm>
           <a:prstGeom prst="straightConnector1">
             <a:avLst/>
@@ -12976,6 +12986,7 @@
             </a:extLst>
           </p:cNvPr>
           <p:cNvCxnSpPr>
+            <a:cxnSpLocks/>
             <a:stCxn id="44" idx="3"/>
             <a:endCxn id="36" idx="1"/>
           </p:cNvCxnSpPr>
@@ -13022,7 +13033,7 @@
         </p:nvSpPr>
         <p:spPr>
           <a:xfrm>
-            <a:off x="5774751" y="2507366"/>
+            <a:off x="6865524" y="2402679"/>
             <a:ext cx="1251953" cy="568752"/>
           </a:xfrm>
           <a:prstGeom prst="wave">
@@ -13080,7 +13091,7 @@
         </p:nvSpPr>
         <p:spPr>
           <a:xfrm>
-            <a:off x="4089818" y="3175674"/>
+            <a:off x="6932715" y="3240857"/>
             <a:ext cx="1670115" cy="725863"/>
           </a:xfrm>
           <a:prstGeom prst="roundRect">
@@ -13390,8 +13401,8 @@
         </p:nvSpPr>
         <p:spPr>
           <a:xfrm>
-            <a:off x="201853" y="669924"/>
-            <a:ext cx="1179531" cy="2058742"/>
+            <a:off x="201853" y="1135358"/>
+            <a:ext cx="1179531" cy="1593307"/>
           </a:xfrm>
           <a:prstGeom prst="rect">
             <a:avLst/>
@@ -13477,7 +13488,7 @@
         </p:nvSpPr>
         <p:spPr>
           <a:xfrm>
-            <a:off x="293652" y="818935"/>
+            <a:off x="293652" y="584355"/>
             <a:ext cx="1036946" cy="457086"/>
           </a:xfrm>
           <a:prstGeom prst="roundRect">
@@ -13693,8 +13704,8 @@
         </p:nvSpPr>
         <p:spPr>
           <a:xfrm>
-            <a:off x="284044" y="3971329"/>
-            <a:ext cx="1036946" cy="725863"/>
+            <a:off x="302264" y="3715451"/>
+            <a:ext cx="1036946" cy="512760"/>
           </a:xfrm>
           <a:prstGeom prst="roundRect">
             <a:avLst/>
@@ -13801,8 +13812,8 @@
         </p:nvSpPr>
         <p:spPr>
           <a:xfrm>
-            <a:off x="126901" y="3790218"/>
-            <a:ext cx="1469334" cy="2065638"/>
+            <a:off x="126901" y="4472954"/>
+            <a:ext cx="1469334" cy="1382902"/>
           </a:xfrm>
           <a:prstGeom prst="rect">
             <a:avLst/>
@@ -13945,6 +13956,7 @@
             </a:extLst>
           </p:cNvPr>
           <p:cNvCxnSpPr>
+            <a:cxnSpLocks/>
             <a:stCxn id="80" idx="1"/>
             <a:endCxn id="73" idx="3"/>
           </p:cNvCxnSpPr>
@@ -13952,8 +13964,8 @@
         </p:nvCxnSpPr>
         <p:spPr>
           <a:xfrm flipH="1" flipV="1">
-            <a:off x="1320990" y="4334261"/>
-            <a:ext cx="729853" cy="686207"/>
+            <a:off x="1339210" y="3971831"/>
+            <a:ext cx="711633" cy="1048637"/>
           </a:xfrm>
           <a:prstGeom prst="straightConnector1">
             <a:avLst/>
@@ -14139,7 +14151,7 @@
         <p:spPr>
           <a:xfrm>
             <a:off x="802517" y="429921"/>
-            <a:ext cx="9608" cy="389014"/>
+            <a:ext cx="9608" cy="154434"/>
           </a:xfrm>
           <a:prstGeom prst="straightConnector1">
             <a:avLst/>
@@ -14257,15 +14269,100 @@
             </a:extLst>
           </p:cNvPr>
           <p:cNvCxnSpPr>
+            <a:cxnSpLocks/>
             <a:stCxn id="31" idx="2"/>
             <a:endCxn id="33" idx="3"/>
           </p:cNvCxnSpPr>
           <p:nvPr/>
         </p:nvCxnSpPr>
         <p:spPr>
+          <a:xfrm>
+            <a:off x="7491501" y="2900337"/>
+            <a:ext cx="1111329" cy="703452"/>
+          </a:xfrm>
+          <a:prstGeom prst="straightConnector1">
+            <a:avLst/>
+          </a:prstGeom>
+          <a:ln>
+            <a:tailEnd type="triangle"/>
+          </a:ln>
+        </p:spPr>
+        <p:style>
+          <a:lnRef idx="1">
+            <a:schemeClr val="accent1"/>
+          </a:lnRef>
+          <a:fillRef idx="0">
+            <a:schemeClr val="accent1"/>
+          </a:fillRef>
+          <a:effectRef idx="0">
+            <a:schemeClr val="accent1"/>
+          </a:effectRef>
+          <a:fontRef idx="minor">
+            <a:schemeClr val="tx1"/>
+          </a:fontRef>
+        </p:style>
+      </p:cxnSp>
+      <p:cxnSp>
+        <p:nvCxnSpPr>
+          <p:cNvPr id="28" name="Straight Arrow Connector 27">
+            <a:extLst>
+              <a:ext uri="{FF2B5EF4-FFF2-40B4-BE49-F238E27FC236}">
+                <a16:creationId xmlns:a16="http://schemas.microsoft.com/office/drawing/2014/main" id="{1B257660-DC4D-4D64-AE09-908CE9101612}"/>
+              </a:ext>
+            </a:extLst>
+          </p:cNvPr>
+          <p:cNvCxnSpPr>
+            <a:stCxn id="69" idx="2"/>
+            <a:endCxn id="70" idx="0"/>
+          </p:cNvCxnSpPr>
+          <p:nvPr/>
+        </p:nvCxnSpPr>
+        <p:spPr>
           <a:xfrm flipH="1">
-            <a:off x="5759933" y="3005024"/>
-            <a:ext cx="640795" cy="533582"/>
+            <a:off x="796034" y="1041441"/>
+            <a:ext cx="16091" cy="361559"/>
+          </a:xfrm>
+          <a:prstGeom prst="straightConnector1">
+            <a:avLst/>
+          </a:prstGeom>
+          <a:ln>
+            <a:tailEnd type="triangle"/>
+          </a:ln>
+        </p:spPr>
+        <p:style>
+          <a:lnRef idx="1">
+            <a:schemeClr val="accent1"/>
+          </a:lnRef>
+          <a:fillRef idx="0">
+            <a:schemeClr val="accent1"/>
+          </a:fillRef>
+          <a:effectRef idx="0">
+            <a:schemeClr val="accent1"/>
+          </a:effectRef>
+          <a:fontRef idx="minor">
+            <a:schemeClr val="tx1"/>
+          </a:fontRef>
+        </p:style>
+      </p:cxnSp>
+      <p:cxnSp>
+        <p:nvCxnSpPr>
+          <p:cNvPr id="30" name="Straight Arrow Connector 29">
+            <a:extLst>
+              <a:ext uri="{FF2B5EF4-FFF2-40B4-BE49-F238E27FC236}">
+                <a16:creationId xmlns:a16="http://schemas.microsoft.com/office/drawing/2014/main" id="{170734C5-9D81-4C47-B5B7-9D90B07E0A4C}"/>
+              </a:ext>
+            </a:extLst>
+          </p:cNvPr>
+          <p:cNvCxnSpPr>
+            <a:stCxn id="73" idx="2"/>
+            <a:endCxn id="75" idx="0"/>
+          </p:cNvCxnSpPr>
+          <p:nvPr/>
+        </p:nvCxnSpPr>
+        <p:spPr>
+          <a:xfrm flipH="1">
+            <a:off x="806456" y="4228211"/>
+            <a:ext cx="14281" cy="610467"/>
           </a:xfrm>
           <a:prstGeom prst="straightConnector1">
             <a:avLst/>
@@ -14293,6 +14390,667 @@
     <p:extLst>
       <p:ext uri="{BB962C8B-B14F-4D97-AF65-F5344CB8AC3E}">
         <p14:creationId xmlns:p14="http://schemas.microsoft.com/office/powerpoint/2010/main" val="3211765715"/>
+      </p:ext>
+    </p:extLst>
+  </p:cSld>
+  <p:clrMapOvr>
+    <a:masterClrMapping/>
+  </p:clrMapOvr>
+</p:sld>
+</file>
+
+<file path=ppt/slides/slide16.xml><?xml version="1.0" encoding="utf-8"?>
+<p:sld xmlns:a="http://schemas.openxmlformats.org/drawingml/2006/main" xmlns:r="http://schemas.openxmlformats.org/officeDocument/2006/relationships" xmlns:p="http://schemas.openxmlformats.org/presentationml/2006/main">
+  <p:cSld>
+    <p:spTree>
+      <p:nvGrpSpPr>
+        <p:cNvPr id="1" name=""/>
+        <p:cNvGrpSpPr/>
+        <p:nvPr/>
+      </p:nvGrpSpPr>
+      <p:grpSpPr>
+        <a:xfrm>
+          <a:off x="0" y="0"/>
+          <a:ext cx="0" cy="0"/>
+          <a:chOff x="0" y="0"/>
+          <a:chExt cx="0" cy="0"/>
+        </a:xfrm>
+      </p:grpSpPr>
+      <p:graphicFrame>
+        <p:nvGraphicFramePr>
+          <p:cNvPr id="3" name="Table 2">
+            <a:extLst>
+              <a:ext uri="{FF2B5EF4-FFF2-40B4-BE49-F238E27FC236}">
+                <a16:creationId xmlns:a16="http://schemas.microsoft.com/office/drawing/2014/main" id="{61B62A03-445A-4D16-B96E-7C1297B08036}"/>
+              </a:ext>
+            </a:extLst>
+          </p:cNvPr>
+          <p:cNvGraphicFramePr>
+            <a:graphicFrameLocks noGrp="1"/>
+          </p:cNvGraphicFramePr>
+          <p:nvPr>
+            <p:extLst>
+              <p:ext uri="{D42A27DB-BD31-4B8C-83A1-F6EECF244321}">
+                <p14:modId xmlns:p14="http://schemas.microsoft.com/office/powerpoint/2010/main" val="3446746398"/>
+              </p:ext>
+            </p:extLst>
+          </p:nvPr>
+        </p:nvGraphicFramePr>
+        <p:xfrm>
+          <a:off x="245097" y="141401"/>
+          <a:ext cx="11547835" cy="6627104"/>
+        </p:xfrm>
+        <a:graphic>
+          <a:graphicData uri="http://schemas.openxmlformats.org/drawingml/2006/table">
+            <a:tbl>
+              <a:tblPr firstRow="1" bandRow="1">
+                <a:tableStyleId>{5C22544A-7EE6-4342-B048-85BDC9FD1C3A}</a:tableStyleId>
+              </a:tblPr>
+              <a:tblGrid>
+                <a:gridCol w="2309567">
+                  <a:extLst>
+                    <a:ext uri="{9D8B030D-6E8A-4147-A177-3AD203B41FA5}">
+                      <a16:colId xmlns:a16="http://schemas.microsoft.com/office/drawing/2014/main" val="2896559418"/>
+                    </a:ext>
+                  </a:extLst>
+                </a:gridCol>
+                <a:gridCol w="2309567">
+                  <a:extLst>
+                    <a:ext uri="{9D8B030D-6E8A-4147-A177-3AD203B41FA5}">
+                      <a16:colId xmlns:a16="http://schemas.microsoft.com/office/drawing/2014/main" val="3545111093"/>
+                    </a:ext>
+                  </a:extLst>
+                </a:gridCol>
+                <a:gridCol w="2309567">
+                  <a:extLst>
+                    <a:ext uri="{9D8B030D-6E8A-4147-A177-3AD203B41FA5}">
+                      <a16:colId xmlns:a16="http://schemas.microsoft.com/office/drawing/2014/main" val="4175863799"/>
+                    </a:ext>
+                  </a:extLst>
+                </a:gridCol>
+                <a:gridCol w="2309567">
+                  <a:extLst>
+                    <a:ext uri="{9D8B030D-6E8A-4147-A177-3AD203B41FA5}">
+                      <a16:colId xmlns:a16="http://schemas.microsoft.com/office/drawing/2014/main" val="1187092812"/>
+                    </a:ext>
+                  </a:extLst>
+                </a:gridCol>
+                <a:gridCol w="2309567">
+                  <a:extLst>
+                    <a:ext uri="{9D8B030D-6E8A-4147-A177-3AD203B41FA5}">
+                      <a16:colId xmlns:a16="http://schemas.microsoft.com/office/drawing/2014/main" val="1471479558"/>
+                    </a:ext>
+                  </a:extLst>
+                </a:gridCol>
+              </a:tblGrid>
+              <a:tr h="622084">
+                <a:tc>
+                  <a:txBody>
+                    <a:bodyPr/>
+                    <a:lstStyle/>
+                    <a:p>
+                      <a:endParaRPr lang="en-US" dirty="0"/>
+                    </a:p>
+                  </a:txBody>
+                  <a:tcPr/>
+                </a:tc>
+                <a:tc>
+                  <a:txBody>
+                    <a:bodyPr/>
+                    <a:lstStyle/>
+                    <a:p>
+                      <a:r>
+                        <a:rPr lang="en-US" dirty="0"/>
+                        <a:t>In source repo</a:t>
+                      </a:r>
+                    </a:p>
+                  </a:txBody>
+                  <a:tcPr/>
+                </a:tc>
+                <a:tc>
+                  <a:txBody>
+                    <a:bodyPr/>
+                    <a:lstStyle/>
+                    <a:p>
+                      <a:r>
+                        <a:rPr lang="en-US" dirty="0"/>
+                        <a:t>Pointer from source repo</a:t>
+                      </a:r>
+                    </a:p>
+                  </a:txBody>
+                  <a:tcPr/>
+                </a:tc>
+                <a:tc>
+                  <a:txBody>
+                    <a:bodyPr/>
+                    <a:lstStyle/>
+                    <a:p>
+                      <a:r>
+                        <a:rPr lang="en-US" dirty="0"/>
+                        <a:t>Outside of source repo+ checkpoint env</a:t>
+                      </a:r>
+                    </a:p>
+                  </a:txBody>
+                  <a:tcPr/>
+                </a:tc>
+                <a:tc>
+                  <a:txBody>
+                    <a:bodyPr/>
+                    <a:lstStyle/>
+                    <a:p>
+                      <a:r>
+                        <a:rPr lang="en-US" dirty="0"/>
+                        <a:t>Comments</a:t>
+                      </a:r>
+                    </a:p>
+                  </a:txBody>
+                  <a:tcPr/>
+                </a:tc>
+                <a:extLst>
+                  <a:ext uri="{0D108BD9-81ED-4DB2-BD59-A6C34878D82A}">
+                    <a16:rowId xmlns:a16="http://schemas.microsoft.com/office/drawing/2014/main" val="1560342662"/>
+                  </a:ext>
+                </a:extLst>
+              </a:tr>
+              <a:tr h="751480">
+                <a:tc>
+                  <a:txBody>
+                    <a:bodyPr/>
+                    <a:lstStyle/>
+                    <a:p>
+                      <a:r>
+                        <a:rPr lang="en-US" dirty="0"/>
+                        <a:t>Understanding how it’s built</a:t>
+                      </a:r>
+                    </a:p>
+                  </a:txBody>
+                  <a:tcPr/>
+                </a:tc>
+                <a:tc>
+                  <a:txBody>
+                    <a:bodyPr/>
+                    <a:lstStyle/>
+                    <a:p>
+                      <a:r>
+                        <a:rPr lang="en-US" dirty="0"/>
+                        <a:t>Easy, in source repo</a:t>
+                      </a:r>
+                    </a:p>
+                  </a:txBody>
+                  <a:tcPr/>
+                </a:tc>
+                <a:tc>
+                  <a:txBody>
+                    <a:bodyPr/>
+                    <a:lstStyle/>
+                    <a:p>
+                      <a:r>
+                        <a:rPr lang="en-US" dirty="0"/>
+                        <a:t>Moderate</a:t>
+                      </a:r>
+                    </a:p>
+                  </a:txBody>
+                  <a:tcPr/>
+                </a:tc>
+                <a:tc>
+                  <a:txBody>
+                    <a:bodyPr/>
+                    <a:lstStyle/>
+                    <a:p>
+                      <a:r>
+                        <a:rPr lang="en-US" dirty="0"/>
+                        <a:t>Hard</a:t>
+                      </a:r>
+                    </a:p>
+                  </a:txBody>
+                  <a:tcPr/>
+                </a:tc>
+                <a:tc>
+                  <a:txBody>
+                    <a:bodyPr/>
+                    <a:lstStyle/>
+                    <a:p>
+                      <a:endParaRPr lang="en-US" dirty="0"/>
+                    </a:p>
+                  </a:txBody>
+                  <a:tcPr/>
+                </a:tc>
+                <a:extLst>
+                  <a:ext uri="{0D108BD9-81ED-4DB2-BD59-A6C34878D82A}">
+                    <a16:rowId xmlns:a16="http://schemas.microsoft.com/office/drawing/2014/main" val="2911791010"/>
+                  </a:ext>
+                </a:extLst>
+              </a:tr>
+              <a:tr h="883941">
+                <a:tc>
+                  <a:txBody>
+                    <a:bodyPr/>
+                    <a:lstStyle/>
+                    <a:p>
+                      <a:r>
+                        <a:rPr lang="en-US" dirty="0"/>
+                        <a:t>Ease of repeating a build</a:t>
+                      </a:r>
+                    </a:p>
+                  </a:txBody>
+                  <a:tcPr/>
+                </a:tc>
+                <a:tc>
+                  <a:txBody>
+                    <a:bodyPr/>
+                    <a:lstStyle/>
+                    <a:p>
+                      <a:r>
+                        <a:rPr lang="en-US" dirty="0"/>
+                        <a:t>Easy, rerun build for a commit</a:t>
+                      </a:r>
+                    </a:p>
+                  </a:txBody>
+                  <a:tcPr/>
+                </a:tc>
+                <a:tc>
+                  <a:txBody>
+                    <a:bodyPr/>
+                    <a:lstStyle/>
+                    <a:p>
+                      <a:r>
+                        <a:rPr lang="en-US" dirty="0"/>
+                        <a:t>Easy, rerun build for a commit</a:t>
+                      </a:r>
+                    </a:p>
+                  </a:txBody>
+                  <a:tcPr/>
+                </a:tc>
+                <a:tc>
+                  <a:txBody>
+                    <a:bodyPr/>
+                    <a:lstStyle/>
+                    <a:p>
+                      <a:r>
+                        <a:rPr lang="en-US" dirty="0"/>
+                        <a:t>Hard, may need to recreate original env from checkpoint.</a:t>
+                      </a:r>
+                    </a:p>
+                  </a:txBody>
+                  <a:tcPr/>
+                </a:tc>
+                <a:tc>
+                  <a:txBody>
+                    <a:bodyPr/>
+                    <a:lstStyle/>
+                    <a:p>
+                      <a:endParaRPr lang="en-US" dirty="0"/>
+                    </a:p>
+                  </a:txBody>
+                  <a:tcPr/>
+                </a:tc>
+                <a:extLst>
+                  <a:ext uri="{0D108BD9-81ED-4DB2-BD59-A6C34878D82A}">
+                    <a16:rowId xmlns:a16="http://schemas.microsoft.com/office/drawing/2014/main" val="25888052"/>
+                  </a:ext>
+                </a:extLst>
+              </a:tr>
+              <a:tr h="887382">
+                <a:tc>
+                  <a:txBody>
+                    <a:bodyPr/>
+                    <a:lstStyle/>
+                    <a:p>
+                      <a:r>
+                        <a:rPr lang="en-US" dirty="0"/>
+                        <a:t>Updating stack: solution architect</a:t>
+                      </a:r>
+                    </a:p>
+                  </a:txBody>
+                  <a:tcPr/>
+                </a:tc>
+                <a:tc>
+                  <a:txBody>
+                    <a:bodyPr/>
+                    <a:lstStyle/>
+                    <a:p>
+                      <a:r>
+                        <a:rPr lang="en-US" dirty="0"/>
+                        <a:t>Moderate, test stack, create PR for each app</a:t>
+                      </a:r>
+                    </a:p>
+                  </a:txBody>
+                  <a:tcPr/>
+                </a:tc>
+                <a:tc>
+                  <a:txBody>
+                    <a:bodyPr/>
+                    <a:lstStyle/>
+                    <a:p>
+                      <a:r>
+                        <a:rPr lang="en-US" dirty="0"/>
+                        <a:t>Moderate: test stack,  create PR for each app</a:t>
+                      </a:r>
+                    </a:p>
+                  </a:txBody>
+                  <a:tcPr/>
+                </a:tc>
+                <a:tc>
+                  <a:txBody>
+                    <a:bodyPr/>
+                    <a:lstStyle/>
+                    <a:p>
+                      <a:r>
+                        <a:rPr lang="en-US" dirty="0"/>
+                        <a:t>Hard: test stack, pre-test all apps</a:t>
+                      </a:r>
+                    </a:p>
+                  </a:txBody>
+                  <a:tcPr/>
+                </a:tc>
+                <a:tc>
+                  <a:txBody>
+                    <a:bodyPr/>
+                    <a:lstStyle/>
+                    <a:p>
+                      <a:endParaRPr lang="en-US" dirty="0"/>
+                    </a:p>
+                  </a:txBody>
+                  <a:tcPr/>
+                </a:tc>
+                <a:extLst>
+                  <a:ext uri="{0D108BD9-81ED-4DB2-BD59-A6C34878D82A}">
+                    <a16:rowId xmlns:a16="http://schemas.microsoft.com/office/drawing/2014/main" val="316142728"/>
+                  </a:ext>
+                </a:extLst>
+              </a:tr>
+              <a:tr h="883941">
+                <a:tc>
+                  <a:txBody>
+                    <a:bodyPr/>
+                    <a:lstStyle/>
+                    <a:p>
+                      <a:r>
+                        <a:rPr lang="en-US" dirty="0"/>
+                        <a:t>Update stack: developer</a:t>
+                      </a:r>
+                    </a:p>
+                  </a:txBody>
+                  <a:tcPr/>
+                </a:tc>
+                <a:tc>
+                  <a:txBody>
+                    <a:bodyPr/>
+                    <a:lstStyle/>
+                    <a:p>
+                      <a:r>
+                        <a:rPr lang="en-US" dirty="0"/>
+                        <a:t>Easy, not affected until image updated</a:t>
+                      </a:r>
+                    </a:p>
+                  </a:txBody>
+                  <a:tcPr/>
+                </a:tc>
+                <a:tc>
+                  <a:txBody>
+                    <a:bodyPr/>
+                    <a:lstStyle/>
+                    <a:p>
+                      <a:r>
+                        <a:rPr lang="en-US" dirty="0"/>
+                        <a:t>Easy, not affected until image updated</a:t>
+                      </a:r>
+                    </a:p>
+                  </a:txBody>
+                  <a:tcPr/>
+                </a:tc>
+                <a:tc>
+                  <a:txBody>
+                    <a:bodyPr/>
+                    <a:lstStyle/>
+                    <a:p>
+                      <a:r>
+                        <a:rPr lang="en-US" dirty="0"/>
+                        <a:t>Easy, not affected until image updated.</a:t>
+                      </a:r>
+                    </a:p>
+                  </a:txBody>
+                  <a:tcPr/>
+                </a:tc>
+                <a:tc>
+                  <a:txBody>
+                    <a:bodyPr/>
+                    <a:lstStyle/>
+                    <a:p>
+                      <a:endParaRPr lang="en-US" dirty="0"/>
+                    </a:p>
+                  </a:txBody>
+                  <a:tcPr/>
+                </a:tc>
+                <a:extLst>
+                  <a:ext uri="{0D108BD9-81ED-4DB2-BD59-A6C34878D82A}">
+                    <a16:rowId xmlns:a16="http://schemas.microsoft.com/office/drawing/2014/main" val="2708162091"/>
+                  </a:ext>
+                </a:extLst>
+              </a:tr>
+              <a:tr h="751480">
+                <a:tc>
+                  <a:txBody>
+                    <a:bodyPr/>
+                    <a:lstStyle/>
+                    <a:p>
+                      <a:r>
+                        <a:rPr lang="en-US" dirty="0"/>
+                        <a:t>Update stack: fixing broken apps</a:t>
+                      </a:r>
+                    </a:p>
+                  </a:txBody>
+                  <a:tcPr/>
+                </a:tc>
+                <a:tc>
+                  <a:txBody>
+                    <a:bodyPr/>
+                    <a:lstStyle/>
+                    <a:p>
+                      <a:r>
+                        <a:rPr lang="en-US" dirty="0"/>
+                        <a:t>Easy, fix PR</a:t>
+                      </a:r>
+                    </a:p>
+                  </a:txBody>
+                  <a:tcPr/>
+                </a:tc>
+                <a:tc>
+                  <a:txBody>
+                    <a:bodyPr/>
+                    <a:lstStyle/>
+                    <a:p>
+                      <a:r>
+                        <a:rPr lang="en-US" dirty="0"/>
+                        <a:t>Easy, fix PR</a:t>
+                      </a:r>
+                    </a:p>
+                  </a:txBody>
+                  <a:tcPr/>
+                </a:tc>
+                <a:tc>
+                  <a:txBody>
+                    <a:bodyPr/>
+                    <a:lstStyle/>
+                    <a:p>
+                      <a:r>
+                        <a:rPr lang="en-US" dirty="0"/>
+                        <a:t>Hard: different environments to fix</a:t>
+                      </a:r>
+                    </a:p>
+                  </a:txBody>
+                  <a:tcPr/>
+                </a:tc>
+                <a:tc>
+                  <a:txBody>
+                    <a:bodyPr/>
+                    <a:lstStyle/>
+                    <a:p>
+                      <a:endParaRPr lang="en-US" dirty="0"/>
+                    </a:p>
+                  </a:txBody>
+                  <a:tcPr/>
+                </a:tc>
+                <a:extLst>
+                  <a:ext uri="{0D108BD9-81ED-4DB2-BD59-A6C34878D82A}">
+                    <a16:rowId xmlns:a16="http://schemas.microsoft.com/office/drawing/2014/main" val="2788544429"/>
+                  </a:ext>
+                </a:extLst>
+              </a:tr>
+              <a:tr h="887382">
+                <a:tc>
+                  <a:txBody>
+                    <a:bodyPr/>
+                    <a:lstStyle/>
+                    <a:p>
+                      <a:r>
+                        <a:rPr lang="en-US" dirty="0"/>
+                        <a:t>Update stack: Implementation effort</a:t>
+                      </a:r>
+                    </a:p>
+                  </a:txBody>
+                  <a:tcPr/>
+                </a:tc>
+                <a:tc>
+                  <a:txBody>
+                    <a:bodyPr/>
+                    <a:lstStyle/>
+                    <a:p>
+                      <a:r>
+                        <a:rPr lang="en-US" dirty="0"/>
+                        <a:t>create PR</a:t>
+                      </a:r>
+                    </a:p>
+                  </a:txBody>
+                  <a:tcPr/>
+                </a:tc>
+                <a:tc>
+                  <a:txBody>
+                    <a:bodyPr/>
+                    <a:lstStyle/>
+                    <a:p>
+                      <a:r>
+                        <a:rPr lang="en-US" dirty="0"/>
+                        <a:t>create PR</a:t>
+                      </a:r>
+                    </a:p>
+                  </a:txBody>
+                  <a:tcPr/>
+                </a:tc>
+                <a:tc>
+                  <a:txBody>
+                    <a:bodyPr/>
+                    <a:lstStyle/>
+                    <a:p>
+                      <a:r>
+                        <a:rPr lang="en-US" dirty="0"/>
+                        <a:t>checkpoint build environment for every build</a:t>
+                      </a:r>
+                    </a:p>
+                  </a:txBody>
+                  <a:tcPr/>
+                </a:tc>
+                <a:tc>
+                  <a:txBody>
+                    <a:bodyPr/>
+                    <a:lstStyle/>
+                    <a:p>
+                      <a:endParaRPr lang="en-US" dirty="0"/>
+                    </a:p>
+                  </a:txBody>
+                  <a:tcPr/>
+                </a:tc>
+                <a:extLst>
+                  <a:ext uri="{0D108BD9-81ED-4DB2-BD59-A6C34878D82A}">
+                    <a16:rowId xmlns:a16="http://schemas.microsoft.com/office/drawing/2014/main" val="3917791264"/>
+                  </a:ext>
+                </a:extLst>
+              </a:tr>
+              <a:tr h="883941">
+                <a:tc>
+                  <a:txBody>
+                    <a:bodyPr/>
+                    <a:lstStyle/>
+                    <a:p>
+                      <a:r>
+                        <a:rPr lang="en-US" dirty="0"/>
+                        <a:t>Other considerations</a:t>
+                      </a:r>
+                    </a:p>
+                  </a:txBody>
+                  <a:tcPr/>
+                </a:tc>
+                <a:tc>
+                  <a:txBody>
+                    <a:bodyPr/>
+                    <a:lstStyle/>
+                    <a:p>
+                      <a:r>
+                        <a:rPr lang="en-US" dirty="0" err="1"/>
+                        <a:t>status_check</a:t>
+                      </a:r>
+                      <a:r>
+                        <a:rPr lang="en-US" dirty="0"/>
+                        <a:t> to block changing build config</a:t>
+                      </a:r>
+                    </a:p>
+                  </a:txBody>
+                  <a:tcPr/>
+                </a:tc>
+                <a:tc>
+                  <a:txBody>
+                    <a:bodyPr/>
+                    <a:lstStyle/>
+                    <a:p>
+                      <a:r>
+                        <a:rPr lang="en-US" dirty="0" err="1"/>
+                        <a:t>status_check</a:t>
+                      </a:r>
+                      <a:r>
+                        <a:rPr lang="en-US" dirty="0"/>
+                        <a:t> to block changing build config</a:t>
+                      </a:r>
+                    </a:p>
+                  </a:txBody>
+                  <a:tcPr/>
+                </a:tc>
+                <a:tc>
+                  <a:txBody>
+                    <a:bodyPr/>
+                    <a:lstStyle/>
+                    <a:p>
+                      <a:endParaRPr lang="en-US" dirty="0"/>
+                    </a:p>
+                  </a:txBody>
+                  <a:tcPr/>
+                </a:tc>
+                <a:tc>
+                  <a:txBody>
+                    <a:bodyPr/>
+                    <a:lstStyle/>
+                    <a:p>
+                      <a:r>
+                        <a:rPr lang="en-US" dirty="0"/>
+                        <a:t>Anything else to block?</a:t>
+                      </a:r>
+                    </a:p>
+                  </a:txBody>
+                  <a:tcPr/>
+                </a:tc>
+                <a:extLst>
+                  <a:ext uri="{0D108BD9-81ED-4DB2-BD59-A6C34878D82A}">
+                    <a16:rowId xmlns:a16="http://schemas.microsoft.com/office/drawing/2014/main" val="2612156251"/>
+                  </a:ext>
+                </a:extLst>
+              </a:tr>
+            </a:tbl>
+          </a:graphicData>
+        </a:graphic>
+      </p:graphicFrame>
+    </p:spTree>
+    <p:extLst>
+      <p:ext uri="{BB962C8B-B14F-4D97-AF65-F5344CB8AC3E}">
+        <p14:creationId xmlns:p14="http://schemas.microsoft.com/office/powerpoint/2010/main" val="1099459218"/>
       </p:ext>
     </p:extLst>
   </p:cSld>
@@ -25320,7 +26078,7 @@
         </p:nvSpPr>
         <p:spPr>
           <a:xfrm>
-            <a:off x="4223210" y="481768"/>
+            <a:off x="4037422" y="459565"/>
             <a:ext cx="1670115" cy="568752"/>
           </a:xfrm>
           <a:prstGeom prst="wave">
@@ -25378,7 +26136,7 @@
         </p:nvSpPr>
         <p:spPr>
           <a:xfrm>
-            <a:off x="1809948" y="403212"/>
+            <a:off x="1624161" y="403212"/>
             <a:ext cx="2413262" cy="725863"/>
           </a:xfrm>
           <a:prstGeom prst="roundRect">
@@ -25434,14 +26192,14 @@
           </p:cNvPr>
           <p:cNvCxnSpPr>
             <a:cxnSpLocks/>
-            <a:endCxn id="3" idx="1"/>
+            <a:stCxn id="35" idx="3"/>
           </p:cNvCxnSpPr>
           <p:nvPr/>
         </p:nvCxnSpPr>
         <p:spPr>
           <a:xfrm>
-            <a:off x="5893325" y="743942"/>
-            <a:ext cx="1125718" cy="0"/>
+            <a:off x="5707537" y="743941"/>
+            <a:ext cx="1311506" cy="9428"/>
           </a:xfrm>
           <a:prstGeom prst="straightConnector1">
             <a:avLst/>
@@ -25479,8 +26237,8 @@
         </p:nvSpPr>
         <p:spPr>
           <a:xfrm>
-            <a:off x="1734533" y="214460"/>
-            <a:ext cx="10232734" cy="6429080"/>
+            <a:off x="4223209" y="214460"/>
+            <a:ext cx="7744057" cy="6429080"/>
           </a:xfrm>
           <a:prstGeom prst="rect">
             <a:avLst/>
@@ -25526,7 +26284,7 @@
         </p:nvSpPr>
         <p:spPr>
           <a:xfrm>
-            <a:off x="2083023" y="6082982"/>
+            <a:off x="5361133" y="6082982"/>
             <a:ext cx="1489767" cy="369332"/>
           </a:xfrm>
           <a:prstGeom prst="rect">
@@ -25716,7 +26474,7 @@
         <p:spPr>
           <a:xfrm flipV="1">
             <a:off x="1438374" y="766144"/>
-            <a:ext cx="371574" cy="56353"/>
+            <a:ext cx="185787" cy="56353"/>
           </a:xfrm>
           <a:prstGeom prst="straightConnector1">
             <a:avLst/>
@@ -25758,7 +26516,7 @@
         <p:spPr>
           <a:xfrm flipV="1">
             <a:off x="1450941" y="766144"/>
-            <a:ext cx="359007" cy="830135"/>
+            <a:ext cx="173220" cy="830135"/>
           </a:xfrm>
           <a:prstGeom prst="straightConnector1">
             <a:avLst/>
@@ -26560,7 +27318,7 @@
         </p:nvSpPr>
         <p:spPr>
           <a:xfrm>
-            <a:off x="4223210" y="481768"/>
+            <a:off x="2600419" y="443414"/>
             <a:ext cx="1670115" cy="568752"/>
           </a:xfrm>
           <a:prstGeom prst="wave">
@@ -26618,8 +27376,8 @@
         </p:nvSpPr>
         <p:spPr>
           <a:xfrm>
-            <a:off x="1809948" y="403212"/>
-            <a:ext cx="2413262" cy="725863"/>
+            <a:off x="1034528" y="347561"/>
+            <a:ext cx="1548415" cy="725863"/>
           </a:xfrm>
           <a:prstGeom prst="roundRect">
             <a:avLst/>
@@ -26674,14 +27432,15 @@
           </p:cNvPr>
           <p:cNvCxnSpPr>
             <a:cxnSpLocks/>
+            <a:stCxn id="35" idx="3"/>
             <a:endCxn id="3" idx="1"/>
           </p:cNvCxnSpPr>
           <p:nvPr/>
         </p:nvCxnSpPr>
         <p:spPr>
           <a:xfrm>
-            <a:off x="5893325" y="743942"/>
-            <a:ext cx="1125718" cy="0"/>
+            <a:off x="4270534" y="727790"/>
+            <a:ext cx="2748509" cy="16152"/>
           </a:xfrm>
           <a:prstGeom prst="straightConnector1">
             <a:avLst/>
@@ -26719,8 +27478,8 @@
         </p:nvSpPr>
         <p:spPr>
           <a:xfrm>
-            <a:off x="1734533" y="214460"/>
-            <a:ext cx="10232734" cy="6161772"/>
+            <a:off x="3129699" y="214460"/>
+            <a:ext cx="8837568" cy="6161772"/>
           </a:xfrm>
           <a:prstGeom prst="rect">
             <a:avLst/>
@@ -26766,7 +27525,7 @@
         </p:nvSpPr>
         <p:spPr>
           <a:xfrm>
-            <a:off x="1734533" y="6443126"/>
+            <a:off x="3071759" y="6348740"/>
             <a:ext cx="1489767" cy="369332"/>
           </a:xfrm>
           <a:prstGeom prst="rect">
@@ -26801,7 +27560,7 @@
         </p:nvSpPr>
         <p:spPr>
           <a:xfrm>
-            <a:off x="191286" y="538121"/>
+            <a:off x="128321" y="1541688"/>
             <a:ext cx="1247088" cy="568752"/>
           </a:xfrm>
           <a:prstGeom prst="wave">
@@ -26859,7 +27618,7 @@
         </p:nvSpPr>
         <p:spPr>
           <a:xfrm>
-            <a:off x="203853" y="1311903"/>
+            <a:off x="140888" y="2315470"/>
             <a:ext cx="1247088" cy="568752"/>
           </a:xfrm>
           <a:prstGeom prst="wave">
@@ -26917,7 +27676,7 @@
         </p:nvSpPr>
         <p:spPr>
           <a:xfrm>
-            <a:off x="616172" y="2085685"/>
+            <a:off x="553207" y="3089252"/>
             <a:ext cx="343364" cy="369332"/>
           </a:xfrm>
           <a:prstGeom prst="rect">
@@ -26948,15 +27707,16 @@
             </a:extLst>
           </p:cNvPr>
           <p:cNvCxnSpPr>
+            <a:cxnSpLocks/>
             <a:stCxn id="43" idx="3"/>
-            <a:endCxn id="36" idx="1"/>
+            <a:endCxn id="36" idx="2"/>
           </p:cNvCxnSpPr>
           <p:nvPr/>
         </p:nvCxnSpPr>
         <p:spPr>
           <a:xfrm flipV="1">
-            <a:off x="1438374" y="766144"/>
-            <a:ext cx="371574" cy="56353"/>
+            <a:off x="1375409" y="1073424"/>
+            <a:ext cx="433327" cy="752640"/>
           </a:xfrm>
           <a:prstGeom prst="straightConnector1">
             <a:avLst/>
@@ -26990,15 +27750,16 @@
             </a:extLst>
           </p:cNvPr>
           <p:cNvCxnSpPr>
+            <a:cxnSpLocks/>
             <a:stCxn id="44" idx="3"/>
-            <a:endCxn id="36" idx="1"/>
+            <a:endCxn id="36" idx="2"/>
           </p:cNvCxnSpPr>
           <p:nvPr/>
         </p:nvCxnSpPr>
         <p:spPr>
           <a:xfrm flipV="1">
-            <a:off x="1450941" y="766144"/>
-            <a:ext cx="359007" cy="830135"/>
+            <a:off x="1387976" y="1073424"/>
+            <a:ext cx="420760" cy="1526422"/>
           </a:xfrm>
           <a:prstGeom prst="straightConnector1">
             <a:avLst/>
@@ -27036,7 +27797,7 @@
         </p:nvSpPr>
         <p:spPr>
           <a:xfrm>
-            <a:off x="2783239" y="5131833"/>
+            <a:off x="3711869" y="5087430"/>
             <a:ext cx="1509947" cy="725863"/>
           </a:xfrm>
           <a:prstGeom prst="flowChartMagneticDisk">
@@ -27106,7 +27867,7 @@
         </p:nvSpPr>
         <p:spPr>
           <a:xfrm>
-            <a:off x="2968995" y="1354361"/>
+            <a:off x="3897625" y="1309958"/>
             <a:ext cx="1509947" cy="725863"/>
           </a:xfrm>
           <a:prstGeom prst="flowChartMagneticDisk">
@@ -27184,7 +27945,7 @@
         </p:nvSpPr>
         <p:spPr>
           <a:xfrm>
-            <a:off x="2969026" y="2773393"/>
+            <a:off x="3897656" y="2728990"/>
             <a:ext cx="1509947" cy="725863"/>
           </a:xfrm>
           <a:prstGeom prst="flowChartMagneticDisk">
@@ -27251,7 +28012,7 @@
         </p:nvCxnSpPr>
         <p:spPr>
           <a:xfrm flipV="1">
-            <a:off x="4478942" y="1050520"/>
+            <a:off x="5407572" y="1006117"/>
             <a:ext cx="2540101" cy="666773"/>
           </a:xfrm>
           <a:prstGeom prst="straightConnector1">
@@ -27294,7 +28055,7 @@
         </p:nvCxnSpPr>
         <p:spPr>
           <a:xfrm flipH="1">
-            <a:off x="3724000" y="1146838"/>
+            <a:off x="4652630" y="1102435"/>
             <a:ext cx="3417412" cy="1626555"/>
           </a:xfrm>
           <a:prstGeom prst="straightConnector1">
@@ -27338,8 +28099,8 @@
         </p:nvCxnSpPr>
         <p:spPr>
           <a:xfrm flipV="1">
-            <a:off x="4478973" y="2583344"/>
-            <a:ext cx="1537748" cy="552981"/>
+            <a:off x="5407603" y="2583344"/>
+            <a:ext cx="609118" cy="508578"/>
           </a:xfrm>
           <a:prstGeom prst="straightConnector1">
             <a:avLst/>
@@ -27382,8 +28143,8 @@
         </p:nvCxnSpPr>
         <p:spPr>
           <a:xfrm flipV="1">
-            <a:off x="4478973" y="2519712"/>
-            <a:ext cx="4521698" cy="616613"/>
+            <a:off x="5407603" y="2519712"/>
+            <a:ext cx="3593068" cy="572210"/>
           </a:xfrm>
           <a:prstGeom prst="straightConnector1">
             <a:avLst/>
@@ -27426,8 +28187,8 @@
         </p:nvCxnSpPr>
         <p:spPr>
           <a:xfrm>
-            <a:off x="4478973" y="3136325"/>
-            <a:ext cx="2591131" cy="2768392"/>
+            <a:off x="5407603" y="3091922"/>
+            <a:ext cx="1662501" cy="2812795"/>
           </a:xfrm>
           <a:prstGeom prst="straightConnector1">
             <a:avLst/>
@@ -27470,8 +28231,8 @@
         </p:nvCxnSpPr>
         <p:spPr>
           <a:xfrm flipH="1" flipV="1">
-            <a:off x="4293186" y="5494765"/>
-            <a:ext cx="2776918" cy="409952"/>
+            <a:off x="5221816" y="5450362"/>
+            <a:ext cx="1848288" cy="454355"/>
           </a:xfrm>
           <a:prstGeom prst="straightConnector1">
             <a:avLst/>
@@ -27510,7 +28271,7 @@
         </p:nvSpPr>
         <p:spPr>
           <a:xfrm>
-            <a:off x="2944740" y="4022823"/>
+            <a:off x="3873370" y="3978420"/>
             <a:ext cx="1534202" cy="646331"/>
           </a:xfrm>
           <a:prstGeom prst="rect">
@@ -27594,7 +28355,7 @@
         </p:nvSpPr>
         <p:spPr>
           <a:xfrm>
-            <a:off x="2432115" y="1311903"/>
+            <a:off x="3360745" y="1267500"/>
             <a:ext cx="2413262" cy="4592814"/>
           </a:xfrm>
           <a:prstGeom prst="roundRect">
@@ -27641,7 +28402,7 @@
         </p:nvSpPr>
         <p:spPr>
           <a:xfrm>
-            <a:off x="2432115" y="5955808"/>
+            <a:off x="3360745" y="5911405"/>
             <a:ext cx="1860061" cy="369332"/>
           </a:xfrm>
           <a:prstGeom prst="rect">
@@ -27676,7 +28437,7 @@
         </p:nvSpPr>
         <p:spPr>
           <a:xfrm>
-            <a:off x="12462" y="2576942"/>
+            <a:off x="-50503" y="3580509"/>
             <a:ext cx="1604735" cy="369332"/>
           </a:xfrm>
           <a:prstGeom prst="rect">

--- a/architecture/KabaneroEvent.pptx
+++ b/architecture/KabaneroEvent.pptx
@@ -21,6 +21,8 @@
     <p:sldId id="141169048" r:id="rId15"/>
     <p:sldId id="141169049" r:id="rId16"/>
     <p:sldId id="141169050" r:id="rId17"/>
+    <p:sldId id="141169052" r:id="rId18"/>
+    <p:sldId id="141169053" r:id="rId19"/>
   </p:sldIdLst>
   <p:sldSz cx="12192000" cy="6858000"/>
   <p:notesSz cx="6858000" cy="9144000"/>
@@ -274,7 +276,7 @@
           <a:p>
             <a:fld id="{13593C2D-3CA5-4D4F-90AB-38346B6393DE}" type="datetimeFigureOut">
               <a:rPr lang="en-US" smtClean="0"/>
-              <a:t>9/12/2019</a:t>
+              <a:t>9/16/2019</a:t>
             </a:fld>
             <a:endParaRPr lang="en-US"/>
           </a:p>
@@ -472,7 +474,7 @@
           <a:p>
             <a:fld id="{13593C2D-3CA5-4D4F-90AB-38346B6393DE}" type="datetimeFigureOut">
               <a:rPr lang="en-US" smtClean="0"/>
-              <a:t>9/12/2019</a:t>
+              <a:t>9/16/2019</a:t>
             </a:fld>
             <a:endParaRPr lang="en-US"/>
           </a:p>
@@ -680,7 +682,7 @@
           <a:p>
             <a:fld id="{13593C2D-3CA5-4D4F-90AB-38346B6393DE}" type="datetimeFigureOut">
               <a:rPr lang="en-US" smtClean="0"/>
-              <a:t>9/12/2019</a:t>
+              <a:t>9/16/2019</a:t>
             </a:fld>
             <a:endParaRPr lang="en-US"/>
           </a:p>
@@ -878,7 +880,7 @@
           <a:p>
             <a:fld id="{13593C2D-3CA5-4D4F-90AB-38346B6393DE}" type="datetimeFigureOut">
               <a:rPr lang="en-US" smtClean="0"/>
-              <a:t>9/12/2019</a:t>
+              <a:t>9/16/2019</a:t>
             </a:fld>
             <a:endParaRPr lang="en-US"/>
           </a:p>
@@ -1153,7 +1155,7 @@
           <a:p>
             <a:fld id="{13593C2D-3CA5-4D4F-90AB-38346B6393DE}" type="datetimeFigureOut">
               <a:rPr lang="en-US" smtClean="0"/>
-              <a:t>9/12/2019</a:t>
+              <a:t>9/16/2019</a:t>
             </a:fld>
             <a:endParaRPr lang="en-US"/>
           </a:p>
@@ -1418,7 +1420,7 @@
           <a:p>
             <a:fld id="{13593C2D-3CA5-4D4F-90AB-38346B6393DE}" type="datetimeFigureOut">
               <a:rPr lang="en-US" smtClean="0"/>
-              <a:t>9/12/2019</a:t>
+              <a:t>9/16/2019</a:t>
             </a:fld>
             <a:endParaRPr lang="en-US"/>
           </a:p>
@@ -1830,7 +1832,7 @@
           <a:p>
             <a:fld id="{13593C2D-3CA5-4D4F-90AB-38346B6393DE}" type="datetimeFigureOut">
               <a:rPr lang="en-US" smtClean="0"/>
-              <a:t>9/12/2019</a:t>
+              <a:t>9/16/2019</a:t>
             </a:fld>
             <a:endParaRPr lang="en-US"/>
           </a:p>
@@ -1971,7 +1973,7 @@
           <a:p>
             <a:fld id="{13593C2D-3CA5-4D4F-90AB-38346B6393DE}" type="datetimeFigureOut">
               <a:rPr lang="en-US" smtClean="0"/>
-              <a:t>9/12/2019</a:t>
+              <a:t>9/16/2019</a:t>
             </a:fld>
             <a:endParaRPr lang="en-US"/>
           </a:p>
@@ -2084,7 +2086,7 @@
           <a:p>
             <a:fld id="{13593C2D-3CA5-4D4F-90AB-38346B6393DE}" type="datetimeFigureOut">
               <a:rPr lang="en-US" smtClean="0"/>
-              <a:t>9/12/2019</a:t>
+              <a:t>9/16/2019</a:t>
             </a:fld>
             <a:endParaRPr lang="en-US"/>
           </a:p>
@@ -2395,7 +2397,7 @@
           <a:p>
             <a:fld id="{13593C2D-3CA5-4D4F-90AB-38346B6393DE}" type="datetimeFigureOut">
               <a:rPr lang="en-US" smtClean="0"/>
-              <a:t>9/12/2019</a:t>
+              <a:t>9/16/2019</a:t>
             </a:fld>
             <a:endParaRPr lang="en-US"/>
           </a:p>
@@ -2683,7 +2685,7 @@
           <a:p>
             <a:fld id="{13593C2D-3CA5-4D4F-90AB-38346B6393DE}" type="datetimeFigureOut">
               <a:rPr lang="en-US" smtClean="0"/>
-              <a:t>9/12/2019</a:t>
+              <a:t>9/16/2019</a:t>
             </a:fld>
             <a:endParaRPr lang="en-US"/>
           </a:p>
@@ -2924,7 +2926,7 @@
           <a:p>
             <a:fld id="{13593C2D-3CA5-4D4F-90AB-38346B6393DE}" type="datetimeFigureOut">
               <a:rPr lang="en-US" smtClean="0"/>
-              <a:t>9/12/2019</a:t>
+              <a:t>9/16/2019</a:t>
             </a:fld>
             <a:endParaRPr lang="en-US"/>
           </a:p>
@@ -14431,14 +14433,14 @@
           <p:nvPr>
             <p:extLst>
               <p:ext uri="{D42A27DB-BD31-4B8C-83A1-F6EECF244321}">
-                <p14:modId xmlns:p14="http://schemas.microsoft.com/office/powerpoint/2010/main" val="3446746398"/>
+                <p14:modId xmlns:p14="http://schemas.microsoft.com/office/powerpoint/2010/main" val="1675955313"/>
               </p:ext>
             </p:extLst>
           </p:nvPr>
         </p:nvGraphicFramePr>
         <p:xfrm>
-          <a:off x="245097" y="141401"/>
-          <a:ext cx="11547835" cy="6627104"/>
+          <a:off x="317368" y="79306"/>
+          <a:ext cx="11557264" cy="6465797"/>
         </p:xfrm>
         <a:graphic>
           <a:graphicData uri="http://schemas.openxmlformats.org/drawingml/2006/table">
@@ -14447,43 +14449,1383 @@
                 <a:tableStyleId>{5C22544A-7EE6-4342-B048-85BDC9FD1C3A}</a:tableStyleId>
               </a:tblPr>
               <a:tblGrid>
-                <a:gridCol w="2309567">
+                <a:gridCol w="1444658">
                   <a:extLst>
                     <a:ext uri="{9D8B030D-6E8A-4147-A177-3AD203B41FA5}">
                       <a16:colId xmlns:a16="http://schemas.microsoft.com/office/drawing/2014/main" val="2896559418"/>
                     </a:ext>
                   </a:extLst>
                 </a:gridCol>
-                <a:gridCol w="2309567">
+                <a:gridCol w="1444658">
+                  <a:extLst>
+                    <a:ext uri="{9D8B030D-6E8A-4147-A177-3AD203B41FA5}">
+                      <a16:colId xmlns:a16="http://schemas.microsoft.com/office/drawing/2014/main" val="297117986"/>
+                    </a:ext>
+                  </a:extLst>
+                </a:gridCol>
+                <a:gridCol w="2889316">
                   <a:extLst>
                     <a:ext uri="{9D8B030D-6E8A-4147-A177-3AD203B41FA5}">
                       <a16:colId xmlns:a16="http://schemas.microsoft.com/office/drawing/2014/main" val="3545111093"/>
                     </a:ext>
                   </a:extLst>
                 </a:gridCol>
-                <a:gridCol w="2309567">
+                <a:gridCol w="2889316">
                   <a:extLst>
                     <a:ext uri="{9D8B030D-6E8A-4147-A177-3AD203B41FA5}">
                       <a16:colId xmlns:a16="http://schemas.microsoft.com/office/drawing/2014/main" val="4175863799"/>
                     </a:ext>
                   </a:extLst>
                 </a:gridCol>
-                <a:gridCol w="2309567">
+                <a:gridCol w="2889316">
                   <a:extLst>
                     <a:ext uri="{9D8B030D-6E8A-4147-A177-3AD203B41FA5}">
                       <a16:colId xmlns:a16="http://schemas.microsoft.com/office/drawing/2014/main" val="1187092812"/>
                     </a:ext>
                   </a:extLst>
                 </a:gridCol>
-                <a:gridCol w="2309567">
+              </a:tblGrid>
+              <a:tr h="609482">
+                <a:tc gridSpan="2">
+                  <a:txBody>
+                    <a:bodyPr/>
+                    <a:lstStyle/>
+                    <a:p>
+                      <a:endParaRPr lang="en-US" dirty="0"/>
+                    </a:p>
+                  </a:txBody>
+                  <a:tcPr/>
+                </a:tc>
+                <a:tc hMerge="1">
+                  <a:txBody>
+                    <a:bodyPr/>
+                    <a:lstStyle/>
+                    <a:p>
+                      <a:endParaRPr lang="en-US"/>
+                    </a:p>
+                  </a:txBody>
+                  <a:tcPr/>
+                </a:tc>
+                <a:tc>
+                  <a:txBody>
+                    <a:bodyPr/>
+                    <a:lstStyle/>
+                    <a:p>
+                      <a:r>
+                        <a:rPr lang="en-US" dirty="0"/>
+                        <a:t>Build configuration In source repo</a:t>
+                      </a:r>
+                    </a:p>
+                  </a:txBody>
+                  <a:tcPr/>
+                </a:tc>
+                <a:tc>
+                  <a:txBody>
+                    <a:bodyPr/>
+                    <a:lstStyle/>
+                    <a:p>
+                      <a:r>
+                        <a:rPr lang="en-US" dirty="0"/>
+                        <a:t>Pointer from source repo</a:t>
+                      </a:r>
+                    </a:p>
+                  </a:txBody>
+                  <a:tcPr/>
+                </a:tc>
+                <a:tc>
+                  <a:txBody>
+                    <a:bodyPr/>
+                    <a:lstStyle/>
+                    <a:p>
+                      <a:r>
+                        <a:rPr lang="en-US" dirty="0"/>
+                        <a:t>Outside of source repo+ bookkeeping</a:t>
+                      </a:r>
+                    </a:p>
+                  </a:txBody>
+                  <a:tcPr/>
+                </a:tc>
+                <a:extLst>
+                  <a:ext uri="{0D108BD9-81ED-4DB2-BD59-A6C34878D82A}">
+                    <a16:rowId xmlns:a16="http://schemas.microsoft.com/office/drawing/2014/main" val="1560342662"/>
+                  </a:ext>
+                </a:extLst>
+              </a:tr>
+              <a:tr h="1043111">
+                <a:tc rowSpan="3">
+                  <a:txBody>
+                    <a:bodyPr/>
+                    <a:lstStyle/>
+                    <a:p>
+                      <a:r>
+                        <a:rPr lang="en-US" dirty="0"/>
+                        <a:t>Updating to compatible stack, semantic version</a:t>
+                      </a:r>
+                    </a:p>
+                  </a:txBody>
+                  <a:tcPr/>
+                </a:tc>
+                <a:tc>
+                  <a:txBody>
+                    <a:bodyPr/>
+                    <a:lstStyle/>
+                    <a:p>
+                      <a:r>
+                        <a:rPr lang="en-US" dirty="0"/>
+                        <a:t>Solution architect</a:t>
+                      </a:r>
+                    </a:p>
+                  </a:txBody>
+                  <a:tcPr/>
+                </a:tc>
+                <a:tc>
+                  <a:txBody>
+                    <a:bodyPr/>
+                    <a:lstStyle/>
+                    <a:p>
+                      <a:r>
+                        <a:rPr lang="en-US" dirty="0"/>
+                        <a:t>test stack,</a:t>
+                      </a:r>
+                    </a:p>
+                    <a:p>
+                      <a:r>
+                        <a:rPr lang="en-US" dirty="0"/>
+                        <a:t>PR to test “test” branch with specific version</a:t>
+                      </a:r>
+                    </a:p>
+                  </a:txBody>
+                  <a:tcPr/>
+                </a:tc>
+                <a:tc>
+                  <a:txBody>
+                    <a:bodyPr/>
+                    <a:lstStyle/>
+                    <a:p>
+                      <a:r>
+                        <a:rPr lang="en-US" dirty="0"/>
+                        <a:t>test stack</a:t>
+                      </a:r>
+                    </a:p>
+                    <a:p>
+                      <a:r>
+                        <a:rPr lang="en-US" dirty="0"/>
+                        <a:t>PR to update pointer: “test” branch with specific version</a:t>
+                      </a:r>
+                    </a:p>
+                  </a:txBody>
+                  <a:tcPr/>
+                </a:tc>
+                <a:tc>
+                  <a:txBody>
+                    <a:bodyPr/>
+                    <a:lstStyle/>
+                    <a:p>
+                      <a:r>
+                        <a:rPr lang="en-US" dirty="0"/>
+                        <a:t>test stack</a:t>
+                      </a:r>
+                    </a:p>
+                    <a:p>
+                      <a:r>
+                        <a:rPr lang="en-US" dirty="0"/>
+                        <a:t>Configure “test” branch with specific version</a:t>
+                      </a:r>
+                    </a:p>
+                  </a:txBody>
+                  <a:tcPr/>
+                </a:tc>
+                <a:extLst>
+                  <a:ext uri="{0D108BD9-81ED-4DB2-BD59-A6C34878D82A}">
+                    <a16:rowId xmlns:a16="http://schemas.microsoft.com/office/drawing/2014/main" val="316142728"/>
+                  </a:ext>
+                </a:extLst>
+              </a:tr>
+              <a:tr h="1008365">
+                <a:tc vMerge="1">
+                  <a:txBody>
+                    <a:bodyPr/>
+                    <a:lstStyle/>
+                    <a:p>
+                      <a:endParaRPr lang="en-US" dirty="0"/>
+                    </a:p>
+                  </a:txBody>
+                  <a:tcPr/>
+                </a:tc>
+                <a:tc>
+                  <a:txBody>
+                    <a:bodyPr/>
+                    <a:lstStyle/>
+                    <a:p>
+                      <a:r>
+                        <a:rPr lang="en-US" dirty="0"/>
+                        <a:t>developer</a:t>
+                      </a:r>
+                    </a:p>
+                  </a:txBody>
+                  <a:tcPr/>
+                </a:tc>
+                <a:tc>
+                  <a:txBody>
+                    <a:bodyPr/>
+                    <a:lstStyle/>
+                    <a:p>
+                      <a:r>
+                        <a:rPr lang="en-US" dirty="0"/>
+                        <a:t>Not affected until image updated.</a:t>
+                      </a:r>
+                    </a:p>
+                  </a:txBody>
+                  <a:tcPr/>
+                </a:tc>
+                <a:tc>
+                  <a:txBody>
+                    <a:bodyPr/>
+                    <a:lstStyle/>
+                    <a:p>
+                      <a:r>
+                        <a:rPr lang="en-US" dirty="0"/>
+                        <a:t>Not affected until image updated</a:t>
+                      </a:r>
+                    </a:p>
+                  </a:txBody>
+                  <a:tcPr/>
+                </a:tc>
+                <a:tc>
+                  <a:txBody>
+                    <a:bodyPr/>
+                    <a:lstStyle/>
+                    <a:p>
+                      <a:r>
+                        <a:rPr lang="en-US" dirty="0"/>
+                        <a:t>Not affected until image updated.</a:t>
+                      </a:r>
+                    </a:p>
+                  </a:txBody>
+                  <a:tcPr/>
+                </a:tc>
+                <a:extLst>
+                  <a:ext uri="{0D108BD9-81ED-4DB2-BD59-A6C34878D82A}">
+                    <a16:rowId xmlns:a16="http://schemas.microsoft.com/office/drawing/2014/main" val="2708162091"/>
+                  </a:ext>
+                </a:extLst>
+              </a:tr>
+              <a:tr h="870689">
+                <a:tc vMerge="1">
+                  <a:txBody>
+                    <a:bodyPr/>
+                    <a:lstStyle/>
+                    <a:p>
+                      <a:endParaRPr lang="en-US" dirty="0"/>
+                    </a:p>
+                  </a:txBody>
+                  <a:tcPr/>
+                </a:tc>
+                <a:tc>
+                  <a:txBody>
+                    <a:bodyPr/>
+                    <a:lstStyle/>
+                    <a:p>
+                      <a:r>
+                        <a:rPr lang="en-US" dirty="0"/>
+                        <a:t>Fix broken apps</a:t>
+                      </a:r>
+                    </a:p>
+                  </a:txBody>
+                  <a:tcPr/>
+                </a:tc>
+                <a:tc>
+                  <a:txBody>
+                    <a:bodyPr/>
+                    <a:lstStyle/>
+                    <a:p>
+                      <a:pPr marL="0" indent="0">
+                        <a:buFontTx/>
+                        <a:buNone/>
+                      </a:pPr>
+                      <a:r>
+                        <a:rPr lang="en-US" dirty="0"/>
+                        <a:t>Use PR to add code.</a:t>
+                      </a:r>
+                    </a:p>
+                  </a:txBody>
+                  <a:tcPr/>
+                </a:tc>
+                <a:tc>
+                  <a:txBody>
+                    <a:bodyPr/>
+                    <a:lstStyle/>
+                    <a:p>
+                      <a:r>
+                        <a:rPr lang="en-US" dirty="0"/>
+                        <a:t>Use PR to add code.</a:t>
+                      </a:r>
+                    </a:p>
+                  </a:txBody>
+                  <a:tcPr/>
+                </a:tc>
+                <a:tc>
+                  <a:txBody>
+                    <a:bodyPr/>
+                    <a:lstStyle/>
+                    <a:p>
+                      <a:pPr marL="0" indent="0">
+                        <a:buFontTx/>
+                        <a:buNone/>
+                      </a:pPr>
+                      <a:r>
+                        <a:rPr lang="en-US" dirty="0"/>
+                        <a:t>New PR to add code.</a:t>
+                      </a:r>
+                    </a:p>
+                  </a:txBody>
+                  <a:tcPr/>
+                </a:tc>
+                <a:extLst>
+                  <a:ext uri="{0D108BD9-81ED-4DB2-BD59-A6C34878D82A}">
+                    <a16:rowId xmlns:a16="http://schemas.microsoft.com/office/drawing/2014/main" val="2788544429"/>
+                  </a:ext>
+                </a:extLst>
+              </a:tr>
+              <a:tr h="1131895">
+                <a:tc rowSpan="3">
+                  <a:txBody>
+                    <a:bodyPr/>
+                    <a:lstStyle/>
+                    <a:p>
+                      <a:r>
+                        <a:rPr lang="en-US" dirty="0"/>
+                        <a:t>Updating to compatible stack, no semantic version</a:t>
+                      </a:r>
+                    </a:p>
+                  </a:txBody>
+                  <a:tcPr/>
+                </a:tc>
+                <a:tc>
+                  <a:txBody>
+                    <a:bodyPr/>
+                    <a:lstStyle/>
+                    <a:p>
+                      <a:r>
+                        <a:rPr lang="en-US" dirty="0"/>
+                        <a:t>Solution architect</a:t>
+                      </a:r>
+                    </a:p>
+                  </a:txBody>
+                  <a:tcPr/>
+                </a:tc>
+                <a:tc>
+                  <a:txBody>
+                    <a:bodyPr/>
+                    <a:lstStyle/>
+                    <a:p>
+                      <a:r>
+                        <a:rPr lang="en-US" dirty="0"/>
+                        <a:t>test stack,</a:t>
+                      </a:r>
+                    </a:p>
+                    <a:p>
+                      <a:r>
+                        <a:rPr lang="en-US" dirty="0"/>
+                        <a:t>PR to update “master” branch with specific version</a:t>
+                      </a:r>
+                    </a:p>
+                  </a:txBody>
+                  <a:tcPr/>
+                </a:tc>
+                <a:tc>
+                  <a:txBody>
+                    <a:bodyPr/>
+                    <a:lstStyle/>
+                    <a:p>
+                      <a:r>
+                        <a:rPr lang="en-US" dirty="0"/>
+                        <a:t>test stack</a:t>
+                      </a:r>
+                    </a:p>
+                    <a:p>
+                      <a:r>
+                        <a:rPr lang="en-US" dirty="0"/>
+                        <a:t>PR to update “pointer” so master uses specific version</a:t>
+                      </a:r>
+                    </a:p>
+                  </a:txBody>
+                  <a:tcPr/>
+                </a:tc>
+                <a:tc>
+                  <a:txBody>
+                    <a:bodyPr/>
+                    <a:lstStyle/>
+                    <a:p>
+                      <a:r>
+                        <a:rPr lang="en-US" dirty="0"/>
+                        <a:t>test stack</a:t>
+                      </a:r>
+                    </a:p>
+                    <a:p>
+                      <a:r>
+                        <a:rPr lang="en-US" dirty="0"/>
+                        <a:t>Configure “test” branch with specific version</a:t>
+                      </a:r>
+                    </a:p>
+                  </a:txBody>
+                  <a:tcPr/>
+                </a:tc>
+                <a:extLst>
+                  <a:ext uri="{0D108BD9-81ED-4DB2-BD59-A6C34878D82A}">
+                    <a16:rowId xmlns:a16="http://schemas.microsoft.com/office/drawing/2014/main" val="2220747166"/>
+                  </a:ext>
+                </a:extLst>
+              </a:tr>
+              <a:tr h="857257">
+                <a:tc vMerge="1">
+                  <a:txBody>
+                    <a:bodyPr/>
+                    <a:lstStyle/>
+                    <a:p>
+                      <a:endParaRPr lang="en-US" dirty="0"/>
+                    </a:p>
+                  </a:txBody>
+                  <a:tcPr/>
+                </a:tc>
+                <a:tc>
+                  <a:txBody>
+                    <a:bodyPr/>
+                    <a:lstStyle/>
+                    <a:p>
+                      <a:r>
+                        <a:rPr lang="en-US" dirty="0"/>
+                        <a:t>developer</a:t>
+                      </a:r>
+                    </a:p>
+                  </a:txBody>
+                  <a:tcPr/>
+                </a:tc>
+                <a:tc>
+                  <a:txBody>
+                    <a:bodyPr/>
+                    <a:lstStyle/>
+                    <a:p>
+                      <a:r>
+                        <a:rPr lang="en-US" dirty="0"/>
+                        <a:t>Not affected until master updated</a:t>
+                      </a:r>
+                    </a:p>
+                  </a:txBody>
+                  <a:tcPr/>
+                </a:tc>
+                <a:tc>
+                  <a:txBody>
+                    <a:bodyPr/>
+                    <a:lstStyle/>
+                    <a:p>
+                      <a:r>
+                        <a:rPr lang="en-US" dirty="0"/>
+                        <a:t>Not affected until master updated.</a:t>
+                      </a:r>
+                    </a:p>
+                  </a:txBody>
+                  <a:tcPr/>
+                </a:tc>
+                <a:tc>
+                  <a:txBody>
+                    <a:bodyPr/>
+                    <a:lstStyle/>
+                    <a:p>
+                      <a:r>
+                        <a:rPr lang="en-US" dirty="0"/>
+                        <a:t>Not affected until master updated.</a:t>
+                      </a:r>
+                    </a:p>
+                  </a:txBody>
+                  <a:tcPr/>
+                </a:tc>
+                <a:extLst>
+                  <a:ext uri="{0D108BD9-81ED-4DB2-BD59-A6C34878D82A}">
+                    <a16:rowId xmlns:a16="http://schemas.microsoft.com/office/drawing/2014/main" val="461684680"/>
+                  </a:ext>
+                </a:extLst>
+              </a:tr>
+              <a:tr h="857257">
+                <a:tc vMerge="1">
+                  <a:txBody>
+                    <a:bodyPr/>
+                    <a:lstStyle/>
+                    <a:p>
+                      <a:endParaRPr lang="en-US" dirty="0"/>
+                    </a:p>
+                  </a:txBody>
+                  <a:tcPr/>
+                </a:tc>
+                <a:tc>
+                  <a:txBody>
+                    <a:bodyPr/>
+                    <a:lstStyle/>
+                    <a:p>
+                      <a:r>
+                        <a:rPr lang="en-US" dirty="0"/>
+                        <a:t>Fix broken apps</a:t>
+                      </a:r>
+                    </a:p>
+                  </a:txBody>
+                  <a:tcPr/>
+                </a:tc>
+                <a:tc>
+                  <a:txBody>
+                    <a:bodyPr/>
+                    <a:lstStyle/>
+                    <a:p>
+                      <a:pPr marL="0" indent="0">
+                        <a:buFontTx/>
+                        <a:buNone/>
+                      </a:pPr>
+                      <a:r>
+                        <a:rPr lang="en-US" dirty="0"/>
+                        <a:t>Use pre-existing PR</a:t>
+                      </a:r>
+                    </a:p>
+                  </a:txBody>
+                  <a:tcPr/>
+                </a:tc>
+                <a:tc>
+                  <a:txBody>
+                    <a:bodyPr/>
+                    <a:lstStyle/>
+                    <a:p>
+                      <a:r>
+                        <a:rPr lang="en-US" dirty="0"/>
+                        <a:t>Use pre-existing PR</a:t>
+                      </a:r>
+                    </a:p>
+                  </a:txBody>
+                  <a:tcPr/>
+                </a:tc>
+                <a:tc>
+                  <a:txBody>
+                    <a:bodyPr/>
+                    <a:lstStyle/>
+                    <a:p>
+                      <a:pPr marL="0" indent="0">
+                        <a:buFontTx/>
+                        <a:buNone/>
+                      </a:pPr>
+                      <a:r>
+                        <a:rPr lang="en-US" dirty="0"/>
+                        <a:t>New PR to add code to “test” branch. Change bookkeeping</a:t>
+                      </a:r>
+                    </a:p>
+                  </a:txBody>
+                  <a:tcPr/>
+                </a:tc>
+                <a:extLst>
+                  <a:ext uri="{0D108BD9-81ED-4DB2-BD59-A6C34878D82A}">
+                    <a16:rowId xmlns:a16="http://schemas.microsoft.com/office/drawing/2014/main" val="4202483653"/>
+                  </a:ext>
+                </a:extLst>
+              </a:tr>
+            </a:tbl>
+          </a:graphicData>
+        </a:graphic>
+      </p:graphicFrame>
+    </p:spTree>
+    <p:extLst>
+      <p:ext uri="{BB962C8B-B14F-4D97-AF65-F5344CB8AC3E}">
+        <p14:creationId xmlns:p14="http://schemas.microsoft.com/office/powerpoint/2010/main" val="1099459218"/>
+      </p:ext>
+    </p:extLst>
+  </p:cSld>
+  <p:clrMapOvr>
+    <a:masterClrMapping/>
+  </p:clrMapOvr>
+</p:sld>
+</file>
+
+<file path=ppt/slides/slide17.xml><?xml version="1.0" encoding="utf-8"?>
+<p:sld xmlns:a="http://schemas.openxmlformats.org/drawingml/2006/main" xmlns:r="http://schemas.openxmlformats.org/officeDocument/2006/relationships" xmlns:p="http://schemas.openxmlformats.org/presentationml/2006/main">
+  <p:cSld>
+    <p:spTree>
+      <p:nvGrpSpPr>
+        <p:cNvPr id="1" name=""/>
+        <p:cNvGrpSpPr/>
+        <p:nvPr/>
+      </p:nvGrpSpPr>
+      <p:grpSpPr>
+        <a:xfrm>
+          <a:off x="0" y="0"/>
+          <a:ext cx="0" cy="0"/>
+          <a:chOff x="0" y="0"/>
+          <a:chExt cx="0" cy="0"/>
+        </a:xfrm>
+      </p:grpSpPr>
+      <p:graphicFrame>
+        <p:nvGraphicFramePr>
+          <p:cNvPr id="3" name="Table 2">
+            <a:extLst>
+              <a:ext uri="{FF2B5EF4-FFF2-40B4-BE49-F238E27FC236}">
+                <a16:creationId xmlns:a16="http://schemas.microsoft.com/office/drawing/2014/main" id="{61B62A03-445A-4D16-B96E-7C1297B08036}"/>
+              </a:ext>
+            </a:extLst>
+          </p:cNvPr>
+          <p:cNvGraphicFramePr>
+            <a:graphicFrameLocks noGrp="1"/>
+          </p:cNvGraphicFramePr>
+          <p:nvPr>
+            <p:extLst>
+              <p:ext uri="{D42A27DB-BD31-4B8C-83A1-F6EECF244321}">
+                <p14:modId xmlns:p14="http://schemas.microsoft.com/office/powerpoint/2010/main" val="1278487188"/>
+              </p:ext>
+            </p:extLst>
+          </p:nvPr>
+        </p:nvGraphicFramePr>
+        <p:xfrm>
+          <a:off x="245097" y="141400"/>
+          <a:ext cx="11557264" cy="6588838"/>
+        </p:xfrm>
+        <a:graphic>
+          <a:graphicData uri="http://schemas.openxmlformats.org/drawingml/2006/table">
+            <a:tbl>
+              <a:tblPr firstRow="1" bandRow="1">
+                <a:tableStyleId>{5C22544A-7EE6-4342-B048-85BDC9FD1C3A}</a:tableStyleId>
+              </a:tblPr>
+              <a:tblGrid>
+                <a:gridCol w="1444658">
                   <a:extLst>
                     <a:ext uri="{9D8B030D-6E8A-4147-A177-3AD203B41FA5}">
-                      <a16:colId xmlns:a16="http://schemas.microsoft.com/office/drawing/2014/main" val="1471479558"/>
+                      <a16:colId xmlns:a16="http://schemas.microsoft.com/office/drawing/2014/main" val="2896559418"/>
+                    </a:ext>
+                  </a:extLst>
+                </a:gridCol>
+                <a:gridCol w="1444658">
+                  <a:extLst>
+                    <a:ext uri="{9D8B030D-6E8A-4147-A177-3AD203B41FA5}">
+                      <a16:colId xmlns:a16="http://schemas.microsoft.com/office/drawing/2014/main" val="297117986"/>
+                    </a:ext>
+                  </a:extLst>
+                </a:gridCol>
+                <a:gridCol w="2889316">
+                  <a:extLst>
+                    <a:ext uri="{9D8B030D-6E8A-4147-A177-3AD203B41FA5}">
+                      <a16:colId xmlns:a16="http://schemas.microsoft.com/office/drawing/2014/main" val="3545111093"/>
+                    </a:ext>
+                  </a:extLst>
+                </a:gridCol>
+                <a:gridCol w="2889316">
+                  <a:extLst>
+                    <a:ext uri="{9D8B030D-6E8A-4147-A177-3AD203B41FA5}">
+                      <a16:colId xmlns:a16="http://schemas.microsoft.com/office/drawing/2014/main" val="4175863799"/>
+                    </a:ext>
+                  </a:extLst>
+                </a:gridCol>
+                <a:gridCol w="2889316">
+                  <a:extLst>
+                    <a:ext uri="{9D8B030D-6E8A-4147-A177-3AD203B41FA5}">
+                      <a16:colId xmlns:a16="http://schemas.microsoft.com/office/drawing/2014/main" val="1187092812"/>
                     </a:ext>
                   </a:extLst>
                 </a:gridCol>
               </a:tblGrid>
-              <a:tr h="622084">
+              <a:tr h="739129">
+                <a:tc gridSpan="2">
+                  <a:txBody>
+                    <a:bodyPr/>
+                    <a:lstStyle/>
+                    <a:p>
+                      <a:endParaRPr lang="en-US" dirty="0"/>
+                    </a:p>
+                  </a:txBody>
+                  <a:tcPr/>
+                </a:tc>
+                <a:tc hMerge="1">
+                  <a:txBody>
+                    <a:bodyPr/>
+                    <a:lstStyle/>
+                    <a:p>
+                      <a:endParaRPr lang="en-US"/>
+                    </a:p>
+                  </a:txBody>
+                  <a:tcPr/>
+                </a:tc>
+                <a:tc>
+                  <a:txBody>
+                    <a:bodyPr/>
+                    <a:lstStyle/>
+                    <a:p>
+                      <a:r>
+                        <a:rPr lang="en-US" dirty="0"/>
+                        <a:t>Build configuration In source repo</a:t>
+                      </a:r>
+                    </a:p>
+                  </a:txBody>
+                  <a:tcPr/>
+                </a:tc>
+                <a:tc>
+                  <a:txBody>
+                    <a:bodyPr/>
+                    <a:lstStyle/>
+                    <a:p>
+                      <a:r>
+                        <a:rPr lang="en-US" dirty="0"/>
+                        <a:t>Pointer from source repo</a:t>
+                      </a:r>
+                    </a:p>
+                  </a:txBody>
+                  <a:tcPr/>
+                </a:tc>
+                <a:tc>
+                  <a:txBody>
+                    <a:bodyPr/>
+                    <a:lstStyle/>
+                    <a:p>
+                      <a:r>
+                        <a:rPr lang="en-US" dirty="0"/>
+                        <a:t>Outside of source repo+ bookkeeping</a:t>
+                      </a:r>
+                    </a:p>
+                  </a:txBody>
+                  <a:tcPr/>
+                </a:tc>
+                <a:extLst>
+                  <a:ext uri="{0D108BD9-81ED-4DB2-BD59-A6C34878D82A}">
+                    <a16:rowId xmlns:a16="http://schemas.microsoft.com/office/drawing/2014/main" val="1560342662"/>
+                  </a:ext>
+                </a:extLst>
+              </a:tr>
+              <a:tr h="867766">
+                <a:tc rowSpan="3">
+                  <a:txBody>
+                    <a:bodyPr/>
+                    <a:lstStyle/>
+                    <a:p>
+                      <a:pPr marL="0" marR="0" lvl="0" indent="0" algn="l" defTabSz="914400" rtl="0" eaLnBrk="1" fontAlgn="auto" latinLnBrk="0" hangingPunct="1">
+                        <a:lnSpc>
+                          <a:spcPct val="100000"/>
+                        </a:lnSpc>
+                        <a:spcBef>
+                          <a:spcPts val="0"/>
+                        </a:spcBef>
+                        <a:spcAft>
+                          <a:spcPts val="0"/>
+                        </a:spcAft>
+                        <a:buClrTx/>
+                        <a:buSzTx/>
+                        <a:buFontTx/>
+                        <a:buNone/>
+                        <a:tabLst/>
+                        <a:defRPr/>
+                      </a:pPr>
+                      <a:r>
+                        <a:rPr lang="en-US" dirty="0"/>
+                        <a:t>Updating to incompatible stack</a:t>
+                      </a:r>
+                    </a:p>
+                  </a:txBody>
+                  <a:tcPr/>
+                </a:tc>
+                <a:tc>
+                  <a:txBody>
+                    <a:bodyPr/>
+                    <a:lstStyle/>
+                    <a:p>
+                      <a:r>
+                        <a:rPr lang="en-US" dirty="0"/>
+                        <a:t>Solution architect</a:t>
+                      </a:r>
+                    </a:p>
+                  </a:txBody>
+                  <a:tcPr/>
+                </a:tc>
+                <a:tc>
+                  <a:txBody>
+                    <a:bodyPr/>
+                    <a:lstStyle/>
+                    <a:p>
+                      <a:pPr marL="0" indent="0">
+                        <a:buFontTx/>
+                        <a:buNone/>
+                      </a:pPr>
+                      <a:r>
+                        <a:rPr lang="en-US" dirty="0"/>
+                        <a:t>Test stack</a:t>
+                      </a:r>
+                    </a:p>
+                    <a:p>
+                      <a:pPr marL="0" indent="0">
+                        <a:buFontTx/>
+                        <a:buNone/>
+                      </a:pPr>
+                      <a:r>
+                        <a:rPr lang="en-US" dirty="0"/>
+                        <a:t>PR to update “main” branch with version</a:t>
+                      </a:r>
+                    </a:p>
+                  </a:txBody>
+                  <a:tcPr/>
+                </a:tc>
+                <a:tc>
+                  <a:txBody>
+                    <a:bodyPr/>
+                    <a:lstStyle/>
+                    <a:p>
+                      <a:r>
+                        <a:rPr lang="en-US" dirty="0"/>
+                        <a:t>Test stack</a:t>
+                      </a:r>
+                    </a:p>
+                    <a:p>
+                      <a:r>
+                        <a:rPr lang="en-US" dirty="0"/>
+                        <a:t>PR to update pointer to repo with “main” version change</a:t>
+                      </a:r>
+                    </a:p>
+                  </a:txBody>
+                  <a:tcPr/>
+                </a:tc>
+                <a:tc>
+                  <a:txBody>
+                    <a:bodyPr/>
+                    <a:lstStyle/>
+                    <a:p>
+                      <a:r>
+                        <a:rPr lang="en-US" dirty="0"/>
+                        <a:t>test stack</a:t>
+                      </a:r>
+                    </a:p>
+                    <a:p>
+                      <a:r>
+                        <a:rPr lang="en-US" dirty="0"/>
+                        <a:t>Configure “test” branch with specific version and test</a:t>
+                      </a:r>
+                    </a:p>
+                  </a:txBody>
+                  <a:tcPr/>
+                </a:tc>
+                <a:extLst>
+                  <a:ext uri="{0D108BD9-81ED-4DB2-BD59-A6C34878D82A}">
+                    <a16:rowId xmlns:a16="http://schemas.microsoft.com/office/drawing/2014/main" val="2056973393"/>
+                  </a:ext>
+                </a:extLst>
+              </a:tr>
+              <a:tr h="867766">
+                <a:tc vMerge="1">
+                  <a:txBody>
+                    <a:bodyPr/>
+                    <a:lstStyle/>
+                    <a:p>
+                      <a:pPr algn="l"/>
+                      <a:endParaRPr lang="en-US" dirty="0"/>
+                    </a:p>
+                  </a:txBody>
+                  <a:tcPr/>
+                </a:tc>
+                <a:tc>
+                  <a:txBody>
+                    <a:bodyPr/>
+                    <a:lstStyle/>
+                    <a:p>
+                      <a:pPr algn="l"/>
+                      <a:r>
+                        <a:rPr lang="en-US" dirty="0"/>
+                        <a:t>Developer</a:t>
+                      </a:r>
+                    </a:p>
+                  </a:txBody>
+                  <a:tcPr/>
+                </a:tc>
+                <a:tc>
+                  <a:txBody>
+                    <a:bodyPr/>
+                    <a:lstStyle/>
+                    <a:p>
+                      <a:pPr marL="0" indent="0" algn="l">
+                        <a:buFontTx/>
+                        <a:buNone/>
+                      </a:pPr>
+                      <a:r>
+                        <a:rPr lang="en-US" dirty="0"/>
+                        <a:t>change code if needed</a:t>
+                      </a:r>
+                    </a:p>
+                  </a:txBody>
+                  <a:tcPr/>
+                </a:tc>
+                <a:tc>
+                  <a:txBody>
+                    <a:bodyPr/>
+                    <a:lstStyle/>
+                    <a:p>
+                      <a:pPr algn="l"/>
+                      <a:r>
+                        <a:rPr lang="en-US" dirty="0"/>
+                        <a:t>Change code if needed</a:t>
+                      </a:r>
+                    </a:p>
+                  </a:txBody>
+                  <a:tcPr/>
+                </a:tc>
+                <a:tc>
+                  <a:txBody>
+                    <a:bodyPr/>
+                    <a:lstStyle/>
+                    <a:p>
+                      <a:pPr algn="l"/>
+                      <a:r>
+                        <a:rPr lang="en-US" dirty="0"/>
+                        <a:t>Change code if needed</a:t>
+                      </a:r>
+                    </a:p>
+                  </a:txBody>
+                  <a:tcPr/>
+                </a:tc>
+                <a:extLst>
+                  <a:ext uri="{0D108BD9-81ED-4DB2-BD59-A6C34878D82A}">
+                    <a16:rowId xmlns:a16="http://schemas.microsoft.com/office/drawing/2014/main" val="3987664300"/>
+                  </a:ext>
+                </a:extLst>
+              </a:tr>
+              <a:tr h="867766">
+                <a:tc vMerge="1">
+                  <a:txBody>
+                    <a:bodyPr/>
+                    <a:lstStyle/>
+                    <a:p>
+                      <a:pPr algn="l"/>
+                      <a:endParaRPr lang="en-US" dirty="0"/>
+                    </a:p>
+                  </a:txBody>
+                  <a:tcPr/>
+                </a:tc>
+                <a:tc>
+                  <a:txBody>
+                    <a:bodyPr/>
+                    <a:lstStyle/>
+                    <a:p>
+                      <a:pPr algn="l"/>
+                      <a:r>
+                        <a:rPr lang="en-US" dirty="0"/>
+                        <a:t>Fix broken apps</a:t>
+                      </a:r>
+                    </a:p>
+                  </a:txBody>
+                  <a:tcPr/>
+                </a:tc>
+                <a:tc>
+                  <a:txBody>
+                    <a:bodyPr/>
+                    <a:lstStyle/>
+                    <a:p>
+                      <a:pPr marL="0" indent="0" algn="l">
+                        <a:buFontTx/>
+                        <a:buNone/>
+                      </a:pPr>
+                      <a:r>
+                        <a:rPr lang="en-US" dirty="0"/>
+                        <a:t>Use the same PR</a:t>
+                      </a:r>
+                    </a:p>
+                  </a:txBody>
+                  <a:tcPr/>
+                </a:tc>
+                <a:tc>
+                  <a:txBody>
+                    <a:bodyPr/>
+                    <a:lstStyle/>
+                    <a:p>
+                      <a:pPr algn="l"/>
+                      <a:r>
+                        <a:rPr lang="en-US" dirty="0"/>
+                        <a:t>Use the same PR</a:t>
+                      </a:r>
+                    </a:p>
+                  </a:txBody>
+                  <a:tcPr/>
+                </a:tc>
+                <a:tc>
+                  <a:txBody>
+                    <a:bodyPr/>
+                    <a:lstStyle/>
+                    <a:p>
+                      <a:pPr marL="0" indent="0">
+                        <a:buFontTx/>
+                        <a:buNone/>
+                      </a:pPr>
+                      <a:r>
+                        <a:rPr lang="en-US" dirty="0"/>
+                        <a:t>New PR to add code to “test” branch.</a:t>
+                      </a:r>
+                    </a:p>
+                  </a:txBody>
+                  <a:tcPr/>
+                </a:tc>
+                <a:extLst>
+                  <a:ext uri="{0D108BD9-81ED-4DB2-BD59-A6C34878D82A}">
+                    <a16:rowId xmlns:a16="http://schemas.microsoft.com/office/drawing/2014/main" val="2211328324"/>
+                  </a:ext>
+                </a:extLst>
+              </a:tr>
+              <a:tr h="888827">
+                <a:tc rowSpan="3">
+                  <a:txBody>
+                    <a:bodyPr/>
+                    <a:lstStyle/>
+                    <a:p>
+                      <a:r>
+                        <a:rPr lang="en-US" dirty="0"/>
+                        <a:t>Revert back to previous commit</a:t>
+                      </a:r>
+                    </a:p>
+                  </a:txBody>
+                  <a:tcPr/>
+                </a:tc>
+                <a:tc>
+                  <a:txBody>
+                    <a:bodyPr/>
+                    <a:lstStyle/>
+                    <a:p>
+                      <a:r>
+                        <a:rPr lang="en-US" dirty="0"/>
+                        <a:t>Solution architect</a:t>
+                      </a:r>
+                    </a:p>
+                  </a:txBody>
+                  <a:tcPr/>
+                </a:tc>
+                <a:tc>
+                  <a:txBody>
+                    <a:bodyPr/>
+                    <a:lstStyle/>
+                    <a:p>
+                      <a:endParaRPr lang="en-US" dirty="0"/>
+                    </a:p>
+                  </a:txBody>
+                  <a:tcPr/>
+                </a:tc>
+                <a:tc>
+                  <a:txBody>
+                    <a:bodyPr/>
+                    <a:lstStyle/>
+                    <a:p>
+                      <a:endParaRPr lang="en-US" dirty="0"/>
+                    </a:p>
+                  </a:txBody>
+                  <a:tcPr/>
+                </a:tc>
+                <a:tc>
+                  <a:txBody>
+                    <a:bodyPr/>
+                    <a:lstStyle/>
+                    <a:p>
+                      <a:endParaRPr lang="en-US" dirty="0"/>
+                    </a:p>
+                  </a:txBody>
+                  <a:tcPr/>
+                </a:tc>
+                <a:extLst>
+                  <a:ext uri="{0D108BD9-81ED-4DB2-BD59-A6C34878D82A}">
+                    <a16:rowId xmlns:a16="http://schemas.microsoft.com/office/drawing/2014/main" val="3073578307"/>
+                  </a:ext>
+                </a:extLst>
+              </a:tr>
+              <a:tr h="1155475">
+                <a:tc vMerge="1">
+                  <a:txBody>
+                    <a:bodyPr/>
+                    <a:lstStyle/>
+                    <a:p>
+                      <a:endParaRPr lang="en-US" dirty="0"/>
+                    </a:p>
+                  </a:txBody>
+                  <a:tcPr/>
+                </a:tc>
+                <a:tc>
+                  <a:txBody>
+                    <a:bodyPr/>
+                    <a:lstStyle/>
+                    <a:p>
+                      <a:r>
+                        <a:rPr lang="en-US" dirty="0"/>
+                        <a:t>developer</a:t>
+                      </a:r>
+                    </a:p>
+                  </a:txBody>
+                  <a:tcPr/>
+                </a:tc>
+                <a:tc>
+                  <a:txBody>
+                    <a:bodyPr/>
+                    <a:lstStyle/>
+                    <a:p>
+                      <a:r>
+                        <a:rPr lang="en-US" dirty="0"/>
+                        <a:t>PR kicks off test build with old configuration </a:t>
+                      </a:r>
+                    </a:p>
+                  </a:txBody>
+                  <a:tcPr/>
+                </a:tc>
+                <a:tc>
+                  <a:txBody>
+                    <a:bodyPr/>
+                    <a:lstStyle/>
+                    <a:p>
+                      <a:r>
+                        <a:rPr lang="en-US" dirty="0"/>
+                        <a:t>PR kicks off test build with old configuration</a:t>
+                      </a:r>
+                    </a:p>
+                  </a:txBody>
+                  <a:tcPr/>
+                </a:tc>
+                <a:tc>
+                  <a:txBody>
+                    <a:bodyPr/>
+                    <a:lstStyle/>
+                    <a:p>
+                      <a:r>
+                        <a:rPr lang="en-US" dirty="0"/>
+                        <a:t>PR kicks off test build with old configuration (assuming adequate bookkeeping)</a:t>
+                      </a:r>
+                    </a:p>
+                  </a:txBody>
+                  <a:tcPr/>
+                </a:tc>
+                <a:extLst>
+                  <a:ext uri="{0D108BD9-81ED-4DB2-BD59-A6C34878D82A}">
+                    <a16:rowId xmlns:a16="http://schemas.microsoft.com/office/drawing/2014/main" val="1385928647"/>
+                  </a:ext>
+                </a:extLst>
+              </a:tr>
+              <a:tr h="1155475">
+                <a:tc vMerge="1">
+                  <a:txBody>
+                    <a:bodyPr/>
+                    <a:lstStyle/>
+                    <a:p>
+                      <a:pPr marL="0" marR="0" lvl="0" indent="0" algn="l" defTabSz="914400" rtl="0" eaLnBrk="1" fontAlgn="auto" latinLnBrk="0" hangingPunct="1">
+                        <a:lnSpc>
+                          <a:spcPct val="100000"/>
+                        </a:lnSpc>
+                        <a:spcBef>
+                          <a:spcPts val="0"/>
+                        </a:spcBef>
+                        <a:spcAft>
+                          <a:spcPts val="0"/>
+                        </a:spcAft>
+                        <a:buClrTx/>
+                        <a:buSzTx/>
+                        <a:buFontTx/>
+                        <a:buNone/>
+                        <a:tabLst/>
+                        <a:defRPr/>
+                      </a:pPr>
+                      <a:endParaRPr lang="en-US" dirty="0"/>
+                    </a:p>
+                  </a:txBody>
+                  <a:tcPr/>
+                </a:tc>
+                <a:tc>
+                  <a:txBody>
+                    <a:bodyPr/>
+                    <a:lstStyle/>
+                    <a:p>
+                      <a:pPr marL="0" marR="0" lvl="0" indent="0" algn="l" defTabSz="914400" rtl="0" eaLnBrk="1" fontAlgn="auto" latinLnBrk="0" hangingPunct="1">
+                        <a:lnSpc>
+                          <a:spcPct val="100000"/>
+                        </a:lnSpc>
+                        <a:spcBef>
+                          <a:spcPts val="0"/>
+                        </a:spcBef>
+                        <a:spcAft>
+                          <a:spcPts val="0"/>
+                        </a:spcAft>
+                        <a:buClrTx/>
+                        <a:buSzTx/>
+                        <a:buFontTx/>
+                        <a:buNone/>
+                        <a:tabLst/>
+                        <a:defRPr/>
+                      </a:pPr>
+                      <a:r>
+                        <a:rPr lang="en-US" dirty="0"/>
+                        <a:t>Fix broken apps</a:t>
+                      </a:r>
+                    </a:p>
+                  </a:txBody>
+                  <a:tcPr/>
+                </a:tc>
+                <a:tc>
+                  <a:txBody>
+                    <a:bodyPr/>
+                    <a:lstStyle/>
+                    <a:p>
+                      <a:pPr marL="0" marR="0" lvl="0" indent="0" algn="l" defTabSz="914400" rtl="0" eaLnBrk="1" fontAlgn="auto" latinLnBrk="0" hangingPunct="1">
+                        <a:lnSpc>
+                          <a:spcPct val="100000"/>
+                        </a:lnSpc>
+                        <a:spcBef>
+                          <a:spcPts val="0"/>
+                        </a:spcBef>
+                        <a:spcAft>
+                          <a:spcPts val="0"/>
+                        </a:spcAft>
+                        <a:buClrTx/>
+                        <a:buSzTx/>
+                        <a:buFontTx/>
+                        <a:buNone/>
+                        <a:tabLst/>
+                        <a:defRPr/>
+                      </a:pPr>
+                      <a:r>
+                        <a:rPr lang="en-US" dirty="0"/>
+                        <a:t>N/A</a:t>
+                      </a:r>
+                    </a:p>
+                  </a:txBody>
+                  <a:tcPr/>
+                </a:tc>
+                <a:tc>
+                  <a:txBody>
+                    <a:bodyPr/>
+                    <a:lstStyle/>
+                    <a:p>
+                      <a:r>
+                        <a:rPr lang="en-US" dirty="0"/>
+                        <a:t>N/A</a:t>
+                      </a:r>
+                    </a:p>
+                  </a:txBody>
+                  <a:tcPr/>
+                </a:tc>
+                <a:tc>
+                  <a:txBody>
+                    <a:bodyPr/>
+                    <a:lstStyle/>
+                    <a:p>
+                      <a:pPr marL="0" marR="0" lvl="0" indent="0" algn="l" defTabSz="914400" rtl="0" eaLnBrk="1" fontAlgn="auto" latinLnBrk="0" hangingPunct="1">
+                        <a:lnSpc>
+                          <a:spcPct val="100000"/>
+                        </a:lnSpc>
+                        <a:spcBef>
+                          <a:spcPts val="0"/>
+                        </a:spcBef>
+                        <a:spcAft>
+                          <a:spcPts val="0"/>
+                        </a:spcAft>
+                        <a:buClrTx/>
+                        <a:buSzTx/>
+                        <a:buFontTx/>
+                        <a:buNone/>
+                        <a:tabLst/>
+                        <a:defRPr/>
+                      </a:pPr>
+                      <a:r>
+                        <a:rPr lang="en-US" dirty="0"/>
+                        <a:t>N/A</a:t>
+                      </a:r>
+                    </a:p>
+                  </a:txBody>
+                  <a:tcPr/>
+                </a:tc>
+                <a:extLst>
+                  <a:ext uri="{0D108BD9-81ED-4DB2-BD59-A6C34878D82A}">
+                    <a16:rowId xmlns:a16="http://schemas.microsoft.com/office/drawing/2014/main" val="1358054480"/>
+                  </a:ext>
+                </a:extLst>
+              </a:tr>
+            </a:tbl>
+          </a:graphicData>
+        </a:graphic>
+      </p:graphicFrame>
+    </p:spTree>
+    <p:extLst>
+      <p:ext uri="{BB962C8B-B14F-4D97-AF65-F5344CB8AC3E}">
+        <p14:creationId xmlns:p14="http://schemas.microsoft.com/office/powerpoint/2010/main" val="2877079325"/>
+      </p:ext>
+    </p:extLst>
+  </p:cSld>
+  <p:clrMapOvr>
+    <a:masterClrMapping/>
+  </p:clrMapOvr>
+</p:sld>
+</file>
+
+<file path=ppt/slides/slide18.xml><?xml version="1.0" encoding="utf-8"?>
+<p:sld xmlns:a="http://schemas.openxmlformats.org/drawingml/2006/main" xmlns:r="http://schemas.openxmlformats.org/officeDocument/2006/relationships" xmlns:p="http://schemas.openxmlformats.org/presentationml/2006/main">
+  <p:cSld>
+    <p:spTree>
+      <p:nvGrpSpPr>
+        <p:cNvPr id="1" name=""/>
+        <p:cNvGrpSpPr/>
+        <p:nvPr/>
+      </p:nvGrpSpPr>
+      <p:grpSpPr>
+        <a:xfrm>
+          <a:off x="0" y="0"/>
+          <a:ext cx="0" cy="0"/>
+          <a:chOff x="0" y="0"/>
+          <a:chExt cx="0" cy="0"/>
+        </a:xfrm>
+      </p:grpSpPr>
+      <p:graphicFrame>
+        <p:nvGraphicFramePr>
+          <p:cNvPr id="3" name="Table 2">
+            <a:extLst>
+              <a:ext uri="{FF2B5EF4-FFF2-40B4-BE49-F238E27FC236}">
+                <a16:creationId xmlns:a16="http://schemas.microsoft.com/office/drawing/2014/main" id="{61B62A03-445A-4D16-B96E-7C1297B08036}"/>
+              </a:ext>
+            </a:extLst>
+          </p:cNvPr>
+          <p:cNvGraphicFramePr>
+            <a:graphicFrameLocks noGrp="1"/>
+          </p:cNvGraphicFramePr>
+          <p:nvPr>
+            <p:extLst>
+              <p:ext uri="{D42A27DB-BD31-4B8C-83A1-F6EECF244321}">
+                <p14:modId xmlns:p14="http://schemas.microsoft.com/office/powerpoint/2010/main" val="3420576555"/>
+              </p:ext>
+            </p:extLst>
+          </p:nvPr>
+        </p:nvGraphicFramePr>
+        <p:xfrm>
+          <a:off x="245097" y="141400"/>
+          <a:ext cx="11557264" cy="3972151"/>
+        </p:xfrm>
+        <a:graphic>
+          <a:graphicData uri="http://schemas.openxmlformats.org/drawingml/2006/table">
+            <a:tbl>
+              <a:tblPr firstRow="1" bandRow="1">
+                <a:tableStyleId>{5C22544A-7EE6-4342-B048-85BDC9FD1C3A}</a:tableStyleId>
+              </a:tblPr>
+              <a:tblGrid>
+                <a:gridCol w="2889316">
+                  <a:extLst>
+                    <a:ext uri="{9D8B030D-6E8A-4147-A177-3AD203B41FA5}">
+                      <a16:colId xmlns:a16="http://schemas.microsoft.com/office/drawing/2014/main" val="2896559418"/>
+                    </a:ext>
+                  </a:extLst>
+                </a:gridCol>
+                <a:gridCol w="2889316">
+                  <a:extLst>
+                    <a:ext uri="{9D8B030D-6E8A-4147-A177-3AD203B41FA5}">
+                      <a16:colId xmlns:a16="http://schemas.microsoft.com/office/drawing/2014/main" val="3545111093"/>
+                    </a:ext>
+                  </a:extLst>
+                </a:gridCol>
+                <a:gridCol w="2889316">
+                  <a:extLst>
+                    <a:ext uri="{9D8B030D-6E8A-4147-A177-3AD203B41FA5}">
+                      <a16:colId xmlns:a16="http://schemas.microsoft.com/office/drawing/2014/main" val="4175863799"/>
+                    </a:ext>
+                  </a:extLst>
+                </a:gridCol>
+                <a:gridCol w="2889316">
+                  <a:extLst>
+                    <a:ext uri="{9D8B030D-6E8A-4147-A177-3AD203B41FA5}">
+                      <a16:colId xmlns:a16="http://schemas.microsoft.com/office/drawing/2014/main" val="1187092812"/>
+                    </a:ext>
+                  </a:extLst>
+                </a:gridCol>
+              </a:tblGrid>
+              <a:tr h="739129">
                 <a:tc>
                   <a:txBody>
                     <a:bodyPr/>
@@ -14533,26 +15875,13 @@
                   </a:txBody>
                   <a:tcPr/>
                 </a:tc>
-                <a:tc>
-                  <a:txBody>
-                    <a:bodyPr/>
-                    <a:lstStyle/>
-                    <a:p>
-                      <a:r>
-                        <a:rPr lang="en-US" dirty="0"/>
-                        <a:t>Comments</a:t>
-                      </a:r>
-                    </a:p>
-                  </a:txBody>
-                  <a:tcPr/>
-                </a:tc>
                 <a:extLst>
                   <a:ext uri="{0D108BD9-81ED-4DB2-BD59-A6C34878D82A}">
                     <a16:rowId xmlns:a16="http://schemas.microsoft.com/office/drawing/2014/main" val="1560342662"/>
                   </a:ext>
                 </a:extLst>
               </a:tr>
-              <a:tr h="751480">
+              <a:tr h="888827">
                 <a:tc>
                   <a:txBody>
                     <a:bodyPr/>
@@ -14586,7 +15915,7 @@
                     <a:p>
                       <a:r>
                         <a:rPr lang="en-US" dirty="0"/>
-                        <a:t>Moderate</a:t>
+                        <a:t>Moderate, look in 2 places</a:t>
                       </a:r>
                     </a:p>
                   </a:txBody>
@@ -14605,23 +15934,13 @@
                   </a:txBody>
                   <a:tcPr/>
                 </a:tc>
-                <a:tc>
-                  <a:txBody>
-                    <a:bodyPr/>
-                    <a:lstStyle/>
-                    <a:p>
-                      <a:endParaRPr lang="en-US" dirty="0"/>
-                    </a:p>
-                  </a:txBody>
-                  <a:tcPr/>
-                </a:tc>
                 <a:extLst>
                   <a:ext uri="{0D108BD9-81ED-4DB2-BD59-A6C34878D82A}">
-                    <a16:rowId xmlns:a16="http://schemas.microsoft.com/office/drawing/2014/main" val="2911791010"/>
+                    <a16:rowId xmlns:a16="http://schemas.microsoft.com/office/drawing/2014/main" val="3073578307"/>
                   </a:ext>
                 </a:extLst>
               </a:tr>
-              <a:tr h="883941">
+              <a:tr h="1155475">
                 <a:tc>
                   <a:txBody>
                     <a:bodyPr/>
@@ -14629,7 +15948,7 @@
                     <a:p>
                       <a:r>
                         <a:rPr lang="en-US" dirty="0"/>
-                        <a:t>Ease of repeating a build</a:t>
+                        <a:t>Ease of repeating a build, revert source repo</a:t>
                       </a:r>
                     </a:p>
                   </a:txBody>
@@ -14640,10 +15959,30 @@
                     <a:bodyPr/>
                     <a:lstStyle/>
                     <a:p>
+                      <a:pPr marL="0" marR="0" lvl="0" indent="0" algn="l" defTabSz="914400" rtl="0" eaLnBrk="1" fontAlgn="auto" latinLnBrk="0" hangingPunct="1">
+                        <a:lnSpc>
+                          <a:spcPct val="100000"/>
+                        </a:lnSpc>
+                        <a:spcBef>
+                          <a:spcPts val="0"/>
+                        </a:spcBef>
+                        <a:spcAft>
+                          <a:spcPts val="0"/>
+                        </a:spcAft>
+                        <a:buClrTx/>
+                        <a:buSzTx/>
+                        <a:buFontTx/>
+                        <a:buNone/>
+                        <a:tabLst/>
+                        <a:defRPr/>
+                      </a:pPr>
                       <a:r>
                         <a:rPr lang="en-US" dirty="0"/>
                         <a:t>Easy, rerun build for a commit</a:t>
                       </a:r>
+                    </a:p>
+                    <a:p>
+                      <a:endParaRPr lang="en-US" dirty="0"/>
                     </a:p>
                   </a:txBody>
                   <a:tcPr/>
@@ -14653,10 +15992,30 @@
                     <a:bodyPr/>
                     <a:lstStyle/>
                     <a:p>
+                      <a:pPr marL="0" marR="0" lvl="0" indent="0" algn="l" defTabSz="914400" rtl="0" eaLnBrk="1" fontAlgn="auto" latinLnBrk="0" hangingPunct="1">
+                        <a:lnSpc>
+                          <a:spcPct val="100000"/>
+                        </a:lnSpc>
+                        <a:spcBef>
+                          <a:spcPts val="0"/>
+                        </a:spcBef>
+                        <a:spcAft>
+                          <a:spcPts val="0"/>
+                        </a:spcAft>
+                        <a:buClrTx/>
+                        <a:buSzTx/>
+                        <a:buFontTx/>
+                        <a:buNone/>
+                        <a:tabLst/>
+                        <a:defRPr/>
+                      </a:pPr>
                       <a:r>
                         <a:rPr lang="en-US" dirty="0"/>
                         <a:t>Easy, rerun build for a commit</a:t>
                       </a:r>
+                    </a:p>
+                    <a:p>
+                      <a:endParaRPr lang="en-US" dirty="0"/>
                     </a:p>
                   </a:txBody>
                   <a:tcPr/>
@@ -14666,18 +16025,28 @@
                     <a:bodyPr/>
                     <a:lstStyle/>
                     <a:p>
+                      <a:pPr marL="0" marR="0" lvl="0" indent="0" algn="l" defTabSz="914400" rtl="0" eaLnBrk="1" fontAlgn="auto" latinLnBrk="0" hangingPunct="1">
+                        <a:lnSpc>
+                          <a:spcPct val="100000"/>
+                        </a:lnSpc>
+                        <a:spcBef>
+                          <a:spcPts val="0"/>
+                        </a:spcBef>
+                        <a:spcAft>
+                          <a:spcPts val="0"/>
+                        </a:spcAft>
+                        <a:buClrTx/>
+                        <a:buSzTx/>
+                        <a:buFontTx/>
+                        <a:buNone/>
+                        <a:tabLst/>
+                        <a:defRPr/>
+                      </a:pPr>
                       <a:r>
                         <a:rPr lang="en-US" dirty="0"/>
-                        <a:t>Hard, may need to recreate original env from checkpoint.</a:t>
+                        <a:t>Hard, bookkeeping to relate commits to build configuration.</a:t>
                       </a:r>
                     </a:p>
-                  </a:txBody>
-                  <a:tcPr/>
-                </a:tc>
-                <a:tc>
-                  <a:txBody>
-                    <a:bodyPr/>
-                    <a:lstStyle/>
                     <a:p>
                       <a:endParaRPr lang="en-US" dirty="0"/>
                     </a:p>
@@ -14686,292 +16055,33 @@
                 </a:tc>
                 <a:extLst>
                   <a:ext uri="{0D108BD9-81ED-4DB2-BD59-A6C34878D82A}">
-                    <a16:rowId xmlns:a16="http://schemas.microsoft.com/office/drawing/2014/main" val="25888052"/>
+                    <a16:rowId xmlns:a16="http://schemas.microsoft.com/office/drawing/2014/main" val="1385928647"/>
                   </a:ext>
                 </a:extLst>
               </a:tr>
-              <a:tr h="887382">
+              <a:tr h="1155475">
                 <a:tc>
                   <a:txBody>
                     <a:bodyPr/>
                     <a:lstStyle/>
                     <a:p>
-                      <a:r>
-                        <a:rPr lang="en-US" dirty="0"/>
-                        <a:t>Updating stack: solution architect</a:t>
-                      </a:r>
-                    </a:p>
-                  </a:txBody>
-                  <a:tcPr/>
-                </a:tc>
-                <a:tc>
-                  <a:txBody>
-                    <a:bodyPr/>
-                    <a:lstStyle/>
-                    <a:p>
-                      <a:r>
-                        <a:rPr lang="en-US" dirty="0"/>
-                        <a:t>Moderate, test stack, create PR for each app</a:t>
-                      </a:r>
-                    </a:p>
-                  </a:txBody>
-                  <a:tcPr/>
-                </a:tc>
-                <a:tc>
-                  <a:txBody>
-                    <a:bodyPr/>
-                    <a:lstStyle/>
-                    <a:p>
-                      <a:r>
-                        <a:rPr lang="en-US" dirty="0"/>
-                        <a:t>Moderate: test stack,  create PR for each app</a:t>
-                      </a:r>
-                    </a:p>
-                  </a:txBody>
-                  <a:tcPr/>
-                </a:tc>
-                <a:tc>
-                  <a:txBody>
-                    <a:bodyPr/>
-                    <a:lstStyle/>
-                    <a:p>
-                      <a:r>
-                        <a:rPr lang="en-US" dirty="0"/>
-                        <a:t>Hard: test stack, pre-test all apps</a:t>
-                      </a:r>
-                    </a:p>
-                  </a:txBody>
-                  <a:tcPr/>
-                </a:tc>
-                <a:tc>
-                  <a:txBody>
-                    <a:bodyPr/>
-                    <a:lstStyle/>
-                    <a:p>
-                      <a:endParaRPr lang="en-US" dirty="0"/>
-                    </a:p>
-                  </a:txBody>
-                  <a:tcPr/>
-                </a:tc>
-                <a:extLst>
-                  <a:ext uri="{0D108BD9-81ED-4DB2-BD59-A6C34878D82A}">
-                    <a16:rowId xmlns:a16="http://schemas.microsoft.com/office/drawing/2014/main" val="316142728"/>
-                  </a:ext>
-                </a:extLst>
-              </a:tr>
-              <a:tr h="883941">
-                <a:tc>
-                  <a:txBody>
-                    <a:bodyPr/>
-                    <a:lstStyle/>
-                    <a:p>
-                      <a:r>
-                        <a:rPr lang="en-US" dirty="0"/>
-                        <a:t>Update stack: developer</a:t>
-                      </a:r>
-                    </a:p>
-                  </a:txBody>
-                  <a:tcPr/>
-                </a:tc>
-                <a:tc>
-                  <a:txBody>
-                    <a:bodyPr/>
-                    <a:lstStyle/>
-                    <a:p>
-                      <a:r>
-                        <a:rPr lang="en-US" dirty="0"/>
-                        <a:t>Easy, not affected until image updated</a:t>
-                      </a:r>
-                    </a:p>
-                  </a:txBody>
-                  <a:tcPr/>
-                </a:tc>
-                <a:tc>
-                  <a:txBody>
-                    <a:bodyPr/>
-                    <a:lstStyle/>
-                    <a:p>
-                      <a:r>
-                        <a:rPr lang="en-US" dirty="0"/>
-                        <a:t>Easy, not affected until image updated</a:t>
-                      </a:r>
-                    </a:p>
-                  </a:txBody>
-                  <a:tcPr/>
-                </a:tc>
-                <a:tc>
-                  <a:txBody>
-                    <a:bodyPr/>
-                    <a:lstStyle/>
-                    <a:p>
-                      <a:r>
-                        <a:rPr lang="en-US" dirty="0"/>
-                        <a:t>Easy, not affected until image updated.</a:t>
-                      </a:r>
-                    </a:p>
-                  </a:txBody>
-                  <a:tcPr/>
-                </a:tc>
-                <a:tc>
-                  <a:txBody>
-                    <a:bodyPr/>
-                    <a:lstStyle/>
-                    <a:p>
-                      <a:endParaRPr lang="en-US" dirty="0"/>
-                    </a:p>
-                  </a:txBody>
-                  <a:tcPr/>
-                </a:tc>
-                <a:extLst>
-                  <a:ext uri="{0D108BD9-81ED-4DB2-BD59-A6C34878D82A}">
-                    <a16:rowId xmlns:a16="http://schemas.microsoft.com/office/drawing/2014/main" val="2708162091"/>
-                  </a:ext>
-                </a:extLst>
-              </a:tr>
-              <a:tr h="751480">
-                <a:tc>
-                  <a:txBody>
-                    <a:bodyPr/>
-                    <a:lstStyle/>
-                    <a:p>
-                      <a:r>
-                        <a:rPr lang="en-US" dirty="0"/>
-                        <a:t>Update stack: fixing broken apps</a:t>
-                      </a:r>
-                    </a:p>
-                  </a:txBody>
-                  <a:tcPr/>
-                </a:tc>
-                <a:tc>
-                  <a:txBody>
-                    <a:bodyPr/>
-                    <a:lstStyle/>
-                    <a:p>
-                      <a:r>
-                        <a:rPr lang="en-US" dirty="0"/>
-                        <a:t>Easy, fix PR</a:t>
-                      </a:r>
-                    </a:p>
-                  </a:txBody>
-                  <a:tcPr/>
-                </a:tc>
-                <a:tc>
-                  <a:txBody>
-                    <a:bodyPr/>
-                    <a:lstStyle/>
-                    <a:p>
-                      <a:r>
-                        <a:rPr lang="en-US" dirty="0"/>
-                        <a:t>Easy, fix PR</a:t>
-                      </a:r>
-                    </a:p>
-                  </a:txBody>
-                  <a:tcPr/>
-                </a:tc>
-                <a:tc>
-                  <a:txBody>
-                    <a:bodyPr/>
-                    <a:lstStyle/>
-                    <a:p>
-                      <a:r>
-                        <a:rPr lang="en-US" dirty="0"/>
-                        <a:t>Hard: different environments to fix</a:t>
-                      </a:r>
-                    </a:p>
-                  </a:txBody>
-                  <a:tcPr/>
-                </a:tc>
-                <a:tc>
-                  <a:txBody>
-                    <a:bodyPr/>
-                    <a:lstStyle/>
-                    <a:p>
-                      <a:endParaRPr lang="en-US" dirty="0"/>
-                    </a:p>
-                  </a:txBody>
-                  <a:tcPr/>
-                </a:tc>
-                <a:extLst>
-                  <a:ext uri="{0D108BD9-81ED-4DB2-BD59-A6C34878D82A}">
-                    <a16:rowId xmlns:a16="http://schemas.microsoft.com/office/drawing/2014/main" val="2788544429"/>
-                  </a:ext>
-                </a:extLst>
-              </a:tr>
-              <a:tr h="887382">
-                <a:tc>
-                  <a:txBody>
-                    <a:bodyPr/>
-                    <a:lstStyle/>
-                    <a:p>
-                      <a:r>
-                        <a:rPr lang="en-US" dirty="0"/>
-                        <a:t>Update stack: Implementation effort</a:t>
-                      </a:r>
-                    </a:p>
-                  </a:txBody>
-                  <a:tcPr/>
-                </a:tc>
-                <a:tc>
-                  <a:txBody>
-                    <a:bodyPr/>
-                    <a:lstStyle/>
-                    <a:p>
-                      <a:r>
-                        <a:rPr lang="en-US" dirty="0"/>
-                        <a:t>create PR</a:t>
-                      </a:r>
-                    </a:p>
-                  </a:txBody>
-                  <a:tcPr/>
-                </a:tc>
-                <a:tc>
-                  <a:txBody>
-                    <a:bodyPr/>
-                    <a:lstStyle/>
-                    <a:p>
-                      <a:r>
-                        <a:rPr lang="en-US" dirty="0"/>
-                        <a:t>create PR</a:t>
-                      </a:r>
-                    </a:p>
-                  </a:txBody>
-                  <a:tcPr/>
-                </a:tc>
-                <a:tc>
-                  <a:txBody>
-                    <a:bodyPr/>
-                    <a:lstStyle/>
-                    <a:p>
-                      <a:r>
-                        <a:rPr lang="en-US" dirty="0"/>
-                        <a:t>checkpoint build environment for every build</a:t>
-                      </a:r>
-                    </a:p>
-                  </a:txBody>
-                  <a:tcPr/>
-                </a:tc>
-                <a:tc>
-                  <a:txBody>
-                    <a:bodyPr/>
-                    <a:lstStyle/>
-                    <a:p>
-                      <a:endParaRPr lang="en-US" dirty="0"/>
-                    </a:p>
-                  </a:txBody>
-                  <a:tcPr/>
-                </a:tc>
-                <a:extLst>
-                  <a:ext uri="{0D108BD9-81ED-4DB2-BD59-A6C34878D82A}">
-                    <a16:rowId xmlns:a16="http://schemas.microsoft.com/office/drawing/2014/main" val="3917791264"/>
-                  </a:ext>
-                </a:extLst>
-              </a:tr>
-              <a:tr h="883941">
-                <a:tc>
-                  <a:txBody>
-                    <a:bodyPr/>
-                    <a:lstStyle/>
-                    <a:p>
+                      <a:pPr marL="0" marR="0" lvl="0" indent="0" algn="l" defTabSz="914400" rtl="0" eaLnBrk="1" fontAlgn="auto" latinLnBrk="0" hangingPunct="1">
+                        <a:lnSpc>
+                          <a:spcPct val="100000"/>
+                        </a:lnSpc>
+                        <a:spcBef>
+                          <a:spcPts val="0"/>
+                        </a:spcBef>
+                        <a:spcAft>
+                          <a:spcPts val="0"/>
+                        </a:spcAft>
+                        <a:buClrTx/>
+                        <a:buSzTx/>
+                        <a:buFontTx/>
+                        <a:buNone/>
+                        <a:tabLst/>
+                        <a:defRPr/>
+                      </a:pPr>
                       <a:r>
                         <a:rPr lang="en-US" dirty="0"/>
                         <a:t>Other considerations</a:t>
@@ -14985,6 +16095,23 @@
                     <a:bodyPr/>
                     <a:lstStyle/>
                     <a:p>
+                      <a:pPr marL="0" marR="0" lvl="0" indent="0" algn="l" defTabSz="914400" rtl="0" eaLnBrk="1" fontAlgn="auto" latinLnBrk="0" hangingPunct="1">
+                        <a:lnSpc>
+                          <a:spcPct val="100000"/>
+                        </a:lnSpc>
+                        <a:spcBef>
+                          <a:spcPts val="0"/>
+                        </a:spcBef>
+                        <a:spcAft>
+                          <a:spcPts val="0"/>
+                        </a:spcAft>
+                        <a:buClrTx/>
+                        <a:buSzTx/>
+                        <a:buFontTx/>
+                        <a:buNone/>
+                        <a:tabLst/>
+                        <a:defRPr/>
+                      </a:pPr>
                       <a:r>
                         <a:rPr lang="en-US" dirty="0" err="1"/>
                         <a:t>status_check</a:t>
@@ -14994,6 +16121,26 @@
                         <a:t> to block changing build config</a:t>
                       </a:r>
                     </a:p>
+                    <a:p>
+                      <a:pPr marL="0" marR="0" lvl="0" indent="0" algn="l" defTabSz="914400" rtl="0" eaLnBrk="1" fontAlgn="auto" latinLnBrk="0" hangingPunct="1">
+                        <a:lnSpc>
+                          <a:spcPct val="100000"/>
+                        </a:lnSpc>
+                        <a:spcBef>
+                          <a:spcPts val="0"/>
+                        </a:spcBef>
+                        <a:spcAft>
+                          <a:spcPts val="0"/>
+                        </a:spcAft>
+                        <a:buClrTx/>
+                        <a:buSzTx/>
+                        <a:buFontTx/>
+                        <a:buNone/>
+                        <a:tabLst/>
+                        <a:defRPr/>
+                      </a:pPr>
+                      <a:endParaRPr lang="en-US" dirty="0"/>
+                    </a:p>
                   </a:txBody>
                   <a:tcPr/>
                 </a:tc>
@@ -15002,6 +16149,23 @@
                     <a:bodyPr/>
                     <a:lstStyle/>
                     <a:p>
+                      <a:pPr marL="0" marR="0" lvl="0" indent="0" algn="l" defTabSz="914400" rtl="0" eaLnBrk="1" fontAlgn="auto" latinLnBrk="0" hangingPunct="1">
+                        <a:lnSpc>
+                          <a:spcPct val="100000"/>
+                        </a:lnSpc>
+                        <a:spcBef>
+                          <a:spcPts val="0"/>
+                        </a:spcBef>
+                        <a:spcAft>
+                          <a:spcPts val="0"/>
+                        </a:spcAft>
+                        <a:buClrTx/>
+                        <a:buSzTx/>
+                        <a:buFontTx/>
+                        <a:buNone/>
+                        <a:tabLst/>
+                        <a:defRPr/>
+                      </a:pPr>
                       <a:r>
                         <a:rPr lang="en-US" dirty="0" err="1"/>
                         <a:t>status_check</a:t>
@@ -15011,13 +16175,6 @@
                         <a:t> to block changing build config</a:t>
                       </a:r>
                     </a:p>
-                  </a:txBody>
-                  <a:tcPr/>
-                </a:tc>
-                <a:tc>
-                  <a:txBody>
-                    <a:bodyPr/>
-                    <a:lstStyle/>
                     <a:p>
                       <a:endParaRPr lang="en-US" dirty="0"/>
                     </a:p>
@@ -15029,17 +16186,31 @@
                     <a:bodyPr/>
                     <a:lstStyle/>
                     <a:p>
-                      <a:r>
-                        <a:rPr lang="en-US" dirty="0"/>
-                        <a:t>Anything else to block?</a:t>
-                      </a:r>
+                      <a:pPr marL="0" marR="0" lvl="0" indent="0" algn="l" defTabSz="914400" rtl="0" eaLnBrk="1" fontAlgn="auto" latinLnBrk="0" hangingPunct="1">
+                        <a:lnSpc>
+                          <a:spcPct val="100000"/>
+                        </a:lnSpc>
+                        <a:spcBef>
+                          <a:spcPts val="0"/>
+                        </a:spcBef>
+                        <a:spcAft>
+                          <a:spcPts val="0"/>
+                        </a:spcAft>
+                        <a:buClrTx/>
+                        <a:buSzTx/>
+                        <a:buFontTx/>
+                        <a:buNone/>
+                        <a:tabLst/>
+                        <a:defRPr/>
+                      </a:pPr>
+                      <a:endParaRPr lang="en-US" dirty="0"/>
                     </a:p>
                   </a:txBody>
                   <a:tcPr/>
                 </a:tc>
                 <a:extLst>
                   <a:ext uri="{0D108BD9-81ED-4DB2-BD59-A6C34878D82A}">
-                    <a16:rowId xmlns:a16="http://schemas.microsoft.com/office/drawing/2014/main" val="2612156251"/>
+                    <a16:rowId xmlns:a16="http://schemas.microsoft.com/office/drawing/2014/main" val="1358054480"/>
                   </a:ext>
                 </a:extLst>
               </a:tr>
@@ -15050,7 +16221,7 @@
     </p:spTree>
     <p:extLst>
       <p:ext uri="{BB962C8B-B14F-4D97-AF65-F5344CB8AC3E}">
-        <p14:creationId xmlns:p14="http://schemas.microsoft.com/office/powerpoint/2010/main" val="1099459218"/>
+        <p14:creationId xmlns:p14="http://schemas.microsoft.com/office/powerpoint/2010/main" val="1131519155"/>
       </p:ext>
     </p:extLst>
   </p:cSld>

--- a/architecture/KabaneroEvent.pptx
+++ b/architecture/KabaneroEvent.pptx
@@ -23,6 +23,7 @@
     <p:sldId id="141169050" r:id="rId17"/>
     <p:sldId id="141169052" r:id="rId18"/>
     <p:sldId id="141169053" r:id="rId19"/>
+    <p:sldId id="141169054" r:id="rId20"/>
   </p:sldIdLst>
   <p:sldSz cx="12192000" cy="6858000"/>
   <p:notesSz cx="6858000" cy="9144000"/>
@@ -276,7 +277,7 @@
           <a:p>
             <a:fld id="{13593C2D-3CA5-4D4F-90AB-38346B6393DE}" type="datetimeFigureOut">
               <a:rPr lang="en-US" smtClean="0"/>
-              <a:t>9/16/2019</a:t>
+              <a:t>9/17/2019</a:t>
             </a:fld>
             <a:endParaRPr lang="en-US"/>
           </a:p>
@@ -474,7 +475,7 @@
           <a:p>
             <a:fld id="{13593C2D-3CA5-4D4F-90AB-38346B6393DE}" type="datetimeFigureOut">
               <a:rPr lang="en-US" smtClean="0"/>
-              <a:t>9/16/2019</a:t>
+              <a:t>9/17/2019</a:t>
             </a:fld>
             <a:endParaRPr lang="en-US"/>
           </a:p>
@@ -682,7 +683,7 @@
           <a:p>
             <a:fld id="{13593C2D-3CA5-4D4F-90AB-38346B6393DE}" type="datetimeFigureOut">
               <a:rPr lang="en-US" smtClean="0"/>
-              <a:t>9/16/2019</a:t>
+              <a:t>9/17/2019</a:t>
             </a:fld>
             <a:endParaRPr lang="en-US"/>
           </a:p>
@@ -880,7 +881,7 @@
           <a:p>
             <a:fld id="{13593C2D-3CA5-4D4F-90AB-38346B6393DE}" type="datetimeFigureOut">
               <a:rPr lang="en-US" smtClean="0"/>
-              <a:t>9/16/2019</a:t>
+              <a:t>9/17/2019</a:t>
             </a:fld>
             <a:endParaRPr lang="en-US"/>
           </a:p>
@@ -1155,7 +1156,7 @@
           <a:p>
             <a:fld id="{13593C2D-3CA5-4D4F-90AB-38346B6393DE}" type="datetimeFigureOut">
               <a:rPr lang="en-US" smtClean="0"/>
-              <a:t>9/16/2019</a:t>
+              <a:t>9/17/2019</a:t>
             </a:fld>
             <a:endParaRPr lang="en-US"/>
           </a:p>
@@ -1420,7 +1421,7 @@
           <a:p>
             <a:fld id="{13593C2D-3CA5-4D4F-90AB-38346B6393DE}" type="datetimeFigureOut">
               <a:rPr lang="en-US" smtClean="0"/>
-              <a:t>9/16/2019</a:t>
+              <a:t>9/17/2019</a:t>
             </a:fld>
             <a:endParaRPr lang="en-US"/>
           </a:p>
@@ -1832,7 +1833,7 @@
           <a:p>
             <a:fld id="{13593C2D-3CA5-4D4F-90AB-38346B6393DE}" type="datetimeFigureOut">
               <a:rPr lang="en-US" smtClean="0"/>
-              <a:t>9/16/2019</a:t>
+              <a:t>9/17/2019</a:t>
             </a:fld>
             <a:endParaRPr lang="en-US"/>
           </a:p>
@@ -1973,7 +1974,7 @@
           <a:p>
             <a:fld id="{13593C2D-3CA5-4D4F-90AB-38346B6393DE}" type="datetimeFigureOut">
               <a:rPr lang="en-US" smtClean="0"/>
-              <a:t>9/16/2019</a:t>
+              <a:t>9/17/2019</a:t>
             </a:fld>
             <a:endParaRPr lang="en-US"/>
           </a:p>
@@ -2086,7 +2087,7 @@
           <a:p>
             <a:fld id="{13593C2D-3CA5-4D4F-90AB-38346B6393DE}" type="datetimeFigureOut">
               <a:rPr lang="en-US" smtClean="0"/>
-              <a:t>9/16/2019</a:t>
+              <a:t>9/17/2019</a:t>
             </a:fld>
             <a:endParaRPr lang="en-US"/>
           </a:p>
@@ -2397,7 +2398,7 @@
           <a:p>
             <a:fld id="{13593C2D-3CA5-4D4F-90AB-38346B6393DE}" type="datetimeFigureOut">
               <a:rPr lang="en-US" smtClean="0"/>
-              <a:t>9/16/2019</a:t>
+              <a:t>9/17/2019</a:t>
             </a:fld>
             <a:endParaRPr lang="en-US"/>
           </a:p>
@@ -2685,7 +2686,7 @@
           <a:p>
             <a:fld id="{13593C2D-3CA5-4D4F-90AB-38346B6393DE}" type="datetimeFigureOut">
               <a:rPr lang="en-US" smtClean="0"/>
-              <a:t>9/16/2019</a:t>
+              <a:t>9/17/2019</a:t>
             </a:fld>
             <a:endParaRPr lang="en-US"/>
           </a:p>
@@ -2926,7 +2927,7 @@
           <a:p>
             <a:fld id="{13593C2D-3CA5-4D4F-90AB-38346B6393DE}" type="datetimeFigureOut">
               <a:rPr lang="en-US" smtClean="0"/>
-              <a:t>9/16/2019</a:t>
+              <a:t>9/17/2019</a:t>
             </a:fld>
             <a:endParaRPr lang="en-US"/>
           </a:p>
@@ -14273,14 +14274,14 @@
           <p:cNvCxnSpPr>
             <a:cxnSpLocks/>
             <a:stCxn id="31" idx="2"/>
-            <a:endCxn id="33" idx="3"/>
+            <a:endCxn id="33" idx="0"/>
           </p:cNvCxnSpPr>
           <p:nvPr/>
         </p:nvCxnSpPr>
         <p:spPr>
           <a:xfrm>
             <a:off x="7491501" y="2900337"/>
-            <a:ext cx="1111329" cy="703452"/>
+            <a:ext cx="276272" cy="340520"/>
           </a:xfrm>
           <a:prstGeom prst="straightConnector1">
             <a:avLst/>
@@ -16231,6 +16232,1373 @@
 </p:sld>
 </file>
 
+<file path=ppt/slides/slide19.xml><?xml version="1.0" encoding="utf-8"?>
+<p:sld xmlns:a="http://schemas.openxmlformats.org/drawingml/2006/main" xmlns:r="http://schemas.openxmlformats.org/officeDocument/2006/relationships" xmlns:p="http://schemas.openxmlformats.org/presentationml/2006/main">
+  <p:cSld>
+    <p:spTree>
+      <p:nvGrpSpPr>
+        <p:cNvPr id="1" name=""/>
+        <p:cNvGrpSpPr/>
+        <p:nvPr/>
+      </p:nvGrpSpPr>
+      <p:grpSpPr>
+        <a:xfrm>
+          <a:off x="0" y="0"/>
+          <a:ext cx="0" cy="0"/>
+          <a:chOff x="0" y="0"/>
+          <a:chExt cx="0" cy="0"/>
+        </a:xfrm>
+      </p:grpSpPr>
+      <p:sp>
+        <p:nvSpPr>
+          <p:cNvPr id="3" name="Rectangle: Rounded Corners 2">
+            <a:extLst>
+              <a:ext uri="{FF2B5EF4-FFF2-40B4-BE49-F238E27FC236}">
+                <a16:creationId xmlns:a16="http://schemas.microsoft.com/office/drawing/2014/main" id="{C0D5A236-A065-4709-893C-F90C190C5A91}"/>
+              </a:ext>
+            </a:extLst>
+          </p:cNvPr>
+          <p:cNvSpPr/>
+          <p:nvPr/>
+        </p:nvSpPr>
+        <p:spPr>
+          <a:xfrm>
+            <a:off x="7019043" y="381010"/>
+            <a:ext cx="2413262" cy="725863"/>
+          </a:xfrm>
+          <a:prstGeom prst="roundRect">
+            <a:avLst/>
+          </a:prstGeom>
+          <a:noFill/>
+        </p:spPr>
+        <p:style>
+          <a:lnRef idx="2">
+            <a:schemeClr val="accent1">
+              <a:shade val="50000"/>
+            </a:schemeClr>
+          </a:lnRef>
+          <a:fillRef idx="1">
+            <a:schemeClr val="accent1"/>
+          </a:fillRef>
+          <a:effectRef idx="0">
+            <a:schemeClr val="accent1"/>
+          </a:effectRef>
+          <a:fontRef idx="minor">
+            <a:schemeClr val="lt1"/>
+          </a:fontRef>
+        </p:style>
+        <p:txBody>
+          <a:bodyPr rtlCol="0" anchor="ctr"/>
+          <a:lstStyle/>
+          <a:p>
+            <a:pPr algn="ctr"/>
+            <a:r>
+              <a:rPr lang="en-US" dirty="0">
+                <a:solidFill>
+                  <a:schemeClr val="tx1"/>
+                </a:solidFill>
+              </a:rPr>
+              <a:t>Build (</a:t>
+            </a:r>
+            <a:r>
+              <a:rPr lang="en-US" dirty="0" err="1">
+                <a:solidFill>
+                  <a:schemeClr val="tx1"/>
+                </a:solidFill>
+              </a:rPr>
+              <a:t>Tekton</a:t>
+            </a:r>
+            <a:r>
+              <a:rPr lang="en-US" dirty="0">
+                <a:solidFill>
+                  <a:schemeClr val="tx1"/>
+                </a:solidFill>
+              </a:rPr>
+              <a:t>)</a:t>
+            </a:r>
+          </a:p>
+        </p:txBody>
+      </p:sp>
+      <p:sp>
+        <p:nvSpPr>
+          <p:cNvPr id="35" name="Wave 34">
+            <a:extLst>
+              <a:ext uri="{FF2B5EF4-FFF2-40B4-BE49-F238E27FC236}">
+                <a16:creationId xmlns:a16="http://schemas.microsoft.com/office/drawing/2014/main" id="{B05BD276-8C8E-4488-AF8C-D004CC7D7F40}"/>
+              </a:ext>
+            </a:extLst>
+          </p:cNvPr>
+          <p:cNvSpPr/>
+          <p:nvPr/>
+        </p:nvSpPr>
+        <p:spPr>
+          <a:xfrm>
+            <a:off x="3372833" y="481767"/>
+            <a:ext cx="1670115" cy="568752"/>
+          </a:xfrm>
+          <a:prstGeom prst="wave">
+            <a:avLst>
+              <a:gd name="adj1" fmla="val 12500"/>
+              <a:gd name="adj2" fmla="val 0"/>
+            </a:avLst>
+          </a:prstGeom>
+          <a:noFill/>
+        </p:spPr>
+        <p:style>
+          <a:lnRef idx="2">
+            <a:schemeClr val="accent1">
+              <a:shade val="50000"/>
+            </a:schemeClr>
+          </a:lnRef>
+          <a:fillRef idx="1">
+            <a:schemeClr val="accent1"/>
+          </a:fillRef>
+          <a:effectRef idx="0">
+            <a:schemeClr val="accent1"/>
+          </a:effectRef>
+          <a:fontRef idx="minor">
+            <a:schemeClr val="lt1"/>
+          </a:fontRef>
+        </p:style>
+        <p:txBody>
+          <a:bodyPr rtlCol="0" anchor="ctr"/>
+          <a:lstStyle/>
+          <a:p>
+            <a:pPr algn="ctr"/>
+            <a:r>
+              <a:rPr lang="en-US" dirty="0" err="1">
+                <a:solidFill>
+                  <a:schemeClr val="tx1"/>
+                </a:solidFill>
+              </a:rPr>
+              <a:t>Start_build</a:t>
+            </a:r>
+            <a:endParaRPr lang="en-US" dirty="0"/>
+          </a:p>
+        </p:txBody>
+      </p:sp>
+      <p:sp>
+        <p:nvSpPr>
+          <p:cNvPr id="36" name="Rectangle: Rounded Corners 35">
+            <a:extLst>
+              <a:ext uri="{FF2B5EF4-FFF2-40B4-BE49-F238E27FC236}">
+                <a16:creationId xmlns:a16="http://schemas.microsoft.com/office/drawing/2014/main" id="{3CB1F720-D3C0-4185-ACA9-3494B1EE7627}"/>
+              </a:ext>
+            </a:extLst>
+          </p:cNvPr>
+          <p:cNvSpPr/>
+          <p:nvPr/>
+        </p:nvSpPr>
+        <p:spPr>
+          <a:xfrm>
+            <a:off x="1809948" y="403212"/>
+            <a:ext cx="1548415" cy="725863"/>
+          </a:xfrm>
+          <a:prstGeom prst="roundRect">
+            <a:avLst/>
+          </a:prstGeom>
+          <a:noFill/>
+        </p:spPr>
+        <p:style>
+          <a:lnRef idx="2">
+            <a:schemeClr val="accent1">
+              <a:shade val="50000"/>
+            </a:schemeClr>
+          </a:lnRef>
+          <a:fillRef idx="1">
+            <a:schemeClr val="accent1"/>
+          </a:fillRef>
+          <a:effectRef idx="0">
+            <a:schemeClr val="accent1"/>
+          </a:effectRef>
+          <a:fontRef idx="minor">
+            <a:schemeClr val="lt1"/>
+          </a:fontRef>
+        </p:style>
+        <p:txBody>
+          <a:bodyPr rtlCol="0" anchor="ctr"/>
+          <a:lstStyle/>
+          <a:p>
+            <a:pPr algn="ctr"/>
+            <a:r>
+              <a:rPr lang="en-US" dirty="0" err="1">
+                <a:solidFill>
+                  <a:schemeClr val="tx1"/>
+                </a:solidFill>
+              </a:rPr>
+              <a:t>Event_Trigger</a:t>
+            </a:r>
+            <a:endParaRPr lang="en-US" dirty="0">
+              <a:solidFill>
+                <a:schemeClr val="tx1"/>
+              </a:solidFill>
+            </a:endParaRPr>
+          </a:p>
+        </p:txBody>
+      </p:sp>
+      <p:cxnSp>
+        <p:nvCxnSpPr>
+          <p:cNvPr id="38" name="Straight Arrow Connector 37">
+            <a:extLst>
+              <a:ext uri="{FF2B5EF4-FFF2-40B4-BE49-F238E27FC236}">
+                <a16:creationId xmlns:a16="http://schemas.microsoft.com/office/drawing/2014/main" id="{4AFAD829-5F59-48BF-B7F2-8D306B8C3FE5}"/>
+              </a:ext>
+            </a:extLst>
+          </p:cNvPr>
+          <p:cNvCxnSpPr>
+            <a:cxnSpLocks/>
+            <a:stCxn id="35" idx="3"/>
+            <a:endCxn id="3" idx="1"/>
+          </p:cNvCxnSpPr>
+          <p:nvPr/>
+        </p:nvCxnSpPr>
+        <p:spPr>
+          <a:xfrm flipV="1">
+            <a:off x="5042948" y="743942"/>
+            <a:ext cx="1976095" cy="22201"/>
+          </a:xfrm>
+          <a:prstGeom prst="straightConnector1">
+            <a:avLst/>
+          </a:prstGeom>
+          <a:ln>
+            <a:tailEnd type="triangle"/>
+          </a:ln>
+        </p:spPr>
+        <p:style>
+          <a:lnRef idx="1">
+            <a:schemeClr val="accent1"/>
+          </a:lnRef>
+          <a:fillRef idx="0">
+            <a:schemeClr val="accent1"/>
+          </a:fillRef>
+          <a:effectRef idx="0">
+            <a:schemeClr val="accent1"/>
+          </a:effectRef>
+          <a:fontRef idx="minor">
+            <a:schemeClr val="tx1"/>
+          </a:fontRef>
+        </p:style>
+      </p:cxnSp>
+      <p:sp>
+        <p:nvSpPr>
+          <p:cNvPr id="41" name="Rectangle 40">
+            <a:extLst>
+              <a:ext uri="{FF2B5EF4-FFF2-40B4-BE49-F238E27FC236}">
+                <a16:creationId xmlns:a16="http://schemas.microsoft.com/office/drawing/2014/main" id="{0A6EAB04-2C2D-479A-97ED-B4A9AFE22937}"/>
+              </a:ext>
+            </a:extLst>
+          </p:cNvPr>
+          <p:cNvSpPr/>
+          <p:nvPr/>
+        </p:nvSpPr>
+        <p:spPr>
+          <a:xfrm>
+            <a:off x="3648173" y="214460"/>
+            <a:ext cx="8319094" cy="5899598"/>
+          </a:xfrm>
+          <a:prstGeom prst="rect">
+            <a:avLst/>
+          </a:prstGeom>
+          <a:noFill/>
+        </p:spPr>
+        <p:style>
+          <a:lnRef idx="2">
+            <a:schemeClr val="accent1">
+              <a:shade val="50000"/>
+            </a:schemeClr>
+          </a:lnRef>
+          <a:fillRef idx="1">
+            <a:schemeClr val="accent1"/>
+          </a:fillRef>
+          <a:effectRef idx="0">
+            <a:schemeClr val="accent1"/>
+          </a:effectRef>
+          <a:fontRef idx="minor">
+            <a:schemeClr val="lt1"/>
+          </a:fontRef>
+        </p:style>
+        <p:txBody>
+          <a:bodyPr rtlCol="0" anchor="ctr"/>
+          <a:lstStyle/>
+          <a:p>
+            <a:pPr algn="ctr"/>
+            <a:endParaRPr lang="en-US"/>
+          </a:p>
+        </p:txBody>
+      </p:sp>
+      <p:sp>
+        <p:nvSpPr>
+          <p:cNvPr id="42" name="TextBox 41">
+            <a:extLst>
+              <a:ext uri="{FF2B5EF4-FFF2-40B4-BE49-F238E27FC236}">
+                <a16:creationId xmlns:a16="http://schemas.microsoft.com/office/drawing/2014/main" id="{6D62EA51-842B-4013-AC5B-E9E91BE2EC7A}"/>
+              </a:ext>
+            </a:extLst>
+          </p:cNvPr>
+          <p:cNvSpPr txBox="1"/>
+          <p:nvPr/>
+        </p:nvSpPr>
+        <p:spPr>
+          <a:xfrm>
+            <a:off x="3643457" y="6191567"/>
+            <a:ext cx="2041393" cy="369332"/>
+          </a:xfrm>
+          <a:prstGeom prst="rect">
+            <a:avLst/>
+          </a:prstGeom>
+          <a:noFill/>
+        </p:spPr>
+        <p:txBody>
+          <a:bodyPr wrap="none" rtlCol="0">
+            <a:spAutoFit/>
+          </a:bodyPr>
+          <a:lstStyle/>
+          <a:p>
+            <a:r>
+              <a:rPr lang="en-US" dirty="0"/>
+              <a:t>Strategy: </a:t>
+            </a:r>
+            <a:r>
+              <a:rPr lang="en-US" dirty="0" err="1"/>
+              <a:t>two_stage</a:t>
+            </a:r>
+            <a:endParaRPr lang="en-US" dirty="0"/>
+          </a:p>
+        </p:txBody>
+      </p:sp>
+      <p:sp>
+        <p:nvSpPr>
+          <p:cNvPr id="43" name="Wave 42">
+            <a:extLst>
+              <a:ext uri="{FF2B5EF4-FFF2-40B4-BE49-F238E27FC236}">
+                <a16:creationId xmlns:a16="http://schemas.microsoft.com/office/drawing/2014/main" id="{A92B2207-2F33-4DEB-91A3-676D07B36312}"/>
+              </a:ext>
+            </a:extLst>
+          </p:cNvPr>
+          <p:cNvSpPr/>
+          <p:nvPr/>
+        </p:nvSpPr>
+        <p:spPr>
+          <a:xfrm>
+            <a:off x="191286" y="538121"/>
+            <a:ext cx="1247088" cy="568752"/>
+          </a:xfrm>
+          <a:prstGeom prst="wave">
+            <a:avLst>
+              <a:gd name="adj1" fmla="val 12500"/>
+              <a:gd name="adj2" fmla="val 0"/>
+            </a:avLst>
+          </a:prstGeom>
+          <a:noFill/>
+        </p:spPr>
+        <p:style>
+          <a:lnRef idx="2">
+            <a:schemeClr val="accent1">
+              <a:shade val="50000"/>
+            </a:schemeClr>
+          </a:lnRef>
+          <a:fillRef idx="1">
+            <a:schemeClr val="accent1"/>
+          </a:fillRef>
+          <a:effectRef idx="0">
+            <a:schemeClr val="accent1"/>
+          </a:effectRef>
+          <a:fontRef idx="minor">
+            <a:schemeClr val="lt1"/>
+          </a:fontRef>
+        </p:style>
+        <p:txBody>
+          <a:bodyPr rtlCol="0" anchor="ctr"/>
+          <a:lstStyle/>
+          <a:p>
+            <a:pPr algn="ctr"/>
+            <a:r>
+              <a:rPr lang="en-US" dirty="0">
+                <a:solidFill>
+                  <a:schemeClr val="tx1"/>
+                </a:solidFill>
+              </a:rPr>
+              <a:t>Push(1234)</a:t>
+            </a:r>
+            <a:endParaRPr lang="en-US" dirty="0"/>
+          </a:p>
+        </p:txBody>
+      </p:sp>
+      <p:sp>
+        <p:nvSpPr>
+          <p:cNvPr id="44" name="Wave 43">
+            <a:extLst>
+              <a:ext uri="{FF2B5EF4-FFF2-40B4-BE49-F238E27FC236}">
+                <a16:creationId xmlns:a16="http://schemas.microsoft.com/office/drawing/2014/main" id="{AA3D3385-B6E8-4BB6-BCB8-648AC4CB3536}"/>
+              </a:ext>
+            </a:extLst>
+          </p:cNvPr>
+          <p:cNvSpPr/>
+          <p:nvPr/>
+        </p:nvSpPr>
+        <p:spPr>
+          <a:xfrm>
+            <a:off x="203853" y="1311903"/>
+            <a:ext cx="1247088" cy="568752"/>
+          </a:xfrm>
+          <a:prstGeom prst="wave">
+            <a:avLst>
+              <a:gd name="adj1" fmla="val 12500"/>
+              <a:gd name="adj2" fmla="val 0"/>
+            </a:avLst>
+          </a:prstGeom>
+          <a:noFill/>
+        </p:spPr>
+        <p:style>
+          <a:lnRef idx="2">
+            <a:schemeClr val="accent1">
+              <a:shade val="50000"/>
+            </a:schemeClr>
+          </a:lnRef>
+          <a:fillRef idx="1">
+            <a:schemeClr val="accent1"/>
+          </a:fillRef>
+          <a:effectRef idx="0">
+            <a:schemeClr val="accent1"/>
+          </a:effectRef>
+          <a:fontRef idx="minor">
+            <a:schemeClr val="lt1"/>
+          </a:fontRef>
+        </p:style>
+        <p:txBody>
+          <a:bodyPr rtlCol="0" anchor="ctr"/>
+          <a:lstStyle/>
+          <a:p>
+            <a:pPr algn="ctr"/>
+            <a:r>
+              <a:rPr lang="en-US" dirty="0">
+                <a:solidFill>
+                  <a:schemeClr val="tx1"/>
+                </a:solidFill>
+              </a:rPr>
+              <a:t>Push(5678)</a:t>
+            </a:r>
+            <a:endParaRPr lang="en-US" dirty="0"/>
+          </a:p>
+        </p:txBody>
+      </p:sp>
+      <p:sp>
+        <p:nvSpPr>
+          <p:cNvPr id="45" name="TextBox 44">
+            <a:extLst>
+              <a:ext uri="{FF2B5EF4-FFF2-40B4-BE49-F238E27FC236}">
+                <a16:creationId xmlns:a16="http://schemas.microsoft.com/office/drawing/2014/main" id="{D8BEC251-8797-4838-A63D-5D84F87785B8}"/>
+              </a:ext>
+            </a:extLst>
+          </p:cNvPr>
+          <p:cNvSpPr txBox="1"/>
+          <p:nvPr/>
+        </p:nvSpPr>
+        <p:spPr>
+          <a:xfrm>
+            <a:off x="616172" y="2085685"/>
+            <a:ext cx="343364" cy="369332"/>
+          </a:xfrm>
+          <a:prstGeom prst="rect">
+            <a:avLst/>
+          </a:prstGeom>
+          <a:noFill/>
+        </p:spPr>
+        <p:txBody>
+          <a:bodyPr wrap="none" rtlCol="0">
+            <a:spAutoFit/>
+          </a:bodyPr>
+          <a:lstStyle/>
+          <a:p>
+            <a:r>
+              <a:rPr lang="en-US" dirty="0"/>
+              <a:t>…</a:t>
+            </a:r>
+          </a:p>
+        </p:txBody>
+      </p:sp>
+      <p:cxnSp>
+        <p:nvCxnSpPr>
+          <p:cNvPr id="47" name="Straight Arrow Connector 46">
+            <a:extLst>
+              <a:ext uri="{FF2B5EF4-FFF2-40B4-BE49-F238E27FC236}">
+                <a16:creationId xmlns:a16="http://schemas.microsoft.com/office/drawing/2014/main" id="{CF53277F-C50F-4A71-96E2-FDBBEF33E409}"/>
+              </a:ext>
+            </a:extLst>
+          </p:cNvPr>
+          <p:cNvCxnSpPr>
+            <a:cxnSpLocks/>
+            <a:stCxn id="43" idx="3"/>
+            <a:endCxn id="36" idx="1"/>
+          </p:cNvCxnSpPr>
+          <p:nvPr/>
+        </p:nvCxnSpPr>
+        <p:spPr>
+          <a:xfrm flipV="1">
+            <a:off x="1438374" y="766144"/>
+            <a:ext cx="371574" cy="56353"/>
+          </a:xfrm>
+          <a:prstGeom prst="straightConnector1">
+            <a:avLst/>
+          </a:prstGeom>
+          <a:ln>
+            <a:tailEnd type="triangle"/>
+          </a:ln>
+        </p:spPr>
+        <p:style>
+          <a:lnRef idx="1">
+            <a:schemeClr val="accent1"/>
+          </a:lnRef>
+          <a:fillRef idx="0">
+            <a:schemeClr val="accent1"/>
+          </a:fillRef>
+          <a:effectRef idx="0">
+            <a:schemeClr val="accent1"/>
+          </a:effectRef>
+          <a:fontRef idx="minor">
+            <a:schemeClr val="tx1"/>
+          </a:fontRef>
+        </p:style>
+      </p:cxnSp>
+      <p:cxnSp>
+        <p:nvCxnSpPr>
+          <p:cNvPr id="49" name="Straight Arrow Connector 48">
+            <a:extLst>
+              <a:ext uri="{FF2B5EF4-FFF2-40B4-BE49-F238E27FC236}">
+                <a16:creationId xmlns:a16="http://schemas.microsoft.com/office/drawing/2014/main" id="{AFDF949F-8ED0-4858-858D-B0EDB9A0F777}"/>
+              </a:ext>
+            </a:extLst>
+          </p:cNvPr>
+          <p:cNvCxnSpPr>
+            <a:cxnSpLocks/>
+            <a:stCxn id="44" idx="3"/>
+            <a:endCxn id="36" idx="1"/>
+          </p:cNvCxnSpPr>
+          <p:nvPr/>
+        </p:nvCxnSpPr>
+        <p:spPr>
+          <a:xfrm flipV="1">
+            <a:off x="1450941" y="766144"/>
+            <a:ext cx="359007" cy="830135"/>
+          </a:xfrm>
+          <a:prstGeom prst="straightConnector1">
+            <a:avLst/>
+          </a:prstGeom>
+          <a:ln>
+            <a:tailEnd type="triangle"/>
+          </a:ln>
+        </p:spPr>
+        <p:style>
+          <a:lnRef idx="1">
+            <a:schemeClr val="accent1"/>
+          </a:lnRef>
+          <a:fillRef idx="0">
+            <a:schemeClr val="accent1"/>
+          </a:fillRef>
+          <a:effectRef idx="0">
+            <a:schemeClr val="accent1"/>
+          </a:effectRef>
+          <a:fontRef idx="minor">
+            <a:schemeClr val="tx1"/>
+          </a:fontRef>
+        </p:style>
+      </p:cxnSp>
+      <p:sp>
+        <p:nvSpPr>
+          <p:cNvPr id="39" name="Flowchart: Magnetic Disk 38">
+            <a:extLst>
+              <a:ext uri="{FF2B5EF4-FFF2-40B4-BE49-F238E27FC236}">
+                <a16:creationId xmlns:a16="http://schemas.microsoft.com/office/drawing/2014/main" id="{7674CECD-D9DE-4493-B58C-24FC835CEC08}"/>
+              </a:ext>
+            </a:extLst>
+          </p:cNvPr>
+          <p:cNvSpPr/>
+          <p:nvPr/>
+        </p:nvSpPr>
+        <p:spPr>
+          <a:xfrm>
+            <a:off x="4591774" y="2302412"/>
+            <a:ext cx="1509947" cy="725863"/>
+          </a:xfrm>
+          <a:prstGeom prst="flowChartMagneticDisk">
+            <a:avLst/>
+          </a:prstGeom>
+          <a:noFill/>
+        </p:spPr>
+        <p:style>
+          <a:lnRef idx="2">
+            <a:schemeClr val="accent1">
+              <a:shade val="50000"/>
+            </a:schemeClr>
+          </a:lnRef>
+          <a:fillRef idx="1">
+            <a:schemeClr val="accent1"/>
+          </a:fillRef>
+          <a:effectRef idx="0">
+            <a:schemeClr val="accent1"/>
+          </a:effectRef>
+          <a:fontRef idx="minor">
+            <a:schemeClr val="lt1"/>
+          </a:fontRef>
+        </p:style>
+        <p:txBody>
+          <a:bodyPr rtlCol="0" anchor="ctr"/>
+          <a:lstStyle/>
+          <a:p>
+            <a:pPr algn="ctr"/>
+            <a:r>
+              <a:rPr lang="en-US" sz="1400" dirty="0">
+                <a:solidFill>
+                  <a:schemeClr val="tx1"/>
+                </a:solidFill>
+              </a:rPr>
+              <a:t>name: source</a:t>
+            </a:r>
+          </a:p>
+          <a:p>
+            <a:pPr algn="ctr"/>
+            <a:r>
+              <a:rPr lang="en-US" sz="1400" dirty="0">
+                <a:solidFill>
+                  <a:schemeClr val="tx1"/>
+                </a:solidFill>
+              </a:rPr>
+              <a:t> type: </a:t>
+            </a:r>
+            <a:r>
+              <a:rPr lang="en-US" sz="1400" dirty="0" err="1">
+                <a:solidFill>
+                  <a:schemeClr val="tx1"/>
+                </a:solidFill>
+              </a:rPr>
+              <a:t>github</a:t>
+            </a:r>
+            <a:endParaRPr lang="en-US" sz="1400" dirty="0">
+              <a:solidFill>
+                <a:schemeClr val="tx1"/>
+              </a:solidFill>
+            </a:endParaRPr>
+          </a:p>
+        </p:txBody>
+      </p:sp>
+      <p:sp>
+        <p:nvSpPr>
+          <p:cNvPr id="40" name="Flowchart: Magnetic Disk 39">
+            <a:extLst>
+              <a:ext uri="{FF2B5EF4-FFF2-40B4-BE49-F238E27FC236}">
+                <a16:creationId xmlns:a16="http://schemas.microsoft.com/office/drawing/2014/main" id="{660478DB-7A2E-4911-935F-9AC23C34DA43}"/>
+              </a:ext>
+            </a:extLst>
+          </p:cNvPr>
+          <p:cNvSpPr/>
+          <p:nvPr/>
+        </p:nvSpPr>
+        <p:spPr>
+          <a:xfrm>
+            <a:off x="4750582" y="3986702"/>
+            <a:ext cx="1509947" cy="725863"/>
+          </a:xfrm>
+          <a:prstGeom prst="flowChartMagneticDisk">
+            <a:avLst/>
+          </a:prstGeom>
+          <a:noFill/>
+        </p:spPr>
+        <p:style>
+          <a:lnRef idx="2">
+            <a:schemeClr val="accent1">
+              <a:shade val="50000"/>
+            </a:schemeClr>
+          </a:lnRef>
+          <a:fillRef idx="1">
+            <a:schemeClr val="accent1"/>
+          </a:fillRef>
+          <a:effectRef idx="0">
+            <a:schemeClr val="accent1"/>
+          </a:effectRef>
+          <a:fontRef idx="minor">
+            <a:schemeClr val="lt1"/>
+          </a:fontRef>
+        </p:style>
+        <p:txBody>
+          <a:bodyPr rtlCol="0" anchor="ctr"/>
+          <a:lstStyle/>
+          <a:p>
+            <a:pPr algn="ctr"/>
+            <a:r>
+              <a:rPr lang="en-US" sz="1400" dirty="0">
+                <a:solidFill>
+                  <a:schemeClr val="tx1"/>
+                </a:solidFill>
+              </a:rPr>
+              <a:t>name: app</a:t>
+            </a:r>
+          </a:p>
+          <a:p>
+            <a:pPr algn="ctr"/>
+            <a:r>
+              <a:rPr lang="en-US" sz="1400" dirty="0">
+                <a:solidFill>
+                  <a:schemeClr val="tx1"/>
+                </a:solidFill>
+              </a:rPr>
+              <a:t>type: docker</a:t>
+            </a:r>
+          </a:p>
+        </p:txBody>
+      </p:sp>
+      <p:cxnSp>
+        <p:nvCxnSpPr>
+          <p:cNvPr id="15" name="Straight Arrow Connector 14">
+            <a:extLst>
+              <a:ext uri="{FF2B5EF4-FFF2-40B4-BE49-F238E27FC236}">
+                <a16:creationId xmlns:a16="http://schemas.microsoft.com/office/drawing/2014/main" id="{F8DAF612-9DDC-409A-AF16-7485A76160C5}"/>
+              </a:ext>
+            </a:extLst>
+          </p:cNvPr>
+          <p:cNvCxnSpPr>
+            <a:cxnSpLocks/>
+          </p:cNvCxnSpPr>
+          <p:nvPr/>
+        </p:nvCxnSpPr>
+        <p:spPr>
+          <a:xfrm flipV="1">
+            <a:off x="6127423" y="1046372"/>
+            <a:ext cx="972586" cy="1498865"/>
+          </a:xfrm>
+          <a:prstGeom prst="straightConnector1">
+            <a:avLst/>
+          </a:prstGeom>
+          <a:ln>
+            <a:prstDash val="dashDot"/>
+            <a:tailEnd type="triangle"/>
+          </a:ln>
+        </p:spPr>
+        <p:style>
+          <a:lnRef idx="1">
+            <a:schemeClr val="accent1"/>
+          </a:lnRef>
+          <a:fillRef idx="0">
+            <a:schemeClr val="accent1"/>
+          </a:fillRef>
+          <a:effectRef idx="0">
+            <a:schemeClr val="accent1"/>
+          </a:effectRef>
+          <a:fontRef idx="minor">
+            <a:schemeClr val="tx1"/>
+          </a:fontRef>
+        </p:style>
+      </p:cxnSp>
+      <p:cxnSp>
+        <p:nvCxnSpPr>
+          <p:cNvPr id="46" name="Straight Arrow Connector 45">
+            <a:extLst>
+              <a:ext uri="{FF2B5EF4-FFF2-40B4-BE49-F238E27FC236}">
+                <a16:creationId xmlns:a16="http://schemas.microsoft.com/office/drawing/2014/main" id="{A892660F-0F19-41D7-BEC0-33C9B0FD5A28}"/>
+              </a:ext>
+            </a:extLst>
+          </p:cNvPr>
+          <p:cNvCxnSpPr>
+            <a:cxnSpLocks/>
+            <a:endCxn id="40" idx="1"/>
+          </p:cNvCxnSpPr>
+          <p:nvPr/>
+        </p:nvCxnSpPr>
+        <p:spPr>
+          <a:xfrm flipH="1">
+            <a:off x="5505556" y="1181211"/>
+            <a:ext cx="1779988" cy="2805491"/>
+          </a:xfrm>
+          <a:prstGeom prst="straightConnector1">
+            <a:avLst/>
+          </a:prstGeom>
+          <a:ln>
+            <a:prstDash val="dashDot"/>
+            <a:tailEnd type="triangle"/>
+          </a:ln>
+        </p:spPr>
+        <p:style>
+          <a:lnRef idx="1">
+            <a:schemeClr val="accent1"/>
+          </a:lnRef>
+          <a:fillRef idx="0">
+            <a:schemeClr val="accent1"/>
+          </a:fillRef>
+          <a:effectRef idx="0">
+            <a:schemeClr val="accent1"/>
+          </a:effectRef>
+          <a:fontRef idx="minor">
+            <a:schemeClr val="tx1"/>
+          </a:fontRef>
+        </p:style>
+      </p:cxnSp>
+      <p:sp>
+        <p:nvSpPr>
+          <p:cNvPr id="13" name="Rectangle: Rounded Corners 12">
+            <a:extLst>
+              <a:ext uri="{FF2B5EF4-FFF2-40B4-BE49-F238E27FC236}">
+                <a16:creationId xmlns:a16="http://schemas.microsoft.com/office/drawing/2014/main" id="{6997539C-8027-4893-95F5-9DF7B09E4BFC}"/>
+              </a:ext>
+            </a:extLst>
+          </p:cNvPr>
+          <p:cNvSpPr/>
+          <p:nvPr/>
+        </p:nvSpPr>
+        <p:spPr>
+          <a:xfrm>
+            <a:off x="4315174" y="1413452"/>
+            <a:ext cx="2413262" cy="3516976"/>
+          </a:xfrm>
+          <a:prstGeom prst="roundRect">
+            <a:avLst/>
+          </a:prstGeom>
+          <a:noFill/>
+        </p:spPr>
+        <p:style>
+          <a:lnRef idx="2">
+            <a:schemeClr val="accent1">
+              <a:shade val="50000"/>
+            </a:schemeClr>
+          </a:lnRef>
+          <a:fillRef idx="1">
+            <a:schemeClr val="accent1"/>
+          </a:fillRef>
+          <a:effectRef idx="0">
+            <a:schemeClr val="accent1"/>
+          </a:effectRef>
+          <a:fontRef idx="minor">
+            <a:schemeClr val="lt1"/>
+          </a:fontRef>
+        </p:style>
+        <p:txBody>
+          <a:bodyPr rtlCol="0" anchor="ctr"/>
+          <a:lstStyle/>
+          <a:p>
+            <a:pPr algn="ctr"/>
+            <a:endParaRPr lang="en-US"/>
+          </a:p>
+        </p:txBody>
+      </p:sp>
+      <p:sp>
+        <p:nvSpPr>
+          <p:cNvPr id="52" name="TextBox 51">
+            <a:extLst>
+              <a:ext uri="{FF2B5EF4-FFF2-40B4-BE49-F238E27FC236}">
+                <a16:creationId xmlns:a16="http://schemas.microsoft.com/office/drawing/2014/main" id="{03FB6E96-C66B-46C6-8510-DC176F4FF55F}"/>
+              </a:ext>
+            </a:extLst>
+          </p:cNvPr>
+          <p:cNvSpPr txBox="1"/>
+          <p:nvPr/>
+        </p:nvSpPr>
+        <p:spPr>
+          <a:xfrm>
+            <a:off x="4591774" y="5108693"/>
+            <a:ext cx="1860061" cy="369332"/>
+          </a:xfrm>
+          <a:prstGeom prst="rect">
+            <a:avLst/>
+          </a:prstGeom>
+          <a:noFill/>
+        </p:spPr>
+        <p:txBody>
+          <a:bodyPr wrap="none" rtlCol="0">
+            <a:spAutoFit/>
+          </a:bodyPr>
+          <a:lstStyle/>
+          <a:p>
+            <a:r>
+              <a:rPr lang="en-US" dirty="0"/>
+              <a:t>Strategy Variables</a:t>
+            </a:r>
+          </a:p>
+        </p:txBody>
+      </p:sp>
+      <p:sp>
+        <p:nvSpPr>
+          <p:cNvPr id="17" name="TextBox 16">
+            <a:extLst>
+              <a:ext uri="{FF2B5EF4-FFF2-40B4-BE49-F238E27FC236}">
+                <a16:creationId xmlns:a16="http://schemas.microsoft.com/office/drawing/2014/main" id="{1AA94AFE-D52F-4D25-8E11-BD8230126D13}"/>
+              </a:ext>
+            </a:extLst>
+          </p:cNvPr>
+          <p:cNvSpPr txBox="1"/>
+          <p:nvPr/>
+        </p:nvSpPr>
+        <p:spPr>
+          <a:xfrm>
+            <a:off x="12462" y="2576942"/>
+            <a:ext cx="1604735" cy="369332"/>
+          </a:xfrm>
+          <a:prstGeom prst="rect">
+            <a:avLst/>
+          </a:prstGeom>
+          <a:noFill/>
+        </p:spPr>
+        <p:txBody>
+          <a:bodyPr wrap="none" rtlCol="0">
+            <a:spAutoFit/>
+          </a:bodyPr>
+          <a:lstStyle/>
+          <a:p>
+            <a:r>
+              <a:rPr lang="en-US" dirty="0"/>
+              <a:t>Branch: master</a:t>
+            </a:r>
+          </a:p>
+        </p:txBody>
+      </p:sp>
+      <p:sp>
+        <p:nvSpPr>
+          <p:cNvPr id="54" name="Wave 53">
+            <a:extLst>
+              <a:ext uri="{FF2B5EF4-FFF2-40B4-BE49-F238E27FC236}">
+                <a16:creationId xmlns:a16="http://schemas.microsoft.com/office/drawing/2014/main" id="{CC9E656A-4E5E-434B-B7A2-5F039EFCE63B}"/>
+              </a:ext>
+            </a:extLst>
+          </p:cNvPr>
+          <p:cNvSpPr/>
+          <p:nvPr/>
+        </p:nvSpPr>
+        <p:spPr>
+          <a:xfrm>
+            <a:off x="7390616" y="1106873"/>
+            <a:ext cx="1670115" cy="568752"/>
+          </a:xfrm>
+          <a:prstGeom prst="wave">
+            <a:avLst>
+              <a:gd name="adj1" fmla="val 12500"/>
+              <a:gd name="adj2" fmla="val 0"/>
+            </a:avLst>
+          </a:prstGeom>
+          <a:noFill/>
+        </p:spPr>
+        <p:style>
+          <a:lnRef idx="2">
+            <a:schemeClr val="accent1">
+              <a:shade val="50000"/>
+            </a:schemeClr>
+          </a:lnRef>
+          <a:fillRef idx="1">
+            <a:schemeClr val="accent1"/>
+          </a:fillRef>
+          <a:effectRef idx="0">
+            <a:schemeClr val="accent1"/>
+          </a:effectRef>
+          <a:fontRef idx="minor">
+            <a:schemeClr val="lt1"/>
+          </a:fontRef>
+        </p:style>
+        <p:txBody>
+          <a:bodyPr rtlCol="0" anchor="ctr"/>
+          <a:lstStyle/>
+          <a:p>
+            <a:pPr algn="ctr"/>
+            <a:r>
+              <a:rPr lang="en-US" dirty="0">
+                <a:solidFill>
+                  <a:schemeClr val="tx1"/>
+                </a:solidFill>
+              </a:rPr>
+              <a:t>Build(success)</a:t>
+            </a:r>
+            <a:endParaRPr lang="en-US" dirty="0"/>
+          </a:p>
+        </p:txBody>
+      </p:sp>
+      <p:sp>
+        <p:nvSpPr>
+          <p:cNvPr id="21" name="Rectangle: Rounded Corners 20">
+            <a:extLst>
+              <a:ext uri="{FF2B5EF4-FFF2-40B4-BE49-F238E27FC236}">
+                <a16:creationId xmlns:a16="http://schemas.microsoft.com/office/drawing/2014/main" id="{D47322C1-A8BE-432C-8B49-21472CC53059}"/>
+              </a:ext>
+            </a:extLst>
+          </p:cNvPr>
+          <p:cNvSpPr/>
+          <p:nvPr/>
+        </p:nvSpPr>
+        <p:spPr>
+          <a:xfrm>
+            <a:off x="7019043" y="2761608"/>
+            <a:ext cx="2413262" cy="725863"/>
+          </a:xfrm>
+          <a:prstGeom prst="roundRect">
+            <a:avLst/>
+          </a:prstGeom>
+          <a:noFill/>
+        </p:spPr>
+        <p:style>
+          <a:lnRef idx="2">
+            <a:schemeClr val="accent1">
+              <a:shade val="50000"/>
+            </a:schemeClr>
+          </a:lnRef>
+          <a:fillRef idx="1">
+            <a:schemeClr val="accent1"/>
+          </a:fillRef>
+          <a:effectRef idx="0">
+            <a:schemeClr val="accent1"/>
+          </a:effectRef>
+          <a:fontRef idx="minor">
+            <a:schemeClr val="lt1"/>
+          </a:fontRef>
+        </p:style>
+        <p:txBody>
+          <a:bodyPr rtlCol="0" anchor="ctr"/>
+          <a:lstStyle/>
+          <a:p>
+            <a:pPr algn="ctr"/>
+            <a:r>
+              <a:rPr lang="en-US" dirty="0">
+                <a:solidFill>
+                  <a:schemeClr val="tx1"/>
+                </a:solidFill>
+              </a:rPr>
+              <a:t>Deploy (Custom)</a:t>
+            </a:r>
+          </a:p>
+        </p:txBody>
+      </p:sp>
+      <p:cxnSp>
+        <p:nvCxnSpPr>
+          <p:cNvPr id="4" name="Straight Arrow Connector 3">
+            <a:extLst>
+              <a:ext uri="{FF2B5EF4-FFF2-40B4-BE49-F238E27FC236}">
+                <a16:creationId xmlns:a16="http://schemas.microsoft.com/office/drawing/2014/main" id="{90540208-F8FD-4FC7-B282-FBA219FA1FC0}"/>
+              </a:ext>
+            </a:extLst>
+          </p:cNvPr>
+          <p:cNvCxnSpPr>
+            <a:stCxn id="54" idx="2"/>
+            <a:endCxn id="21" idx="0"/>
+          </p:cNvCxnSpPr>
+          <p:nvPr/>
+        </p:nvCxnSpPr>
+        <p:spPr>
+          <a:xfrm>
+            <a:off x="8225674" y="1604531"/>
+            <a:ext cx="0" cy="1157077"/>
+          </a:xfrm>
+          <a:prstGeom prst="straightConnector1">
+            <a:avLst/>
+          </a:prstGeom>
+          <a:ln>
+            <a:tailEnd type="triangle"/>
+          </a:ln>
+        </p:spPr>
+        <p:style>
+          <a:lnRef idx="1">
+            <a:schemeClr val="accent1"/>
+          </a:lnRef>
+          <a:fillRef idx="0">
+            <a:schemeClr val="accent1"/>
+          </a:fillRef>
+          <a:effectRef idx="0">
+            <a:schemeClr val="accent1"/>
+          </a:effectRef>
+          <a:fontRef idx="minor">
+            <a:schemeClr val="tx1"/>
+          </a:fontRef>
+        </p:style>
+      </p:cxnSp>
+      <p:sp>
+        <p:nvSpPr>
+          <p:cNvPr id="26" name="Wave 25">
+            <a:extLst>
+              <a:ext uri="{FF2B5EF4-FFF2-40B4-BE49-F238E27FC236}">
+                <a16:creationId xmlns:a16="http://schemas.microsoft.com/office/drawing/2014/main" id="{7BB5377F-292F-4345-817C-0B37AA5670A7}"/>
+              </a:ext>
+            </a:extLst>
+          </p:cNvPr>
+          <p:cNvSpPr/>
+          <p:nvPr/>
+        </p:nvSpPr>
+        <p:spPr>
+          <a:xfrm>
+            <a:off x="7016680" y="3561789"/>
+            <a:ext cx="1739817" cy="568752"/>
+          </a:xfrm>
+          <a:prstGeom prst="wave">
+            <a:avLst>
+              <a:gd name="adj1" fmla="val 12500"/>
+              <a:gd name="adj2" fmla="val 0"/>
+            </a:avLst>
+          </a:prstGeom>
+          <a:noFill/>
+        </p:spPr>
+        <p:style>
+          <a:lnRef idx="2">
+            <a:schemeClr val="accent1">
+              <a:shade val="50000"/>
+            </a:schemeClr>
+          </a:lnRef>
+          <a:fillRef idx="1">
+            <a:schemeClr val="accent1"/>
+          </a:fillRef>
+          <a:effectRef idx="0">
+            <a:schemeClr val="accent1"/>
+          </a:effectRef>
+          <a:fontRef idx="minor">
+            <a:schemeClr val="lt1"/>
+          </a:fontRef>
+        </p:style>
+        <p:txBody>
+          <a:bodyPr rtlCol="0" anchor="ctr"/>
+          <a:lstStyle/>
+          <a:p>
+            <a:pPr algn="ctr"/>
+            <a:r>
+              <a:rPr lang="en-US" dirty="0">
+                <a:solidFill>
+                  <a:schemeClr val="tx1"/>
+                </a:solidFill>
+              </a:rPr>
+              <a:t>Deploy(</a:t>
+            </a:r>
+            <a:r>
+              <a:rPr lang="en-US" dirty="0" err="1">
+                <a:solidFill>
+                  <a:schemeClr val="tx1"/>
+                </a:solidFill>
+              </a:rPr>
+              <a:t>succes</a:t>
+            </a:r>
+            <a:r>
+              <a:rPr lang="en-US" dirty="0">
+                <a:solidFill>
+                  <a:schemeClr val="tx1"/>
+                </a:solidFill>
+              </a:rPr>
+              <a:t>)</a:t>
+            </a:r>
+            <a:endParaRPr lang="en-US" dirty="0"/>
+          </a:p>
+        </p:txBody>
+      </p:sp>
+      <p:sp>
+        <p:nvSpPr>
+          <p:cNvPr id="10" name="Rectangle 9">
+            <a:extLst>
+              <a:ext uri="{FF2B5EF4-FFF2-40B4-BE49-F238E27FC236}">
+                <a16:creationId xmlns:a16="http://schemas.microsoft.com/office/drawing/2014/main" id="{69AD0489-ED04-4610-B0CD-EC6418C6152D}"/>
+              </a:ext>
+            </a:extLst>
+          </p:cNvPr>
+          <p:cNvSpPr/>
+          <p:nvPr/>
+        </p:nvSpPr>
+        <p:spPr>
+          <a:xfrm>
+            <a:off x="4625356" y="1562604"/>
+            <a:ext cx="1420942" cy="690683"/>
+          </a:xfrm>
+          <a:prstGeom prst="rect">
+            <a:avLst/>
+          </a:prstGeom>
+          <a:noFill/>
+        </p:spPr>
+        <p:style>
+          <a:lnRef idx="2">
+            <a:schemeClr val="accent1">
+              <a:shade val="50000"/>
+            </a:schemeClr>
+          </a:lnRef>
+          <a:fillRef idx="1">
+            <a:schemeClr val="accent1"/>
+          </a:fillRef>
+          <a:effectRef idx="0">
+            <a:schemeClr val="accent1"/>
+          </a:effectRef>
+          <a:fontRef idx="minor">
+            <a:schemeClr val="lt1"/>
+          </a:fontRef>
+        </p:style>
+        <p:txBody>
+          <a:bodyPr rtlCol="0" anchor="ctr"/>
+          <a:lstStyle/>
+          <a:p>
+            <a:pPr algn="ctr"/>
+            <a:r>
+              <a:rPr lang="en-US" sz="1400" dirty="0">
+                <a:solidFill>
+                  <a:schemeClr val="tx1"/>
+                </a:solidFill>
+              </a:rPr>
+              <a:t>name: stack</a:t>
+            </a:r>
+          </a:p>
+          <a:p>
+            <a:pPr algn="ctr"/>
+            <a:r>
+              <a:rPr lang="en-US" sz="1400" dirty="0">
+                <a:solidFill>
+                  <a:schemeClr val="tx1"/>
+                </a:solidFill>
+              </a:rPr>
+              <a:t>type: string</a:t>
+            </a:r>
+          </a:p>
+        </p:txBody>
+      </p:sp>
+      <p:cxnSp>
+        <p:nvCxnSpPr>
+          <p:cNvPr id="48" name="Straight Arrow Connector 47">
+            <a:extLst>
+              <a:ext uri="{FF2B5EF4-FFF2-40B4-BE49-F238E27FC236}">
+                <a16:creationId xmlns:a16="http://schemas.microsoft.com/office/drawing/2014/main" id="{04016840-D930-4AE1-AFE8-76C3F9DF69F6}"/>
+              </a:ext>
+            </a:extLst>
+          </p:cNvPr>
+          <p:cNvCxnSpPr>
+            <a:cxnSpLocks/>
+            <a:stCxn id="10" idx="3"/>
+          </p:cNvCxnSpPr>
+          <p:nvPr/>
+        </p:nvCxnSpPr>
+        <p:spPr>
+          <a:xfrm flipV="1">
+            <a:off x="6046298" y="942746"/>
+            <a:ext cx="992320" cy="965200"/>
+          </a:xfrm>
+          <a:prstGeom prst="straightConnector1">
+            <a:avLst/>
+          </a:prstGeom>
+          <a:ln>
+            <a:prstDash val="dashDot"/>
+            <a:tailEnd type="triangle"/>
+          </a:ln>
+        </p:spPr>
+        <p:style>
+          <a:lnRef idx="1">
+            <a:schemeClr val="accent1"/>
+          </a:lnRef>
+          <a:fillRef idx="0">
+            <a:schemeClr val="accent1"/>
+          </a:fillRef>
+          <a:effectRef idx="0">
+            <a:schemeClr val="accent1"/>
+          </a:effectRef>
+          <a:fontRef idx="minor">
+            <a:schemeClr val="tx1"/>
+          </a:fontRef>
+        </p:style>
+      </p:cxnSp>
+      <p:cxnSp>
+        <p:nvCxnSpPr>
+          <p:cNvPr id="50" name="Straight Arrow Connector 49">
+            <a:extLst>
+              <a:ext uri="{FF2B5EF4-FFF2-40B4-BE49-F238E27FC236}">
+                <a16:creationId xmlns:a16="http://schemas.microsoft.com/office/drawing/2014/main" id="{758125B8-BCBF-4CC9-A584-E9DA9722C79D}"/>
+              </a:ext>
+            </a:extLst>
+          </p:cNvPr>
+          <p:cNvCxnSpPr>
+            <a:cxnSpLocks/>
+            <a:stCxn id="40" idx="4"/>
+            <a:endCxn id="21" idx="1"/>
+          </p:cNvCxnSpPr>
+          <p:nvPr/>
+        </p:nvCxnSpPr>
+        <p:spPr>
+          <a:xfrm flipV="1">
+            <a:off x="6260529" y="3124540"/>
+            <a:ext cx="758514" cy="1225094"/>
+          </a:xfrm>
+          <a:prstGeom prst="straightConnector1">
+            <a:avLst/>
+          </a:prstGeom>
+          <a:ln>
+            <a:prstDash val="dashDot"/>
+            <a:tailEnd type="triangle"/>
+          </a:ln>
+        </p:spPr>
+        <p:style>
+          <a:lnRef idx="1">
+            <a:schemeClr val="accent1"/>
+          </a:lnRef>
+          <a:fillRef idx="0">
+            <a:schemeClr val="accent1"/>
+          </a:fillRef>
+          <a:effectRef idx="0">
+            <a:schemeClr val="accent1"/>
+          </a:effectRef>
+          <a:fontRef idx="minor">
+            <a:schemeClr val="tx1"/>
+          </a:fontRef>
+        </p:style>
+      </p:cxnSp>
+      <p:sp>
+        <p:nvSpPr>
+          <p:cNvPr id="51" name="Wave 50">
+            <a:extLst>
+              <a:ext uri="{FF2B5EF4-FFF2-40B4-BE49-F238E27FC236}">
+                <a16:creationId xmlns:a16="http://schemas.microsoft.com/office/drawing/2014/main" id="{B82527CA-DA9E-4C37-B20D-D6B91158E90E}"/>
+              </a:ext>
+            </a:extLst>
+          </p:cNvPr>
+          <p:cNvSpPr/>
+          <p:nvPr/>
+        </p:nvSpPr>
+        <p:spPr>
+          <a:xfrm>
+            <a:off x="8902474" y="3561789"/>
+            <a:ext cx="1739817" cy="568752"/>
+          </a:xfrm>
+          <a:prstGeom prst="wave">
+            <a:avLst>
+              <a:gd name="adj1" fmla="val 12500"/>
+              <a:gd name="adj2" fmla="val 0"/>
+            </a:avLst>
+          </a:prstGeom>
+          <a:noFill/>
+        </p:spPr>
+        <p:style>
+          <a:lnRef idx="2">
+            <a:schemeClr val="accent1">
+              <a:shade val="50000"/>
+            </a:schemeClr>
+          </a:lnRef>
+          <a:fillRef idx="1">
+            <a:schemeClr val="accent1"/>
+          </a:fillRef>
+          <a:effectRef idx="0">
+            <a:schemeClr val="accent1"/>
+          </a:effectRef>
+          <a:fontRef idx="minor">
+            <a:schemeClr val="lt1"/>
+          </a:fontRef>
+        </p:style>
+        <p:txBody>
+          <a:bodyPr rtlCol="0" anchor="ctr"/>
+          <a:lstStyle/>
+          <a:p>
+            <a:pPr algn="ctr"/>
+            <a:r>
+              <a:rPr lang="en-US" dirty="0">
+                <a:solidFill>
+                  <a:schemeClr val="tx1"/>
+                </a:solidFill>
+              </a:rPr>
+              <a:t>Deploy(fail)</a:t>
+            </a:r>
+            <a:endParaRPr lang="en-US" dirty="0"/>
+          </a:p>
+        </p:txBody>
+      </p:sp>
+    </p:spTree>
+    <p:extLst>
+      <p:ext uri="{BB962C8B-B14F-4D97-AF65-F5344CB8AC3E}">
+        <p14:creationId xmlns:p14="http://schemas.microsoft.com/office/powerpoint/2010/main" val="5990560"/>
+      </p:ext>
+    </p:extLst>
+  </p:cSld>
+  <p:clrMapOvr>
+    <a:masterClrMapping/>
+  </p:clrMapOvr>
+</p:sld>
+</file>
+
 <file path=ppt/slides/slide2.xml><?xml version="1.0" encoding="utf-8"?>
 <p:sld xmlns:a="http://schemas.openxmlformats.org/drawingml/2006/main" xmlns:r="http://schemas.openxmlformats.org/officeDocument/2006/relationships" xmlns:p="http://schemas.openxmlformats.org/presentationml/2006/main">
   <p:cSld>

--- a/architecture/KabaneroEvent.pptx
+++ b/architecture/KabaneroEvent.pptx
@@ -277,7 +277,7 @@
           <a:p>
             <a:fld id="{13593C2D-3CA5-4D4F-90AB-38346B6393DE}" type="datetimeFigureOut">
               <a:rPr lang="en-US" smtClean="0"/>
-              <a:t>9/17/2019</a:t>
+              <a:t>9/18/2019</a:t>
             </a:fld>
             <a:endParaRPr lang="en-US"/>
           </a:p>
@@ -475,7 +475,7 @@
           <a:p>
             <a:fld id="{13593C2D-3CA5-4D4F-90AB-38346B6393DE}" type="datetimeFigureOut">
               <a:rPr lang="en-US" smtClean="0"/>
-              <a:t>9/17/2019</a:t>
+              <a:t>9/18/2019</a:t>
             </a:fld>
             <a:endParaRPr lang="en-US"/>
           </a:p>
@@ -683,7 +683,7 @@
           <a:p>
             <a:fld id="{13593C2D-3CA5-4D4F-90AB-38346B6393DE}" type="datetimeFigureOut">
               <a:rPr lang="en-US" smtClean="0"/>
-              <a:t>9/17/2019</a:t>
+              <a:t>9/18/2019</a:t>
             </a:fld>
             <a:endParaRPr lang="en-US"/>
           </a:p>
@@ -881,7 +881,7 @@
           <a:p>
             <a:fld id="{13593C2D-3CA5-4D4F-90AB-38346B6393DE}" type="datetimeFigureOut">
               <a:rPr lang="en-US" smtClean="0"/>
-              <a:t>9/17/2019</a:t>
+              <a:t>9/18/2019</a:t>
             </a:fld>
             <a:endParaRPr lang="en-US"/>
           </a:p>
@@ -1156,7 +1156,7 @@
           <a:p>
             <a:fld id="{13593C2D-3CA5-4D4F-90AB-38346B6393DE}" type="datetimeFigureOut">
               <a:rPr lang="en-US" smtClean="0"/>
-              <a:t>9/17/2019</a:t>
+              <a:t>9/18/2019</a:t>
             </a:fld>
             <a:endParaRPr lang="en-US"/>
           </a:p>
@@ -1421,7 +1421,7 @@
           <a:p>
             <a:fld id="{13593C2D-3CA5-4D4F-90AB-38346B6393DE}" type="datetimeFigureOut">
               <a:rPr lang="en-US" smtClean="0"/>
-              <a:t>9/17/2019</a:t>
+              <a:t>9/18/2019</a:t>
             </a:fld>
             <a:endParaRPr lang="en-US"/>
           </a:p>
@@ -1833,7 +1833,7 @@
           <a:p>
             <a:fld id="{13593C2D-3CA5-4D4F-90AB-38346B6393DE}" type="datetimeFigureOut">
               <a:rPr lang="en-US" smtClean="0"/>
-              <a:t>9/17/2019</a:t>
+              <a:t>9/18/2019</a:t>
             </a:fld>
             <a:endParaRPr lang="en-US"/>
           </a:p>
@@ -1974,7 +1974,7 @@
           <a:p>
             <a:fld id="{13593C2D-3CA5-4D4F-90AB-38346B6393DE}" type="datetimeFigureOut">
               <a:rPr lang="en-US" smtClean="0"/>
-              <a:t>9/17/2019</a:t>
+              <a:t>9/18/2019</a:t>
             </a:fld>
             <a:endParaRPr lang="en-US"/>
           </a:p>
@@ -2087,7 +2087,7 @@
           <a:p>
             <a:fld id="{13593C2D-3CA5-4D4F-90AB-38346B6393DE}" type="datetimeFigureOut">
               <a:rPr lang="en-US" smtClean="0"/>
-              <a:t>9/17/2019</a:t>
+              <a:t>9/18/2019</a:t>
             </a:fld>
             <a:endParaRPr lang="en-US"/>
           </a:p>
@@ -2398,7 +2398,7 @@
           <a:p>
             <a:fld id="{13593C2D-3CA5-4D4F-90AB-38346B6393DE}" type="datetimeFigureOut">
               <a:rPr lang="en-US" smtClean="0"/>
-              <a:t>9/17/2019</a:t>
+              <a:t>9/18/2019</a:t>
             </a:fld>
             <a:endParaRPr lang="en-US"/>
           </a:p>
@@ -2686,7 +2686,7 @@
           <a:p>
             <a:fld id="{13593C2D-3CA5-4D4F-90AB-38346B6393DE}" type="datetimeFigureOut">
               <a:rPr lang="en-US" smtClean="0"/>
-              <a:t>9/17/2019</a:t>
+              <a:t>9/18/2019</a:t>
             </a:fld>
             <a:endParaRPr lang="en-US"/>
           </a:p>
@@ -2927,7 +2927,7 @@
           <a:p>
             <a:fld id="{13593C2D-3CA5-4D4F-90AB-38346B6393DE}" type="datetimeFigureOut">
               <a:rPr lang="en-US" smtClean="0"/>
-              <a:t>9/17/2019</a:t>
+              <a:t>9/18/2019</a:t>
             </a:fld>
             <a:endParaRPr lang="en-US"/>
           </a:p>
@@ -16541,7 +16541,7 @@
         <p:spPr>
           <a:xfrm>
             <a:off x="3643457" y="6191567"/>
-            <a:ext cx="2041393" cy="369332"/>
+            <a:ext cx="1996509" cy="369332"/>
           </a:xfrm>
           <a:prstGeom prst="rect">
             <a:avLst/>
@@ -16556,11 +16556,11 @@
           <a:p>
             <a:r>
               <a:rPr lang="en-US" dirty="0"/>
-              <a:t>Strategy: </a:t>
-            </a:r>
-            <a:r>
-              <a:rPr lang="en-US" dirty="0" err="1"/>
-              <a:t>two_stage</a:t>
+              <a:t>Strategy</a:t>
+            </a:r>
+            <a:r>
+              <a:rPr lang="en-US"/>
+              <a:t>: two-stage</a:t>
             </a:r>
             <a:endParaRPr lang="en-US" dirty="0"/>
           </a:p>
